--- a/Đồ án/BaoCao.pptx
+++ b/Đồ án/BaoCao.pptx
@@ -5,16 +5,17 @@
     <p:sldMasterId id="2147483648" r:id="rId4"/>
   </p:sldMasterIdLst>
   <p:notesMasterIdLst>
-    <p:notesMasterId r:id="rId9"/>
+    <p:notesMasterId r:id="rId10"/>
   </p:notesMasterIdLst>
   <p:handoutMasterIdLst>
-    <p:handoutMasterId r:id="rId10"/>
+    <p:handoutMasterId r:id="rId11"/>
   </p:handoutMasterIdLst>
   <p:sldIdLst>
     <p:sldId id="258" r:id="rId5"/>
     <p:sldId id="2441" r:id="rId6"/>
-    <p:sldId id="2443" r:id="rId7"/>
-    <p:sldId id="2444" r:id="rId8"/>
+    <p:sldId id="2445" r:id="rId7"/>
+    <p:sldId id="2443" r:id="rId8"/>
+    <p:sldId id="2444" r:id="rId9"/>
   </p:sldIdLst>
   <p:sldSz cx="12192000" cy="6858000"/>
   <p:notesSz cx="6858000" cy="9144000"/>
@@ -162,7 +163,7 @@
           <p:cNvPr id="2" name="Header Placeholder 1">
             <a:extLst>
               <a:ext uri="{FF2B5EF4-FFF2-40B4-BE49-F238E27FC236}">
-                <a16:creationId xmlns:a16="http://schemas.microsoft.com/office/drawing/2014/main" xmlns="" id="{0F97DFCF-F890-A143-9133-C8B65C9B01EF}"/>
+                <a16:creationId xmlns:a16="http://schemas.microsoft.com/office/drawing/2014/main" id="{0F97DFCF-F890-A143-9133-C8B65C9B01EF}"/>
               </a:ext>
             </a:extLst>
           </p:cNvPr>
@@ -199,7 +200,7 @@
           <p:cNvPr id="3" name="Date Placeholder 2">
             <a:extLst>
               <a:ext uri="{FF2B5EF4-FFF2-40B4-BE49-F238E27FC236}">
-                <a16:creationId xmlns:a16="http://schemas.microsoft.com/office/drawing/2014/main" xmlns="" id="{EFE2C281-2434-D94F-B4BD-BA3CD4DB8440}"/>
+                <a16:creationId xmlns:a16="http://schemas.microsoft.com/office/drawing/2014/main" id="{EFE2C281-2434-D94F-B4BD-BA3CD4DB8440}"/>
               </a:ext>
             </a:extLst>
           </p:cNvPr>
@@ -229,7 +230,7 @@
           <a:p>
             <a:fld id="{966D5B4E-BF3E-3B45-A4BA-D6C3B92870D7}" type="datetimeFigureOut">
               <a:rPr lang="en-US" smtClean="0"/>
-              <a:t>5/1/20</a:t>
+              <a:t>5/6/2020</a:t>
             </a:fld>
             <a:endParaRPr lang="en-US" dirty="0"/>
           </a:p>
@@ -240,7 +241,7 @@
           <p:cNvPr id="4" name="Footer Placeholder 3">
             <a:extLst>
               <a:ext uri="{FF2B5EF4-FFF2-40B4-BE49-F238E27FC236}">
-                <a16:creationId xmlns:a16="http://schemas.microsoft.com/office/drawing/2014/main" xmlns="" id="{5C17CBFA-633D-5540-AFAA-BE1F495EC62F}"/>
+                <a16:creationId xmlns:a16="http://schemas.microsoft.com/office/drawing/2014/main" id="{5C17CBFA-633D-5540-AFAA-BE1F495EC62F}"/>
               </a:ext>
             </a:extLst>
           </p:cNvPr>
@@ -277,7 +278,7 @@
           <p:cNvPr id="5" name="Slide Number Placeholder 4">
             <a:extLst>
               <a:ext uri="{FF2B5EF4-FFF2-40B4-BE49-F238E27FC236}">
-                <a16:creationId xmlns:a16="http://schemas.microsoft.com/office/drawing/2014/main" xmlns="" id="{826B5631-D714-AD41-853B-A883ADC344D5}"/>
+                <a16:creationId xmlns:a16="http://schemas.microsoft.com/office/drawing/2014/main" id="{826B5631-D714-AD41-853B-A883ADC344D5}"/>
               </a:ext>
             </a:extLst>
           </p:cNvPr>
@@ -406,7 +407,7 @@
           <a:p>
             <a:fld id="{F5A8621B-8C8E-49BA-8772-41D0FE75A082}" type="datetimeFigureOut">
               <a:rPr lang="en-US" smtClean="0"/>
-              <a:t>5/1/20</a:t>
+              <a:t>5/6/2020</a:t>
             </a:fld>
             <a:endParaRPr lang="en-US" dirty="0"/>
           </a:p>
@@ -915,7 +916,7 @@
     </p:spTree>
     <p:extLst>
       <p:ext uri="{BB962C8B-B14F-4D97-AF65-F5344CB8AC3E}">
-        <p14:creationId xmlns:p14="http://schemas.microsoft.com/office/powerpoint/2010/main" val="3611700017"/>
+        <p14:creationId xmlns:p14="http://schemas.microsoft.com/office/powerpoint/2010/main" val="1635595759"/>
       </p:ext>
     </p:extLst>
   </p:cSld>
@@ -999,6 +1000,90 @@
     </p:spTree>
     <p:extLst>
       <p:ext uri="{BB962C8B-B14F-4D97-AF65-F5344CB8AC3E}">
+        <p14:creationId xmlns:p14="http://schemas.microsoft.com/office/powerpoint/2010/main" val="3611700017"/>
+      </p:ext>
+    </p:extLst>
+  </p:cSld>
+  <p:clrMapOvr>
+    <a:masterClrMapping/>
+  </p:clrMapOvr>
+</p:notes>
+</file>
+
+<file path=ppt/notesSlides/notesSlide5.xml><?xml version="1.0" encoding="utf-8"?>
+<p:notes xmlns:a="http://schemas.openxmlformats.org/drawingml/2006/main" xmlns:r="http://schemas.openxmlformats.org/officeDocument/2006/relationships" xmlns:p="http://schemas.openxmlformats.org/presentationml/2006/main">
+  <p:cSld>
+    <p:spTree>
+      <p:nvGrpSpPr>
+        <p:cNvPr id="1" name=""/>
+        <p:cNvGrpSpPr/>
+        <p:nvPr/>
+      </p:nvGrpSpPr>
+      <p:grpSpPr>
+        <a:xfrm>
+          <a:off x="0" y="0"/>
+          <a:ext cx="0" cy="0"/>
+          <a:chOff x="0" y="0"/>
+          <a:chExt cx="0" cy="0"/>
+        </a:xfrm>
+      </p:grpSpPr>
+      <p:sp>
+        <p:nvSpPr>
+          <p:cNvPr id="2" name="Slide Image Placeholder 1"/>
+          <p:cNvSpPr>
+            <a:spLocks noGrp="1" noRot="1" noChangeAspect="1"/>
+          </p:cNvSpPr>
+          <p:nvPr>
+            <p:ph type="sldImg"/>
+          </p:nvPr>
+        </p:nvSpPr>
+        <p:spPr/>
+      </p:sp>
+      <p:sp>
+        <p:nvSpPr>
+          <p:cNvPr id="3" name="Notes Placeholder 2"/>
+          <p:cNvSpPr>
+            <a:spLocks noGrp="1"/>
+          </p:cNvSpPr>
+          <p:nvPr>
+            <p:ph type="body" idx="1"/>
+          </p:nvPr>
+        </p:nvSpPr>
+        <p:spPr/>
+        <p:txBody>
+          <a:bodyPr/>
+          <a:lstStyle/>
+          <a:p>
+            <a:endParaRPr lang="en-US" dirty="0"/>
+          </a:p>
+        </p:txBody>
+      </p:sp>
+      <p:sp>
+        <p:nvSpPr>
+          <p:cNvPr id="4" name="Slide Number Placeholder 3"/>
+          <p:cNvSpPr>
+            <a:spLocks noGrp="1"/>
+          </p:cNvSpPr>
+          <p:nvPr>
+            <p:ph type="sldNum" sz="quarter" idx="10"/>
+          </p:nvPr>
+        </p:nvSpPr>
+        <p:spPr/>
+        <p:txBody>
+          <a:bodyPr/>
+          <a:lstStyle/>
+          <a:p>
+            <a:fld id="{228B34ED-4CDD-41C9-90F7-D768D5559A6F}" type="slidenum">
+              <a:rPr lang="en-US" smtClean="0"/>
+              <a:t>5</a:t>
+            </a:fld>
+            <a:endParaRPr lang="en-US" dirty="0"/>
+          </a:p>
+        </p:txBody>
+      </p:sp>
+    </p:spTree>
+    <p:extLst>
+      <p:ext uri="{BB962C8B-B14F-4D97-AF65-F5344CB8AC3E}">
         <p14:creationId xmlns:p14="http://schemas.microsoft.com/office/powerpoint/2010/main" val="3237459842"/>
       </p:ext>
     </p:extLst>
@@ -1031,7 +1116,7 @@
           <p:cNvPr id="5" name="Footer Placeholder 4">
             <a:extLst>
               <a:ext uri="{FF2B5EF4-FFF2-40B4-BE49-F238E27FC236}">
-                <a16:creationId xmlns:a16="http://schemas.microsoft.com/office/drawing/2014/main" xmlns="" id="{42A27944-63F0-4B2F-AD45-448C6DF71C85}"/>
+                <a16:creationId xmlns:a16="http://schemas.microsoft.com/office/drawing/2014/main" id="{42A27944-63F0-4B2F-AD45-448C6DF71C85}"/>
               </a:ext>
             </a:extLst>
           </p:cNvPr>
@@ -1059,7 +1144,7 @@
           <p:cNvPr id="6" name="Slide Number Placeholder 5">
             <a:extLst>
               <a:ext uri="{FF2B5EF4-FFF2-40B4-BE49-F238E27FC236}">
-                <a16:creationId xmlns:a16="http://schemas.microsoft.com/office/drawing/2014/main" xmlns="" id="{AF5DAC0D-26BC-4E19-94BF-7F158080FB62}"/>
+                <a16:creationId xmlns:a16="http://schemas.microsoft.com/office/drawing/2014/main" id="{AF5DAC0D-26BC-4E19-94BF-7F158080FB62}"/>
               </a:ext>
             </a:extLst>
           </p:cNvPr>
@@ -1088,7 +1173,7 @@
           <p:cNvPr id="2" name="Title 1">
             <a:extLst>
               <a:ext uri="{FF2B5EF4-FFF2-40B4-BE49-F238E27FC236}">
-                <a16:creationId xmlns:a16="http://schemas.microsoft.com/office/drawing/2014/main" xmlns="" id="{2C63BDE4-1CD0-AC4C-A2A9-C858427B0E20}"/>
+                <a16:creationId xmlns:a16="http://schemas.microsoft.com/office/drawing/2014/main" id="{2C63BDE4-1CD0-AC4C-A2A9-C858427B0E20}"/>
               </a:ext>
             </a:extLst>
           </p:cNvPr>
@@ -1123,7 +1208,7 @@
           <p:cNvPr id="8" name="Text Placeholder 2">
             <a:extLst>
               <a:ext uri="{FF2B5EF4-FFF2-40B4-BE49-F238E27FC236}">
-                <a16:creationId xmlns:a16="http://schemas.microsoft.com/office/drawing/2014/main" xmlns="" id="{67265051-1E5A-D844-BA21-383315517276}"/>
+                <a16:creationId xmlns:a16="http://schemas.microsoft.com/office/drawing/2014/main" id="{67265051-1E5A-D844-BA21-383315517276}"/>
               </a:ext>
             </a:extLst>
           </p:cNvPr>
@@ -1222,7 +1307,7 @@
           <p:cNvPr id="9" name="Text Placeholder 5">
             <a:extLst>
               <a:ext uri="{FF2B5EF4-FFF2-40B4-BE49-F238E27FC236}">
-                <a16:creationId xmlns:a16="http://schemas.microsoft.com/office/drawing/2014/main" xmlns="" id="{2914F6FF-E574-0340-AD3E-E6747297E034}"/>
+                <a16:creationId xmlns:a16="http://schemas.microsoft.com/office/drawing/2014/main" id="{2914F6FF-E574-0340-AD3E-E6747297E034}"/>
               </a:ext>
             </a:extLst>
           </p:cNvPr>
@@ -1324,7 +1409,7 @@
           <p:cNvPr id="5" name="Footer Placeholder 4">
             <a:extLst>
               <a:ext uri="{FF2B5EF4-FFF2-40B4-BE49-F238E27FC236}">
-                <a16:creationId xmlns:a16="http://schemas.microsoft.com/office/drawing/2014/main" xmlns="" id="{42A27944-63F0-4B2F-AD45-448C6DF71C85}"/>
+                <a16:creationId xmlns:a16="http://schemas.microsoft.com/office/drawing/2014/main" id="{42A27944-63F0-4B2F-AD45-448C6DF71C85}"/>
               </a:ext>
             </a:extLst>
           </p:cNvPr>
@@ -1352,7 +1437,7 @@
           <p:cNvPr id="6" name="Slide Number Placeholder 5">
             <a:extLst>
               <a:ext uri="{FF2B5EF4-FFF2-40B4-BE49-F238E27FC236}">
-                <a16:creationId xmlns:a16="http://schemas.microsoft.com/office/drawing/2014/main" xmlns="" id="{AF5DAC0D-26BC-4E19-94BF-7F158080FB62}"/>
+                <a16:creationId xmlns:a16="http://schemas.microsoft.com/office/drawing/2014/main" id="{AF5DAC0D-26BC-4E19-94BF-7F158080FB62}"/>
               </a:ext>
             </a:extLst>
           </p:cNvPr>
@@ -1381,7 +1466,7 @@
           <p:cNvPr id="2" name="Title 1">
             <a:extLst>
               <a:ext uri="{FF2B5EF4-FFF2-40B4-BE49-F238E27FC236}">
-                <a16:creationId xmlns:a16="http://schemas.microsoft.com/office/drawing/2014/main" xmlns="" id="{2C63BDE4-1CD0-AC4C-A2A9-C858427B0E20}"/>
+                <a16:creationId xmlns:a16="http://schemas.microsoft.com/office/drawing/2014/main" id="{2C63BDE4-1CD0-AC4C-A2A9-C858427B0E20}"/>
               </a:ext>
             </a:extLst>
           </p:cNvPr>
@@ -1416,7 +1501,7 @@
           <p:cNvPr id="8" name="Text Placeholder 2">
             <a:extLst>
               <a:ext uri="{FF2B5EF4-FFF2-40B4-BE49-F238E27FC236}">
-                <a16:creationId xmlns:a16="http://schemas.microsoft.com/office/drawing/2014/main" xmlns="" id="{67265051-1E5A-D844-BA21-383315517276}"/>
+                <a16:creationId xmlns:a16="http://schemas.microsoft.com/office/drawing/2014/main" id="{67265051-1E5A-D844-BA21-383315517276}"/>
               </a:ext>
             </a:extLst>
           </p:cNvPr>
@@ -1552,7 +1637,7 @@
           <p:cNvPr id="12" name="Rectangle 11">
             <a:extLst>
               <a:ext uri="{FF2B5EF4-FFF2-40B4-BE49-F238E27FC236}">
-                <a16:creationId xmlns:a16="http://schemas.microsoft.com/office/drawing/2014/main" xmlns="" id="{01CCD8B1-7DA9-46E5-8EC4-7B1E0D7E9B20}"/>
+                <a16:creationId xmlns:a16="http://schemas.microsoft.com/office/drawing/2014/main" id="{01CCD8B1-7DA9-46E5-8EC4-7B1E0D7E9B20}"/>
               </a:ext>
             </a:extLst>
           </p:cNvPr>
@@ -1623,7 +1708,7 @@
           <p:cNvPr id="11" name="Rectangle 10">
             <a:extLst>
               <a:ext uri="{FF2B5EF4-FFF2-40B4-BE49-F238E27FC236}">
-                <a16:creationId xmlns:a16="http://schemas.microsoft.com/office/drawing/2014/main" xmlns="" id="{A0E18C59-4654-4610-A461-4DAD6B9AA844}"/>
+                <a16:creationId xmlns:a16="http://schemas.microsoft.com/office/drawing/2014/main" id="{A0E18C59-4654-4610-A461-4DAD6B9AA844}"/>
               </a:ext>
             </a:extLst>
           </p:cNvPr>
@@ -1682,7 +1767,7 @@
           <p:cNvPr id="2" name="Title 1">
             <a:extLst>
               <a:ext uri="{FF2B5EF4-FFF2-40B4-BE49-F238E27FC236}">
-                <a16:creationId xmlns:a16="http://schemas.microsoft.com/office/drawing/2014/main" xmlns="" id="{74E289BF-FC60-4B0A-9338-19DFADB75B3E}"/>
+                <a16:creationId xmlns:a16="http://schemas.microsoft.com/office/drawing/2014/main" id="{74E289BF-FC60-4B0A-9338-19DFADB75B3E}"/>
               </a:ext>
             </a:extLst>
           </p:cNvPr>
@@ -1721,7 +1806,7 @@
           <p:cNvPr id="3" name="Text Placeholder 2">
             <a:extLst>
               <a:ext uri="{FF2B5EF4-FFF2-40B4-BE49-F238E27FC236}">
-                <a16:creationId xmlns:a16="http://schemas.microsoft.com/office/drawing/2014/main" xmlns="" id="{9BDA91F3-AE43-4DDA-AB24-49CF87963D72}"/>
+                <a16:creationId xmlns:a16="http://schemas.microsoft.com/office/drawing/2014/main" id="{9BDA91F3-AE43-4DDA-AB24-49CF87963D72}"/>
               </a:ext>
             </a:extLst>
           </p:cNvPr>
@@ -1796,7 +1881,7 @@
           <p:cNvPr id="4" name="Content Placeholder 3">
             <a:extLst>
               <a:ext uri="{FF2B5EF4-FFF2-40B4-BE49-F238E27FC236}">
-                <a16:creationId xmlns:a16="http://schemas.microsoft.com/office/drawing/2014/main" xmlns="" id="{24A648F6-CDB4-4032-9F98-6ED11F980765}"/>
+                <a16:creationId xmlns:a16="http://schemas.microsoft.com/office/drawing/2014/main" id="{24A648F6-CDB4-4032-9F98-6ED11F980765}"/>
               </a:ext>
             </a:extLst>
           </p:cNvPr>
@@ -1912,7 +1997,7 @@
           <p:cNvPr id="5" name="Text Placeholder 4">
             <a:extLst>
               <a:ext uri="{FF2B5EF4-FFF2-40B4-BE49-F238E27FC236}">
-                <a16:creationId xmlns:a16="http://schemas.microsoft.com/office/drawing/2014/main" xmlns="" id="{258F648F-0299-4352-914D-9ACEEF6FE597}"/>
+                <a16:creationId xmlns:a16="http://schemas.microsoft.com/office/drawing/2014/main" id="{258F648F-0299-4352-914D-9ACEEF6FE597}"/>
               </a:ext>
             </a:extLst>
           </p:cNvPr>
@@ -1987,7 +2072,7 @@
           <p:cNvPr id="6" name="Content Placeholder 5">
             <a:extLst>
               <a:ext uri="{FF2B5EF4-FFF2-40B4-BE49-F238E27FC236}">
-                <a16:creationId xmlns:a16="http://schemas.microsoft.com/office/drawing/2014/main" xmlns="" id="{65215A19-FA39-4BD0-87C2-8DA3B8C587BB}"/>
+                <a16:creationId xmlns:a16="http://schemas.microsoft.com/office/drawing/2014/main" id="{65215A19-FA39-4BD0-87C2-8DA3B8C587BB}"/>
               </a:ext>
             </a:extLst>
           </p:cNvPr>
@@ -2103,7 +2188,7 @@
           <p:cNvPr id="8" name="Footer Placeholder 7">
             <a:extLst>
               <a:ext uri="{FF2B5EF4-FFF2-40B4-BE49-F238E27FC236}">
-                <a16:creationId xmlns:a16="http://schemas.microsoft.com/office/drawing/2014/main" xmlns="" id="{A719B710-B005-42F3-BB0B-EDD61A824BF6}"/>
+                <a16:creationId xmlns:a16="http://schemas.microsoft.com/office/drawing/2014/main" id="{A719B710-B005-42F3-BB0B-EDD61A824BF6}"/>
               </a:ext>
             </a:extLst>
           </p:cNvPr>
@@ -2131,7 +2216,7 @@
           <p:cNvPr id="9" name="Slide Number Placeholder 8">
             <a:extLst>
               <a:ext uri="{FF2B5EF4-FFF2-40B4-BE49-F238E27FC236}">
-                <a16:creationId xmlns:a16="http://schemas.microsoft.com/office/drawing/2014/main" xmlns="" id="{6B457843-7A19-4C1A-A6EB-82840DAE997E}"/>
+                <a16:creationId xmlns:a16="http://schemas.microsoft.com/office/drawing/2014/main" id="{6B457843-7A19-4C1A-A6EB-82840DAE997E}"/>
               </a:ext>
             </a:extLst>
           </p:cNvPr>
@@ -2160,7 +2245,7 @@
           <p:cNvPr id="13" name="Shape 61">
             <a:extLst>
               <a:ext uri="{FF2B5EF4-FFF2-40B4-BE49-F238E27FC236}">
-                <a16:creationId xmlns:a16="http://schemas.microsoft.com/office/drawing/2014/main" xmlns="" id="{675B8062-1FC4-4E68-B7AF-45AB92A9F7B4}"/>
+                <a16:creationId xmlns:a16="http://schemas.microsoft.com/office/drawing/2014/main" id="{675B8062-1FC4-4E68-B7AF-45AB92A9F7B4}"/>
               </a:ext>
             </a:extLst>
           </p:cNvPr>
@@ -2180,7 +2265,7 @@
           </a:ln>
           <a:extLst>
             <a:ext uri="{C572A759-6A51-4108-AA02-DFA0A04FC94B}">
-              <ma14:wrappingTextBoxFlag xmlns:ma14="http://schemas.microsoft.com/office/mac/drawingml/2011/main" val="1"/>
+              <ma14:wrappingTextBoxFlag xmlns:ma14="http://schemas.microsoft.com/office/mac/drawingml/2011/main" xmlns="" val="1"/>
             </a:ext>
           </a:extLst>
         </p:spPr>
@@ -2258,7 +2343,7 @@
           <p:cNvPr id="12" name="Rectangle 11">
             <a:extLst>
               <a:ext uri="{FF2B5EF4-FFF2-40B4-BE49-F238E27FC236}">
-                <a16:creationId xmlns:a16="http://schemas.microsoft.com/office/drawing/2014/main" xmlns="" id="{01CCD8B1-7DA9-46E5-8EC4-7B1E0D7E9B20}"/>
+                <a16:creationId xmlns:a16="http://schemas.microsoft.com/office/drawing/2014/main" id="{01CCD8B1-7DA9-46E5-8EC4-7B1E0D7E9B20}"/>
               </a:ext>
             </a:extLst>
           </p:cNvPr>
@@ -2329,7 +2414,7 @@
           <p:cNvPr id="11" name="Rectangle 10">
             <a:extLst>
               <a:ext uri="{FF2B5EF4-FFF2-40B4-BE49-F238E27FC236}">
-                <a16:creationId xmlns:a16="http://schemas.microsoft.com/office/drawing/2014/main" xmlns="" id="{A0E18C59-4654-4610-A461-4DAD6B9AA844}"/>
+                <a16:creationId xmlns:a16="http://schemas.microsoft.com/office/drawing/2014/main" id="{A0E18C59-4654-4610-A461-4DAD6B9AA844}"/>
               </a:ext>
             </a:extLst>
           </p:cNvPr>
@@ -2388,7 +2473,7 @@
           <p:cNvPr id="2" name="Title 1">
             <a:extLst>
               <a:ext uri="{FF2B5EF4-FFF2-40B4-BE49-F238E27FC236}">
-                <a16:creationId xmlns:a16="http://schemas.microsoft.com/office/drawing/2014/main" xmlns="" id="{74E289BF-FC60-4B0A-9338-19DFADB75B3E}"/>
+                <a16:creationId xmlns:a16="http://schemas.microsoft.com/office/drawing/2014/main" id="{74E289BF-FC60-4B0A-9338-19DFADB75B3E}"/>
               </a:ext>
             </a:extLst>
           </p:cNvPr>
@@ -2427,7 +2512,7 @@
           <p:cNvPr id="8" name="Footer Placeholder 7">
             <a:extLst>
               <a:ext uri="{FF2B5EF4-FFF2-40B4-BE49-F238E27FC236}">
-                <a16:creationId xmlns:a16="http://schemas.microsoft.com/office/drawing/2014/main" xmlns="" id="{A719B710-B005-42F3-BB0B-EDD61A824BF6}"/>
+                <a16:creationId xmlns:a16="http://schemas.microsoft.com/office/drawing/2014/main" id="{A719B710-B005-42F3-BB0B-EDD61A824BF6}"/>
               </a:ext>
             </a:extLst>
           </p:cNvPr>
@@ -2455,7 +2540,7 @@
           <p:cNvPr id="9" name="Slide Number Placeholder 8">
             <a:extLst>
               <a:ext uri="{FF2B5EF4-FFF2-40B4-BE49-F238E27FC236}">
-                <a16:creationId xmlns:a16="http://schemas.microsoft.com/office/drawing/2014/main" xmlns="" id="{6B457843-7A19-4C1A-A6EB-82840DAE997E}"/>
+                <a16:creationId xmlns:a16="http://schemas.microsoft.com/office/drawing/2014/main" id="{6B457843-7A19-4C1A-A6EB-82840DAE997E}"/>
               </a:ext>
             </a:extLst>
           </p:cNvPr>
@@ -2484,7 +2569,7 @@
           <p:cNvPr id="13" name="Shape 61">
             <a:extLst>
               <a:ext uri="{FF2B5EF4-FFF2-40B4-BE49-F238E27FC236}">
-                <a16:creationId xmlns:a16="http://schemas.microsoft.com/office/drawing/2014/main" xmlns="" id="{675B8062-1FC4-4E68-B7AF-45AB92A9F7B4}"/>
+                <a16:creationId xmlns:a16="http://schemas.microsoft.com/office/drawing/2014/main" id="{675B8062-1FC4-4E68-B7AF-45AB92A9F7B4}"/>
               </a:ext>
             </a:extLst>
           </p:cNvPr>
@@ -2504,7 +2589,7 @@
           </a:ln>
           <a:extLst>
             <a:ext uri="{C572A759-6A51-4108-AA02-DFA0A04FC94B}">
-              <ma14:wrappingTextBoxFlag xmlns:ma14="http://schemas.microsoft.com/office/mac/drawingml/2011/main" val="1"/>
+              <ma14:wrappingTextBoxFlag xmlns:ma14="http://schemas.microsoft.com/office/mac/drawingml/2011/main" xmlns="" val="1"/>
             </a:ext>
           </a:extLst>
         </p:spPr>
@@ -2552,7 +2637,7 @@
           <p:cNvPr id="15" name="Content Placeholder 2">
             <a:extLst>
               <a:ext uri="{FF2B5EF4-FFF2-40B4-BE49-F238E27FC236}">
-                <a16:creationId xmlns:a16="http://schemas.microsoft.com/office/drawing/2014/main" xmlns="" id="{2B178DD2-BCD4-4E9E-8EAA-0A3AB74C6160}"/>
+                <a16:creationId xmlns:a16="http://schemas.microsoft.com/office/drawing/2014/main" id="{2B178DD2-BCD4-4E9E-8EAA-0A3AB74C6160}"/>
               </a:ext>
             </a:extLst>
           </p:cNvPr>
@@ -2651,7 +2736,7 @@
           <p:cNvPr id="16" name="Content Placeholder 3">
             <a:extLst>
               <a:ext uri="{FF2B5EF4-FFF2-40B4-BE49-F238E27FC236}">
-                <a16:creationId xmlns:a16="http://schemas.microsoft.com/office/drawing/2014/main" xmlns="" id="{0B7D881D-13DE-4377-AA74-0EBFD9C9926A}"/>
+                <a16:creationId xmlns:a16="http://schemas.microsoft.com/office/drawing/2014/main" id="{0B7D881D-13DE-4377-AA74-0EBFD9C9926A}"/>
               </a:ext>
             </a:extLst>
           </p:cNvPr>
@@ -2787,7 +2872,7 @@
           <p:cNvPr id="11" name="Rectangle 10">
             <a:extLst>
               <a:ext uri="{FF2B5EF4-FFF2-40B4-BE49-F238E27FC236}">
-                <a16:creationId xmlns:a16="http://schemas.microsoft.com/office/drawing/2014/main" xmlns="" id="{A0E18C59-4654-4610-A461-4DAD6B9AA844}"/>
+                <a16:creationId xmlns:a16="http://schemas.microsoft.com/office/drawing/2014/main" id="{A0E18C59-4654-4610-A461-4DAD6B9AA844}"/>
               </a:ext>
             </a:extLst>
           </p:cNvPr>
@@ -2846,7 +2931,7 @@
           <p:cNvPr id="2" name="Title 1">
             <a:extLst>
               <a:ext uri="{FF2B5EF4-FFF2-40B4-BE49-F238E27FC236}">
-                <a16:creationId xmlns:a16="http://schemas.microsoft.com/office/drawing/2014/main" xmlns="" id="{74E289BF-FC60-4B0A-9338-19DFADB75B3E}"/>
+                <a16:creationId xmlns:a16="http://schemas.microsoft.com/office/drawing/2014/main" id="{74E289BF-FC60-4B0A-9338-19DFADB75B3E}"/>
               </a:ext>
             </a:extLst>
           </p:cNvPr>
@@ -2889,7 +2974,7 @@
           <p:cNvPr id="8" name="Footer Placeholder 7">
             <a:extLst>
               <a:ext uri="{FF2B5EF4-FFF2-40B4-BE49-F238E27FC236}">
-                <a16:creationId xmlns:a16="http://schemas.microsoft.com/office/drawing/2014/main" xmlns="" id="{A719B710-B005-42F3-BB0B-EDD61A824BF6}"/>
+                <a16:creationId xmlns:a16="http://schemas.microsoft.com/office/drawing/2014/main" id="{A719B710-B005-42F3-BB0B-EDD61A824BF6}"/>
               </a:ext>
             </a:extLst>
           </p:cNvPr>
@@ -2917,7 +3002,7 @@
           <p:cNvPr id="9" name="Slide Number Placeholder 8">
             <a:extLst>
               <a:ext uri="{FF2B5EF4-FFF2-40B4-BE49-F238E27FC236}">
-                <a16:creationId xmlns:a16="http://schemas.microsoft.com/office/drawing/2014/main" xmlns="" id="{6B457843-7A19-4C1A-A6EB-82840DAE997E}"/>
+                <a16:creationId xmlns:a16="http://schemas.microsoft.com/office/drawing/2014/main" id="{6B457843-7A19-4C1A-A6EB-82840DAE997E}"/>
               </a:ext>
             </a:extLst>
           </p:cNvPr>
@@ -2946,7 +3031,7 @@
           <p:cNvPr id="16" name="Text Placeholder 3">
             <a:extLst>
               <a:ext uri="{FF2B5EF4-FFF2-40B4-BE49-F238E27FC236}">
-                <a16:creationId xmlns:a16="http://schemas.microsoft.com/office/drawing/2014/main" xmlns="" id="{1B8C1683-B5FA-422D-82FD-3E04C0D01AC4}"/>
+                <a16:creationId xmlns:a16="http://schemas.microsoft.com/office/drawing/2014/main" id="{1B8C1683-B5FA-422D-82FD-3E04C0D01AC4}"/>
               </a:ext>
             </a:extLst>
           </p:cNvPr>
@@ -3021,7 +3106,7 @@
           <p:cNvPr id="17" name="Content Placeholder 2">
             <a:extLst>
               <a:ext uri="{FF2B5EF4-FFF2-40B4-BE49-F238E27FC236}">
-                <a16:creationId xmlns:a16="http://schemas.microsoft.com/office/drawing/2014/main" xmlns="" id="{64332CC6-AF18-49EE-9933-50E3E93F6B86}"/>
+                <a16:creationId xmlns:a16="http://schemas.microsoft.com/office/drawing/2014/main" id="{64332CC6-AF18-49EE-9933-50E3E93F6B86}"/>
               </a:ext>
             </a:extLst>
           </p:cNvPr>
@@ -3151,7 +3236,7 @@
           <p:cNvPr id="11" name="Rectangle 10">
             <a:extLst>
               <a:ext uri="{FF2B5EF4-FFF2-40B4-BE49-F238E27FC236}">
-                <a16:creationId xmlns:a16="http://schemas.microsoft.com/office/drawing/2014/main" xmlns="" id="{A0E18C59-4654-4610-A461-4DAD6B9AA844}"/>
+                <a16:creationId xmlns:a16="http://schemas.microsoft.com/office/drawing/2014/main" id="{A0E18C59-4654-4610-A461-4DAD6B9AA844}"/>
               </a:ext>
             </a:extLst>
           </p:cNvPr>
@@ -3210,7 +3295,7 @@
           <p:cNvPr id="2" name="Title 1">
             <a:extLst>
               <a:ext uri="{FF2B5EF4-FFF2-40B4-BE49-F238E27FC236}">
-                <a16:creationId xmlns:a16="http://schemas.microsoft.com/office/drawing/2014/main" xmlns="" id="{74E289BF-FC60-4B0A-9338-19DFADB75B3E}"/>
+                <a16:creationId xmlns:a16="http://schemas.microsoft.com/office/drawing/2014/main" id="{74E289BF-FC60-4B0A-9338-19DFADB75B3E}"/>
               </a:ext>
             </a:extLst>
           </p:cNvPr>
@@ -3253,7 +3338,7 @@
           <p:cNvPr id="8" name="Footer Placeholder 7">
             <a:extLst>
               <a:ext uri="{FF2B5EF4-FFF2-40B4-BE49-F238E27FC236}">
-                <a16:creationId xmlns:a16="http://schemas.microsoft.com/office/drawing/2014/main" xmlns="" id="{A719B710-B005-42F3-BB0B-EDD61A824BF6}"/>
+                <a16:creationId xmlns:a16="http://schemas.microsoft.com/office/drawing/2014/main" id="{A719B710-B005-42F3-BB0B-EDD61A824BF6}"/>
               </a:ext>
             </a:extLst>
           </p:cNvPr>
@@ -3281,7 +3366,7 @@
           <p:cNvPr id="9" name="Slide Number Placeholder 8">
             <a:extLst>
               <a:ext uri="{FF2B5EF4-FFF2-40B4-BE49-F238E27FC236}">
-                <a16:creationId xmlns:a16="http://schemas.microsoft.com/office/drawing/2014/main" xmlns="" id="{6B457843-7A19-4C1A-A6EB-82840DAE997E}"/>
+                <a16:creationId xmlns:a16="http://schemas.microsoft.com/office/drawing/2014/main" id="{6B457843-7A19-4C1A-A6EB-82840DAE997E}"/>
               </a:ext>
             </a:extLst>
           </p:cNvPr>
@@ -3310,7 +3395,7 @@
           <p:cNvPr id="15" name="Text Placeholder 3">
             <a:extLst>
               <a:ext uri="{FF2B5EF4-FFF2-40B4-BE49-F238E27FC236}">
-                <a16:creationId xmlns:a16="http://schemas.microsoft.com/office/drawing/2014/main" xmlns="" id="{73C3E625-3996-4407-8E4D-475EF610D90C}"/>
+                <a16:creationId xmlns:a16="http://schemas.microsoft.com/office/drawing/2014/main" id="{73C3E625-3996-4407-8E4D-475EF610D90C}"/>
               </a:ext>
             </a:extLst>
           </p:cNvPr>
@@ -3385,7 +3470,7 @@
           <p:cNvPr id="17" name="Picture Placeholder 2">
             <a:extLst>
               <a:ext uri="{FF2B5EF4-FFF2-40B4-BE49-F238E27FC236}">
-                <a16:creationId xmlns:a16="http://schemas.microsoft.com/office/drawing/2014/main" xmlns="" id="{E87E45D5-103F-4407-822F-E7FAE02D6ABB}"/>
+                <a16:creationId xmlns:a16="http://schemas.microsoft.com/office/drawing/2014/main" id="{E87E45D5-103F-4407-822F-E7FAE02D6ABB}"/>
               </a:ext>
             </a:extLst>
           </p:cNvPr>
@@ -3493,7 +3578,7 @@
           <p:cNvPr id="3" name="Footer Placeholder 2">
             <a:extLst>
               <a:ext uri="{FF2B5EF4-FFF2-40B4-BE49-F238E27FC236}">
-                <a16:creationId xmlns:a16="http://schemas.microsoft.com/office/drawing/2014/main" xmlns="" id="{2DB0C003-2795-4473-BA28-C10CB461998B}"/>
+                <a16:creationId xmlns:a16="http://schemas.microsoft.com/office/drawing/2014/main" id="{2DB0C003-2795-4473-BA28-C10CB461998B}"/>
               </a:ext>
             </a:extLst>
           </p:cNvPr>
@@ -3521,7 +3606,7 @@
           <p:cNvPr id="4" name="Slide Number Placeholder 3">
             <a:extLst>
               <a:ext uri="{FF2B5EF4-FFF2-40B4-BE49-F238E27FC236}">
-                <a16:creationId xmlns:a16="http://schemas.microsoft.com/office/drawing/2014/main" xmlns="" id="{82A626D5-ACB5-4E77-B485-5F611FBCFFA3}"/>
+                <a16:creationId xmlns:a16="http://schemas.microsoft.com/office/drawing/2014/main" id="{82A626D5-ACB5-4E77-B485-5F611FBCFFA3}"/>
               </a:ext>
             </a:extLst>
           </p:cNvPr>
@@ -3587,7 +3672,7 @@
           <p:cNvPr id="3" name="Picture Placeholder 2">
             <a:extLst>
               <a:ext uri="{FF2B5EF4-FFF2-40B4-BE49-F238E27FC236}">
-                <a16:creationId xmlns:a16="http://schemas.microsoft.com/office/drawing/2014/main" xmlns="" id="{DE635FD8-712D-4EE2-A5B6-3DD8DE9C25E9}"/>
+                <a16:creationId xmlns:a16="http://schemas.microsoft.com/office/drawing/2014/main" id="{DE635FD8-712D-4EE2-A5B6-3DD8DE9C25E9}"/>
               </a:ext>
             </a:extLst>
           </p:cNvPr>
@@ -3626,7 +3711,7 @@
           <p:cNvPr id="2" name="Title 1">
             <a:extLst>
               <a:ext uri="{FF2B5EF4-FFF2-40B4-BE49-F238E27FC236}">
-                <a16:creationId xmlns:a16="http://schemas.microsoft.com/office/drawing/2014/main" xmlns="" id="{96D712C6-2A37-4F08-AF12-D70F8C809441}"/>
+                <a16:creationId xmlns:a16="http://schemas.microsoft.com/office/drawing/2014/main" id="{96D712C6-2A37-4F08-AF12-D70F8C809441}"/>
               </a:ext>
             </a:extLst>
           </p:cNvPr>
@@ -3655,7 +3740,7 @@
           <p:cNvPr id="4" name="Slide Number Placeholder 3">
             <a:extLst>
               <a:ext uri="{FF2B5EF4-FFF2-40B4-BE49-F238E27FC236}">
-                <a16:creationId xmlns:a16="http://schemas.microsoft.com/office/drawing/2014/main" xmlns="" id="{82A626D5-ACB5-4E77-B485-5F611FBCFFA3}"/>
+                <a16:creationId xmlns:a16="http://schemas.microsoft.com/office/drawing/2014/main" id="{82A626D5-ACB5-4E77-B485-5F611FBCFFA3}"/>
               </a:ext>
             </a:extLst>
           </p:cNvPr>
@@ -3726,7 +3811,7 @@
           <p:cNvPr id="3" name="Picture Placeholder 2">
             <a:extLst>
               <a:ext uri="{FF2B5EF4-FFF2-40B4-BE49-F238E27FC236}">
-                <a16:creationId xmlns:a16="http://schemas.microsoft.com/office/drawing/2014/main" xmlns="" id="{DE635FD8-712D-4EE2-A5B6-3DD8DE9C25E9}"/>
+                <a16:creationId xmlns:a16="http://schemas.microsoft.com/office/drawing/2014/main" id="{DE635FD8-712D-4EE2-A5B6-3DD8DE9C25E9}"/>
               </a:ext>
             </a:extLst>
           </p:cNvPr>
@@ -3765,7 +3850,7 @@
           <p:cNvPr id="4" name="Title 1">
             <a:extLst>
               <a:ext uri="{FF2B5EF4-FFF2-40B4-BE49-F238E27FC236}">
-                <a16:creationId xmlns:a16="http://schemas.microsoft.com/office/drawing/2014/main" xmlns="" id="{01219AD9-34B1-4C27-8648-E7D7C69C07F9}"/>
+                <a16:creationId xmlns:a16="http://schemas.microsoft.com/office/drawing/2014/main" id="{01219AD9-34B1-4C27-8648-E7D7C69C07F9}"/>
               </a:ext>
             </a:extLst>
           </p:cNvPr>
@@ -3806,7 +3891,7 @@
           <p:cNvPr id="5" name="Text Placeholder 2">
             <a:extLst>
               <a:ext uri="{FF2B5EF4-FFF2-40B4-BE49-F238E27FC236}">
-                <a16:creationId xmlns:a16="http://schemas.microsoft.com/office/drawing/2014/main" xmlns="" id="{40849B93-E2CE-4654-9EC7-7DFA141A5500}"/>
+                <a16:creationId xmlns:a16="http://schemas.microsoft.com/office/drawing/2014/main" id="{40849B93-E2CE-4654-9EC7-7DFA141A5500}"/>
               </a:ext>
             </a:extLst>
           </p:cNvPr>
@@ -3969,7 +4054,7 @@
           <p:cNvPr id="11" name="Picture Placeholder 10">
             <a:extLst>
               <a:ext uri="{FF2B5EF4-FFF2-40B4-BE49-F238E27FC236}">
-                <a16:creationId xmlns:a16="http://schemas.microsoft.com/office/drawing/2014/main" xmlns="" id="{912AA41C-A030-4521-8130-6A8E4543F277}"/>
+                <a16:creationId xmlns:a16="http://schemas.microsoft.com/office/drawing/2014/main" id="{912AA41C-A030-4521-8130-6A8E4543F277}"/>
               </a:ext>
             </a:extLst>
           </p:cNvPr>
@@ -4079,7 +4164,7 @@
           <p:cNvPr id="3" name="Text Placeholder 2">
             <a:extLst>
               <a:ext uri="{FF2B5EF4-FFF2-40B4-BE49-F238E27FC236}">
-                <a16:creationId xmlns:a16="http://schemas.microsoft.com/office/drawing/2014/main" xmlns="" id="{893C356F-E483-4AFD-856C-13BB8E8A5605}"/>
+                <a16:creationId xmlns:a16="http://schemas.microsoft.com/office/drawing/2014/main" id="{893C356F-E483-4AFD-856C-13BB8E8A5605}"/>
               </a:ext>
             </a:extLst>
           </p:cNvPr>
@@ -4207,7 +4292,7 @@
           <p:cNvPr id="5" name="Footer Placeholder 4">
             <a:extLst>
               <a:ext uri="{FF2B5EF4-FFF2-40B4-BE49-F238E27FC236}">
-                <a16:creationId xmlns:a16="http://schemas.microsoft.com/office/drawing/2014/main" xmlns="" id="{BC79732E-D749-40DD-8365-05028518765D}"/>
+                <a16:creationId xmlns:a16="http://schemas.microsoft.com/office/drawing/2014/main" id="{BC79732E-D749-40DD-8365-05028518765D}"/>
               </a:ext>
             </a:extLst>
           </p:cNvPr>
@@ -4235,7 +4320,7 @@
           <p:cNvPr id="6" name="Slide Number Placeholder 5">
             <a:extLst>
               <a:ext uri="{FF2B5EF4-FFF2-40B4-BE49-F238E27FC236}">
-                <a16:creationId xmlns:a16="http://schemas.microsoft.com/office/drawing/2014/main" xmlns="" id="{88F55E23-C4CC-4E9B-80F4-C4BEA6E2DD84}"/>
+                <a16:creationId xmlns:a16="http://schemas.microsoft.com/office/drawing/2014/main" id="{88F55E23-C4CC-4E9B-80F4-C4BEA6E2DD84}"/>
               </a:ext>
             </a:extLst>
           </p:cNvPr>
@@ -4264,7 +4349,7 @@
           <p:cNvPr id="8" name="Title 1">
             <a:extLst>
               <a:ext uri="{FF2B5EF4-FFF2-40B4-BE49-F238E27FC236}">
-                <a16:creationId xmlns:a16="http://schemas.microsoft.com/office/drawing/2014/main" xmlns="" id="{AABA725B-4BCB-1D48-9C5D-46706B18719E}"/>
+                <a16:creationId xmlns:a16="http://schemas.microsoft.com/office/drawing/2014/main" id="{AABA725B-4BCB-1D48-9C5D-46706B18719E}"/>
               </a:ext>
             </a:extLst>
           </p:cNvPr>
@@ -4338,7 +4423,7 @@
           <p:cNvPr id="11" name="Picture Placeholder 10">
             <a:extLst>
               <a:ext uri="{FF2B5EF4-FFF2-40B4-BE49-F238E27FC236}">
-                <a16:creationId xmlns:a16="http://schemas.microsoft.com/office/drawing/2014/main" xmlns="" id="{912AA41C-A030-4521-8130-6A8E4543F277}"/>
+                <a16:creationId xmlns:a16="http://schemas.microsoft.com/office/drawing/2014/main" id="{912AA41C-A030-4521-8130-6A8E4543F277}"/>
               </a:ext>
             </a:extLst>
           </p:cNvPr>
@@ -4387,7 +4472,7 @@
           <p:cNvPr id="2" name="Title 1">
             <a:extLst>
               <a:ext uri="{FF2B5EF4-FFF2-40B4-BE49-F238E27FC236}">
-                <a16:creationId xmlns:a16="http://schemas.microsoft.com/office/drawing/2014/main" xmlns="" id="{97230B2C-7250-4568-96CF-7E5A34B3CAD3}"/>
+                <a16:creationId xmlns:a16="http://schemas.microsoft.com/office/drawing/2014/main" id="{97230B2C-7250-4568-96CF-7E5A34B3CAD3}"/>
               </a:ext>
             </a:extLst>
           </p:cNvPr>
@@ -4424,7 +4509,7 @@
           <p:cNvPr id="3" name="Text Placeholder 2">
             <a:extLst>
               <a:ext uri="{FF2B5EF4-FFF2-40B4-BE49-F238E27FC236}">
-                <a16:creationId xmlns:a16="http://schemas.microsoft.com/office/drawing/2014/main" xmlns="" id="{893C356F-E483-4AFD-856C-13BB8E8A5605}"/>
+                <a16:creationId xmlns:a16="http://schemas.microsoft.com/office/drawing/2014/main" id="{893C356F-E483-4AFD-856C-13BB8E8A5605}"/>
               </a:ext>
             </a:extLst>
           </p:cNvPr>
@@ -4552,7 +4637,7 @@
           <p:cNvPr id="5" name="Footer Placeholder 4">
             <a:extLst>
               <a:ext uri="{FF2B5EF4-FFF2-40B4-BE49-F238E27FC236}">
-                <a16:creationId xmlns:a16="http://schemas.microsoft.com/office/drawing/2014/main" xmlns="" id="{BC79732E-D749-40DD-8365-05028518765D}"/>
+                <a16:creationId xmlns:a16="http://schemas.microsoft.com/office/drawing/2014/main" id="{BC79732E-D749-40DD-8365-05028518765D}"/>
               </a:ext>
             </a:extLst>
           </p:cNvPr>
@@ -4580,7 +4665,7 @@
           <p:cNvPr id="6" name="Slide Number Placeholder 5">
             <a:extLst>
               <a:ext uri="{FF2B5EF4-FFF2-40B4-BE49-F238E27FC236}">
-                <a16:creationId xmlns:a16="http://schemas.microsoft.com/office/drawing/2014/main" xmlns="" id="{88F55E23-C4CC-4E9B-80F4-C4BEA6E2DD84}"/>
+                <a16:creationId xmlns:a16="http://schemas.microsoft.com/office/drawing/2014/main" id="{88F55E23-C4CC-4E9B-80F4-C4BEA6E2DD84}"/>
               </a:ext>
             </a:extLst>
           </p:cNvPr>
@@ -4646,7 +4731,7 @@
           <p:cNvPr id="2" name="Title 1">
             <a:extLst>
               <a:ext uri="{FF2B5EF4-FFF2-40B4-BE49-F238E27FC236}">
-                <a16:creationId xmlns:a16="http://schemas.microsoft.com/office/drawing/2014/main" xmlns="" id="{004074E6-E39E-4D19-B91F-8E84F37CBF3C}"/>
+                <a16:creationId xmlns:a16="http://schemas.microsoft.com/office/drawing/2014/main" id="{004074E6-E39E-4D19-B91F-8E84F37CBF3C}"/>
               </a:ext>
             </a:extLst>
           </p:cNvPr>
@@ -4685,7 +4770,7 @@
           <p:cNvPr id="3" name="Content Placeholder 2">
             <a:extLst>
               <a:ext uri="{FF2B5EF4-FFF2-40B4-BE49-F238E27FC236}">
-                <a16:creationId xmlns:a16="http://schemas.microsoft.com/office/drawing/2014/main" xmlns="" id="{607D1B16-7058-45AD-9B19-E19CAF96683B}"/>
+                <a16:creationId xmlns:a16="http://schemas.microsoft.com/office/drawing/2014/main" id="{607D1B16-7058-45AD-9B19-E19CAF96683B}"/>
               </a:ext>
             </a:extLst>
           </p:cNvPr>
@@ -4796,7 +4881,7 @@
           <p:cNvPr id="53" name="Picture Placeholder 52">
             <a:extLst>
               <a:ext uri="{FF2B5EF4-FFF2-40B4-BE49-F238E27FC236}">
-                <a16:creationId xmlns:a16="http://schemas.microsoft.com/office/drawing/2014/main" xmlns="" id="{86917B65-8F50-454E-AF7E-D53FE2DE8F04}"/>
+                <a16:creationId xmlns:a16="http://schemas.microsoft.com/office/drawing/2014/main" id="{86917B65-8F50-454E-AF7E-D53FE2DE8F04}"/>
               </a:ext>
             </a:extLst>
           </p:cNvPr>
@@ -5236,7 +5321,7 @@
           <p:cNvPr id="58" name="Text Placeholder 2">
             <a:extLst>
               <a:ext uri="{FF2B5EF4-FFF2-40B4-BE49-F238E27FC236}">
-                <a16:creationId xmlns:a16="http://schemas.microsoft.com/office/drawing/2014/main" xmlns="" id="{75065C5E-8027-4266-B6BE-BA117C6F7ACA}"/>
+                <a16:creationId xmlns:a16="http://schemas.microsoft.com/office/drawing/2014/main" id="{75065C5E-8027-4266-B6BE-BA117C6F7ACA}"/>
               </a:ext>
             </a:extLst>
           </p:cNvPr>
@@ -5363,7 +5448,7 @@
           <p:cNvPr id="59" name="Slide Number Placeholder 5">
             <a:extLst>
               <a:ext uri="{FF2B5EF4-FFF2-40B4-BE49-F238E27FC236}">
-                <a16:creationId xmlns:a16="http://schemas.microsoft.com/office/drawing/2014/main" xmlns="" id="{3DEB48E0-328C-45EE-A8BD-90E6AB261082}"/>
+                <a16:creationId xmlns:a16="http://schemas.microsoft.com/office/drawing/2014/main" id="{3DEB48E0-328C-45EE-A8BD-90E6AB261082}"/>
               </a:ext>
             </a:extLst>
           </p:cNvPr>
@@ -5463,7 +5548,7 @@
           <p:cNvPr id="15" name="Rectangle 14">
             <a:extLst>
               <a:ext uri="{FF2B5EF4-FFF2-40B4-BE49-F238E27FC236}">
-                <a16:creationId xmlns:a16="http://schemas.microsoft.com/office/drawing/2014/main" xmlns="" id="{08F64841-5495-4B23-A74E-409C28CB7AC1}"/>
+                <a16:creationId xmlns:a16="http://schemas.microsoft.com/office/drawing/2014/main" id="{08F64841-5495-4B23-A74E-409C28CB7AC1}"/>
               </a:ext>
             </a:extLst>
           </p:cNvPr>
@@ -5522,7 +5607,7 @@
           <p:cNvPr id="2" name="Title 1">
             <a:extLst>
               <a:ext uri="{FF2B5EF4-FFF2-40B4-BE49-F238E27FC236}">
-                <a16:creationId xmlns:a16="http://schemas.microsoft.com/office/drawing/2014/main" xmlns="" id="{004074E6-E39E-4D19-B91F-8E84F37CBF3C}"/>
+                <a16:creationId xmlns:a16="http://schemas.microsoft.com/office/drawing/2014/main" id="{004074E6-E39E-4D19-B91F-8E84F37CBF3C}"/>
               </a:ext>
             </a:extLst>
           </p:cNvPr>
@@ -5565,7 +5650,7 @@
           <p:cNvPr id="3" name="Content Placeholder 2">
             <a:extLst>
               <a:ext uri="{FF2B5EF4-FFF2-40B4-BE49-F238E27FC236}">
-                <a16:creationId xmlns:a16="http://schemas.microsoft.com/office/drawing/2014/main" xmlns="" id="{607D1B16-7058-45AD-9B19-E19CAF96683B}"/>
+                <a16:creationId xmlns:a16="http://schemas.microsoft.com/office/drawing/2014/main" id="{607D1B16-7058-45AD-9B19-E19CAF96683B}"/>
               </a:ext>
             </a:extLst>
           </p:cNvPr>
@@ -5681,7 +5766,7 @@
           <p:cNvPr id="7" name="Text Placeholder 2">
             <a:extLst>
               <a:ext uri="{FF2B5EF4-FFF2-40B4-BE49-F238E27FC236}">
-                <a16:creationId xmlns:a16="http://schemas.microsoft.com/office/drawing/2014/main" xmlns="" id="{6CAAB964-0A56-4842-AA82-7610F726CD14}"/>
+                <a16:creationId xmlns:a16="http://schemas.microsoft.com/office/drawing/2014/main" id="{6CAAB964-0A56-4842-AA82-7610F726CD14}"/>
               </a:ext>
             </a:extLst>
           </p:cNvPr>
@@ -5806,7 +5891,7 @@
           <p:cNvPr id="13" name="Content Placeholder 12">
             <a:extLst>
               <a:ext uri="{FF2B5EF4-FFF2-40B4-BE49-F238E27FC236}">
-                <a16:creationId xmlns:a16="http://schemas.microsoft.com/office/drawing/2014/main" xmlns="" id="{483349C3-B089-45CF-9643-0D25E709663B}"/>
+                <a16:creationId xmlns:a16="http://schemas.microsoft.com/office/drawing/2014/main" id="{483349C3-B089-45CF-9643-0D25E709663B}"/>
               </a:ext>
             </a:extLst>
           </p:cNvPr>
@@ -5845,7 +5930,7 @@
           <p:cNvPr id="16" name="Slide Number Placeholder 5">
             <a:extLst>
               <a:ext uri="{FF2B5EF4-FFF2-40B4-BE49-F238E27FC236}">
-                <a16:creationId xmlns:a16="http://schemas.microsoft.com/office/drawing/2014/main" xmlns="" id="{E7D247BC-E419-4355-8738-B9CE5CA19B5C}"/>
+                <a16:creationId xmlns:a16="http://schemas.microsoft.com/office/drawing/2014/main" id="{E7D247BC-E419-4355-8738-B9CE5CA19B5C}"/>
               </a:ext>
             </a:extLst>
           </p:cNvPr>
@@ -5891,7 +5976,7 @@
           <p:cNvPr id="17" name="Shape 61">
             <a:extLst>
               <a:ext uri="{FF2B5EF4-FFF2-40B4-BE49-F238E27FC236}">
-                <a16:creationId xmlns:a16="http://schemas.microsoft.com/office/drawing/2014/main" xmlns="" id="{649B49FF-0FAA-4E6C-820C-B1F434911FDC}"/>
+                <a16:creationId xmlns:a16="http://schemas.microsoft.com/office/drawing/2014/main" id="{649B49FF-0FAA-4E6C-820C-B1F434911FDC}"/>
               </a:ext>
             </a:extLst>
           </p:cNvPr>
@@ -5911,7 +5996,7 @@
           </a:ln>
           <a:extLst>
             <a:ext uri="{C572A759-6A51-4108-AA02-DFA0A04FC94B}">
-              <ma14:wrappingTextBoxFlag xmlns:ma14="http://schemas.microsoft.com/office/mac/drawingml/2011/main" val="1"/>
+              <ma14:wrappingTextBoxFlag xmlns:ma14="http://schemas.microsoft.com/office/mac/drawingml/2011/main" xmlns="" val="1"/>
             </a:ext>
           </a:extLst>
         </p:spPr>
@@ -6012,7 +6097,7 @@
           <p:cNvPr id="2" name="Title 1">
             <a:extLst>
               <a:ext uri="{FF2B5EF4-FFF2-40B4-BE49-F238E27FC236}">
-                <a16:creationId xmlns:a16="http://schemas.microsoft.com/office/drawing/2014/main" xmlns="" id="{004074E6-E39E-4D19-B91F-8E84F37CBF3C}"/>
+                <a16:creationId xmlns:a16="http://schemas.microsoft.com/office/drawing/2014/main" id="{004074E6-E39E-4D19-B91F-8E84F37CBF3C}"/>
               </a:ext>
             </a:extLst>
           </p:cNvPr>
@@ -6051,7 +6136,7 @@
           <p:cNvPr id="3" name="Content Placeholder 2">
             <a:extLst>
               <a:ext uri="{FF2B5EF4-FFF2-40B4-BE49-F238E27FC236}">
-                <a16:creationId xmlns:a16="http://schemas.microsoft.com/office/drawing/2014/main" xmlns="" id="{607D1B16-7058-45AD-9B19-E19CAF96683B}"/>
+                <a16:creationId xmlns:a16="http://schemas.microsoft.com/office/drawing/2014/main" id="{607D1B16-7058-45AD-9B19-E19CAF96683B}"/>
               </a:ext>
             </a:extLst>
           </p:cNvPr>
@@ -6147,7 +6232,7 @@
           <p:cNvPr id="7" name="Text Placeholder 2">
             <a:extLst>
               <a:ext uri="{FF2B5EF4-FFF2-40B4-BE49-F238E27FC236}">
-                <a16:creationId xmlns:a16="http://schemas.microsoft.com/office/drawing/2014/main" xmlns="" id="{6CAAB964-0A56-4842-AA82-7610F726CD14}"/>
+                <a16:creationId xmlns:a16="http://schemas.microsoft.com/office/drawing/2014/main" id="{6CAAB964-0A56-4842-AA82-7610F726CD14}"/>
               </a:ext>
             </a:extLst>
           </p:cNvPr>
@@ -6274,7 +6359,7 @@
           <p:cNvPr id="9" name="Picture Placeholder 8">
             <a:extLst>
               <a:ext uri="{FF2B5EF4-FFF2-40B4-BE49-F238E27FC236}">
-                <a16:creationId xmlns:a16="http://schemas.microsoft.com/office/drawing/2014/main" xmlns="" id="{186FE9B2-6286-484B-8943-95EE0B6B0267}"/>
+                <a16:creationId xmlns:a16="http://schemas.microsoft.com/office/drawing/2014/main" id="{186FE9B2-6286-484B-8943-95EE0B6B0267}"/>
               </a:ext>
             </a:extLst>
           </p:cNvPr>
@@ -6320,7 +6405,7 @@
           <p:cNvPr id="11" name="Slide Number Placeholder 5">
             <a:extLst>
               <a:ext uri="{FF2B5EF4-FFF2-40B4-BE49-F238E27FC236}">
-                <a16:creationId xmlns:a16="http://schemas.microsoft.com/office/drawing/2014/main" xmlns="" id="{7D4E8708-8565-4A5B-9D9E-1D4F40EAF909}"/>
+                <a16:creationId xmlns:a16="http://schemas.microsoft.com/office/drawing/2014/main" id="{7D4E8708-8565-4A5B-9D9E-1D4F40EAF909}"/>
               </a:ext>
             </a:extLst>
           </p:cNvPr>
@@ -6404,7 +6489,7 @@
           <p:cNvPr id="5" name="Text Placeholder 2">
             <a:extLst>
               <a:ext uri="{FF2B5EF4-FFF2-40B4-BE49-F238E27FC236}">
-                <a16:creationId xmlns:a16="http://schemas.microsoft.com/office/drawing/2014/main" xmlns="" id="{40849B93-E2CE-4654-9EC7-7DFA141A5500}"/>
+                <a16:creationId xmlns:a16="http://schemas.microsoft.com/office/drawing/2014/main" id="{40849B93-E2CE-4654-9EC7-7DFA141A5500}"/>
               </a:ext>
             </a:extLst>
           </p:cNvPr>
@@ -6530,7 +6615,7 @@
           <p:cNvPr id="7" name="Rectangle 6">
             <a:extLst>
               <a:ext uri="{FF2B5EF4-FFF2-40B4-BE49-F238E27FC236}">
-                <a16:creationId xmlns:a16="http://schemas.microsoft.com/office/drawing/2014/main" xmlns="" id="{E7E94348-3BFC-4B39-9C3B-628E777B98F4}"/>
+                <a16:creationId xmlns:a16="http://schemas.microsoft.com/office/drawing/2014/main" id="{E7E94348-3BFC-4B39-9C3B-628E777B98F4}"/>
               </a:ext>
             </a:extLst>
           </p:cNvPr>
@@ -6682,7 +6767,7 @@
           <p:cNvPr id="4" name="Title 1">
             <a:extLst>
               <a:ext uri="{FF2B5EF4-FFF2-40B4-BE49-F238E27FC236}">
-                <a16:creationId xmlns:a16="http://schemas.microsoft.com/office/drawing/2014/main" xmlns="" id="{01219AD9-34B1-4C27-8648-E7D7C69C07F9}"/>
+                <a16:creationId xmlns:a16="http://schemas.microsoft.com/office/drawing/2014/main" id="{01219AD9-34B1-4C27-8648-E7D7C69C07F9}"/>
               </a:ext>
             </a:extLst>
           </p:cNvPr>
@@ -6760,7 +6845,7 @@
           <p:cNvPr id="7" name="Rectangle 6">
             <a:extLst>
               <a:ext uri="{FF2B5EF4-FFF2-40B4-BE49-F238E27FC236}">
-                <a16:creationId xmlns:a16="http://schemas.microsoft.com/office/drawing/2014/main" xmlns="" id="{9AB66B20-A484-4A16-A015-2118F9AF2101}"/>
+                <a16:creationId xmlns:a16="http://schemas.microsoft.com/office/drawing/2014/main" id="{9AB66B20-A484-4A16-A015-2118F9AF2101}"/>
               </a:ext>
             </a:extLst>
           </p:cNvPr>
@@ -6892,7 +6977,7 @@
           <p:cNvPr id="3" name="Text Placeholder 2">
             <a:extLst>
               <a:ext uri="{FF2B5EF4-FFF2-40B4-BE49-F238E27FC236}">
-                <a16:creationId xmlns:a16="http://schemas.microsoft.com/office/drawing/2014/main" xmlns="" id="{893C356F-E483-4AFD-856C-13BB8E8A5605}"/>
+                <a16:creationId xmlns:a16="http://schemas.microsoft.com/office/drawing/2014/main" id="{893C356F-E483-4AFD-856C-13BB8E8A5605}"/>
               </a:ext>
             </a:extLst>
           </p:cNvPr>
@@ -7020,7 +7105,7 @@
           <p:cNvPr id="5" name="Footer Placeholder 4">
             <a:extLst>
               <a:ext uri="{FF2B5EF4-FFF2-40B4-BE49-F238E27FC236}">
-                <a16:creationId xmlns:a16="http://schemas.microsoft.com/office/drawing/2014/main" xmlns="" id="{BC79732E-D749-40DD-8365-05028518765D}"/>
+                <a16:creationId xmlns:a16="http://schemas.microsoft.com/office/drawing/2014/main" id="{BC79732E-D749-40DD-8365-05028518765D}"/>
               </a:ext>
             </a:extLst>
           </p:cNvPr>
@@ -7048,7 +7133,7 @@
           <p:cNvPr id="6" name="Slide Number Placeholder 5">
             <a:extLst>
               <a:ext uri="{FF2B5EF4-FFF2-40B4-BE49-F238E27FC236}">
-                <a16:creationId xmlns:a16="http://schemas.microsoft.com/office/drawing/2014/main" xmlns="" id="{88F55E23-C4CC-4E9B-80F4-C4BEA6E2DD84}"/>
+                <a16:creationId xmlns:a16="http://schemas.microsoft.com/office/drawing/2014/main" id="{88F55E23-C4CC-4E9B-80F4-C4BEA6E2DD84}"/>
               </a:ext>
             </a:extLst>
           </p:cNvPr>
@@ -7077,7 +7162,7 @@
           <p:cNvPr id="8" name="Title 1">
             <a:extLst>
               <a:ext uri="{FF2B5EF4-FFF2-40B4-BE49-F238E27FC236}">
-                <a16:creationId xmlns:a16="http://schemas.microsoft.com/office/drawing/2014/main" xmlns="" id="{AABA725B-4BCB-1D48-9C5D-46706B18719E}"/>
+                <a16:creationId xmlns:a16="http://schemas.microsoft.com/office/drawing/2014/main" id="{AABA725B-4BCB-1D48-9C5D-46706B18719E}"/>
               </a:ext>
             </a:extLst>
           </p:cNvPr>
@@ -7162,7 +7247,7 @@
           <p:cNvPr id="2" name="Title Placeholder 1">
             <a:extLst>
               <a:ext uri="{FF2B5EF4-FFF2-40B4-BE49-F238E27FC236}">
-                <a16:creationId xmlns:a16="http://schemas.microsoft.com/office/drawing/2014/main" xmlns="" id="{9305F96C-D634-4A69-95EC-3D002BD68752}"/>
+                <a16:creationId xmlns:a16="http://schemas.microsoft.com/office/drawing/2014/main" id="{9305F96C-D634-4A69-95EC-3D002BD68752}"/>
               </a:ext>
             </a:extLst>
           </p:cNvPr>
@@ -7201,7 +7286,7 @@
           <p:cNvPr id="3" name="Text Placeholder 2">
             <a:extLst>
               <a:ext uri="{FF2B5EF4-FFF2-40B4-BE49-F238E27FC236}">
-                <a16:creationId xmlns:a16="http://schemas.microsoft.com/office/drawing/2014/main" xmlns="" id="{37757E98-D0FB-43E3-98BC-711F6A2F5372}"/>
+                <a16:creationId xmlns:a16="http://schemas.microsoft.com/office/drawing/2014/main" id="{37757E98-D0FB-43E3-98BC-711F6A2F5372}"/>
               </a:ext>
             </a:extLst>
           </p:cNvPr>
@@ -7268,7 +7353,7 @@
           <p:cNvPr id="5" name="Footer Placeholder 4">
             <a:extLst>
               <a:ext uri="{FF2B5EF4-FFF2-40B4-BE49-F238E27FC236}">
-                <a16:creationId xmlns:a16="http://schemas.microsoft.com/office/drawing/2014/main" xmlns="" id="{BFA65B72-2E86-4BA3-94F2-3ADFA40B7AEE}"/>
+                <a16:creationId xmlns:a16="http://schemas.microsoft.com/office/drawing/2014/main" id="{BFA65B72-2E86-4BA3-94F2-3ADFA40B7AEE}"/>
               </a:ext>
             </a:extLst>
           </p:cNvPr>
@@ -7314,7 +7399,7 @@
           <p:cNvPr id="6" name="Slide Number Placeholder 5">
             <a:extLst>
               <a:ext uri="{FF2B5EF4-FFF2-40B4-BE49-F238E27FC236}">
-                <a16:creationId xmlns:a16="http://schemas.microsoft.com/office/drawing/2014/main" xmlns="" id="{73C1F3FD-3DB9-46B7-85E1-E8B8878A4012}"/>
+                <a16:creationId xmlns:a16="http://schemas.microsoft.com/office/drawing/2014/main" id="{73C1F3FD-3DB9-46B7-85E1-E8B8878A4012}"/>
               </a:ext>
             </a:extLst>
           </p:cNvPr>
@@ -7361,7 +7446,7 @@
           <p:cNvPr id="7" name="Shape 61">
             <a:extLst>
               <a:ext uri="{FF2B5EF4-FFF2-40B4-BE49-F238E27FC236}">
-                <a16:creationId xmlns:a16="http://schemas.microsoft.com/office/drawing/2014/main" xmlns="" id="{0A2ACE11-44E0-44ED-AA10-CB0B57204E89}"/>
+                <a16:creationId xmlns:a16="http://schemas.microsoft.com/office/drawing/2014/main" id="{0A2ACE11-44E0-44ED-AA10-CB0B57204E89}"/>
               </a:ext>
             </a:extLst>
           </p:cNvPr>
@@ -7381,7 +7466,7 @@
           </a:ln>
           <a:extLst>
             <a:ext uri="{C572A759-6A51-4108-AA02-DFA0A04FC94B}">
-              <ma14:wrappingTextBoxFlag xmlns:ma14="http://schemas.microsoft.com/office/mac/drawingml/2011/main" val="1"/>
+              <ma14:wrappingTextBoxFlag xmlns:ma14="http://schemas.microsoft.com/office/mac/drawingml/2011/main" xmlns="" val="1"/>
             </a:ext>
           </a:extLst>
         </p:spPr>
@@ -7756,7 +7841,7 @@
           <p:cNvPr id="7" name="Picture Placeholder 6" descr="Abstract Coding&#10;">
             <a:extLst>
               <a:ext uri="{FF2B5EF4-FFF2-40B4-BE49-F238E27FC236}">
-                <a16:creationId xmlns:a16="http://schemas.microsoft.com/office/drawing/2014/main" xmlns="" id="{5F76566E-36EF-4E0C-8563-ABC2D25923BA}"/>
+                <a16:creationId xmlns:a16="http://schemas.microsoft.com/office/drawing/2014/main" id="{5F76566E-36EF-4E0C-8563-ABC2D25923BA}"/>
               </a:ext>
             </a:extLst>
           </p:cNvPr>
@@ -7787,10 +7872,10 @@
           <p:cNvPr id="14" name="Rectangle 13">
             <a:extLst>
               <a:ext uri="{FF2B5EF4-FFF2-40B4-BE49-F238E27FC236}">
-                <a16:creationId xmlns:a16="http://schemas.microsoft.com/office/drawing/2014/main" xmlns="" id="{D687D26E-D67A-4318-AAB1-DCEAA89EEB21}"/>
+                <a16:creationId xmlns:a16="http://schemas.microsoft.com/office/drawing/2014/main" id="{D687D26E-D67A-4318-AAB1-DCEAA89EEB21}"/>
               </a:ext>
               <a:ext uri="{C183D7F6-B498-43B3-948B-1728B52AA6E4}">
-                <adec:decorative xmlns:adec="http://schemas.microsoft.com/office/drawing/2017/decorative" xmlns="" val="1"/>
+                <adec:decorative xmlns="" xmlns:adec="http://schemas.microsoft.com/office/drawing/2017/decorative" val="1"/>
               </a:ext>
             </a:extLst>
           </p:cNvPr>
@@ -7931,7 +8016,7 @@
           <p:cNvPr id="3" name="Title 2">
             <a:extLst>
               <a:ext uri="{FF2B5EF4-FFF2-40B4-BE49-F238E27FC236}">
-                <a16:creationId xmlns:a16="http://schemas.microsoft.com/office/drawing/2014/main" xmlns="" id="{1D24B42B-925B-494C-A986-BD85E8117E1E}"/>
+                <a16:creationId xmlns:a16="http://schemas.microsoft.com/office/drawing/2014/main" id="{1D24B42B-925B-494C-A986-BD85E8117E1E}"/>
               </a:ext>
             </a:extLst>
           </p:cNvPr>
@@ -7973,7 +8058,7 @@
           <p:cNvPr id="2094" name="Slide Number Placeholder 2093">
             <a:extLst>
               <a:ext uri="{FF2B5EF4-FFF2-40B4-BE49-F238E27FC236}">
-                <a16:creationId xmlns:a16="http://schemas.microsoft.com/office/drawing/2014/main" xmlns="" id="{5DA62994-769D-4C19-BB0A-5144E0A5CFCD}"/>
+                <a16:creationId xmlns:a16="http://schemas.microsoft.com/office/drawing/2014/main" id="{5DA62994-769D-4C19-BB0A-5144E0A5CFCD}"/>
               </a:ext>
             </a:extLst>
           </p:cNvPr>
@@ -8347,6 +8432,176 @@
             <a:fld id="{8C2E478F-E849-4A8C-AF1F-CBCC78A7CBFA}" type="slidenum">
               <a:rPr lang="en-US" smtClean="0"/>
               <a:t>2</a:t>
+            </a:fld>
+            <a:endParaRPr lang="en-US" dirty="0"/>
+          </a:p>
+        </p:txBody>
+      </p:sp>
+      <p:sp>
+        <p:nvSpPr>
+          <p:cNvPr id="3" name="TextBox 2"/>
+          <p:cNvSpPr txBox="1"/>
+          <p:nvPr/>
+        </p:nvSpPr>
+        <p:spPr>
+          <a:xfrm>
+            <a:off x="3785616" y="1289304"/>
+            <a:ext cx="1775935" cy="369332"/>
+          </a:xfrm>
+          <a:prstGeom prst="rect">
+            <a:avLst/>
+          </a:prstGeom>
+          <a:noFill/>
+        </p:spPr>
+        <p:txBody>
+          <a:bodyPr wrap="none" rtlCol="0">
+            <a:spAutoFit/>
+          </a:bodyPr>
+          <a:lstStyle/>
+          <a:p>
+            <a:r>
+              <a:rPr lang="en-US" smtClean="0"/>
+              <a:t>Lý do chọn đề tài</a:t>
+            </a:r>
+            <a:endParaRPr lang="en-US"/>
+          </a:p>
+        </p:txBody>
+      </p:sp>
+      <p:sp>
+        <p:nvSpPr>
+          <p:cNvPr id="4" name="TextBox 3"/>
+          <p:cNvSpPr txBox="1"/>
+          <p:nvPr/>
+        </p:nvSpPr>
+        <p:spPr>
+          <a:xfrm>
+            <a:off x="978408" y="3118104"/>
+            <a:ext cx="10149840" cy="923330"/>
+          </a:xfrm>
+          <a:prstGeom prst="rect">
+            <a:avLst/>
+          </a:prstGeom>
+          <a:noFill/>
+        </p:spPr>
+        <p:txBody>
+          <a:bodyPr wrap="square" rtlCol="0">
+            <a:spAutoFit/>
+          </a:bodyPr>
+          <a:lstStyle/>
+          <a:p>
+            <a:pPr marL="342900" indent="-342900">
+              <a:buFont typeface="+mj-lt"/>
+              <a:buAutoNum type="arabicPeriod"/>
+            </a:pPr>
+            <a:r>
+              <a:rPr lang="en-US" smtClean="0"/>
+              <a:t>H</a:t>
+            </a:r>
+            <a:r>
+              <a:rPr lang="vi-VN" smtClean="0"/>
+              <a:t>ệ </a:t>
+            </a:r>
+            <a:r>
+              <a:rPr lang="vi-VN"/>
+              <a:t>thống an ninh được cài đặt để ngăn chặn trường hợp trộm cắp và sạc ổn định các </a:t>
+            </a:r>
+            <a:r>
+              <a:rPr lang="vi-VN"/>
+              <a:t>thiết </a:t>
+            </a:r>
+            <a:r>
+              <a:rPr lang="vi-VN" smtClean="0"/>
+              <a:t>bị</a:t>
+            </a:r>
+            <a:endParaRPr lang="en-US" smtClean="0"/>
+          </a:p>
+          <a:p>
+            <a:pPr marL="342900" indent="-342900">
+              <a:buFont typeface="+mj-lt"/>
+              <a:buAutoNum type="arabicPeriod"/>
+            </a:pPr>
+            <a:r>
+              <a:rPr lang="vi-VN"/>
+              <a:t>rung chuông báo động cho nhân viên cửa hàng để ngăn chặn trường hợp </a:t>
+            </a:r>
+            <a:r>
+              <a:rPr lang="vi-VN"/>
+              <a:t>trộm </a:t>
+            </a:r>
+            <a:r>
+              <a:rPr lang="vi-VN" smtClean="0"/>
+              <a:t>cắp</a:t>
+            </a:r>
+            <a:endParaRPr lang="en-US" smtClean="0"/>
+          </a:p>
+          <a:p>
+            <a:pPr marL="342900" indent="-342900">
+              <a:buFont typeface="+mj-lt"/>
+              <a:buAutoNum type="arabicPeriod"/>
+            </a:pPr>
+            <a:r>
+              <a:rPr lang="en-US" smtClean="0"/>
+              <a:t>Iít ảnh hưởng đến trải nhiệm của khách hàng</a:t>
+            </a:r>
+            <a:endParaRPr lang="en-US"/>
+          </a:p>
+        </p:txBody>
+      </p:sp>
+    </p:spTree>
+    <p:extLst>
+      <p:ext uri="{BB962C8B-B14F-4D97-AF65-F5344CB8AC3E}">
+        <p14:creationId xmlns:p14="http://schemas.microsoft.com/office/powerpoint/2010/main" val="1649537848"/>
+      </p:ext>
+    </p:extLst>
+  </p:cSld>
+  <p:clrMapOvr>
+    <a:masterClrMapping/>
+  </p:clrMapOvr>
+  <p:timing>
+    <p:tnLst>
+      <p:par>
+        <p:cTn id="1" dur="indefinite" restart="never" nodeType="tmRoot"/>
+      </p:par>
+    </p:tnLst>
+  </p:timing>
+</p:sld>
+</file>
+
+<file path=ppt/slides/slide3.xml><?xml version="1.0" encoding="utf-8"?>
+<p:sld xmlns:a="http://schemas.openxmlformats.org/drawingml/2006/main" xmlns:r="http://schemas.openxmlformats.org/officeDocument/2006/relationships" xmlns:p="http://schemas.openxmlformats.org/presentationml/2006/main">
+  <p:cSld>
+    <p:spTree>
+      <p:nvGrpSpPr>
+        <p:cNvPr id="1" name=""/>
+        <p:cNvGrpSpPr/>
+        <p:nvPr/>
+      </p:nvGrpSpPr>
+      <p:grpSpPr>
+        <a:xfrm>
+          <a:off x="0" y="0"/>
+          <a:ext cx="0" cy="0"/>
+          <a:chOff x="0" y="0"/>
+          <a:chExt cx="0" cy="0"/>
+        </a:xfrm>
+      </p:grpSpPr>
+      <p:sp>
+        <p:nvSpPr>
+          <p:cNvPr id="5" name="Slide Number Placeholder 4"/>
+          <p:cNvSpPr>
+            <a:spLocks noGrp="1"/>
+          </p:cNvSpPr>
+          <p:nvPr>
+            <p:ph type="sldNum" sz="quarter" idx="12"/>
+          </p:nvPr>
+        </p:nvSpPr>
+        <p:spPr/>
+        <p:txBody>
+          <a:bodyPr/>
+          <a:lstStyle/>
+          <a:p>
+            <a:fld id="{8C2E478F-E849-4A8C-AF1F-CBCC78A7CBFA}" type="slidenum">
+              <a:rPr lang="en-US" smtClean="0"/>
+              <a:t>3</a:t>
             </a:fld>
             <a:endParaRPr lang="en-US" dirty="0"/>
           </a:p>
@@ -9105,7 +9360,7 @@
     </p:spTree>
     <p:extLst>
       <p:ext uri="{BB962C8B-B14F-4D97-AF65-F5344CB8AC3E}">
-        <p14:creationId xmlns:p14="http://schemas.microsoft.com/office/powerpoint/2010/main" val="1649537848"/>
+        <p14:creationId xmlns:p14="http://schemas.microsoft.com/office/powerpoint/2010/main" val="3554343143"/>
       </p:ext>
     </p:extLst>
   </p:cSld>
@@ -9888,7 +10143,7 @@
 </p:sld>
 </file>
 
-<file path=ppt/slides/slide3.xml><?xml version="1.0" encoding="utf-8"?>
+<file path=ppt/slides/slide4.xml><?xml version="1.0" encoding="utf-8"?>
 <p:sld xmlns:a="http://schemas.openxmlformats.org/drawingml/2006/main" xmlns:r="http://schemas.openxmlformats.org/officeDocument/2006/relationships" xmlns:p="http://schemas.openxmlformats.org/presentationml/2006/main">
   <p:cSld>
     <p:spTree>
@@ -9922,7 +10177,7 @@
           <a:p>
             <a:fld id="{8C2E478F-E849-4A8C-AF1F-CBCC78A7CBFA}" type="slidenum">
               <a:rPr lang="en-US" smtClean="0"/>
-              <a:t>3</a:t>
+              <a:t>4</a:t>
             </a:fld>
             <a:endParaRPr lang="en-US" dirty="0"/>
           </a:p>
@@ -9933,7 +10188,7 @@
           <p:cNvPr id="3" name="TextBox 2">
             <a:extLst>
               <a:ext uri="{FF2B5EF4-FFF2-40B4-BE49-F238E27FC236}">
-                <a16:creationId xmlns:a16="http://schemas.microsoft.com/office/drawing/2014/main" xmlns="" id="{BE8AA9BD-5B28-4BB1-803B-54BB6E1B0DE1}"/>
+                <a16:creationId xmlns:a16="http://schemas.microsoft.com/office/drawing/2014/main" id="{BE8AA9BD-5B28-4BB1-803B-54BB6E1B0DE1}"/>
               </a:ext>
             </a:extLst>
           </p:cNvPr>
@@ -10002,7 +10257,7 @@
             <p:cNvPr id="5" name="Oval 4">
               <a:extLst>
                 <a:ext uri="{FF2B5EF4-FFF2-40B4-BE49-F238E27FC236}">
-                  <a16:creationId xmlns:a16="http://schemas.microsoft.com/office/drawing/2014/main" xmlns="" id="{3701A590-ABA9-4BD2-BD64-376A4C227798}"/>
+                  <a16:creationId xmlns:a16="http://schemas.microsoft.com/office/drawing/2014/main" id="{3701A590-ABA9-4BD2-BD64-376A4C227798}"/>
                 </a:ext>
               </a:extLst>
             </p:cNvPr>
@@ -10056,7 +10311,7 @@
             <p:cNvPr id="6" name="Oval 5">
               <a:extLst>
                 <a:ext uri="{FF2B5EF4-FFF2-40B4-BE49-F238E27FC236}">
-                  <a16:creationId xmlns:a16="http://schemas.microsoft.com/office/drawing/2014/main" xmlns="" id="{3E53B434-A2A6-4C16-99DD-292CE4FD62C4}"/>
+                  <a16:creationId xmlns:a16="http://schemas.microsoft.com/office/drawing/2014/main" id="{3E53B434-A2A6-4C16-99DD-292CE4FD62C4}"/>
                 </a:ext>
               </a:extLst>
             </p:cNvPr>
@@ -10110,7 +10365,7 @@
             <p:cNvPr id="7" name="Oval 6">
               <a:extLst>
                 <a:ext uri="{FF2B5EF4-FFF2-40B4-BE49-F238E27FC236}">
-                  <a16:creationId xmlns:a16="http://schemas.microsoft.com/office/drawing/2014/main" xmlns="" id="{F3E5BC96-17A2-4BD5-BA51-10270687E851}"/>
+                  <a16:creationId xmlns:a16="http://schemas.microsoft.com/office/drawing/2014/main" id="{F3E5BC96-17A2-4BD5-BA51-10270687E851}"/>
                 </a:ext>
               </a:extLst>
             </p:cNvPr>
@@ -10164,7 +10419,7 @@
             <p:cNvPr id="8" name="Oval 7">
               <a:extLst>
                 <a:ext uri="{FF2B5EF4-FFF2-40B4-BE49-F238E27FC236}">
-                  <a16:creationId xmlns:a16="http://schemas.microsoft.com/office/drawing/2014/main" xmlns="" id="{1A06ACCC-548D-4873-BD3B-AD3CA2C095B0}"/>
+                  <a16:creationId xmlns:a16="http://schemas.microsoft.com/office/drawing/2014/main" id="{1A06ACCC-548D-4873-BD3B-AD3CA2C095B0}"/>
                 </a:ext>
               </a:extLst>
             </p:cNvPr>
@@ -10218,7 +10473,7 @@
             <p:cNvPr id="9" name="Oval 8">
               <a:extLst>
                 <a:ext uri="{FF2B5EF4-FFF2-40B4-BE49-F238E27FC236}">
-                  <a16:creationId xmlns:a16="http://schemas.microsoft.com/office/drawing/2014/main" xmlns="" id="{7CBDE4C1-DAF9-476F-B807-27BE954F6C82}"/>
+                  <a16:creationId xmlns:a16="http://schemas.microsoft.com/office/drawing/2014/main" id="{7CBDE4C1-DAF9-476F-B807-27BE954F6C82}"/>
                 </a:ext>
               </a:extLst>
             </p:cNvPr>
@@ -10273,7 +10528,7 @@
           <p:cNvPr id="21" name="Group 20">
             <a:extLst>
               <a:ext uri="{FF2B5EF4-FFF2-40B4-BE49-F238E27FC236}">
-                <a16:creationId xmlns:a16="http://schemas.microsoft.com/office/drawing/2014/main" xmlns="" id="{153F4246-CEED-4D1E-87E9-AF831143E541}"/>
+                <a16:creationId xmlns:a16="http://schemas.microsoft.com/office/drawing/2014/main" id="{153F4246-CEED-4D1E-87E9-AF831143E541}"/>
               </a:ext>
             </a:extLst>
           </p:cNvPr>
@@ -10293,7 +10548,7 @@
             <p:cNvPr id="22" name="Straight Connector 21">
               <a:extLst>
                 <a:ext uri="{FF2B5EF4-FFF2-40B4-BE49-F238E27FC236}">
-                  <a16:creationId xmlns:a16="http://schemas.microsoft.com/office/drawing/2014/main" xmlns="" id="{802F08CF-D4D1-4A39-96BE-CB97F61D162B}"/>
+                  <a16:creationId xmlns:a16="http://schemas.microsoft.com/office/drawing/2014/main" id="{802F08CF-D4D1-4A39-96BE-CB97F61D162B}"/>
                 </a:ext>
               </a:extLst>
             </p:cNvPr>
@@ -10337,7 +10592,7 @@
             <p:cNvPr id="23" name="Straight Connector 22">
               <a:extLst>
                 <a:ext uri="{FF2B5EF4-FFF2-40B4-BE49-F238E27FC236}">
-                  <a16:creationId xmlns:a16="http://schemas.microsoft.com/office/drawing/2014/main" xmlns="" id="{35920BBA-8F71-4702-91A3-44392F84AAE5}"/>
+                  <a16:creationId xmlns:a16="http://schemas.microsoft.com/office/drawing/2014/main" id="{35920BBA-8F71-4702-91A3-44392F84AAE5}"/>
                 </a:ext>
               </a:extLst>
             </p:cNvPr>
@@ -10381,7 +10636,7 @@
           <p:cNvPr id="39" name="Group 38">
             <a:extLst>
               <a:ext uri="{FF2B5EF4-FFF2-40B4-BE49-F238E27FC236}">
-                <a16:creationId xmlns:a16="http://schemas.microsoft.com/office/drawing/2014/main" xmlns="" id="{7D06F0A7-DAC2-4C40-B732-014C20C2F6D5}"/>
+                <a16:creationId xmlns:a16="http://schemas.microsoft.com/office/drawing/2014/main" id="{7D06F0A7-DAC2-4C40-B732-014C20C2F6D5}"/>
               </a:ext>
             </a:extLst>
           </p:cNvPr>
@@ -10401,7 +10656,7 @@
             <p:cNvPr id="40" name="TextBox 39">
               <a:extLst>
                 <a:ext uri="{FF2B5EF4-FFF2-40B4-BE49-F238E27FC236}">
-                  <a16:creationId xmlns:a16="http://schemas.microsoft.com/office/drawing/2014/main" xmlns="" id="{FECAEFF9-14F9-420B-B81B-1A2D424B5A63}"/>
+                  <a16:creationId xmlns:a16="http://schemas.microsoft.com/office/drawing/2014/main" id="{FECAEFF9-14F9-420B-B81B-1A2D424B5A63}"/>
                 </a:ext>
               </a:extLst>
             </p:cNvPr>
@@ -10442,7 +10697,7 @@
             <p:cNvPr id="41" name="TextBox 40">
               <a:extLst>
                 <a:ext uri="{FF2B5EF4-FFF2-40B4-BE49-F238E27FC236}">
-                  <a16:creationId xmlns:a16="http://schemas.microsoft.com/office/drawing/2014/main" xmlns="" id="{2E7256DD-6317-492A-853D-B93DE998E24A}"/>
+                  <a16:creationId xmlns:a16="http://schemas.microsoft.com/office/drawing/2014/main" id="{2E7256DD-6317-492A-853D-B93DE998E24A}"/>
                 </a:ext>
               </a:extLst>
             </p:cNvPr>
@@ -10485,7 +10740,7 @@
           <p:cNvPr id="27" name="Group 26">
             <a:extLst>
               <a:ext uri="{FF2B5EF4-FFF2-40B4-BE49-F238E27FC236}">
-                <a16:creationId xmlns:a16="http://schemas.microsoft.com/office/drawing/2014/main" xmlns="" id="{7137FDAE-CE25-40E9-AFD7-49BA1463E3D5}"/>
+                <a16:creationId xmlns:a16="http://schemas.microsoft.com/office/drawing/2014/main" id="{7137FDAE-CE25-40E9-AFD7-49BA1463E3D5}"/>
               </a:ext>
             </a:extLst>
           </p:cNvPr>
@@ -10505,7 +10760,7 @@
             <p:cNvPr id="28" name="Straight Connector 27">
               <a:extLst>
                 <a:ext uri="{FF2B5EF4-FFF2-40B4-BE49-F238E27FC236}">
-                  <a16:creationId xmlns:a16="http://schemas.microsoft.com/office/drawing/2014/main" xmlns="" id="{C83C8BAA-87B2-4130-A6CA-1525D506B1D2}"/>
+                  <a16:creationId xmlns:a16="http://schemas.microsoft.com/office/drawing/2014/main" id="{C83C8BAA-87B2-4130-A6CA-1525D506B1D2}"/>
                 </a:ext>
               </a:extLst>
             </p:cNvPr>
@@ -10548,7 +10803,7 @@
             <p:cNvPr id="29" name="Straight Connector 28">
               <a:extLst>
                 <a:ext uri="{FF2B5EF4-FFF2-40B4-BE49-F238E27FC236}">
-                  <a16:creationId xmlns:a16="http://schemas.microsoft.com/office/drawing/2014/main" xmlns="" id="{018D836A-5994-457C-AD4E-4304A9FBB1F8}"/>
+                  <a16:creationId xmlns:a16="http://schemas.microsoft.com/office/drawing/2014/main" id="{018D836A-5994-457C-AD4E-4304A9FBB1F8}"/>
                 </a:ext>
               </a:extLst>
             </p:cNvPr>
@@ -10592,7 +10847,7 @@
           <p:cNvPr id="43" name="Group 42">
             <a:extLst>
               <a:ext uri="{FF2B5EF4-FFF2-40B4-BE49-F238E27FC236}">
-                <a16:creationId xmlns:a16="http://schemas.microsoft.com/office/drawing/2014/main" xmlns="" id="{12804901-3BC3-4B63-B57A-680C61064136}"/>
+                <a16:creationId xmlns:a16="http://schemas.microsoft.com/office/drawing/2014/main" id="{12804901-3BC3-4B63-B57A-680C61064136}"/>
               </a:ext>
             </a:extLst>
           </p:cNvPr>
@@ -10612,7 +10867,7 @@
             <p:cNvPr id="44" name="TextBox 43">
               <a:extLst>
                 <a:ext uri="{FF2B5EF4-FFF2-40B4-BE49-F238E27FC236}">
-                  <a16:creationId xmlns:a16="http://schemas.microsoft.com/office/drawing/2014/main" xmlns="" id="{3D4F678F-40B7-4440-9805-D7FF30FB7FC8}"/>
+                  <a16:creationId xmlns:a16="http://schemas.microsoft.com/office/drawing/2014/main" id="{3D4F678F-40B7-4440-9805-D7FF30FB7FC8}"/>
                 </a:ext>
               </a:extLst>
             </p:cNvPr>
@@ -10653,7 +10908,7 @@
             <p:cNvPr id="45" name="TextBox 44">
               <a:extLst>
                 <a:ext uri="{FF2B5EF4-FFF2-40B4-BE49-F238E27FC236}">
-                  <a16:creationId xmlns:a16="http://schemas.microsoft.com/office/drawing/2014/main" xmlns="" id="{E3B5B3C4-08D7-4F80-905A-16D436C0F2EA}"/>
+                  <a16:creationId xmlns:a16="http://schemas.microsoft.com/office/drawing/2014/main" id="{E3B5B3C4-08D7-4F80-905A-16D436C0F2EA}"/>
                 </a:ext>
               </a:extLst>
             </p:cNvPr>
@@ -10703,7 +10958,7 @@
           <p:cNvPr id="24" name="Group 23">
             <a:extLst>
               <a:ext uri="{FF2B5EF4-FFF2-40B4-BE49-F238E27FC236}">
-                <a16:creationId xmlns:a16="http://schemas.microsoft.com/office/drawing/2014/main" xmlns="" id="{B3BFFE84-C695-4D53-9EB1-6E3F023237F6}"/>
+                <a16:creationId xmlns:a16="http://schemas.microsoft.com/office/drawing/2014/main" id="{B3BFFE84-C695-4D53-9EB1-6E3F023237F6}"/>
               </a:ext>
             </a:extLst>
           </p:cNvPr>
@@ -10723,7 +10978,7 @@
             <p:cNvPr id="25" name="Straight Connector 24">
               <a:extLst>
                 <a:ext uri="{FF2B5EF4-FFF2-40B4-BE49-F238E27FC236}">
-                  <a16:creationId xmlns:a16="http://schemas.microsoft.com/office/drawing/2014/main" xmlns="" id="{CDB6677B-8513-496A-A326-EDBAA2BA9403}"/>
+                  <a16:creationId xmlns:a16="http://schemas.microsoft.com/office/drawing/2014/main" id="{CDB6677B-8513-496A-A326-EDBAA2BA9403}"/>
                 </a:ext>
               </a:extLst>
             </p:cNvPr>
@@ -10766,7 +11021,7 @@
             <p:cNvPr id="26" name="Straight Connector 25">
               <a:extLst>
                 <a:ext uri="{FF2B5EF4-FFF2-40B4-BE49-F238E27FC236}">
-                  <a16:creationId xmlns:a16="http://schemas.microsoft.com/office/drawing/2014/main" xmlns="" id="{3003D7FC-94DB-4EDC-95C4-65A5F513BF89}"/>
+                  <a16:creationId xmlns:a16="http://schemas.microsoft.com/office/drawing/2014/main" id="{3003D7FC-94DB-4EDC-95C4-65A5F513BF89}"/>
                 </a:ext>
               </a:extLst>
             </p:cNvPr>
@@ -10810,7 +11065,7 @@
           <p:cNvPr id="47" name="Group 46">
             <a:extLst>
               <a:ext uri="{FF2B5EF4-FFF2-40B4-BE49-F238E27FC236}">
-                <a16:creationId xmlns:a16="http://schemas.microsoft.com/office/drawing/2014/main" xmlns="" id="{D9DD4B7F-8A71-49A3-BC05-44E26D841E62}"/>
+                <a16:creationId xmlns:a16="http://schemas.microsoft.com/office/drawing/2014/main" id="{D9DD4B7F-8A71-49A3-BC05-44E26D841E62}"/>
               </a:ext>
             </a:extLst>
           </p:cNvPr>
@@ -10830,7 +11085,7 @@
             <p:cNvPr id="48" name="TextBox 47">
               <a:extLst>
                 <a:ext uri="{FF2B5EF4-FFF2-40B4-BE49-F238E27FC236}">
-                  <a16:creationId xmlns:a16="http://schemas.microsoft.com/office/drawing/2014/main" xmlns="" id="{C2359718-1C0E-45C6-99D0-A3CB1814E621}"/>
+                  <a16:creationId xmlns:a16="http://schemas.microsoft.com/office/drawing/2014/main" id="{C2359718-1C0E-45C6-99D0-A3CB1814E621}"/>
                 </a:ext>
               </a:extLst>
             </p:cNvPr>
@@ -10871,7 +11126,7 @@
             <p:cNvPr id="49" name="TextBox 48">
               <a:extLst>
                 <a:ext uri="{FF2B5EF4-FFF2-40B4-BE49-F238E27FC236}">
-                  <a16:creationId xmlns:a16="http://schemas.microsoft.com/office/drawing/2014/main" xmlns="" id="{83347D2D-8F9E-424F-8379-EE81B97BB648}"/>
+                  <a16:creationId xmlns:a16="http://schemas.microsoft.com/office/drawing/2014/main" id="{83347D2D-8F9E-424F-8379-EE81B97BB648}"/>
                 </a:ext>
               </a:extLst>
             </p:cNvPr>
@@ -10921,7 +11176,7 @@
           <p:cNvPr id="33" name="Group 32">
             <a:extLst>
               <a:ext uri="{FF2B5EF4-FFF2-40B4-BE49-F238E27FC236}">
-                <a16:creationId xmlns:a16="http://schemas.microsoft.com/office/drawing/2014/main" xmlns="" id="{C6E9A218-B141-4BD3-841A-BAB462C9175B}"/>
+                <a16:creationId xmlns:a16="http://schemas.microsoft.com/office/drawing/2014/main" id="{C6E9A218-B141-4BD3-841A-BAB462C9175B}"/>
               </a:ext>
             </a:extLst>
           </p:cNvPr>
@@ -10941,7 +11196,7 @@
             <p:cNvPr id="34" name="Straight Connector 33">
               <a:extLst>
                 <a:ext uri="{FF2B5EF4-FFF2-40B4-BE49-F238E27FC236}">
-                  <a16:creationId xmlns:a16="http://schemas.microsoft.com/office/drawing/2014/main" xmlns="" id="{F7309261-EAF4-4065-B34C-74D63998B1F8}"/>
+                  <a16:creationId xmlns:a16="http://schemas.microsoft.com/office/drawing/2014/main" id="{F7309261-EAF4-4065-B34C-74D63998B1F8}"/>
                 </a:ext>
               </a:extLst>
             </p:cNvPr>
@@ -10985,7 +11240,7 @@
             <p:cNvPr id="35" name="Straight Connector 34">
               <a:extLst>
                 <a:ext uri="{FF2B5EF4-FFF2-40B4-BE49-F238E27FC236}">
-                  <a16:creationId xmlns:a16="http://schemas.microsoft.com/office/drawing/2014/main" xmlns="" id="{6F2BC3B5-DB71-4C84-AF89-168445886399}"/>
+                  <a16:creationId xmlns:a16="http://schemas.microsoft.com/office/drawing/2014/main" id="{6F2BC3B5-DB71-4C84-AF89-168445886399}"/>
                 </a:ext>
               </a:extLst>
             </p:cNvPr>
@@ -11029,7 +11284,7 @@
           <p:cNvPr id="55" name="Group 54">
             <a:extLst>
               <a:ext uri="{FF2B5EF4-FFF2-40B4-BE49-F238E27FC236}">
-                <a16:creationId xmlns:a16="http://schemas.microsoft.com/office/drawing/2014/main" xmlns="" id="{948E0E04-F6AD-4204-A734-B8A0EC1E885D}"/>
+                <a16:creationId xmlns:a16="http://schemas.microsoft.com/office/drawing/2014/main" id="{948E0E04-F6AD-4204-A734-B8A0EC1E885D}"/>
               </a:ext>
             </a:extLst>
           </p:cNvPr>
@@ -11049,7 +11304,7 @@
             <p:cNvPr id="56" name="TextBox 55">
               <a:extLst>
                 <a:ext uri="{FF2B5EF4-FFF2-40B4-BE49-F238E27FC236}">
-                  <a16:creationId xmlns:a16="http://schemas.microsoft.com/office/drawing/2014/main" xmlns="" id="{4DD90853-2F30-480A-A4BC-AF61CA243D4E}"/>
+                  <a16:creationId xmlns:a16="http://schemas.microsoft.com/office/drawing/2014/main" id="{4DD90853-2F30-480A-A4BC-AF61CA243D4E}"/>
                 </a:ext>
               </a:extLst>
             </p:cNvPr>
@@ -11089,7 +11344,7 @@
             <p:cNvPr id="57" name="TextBox 56">
               <a:extLst>
                 <a:ext uri="{FF2B5EF4-FFF2-40B4-BE49-F238E27FC236}">
-                  <a16:creationId xmlns:a16="http://schemas.microsoft.com/office/drawing/2014/main" xmlns="" id="{13DF5F7D-8517-4858-B26A-117AEF6AD00D}"/>
+                  <a16:creationId xmlns:a16="http://schemas.microsoft.com/office/drawing/2014/main" id="{13DF5F7D-8517-4858-B26A-117AEF6AD00D}"/>
                 </a:ext>
               </a:extLst>
             </p:cNvPr>
@@ -11138,7 +11393,7 @@
           <p:cNvPr id="36" name="Group 35">
             <a:extLst>
               <a:ext uri="{FF2B5EF4-FFF2-40B4-BE49-F238E27FC236}">
-                <a16:creationId xmlns:a16="http://schemas.microsoft.com/office/drawing/2014/main" xmlns="" id="{B1ACE9A5-0AAC-4005-87FD-533CB273E3AF}"/>
+                <a16:creationId xmlns:a16="http://schemas.microsoft.com/office/drawing/2014/main" id="{B1ACE9A5-0AAC-4005-87FD-533CB273E3AF}"/>
               </a:ext>
             </a:extLst>
           </p:cNvPr>
@@ -11158,7 +11413,7 @@
             <p:cNvPr id="37" name="Straight Connector 36">
               <a:extLst>
                 <a:ext uri="{FF2B5EF4-FFF2-40B4-BE49-F238E27FC236}">
-                  <a16:creationId xmlns:a16="http://schemas.microsoft.com/office/drawing/2014/main" xmlns="" id="{BEBF1710-C0A2-443D-9E66-877BD8FA726A}"/>
+                  <a16:creationId xmlns:a16="http://schemas.microsoft.com/office/drawing/2014/main" id="{BEBF1710-C0A2-443D-9E66-877BD8FA726A}"/>
                 </a:ext>
               </a:extLst>
             </p:cNvPr>
@@ -11202,7 +11457,7 @@
             <p:cNvPr id="38" name="Straight Connector 37">
               <a:extLst>
                 <a:ext uri="{FF2B5EF4-FFF2-40B4-BE49-F238E27FC236}">
-                  <a16:creationId xmlns:a16="http://schemas.microsoft.com/office/drawing/2014/main" xmlns="" id="{D25F5471-E0F2-4736-A975-B0CD1D80AA97}"/>
+                  <a16:creationId xmlns:a16="http://schemas.microsoft.com/office/drawing/2014/main" id="{D25F5471-E0F2-4736-A975-B0CD1D80AA97}"/>
                 </a:ext>
               </a:extLst>
             </p:cNvPr>
@@ -11246,7 +11501,7 @@
           <p:cNvPr id="59" name="Group 58">
             <a:extLst>
               <a:ext uri="{FF2B5EF4-FFF2-40B4-BE49-F238E27FC236}">
-                <a16:creationId xmlns:a16="http://schemas.microsoft.com/office/drawing/2014/main" xmlns="" id="{4B33EF84-99D9-4E3D-98A7-243B4B204E8F}"/>
+                <a16:creationId xmlns:a16="http://schemas.microsoft.com/office/drawing/2014/main" id="{4B33EF84-99D9-4E3D-98A7-243B4B204E8F}"/>
               </a:ext>
             </a:extLst>
           </p:cNvPr>
@@ -11266,7 +11521,7 @@
             <p:cNvPr id="60" name="TextBox 59">
               <a:extLst>
                 <a:ext uri="{FF2B5EF4-FFF2-40B4-BE49-F238E27FC236}">
-                  <a16:creationId xmlns:a16="http://schemas.microsoft.com/office/drawing/2014/main" xmlns="" id="{3E41AE78-9E30-4CD4-9440-DE30C5519E6F}"/>
+                  <a16:creationId xmlns:a16="http://schemas.microsoft.com/office/drawing/2014/main" id="{3E41AE78-9E30-4CD4-9440-DE30C5519E6F}"/>
                 </a:ext>
               </a:extLst>
             </p:cNvPr>
@@ -11306,7 +11561,7 @@
             <p:cNvPr id="61" name="TextBox 60">
               <a:extLst>
                 <a:ext uri="{FF2B5EF4-FFF2-40B4-BE49-F238E27FC236}">
-                  <a16:creationId xmlns:a16="http://schemas.microsoft.com/office/drawing/2014/main" xmlns="" id="{DBF60901-7459-4FFF-BFAB-332F5872E18A}"/>
+                  <a16:creationId xmlns:a16="http://schemas.microsoft.com/office/drawing/2014/main" id="{DBF60901-7459-4FFF-BFAB-332F5872E18A}"/>
                 </a:ext>
               </a:extLst>
             </p:cNvPr>
@@ -11369,7 +11624,7 @@
             <p:cNvPr id="10" name="Oval 9">
               <a:extLst>
                 <a:ext uri="{FF2B5EF4-FFF2-40B4-BE49-F238E27FC236}">
-                  <a16:creationId xmlns:a16="http://schemas.microsoft.com/office/drawing/2014/main" xmlns="" id="{6E22B37A-CCC7-4E5B-82F9-79A278CAA082}"/>
+                  <a16:creationId xmlns:a16="http://schemas.microsoft.com/office/drawing/2014/main" id="{6E22B37A-CCC7-4E5B-82F9-79A278CAA082}"/>
                 </a:ext>
               </a:extLst>
             </p:cNvPr>
@@ -11478,7 +11733,7 @@
             <p:cNvPr id="11" name="Oval 10">
               <a:extLst>
                 <a:ext uri="{FF2B5EF4-FFF2-40B4-BE49-F238E27FC236}">
-                  <a16:creationId xmlns:a16="http://schemas.microsoft.com/office/drawing/2014/main" xmlns="" id="{788C3841-127A-479B-94BD-220B2EDCAB6E}"/>
+                  <a16:creationId xmlns:a16="http://schemas.microsoft.com/office/drawing/2014/main" id="{788C3841-127A-479B-94BD-220B2EDCAB6E}"/>
                 </a:ext>
               </a:extLst>
             </p:cNvPr>
@@ -11594,7 +11849,7 @@
             <p:cNvPr id="12" name="Oval 11">
               <a:extLst>
                 <a:ext uri="{FF2B5EF4-FFF2-40B4-BE49-F238E27FC236}">
-                  <a16:creationId xmlns:a16="http://schemas.microsoft.com/office/drawing/2014/main" xmlns="" id="{BC59DA09-2750-4F0C-898C-08F0F54C4ACB}"/>
+                  <a16:creationId xmlns:a16="http://schemas.microsoft.com/office/drawing/2014/main" id="{BC59DA09-2750-4F0C-898C-08F0F54C4ACB}"/>
                 </a:ext>
               </a:extLst>
             </p:cNvPr>
@@ -11701,7 +11956,7 @@
             <p:cNvPr id="13" name="Oval 12">
               <a:extLst>
                 <a:ext uri="{FF2B5EF4-FFF2-40B4-BE49-F238E27FC236}">
-                  <a16:creationId xmlns:a16="http://schemas.microsoft.com/office/drawing/2014/main" xmlns="" id="{69F6674A-9F6A-4ECF-8B1A-B5CD331C63F8}"/>
+                  <a16:creationId xmlns:a16="http://schemas.microsoft.com/office/drawing/2014/main" id="{69F6674A-9F6A-4ECF-8B1A-B5CD331C63F8}"/>
                 </a:ext>
               </a:extLst>
             </p:cNvPr>
@@ -11803,7 +12058,7 @@
             <p:cNvPr id="14" name="Oval 13">
               <a:extLst>
                 <a:ext uri="{FF2B5EF4-FFF2-40B4-BE49-F238E27FC236}">
-                  <a16:creationId xmlns:a16="http://schemas.microsoft.com/office/drawing/2014/main" xmlns="" id="{3F5A07E2-72FE-479E-9CC4-3AE297809FA7}"/>
+                  <a16:creationId xmlns:a16="http://schemas.microsoft.com/office/drawing/2014/main" id="{3F5A07E2-72FE-479E-9CC4-3AE297809FA7}"/>
                 </a:ext>
               </a:extLst>
             </p:cNvPr>
@@ -12746,7 +13001,7 @@
 </p:sld>
 </file>
 
-<file path=ppt/slides/slide4.xml><?xml version="1.0" encoding="utf-8"?>
+<file path=ppt/slides/slide5.xml><?xml version="1.0" encoding="utf-8"?>
 <p:sld xmlns:a="http://schemas.openxmlformats.org/drawingml/2006/main" xmlns:r="http://schemas.openxmlformats.org/officeDocument/2006/relationships" xmlns:p="http://schemas.openxmlformats.org/presentationml/2006/main">
   <p:cSld>
     <p:spTree>
@@ -12780,7 +13035,7 @@
           <a:p>
             <a:fld id="{8C2E478F-E849-4A8C-AF1F-CBCC78A7CBFA}" type="slidenum">
               <a:rPr lang="en-US" smtClean="0"/>
-              <a:t>4</a:t>
+              <a:t>5</a:t>
             </a:fld>
             <a:endParaRPr lang="en-US" dirty="0"/>
           </a:p>
@@ -12791,7 +13046,7 @@
           <p:cNvPr id="3" name="TextBox 2">
             <a:extLst>
               <a:ext uri="{FF2B5EF4-FFF2-40B4-BE49-F238E27FC236}">
-                <a16:creationId xmlns:a16="http://schemas.microsoft.com/office/drawing/2014/main" xmlns="" id="{BE8AA9BD-5B28-4BB1-803B-54BB6E1B0DE1}"/>
+                <a16:creationId xmlns:a16="http://schemas.microsoft.com/office/drawing/2014/main" id="{BE8AA9BD-5B28-4BB1-803B-54BB6E1B0DE1}"/>
               </a:ext>
             </a:extLst>
           </p:cNvPr>
@@ -13002,7 +13257,7 @@
           <p:cNvPr id="21" name="Group 20">
             <a:extLst>
               <a:ext uri="{FF2B5EF4-FFF2-40B4-BE49-F238E27FC236}">
-                <a16:creationId xmlns:a16="http://schemas.microsoft.com/office/drawing/2014/main" xmlns="" id="{153F4246-CEED-4D1E-87E9-AF831143E541}"/>
+                <a16:creationId xmlns:a16="http://schemas.microsoft.com/office/drawing/2014/main" id="{153F4246-CEED-4D1E-87E9-AF831143E541}"/>
               </a:ext>
             </a:extLst>
           </p:cNvPr>
@@ -13022,7 +13277,7 @@
             <p:cNvPr id="22" name="Straight Connector 21">
               <a:extLst>
                 <a:ext uri="{FF2B5EF4-FFF2-40B4-BE49-F238E27FC236}">
-                  <a16:creationId xmlns:a16="http://schemas.microsoft.com/office/drawing/2014/main" xmlns="" id="{802F08CF-D4D1-4A39-96BE-CB97F61D162B}"/>
+                  <a16:creationId xmlns:a16="http://schemas.microsoft.com/office/drawing/2014/main" id="{802F08CF-D4D1-4A39-96BE-CB97F61D162B}"/>
                 </a:ext>
               </a:extLst>
             </p:cNvPr>
@@ -13066,7 +13321,7 @@
             <p:cNvPr id="23" name="Straight Connector 22">
               <a:extLst>
                 <a:ext uri="{FF2B5EF4-FFF2-40B4-BE49-F238E27FC236}">
-                  <a16:creationId xmlns:a16="http://schemas.microsoft.com/office/drawing/2014/main" xmlns="" id="{35920BBA-8F71-4702-91A3-44392F84AAE5}"/>
+                  <a16:creationId xmlns:a16="http://schemas.microsoft.com/office/drawing/2014/main" id="{35920BBA-8F71-4702-91A3-44392F84AAE5}"/>
                 </a:ext>
               </a:extLst>
             </p:cNvPr>
@@ -13110,7 +13365,7 @@
           <p:cNvPr id="39" name="Group 38">
             <a:extLst>
               <a:ext uri="{FF2B5EF4-FFF2-40B4-BE49-F238E27FC236}">
-                <a16:creationId xmlns:a16="http://schemas.microsoft.com/office/drawing/2014/main" xmlns="" id="{7D06F0A7-DAC2-4C40-B732-014C20C2F6D5}"/>
+                <a16:creationId xmlns:a16="http://schemas.microsoft.com/office/drawing/2014/main" id="{7D06F0A7-DAC2-4C40-B732-014C20C2F6D5}"/>
               </a:ext>
             </a:extLst>
           </p:cNvPr>
@@ -13130,7 +13385,7 @@
             <p:cNvPr id="40" name="TextBox 39">
               <a:extLst>
                 <a:ext uri="{FF2B5EF4-FFF2-40B4-BE49-F238E27FC236}">
-                  <a16:creationId xmlns:a16="http://schemas.microsoft.com/office/drawing/2014/main" xmlns="" id="{FECAEFF9-14F9-420B-B81B-1A2D424B5A63}"/>
+                  <a16:creationId xmlns:a16="http://schemas.microsoft.com/office/drawing/2014/main" id="{FECAEFF9-14F9-420B-B81B-1A2D424B5A63}"/>
                 </a:ext>
               </a:extLst>
             </p:cNvPr>
@@ -13177,7 +13432,7 @@
             <p:cNvPr id="41" name="TextBox 40">
               <a:extLst>
                 <a:ext uri="{FF2B5EF4-FFF2-40B4-BE49-F238E27FC236}">
-                  <a16:creationId xmlns:a16="http://schemas.microsoft.com/office/drawing/2014/main" xmlns="" id="{2E7256DD-6317-492A-853D-B93DE998E24A}"/>
+                  <a16:creationId xmlns:a16="http://schemas.microsoft.com/office/drawing/2014/main" id="{2E7256DD-6317-492A-853D-B93DE998E24A}"/>
                 </a:ext>
               </a:extLst>
             </p:cNvPr>
@@ -13220,7 +13475,7 @@
           <p:cNvPr id="27" name="Group 26">
             <a:extLst>
               <a:ext uri="{FF2B5EF4-FFF2-40B4-BE49-F238E27FC236}">
-                <a16:creationId xmlns:a16="http://schemas.microsoft.com/office/drawing/2014/main" xmlns="" id="{7137FDAE-CE25-40E9-AFD7-49BA1463E3D5}"/>
+                <a16:creationId xmlns:a16="http://schemas.microsoft.com/office/drawing/2014/main" id="{7137FDAE-CE25-40E9-AFD7-49BA1463E3D5}"/>
               </a:ext>
             </a:extLst>
           </p:cNvPr>
@@ -13240,7 +13495,7 @@
             <p:cNvPr id="28" name="Straight Connector 27">
               <a:extLst>
                 <a:ext uri="{FF2B5EF4-FFF2-40B4-BE49-F238E27FC236}">
-                  <a16:creationId xmlns:a16="http://schemas.microsoft.com/office/drawing/2014/main" xmlns="" id="{C83C8BAA-87B2-4130-A6CA-1525D506B1D2}"/>
+                  <a16:creationId xmlns:a16="http://schemas.microsoft.com/office/drawing/2014/main" id="{C83C8BAA-87B2-4130-A6CA-1525D506B1D2}"/>
                 </a:ext>
               </a:extLst>
             </p:cNvPr>
@@ -13283,7 +13538,7 @@
             <p:cNvPr id="29" name="Straight Connector 28">
               <a:extLst>
                 <a:ext uri="{FF2B5EF4-FFF2-40B4-BE49-F238E27FC236}">
-                  <a16:creationId xmlns:a16="http://schemas.microsoft.com/office/drawing/2014/main" xmlns="" id="{018D836A-5994-457C-AD4E-4304A9FBB1F8}"/>
+                  <a16:creationId xmlns:a16="http://schemas.microsoft.com/office/drawing/2014/main" id="{018D836A-5994-457C-AD4E-4304A9FBB1F8}"/>
                 </a:ext>
               </a:extLst>
             </p:cNvPr>
@@ -13327,7 +13582,7 @@
           <p:cNvPr id="43" name="Group 42">
             <a:extLst>
               <a:ext uri="{FF2B5EF4-FFF2-40B4-BE49-F238E27FC236}">
-                <a16:creationId xmlns:a16="http://schemas.microsoft.com/office/drawing/2014/main" xmlns="" id="{12804901-3BC3-4B63-B57A-680C61064136}"/>
+                <a16:creationId xmlns:a16="http://schemas.microsoft.com/office/drawing/2014/main" id="{12804901-3BC3-4B63-B57A-680C61064136}"/>
               </a:ext>
             </a:extLst>
           </p:cNvPr>
@@ -13347,7 +13602,7 @@
             <p:cNvPr id="44" name="TextBox 43">
               <a:extLst>
                 <a:ext uri="{FF2B5EF4-FFF2-40B4-BE49-F238E27FC236}">
-                  <a16:creationId xmlns:a16="http://schemas.microsoft.com/office/drawing/2014/main" xmlns="" id="{3D4F678F-40B7-4440-9805-D7FF30FB7FC8}"/>
+                  <a16:creationId xmlns:a16="http://schemas.microsoft.com/office/drawing/2014/main" id="{3D4F678F-40B7-4440-9805-D7FF30FB7FC8}"/>
                 </a:ext>
               </a:extLst>
             </p:cNvPr>
@@ -13394,7 +13649,7 @@
             <p:cNvPr id="45" name="TextBox 44">
               <a:extLst>
                 <a:ext uri="{FF2B5EF4-FFF2-40B4-BE49-F238E27FC236}">
-                  <a16:creationId xmlns:a16="http://schemas.microsoft.com/office/drawing/2014/main" xmlns="" id="{E3B5B3C4-08D7-4F80-905A-16D436C0F2EA}"/>
+                  <a16:creationId xmlns:a16="http://schemas.microsoft.com/office/drawing/2014/main" id="{E3B5B3C4-08D7-4F80-905A-16D436C0F2EA}"/>
                 </a:ext>
               </a:extLst>
             </p:cNvPr>
@@ -13444,7 +13699,7 @@
           <p:cNvPr id="24" name="Group 23">
             <a:extLst>
               <a:ext uri="{FF2B5EF4-FFF2-40B4-BE49-F238E27FC236}">
-                <a16:creationId xmlns:a16="http://schemas.microsoft.com/office/drawing/2014/main" xmlns="" id="{B3BFFE84-C695-4D53-9EB1-6E3F023237F6}"/>
+                <a16:creationId xmlns:a16="http://schemas.microsoft.com/office/drawing/2014/main" id="{B3BFFE84-C695-4D53-9EB1-6E3F023237F6}"/>
               </a:ext>
             </a:extLst>
           </p:cNvPr>
@@ -13464,7 +13719,7 @@
             <p:cNvPr id="25" name="Straight Connector 24">
               <a:extLst>
                 <a:ext uri="{FF2B5EF4-FFF2-40B4-BE49-F238E27FC236}">
-                  <a16:creationId xmlns:a16="http://schemas.microsoft.com/office/drawing/2014/main" xmlns="" id="{CDB6677B-8513-496A-A326-EDBAA2BA9403}"/>
+                  <a16:creationId xmlns:a16="http://schemas.microsoft.com/office/drawing/2014/main" id="{CDB6677B-8513-496A-A326-EDBAA2BA9403}"/>
                 </a:ext>
               </a:extLst>
             </p:cNvPr>
@@ -13507,7 +13762,7 @@
             <p:cNvPr id="26" name="Straight Connector 25">
               <a:extLst>
                 <a:ext uri="{FF2B5EF4-FFF2-40B4-BE49-F238E27FC236}">
-                  <a16:creationId xmlns:a16="http://schemas.microsoft.com/office/drawing/2014/main" xmlns="" id="{3003D7FC-94DB-4EDC-95C4-65A5F513BF89}"/>
+                  <a16:creationId xmlns:a16="http://schemas.microsoft.com/office/drawing/2014/main" id="{3003D7FC-94DB-4EDC-95C4-65A5F513BF89}"/>
                 </a:ext>
               </a:extLst>
             </p:cNvPr>
@@ -13551,7 +13806,7 @@
           <p:cNvPr id="47" name="Group 46">
             <a:extLst>
               <a:ext uri="{FF2B5EF4-FFF2-40B4-BE49-F238E27FC236}">
-                <a16:creationId xmlns:a16="http://schemas.microsoft.com/office/drawing/2014/main" xmlns="" id="{D9DD4B7F-8A71-49A3-BC05-44E26D841E62}"/>
+                <a16:creationId xmlns:a16="http://schemas.microsoft.com/office/drawing/2014/main" id="{D9DD4B7F-8A71-49A3-BC05-44E26D841E62}"/>
               </a:ext>
             </a:extLst>
           </p:cNvPr>
@@ -13571,7 +13826,7 @@
             <p:cNvPr id="48" name="TextBox 47">
               <a:extLst>
                 <a:ext uri="{FF2B5EF4-FFF2-40B4-BE49-F238E27FC236}">
-                  <a16:creationId xmlns:a16="http://schemas.microsoft.com/office/drawing/2014/main" xmlns="" id="{C2359718-1C0E-45C6-99D0-A3CB1814E621}"/>
+                  <a16:creationId xmlns:a16="http://schemas.microsoft.com/office/drawing/2014/main" id="{C2359718-1C0E-45C6-99D0-A3CB1814E621}"/>
                 </a:ext>
               </a:extLst>
             </p:cNvPr>
@@ -13618,7 +13873,7 @@
             <p:cNvPr id="49" name="TextBox 48">
               <a:extLst>
                 <a:ext uri="{FF2B5EF4-FFF2-40B4-BE49-F238E27FC236}">
-                  <a16:creationId xmlns:a16="http://schemas.microsoft.com/office/drawing/2014/main" xmlns="" id="{83347D2D-8F9E-424F-8379-EE81B97BB648}"/>
+                  <a16:creationId xmlns:a16="http://schemas.microsoft.com/office/drawing/2014/main" id="{83347D2D-8F9E-424F-8379-EE81B97BB648}"/>
                 </a:ext>
               </a:extLst>
             </p:cNvPr>
@@ -13668,7 +13923,7 @@
           <p:cNvPr id="33" name="Group 32">
             <a:extLst>
               <a:ext uri="{FF2B5EF4-FFF2-40B4-BE49-F238E27FC236}">
-                <a16:creationId xmlns:a16="http://schemas.microsoft.com/office/drawing/2014/main" xmlns="" id="{C6E9A218-B141-4BD3-841A-BAB462C9175B}"/>
+                <a16:creationId xmlns:a16="http://schemas.microsoft.com/office/drawing/2014/main" id="{C6E9A218-B141-4BD3-841A-BAB462C9175B}"/>
               </a:ext>
             </a:extLst>
           </p:cNvPr>
@@ -13688,7 +13943,7 @@
             <p:cNvPr id="34" name="Straight Connector 33">
               <a:extLst>
                 <a:ext uri="{FF2B5EF4-FFF2-40B4-BE49-F238E27FC236}">
-                  <a16:creationId xmlns:a16="http://schemas.microsoft.com/office/drawing/2014/main" xmlns="" id="{F7309261-EAF4-4065-B34C-74D63998B1F8}"/>
+                  <a16:creationId xmlns:a16="http://schemas.microsoft.com/office/drawing/2014/main" id="{F7309261-EAF4-4065-B34C-74D63998B1F8}"/>
                 </a:ext>
               </a:extLst>
             </p:cNvPr>
@@ -13732,7 +13987,7 @@
             <p:cNvPr id="35" name="Straight Connector 34">
               <a:extLst>
                 <a:ext uri="{FF2B5EF4-FFF2-40B4-BE49-F238E27FC236}">
-                  <a16:creationId xmlns:a16="http://schemas.microsoft.com/office/drawing/2014/main" xmlns="" id="{6F2BC3B5-DB71-4C84-AF89-168445886399}"/>
+                  <a16:creationId xmlns:a16="http://schemas.microsoft.com/office/drawing/2014/main" id="{6F2BC3B5-DB71-4C84-AF89-168445886399}"/>
                 </a:ext>
               </a:extLst>
             </p:cNvPr>
@@ -13776,7 +14031,7 @@
           <p:cNvPr id="55" name="Group 54">
             <a:extLst>
               <a:ext uri="{FF2B5EF4-FFF2-40B4-BE49-F238E27FC236}">
-                <a16:creationId xmlns:a16="http://schemas.microsoft.com/office/drawing/2014/main" xmlns="" id="{948E0E04-F6AD-4204-A734-B8A0EC1E885D}"/>
+                <a16:creationId xmlns:a16="http://schemas.microsoft.com/office/drawing/2014/main" id="{948E0E04-F6AD-4204-A734-B8A0EC1E885D}"/>
               </a:ext>
             </a:extLst>
           </p:cNvPr>
@@ -13796,7 +14051,7 @@
             <p:cNvPr id="56" name="TextBox 55">
               <a:extLst>
                 <a:ext uri="{FF2B5EF4-FFF2-40B4-BE49-F238E27FC236}">
-                  <a16:creationId xmlns:a16="http://schemas.microsoft.com/office/drawing/2014/main" xmlns="" id="{4DD90853-2F30-480A-A4BC-AF61CA243D4E}"/>
+                  <a16:creationId xmlns:a16="http://schemas.microsoft.com/office/drawing/2014/main" id="{4DD90853-2F30-480A-A4BC-AF61CA243D4E}"/>
                 </a:ext>
               </a:extLst>
             </p:cNvPr>
@@ -13842,7 +14097,7 @@
             <p:cNvPr id="57" name="TextBox 56">
               <a:extLst>
                 <a:ext uri="{FF2B5EF4-FFF2-40B4-BE49-F238E27FC236}">
-                  <a16:creationId xmlns:a16="http://schemas.microsoft.com/office/drawing/2014/main" xmlns="" id="{13DF5F7D-8517-4858-B26A-117AEF6AD00D}"/>
+                  <a16:creationId xmlns:a16="http://schemas.microsoft.com/office/drawing/2014/main" id="{13DF5F7D-8517-4858-B26A-117AEF6AD00D}"/>
                 </a:ext>
               </a:extLst>
             </p:cNvPr>
@@ -13891,7 +14146,7 @@
           <p:cNvPr id="36" name="Group 35">
             <a:extLst>
               <a:ext uri="{FF2B5EF4-FFF2-40B4-BE49-F238E27FC236}">
-                <a16:creationId xmlns:a16="http://schemas.microsoft.com/office/drawing/2014/main" xmlns="" id="{B1ACE9A5-0AAC-4005-87FD-533CB273E3AF}"/>
+                <a16:creationId xmlns:a16="http://schemas.microsoft.com/office/drawing/2014/main" id="{B1ACE9A5-0AAC-4005-87FD-533CB273E3AF}"/>
               </a:ext>
             </a:extLst>
           </p:cNvPr>
@@ -13911,7 +14166,7 @@
             <p:cNvPr id="37" name="Straight Connector 36">
               <a:extLst>
                 <a:ext uri="{FF2B5EF4-FFF2-40B4-BE49-F238E27FC236}">
-                  <a16:creationId xmlns:a16="http://schemas.microsoft.com/office/drawing/2014/main" xmlns="" id="{BEBF1710-C0A2-443D-9E66-877BD8FA726A}"/>
+                  <a16:creationId xmlns:a16="http://schemas.microsoft.com/office/drawing/2014/main" id="{BEBF1710-C0A2-443D-9E66-877BD8FA726A}"/>
                 </a:ext>
               </a:extLst>
             </p:cNvPr>
@@ -13955,7 +14210,7 @@
             <p:cNvPr id="38" name="Straight Connector 37">
               <a:extLst>
                 <a:ext uri="{FF2B5EF4-FFF2-40B4-BE49-F238E27FC236}">
-                  <a16:creationId xmlns:a16="http://schemas.microsoft.com/office/drawing/2014/main" xmlns="" id="{D25F5471-E0F2-4736-A975-B0CD1D80AA97}"/>
+                  <a16:creationId xmlns:a16="http://schemas.microsoft.com/office/drawing/2014/main" id="{D25F5471-E0F2-4736-A975-B0CD1D80AA97}"/>
                 </a:ext>
               </a:extLst>
             </p:cNvPr>
@@ -13999,7 +14254,7 @@
           <p:cNvPr id="59" name="Group 58">
             <a:extLst>
               <a:ext uri="{FF2B5EF4-FFF2-40B4-BE49-F238E27FC236}">
-                <a16:creationId xmlns:a16="http://schemas.microsoft.com/office/drawing/2014/main" xmlns="" id="{4B33EF84-99D9-4E3D-98A7-243B4B204E8F}"/>
+                <a16:creationId xmlns:a16="http://schemas.microsoft.com/office/drawing/2014/main" id="{4B33EF84-99D9-4E3D-98A7-243B4B204E8F}"/>
               </a:ext>
             </a:extLst>
           </p:cNvPr>
@@ -14019,7 +14274,7 @@
             <p:cNvPr id="60" name="TextBox 59">
               <a:extLst>
                 <a:ext uri="{FF2B5EF4-FFF2-40B4-BE49-F238E27FC236}">
-                  <a16:creationId xmlns:a16="http://schemas.microsoft.com/office/drawing/2014/main" xmlns="" id="{3E41AE78-9E30-4CD4-9440-DE30C5519E6F}"/>
+                  <a16:creationId xmlns:a16="http://schemas.microsoft.com/office/drawing/2014/main" id="{3E41AE78-9E30-4CD4-9440-DE30C5519E6F}"/>
                 </a:ext>
               </a:extLst>
             </p:cNvPr>
@@ -14065,7 +14320,7 @@
             <p:cNvPr id="61" name="TextBox 60">
               <a:extLst>
                 <a:ext uri="{FF2B5EF4-FFF2-40B4-BE49-F238E27FC236}">
-                  <a16:creationId xmlns:a16="http://schemas.microsoft.com/office/drawing/2014/main" xmlns="" id="{DBF60901-7459-4FFF-BFAB-332F5872E18A}"/>
+                  <a16:creationId xmlns:a16="http://schemas.microsoft.com/office/drawing/2014/main" id="{DBF60901-7459-4FFF-BFAB-332F5872E18A}"/>
                 </a:ext>
               </a:extLst>
             </p:cNvPr>
@@ -14135,7 +14390,7 @@
             <p:cNvPr id="13" name="Oval 12">
               <a:extLst>
                 <a:ext uri="{FF2B5EF4-FFF2-40B4-BE49-F238E27FC236}">
-                  <a16:creationId xmlns:a16="http://schemas.microsoft.com/office/drawing/2014/main" xmlns="" id="{69F6674A-9F6A-4ECF-8B1A-B5CD331C63F8}"/>
+                  <a16:creationId xmlns:a16="http://schemas.microsoft.com/office/drawing/2014/main" id="{69F6674A-9F6A-4ECF-8B1A-B5CD331C63F8}"/>
                 </a:ext>
               </a:extLst>
             </p:cNvPr>
@@ -14237,7 +14492,7 @@
             <p:cNvPr id="10" name="Oval 9">
               <a:extLst>
                 <a:ext uri="{FF2B5EF4-FFF2-40B4-BE49-F238E27FC236}">
-                  <a16:creationId xmlns:a16="http://schemas.microsoft.com/office/drawing/2014/main" xmlns="" id="{6E22B37A-CCC7-4E5B-82F9-79A278CAA082}"/>
+                  <a16:creationId xmlns:a16="http://schemas.microsoft.com/office/drawing/2014/main" id="{6E22B37A-CCC7-4E5B-82F9-79A278CAA082}"/>
                 </a:ext>
               </a:extLst>
             </p:cNvPr>
@@ -14346,7 +14601,7 @@
             <p:cNvPr id="12" name="Oval 11">
               <a:extLst>
                 <a:ext uri="{FF2B5EF4-FFF2-40B4-BE49-F238E27FC236}">
-                  <a16:creationId xmlns:a16="http://schemas.microsoft.com/office/drawing/2014/main" xmlns="" id="{BC59DA09-2750-4F0C-898C-08F0F54C4ACB}"/>
+                  <a16:creationId xmlns:a16="http://schemas.microsoft.com/office/drawing/2014/main" id="{BC59DA09-2750-4F0C-898C-08F0F54C4ACB}"/>
                 </a:ext>
               </a:extLst>
             </p:cNvPr>
@@ -14446,7 +14701,7 @@
             <p:cNvPr id="11" name="Oval 10">
               <a:extLst>
                 <a:ext uri="{FF2B5EF4-FFF2-40B4-BE49-F238E27FC236}">
-                  <a16:creationId xmlns:a16="http://schemas.microsoft.com/office/drawing/2014/main" xmlns="" id="{788C3841-127A-479B-94BD-220B2EDCAB6E}"/>
+                  <a16:creationId xmlns:a16="http://schemas.microsoft.com/office/drawing/2014/main" id="{788C3841-127A-479B-94BD-220B2EDCAB6E}"/>
                 </a:ext>
               </a:extLst>
             </p:cNvPr>
@@ -14555,7 +14810,7 @@
             <p:cNvPr id="14" name="Oval 13">
               <a:extLst>
                 <a:ext uri="{FF2B5EF4-FFF2-40B4-BE49-F238E27FC236}">
-                  <a16:creationId xmlns:a16="http://schemas.microsoft.com/office/drawing/2014/main" xmlns="" id="{3F5A07E2-72FE-479E-9CC4-3AE297809FA7}"/>
+                  <a16:creationId xmlns:a16="http://schemas.microsoft.com/office/drawing/2014/main" id="{3F5A07E2-72FE-479E-9CC4-3AE297809FA7}"/>
                 </a:ext>
               </a:extLst>
             </p:cNvPr>
@@ -14664,7 +14919,7 @@
             <p:cNvPr id="64" name="Oval 63">
               <a:extLst>
                 <a:ext uri="{FF2B5EF4-FFF2-40B4-BE49-F238E27FC236}">
-                  <a16:creationId xmlns:a16="http://schemas.microsoft.com/office/drawing/2014/main" xmlns="" id="{3701A590-ABA9-4BD2-BD64-376A4C227798}"/>
+                  <a16:creationId xmlns:a16="http://schemas.microsoft.com/office/drawing/2014/main" id="{3701A590-ABA9-4BD2-BD64-376A4C227798}"/>
                 </a:ext>
               </a:extLst>
             </p:cNvPr>
@@ -14718,7 +14973,7 @@
             <p:cNvPr id="65" name="Oval 64">
               <a:extLst>
                 <a:ext uri="{FF2B5EF4-FFF2-40B4-BE49-F238E27FC236}">
-                  <a16:creationId xmlns:a16="http://schemas.microsoft.com/office/drawing/2014/main" xmlns="" id="{3E53B434-A2A6-4C16-99DD-292CE4FD62C4}"/>
+                  <a16:creationId xmlns:a16="http://schemas.microsoft.com/office/drawing/2014/main" id="{3E53B434-A2A6-4C16-99DD-292CE4FD62C4}"/>
                 </a:ext>
               </a:extLst>
             </p:cNvPr>
@@ -14772,7 +15027,7 @@
             <p:cNvPr id="66" name="Oval 65">
               <a:extLst>
                 <a:ext uri="{FF2B5EF4-FFF2-40B4-BE49-F238E27FC236}">
-                  <a16:creationId xmlns:a16="http://schemas.microsoft.com/office/drawing/2014/main" xmlns="" id="{F3E5BC96-17A2-4BD5-BA51-10270687E851}"/>
+                  <a16:creationId xmlns:a16="http://schemas.microsoft.com/office/drawing/2014/main" id="{F3E5BC96-17A2-4BD5-BA51-10270687E851}"/>
                 </a:ext>
               </a:extLst>
             </p:cNvPr>
@@ -14826,7 +15081,7 @@
             <p:cNvPr id="67" name="Oval 66">
               <a:extLst>
                 <a:ext uri="{FF2B5EF4-FFF2-40B4-BE49-F238E27FC236}">
-                  <a16:creationId xmlns:a16="http://schemas.microsoft.com/office/drawing/2014/main" xmlns="" id="{1A06ACCC-548D-4873-BD3B-AD3CA2C095B0}"/>
+                  <a16:creationId xmlns:a16="http://schemas.microsoft.com/office/drawing/2014/main" id="{1A06ACCC-548D-4873-BD3B-AD3CA2C095B0}"/>
                 </a:ext>
               </a:extLst>
             </p:cNvPr>
@@ -14880,7 +15135,7 @@
             <p:cNvPr id="68" name="Oval 67">
               <a:extLst>
                 <a:ext uri="{FF2B5EF4-FFF2-40B4-BE49-F238E27FC236}">
-                  <a16:creationId xmlns:a16="http://schemas.microsoft.com/office/drawing/2014/main" xmlns="" id="{7CBDE4C1-DAF9-476F-B807-27BE954F6C82}"/>
+                  <a16:creationId xmlns:a16="http://schemas.microsoft.com/office/drawing/2014/main" id="{7CBDE4C1-DAF9-476F-B807-27BE954F6C82}"/>
                 </a:ext>
               </a:extLst>
             </p:cNvPr>
@@ -16574,11 +16829,12 @@
 </file>
 
 <file path=customXml/item1.xml><?xml version="1.0" encoding="utf-8"?>
-<p:properties xmlns:p="http://schemas.microsoft.com/office/2006/metadata/properties" xmlns:xsi="http://www.w3.org/2001/XMLSchema-instance" xmlns:pc="http://schemas.microsoft.com/office/infopath/2007/PartnerControls">
-  <documentManagement>
-    <MediaServiceKeyPoints xmlns="71af3243-3dd4-4a8d-8c0d-dd76da1f02a5" xsi:nil="true"/>
-  </documentManagement>
-</p:properties>
+<?mso-contentType ?>
+<FormTemplates xmlns="http://schemas.microsoft.com/sharepoint/v3/contenttype/forms">
+  <Display>DocumentLibraryForm</Display>
+  <Edit>DocumentLibraryForm</Edit>
+  <New>DocumentLibraryForm</New>
+</FormTemplates>
 </file>
 
 <file path=customXml/item2.xml><?xml version="1.0" encoding="utf-8"?>
@@ -16793,20 +17049,17 @@
 </file>
 
 <file path=customXml/item3.xml><?xml version="1.0" encoding="utf-8"?>
-<?mso-contentType ?>
-<FormTemplates xmlns="http://schemas.microsoft.com/sharepoint/v3/contenttype/forms">
-  <Display>DocumentLibraryForm</Display>
-  <Edit>DocumentLibraryForm</Edit>
-  <New>DocumentLibraryForm</New>
-</FormTemplates>
+<p:properties xmlns:p="http://schemas.microsoft.com/office/2006/metadata/properties" xmlns:xsi="http://www.w3.org/2001/XMLSchema-instance" xmlns:pc="http://schemas.microsoft.com/office/infopath/2007/PartnerControls">
+  <documentManagement>
+    <MediaServiceKeyPoints xmlns="71af3243-3dd4-4a8d-8c0d-dd76da1f02a5" xsi:nil="true"/>
+  </documentManagement>
+</p:properties>
 </file>
 
 <file path=customXml/itemProps1.xml><?xml version="1.0" encoding="utf-8"?>
-<ds:datastoreItem xmlns:ds="http://schemas.openxmlformats.org/officeDocument/2006/customXml" ds:itemID="{22E71848-B78E-4D58-BFA5-D2D5918911CD}">
+<ds:datastoreItem xmlns:ds="http://schemas.openxmlformats.org/officeDocument/2006/customXml" ds:itemID="{89B3E157-1CAC-4231-A2EC-E93952D57E42}">
   <ds:schemaRefs>
-    <ds:schemaRef ds:uri="http://schemas.microsoft.com/office/2006/metadata/properties"/>
-    <ds:schemaRef ds:uri="http://schemas.microsoft.com/office/infopath/2007/PartnerControls"/>
-    <ds:schemaRef ds:uri="71af3243-3dd4-4a8d-8c0d-dd76da1f02a5"/>
+    <ds:schemaRef ds:uri="http://schemas.microsoft.com/sharepoint/v3/contenttype/forms"/>
   </ds:schemaRefs>
 </ds:datastoreItem>
 </file>
@@ -16831,9 +17084,11 @@
 </file>
 
 <file path=customXml/itemProps3.xml><?xml version="1.0" encoding="utf-8"?>
-<ds:datastoreItem xmlns:ds="http://schemas.openxmlformats.org/officeDocument/2006/customXml" ds:itemID="{89B3E157-1CAC-4231-A2EC-E93952D57E42}">
+<ds:datastoreItem xmlns:ds="http://schemas.openxmlformats.org/officeDocument/2006/customXml" ds:itemID="{22E71848-B78E-4D58-BFA5-D2D5918911CD}">
   <ds:schemaRefs>
-    <ds:schemaRef ds:uri="http://schemas.microsoft.com/sharepoint/v3/contenttype/forms"/>
+    <ds:schemaRef ds:uri="http://schemas.microsoft.com/office/2006/metadata/properties"/>
+    <ds:schemaRef ds:uri="http://schemas.microsoft.com/office/infopath/2007/PartnerControls"/>
+    <ds:schemaRef ds:uri="71af3243-3dd4-4a8d-8c0d-dd76da1f02a5"/>
   </ds:schemaRefs>
 </ds:datastoreItem>
 </file>
--- a/Đồ án/BaoCao.pptx
+++ b/Đồ án/BaoCao.pptx
@@ -5,17 +5,16 @@
     <p:sldMasterId id="2147483648" r:id="rId4"/>
   </p:sldMasterIdLst>
   <p:notesMasterIdLst>
-    <p:notesMasterId r:id="rId10"/>
+    <p:notesMasterId r:id="rId9"/>
   </p:notesMasterIdLst>
   <p:handoutMasterIdLst>
-    <p:handoutMasterId r:id="rId11"/>
+    <p:handoutMasterId r:id="rId10"/>
   </p:handoutMasterIdLst>
   <p:sldIdLst>
     <p:sldId id="258" r:id="rId5"/>
-    <p:sldId id="2441" r:id="rId6"/>
-    <p:sldId id="2445" r:id="rId7"/>
-    <p:sldId id="2443" r:id="rId8"/>
-    <p:sldId id="2444" r:id="rId9"/>
+    <p:sldId id="2445" r:id="rId6"/>
+    <p:sldId id="2446" r:id="rId7"/>
+    <p:sldId id="2447" r:id="rId8"/>
   </p:sldIdLst>
   <p:sldSz cx="12192000" cy="6858000"/>
   <p:notesSz cx="6858000" cy="9144000"/>
@@ -134,6 +133,2813 @@
     </p:ext>
   </p:extLst>
 </p:presentation>
+</file>
+
+<file path=ppt/charts/chart1.xml><?xml version="1.0" encoding="utf-8"?>
+<c:chartSpace xmlns:c="http://schemas.openxmlformats.org/drawingml/2006/chart" xmlns:a="http://schemas.openxmlformats.org/drawingml/2006/main" xmlns:r="http://schemas.openxmlformats.org/officeDocument/2006/relationships" xmlns:c16r2="http://schemas.microsoft.com/office/drawing/2015/06/chart">
+  <c:date1904 val="0"/>
+  <c:lang val="en-US"/>
+  <c:roundedCorners val="0"/>
+  <mc:AlternateContent xmlns:mc="http://schemas.openxmlformats.org/markup-compatibility/2006">
+    <mc:Choice xmlns:c14="http://schemas.microsoft.com/office/drawing/2007/8/2/chart" Requires="c14">
+      <c14:style val="102"/>
+    </mc:Choice>
+    <mc:Fallback>
+      <c:style val="2"/>
+    </mc:Fallback>
+  </mc:AlternateContent>
+  <c:chart>
+    <c:title>
+      <c:tx>
+        <c:rich>
+          <a:bodyPr rot="0" spcFirstLastPara="1" vertOverflow="ellipsis" vert="horz" wrap="square" anchor="ctr" anchorCtr="1"/>
+          <a:lstStyle/>
+          <a:p>
+            <a:pPr>
+              <a:defRPr sz="2400" b="0" i="0" u="none" strike="noStrike" kern="1200" spc="0" baseline="0">
+                <a:solidFill>
+                  <a:schemeClr val="tx1">
+                    <a:lumMod val="65000"/>
+                    <a:lumOff val="35000"/>
+                  </a:schemeClr>
+                </a:solidFill>
+                <a:latin typeface="+mn-lt"/>
+                <a:ea typeface="+mn-ea"/>
+                <a:cs typeface="+mn-cs"/>
+              </a:defRPr>
+            </a:pPr>
+            <a:r>
+              <a:rPr lang="en-US" sz="2400" smtClean="0">
+                <a:effectLst/>
+                <a:latin typeface="Arial" panose="020B0604020202020204" pitchFamily="34" charset="0"/>
+                <a:cs typeface="Arial" panose="020B0604020202020204" pitchFamily="34" charset="0"/>
+              </a:rPr>
+              <a:t>Biểu đồ thời gian sử dụng pin</a:t>
+            </a:r>
+            <a:endParaRPr lang="en-US" sz="2400">
+              <a:effectLst/>
+              <a:latin typeface="Arial" panose="020B0604020202020204" pitchFamily="34" charset="0"/>
+              <a:cs typeface="Arial" panose="020B0604020202020204" pitchFamily="34" charset="0"/>
+            </a:endParaRPr>
+          </a:p>
+        </c:rich>
+      </c:tx>
+      <c:layout/>
+      <c:overlay val="0"/>
+      <c:spPr>
+        <a:noFill/>
+        <a:ln>
+          <a:noFill/>
+        </a:ln>
+        <a:effectLst/>
+      </c:spPr>
+      <c:txPr>
+        <a:bodyPr rot="0" spcFirstLastPara="1" vertOverflow="ellipsis" vert="horz" wrap="square" anchor="ctr" anchorCtr="1"/>
+        <a:lstStyle/>
+        <a:p>
+          <a:pPr>
+            <a:defRPr sz="2400" b="0" i="0" u="none" strike="noStrike" kern="1200" spc="0" baseline="0">
+              <a:solidFill>
+                <a:schemeClr val="tx1">
+                  <a:lumMod val="65000"/>
+                  <a:lumOff val="35000"/>
+                </a:schemeClr>
+              </a:solidFill>
+              <a:latin typeface="+mn-lt"/>
+              <a:ea typeface="+mn-ea"/>
+              <a:cs typeface="+mn-cs"/>
+            </a:defRPr>
+          </a:pPr>
+          <a:endParaRPr lang="en-US"/>
+        </a:p>
+      </c:txPr>
+    </c:title>
+    <c:autoTitleDeleted val="0"/>
+    <c:plotArea>
+      <c:layout/>
+      <c:lineChart>
+        <c:grouping val="standard"/>
+        <c:varyColors val="0"/>
+        <c:ser>
+          <c:idx val="0"/>
+          <c:order val="0"/>
+          <c:tx>
+            <c:strRef>
+              <c:f>Sheet1!$B$1</c:f>
+              <c:strCache>
+                <c:ptCount val="1"/>
+                <c:pt idx="0">
+                  <c:v>Phát video</c:v>
+                </c:pt>
+              </c:strCache>
+            </c:strRef>
+          </c:tx>
+          <c:spPr>
+            <a:ln w="28575" cap="rnd">
+              <a:solidFill>
+                <a:schemeClr val="accent1"/>
+              </a:solidFill>
+              <a:round/>
+            </a:ln>
+            <a:effectLst/>
+          </c:spPr>
+          <c:marker>
+            <c:symbol val="circle"/>
+            <c:size val="5"/>
+            <c:spPr>
+              <a:solidFill>
+                <a:schemeClr val="accent1"/>
+              </a:solidFill>
+              <a:ln w="9525">
+                <a:solidFill>
+                  <a:schemeClr val="accent1"/>
+                </a:solidFill>
+              </a:ln>
+              <a:effectLst/>
+            </c:spPr>
+          </c:marker>
+          <c:dLbls>
+            <c:spPr>
+              <a:noFill/>
+              <a:ln>
+                <a:noFill/>
+              </a:ln>
+              <a:effectLst/>
+            </c:spPr>
+            <c:txPr>
+              <a:bodyPr rot="0" spcFirstLastPara="1" vertOverflow="ellipsis" vert="horz" wrap="square" lIns="38100" tIns="19050" rIns="38100" bIns="19050" anchor="ctr" anchorCtr="1">
+                <a:spAutoFit/>
+              </a:bodyPr>
+              <a:lstStyle/>
+              <a:p>
+                <a:pPr>
+                  <a:defRPr sz="1600" b="0" i="0" u="none" strike="noStrike" kern="1200" baseline="0">
+                    <a:solidFill>
+                      <a:schemeClr val="tx1">
+                        <a:lumMod val="75000"/>
+                        <a:lumOff val="25000"/>
+                      </a:schemeClr>
+                    </a:solidFill>
+                    <a:latin typeface="Arial" panose="020B0604020202020204" pitchFamily="34" charset="0"/>
+                    <a:ea typeface="+mn-ea"/>
+                    <a:cs typeface="Arial" panose="020B0604020202020204" pitchFamily="34" charset="0"/>
+                  </a:defRPr>
+                </a:pPr>
+                <a:endParaRPr lang="en-US"/>
+              </a:p>
+            </c:txPr>
+            <c:showLegendKey val="0"/>
+            <c:showVal val="1"/>
+            <c:showCatName val="0"/>
+            <c:showSerName val="0"/>
+            <c:showPercent val="0"/>
+            <c:showBubbleSize val="0"/>
+            <c:showLeaderLines val="0"/>
+            <c:extLst>
+              <c:ext xmlns:c15="http://schemas.microsoft.com/office/drawing/2012/chart" uri="{CE6537A1-D6FC-4f65-9D91-7224C49458BB}">
+                <c15:layout/>
+                <c15:showLeaderLines val="1"/>
+                <c15:leaderLines>
+                  <c:spPr>
+                    <a:ln w="9525" cap="flat" cmpd="sng" algn="ctr">
+                      <a:solidFill>
+                        <a:schemeClr val="tx1">
+                          <a:lumMod val="35000"/>
+                          <a:lumOff val="65000"/>
+                        </a:schemeClr>
+                      </a:solidFill>
+                      <a:round/>
+                    </a:ln>
+                    <a:effectLst/>
+                  </c:spPr>
+                </c15:leaderLines>
+              </c:ext>
+            </c:extLst>
+          </c:dLbls>
+          <c:cat>
+            <c:strRef>
+              <c:f>Sheet1!$A$2:$A$10</c:f>
+              <c:strCache>
+                <c:ptCount val="9"/>
+                <c:pt idx="0">
+                  <c:v>0 giờ</c:v>
+                </c:pt>
+                <c:pt idx="1">
+                  <c:v>5 giờ</c:v>
+                </c:pt>
+                <c:pt idx="2">
+                  <c:v>10 giờ</c:v>
+                </c:pt>
+                <c:pt idx="3">
+                  <c:v>15 giờ</c:v>
+                </c:pt>
+                <c:pt idx="4">
+                  <c:v>20 giờ</c:v>
+                </c:pt>
+                <c:pt idx="5">
+                  <c:v>25 giờ</c:v>
+                </c:pt>
+                <c:pt idx="6">
+                  <c:v>30 giờ</c:v>
+                </c:pt>
+                <c:pt idx="7">
+                  <c:v>35 giờ</c:v>
+                </c:pt>
+                <c:pt idx="8">
+                  <c:v>40 giờ</c:v>
+                </c:pt>
+              </c:strCache>
+            </c:strRef>
+          </c:cat>
+          <c:val>
+            <c:numRef>
+              <c:f>Sheet1!$B$2:$B$10</c:f>
+              <c:numCache>
+                <c:formatCode>0%</c:formatCode>
+                <c:ptCount val="9"/>
+                <c:pt idx="0">
+                  <c:v>1</c:v>
+                </c:pt>
+                <c:pt idx="1">
+                  <c:v>0.73</c:v>
+                </c:pt>
+                <c:pt idx="2">
+                  <c:v>0.54</c:v>
+                </c:pt>
+                <c:pt idx="3">
+                  <c:v>0.3</c:v>
+                </c:pt>
+                <c:pt idx="4">
+                  <c:v>0</c:v>
+                </c:pt>
+                <c:pt idx="5">
+                  <c:v>0</c:v>
+                </c:pt>
+                <c:pt idx="6">
+                  <c:v>0</c:v>
+                </c:pt>
+                <c:pt idx="7">
+                  <c:v>0</c:v>
+                </c:pt>
+                <c:pt idx="8">
+                  <c:v>0</c:v>
+                </c:pt>
+              </c:numCache>
+            </c:numRef>
+          </c:val>
+          <c:smooth val="0"/>
+          <c:extLst>
+            <c:ext xmlns:c16="http://schemas.microsoft.com/office/drawing/2014/chart" uri="{C3380CC4-5D6E-409C-BE32-E72D297353CC}">
+              <c16:uniqueId val="{00000000-D8EA-44DE-A7EA-F85DDF23D8EA}"/>
+            </c:ext>
+          </c:extLst>
+        </c:ser>
+        <c:ser>
+          <c:idx val="1"/>
+          <c:order val="1"/>
+          <c:tx>
+            <c:strRef>
+              <c:f>Sheet1!$C$1</c:f>
+              <c:strCache>
+                <c:ptCount val="1"/>
+                <c:pt idx="0">
+                  <c:v>Chạy dưới nền</c:v>
+                </c:pt>
+              </c:strCache>
+            </c:strRef>
+          </c:tx>
+          <c:spPr>
+            <a:ln w="28575" cap="rnd">
+              <a:solidFill>
+                <a:schemeClr val="accent5">
+                  <a:lumMod val="75000"/>
+                  <a:lumOff val="25000"/>
+                </a:schemeClr>
+              </a:solidFill>
+              <a:round/>
+            </a:ln>
+            <a:effectLst/>
+          </c:spPr>
+          <c:marker>
+            <c:symbol val="circle"/>
+            <c:size val="5"/>
+            <c:spPr>
+              <a:solidFill>
+                <a:schemeClr val="accent2"/>
+              </a:solidFill>
+              <a:ln w="9525">
+                <a:solidFill>
+                  <a:schemeClr val="accent5">
+                    <a:lumMod val="75000"/>
+                    <a:lumOff val="25000"/>
+                  </a:schemeClr>
+                </a:solidFill>
+              </a:ln>
+              <a:effectLst/>
+            </c:spPr>
+          </c:marker>
+          <c:dLbls>
+            <c:dLbl>
+              <c:idx val="1"/>
+              <c:layout>
+                <c:manualLayout>
+                  <c:x val="-3.7696538025872736E-2"/>
+                  <c:y val="2.7725336313638715E-2"/>
+                </c:manualLayout>
+              </c:layout>
+              <c:showLegendKey val="0"/>
+              <c:showVal val="1"/>
+              <c:showCatName val="0"/>
+              <c:showSerName val="0"/>
+              <c:showPercent val="0"/>
+              <c:showBubbleSize val="0"/>
+              <c:extLst>
+                <c:ext xmlns:c15="http://schemas.microsoft.com/office/drawing/2012/chart" uri="{CE6537A1-D6FC-4f65-9D91-7224C49458BB}">
+                  <c15:layout/>
+                </c:ext>
+                <c:ext xmlns:c16="http://schemas.microsoft.com/office/drawing/2014/chart" uri="{C3380CC4-5D6E-409C-BE32-E72D297353CC}">
+                  <c16:uniqueId val="{00000001-D8EA-44DE-A7EA-F85DDF23D8EA}"/>
+                </c:ext>
+              </c:extLst>
+            </c:dLbl>
+            <c:dLbl>
+              <c:idx val="2"/>
+              <c:layout>
+                <c:manualLayout>
+                  <c:x val="-3.7528840859334771E-2"/>
+                  <c:y val="2.3606331701700976E-2"/>
+                </c:manualLayout>
+              </c:layout>
+              <c:showLegendKey val="0"/>
+              <c:showVal val="1"/>
+              <c:showCatName val="0"/>
+              <c:showSerName val="0"/>
+              <c:showPercent val="0"/>
+              <c:showBubbleSize val="0"/>
+              <c:extLst>
+                <c:ext xmlns:c15="http://schemas.microsoft.com/office/drawing/2012/chart" uri="{CE6537A1-D6FC-4f65-9D91-7224C49458BB}">
+                  <c15:layout/>
+                </c:ext>
+                <c:ext xmlns:c16="http://schemas.microsoft.com/office/drawing/2014/chart" uri="{C3380CC4-5D6E-409C-BE32-E72D297353CC}">
+                  <c16:uniqueId val="{00000002-D8EA-44DE-A7EA-F85DDF23D8EA}"/>
+                </c:ext>
+              </c:extLst>
+            </c:dLbl>
+            <c:dLbl>
+              <c:idx val="3"/>
+              <c:layout>
+                <c:manualLayout>
+                  <c:x val="-3.5823027160270672E-2"/>
+                  <c:y val="2.8042542711513976E-2"/>
+                </c:manualLayout>
+              </c:layout>
+              <c:showLegendKey val="0"/>
+              <c:showVal val="1"/>
+              <c:showCatName val="0"/>
+              <c:showSerName val="0"/>
+              <c:showPercent val="0"/>
+              <c:showBubbleSize val="0"/>
+              <c:extLst>
+                <c:ext xmlns:c15="http://schemas.microsoft.com/office/drawing/2012/chart" uri="{CE6537A1-D6FC-4f65-9D91-7224C49458BB}">
+                  <c15:layout/>
+                </c:ext>
+                <c:ext xmlns:c16="http://schemas.microsoft.com/office/drawing/2014/chart" uri="{C3380CC4-5D6E-409C-BE32-E72D297353CC}">
+                  <c16:uniqueId val="{00000003-D8EA-44DE-A7EA-F85DDF23D8EA}"/>
+                </c:ext>
+              </c:extLst>
+            </c:dLbl>
+            <c:dLbl>
+              <c:idx val="4"/>
+              <c:layout>
+                <c:manualLayout>
+                  <c:x val="-3.5823012558202381E-2"/>
+                  <c:y val="1.8535729280403382E-2"/>
+                </c:manualLayout>
+              </c:layout>
+              <c:showLegendKey val="0"/>
+              <c:showVal val="1"/>
+              <c:showCatName val="0"/>
+              <c:showSerName val="0"/>
+              <c:showPercent val="0"/>
+              <c:showBubbleSize val="0"/>
+              <c:extLst>
+                <c:ext xmlns:c15="http://schemas.microsoft.com/office/drawing/2012/chart" uri="{CE6537A1-D6FC-4f65-9D91-7224C49458BB}">
+                  <c15:layout/>
+                </c:ext>
+                <c:ext xmlns:c16="http://schemas.microsoft.com/office/drawing/2014/chart" uri="{C3380CC4-5D6E-409C-BE32-E72D297353CC}">
+                  <c16:uniqueId val="{00000004-D8EA-44DE-A7EA-F85DDF23D8EA}"/>
+                </c:ext>
+              </c:extLst>
+            </c:dLbl>
+            <c:dLbl>
+              <c:idx val="5"/>
+              <c:layout>
+                <c:manualLayout>
+                  <c:x val="-3.8721980363554308E-2"/>
+                  <c:y val="2.5192176548659649E-2"/>
+                </c:manualLayout>
+              </c:layout>
+              <c:showLegendKey val="0"/>
+              <c:showVal val="1"/>
+              <c:showCatName val="0"/>
+              <c:showSerName val="0"/>
+              <c:showPercent val="0"/>
+              <c:showBubbleSize val="0"/>
+              <c:extLst>
+                <c:ext xmlns:c15="http://schemas.microsoft.com/office/drawing/2012/chart" uri="{CE6537A1-D6FC-4f65-9D91-7224C49458BB}">
+                  <c15:layout/>
+                </c:ext>
+                <c:ext xmlns:c16="http://schemas.microsoft.com/office/drawing/2014/chart" uri="{C3380CC4-5D6E-409C-BE32-E72D297353CC}">
+                  <c16:uniqueId val="{00000005-D8EA-44DE-A7EA-F85DDF23D8EA}"/>
+                </c:ext>
+              </c:extLst>
+            </c:dLbl>
+            <c:dLbl>
+              <c:idx val="6"/>
+              <c:layout>
+                <c:manualLayout>
+                  <c:x val="-3.4117119513214202E-2"/>
+                  <c:y val="3.9926086230734625E-2"/>
+                </c:manualLayout>
+              </c:layout>
+              <c:showLegendKey val="0"/>
+              <c:showVal val="1"/>
+              <c:showCatName val="0"/>
+              <c:showSerName val="0"/>
+              <c:showPercent val="0"/>
+              <c:showBubbleSize val="0"/>
+              <c:extLst>
+                <c:ext xmlns:c15="http://schemas.microsoft.com/office/drawing/2012/chart" uri="{CE6537A1-D6FC-4f65-9D91-7224C49458BB}">
+                  <c15:layout/>
+                </c:ext>
+                <c:ext xmlns:c16="http://schemas.microsoft.com/office/drawing/2014/chart" uri="{C3380CC4-5D6E-409C-BE32-E72D297353CC}">
+                  <c16:uniqueId val="{00000006-D8EA-44DE-A7EA-F85DDF23D8EA}"/>
+                </c:ext>
+              </c:extLst>
+            </c:dLbl>
+            <c:dLbl>
+              <c:idx val="7"/>
+              <c:layout>
+                <c:manualLayout>
+                  <c:x val="-2.4049746589382543E-2"/>
+                  <c:y val="3.2161547323451715E-2"/>
+                </c:manualLayout>
+              </c:layout>
+              <c:showLegendKey val="0"/>
+              <c:showVal val="1"/>
+              <c:showCatName val="0"/>
+              <c:showSerName val="0"/>
+              <c:showPercent val="0"/>
+              <c:showBubbleSize val="0"/>
+              <c:extLst>
+                <c:ext xmlns:c15="http://schemas.microsoft.com/office/drawing/2012/chart" uri="{CE6537A1-D6FC-4f65-9D91-7224C49458BB}">
+                  <c15:layout/>
+                </c:ext>
+                <c:ext xmlns:c16="http://schemas.microsoft.com/office/drawing/2014/chart" uri="{C3380CC4-5D6E-409C-BE32-E72D297353CC}">
+                  <c16:uniqueId val="{00000007-D8EA-44DE-A7EA-F85DDF23D8EA}"/>
+                </c:ext>
+              </c:extLst>
+            </c:dLbl>
+            <c:dLbl>
+              <c:idx val="8"/>
+              <c:layout>
+                <c:manualLayout>
+                  <c:x val="-4.7725580168783074E-3"/>
+                  <c:y val="3.0897213149973689E-2"/>
+                </c:manualLayout>
+              </c:layout>
+              <c:showLegendKey val="0"/>
+              <c:showVal val="1"/>
+              <c:showCatName val="0"/>
+              <c:showSerName val="0"/>
+              <c:showPercent val="0"/>
+              <c:showBubbleSize val="0"/>
+              <c:extLst>
+                <c:ext xmlns:c15="http://schemas.microsoft.com/office/drawing/2012/chart" uri="{CE6537A1-D6FC-4f65-9D91-7224C49458BB}">
+                  <c15:layout/>
+                </c:ext>
+                <c:ext xmlns:c16="http://schemas.microsoft.com/office/drawing/2014/chart" uri="{C3380CC4-5D6E-409C-BE32-E72D297353CC}">
+                  <c16:uniqueId val="{00000013-D8EA-44DE-A7EA-F85DDF23D8EA}"/>
+                </c:ext>
+              </c:extLst>
+            </c:dLbl>
+            <c:spPr>
+              <a:noFill/>
+              <a:ln>
+                <a:noFill/>
+              </a:ln>
+              <a:effectLst/>
+            </c:spPr>
+            <c:txPr>
+              <a:bodyPr rot="0" spcFirstLastPara="1" vertOverflow="ellipsis" vert="horz" wrap="square" lIns="38100" tIns="19050" rIns="38100" bIns="19050" anchor="ctr" anchorCtr="1">
+                <a:spAutoFit/>
+              </a:bodyPr>
+              <a:lstStyle/>
+              <a:p>
+                <a:pPr>
+                  <a:defRPr sz="1600" b="0" i="0" u="none" strike="noStrike" kern="1200" baseline="0">
+                    <a:solidFill>
+                      <a:schemeClr val="tx1">
+                        <a:lumMod val="75000"/>
+                        <a:lumOff val="25000"/>
+                      </a:schemeClr>
+                    </a:solidFill>
+                    <a:latin typeface="Arial" panose="020B0604020202020204" pitchFamily="34" charset="0"/>
+                    <a:ea typeface="+mn-ea"/>
+                    <a:cs typeface="Arial" panose="020B0604020202020204" pitchFamily="34" charset="0"/>
+                  </a:defRPr>
+                </a:pPr>
+                <a:endParaRPr lang="en-US"/>
+              </a:p>
+            </c:txPr>
+            <c:showLegendKey val="0"/>
+            <c:showVal val="1"/>
+            <c:showCatName val="0"/>
+            <c:showSerName val="0"/>
+            <c:showPercent val="0"/>
+            <c:showBubbleSize val="0"/>
+            <c:showLeaderLines val="0"/>
+            <c:extLst>
+              <c:ext xmlns:c15="http://schemas.microsoft.com/office/drawing/2012/chart" uri="{CE6537A1-D6FC-4f65-9D91-7224C49458BB}">
+                <c15:layout/>
+                <c15:showLeaderLines val="1"/>
+                <c15:leaderLines>
+                  <c:spPr>
+                    <a:ln w="9525" cap="flat" cmpd="sng" algn="ctr">
+                      <a:solidFill>
+                        <a:schemeClr val="tx1">
+                          <a:lumMod val="35000"/>
+                          <a:lumOff val="65000"/>
+                        </a:schemeClr>
+                      </a:solidFill>
+                      <a:round/>
+                    </a:ln>
+                    <a:effectLst/>
+                  </c:spPr>
+                </c15:leaderLines>
+              </c:ext>
+            </c:extLst>
+          </c:dLbls>
+          <c:cat>
+            <c:strRef>
+              <c:f>Sheet1!$A$2:$A$10</c:f>
+              <c:strCache>
+                <c:ptCount val="9"/>
+                <c:pt idx="0">
+                  <c:v>0 giờ</c:v>
+                </c:pt>
+                <c:pt idx="1">
+                  <c:v>5 giờ</c:v>
+                </c:pt>
+                <c:pt idx="2">
+                  <c:v>10 giờ</c:v>
+                </c:pt>
+                <c:pt idx="3">
+                  <c:v>15 giờ</c:v>
+                </c:pt>
+                <c:pt idx="4">
+                  <c:v>20 giờ</c:v>
+                </c:pt>
+                <c:pt idx="5">
+                  <c:v>25 giờ</c:v>
+                </c:pt>
+                <c:pt idx="6">
+                  <c:v>30 giờ</c:v>
+                </c:pt>
+                <c:pt idx="7">
+                  <c:v>35 giờ</c:v>
+                </c:pt>
+                <c:pt idx="8">
+                  <c:v>40 giờ</c:v>
+                </c:pt>
+              </c:strCache>
+            </c:strRef>
+          </c:cat>
+          <c:val>
+            <c:numRef>
+              <c:f>Sheet1!$C$2:$C$10</c:f>
+              <c:numCache>
+                <c:formatCode>0%</c:formatCode>
+                <c:ptCount val="9"/>
+                <c:pt idx="0">
+                  <c:v>1</c:v>
+                </c:pt>
+                <c:pt idx="1">
+                  <c:v>0.96</c:v>
+                </c:pt>
+                <c:pt idx="2">
+                  <c:v>0.92</c:v>
+                </c:pt>
+                <c:pt idx="3">
+                  <c:v>0.88</c:v>
+                </c:pt>
+                <c:pt idx="4">
+                  <c:v>0.84</c:v>
+                </c:pt>
+                <c:pt idx="5">
+                  <c:v>0.8</c:v>
+                </c:pt>
+                <c:pt idx="6">
+                  <c:v>0.76</c:v>
+                </c:pt>
+                <c:pt idx="7">
+                  <c:v>0.72</c:v>
+                </c:pt>
+                <c:pt idx="8">
+                  <c:v>0.68</c:v>
+                </c:pt>
+              </c:numCache>
+            </c:numRef>
+          </c:val>
+          <c:smooth val="0"/>
+          <c:extLst>
+            <c:ext xmlns:c16="http://schemas.microsoft.com/office/drawing/2014/chart" uri="{C3380CC4-5D6E-409C-BE32-E72D297353CC}">
+              <c16:uniqueId val="{00000008-D8EA-44DE-A7EA-F85DDF23D8EA}"/>
+            </c:ext>
+          </c:extLst>
+        </c:ser>
+        <c:ser>
+          <c:idx val="2"/>
+          <c:order val="2"/>
+          <c:tx>
+            <c:strRef>
+              <c:f>Sheet1!$D$1</c:f>
+              <c:strCache>
+                <c:ptCount val="1"/>
+                <c:pt idx="0">
+                  <c:v>Không cài đặt ứng dụng</c:v>
+                </c:pt>
+              </c:strCache>
+            </c:strRef>
+          </c:tx>
+          <c:spPr>
+            <a:ln w="28575" cap="rnd">
+              <a:solidFill>
+                <a:srgbClr val="00B050"/>
+              </a:solidFill>
+              <a:round/>
+            </a:ln>
+            <a:effectLst/>
+          </c:spPr>
+          <c:marker>
+            <c:symbol val="circle"/>
+            <c:size val="5"/>
+            <c:spPr>
+              <a:solidFill>
+                <a:schemeClr val="accent3"/>
+              </a:solidFill>
+              <a:ln w="9525">
+                <a:solidFill>
+                  <a:srgbClr val="00B050"/>
+                </a:solidFill>
+              </a:ln>
+              <a:effectLst/>
+            </c:spPr>
+          </c:marker>
+          <c:dLbls>
+            <c:dLbl>
+              <c:idx val="0"/>
+              <c:delete val="1"/>
+              <c:extLst>
+                <c:ext xmlns:c15="http://schemas.microsoft.com/office/drawing/2012/chart" uri="{CE6537A1-D6FC-4f65-9D91-7224C49458BB}"/>
+                <c:ext xmlns:c16="http://schemas.microsoft.com/office/drawing/2014/chart" uri="{C3380CC4-5D6E-409C-BE32-E72D297353CC}">
+                  <c16:uniqueId val="{00000009-D8EA-44DE-A7EA-F85DDF23D8EA}"/>
+                </c:ext>
+              </c:extLst>
+            </c:dLbl>
+            <c:dLbl>
+              <c:idx val="1"/>
+              <c:layout>
+                <c:manualLayout>
+                  <c:x val="-1.7058559756607056E-2"/>
+                  <c:y val="-3.5172668823046364E-2"/>
+                </c:manualLayout>
+              </c:layout>
+              <c:showLegendKey val="0"/>
+              <c:showVal val="1"/>
+              <c:showCatName val="0"/>
+              <c:showSerName val="0"/>
+              <c:showPercent val="0"/>
+              <c:showBubbleSize val="0"/>
+              <c:extLst>
+                <c:ext xmlns:c15="http://schemas.microsoft.com/office/drawing/2012/chart" uri="{CE6537A1-D6FC-4f65-9D91-7224C49458BB}">
+                  <c15:layout>
+                    <c:manualLayout>
+                      <c:w val="3.0927200841914672E-2"/>
+                      <c:h val="3.6268243625322695E-2"/>
+                    </c:manualLayout>
+                  </c15:layout>
+                </c:ext>
+                <c:ext xmlns:c16="http://schemas.microsoft.com/office/drawing/2014/chart" uri="{C3380CC4-5D6E-409C-BE32-E72D297353CC}">
+                  <c16:uniqueId val="{0000000A-D8EA-44DE-A7EA-F85DDF23D8EA}"/>
+                </c:ext>
+              </c:extLst>
+            </c:dLbl>
+            <c:dLbl>
+              <c:idx val="2"/>
+              <c:layout>
+                <c:manualLayout>
+                  <c:x val="-1.0235117064365785E-2"/>
+                  <c:y val="-3.8974467037108836E-2"/>
+                </c:manualLayout>
+              </c:layout>
+              <c:showLegendKey val="0"/>
+              <c:showVal val="1"/>
+              <c:showCatName val="0"/>
+              <c:showSerName val="0"/>
+              <c:showPercent val="0"/>
+              <c:showBubbleSize val="0"/>
+              <c:extLst>
+                <c:ext xmlns:c15="http://schemas.microsoft.com/office/drawing/2012/chart" uri="{CE6537A1-D6FC-4f65-9D91-7224C49458BB}">
+                  <c15:layout>
+                    <c:manualLayout>
+                      <c:w val="3.0927200841914672E-2"/>
+                      <c:h val="3.6268243625322695E-2"/>
+                    </c:manualLayout>
+                  </c15:layout>
+                </c:ext>
+                <c:ext xmlns:c16="http://schemas.microsoft.com/office/drawing/2014/chart" uri="{C3380CC4-5D6E-409C-BE32-E72D297353CC}">
+                  <c16:uniqueId val="{0000000B-D8EA-44DE-A7EA-F85DDF23D8EA}"/>
+                </c:ext>
+              </c:extLst>
+            </c:dLbl>
+            <c:dLbl>
+              <c:idx val="3"/>
+              <c:layout>
+                <c:manualLayout>
+                  <c:x val="-1.7403630732906138E-2"/>
+                  <c:y val="-4.2302794934578752E-2"/>
+                </c:manualLayout>
+              </c:layout>
+              <c:showLegendKey val="0"/>
+              <c:showVal val="1"/>
+              <c:showCatName val="0"/>
+              <c:showSerName val="0"/>
+              <c:showPercent val="0"/>
+              <c:showBubbleSize val="0"/>
+              <c:extLst>
+                <c:ext xmlns:c15="http://schemas.microsoft.com/office/drawing/2012/chart" uri="{CE6537A1-D6FC-4f65-9D91-7224C49458BB}">
+                  <c15:layout>
+                    <c:manualLayout>
+                      <c:w val="3.0927200841914672E-2"/>
+                      <c:h val="3.6268243625322695E-2"/>
+                    </c:manualLayout>
+                  </c15:layout>
+                </c:ext>
+                <c:ext xmlns:c16="http://schemas.microsoft.com/office/drawing/2014/chart" uri="{C3380CC4-5D6E-409C-BE32-E72D297353CC}">
+                  <c16:uniqueId val="{0000000C-D8EA-44DE-A7EA-F85DDF23D8EA}"/>
+                </c:ext>
+              </c:extLst>
+            </c:dLbl>
+            <c:dLbl>
+              <c:idx val="4"/>
+              <c:layout>
+                <c:manualLayout>
+                  <c:x val="-1.3134164215641833E-2"/>
+                  <c:y val="-4.3727884444797117E-2"/>
+                </c:manualLayout>
+              </c:layout>
+              <c:showLegendKey val="0"/>
+              <c:showVal val="1"/>
+              <c:showCatName val="0"/>
+              <c:showSerName val="0"/>
+              <c:showPercent val="0"/>
+              <c:showBubbleSize val="0"/>
+              <c:extLst>
+                <c:ext xmlns:c15="http://schemas.microsoft.com/office/drawing/2012/chart" uri="{CE6537A1-D6FC-4f65-9D91-7224C49458BB}">
+                  <c15:layout>
+                    <c:manualLayout>
+                      <c:w val="3.0927200841914672E-2"/>
+                      <c:h val="3.6268243625322695E-2"/>
+                    </c:manualLayout>
+                  </c15:layout>
+                </c:ext>
+                <c:ext xmlns:c16="http://schemas.microsoft.com/office/drawing/2014/chart" uri="{C3380CC4-5D6E-409C-BE32-E72D297353CC}">
+                  <c16:uniqueId val="{0000000D-D8EA-44DE-A7EA-F85DDF23D8EA}"/>
+                </c:ext>
+              </c:extLst>
+            </c:dLbl>
+            <c:dLbl>
+              <c:idx val="5"/>
+              <c:layout>
+                <c:manualLayout>
+                  <c:x val="-1.36468384104864E-2"/>
+                  <c:y val="-3.0736457813233364E-2"/>
+                </c:manualLayout>
+              </c:layout>
+              <c:showLegendKey val="0"/>
+              <c:showVal val="1"/>
+              <c:showCatName val="0"/>
+              <c:showSerName val="0"/>
+              <c:showPercent val="0"/>
+              <c:showBubbleSize val="0"/>
+              <c:extLst>
+                <c:ext xmlns:c15="http://schemas.microsoft.com/office/drawing/2012/chart" uri="{CE6537A1-D6FC-4f65-9D91-7224C49458BB}">
+                  <c15:layout>
+                    <c:manualLayout>
+                      <c:w val="3.0927200841914672E-2"/>
+                      <c:h val="3.6268243625322695E-2"/>
+                    </c:manualLayout>
+                  </c15:layout>
+                </c:ext>
+                <c:ext xmlns:c16="http://schemas.microsoft.com/office/drawing/2014/chart" uri="{C3380CC4-5D6E-409C-BE32-E72D297353CC}">
+                  <c16:uniqueId val="{0000000E-D8EA-44DE-A7EA-F85DDF23D8EA}"/>
+                </c:ext>
+              </c:extLst>
+            </c:dLbl>
+            <c:dLbl>
+              <c:idx val="6"/>
+              <c:layout>
+                <c:manualLayout>
+                  <c:x val="-8.1842323890026474E-3"/>
+                  <c:y val="-3.5489875220921625E-2"/>
+                </c:manualLayout>
+              </c:layout>
+              <c:showLegendKey val="0"/>
+              <c:showVal val="1"/>
+              <c:showCatName val="0"/>
+              <c:showSerName val="0"/>
+              <c:showPercent val="0"/>
+              <c:showBubbleSize val="0"/>
+              <c:extLst>
+                <c:ext xmlns:c15="http://schemas.microsoft.com/office/drawing/2012/chart" uri="{CE6537A1-D6FC-4f65-9D91-7224C49458BB}">
+                  <c15:layout>
+                    <c:manualLayout>
+                      <c:w val="3.0927200841914672E-2"/>
+                      <c:h val="3.6268243625322695E-2"/>
+                    </c:manualLayout>
+                  </c15:layout>
+                </c:ext>
+                <c:ext xmlns:c16="http://schemas.microsoft.com/office/drawing/2014/chart" uri="{C3380CC4-5D6E-409C-BE32-E72D297353CC}">
+                  <c16:uniqueId val="{0000000F-D8EA-44DE-A7EA-F85DDF23D8EA}"/>
+                </c:ext>
+              </c:extLst>
+            </c:dLbl>
+            <c:dLbl>
+              <c:idx val="7"/>
+              <c:layout>
+                <c:manualLayout>
+                  <c:x val="-8.8742803936082675E-3"/>
+                  <c:y val="-2.8359749109389234E-2"/>
+                </c:manualLayout>
+              </c:layout>
+              <c:showLegendKey val="0"/>
+              <c:showVal val="1"/>
+              <c:showCatName val="0"/>
+              <c:showSerName val="0"/>
+              <c:showPercent val="0"/>
+              <c:showBubbleSize val="0"/>
+              <c:extLst>
+                <c:ext xmlns:c15="http://schemas.microsoft.com/office/drawing/2012/chart" uri="{CE6537A1-D6FC-4f65-9D91-7224C49458BB}">
+                  <c15:layout>
+                    <c:manualLayout>
+                      <c:w val="3.0927200841914672E-2"/>
+                      <c:h val="3.6268243625322695E-2"/>
+                    </c:manualLayout>
+                  </c15:layout>
+                </c:ext>
+                <c:ext xmlns:c16="http://schemas.microsoft.com/office/drawing/2014/chart" uri="{C3380CC4-5D6E-409C-BE32-E72D297353CC}">
+                  <c16:uniqueId val="{00000010-D8EA-44DE-A7EA-F85DDF23D8EA}"/>
+                </c:ext>
+              </c:extLst>
+            </c:dLbl>
+            <c:spPr>
+              <a:noFill/>
+              <a:ln>
+                <a:noFill/>
+              </a:ln>
+              <a:effectLst/>
+            </c:spPr>
+            <c:txPr>
+              <a:bodyPr rot="0" spcFirstLastPara="1" vertOverflow="overflow" horzOverflow="overflow" vert="horz" wrap="none" lIns="38100" tIns="19050" rIns="38100" bIns="19050" anchor="t" anchorCtr="0">
+                <a:noAutofit/>
+              </a:bodyPr>
+              <a:lstStyle/>
+              <a:p>
+                <a:pPr>
+                  <a:defRPr sz="1600" b="0" i="0" u="none" strike="noStrike" kern="1200" baseline="0">
+                    <a:solidFill>
+                      <a:schemeClr val="tx1">
+                        <a:lumMod val="75000"/>
+                        <a:lumOff val="25000"/>
+                      </a:schemeClr>
+                    </a:solidFill>
+                    <a:latin typeface="Arial" panose="020B0604020202020204" pitchFamily="34" charset="0"/>
+                    <a:ea typeface="+mn-ea"/>
+                    <a:cs typeface="Arial" panose="020B0604020202020204" pitchFamily="34" charset="0"/>
+                  </a:defRPr>
+                </a:pPr>
+                <a:endParaRPr lang="en-US"/>
+              </a:p>
+            </c:txPr>
+            <c:showLegendKey val="0"/>
+            <c:showVal val="1"/>
+            <c:showCatName val="0"/>
+            <c:showSerName val="0"/>
+            <c:showPercent val="0"/>
+            <c:showBubbleSize val="0"/>
+            <c:showLeaderLines val="0"/>
+            <c:extLst>
+              <c:ext xmlns:c15="http://schemas.microsoft.com/office/drawing/2012/chart" uri="{CE6537A1-D6FC-4f65-9D91-7224C49458BB}">
+                <c15:spPr xmlns:c15="http://schemas.microsoft.com/office/drawing/2012/chart">
+                  <a:prstGeom prst="rect">
+                    <a:avLst/>
+                  </a:prstGeom>
+                  <a:noFill/>
+                  <a:ln>
+                    <a:noFill/>
+                  </a:ln>
+                </c15:spPr>
+                <c15:layout/>
+                <c15:showLeaderLines val="1"/>
+                <c15:leaderLines>
+                  <c:spPr>
+                    <a:ln w="9525" cap="flat" cmpd="sng" algn="ctr">
+                      <a:solidFill>
+                        <a:schemeClr val="tx1">
+                          <a:lumMod val="35000"/>
+                          <a:lumOff val="65000"/>
+                        </a:schemeClr>
+                      </a:solidFill>
+                      <a:round/>
+                    </a:ln>
+                    <a:effectLst/>
+                  </c:spPr>
+                </c15:leaderLines>
+              </c:ext>
+            </c:extLst>
+          </c:dLbls>
+          <c:cat>
+            <c:strRef>
+              <c:f>Sheet1!$A$2:$A$10</c:f>
+              <c:strCache>
+                <c:ptCount val="9"/>
+                <c:pt idx="0">
+                  <c:v>0 giờ</c:v>
+                </c:pt>
+                <c:pt idx="1">
+                  <c:v>5 giờ</c:v>
+                </c:pt>
+                <c:pt idx="2">
+                  <c:v>10 giờ</c:v>
+                </c:pt>
+                <c:pt idx="3">
+                  <c:v>15 giờ</c:v>
+                </c:pt>
+                <c:pt idx="4">
+                  <c:v>20 giờ</c:v>
+                </c:pt>
+                <c:pt idx="5">
+                  <c:v>25 giờ</c:v>
+                </c:pt>
+                <c:pt idx="6">
+                  <c:v>30 giờ</c:v>
+                </c:pt>
+                <c:pt idx="7">
+                  <c:v>35 giờ</c:v>
+                </c:pt>
+                <c:pt idx="8">
+                  <c:v>40 giờ</c:v>
+                </c:pt>
+              </c:strCache>
+            </c:strRef>
+          </c:cat>
+          <c:val>
+            <c:numRef>
+              <c:f>Sheet1!$D$2:$D$10</c:f>
+              <c:numCache>
+                <c:formatCode>0%</c:formatCode>
+                <c:ptCount val="9"/>
+                <c:pt idx="0">
+                  <c:v>1</c:v>
+                </c:pt>
+                <c:pt idx="1">
+                  <c:v>0.97</c:v>
+                </c:pt>
+                <c:pt idx="2">
+                  <c:v>0.93</c:v>
+                </c:pt>
+                <c:pt idx="3">
+                  <c:v>0.9</c:v>
+                </c:pt>
+                <c:pt idx="4">
+                  <c:v>0.86</c:v>
+                </c:pt>
+                <c:pt idx="5">
+                  <c:v>0.83</c:v>
+                </c:pt>
+                <c:pt idx="6">
+                  <c:v>0.79</c:v>
+                </c:pt>
+                <c:pt idx="7">
+                  <c:v>0.75</c:v>
+                </c:pt>
+                <c:pt idx="8">
+                  <c:v>0.72</c:v>
+                </c:pt>
+              </c:numCache>
+            </c:numRef>
+          </c:val>
+          <c:smooth val="0"/>
+          <c:extLst>
+            <c:ext xmlns:c16="http://schemas.microsoft.com/office/drawing/2014/chart" uri="{C3380CC4-5D6E-409C-BE32-E72D297353CC}">
+              <c16:uniqueId val="{00000012-D8EA-44DE-A7EA-F85DDF23D8EA}"/>
+            </c:ext>
+          </c:extLst>
+        </c:ser>
+        <c:dLbls>
+          <c:showLegendKey val="0"/>
+          <c:showVal val="1"/>
+          <c:showCatName val="0"/>
+          <c:showSerName val="0"/>
+          <c:showPercent val="0"/>
+          <c:showBubbleSize val="0"/>
+        </c:dLbls>
+        <c:marker val="1"/>
+        <c:smooth val="0"/>
+        <c:axId val="1240557055"/>
+        <c:axId val="1179441519"/>
+      </c:lineChart>
+      <c:catAx>
+        <c:axId val="1240557055"/>
+        <c:scaling>
+          <c:orientation val="minMax"/>
+        </c:scaling>
+        <c:delete val="0"/>
+        <c:axPos val="b"/>
+        <c:numFmt formatCode="General" sourceLinked="1"/>
+        <c:majorTickMark val="none"/>
+        <c:minorTickMark val="none"/>
+        <c:tickLblPos val="nextTo"/>
+        <c:spPr>
+          <a:noFill/>
+          <a:ln w="9525" cap="flat" cmpd="sng" algn="ctr">
+            <a:solidFill>
+              <a:schemeClr val="tx1">
+                <a:lumMod val="15000"/>
+                <a:lumOff val="85000"/>
+              </a:schemeClr>
+            </a:solidFill>
+            <a:round/>
+          </a:ln>
+          <a:effectLst/>
+        </c:spPr>
+        <c:txPr>
+          <a:bodyPr rot="-60000000" spcFirstLastPara="1" vertOverflow="ellipsis" vert="horz" wrap="square" anchor="ctr" anchorCtr="1"/>
+          <a:lstStyle/>
+          <a:p>
+            <a:pPr>
+              <a:defRPr sz="1197" b="0" i="0" u="none" strike="noStrike" kern="1200" baseline="0">
+                <a:solidFill>
+                  <a:schemeClr val="tx1">
+                    <a:lumMod val="65000"/>
+                    <a:lumOff val="35000"/>
+                  </a:schemeClr>
+                </a:solidFill>
+                <a:latin typeface="+mn-lt"/>
+                <a:ea typeface="+mn-ea"/>
+                <a:cs typeface="+mn-cs"/>
+              </a:defRPr>
+            </a:pPr>
+            <a:endParaRPr lang="en-US"/>
+          </a:p>
+        </c:txPr>
+        <c:crossAx val="1179441519"/>
+        <c:crosses val="autoZero"/>
+        <c:auto val="1"/>
+        <c:lblAlgn val="ctr"/>
+        <c:lblOffset val="100"/>
+        <c:noMultiLvlLbl val="0"/>
+      </c:catAx>
+      <c:valAx>
+        <c:axId val="1179441519"/>
+        <c:scaling>
+          <c:orientation val="minMax"/>
+          <c:max val="1"/>
+        </c:scaling>
+        <c:delete val="0"/>
+        <c:axPos val="l"/>
+        <c:majorGridlines>
+          <c:spPr>
+            <a:ln w="9525" cap="flat" cmpd="sng" algn="ctr">
+              <a:solidFill>
+                <a:schemeClr val="tx1">
+                  <a:lumMod val="15000"/>
+                  <a:lumOff val="85000"/>
+                </a:schemeClr>
+              </a:solidFill>
+              <a:round/>
+            </a:ln>
+            <a:effectLst/>
+          </c:spPr>
+        </c:majorGridlines>
+        <c:numFmt formatCode="0%" sourceLinked="0"/>
+        <c:majorTickMark val="none"/>
+        <c:minorTickMark val="none"/>
+        <c:tickLblPos val="nextTo"/>
+        <c:spPr>
+          <a:noFill/>
+          <a:ln>
+            <a:noFill/>
+          </a:ln>
+          <a:effectLst/>
+        </c:spPr>
+        <c:txPr>
+          <a:bodyPr rot="-60000000" spcFirstLastPara="1" vertOverflow="ellipsis" vert="horz" wrap="square" anchor="ctr" anchorCtr="1"/>
+          <a:lstStyle/>
+          <a:p>
+            <a:pPr>
+              <a:defRPr sz="1197" b="0" i="0" u="none" strike="noStrike" kern="1200" baseline="0">
+                <a:solidFill>
+                  <a:schemeClr val="tx1">
+                    <a:lumMod val="65000"/>
+                    <a:lumOff val="35000"/>
+                  </a:schemeClr>
+                </a:solidFill>
+                <a:latin typeface="+mn-lt"/>
+                <a:ea typeface="+mn-ea"/>
+                <a:cs typeface="+mn-cs"/>
+              </a:defRPr>
+            </a:pPr>
+            <a:endParaRPr lang="en-US"/>
+          </a:p>
+        </c:txPr>
+        <c:crossAx val="1240557055"/>
+        <c:crosses val="autoZero"/>
+        <c:crossBetween val="between"/>
+      </c:valAx>
+      <c:spPr>
+        <a:noFill/>
+        <a:ln>
+          <a:noFill/>
+        </a:ln>
+        <a:effectLst/>
+      </c:spPr>
+    </c:plotArea>
+    <c:legend>
+      <c:legendPos val="b"/>
+      <c:legendEntry>
+        <c:idx val="0"/>
+        <c:txPr>
+          <a:bodyPr rot="0" spcFirstLastPara="1" vertOverflow="ellipsis" vert="horz" wrap="square" anchor="ctr" anchorCtr="1"/>
+          <a:lstStyle/>
+          <a:p>
+            <a:pPr>
+              <a:defRPr sz="2000" b="0" i="0" u="none" strike="noStrike" kern="1200" baseline="0">
+                <a:solidFill>
+                  <a:schemeClr val="tx1">
+                    <a:lumMod val="65000"/>
+                    <a:lumOff val="35000"/>
+                  </a:schemeClr>
+                </a:solidFill>
+                <a:latin typeface="Arial" panose="020B0604020202020204" pitchFamily="34" charset="0"/>
+                <a:ea typeface="+mn-ea"/>
+                <a:cs typeface="Arial" panose="020B0604020202020204" pitchFamily="34" charset="0"/>
+              </a:defRPr>
+            </a:pPr>
+            <a:endParaRPr lang="en-US"/>
+          </a:p>
+        </c:txPr>
+      </c:legendEntry>
+      <c:layout/>
+      <c:overlay val="0"/>
+      <c:spPr>
+        <a:noFill/>
+        <a:ln>
+          <a:noFill/>
+        </a:ln>
+        <a:effectLst/>
+      </c:spPr>
+      <c:txPr>
+        <a:bodyPr rot="0" spcFirstLastPara="1" vertOverflow="ellipsis" vert="horz" wrap="square" anchor="ctr" anchorCtr="1"/>
+        <a:lstStyle/>
+        <a:p>
+          <a:pPr>
+            <a:defRPr sz="2000" b="0" i="0" u="none" strike="noStrike" kern="1200" baseline="0">
+              <a:solidFill>
+                <a:schemeClr val="tx1">
+                  <a:lumMod val="65000"/>
+                  <a:lumOff val="35000"/>
+                </a:schemeClr>
+              </a:solidFill>
+              <a:latin typeface="Arial" panose="020B0604020202020204" pitchFamily="34" charset="0"/>
+              <a:ea typeface="+mn-ea"/>
+              <a:cs typeface="Arial" panose="020B0604020202020204" pitchFamily="34" charset="0"/>
+            </a:defRPr>
+          </a:pPr>
+          <a:endParaRPr lang="en-US"/>
+        </a:p>
+      </c:txPr>
+    </c:legend>
+    <c:plotVisOnly val="1"/>
+    <c:dispBlanksAs val="gap"/>
+    <c:showDLblsOverMax val="0"/>
+  </c:chart>
+  <c:spPr>
+    <a:noFill/>
+    <a:ln>
+      <a:noFill/>
+    </a:ln>
+    <a:effectLst/>
+  </c:spPr>
+  <c:txPr>
+    <a:bodyPr/>
+    <a:lstStyle/>
+    <a:p>
+      <a:pPr>
+        <a:defRPr/>
+      </a:pPr>
+      <a:endParaRPr lang="en-US"/>
+    </a:p>
+  </c:txPr>
+  <c:externalData r:id="rId3">
+    <c:autoUpdate val="0"/>
+  </c:externalData>
+</c:chartSpace>
+</file>
+
+<file path=ppt/charts/chart2.xml><?xml version="1.0" encoding="utf-8"?>
+<c:chartSpace xmlns:c="http://schemas.openxmlformats.org/drawingml/2006/chart" xmlns:a="http://schemas.openxmlformats.org/drawingml/2006/main" xmlns:r="http://schemas.openxmlformats.org/officeDocument/2006/relationships" xmlns:c16r2="http://schemas.microsoft.com/office/drawing/2015/06/chart">
+  <c:date1904 val="0"/>
+  <c:lang val="en-US"/>
+  <c:roundedCorners val="0"/>
+  <mc:AlternateContent xmlns:mc="http://schemas.openxmlformats.org/markup-compatibility/2006">
+    <mc:Choice xmlns:c14="http://schemas.microsoft.com/office/drawing/2007/8/2/chart" Requires="c14">
+      <c14:style val="102"/>
+    </mc:Choice>
+    <mc:Fallback>
+      <c:style val="2"/>
+    </mc:Fallback>
+  </mc:AlternateContent>
+  <c:chart>
+    <c:title>
+      <c:tx>
+        <c:rich>
+          <a:bodyPr rot="0" spcFirstLastPara="1" vertOverflow="ellipsis" vert="horz" wrap="square" anchor="ctr" anchorCtr="1"/>
+          <a:lstStyle/>
+          <a:p>
+            <a:pPr>
+              <a:defRPr sz="1862" b="0" i="0" u="none" strike="noStrike" kern="1200" spc="0" baseline="0">
+                <a:solidFill>
+                  <a:schemeClr val="tx1">
+                    <a:lumMod val="65000"/>
+                    <a:lumOff val="35000"/>
+                  </a:schemeClr>
+                </a:solidFill>
+                <a:latin typeface="+mn-lt"/>
+                <a:ea typeface="+mn-ea"/>
+                <a:cs typeface="+mn-cs"/>
+              </a:defRPr>
+            </a:pPr>
+            <a:r>
+              <a:rPr lang="en-US" sz="2400" smtClean="0">
+                <a:latin typeface="Arial" panose="020B0604020202020204" pitchFamily="34" charset="0"/>
+                <a:cs typeface="Arial" panose="020B0604020202020204" pitchFamily="34" charset="0"/>
+              </a:rPr>
+              <a:t>Biểu</a:t>
+            </a:r>
+            <a:r>
+              <a:rPr lang="en-US" sz="2400" baseline="0" smtClean="0">
+                <a:latin typeface="Arial" panose="020B0604020202020204" pitchFamily="34" charset="0"/>
+                <a:cs typeface="Arial" panose="020B0604020202020204" pitchFamily="34" charset="0"/>
+              </a:rPr>
+              <a:t> đồ sử dụng ram trên các thiết bị</a:t>
+            </a:r>
+            <a:endParaRPr lang="en-US" sz="2400">
+              <a:latin typeface="Arial" panose="020B0604020202020204" pitchFamily="34" charset="0"/>
+              <a:cs typeface="Arial" panose="020B0604020202020204" pitchFamily="34" charset="0"/>
+            </a:endParaRPr>
+          </a:p>
+        </c:rich>
+      </c:tx>
+      <c:layout/>
+      <c:overlay val="0"/>
+      <c:spPr>
+        <a:noFill/>
+        <a:ln>
+          <a:noFill/>
+        </a:ln>
+        <a:effectLst/>
+      </c:spPr>
+      <c:txPr>
+        <a:bodyPr rot="0" spcFirstLastPara="1" vertOverflow="ellipsis" vert="horz" wrap="square" anchor="ctr" anchorCtr="1"/>
+        <a:lstStyle/>
+        <a:p>
+          <a:pPr>
+            <a:defRPr sz="1862" b="0" i="0" u="none" strike="noStrike" kern="1200" spc="0" baseline="0">
+              <a:solidFill>
+                <a:schemeClr val="tx1">
+                  <a:lumMod val="65000"/>
+                  <a:lumOff val="35000"/>
+                </a:schemeClr>
+              </a:solidFill>
+              <a:latin typeface="+mn-lt"/>
+              <a:ea typeface="+mn-ea"/>
+              <a:cs typeface="+mn-cs"/>
+            </a:defRPr>
+          </a:pPr>
+          <a:endParaRPr lang="en-US"/>
+        </a:p>
+      </c:txPr>
+    </c:title>
+    <c:autoTitleDeleted val="0"/>
+    <c:plotArea>
+      <c:layout>
+        <c:manualLayout>
+          <c:layoutTarget val="inner"/>
+          <c:xMode val="edge"/>
+          <c:yMode val="edge"/>
+          <c:x val="6.151735017263419E-2"/>
+          <c:y val="0.10320711717475903"/>
+          <c:w val="0.92687733759842517"/>
+          <c:h val="0.66936370144170132"/>
+        </c:manualLayout>
+      </c:layout>
+      <c:barChart>
+        <c:barDir val="col"/>
+        <c:grouping val="clustered"/>
+        <c:varyColors val="0"/>
+        <c:ser>
+          <c:idx val="0"/>
+          <c:order val="0"/>
+          <c:tx>
+            <c:strRef>
+              <c:f>Sheet1!$B$1</c:f>
+              <c:strCache>
+                <c:ptCount val="1"/>
+                <c:pt idx="0">
+                  <c:v>Ram</c:v>
+                </c:pt>
+              </c:strCache>
+            </c:strRef>
+          </c:tx>
+          <c:spPr>
+            <a:solidFill>
+              <a:schemeClr val="accent1"/>
+            </a:solidFill>
+            <a:ln>
+              <a:noFill/>
+            </a:ln>
+            <a:effectLst/>
+          </c:spPr>
+          <c:invertIfNegative val="0"/>
+          <c:dPt>
+            <c:idx val="0"/>
+            <c:invertIfNegative val="0"/>
+            <c:bubble3D val="0"/>
+            <c:spPr>
+              <a:solidFill>
+                <a:srgbClr val="03A1A4"/>
+              </a:solidFill>
+              <a:ln>
+                <a:solidFill>
+                  <a:srgbClr val="03A1A4"/>
+                </a:solidFill>
+              </a:ln>
+              <a:effectLst/>
+            </c:spPr>
+            <c:extLst>
+              <c:ext xmlns:c16="http://schemas.microsoft.com/office/drawing/2014/chart" uri="{C3380CC4-5D6E-409C-BE32-E72D297353CC}">
+                <c16:uniqueId val="{00000003-83C3-4969-8C9D-E11468D77F1A}"/>
+              </c:ext>
+            </c:extLst>
+          </c:dPt>
+          <c:dPt>
+            <c:idx val="1"/>
+            <c:invertIfNegative val="0"/>
+            <c:bubble3D val="0"/>
+            <c:spPr>
+              <a:solidFill>
+                <a:srgbClr val="EE9524"/>
+              </a:solidFill>
+              <a:ln>
+                <a:noFill/>
+              </a:ln>
+              <a:effectLst/>
+            </c:spPr>
+            <c:extLst>
+              <c:ext xmlns:c16="http://schemas.microsoft.com/office/drawing/2014/chart" uri="{C3380CC4-5D6E-409C-BE32-E72D297353CC}">
+                <c16:uniqueId val="{00000004-83C3-4969-8C9D-E11468D77F1A}"/>
+              </c:ext>
+            </c:extLst>
+          </c:dPt>
+          <c:dPt>
+            <c:idx val="2"/>
+            <c:invertIfNegative val="0"/>
+            <c:bubble3D val="0"/>
+            <c:spPr>
+              <a:solidFill>
+                <a:srgbClr val="EF3078"/>
+              </a:solidFill>
+              <a:ln>
+                <a:noFill/>
+              </a:ln>
+              <a:effectLst/>
+            </c:spPr>
+            <c:extLst>
+              <c:ext xmlns:c16="http://schemas.microsoft.com/office/drawing/2014/chart" uri="{C3380CC4-5D6E-409C-BE32-E72D297353CC}">
+                <c16:uniqueId val="{00000005-83C3-4969-8C9D-E11468D77F1A}"/>
+              </c:ext>
+            </c:extLst>
+          </c:dPt>
+          <c:dPt>
+            <c:idx val="3"/>
+            <c:invertIfNegative val="0"/>
+            <c:bubble3D val="0"/>
+            <c:spPr>
+              <a:solidFill>
+                <a:srgbClr val="1C7CBB"/>
+              </a:solidFill>
+              <a:ln>
+                <a:noFill/>
+              </a:ln>
+              <a:effectLst/>
+            </c:spPr>
+            <c:extLst>
+              <c:ext xmlns:c16="http://schemas.microsoft.com/office/drawing/2014/chart" uri="{C3380CC4-5D6E-409C-BE32-E72D297353CC}">
+                <c16:uniqueId val="{00000006-83C3-4969-8C9D-E11468D77F1A}"/>
+              </c:ext>
+            </c:extLst>
+          </c:dPt>
+          <c:dLbls>
+            <c:spPr>
+              <a:noFill/>
+              <a:ln>
+                <a:noFill/>
+              </a:ln>
+              <a:effectLst/>
+            </c:spPr>
+            <c:txPr>
+              <a:bodyPr rot="0" spcFirstLastPara="1" vertOverflow="ellipsis" vert="horz" wrap="square" lIns="38100" tIns="19050" rIns="38100" bIns="19050" anchor="ctr" anchorCtr="1">
+                <a:spAutoFit/>
+              </a:bodyPr>
+              <a:lstStyle/>
+              <a:p>
+                <a:pPr>
+                  <a:defRPr sz="2400" b="0" i="0" u="none" strike="noStrike" kern="1200" baseline="0">
+                    <a:solidFill>
+                      <a:schemeClr val="tx1">
+                        <a:lumMod val="75000"/>
+                        <a:lumOff val="25000"/>
+                      </a:schemeClr>
+                    </a:solidFill>
+                    <a:latin typeface="Arial" panose="020B0604020202020204" pitchFamily="34" charset="0"/>
+                    <a:ea typeface="+mn-ea"/>
+                    <a:cs typeface="Arial" panose="020B0604020202020204" pitchFamily="34" charset="0"/>
+                  </a:defRPr>
+                </a:pPr>
+                <a:endParaRPr lang="en-US"/>
+              </a:p>
+            </c:txPr>
+            <c:dLblPos val="outEnd"/>
+            <c:showLegendKey val="0"/>
+            <c:showVal val="1"/>
+            <c:showCatName val="0"/>
+            <c:showSerName val="0"/>
+            <c:showPercent val="0"/>
+            <c:showBubbleSize val="0"/>
+            <c:showLeaderLines val="0"/>
+            <c:extLst>
+              <c:ext xmlns:c15="http://schemas.microsoft.com/office/drawing/2012/chart" uri="{CE6537A1-D6FC-4f65-9D91-7224C49458BB}">
+                <c15:layout/>
+                <c15:showLeaderLines val="1"/>
+                <c15:leaderLines>
+                  <c:spPr>
+                    <a:ln w="9525" cap="flat" cmpd="sng" algn="ctr">
+                      <a:solidFill>
+                        <a:schemeClr val="tx1">
+                          <a:lumMod val="35000"/>
+                          <a:lumOff val="65000"/>
+                        </a:schemeClr>
+                      </a:solidFill>
+                      <a:round/>
+                    </a:ln>
+                    <a:effectLst/>
+                  </c:spPr>
+                </c15:leaderLines>
+              </c:ext>
+            </c:extLst>
+          </c:dLbls>
+          <c:cat>
+            <c:strRef>
+              <c:f>Sheet1!$A$2:$A$5</c:f>
+              <c:strCache>
+                <c:ptCount val="4"/>
+                <c:pt idx="0">
+                  <c:v>Galaxy s6</c:v>
+                </c:pt>
+                <c:pt idx="1">
+                  <c:v>Galaxy s7</c:v>
+                </c:pt>
+                <c:pt idx="2">
+                  <c:v>Galaxy A71</c:v>
+                </c:pt>
+                <c:pt idx="3">
+                  <c:v>Note 10</c:v>
+                </c:pt>
+              </c:strCache>
+            </c:strRef>
+          </c:cat>
+          <c:val>
+            <c:numRef>
+              <c:f>Sheet1!$B$2:$B$5</c:f>
+              <c:numCache>
+                <c:formatCode>0%</c:formatCode>
+                <c:ptCount val="4"/>
+                <c:pt idx="0">
+                  <c:v>7.3999999999999996E-2</c:v>
+                </c:pt>
+                <c:pt idx="1">
+                  <c:v>6.0999999999999999E-2</c:v>
+                </c:pt>
+                <c:pt idx="2">
+                  <c:v>5.6000000000000001E-2</c:v>
+                </c:pt>
+                <c:pt idx="3">
+                  <c:v>4.8000000000000001E-2</c:v>
+                </c:pt>
+              </c:numCache>
+            </c:numRef>
+          </c:val>
+          <c:extLst>
+            <c:ext xmlns:c16="http://schemas.microsoft.com/office/drawing/2014/chart" uri="{C3380CC4-5D6E-409C-BE32-E72D297353CC}">
+              <c16:uniqueId val="{00000000-83C3-4969-8C9D-E11468D77F1A}"/>
+            </c:ext>
+          </c:extLst>
+        </c:ser>
+        <c:dLbls>
+          <c:dLblPos val="outEnd"/>
+          <c:showLegendKey val="0"/>
+          <c:showVal val="1"/>
+          <c:showCatName val="0"/>
+          <c:showSerName val="0"/>
+          <c:showPercent val="0"/>
+          <c:showBubbleSize val="0"/>
+        </c:dLbls>
+        <c:gapWidth val="219"/>
+        <c:overlap val="-27"/>
+        <c:axId val="1294994991"/>
+        <c:axId val="1295001647"/>
+      </c:barChart>
+      <c:catAx>
+        <c:axId val="1294994991"/>
+        <c:scaling>
+          <c:orientation val="minMax"/>
+        </c:scaling>
+        <c:delete val="0"/>
+        <c:axPos val="b"/>
+        <c:numFmt formatCode="General" sourceLinked="1"/>
+        <c:majorTickMark val="none"/>
+        <c:minorTickMark val="none"/>
+        <c:tickLblPos val="nextTo"/>
+        <c:spPr>
+          <a:noFill/>
+          <a:ln w="9525" cap="flat" cmpd="sng" algn="ctr">
+            <a:solidFill>
+              <a:schemeClr val="tx1">
+                <a:lumMod val="15000"/>
+                <a:lumOff val="85000"/>
+              </a:schemeClr>
+            </a:solidFill>
+            <a:round/>
+          </a:ln>
+          <a:effectLst/>
+        </c:spPr>
+        <c:txPr>
+          <a:bodyPr rot="-60000000" spcFirstLastPara="1" vertOverflow="ellipsis" vert="horz" wrap="square" anchor="ctr" anchorCtr="1"/>
+          <a:lstStyle/>
+          <a:p>
+            <a:pPr>
+              <a:defRPr sz="1197" b="0" i="0" u="none" strike="noStrike" kern="1200" baseline="0">
+                <a:solidFill>
+                  <a:schemeClr val="tx1">
+                    <a:lumMod val="65000"/>
+                    <a:lumOff val="35000"/>
+                  </a:schemeClr>
+                </a:solidFill>
+                <a:latin typeface="+mn-lt"/>
+                <a:ea typeface="+mn-ea"/>
+                <a:cs typeface="+mn-cs"/>
+              </a:defRPr>
+            </a:pPr>
+            <a:endParaRPr lang="en-US"/>
+          </a:p>
+        </c:txPr>
+        <c:crossAx val="1295001647"/>
+        <c:crosses val="autoZero"/>
+        <c:auto val="1"/>
+        <c:lblAlgn val="ctr"/>
+        <c:lblOffset val="100"/>
+        <c:noMultiLvlLbl val="0"/>
+      </c:catAx>
+      <c:valAx>
+        <c:axId val="1295001647"/>
+        <c:scaling>
+          <c:orientation val="minMax"/>
+          <c:max val="0.1"/>
+        </c:scaling>
+        <c:delete val="0"/>
+        <c:axPos val="l"/>
+        <c:majorGridlines>
+          <c:spPr>
+            <a:ln w="9525" cap="flat" cmpd="sng" algn="ctr">
+              <a:solidFill>
+                <a:schemeClr val="tx1">
+                  <a:lumMod val="15000"/>
+                  <a:lumOff val="85000"/>
+                </a:schemeClr>
+              </a:solidFill>
+              <a:round/>
+            </a:ln>
+            <a:effectLst/>
+          </c:spPr>
+        </c:majorGridlines>
+        <c:numFmt formatCode="0%" sourceLinked="0"/>
+        <c:majorTickMark val="none"/>
+        <c:minorTickMark val="none"/>
+        <c:tickLblPos val="nextTo"/>
+        <c:spPr>
+          <a:noFill/>
+          <a:ln>
+            <a:noFill/>
+          </a:ln>
+          <a:effectLst/>
+        </c:spPr>
+        <c:txPr>
+          <a:bodyPr rot="-60000000" spcFirstLastPara="1" vertOverflow="ellipsis" vert="horz" wrap="square" anchor="ctr" anchorCtr="1"/>
+          <a:lstStyle/>
+          <a:p>
+            <a:pPr>
+              <a:defRPr sz="1600" b="0" i="0" u="none" strike="noStrike" kern="1200" baseline="0">
+                <a:solidFill>
+                  <a:schemeClr val="tx1">
+                    <a:lumMod val="65000"/>
+                    <a:lumOff val="35000"/>
+                  </a:schemeClr>
+                </a:solidFill>
+                <a:latin typeface="Arial" panose="020B0604020202020204" pitchFamily="34" charset="0"/>
+                <a:ea typeface="+mn-ea"/>
+                <a:cs typeface="Arial" panose="020B0604020202020204" pitchFamily="34" charset="0"/>
+              </a:defRPr>
+            </a:pPr>
+            <a:endParaRPr lang="en-US"/>
+          </a:p>
+        </c:txPr>
+        <c:crossAx val="1294994991"/>
+        <c:crosses val="autoZero"/>
+        <c:crossBetween val="between"/>
+      </c:valAx>
+      <c:spPr>
+        <a:noFill/>
+        <a:ln>
+          <a:noFill/>
+        </a:ln>
+        <a:effectLst/>
+      </c:spPr>
+    </c:plotArea>
+    <c:legend>
+      <c:legendPos val="b"/>
+      <c:layout/>
+      <c:overlay val="0"/>
+      <c:spPr>
+        <a:noFill/>
+        <a:ln>
+          <a:noFill/>
+        </a:ln>
+        <a:effectLst/>
+      </c:spPr>
+      <c:txPr>
+        <a:bodyPr rot="0" spcFirstLastPara="1" vertOverflow="ellipsis" vert="horz" wrap="square" anchor="ctr" anchorCtr="1"/>
+        <a:lstStyle/>
+        <a:p>
+          <a:pPr>
+            <a:defRPr sz="2000" b="0" i="0" u="none" strike="noStrike" kern="1200" baseline="0">
+              <a:solidFill>
+                <a:schemeClr val="tx1">
+                  <a:lumMod val="65000"/>
+                  <a:lumOff val="35000"/>
+                </a:schemeClr>
+              </a:solidFill>
+              <a:latin typeface="Arial" panose="020B0604020202020204" pitchFamily="34" charset="0"/>
+              <a:ea typeface="+mn-ea"/>
+              <a:cs typeface="Arial" panose="020B0604020202020204" pitchFamily="34" charset="0"/>
+            </a:defRPr>
+          </a:pPr>
+          <a:endParaRPr lang="en-US"/>
+        </a:p>
+      </c:txPr>
+    </c:legend>
+    <c:plotVisOnly val="1"/>
+    <c:dispBlanksAs val="gap"/>
+    <c:showDLblsOverMax val="0"/>
+  </c:chart>
+  <c:spPr>
+    <a:noFill/>
+    <a:ln>
+      <a:noFill/>
+    </a:ln>
+    <a:effectLst/>
+  </c:spPr>
+  <c:txPr>
+    <a:bodyPr/>
+    <a:lstStyle/>
+    <a:p>
+      <a:pPr>
+        <a:defRPr/>
+      </a:pPr>
+      <a:endParaRPr lang="en-US"/>
+    </a:p>
+  </c:txPr>
+  <c:externalData r:id="rId3">
+    <c:autoUpdate val="0"/>
+  </c:externalData>
+</c:chartSpace>
+</file>
+
+<file path=ppt/charts/colors1.xml><?xml version="1.0" encoding="utf-8"?>
+<cs:colorStyle xmlns:cs="http://schemas.microsoft.com/office/drawing/2012/chartStyle" xmlns:a="http://schemas.openxmlformats.org/drawingml/2006/main" meth="cycle" id="10">
+  <a:schemeClr val="accent1"/>
+  <a:schemeClr val="accent2"/>
+  <a:schemeClr val="accent3"/>
+  <a:schemeClr val="accent4"/>
+  <a:schemeClr val="accent5"/>
+  <a:schemeClr val="accent6"/>
+  <cs:variation/>
+  <cs:variation>
+    <a:lumMod val="60000"/>
+  </cs:variation>
+  <cs:variation>
+    <a:lumMod val="80000"/>
+    <a:lumOff val="20000"/>
+  </cs:variation>
+  <cs:variation>
+    <a:lumMod val="80000"/>
+  </cs:variation>
+  <cs:variation>
+    <a:lumMod val="60000"/>
+    <a:lumOff val="40000"/>
+  </cs:variation>
+  <cs:variation>
+    <a:lumMod val="50000"/>
+  </cs:variation>
+  <cs:variation>
+    <a:lumMod val="70000"/>
+    <a:lumOff val="30000"/>
+  </cs:variation>
+  <cs:variation>
+    <a:lumMod val="70000"/>
+  </cs:variation>
+  <cs:variation>
+    <a:lumMod val="50000"/>
+    <a:lumOff val="50000"/>
+  </cs:variation>
+</cs:colorStyle>
+</file>
+
+<file path=ppt/charts/colors2.xml><?xml version="1.0" encoding="utf-8"?>
+<cs:colorStyle xmlns:cs="http://schemas.microsoft.com/office/drawing/2012/chartStyle" xmlns:a="http://schemas.openxmlformats.org/drawingml/2006/main" meth="cycle" id="10">
+  <a:schemeClr val="accent1"/>
+  <a:schemeClr val="accent2"/>
+  <a:schemeClr val="accent3"/>
+  <a:schemeClr val="accent4"/>
+  <a:schemeClr val="accent5"/>
+  <a:schemeClr val="accent6"/>
+  <cs:variation/>
+  <cs:variation>
+    <a:lumMod val="60000"/>
+  </cs:variation>
+  <cs:variation>
+    <a:lumMod val="80000"/>
+    <a:lumOff val="20000"/>
+  </cs:variation>
+  <cs:variation>
+    <a:lumMod val="80000"/>
+  </cs:variation>
+  <cs:variation>
+    <a:lumMod val="60000"/>
+    <a:lumOff val="40000"/>
+  </cs:variation>
+  <cs:variation>
+    <a:lumMod val="50000"/>
+  </cs:variation>
+  <cs:variation>
+    <a:lumMod val="70000"/>
+    <a:lumOff val="30000"/>
+  </cs:variation>
+  <cs:variation>
+    <a:lumMod val="70000"/>
+  </cs:variation>
+  <cs:variation>
+    <a:lumMod val="50000"/>
+    <a:lumOff val="50000"/>
+  </cs:variation>
+</cs:colorStyle>
+</file>
+
+<file path=ppt/charts/style1.xml><?xml version="1.0" encoding="utf-8"?>
+<cs:chartStyle xmlns:cs="http://schemas.microsoft.com/office/drawing/2012/chartStyle" xmlns:a="http://schemas.openxmlformats.org/drawingml/2006/main" id="332">
+  <cs:axisTitle>
+    <cs:lnRef idx="0"/>
+    <cs:fillRef idx="0"/>
+    <cs:effectRef idx="0"/>
+    <cs:fontRef idx="minor">
+      <a:schemeClr val="tx1">
+        <a:lumMod val="65000"/>
+        <a:lumOff val="35000"/>
+      </a:schemeClr>
+    </cs:fontRef>
+    <cs:defRPr sz="1330" kern="1200"/>
+  </cs:axisTitle>
+  <cs:categoryAxis>
+    <cs:lnRef idx="0"/>
+    <cs:fillRef idx="0"/>
+    <cs:effectRef idx="0"/>
+    <cs:fontRef idx="minor">
+      <a:schemeClr val="tx1">
+        <a:lumMod val="65000"/>
+        <a:lumOff val="35000"/>
+      </a:schemeClr>
+    </cs:fontRef>
+    <cs:spPr>
+      <a:ln w="9525" cap="flat" cmpd="sng" algn="ctr">
+        <a:solidFill>
+          <a:schemeClr val="tx1">
+            <a:lumMod val="15000"/>
+            <a:lumOff val="85000"/>
+          </a:schemeClr>
+        </a:solidFill>
+        <a:round/>
+      </a:ln>
+    </cs:spPr>
+    <cs:defRPr sz="1197" kern="1200"/>
+  </cs:categoryAxis>
+  <cs:chartArea mods="allowNoFillOverride allowNoLineOverride">
+    <cs:lnRef idx="0"/>
+    <cs:fillRef idx="0"/>
+    <cs:effectRef idx="0"/>
+    <cs:fontRef idx="minor">
+      <a:schemeClr val="tx1"/>
+    </cs:fontRef>
+    <cs:spPr>
+      <a:solidFill>
+        <a:schemeClr val="bg1"/>
+      </a:solidFill>
+      <a:ln w="9525" cap="flat" cmpd="sng" algn="ctr">
+        <a:solidFill>
+          <a:schemeClr val="tx1">
+            <a:lumMod val="15000"/>
+            <a:lumOff val="85000"/>
+          </a:schemeClr>
+        </a:solidFill>
+        <a:round/>
+      </a:ln>
+    </cs:spPr>
+    <cs:defRPr sz="1330" kern="1200"/>
+  </cs:chartArea>
+  <cs:dataLabel>
+    <cs:lnRef idx="0"/>
+    <cs:fillRef idx="0"/>
+    <cs:effectRef idx="0"/>
+    <cs:fontRef idx="minor">
+      <a:schemeClr val="tx1">
+        <a:lumMod val="75000"/>
+        <a:lumOff val="25000"/>
+      </a:schemeClr>
+    </cs:fontRef>
+    <cs:defRPr sz="1197" kern="1200"/>
+  </cs:dataLabel>
+  <cs:dataLabelCallout>
+    <cs:lnRef idx="0"/>
+    <cs:fillRef idx="0"/>
+    <cs:effectRef idx="0"/>
+    <cs:fontRef idx="minor">
+      <a:schemeClr val="dk1">
+        <a:lumMod val="65000"/>
+        <a:lumOff val="35000"/>
+      </a:schemeClr>
+    </cs:fontRef>
+    <cs:spPr>
+      <a:solidFill>
+        <a:schemeClr val="lt1"/>
+      </a:solidFill>
+      <a:ln>
+        <a:solidFill>
+          <a:schemeClr val="dk1">
+            <a:lumMod val="25000"/>
+            <a:lumOff val="75000"/>
+          </a:schemeClr>
+        </a:solidFill>
+      </a:ln>
+    </cs:spPr>
+    <cs:defRPr sz="1197" kern="1200"/>
+    <cs:bodyPr rot="0" spcFirstLastPara="1" vertOverflow="clip" horzOverflow="clip" vert="horz" wrap="square" lIns="36576" tIns="18288" rIns="36576" bIns="18288" anchor="ctr" anchorCtr="1">
+      <a:spAutoFit/>
+    </cs:bodyPr>
+  </cs:dataLabelCallout>
+  <cs:dataPoint>
+    <cs:lnRef idx="0"/>
+    <cs:fillRef idx="1">
+      <cs:styleClr val="auto"/>
+    </cs:fillRef>
+    <cs:effectRef idx="0"/>
+    <cs:fontRef idx="minor">
+      <a:schemeClr val="tx1"/>
+    </cs:fontRef>
+  </cs:dataPoint>
+  <cs:dataPoint3D>
+    <cs:lnRef idx="0"/>
+    <cs:fillRef idx="1">
+      <cs:styleClr val="auto"/>
+    </cs:fillRef>
+    <cs:effectRef idx="0"/>
+    <cs:fontRef idx="minor">
+      <a:schemeClr val="tx1"/>
+    </cs:fontRef>
+  </cs:dataPoint3D>
+  <cs:dataPointLine>
+    <cs:lnRef idx="0">
+      <cs:styleClr val="auto"/>
+    </cs:lnRef>
+    <cs:fillRef idx="1"/>
+    <cs:effectRef idx="0"/>
+    <cs:fontRef idx="minor">
+      <a:schemeClr val="tx1"/>
+    </cs:fontRef>
+    <cs:spPr>
+      <a:ln w="28575" cap="rnd">
+        <a:solidFill>
+          <a:schemeClr val="phClr"/>
+        </a:solidFill>
+        <a:round/>
+      </a:ln>
+    </cs:spPr>
+  </cs:dataPointLine>
+  <cs:dataPointMarker>
+    <cs:lnRef idx="0">
+      <cs:styleClr val="auto"/>
+    </cs:lnRef>
+    <cs:fillRef idx="1">
+      <cs:styleClr val="auto"/>
+    </cs:fillRef>
+    <cs:effectRef idx="0"/>
+    <cs:fontRef idx="minor">
+      <a:schemeClr val="tx1"/>
+    </cs:fontRef>
+    <cs:spPr>
+      <a:ln w="9525">
+        <a:solidFill>
+          <a:schemeClr val="phClr"/>
+        </a:solidFill>
+      </a:ln>
+    </cs:spPr>
+  </cs:dataPointMarker>
+  <cs:dataPointMarkerLayout symbol="circle" size="5"/>
+  <cs:dataPointWireframe>
+    <cs:lnRef idx="0">
+      <cs:styleClr val="auto"/>
+    </cs:lnRef>
+    <cs:fillRef idx="1"/>
+    <cs:effectRef idx="0"/>
+    <cs:fontRef idx="minor">
+      <a:schemeClr val="tx1"/>
+    </cs:fontRef>
+    <cs:spPr>
+      <a:ln w="9525" cap="rnd">
+        <a:solidFill>
+          <a:schemeClr val="phClr"/>
+        </a:solidFill>
+        <a:round/>
+      </a:ln>
+    </cs:spPr>
+  </cs:dataPointWireframe>
+  <cs:dataTable>
+    <cs:lnRef idx="0"/>
+    <cs:fillRef idx="0"/>
+    <cs:effectRef idx="0"/>
+    <cs:fontRef idx="minor">
+      <a:schemeClr val="tx1">
+        <a:lumMod val="65000"/>
+        <a:lumOff val="35000"/>
+      </a:schemeClr>
+    </cs:fontRef>
+    <cs:spPr>
+      <a:noFill/>
+      <a:ln w="9525" cap="flat" cmpd="sng" algn="ctr">
+        <a:solidFill>
+          <a:schemeClr val="tx1">
+            <a:lumMod val="15000"/>
+            <a:lumOff val="85000"/>
+          </a:schemeClr>
+        </a:solidFill>
+        <a:round/>
+      </a:ln>
+    </cs:spPr>
+    <cs:defRPr sz="1197" kern="1200"/>
+  </cs:dataTable>
+  <cs:downBar>
+    <cs:lnRef idx="0"/>
+    <cs:fillRef idx="0"/>
+    <cs:effectRef idx="0"/>
+    <cs:fontRef idx="minor">
+      <a:schemeClr val="dk1"/>
+    </cs:fontRef>
+    <cs:spPr>
+      <a:solidFill>
+        <a:schemeClr val="dk1">
+          <a:lumMod val="65000"/>
+          <a:lumOff val="35000"/>
+        </a:schemeClr>
+      </a:solidFill>
+      <a:ln w="9525">
+        <a:solidFill>
+          <a:schemeClr val="tx1">
+            <a:lumMod val="65000"/>
+            <a:lumOff val="35000"/>
+          </a:schemeClr>
+        </a:solidFill>
+      </a:ln>
+    </cs:spPr>
+  </cs:downBar>
+  <cs:dropLine>
+    <cs:lnRef idx="0"/>
+    <cs:fillRef idx="0"/>
+    <cs:effectRef idx="0"/>
+    <cs:fontRef idx="minor">
+      <a:schemeClr val="tx1"/>
+    </cs:fontRef>
+    <cs:spPr>
+      <a:ln w="9525" cap="flat" cmpd="sng" algn="ctr">
+        <a:solidFill>
+          <a:schemeClr val="tx1">
+            <a:lumMod val="35000"/>
+            <a:lumOff val="65000"/>
+          </a:schemeClr>
+        </a:solidFill>
+        <a:round/>
+      </a:ln>
+    </cs:spPr>
+  </cs:dropLine>
+  <cs:errorBar>
+    <cs:lnRef idx="0"/>
+    <cs:fillRef idx="0"/>
+    <cs:effectRef idx="0"/>
+    <cs:fontRef idx="minor">
+      <a:schemeClr val="tx1"/>
+    </cs:fontRef>
+    <cs:spPr>
+      <a:ln w="9525" cap="flat" cmpd="sng" algn="ctr">
+        <a:solidFill>
+          <a:schemeClr val="tx1">
+            <a:lumMod val="65000"/>
+            <a:lumOff val="35000"/>
+          </a:schemeClr>
+        </a:solidFill>
+        <a:round/>
+      </a:ln>
+    </cs:spPr>
+  </cs:errorBar>
+  <cs:floor>
+    <cs:lnRef idx="0"/>
+    <cs:fillRef idx="0"/>
+    <cs:effectRef idx="0"/>
+    <cs:fontRef idx="minor">
+      <a:schemeClr val="tx1"/>
+    </cs:fontRef>
+    <cs:spPr>
+      <a:noFill/>
+      <a:ln>
+        <a:noFill/>
+      </a:ln>
+    </cs:spPr>
+  </cs:floor>
+  <cs:gridlineMajor>
+    <cs:lnRef idx="0"/>
+    <cs:fillRef idx="0"/>
+    <cs:effectRef idx="0"/>
+    <cs:fontRef idx="minor">
+      <a:schemeClr val="tx1"/>
+    </cs:fontRef>
+    <cs:spPr>
+      <a:ln w="9525" cap="flat" cmpd="sng" algn="ctr">
+        <a:solidFill>
+          <a:schemeClr val="tx1">
+            <a:lumMod val="15000"/>
+            <a:lumOff val="85000"/>
+          </a:schemeClr>
+        </a:solidFill>
+        <a:round/>
+      </a:ln>
+    </cs:spPr>
+  </cs:gridlineMajor>
+  <cs:gridlineMinor>
+    <cs:lnRef idx="0"/>
+    <cs:fillRef idx="0"/>
+    <cs:effectRef idx="0"/>
+    <cs:fontRef idx="minor">
+      <a:schemeClr val="tx1"/>
+    </cs:fontRef>
+    <cs:spPr>
+      <a:ln w="9525" cap="flat" cmpd="sng" algn="ctr">
+        <a:solidFill>
+          <a:schemeClr val="tx1">
+            <a:lumMod val="5000"/>
+            <a:lumOff val="95000"/>
+          </a:schemeClr>
+        </a:solidFill>
+        <a:round/>
+      </a:ln>
+    </cs:spPr>
+  </cs:gridlineMinor>
+  <cs:hiLoLine>
+    <cs:lnRef idx="0"/>
+    <cs:fillRef idx="0"/>
+    <cs:effectRef idx="0"/>
+    <cs:fontRef idx="minor">
+      <a:schemeClr val="tx1"/>
+    </cs:fontRef>
+    <cs:spPr>
+      <a:ln w="9525" cap="flat" cmpd="sng" algn="ctr">
+        <a:solidFill>
+          <a:schemeClr val="tx1">
+            <a:lumMod val="75000"/>
+            <a:lumOff val="25000"/>
+          </a:schemeClr>
+        </a:solidFill>
+        <a:round/>
+      </a:ln>
+    </cs:spPr>
+  </cs:hiLoLine>
+  <cs:leaderLine>
+    <cs:lnRef idx="0"/>
+    <cs:fillRef idx="0"/>
+    <cs:effectRef idx="0"/>
+    <cs:fontRef idx="minor">
+      <a:schemeClr val="tx1"/>
+    </cs:fontRef>
+    <cs:spPr>
+      <a:ln w="9525" cap="flat" cmpd="sng" algn="ctr">
+        <a:solidFill>
+          <a:schemeClr val="tx1">
+            <a:lumMod val="35000"/>
+            <a:lumOff val="65000"/>
+          </a:schemeClr>
+        </a:solidFill>
+        <a:round/>
+      </a:ln>
+    </cs:spPr>
+  </cs:leaderLine>
+  <cs:legend>
+    <cs:lnRef idx="0"/>
+    <cs:fillRef idx="0"/>
+    <cs:effectRef idx="0"/>
+    <cs:fontRef idx="minor">
+      <a:schemeClr val="tx1">
+        <a:lumMod val="65000"/>
+        <a:lumOff val="35000"/>
+      </a:schemeClr>
+    </cs:fontRef>
+    <cs:defRPr sz="1197" kern="1200"/>
+  </cs:legend>
+  <cs:plotArea mods="allowNoFillOverride allowNoLineOverride">
+    <cs:lnRef idx="0"/>
+    <cs:fillRef idx="0"/>
+    <cs:effectRef idx="0"/>
+    <cs:fontRef idx="minor">
+      <a:schemeClr val="tx1"/>
+    </cs:fontRef>
+  </cs:plotArea>
+  <cs:plotArea3D mods="allowNoFillOverride allowNoLineOverride">
+    <cs:lnRef idx="0"/>
+    <cs:fillRef idx="0"/>
+    <cs:effectRef idx="0"/>
+    <cs:fontRef idx="minor">
+      <a:schemeClr val="tx1"/>
+    </cs:fontRef>
+  </cs:plotArea3D>
+  <cs:seriesAxis>
+    <cs:lnRef idx="0"/>
+    <cs:fillRef idx="0"/>
+    <cs:effectRef idx="0"/>
+    <cs:fontRef idx="minor">
+      <a:schemeClr val="tx1">
+        <a:lumMod val="65000"/>
+        <a:lumOff val="35000"/>
+      </a:schemeClr>
+    </cs:fontRef>
+    <cs:defRPr sz="1197" kern="1200"/>
+  </cs:seriesAxis>
+  <cs:seriesLine>
+    <cs:lnRef idx="0"/>
+    <cs:fillRef idx="0"/>
+    <cs:effectRef idx="0"/>
+    <cs:fontRef idx="minor">
+      <a:schemeClr val="tx1"/>
+    </cs:fontRef>
+    <cs:spPr>
+      <a:ln w="9525" cap="flat" cmpd="sng" algn="ctr">
+        <a:solidFill>
+          <a:schemeClr val="tx1">
+            <a:lumMod val="35000"/>
+            <a:lumOff val="65000"/>
+          </a:schemeClr>
+        </a:solidFill>
+        <a:round/>
+      </a:ln>
+    </cs:spPr>
+  </cs:seriesLine>
+  <cs:title>
+    <cs:lnRef idx="0"/>
+    <cs:fillRef idx="0"/>
+    <cs:effectRef idx="0"/>
+    <cs:fontRef idx="minor">
+      <a:schemeClr val="tx1">
+        <a:lumMod val="65000"/>
+        <a:lumOff val="35000"/>
+      </a:schemeClr>
+    </cs:fontRef>
+    <cs:defRPr sz="1862" b="0" kern="1200" spc="0" baseline="0"/>
+  </cs:title>
+  <cs:trendline>
+    <cs:lnRef idx="0">
+      <cs:styleClr val="auto"/>
+    </cs:lnRef>
+    <cs:fillRef idx="0"/>
+    <cs:effectRef idx="0"/>
+    <cs:fontRef idx="minor">
+      <a:schemeClr val="tx1"/>
+    </cs:fontRef>
+    <cs:spPr>
+      <a:ln w="19050" cap="rnd">
+        <a:solidFill>
+          <a:schemeClr val="phClr"/>
+        </a:solidFill>
+        <a:prstDash val="sysDot"/>
+      </a:ln>
+    </cs:spPr>
+  </cs:trendline>
+  <cs:trendlineLabel>
+    <cs:lnRef idx="0"/>
+    <cs:fillRef idx="0"/>
+    <cs:effectRef idx="0"/>
+    <cs:fontRef idx="minor">
+      <a:schemeClr val="tx1">
+        <a:lumMod val="65000"/>
+        <a:lumOff val="35000"/>
+      </a:schemeClr>
+    </cs:fontRef>
+    <cs:defRPr sz="1197" kern="1200"/>
+  </cs:trendlineLabel>
+  <cs:upBar>
+    <cs:lnRef idx="0"/>
+    <cs:fillRef idx="0"/>
+    <cs:effectRef idx="0"/>
+    <cs:fontRef idx="minor">
+      <a:schemeClr val="dk1"/>
+    </cs:fontRef>
+    <cs:spPr>
+      <a:solidFill>
+        <a:schemeClr val="lt1"/>
+      </a:solidFill>
+      <a:ln w="9525">
+        <a:solidFill>
+          <a:schemeClr val="tx1">
+            <a:lumMod val="15000"/>
+            <a:lumOff val="85000"/>
+          </a:schemeClr>
+        </a:solidFill>
+      </a:ln>
+    </cs:spPr>
+  </cs:upBar>
+  <cs:valueAxis>
+    <cs:lnRef idx="0"/>
+    <cs:fillRef idx="0"/>
+    <cs:effectRef idx="0"/>
+    <cs:fontRef idx="minor">
+      <a:schemeClr val="tx1">
+        <a:lumMod val="65000"/>
+        <a:lumOff val="35000"/>
+      </a:schemeClr>
+    </cs:fontRef>
+    <cs:defRPr sz="1197" kern="1200"/>
+  </cs:valueAxis>
+  <cs:wall>
+    <cs:lnRef idx="0"/>
+    <cs:fillRef idx="0"/>
+    <cs:effectRef idx="0"/>
+    <cs:fontRef idx="minor">
+      <a:schemeClr val="tx1"/>
+    </cs:fontRef>
+    <cs:spPr>
+      <a:noFill/>
+      <a:ln>
+        <a:noFill/>
+      </a:ln>
+    </cs:spPr>
+  </cs:wall>
+</cs:chartStyle>
+</file>
+
+<file path=ppt/charts/style2.xml><?xml version="1.0" encoding="utf-8"?>
+<cs:chartStyle xmlns:cs="http://schemas.microsoft.com/office/drawing/2012/chartStyle" xmlns:a="http://schemas.openxmlformats.org/drawingml/2006/main" id="201">
+  <cs:axisTitle>
+    <cs:lnRef idx="0"/>
+    <cs:fillRef idx="0"/>
+    <cs:effectRef idx="0"/>
+    <cs:fontRef idx="minor">
+      <a:schemeClr val="tx1">
+        <a:lumMod val="65000"/>
+        <a:lumOff val="35000"/>
+      </a:schemeClr>
+    </cs:fontRef>
+    <cs:defRPr sz="1330" kern="1200"/>
+  </cs:axisTitle>
+  <cs:categoryAxis>
+    <cs:lnRef idx="0"/>
+    <cs:fillRef idx="0"/>
+    <cs:effectRef idx="0"/>
+    <cs:fontRef idx="minor">
+      <a:schemeClr val="tx1">
+        <a:lumMod val="65000"/>
+        <a:lumOff val="35000"/>
+      </a:schemeClr>
+    </cs:fontRef>
+    <cs:spPr>
+      <a:ln w="9525" cap="flat" cmpd="sng" algn="ctr">
+        <a:solidFill>
+          <a:schemeClr val="tx1">
+            <a:lumMod val="15000"/>
+            <a:lumOff val="85000"/>
+          </a:schemeClr>
+        </a:solidFill>
+        <a:round/>
+      </a:ln>
+    </cs:spPr>
+    <cs:defRPr sz="1197" kern="1200"/>
+  </cs:categoryAxis>
+  <cs:chartArea mods="allowNoFillOverride allowNoLineOverride">
+    <cs:lnRef idx="0"/>
+    <cs:fillRef idx="0"/>
+    <cs:effectRef idx="0"/>
+    <cs:fontRef idx="minor">
+      <a:schemeClr val="tx1"/>
+    </cs:fontRef>
+    <cs:spPr>
+      <a:solidFill>
+        <a:schemeClr val="bg1"/>
+      </a:solidFill>
+      <a:ln w="9525" cap="flat" cmpd="sng" algn="ctr">
+        <a:solidFill>
+          <a:schemeClr val="tx1">
+            <a:lumMod val="15000"/>
+            <a:lumOff val="85000"/>
+          </a:schemeClr>
+        </a:solidFill>
+        <a:round/>
+      </a:ln>
+    </cs:spPr>
+    <cs:defRPr sz="1330" kern="1200"/>
+  </cs:chartArea>
+  <cs:dataLabel>
+    <cs:lnRef idx="0"/>
+    <cs:fillRef idx="0"/>
+    <cs:effectRef idx="0"/>
+    <cs:fontRef idx="minor">
+      <a:schemeClr val="tx1">
+        <a:lumMod val="75000"/>
+        <a:lumOff val="25000"/>
+      </a:schemeClr>
+    </cs:fontRef>
+    <cs:defRPr sz="1197" kern="1200"/>
+  </cs:dataLabel>
+  <cs:dataLabelCallout>
+    <cs:lnRef idx="0"/>
+    <cs:fillRef idx="0"/>
+    <cs:effectRef idx="0"/>
+    <cs:fontRef idx="minor">
+      <a:schemeClr val="dk1">
+        <a:lumMod val="65000"/>
+        <a:lumOff val="35000"/>
+      </a:schemeClr>
+    </cs:fontRef>
+    <cs:spPr>
+      <a:solidFill>
+        <a:schemeClr val="lt1"/>
+      </a:solidFill>
+      <a:ln>
+        <a:solidFill>
+          <a:schemeClr val="dk1">
+            <a:lumMod val="25000"/>
+            <a:lumOff val="75000"/>
+          </a:schemeClr>
+        </a:solidFill>
+      </a:ln>
+    </cs:spPr>
+    <cs:defRPr sz="1197" kern="1200"/>
+    <cs:bodyPr rot="0" spcFirstLastPara="1" vertOverflow="clip" horzOverflow="clip" vert="horz" wrap="square" lIns="36576" tIns="18288" rIns="36576" bIns="18288" anchor="ctr" anchorCtr="1">
+      <a:spAutoFit/>
+    </cs:bodyPr>
+  </cs:dataLabelCallout>
+  <cs:dataPoint>
+    <cs:lnRef idx="0"/>
+    <cs:fillRef idx="1">
+      <cs:styleClr val="auto"/>
+    </cs:fillRef>
+    <cs:effectRef idx="0"/>
+    <cs:fontRef idx="minor">
+      <a:schemeClr val="tx1"/>
+    </cs:fontRef>
+  </cs:dataPoint>
+  <cs:dataPoint3D>
+    <cs:lnRef idx="0"/>
+    <cs:fillRef idx="1">
+      <cs:styleClr val="auto"/>
+    </cs:fillRef>
+    <cs:effectRef idx="0"/>
+    <cs:fontRef idx="minor">
+      <a:schemeClr val="tx1"/>
+    </cs:fontRef>
+  </cs:dataPoint3D>
+  <cs:dataPointLine>
+    <cs:lnRef idx="0">
+      <cs:styleClr val="auto"/>
+    </cs:lnRef>
+    <cs:fillRef idx="1"/>
+    <cs:effectRef idx="0"/>
+    <cs:fontRef idx="minor">
+      <a:schemeClr val="tx1"/>
+    </cs:fontRef>
+    <cs:spPr>
+      <a:ln w="28575" cap="rnd">
+        <a:solidFill>
+          <a:schemeClr val="phClr"/>
+        </a:solidFill>
+        <a:round/>
+      </a:ln>
+    </cs:spPr>
+  </cs:dataPointLine>
+  <cs:dataPointMarker>
+    <cs:lnRef idx="0">
+      <cs:styleClr val="auto"/>
+    </cs:lnRef>
+    <cs:fillRef idx="1">
+      <cs:styleClr val="auto"/>
+    </cs:fillRef>
+    <cs:effectRef idx="0"/>
+    <cs:fontRef idx="minor">
+      <a:schemeClr val="tx1"/>
+    </cs:fontRef>
+    <cs:spPr>
+      <a:ln w="9525">
+        <a:solidFill>
+          <a:schemeClr val="phClr"/>
+        </a:solidFill>
+      </a:ln>
+    </cs:spPr>
+  </cs:dataPointMarker>
+  <cs:dataPointMarkerLayout symbol="circle" size="5"/>
+  <cs:dataPointWireframe>
+    <cs:lnRef idx="0">
+      <cs:styleClr val="auto"/>
+    </cs:lnRef>
+    <cs:fillRef idx="1"/>
+    <cs:effectRef idx="0"/>
+    <cs:fontRef idx="minor">
+      <a:schemeClr val="tx1"/>
+    </cs:fontRef>
+    <cs:spPr>
+      <a:ln w="9525" cap="rnd">
+        <a:solidFill>
+          <a:schemeClr val="phClr"/>
+        </a:solidFill>
+        <a:round/>
+      </a:ln>
+    </cs:spPr>
+  </cs:dataPointWireframe>
+  <cs:dataTable>
+    <cs:lnRef idx="0"/>
+    <cs:fillRef idx="0"/>
+    <cs:effectRef idx="0"/>
+    <cs:fontRef idx="minor">
+      <a:schemeClr val="tx1">
+        <a:lumMod val="65000"/>
+        <a:lumOff val="35000"/>
+      </a:schemeClr>
+    </cs:fontRef>
+    <cs:spPr>
+      <a:noFill/>
+      <a:ln w="9525" cap="flat" cmpd="sng" algn="ctr">
+        <a:solidFill>
+          <a:schemeClr val="tx1">
+            <a:lumMod val="15000"/>
+            <a:lumOff val="85000"/>
+          </a:schemeClr>
+        </a:solidFill>
+        <a:round/>
+      </a:ln>
+    </cs:spPr>
+    <cs:defRPr sz="1197" kern="1200"/>
+  </cs:dataTable>
+  <cs:downBar>
+    <cs:lnRef idx="0"/>
+    <cs:fillRef idx="0"/>
+    <cs:effectRef idx="0"/>
+    <cs:fontRef idx="minor">
+      <a:schemeClr val="dk1"/>
+    </cs:fontRef>
+    <cs:spPr>
+      <a:solidFill>
+        <a:schemeClr val="dk1">
+          <a:lumMod val="65000"/>
+          <a:lumOff val="35000"/>
+        </a:schemeClr>
+      </a:solidFill>
+      <a:ln w="9525">
+        <a:solidFill>
+          <a:schemeClr val="tx1">
+            <a:lumMod val="65000"/>
+            <a:lumOff val="35000"/>
+          </a:schemeClr>
+        </a:solidFill>
+      </a:ln>
+    </cs:spPr>
+  </cs:downBar>
+  <cs:dropLine>
+    <cs:lnRef idx="0"/>
+    <cs:fillRef idx="0"/>
+    <cs:effectRef idx="0"/>
+    <cs:fontRef idx="minor">
+      <a:schemeClr val="tx1"/>
+    </cs:fontRef>
+    <cs:spPr>
+      <a:ln w="9525" cap="flat" cmpd="sng" algn="ctr">
+        <a:solidFill>
+          <a:schemeClr val="tx1">
+            <a:lumMod val="35000"/>
+            <a:lumOff val="65000"/>
+          </a:schemeClr>
+        </a:solidFill>
+        <a:round/>
+      </a:ln>
+    </cs:spPr>
+  </cs:dropLine>
+  <cs:errorBar>
+    <cs:lnRef idx="0"/>
+    <cs:fillRef idx="0"/>
+    <cs:effectRef idx="0"/>
+    <cs:fontRef idx="minor">
+      <a:schemeClr val="tx1"/>
+    </cs:fontRef>
+    <cs:spPr>
+      <a:ln w="9525" cap="flat" cmpd="sng" algn="ctr">
+        <a:solidFill>
+          <a:schemeClr val="tx1">
+            <a:lumMod val="65000"/>
+            <a:lumOff val="35000"/>
+          </a:schemeClr>
+        </a:solidFill>
+        <a:round/>
+      </a:ln>
+    </cs:spPr>
+  </cs:errorBar>
+  <cs:floor>
+    <cs:lnRef idx="0"/>
+    <cs:fillRef idx="0"/>
+    <cs:effectRef idx="0"/>
+    <cs:fontRef idx="minor">
+      <a:schemeClr val="tx1"/>
+    </cs:fontRef>
+    <cs:spPr>
+      <a:noFill/>
+      <a:ln>
+        <a:noFill/>
+      </a:ln>
+    </cs:spPr>
+  </cs:floor>
+  <cs:gridlineMajor>
+    <cs:lnRef idx="0"/>
+    <cs:fillRef idx="0"/>
+    <cs:effectRef idx="0"/>
+    <cs:fontRef idx="minor">
+      <a:schemeClr val="tx1"/>
+    </cs:fontRef>
+    <cs:spPr>
+      <a:ln w="9525" cap="flat" cmpd="sng" algn="ctr">
+        <a:solidFill>
+          <a:schemeClr val="tx1">
+            <a:lumMod val="15000"/>
+            <a:lumOff val="85000"/>
+          </a:schemeClr>
+        </a:solidFill>
+        <a:round/>
+      </a:ln>
+    </cs:spPr>
+  </cs:gridlineMajor>
+  <cs:gridlineMinor>
+    <cs:lnRef idx="0"/>
+    <cs:fillRef idx="0"/>
+    <cs:effectRef idx="0"/>
+    <cs:fontRef idx="minor">
+      <a:schemeClr val="tx1"/>
+    </cs:fontRef>
+    <cs:spPr>
+      <a:ln w="9525" cap="flat" cmpd="sng" algn="ctr">
+        <a:solidFill>
+          <a:schemeClr val="tx1">
+            <a:lumMod val="5000"/>
+            <a:lumOff val="95000"/>
+          </a:schemeClr>
+        </a:solidFill>
+        <a:round/>
+      </a:ln>
+    </cs:spPr>
+  </cs:gridlineMinor>
+  <cs:hiLoLine>
+    <cs:lnRef idx="0"/>
+    <cs:fillRef idx="0"/>
+    <cs:effectRef idx="0"/>
+    <cs:fontRef idx="minor">
+      <a:schemeClr val="tx1"/>
+    </cs:fontRef>
+    <cs:spPr>
+      <a:ln w="9525" cap="flat" cmpd="sng" algn="ctr">
+        <a:solidFill>
+          <a:schemeClr val="tx1">
+            <a:lumMod val="75000"/>
+            <a:lumOff val="25000"/>
+          </a:schemeClr>
+        </a:solidFill>
+        <a:round/>
+      </a:ln>
+    </cs:spPr>
+  </cs:hiLoLine>
+  <cs:leaderLine>
+    <cs:lnRef idx="0"/>
+    <cs:fillRef idx="0"/>
+    <cs:effectRef idx="0"/>
+    <cs:fontRef idx="minor">
+      <a:schemeClr val="tx1"/>
+    </cs:fontRef>
+    <cs:spPr>
+      <a:ln w="9525" cap="flat" cmpd="sng" algn="ctr">
+        <a:solidFill>
+          <a:schemeClr val="tx1">
+            <a:lumMod val="35000"/>
+            <a:lumOff val="65000"/>
+          </a:schemeClr>
+        </a:solidFill>
+        <a:round/>
+      </a:ln>
+    </cs:spPr>
+  </cs:leaderLine>
+  <cs:legend>
+    <cs:lnRef idx="0"/>
+    <cs:fillRef idx="0"/>
+    <cs:effectRef idx="0"/>
+    <cs:fontRef idx="minor">
+      <a:schemeClr val="tx1">
+        <a:lumMod val="65000"/>
+        <a:lumOff val="35000"/>
+      </a:schemeClr>
+    </cs:fontRef>
+    <cs:defRPr sz="1197" kern="1200"/>
+  </cs:legend>
+  <cs:plotArea mods="allowNoFillOverride allowNoLineOverride">
+    <cs:lnRef idx="0"/>
+    <cs:fillRef idx="0"/>
+    <cs:effectRef idx="0"/>
+    <cs:fontRef idx="minor">
+      <a:schemeClr val="tx1"/>
+    </cs:fontRef>
+  </cs:plotArea>
+  <cs:plotArea3D mods="allowNoFillOverride allowNoLineOverride">
+    <cs:lnRef idx="0"/>
+    <cs:fillRef idx="0"/>
+    <cs:effectRef idx="0"/>
+    <cs:fontRef idx="minor">
+      <a:schemeClr val="tx1"/>
+    </cs:fontRef>
+  </cs:plotArea3D>
+  <cs:seriesAxis>
+    <cs:lnRef idx="0"/>
+    <cs:fillRef idx="0"/>
+    <cs:effectRef idx="0"/>
+    <cs:fontRef idx="minor">
+      <a:schemeClr val="tx1">
+        <a:lumMod val="65000"/>
+        <a:lumOff val="35000"/>
+      </a:schemeClr>
+    </cs:fontRef>
+    <cs:defRPr sz="1197" kern="1200"/>
+  </cs:seriesAxis>
+  <cs:seriesLine>
+    <cs:lnRef idx="0"/>
+    <cs:fillRef idx="0"/>
+    <cs:effectRef idx="0"/>
+    <cs:fontRef idx="minor">
+      <a:schemeClr val="tx1"/>
+    </cs:fontRef>
+    <cs:spPr>
+      <a:ln w="9525" cap="flat" cmpd="sng" algn="ctr">
+        <a:solidFill>
+          <a:schemeClr val="tx1">
+            <a:lumMod val="35000"/>
+            <a:lumOff val="65000"/>
+          </a:schemeClr>
+        </a:solidFill>
+        <a:round/>
+      </a:ln>
+    </cs:spPr>
+  </cs:seriesLine>
+  <cs:title>
+    <cs:lnRef idx="0"/>
+    <cs:fillRef idx="0"/>
+    <cs:effectRef idx="0"/>
+    <cs:fontRef idx="minor">
+      <a:schemeClr val="tx1">
+        <a:lumMod val="65000"/>
+        <a:lumOff val="35000"/>
+      </a:schemeClr>
+    </cs:fontRef>
+    <cs:defRPr sz="1862" b="0" kern="1200" spc="0" baseline="0"/>
+  </cs:title>
+  <cs:trendline>
+    <cs:lnRef idx="0">
+      <cs:styleClr val="auto"/>
+    </cs:lnRef>
+    <cs:fillRef idx="0"/>
+    <cs:effectRef idx="0"/>
+    <cs:fontRef idx="minor">
+      <a:schemeClr val="tx1"/>
+    </cs:fontRef>
+    <cs:spPr>
+      <a:ln w="19050" cap="rnd">
+        <a:solidFill>
+          <a:schemeClr val="phClr"/>
+        </a:solidFill>
+        <a:prstDash val="sysDot"/>
+      </a:ln>
+    </cs:spPr>
+  </cs:trendline>
+  <cs:trendlineLabel>
+    <cs:lnRef idx="0"/>
+    <cs:fillRef idx="0"/>
+    <cs:effectRef idx="0"/>
+    <cs:fontRef idx="minor">
+      <a:schemeClr val="tx1">
+        <a:lumMod val="65000"/>
+        <a:lumOff val="35000"/>
+      </a:schemeClr>
+    </cs:fontRef>
+    <cs:defRPr sz="1197" kern="1200"/>
+  </cs:trendlineLabel>
+  <cs:upBar>
+    <cs:lnRef idx="0"/>
+    <cs:fillRef idx="0"/>
+    <cs:effectRef idx="0"/>
+    <cs:fontRef idx="minor">
+      <a:schemeClr val="dk1"/>
+    </cs:fontRef>
+    <cs:spPr>
+      <a:solidFill>
+        <a:schemeClr val="lt1"/>
+      </a:solidFill>
+      <a:ln w="9525">
+        <a:solidFill>
+          <a:schemeClr val="tx1">
+            <a:lumMod val="15000"/>
+            <a:lumOff val="85000"/>
+          </a:schemeClr>
+        </a:solidFill>
+      </a:ln>
+    </cs:spPr>
+  </cs:upBar>
+  <cs:valueAxis>
+    <cs:lnRef idx="0"/>
+    <cs:fillRef idx="0"/>
+    <cs:effectRef idx="0"/>
+    <cs:fontRef idx="minor">
+      <a:schemeClr val="tx1">
+        <a:lumMod val="65000"/>
+        <a:lumOff val="35000"/>
+      </a:schemeClr>
+    </cs:fontRef>
+    <cs:defRPr sz="1197" kern="1200"/>
+  </cs:valueAxis>
+  <cs:wall>
+    <cs:lnRef idx="0"/>
+    <cs:fillRef idx="0"/>
+    <cs:effectRef idx="0"/>
+    <cs:fontRef idx="minor">
+      <a:schemeClr val="tx1"/>
+    </cs:fontRef>
+    <cs:spPr>
+      <a:noFill/>
+      <a:ln>
+        <a:noFill/>
+      </a:ln>
+    </cs:spPr>
+  </cs:wall>
+</cs:chartStyle>
 </file>
 
 <file path=ppt/handoutMasters/handoutMaster1.xml><?xml version="1.0" encoding="utf-8"?>
@@ -832,7 +3638,7 @@
     </p:spTree>
     <p:extLst>
       <p:ext uri="{BB962C8B-B14F-4D97-AF65-F5344CB8AC3E}">
-        <p14:creationId xmlns:p14="http://schemas.microsoft.com/office/powerpoint/2010/main" val="4283719046"/>
+        <p14:creationId xmlns:p14="http://schemas.microsoft.com/office/powerpoint/2010/main" val="1635595759"/>
       </p:ext>
     </p:extLst>
   </p:cSld>
@@ -916,7 +3722,7 @@
     </p:spTree>
     <p:extLst>
       <p:ext uri="{BB962C8B-B14F-4D97-AF65-F5344CB8AC3E}">
-        <p14:creationId xmlns:p14="http://schemas.microsoft.com/office/powerpoint/2010/main" val="1635595759"/>
+        <p14:creationId xmlns:p14="http://schemas.microsoft.com/office/powerpoint/2010/main" val="4143547770"/>
       </p:ext>
     </p:extLst>
   </p:cSld>
@@ -970,6 +3776,252 @@
           <a:bodyPr/>
           <a:lstStyle/>
           <a:p>
+            <a:r>
+              <a:rPr lang="en-US" sz="1200" b="0" i="0" u="none" strike="noStrike" kern="1200" dirty="0" smtClean="0">
+                <a:solidFill>
+                  <a:schemeClr val="tx1"/>
+                </a:solidFill>
+                <a:effectLst/>
+                <a:latin typeface="+mn-lt"/>
+                <a:ea typeface="+mn-ea"/>
+                <a:cs typeface="+mn-cs"/>
+              </a:rPr>
+              <a:t>8</a:t>
+            </a:r>
+            <a:r>
+              <a:rPr lang="en-US" dirty="0" smtClean="0"/>
+              <a:t> 	</a:t>
+            </a:r>
+            <a:r>
+              <a:rPr lang="en-US" sz="1200" b="0" i="0" u="none" strike="noStrike" kern="1200" dirty="0" smtClean="0">
+                <a:solidFill>
+                  <a:schemeClr val="tx1"/>
+                </a:solidFill>
+                <a:effectLst/>
+                <a:latin typeface="+mn-lt"/>
+                <a:ea typeface="+mn-ea"/>
+                <a:cs typeface="+mn-cs"/>
+              </a:rPr>
+              <a:t>8192	</a:t>
+            </a:r>
+            <a:r>
+              <a:rPr lang="en-US" dirty="0" smtClean="0"/>
+              <a:t> </a:t>
+            </a:r>
+            <a:r>
+              <a:rPr lang="en-US" sz="1200" b="0" i="0" u="none" strike="noStrike" kern="1200" dirty="0" smtClean="0">
+                <a:solidFill>
+                  <a:schemeClr val="tx1"/>
+                </a:solidFill>
+                <a:effectLst/>
+                <a:latin typeface="+mn-lt"/>
+                <a:ea typeface="+mn-ea"/>
+                <a:cs typeface="+mn-cs"/>
+              </a:rPr>
+              <a:t>400</a:t>
+            </a:r>
+            <a:r>
+              <a:rPr lang="en-US" dirty="0" smtClean="0"/>
+              <a:t>  	</a:t>
+            </a:r>
+            <a:r>
+              <a:rPr lang="en-US" sz="1200" b="0" i="0" u="none" strike="noStrike" kern="1200" dirty="0" smtClean="0">
+                <a:solidFill>
+                  <a:schemeClr val="tx1"/>
+                </a:solidFill>
+                <a:effectLst/>
+                <a:latin typeface="+mn-lt"/>
+                <a:ea typeface="+mn-ea"/>
+                <a:cs typeface="+mn-cs"/>
+              </a:rPr>
+              <a:t>4.883</a:t>
+            </a:r>
+            <a:r>
+              <a:rPr lang="en-US" dirty="0" smtClean="0"/>
+              <a:t> </a:t>
+            </a:r>
+          </a:p>
+          <a:p>
+            <a:r>
+              <a:rPr lang="en-US" sz="1200" b="0" i="0" u="none" strike="noStrike" kern="1200" dirty="0" smtClean="0">
+                <a:solidFill>
+                  <a:schemeClr val="tx1"/>
+                </a:solidFill>
+                <a:effectLst/>
+                <a:latin typeface="+mn-lt"/>
+                <a:ea typeface="+mn-ea"/>
+                <a:cs typeface="+mn-cs"/>
+              </a:rPr>
+              <a:t>6</a:t>
+            </a:r>
+            <a:r>
+              <a:rPr lang="en-US" dirty="0" smtClean="0"/>
+              <a:t> 	</a:t>
+            </a:r>
+            <a:r>
+              <a:rPr lang="en-US" sz="1200" b="0" i="0" u="none" strike="noStrike" kern="1200" dirty="0" smtClean="0">
+                <a:solidFill>
+                  <a:schemeClr val="tx1"/>
+                </a:solidFill>
+                <a:effectLst/>
+                <a:latin typeface="+mn-lt"/>
+                <a:ea typeface="+mn-ea"/>
+                <a:cs typeface="+mn-cs"/>
+              </a:rPr>
+              <a:t>6144	</a:t>
+            </a:r>
+            <a:r>
+              <a:rPr lang="en-US" dirty="0" smtClean="0"/>
+              <a:t> </a:t>
+            </a:r>
+            <a:r>
+              <a:rPr lang="en-US" sz="1200" b="0" i="0" u="none" strike="noStrike" kern="1200" dirty="0" smtClean="0">
+                <a:solidFill>
+                  <a:schemeClr val="tx1"/>
+                </a:solidFill>
+                <a:effectLst/>
+                <a:latin typeface="+mn-lt"/>
+                <a:ea typeface="+mn-ea"/>
+                <a:cs typeface="+mn-cs"/>
+              </a:rPr>
+              <a:t>350	5.697</a:t>
+            </a:r>
+            <a:r>
+              <a:rPr lang="en-US" dirty="0" smtClean="0"/>
+              <a:t> </a:t>
+            </a:r>
+          </a:p>
+          <a:p>
+            <a:r>
+              <a:rPr lang="en-US" sz="1200" b="0" i="0" u="none" strike="noStrike" kern="1200" dirty="0" smtClean="0">
+                <a:solidFill>
+                  <a:schemeClr val="tx1"/>
+                </a:solidFill>
+                <a:effectLst/>
+                <a:latin typeface="+mn-lt"/>
+                <a:ea typeface="+mn-ea"/>
+                <a:cs typeface="+mn-cs"/>
+              </a:rPr>
+              <a:t>4</a:t>
+            </a:r>
+            <a:r>
+              <a:rPr lang="en-US" dirty="0" smtClean="0"/>
+              <a:t> 	</a:t>
+            </a:r>
+            <a:r>
+              <a:rPr lang="en-US" sz="1200" b="0" i="0" u="none" strike="noStrike" kern="1200" dirty="0" smtClean="0">
+                <a:solidFill>
+                  <a:schemeClr val="tx1"/>
+                </a:solidFill>
+                <a:effectLst/>
+                <a:latin typeface="+mn-lt"/>
+                <a:ea typeface="+mn-ea"/>
+                <a:cs typeface="+mn-cs"/>
+              </a:rPr>
+              <a:t>4096</a:t>
+            </a:r>
+            <a:r>
+              <a:rPr lang="en-US" dirty="0" smtClean="0"/>
+              <a:t> 	 </a:t>
+            </a:r>
+            <a:r>
+              <a:rPr lang="en-US" sz="1200" b="0" i="0" u="none" strike="noStrike" kern="1200" dirty="0" smtClean="0">
+                <a:solidFill>
+                  <a:schemeClr val="tx1"/>
+                </a:solidFill>
+                <a:effectLst/>
+                <a:latin typeface="+mn-lt"/>
+                <a:ea typeface="+mn-ea"/>
+                <a:cs typeface="+mn-cs"/>
+              </a:rPr>
+              <a:t>250</a:t>
+            </a:r>
+            <a:r>
+              <a:rPr lang="en-US" dirty="0" smtClean="0"/>
+              <a:t> 	</a:t>
+            </a:r>
+            <a:r>
+              <a:rPr lang="en-US" sz="1200" b="0" i="0" u="none" strike="noStrike" kern="1200" dirty="0" smtClean="0">
+                <a:solidFill>
+                  <a:schemeClr val="tx1"/>
+                </a:solidFill>
+                <a:effectLst/>
+                <a:latin typeface="+mn-lt"/>
+                <a:ea typeface="+mn-ea"/>
+                <a:cs typeface="+mn-cs"/>
+              </a:rPr>
+              <a:t>6.104</a:t>
+            </a:r>
+            <a:r>
+              <a:rPr lang="en-US" dirty="0" smtClean="0"/>
+              <a:t> </a:t>
+            </a:r>
+          </a:p>
+          <a:p>
+            <a:r>
+              <a:rPr lang="en-US" sz="1200" b="0" i="0" u="none" strike="noStrike" kern="1200" dirty="0" smtClean="0">
+                <a:solidFill>
+                  <a:schemeClr val="tx1"/>
+                </a:solidFill>
+                <a:effectLst/>
+                <a:latin typeface="+mn-lt"/>
+                <a:ea typeface="+mn-ea"/>
+                <a:cs typeface="+mn-cs"/>
+              </a:rPr>
+              <a:t>3</a:t>
+            </a:r>
+            <a:r>
+              <a:rPr lang="en-US" dirty="0" smtClean="0"/>
+              <a:t> 	</a:t>
+            </a:r>
+            <a:r>
+              <a:rPr lang="en-US" sz="1200" b="0" i="0" u="none" strike="noStrike" kern="1200" dirty="0" smtClean="0">
+                <a:solidFill>
+                  <a:schemeClr val="tx1"/>
+                </a:solidFill>
+                <a:effectLst/>
+                <a:latin typeface="+mn-lt"/>
+                <a:ea typeface="+mn-ea"/>
+                <a:cs typeface="+mn-cs"/>
+              </a:rPr>
+              <a:t>3072	</a:t>
+            </a:r>
+            <a:r>
+              <a:rPr lang="en-US" dirty="0" smtClean="0"/>
+              <a:t> </a:t>
+            </a:r>
+            <a:r>
+              <a:rPr lang="en-US" sz="1200" b="0" i="0" u="none" strike="noStrike" kern="1200" dirty="0" smtClean="0">
+                <a:solidFill>
+                  <a:schemeClr val="tx1"/>
+                </a:solidFill>
+                <a:effectLst/>
+                <a:latin typeface="+mn-lt"/>
+                <a:ea typeface="+mn-ea"/>
+                <a:cs typeface="+mn-cs"/>
+              </a:rPr>
+              <a:t>230</a:t>
+            </a:r>
+            <a:r>
+              <a:rPr lang="en-US" dirty="0" smtClean="0"/>
+              <a:t> 	</a:t>
+            </a:r>
+            <a:r>
+              <a:rPr lang="en-US" sz="1200" b="0" i="0" u="none" strike="noStrike" kern="1200" dirty="0" smtClean="0">
+                <a:solidFill>
+                  <a:schemeClr val="tx1"/>
+                </a:solidFill>
+                <a:effectLst/>
+                <a:latin typeface="+mn-lt"/>
+                <a:ea typeface="+mn-ea"/>
+                <a:cs typeface="+mn-cs"/>
+              </a:rPr>
+              <a:t>7.487</a:t>
+            </a:r>
+            <a:r>
+              <a:rPr lang="en-US" dirty="0" smtClean="0"/>
+              <a:t> </a:t>
+            </a:r>
             <a:endParaRPr lang="en-US" dirty="0"/>
           </a:p>
         </p:txBody>
@@ -1000,91 +4052,7 @@
     </p:spTree>
     <p:extLst>
       <p:ext uri="{BB962C8B-B14F-4D97-AF65-F5344CB8AC3E}">
-        <p14:creationId xmlns:p14="http://schemas.microsoft.com/office/powerpoint/2010/main" val="3611700017"/>
-      </p:ext>
-    </p:extLst>
-  </p:cSld>
-  <p:clrMapOvr>
-    <a:masterClrMapping/>
-  </p:clrMapOvr>
-</p:notes>
-</file>
-
-<file path=ppt/notesSlides/notesSlide5.xml><?xml version="1.0" encoding="utf-8"?>
-<p:notes xmlns:a="http://schemas.openxmlformats.org/drawingml/2006/main" xmlns:r="http://schemas.openxmlformats.org/officeDocument/2006/relationships" xmlns:p="http://schemas.openxmlformats.org/presentationml/2006/main">
-  <p:cSld>
-    <p:spTree>
-      <p:nvGrpSpPr>
-        <p:cNvPr id="1" name=""/>
-        <p:cNvGrpSpPr/>
-        <p:nvPr/>
-      </p:nvGrpSpPr>
-      <p:grpSpPr>
-        <a:xfrm>
-          <a:off x="0" y="0"/>
-          <a:ext cx="0" cy="0"/>
-          <a:chOff x="0" y="0"/>
-          <a:chExt cx="0" cy="0"/>
-        </a:xfrm>
-      </p:grpSpPr>
-      <p:sp>
-        <p:nvSpPr>
-          <p:cNvPr id="2" name="Slide Image Placeholder 1"/>
-          <p:cNvSpPr>
-            <a:spLocks noGrp="1" noRot="1" noChangeAspect="1"/>
-          </p:cNvSpPr>
-          <p:nvPr>
-            <p:ph type="sldImg"/>
-          </p:nvPr>
-        </p:nvSpPr>
-        <p:spPr/>
-      </p:sp>
-      <p:sp>
-        <p:nvSpPr>
-          <p:cNvPr id="3" name="Notes Placeholder 2"/>
-          <p:cNvSpPr>
-            <a:spLocks noGrp="1"/>
-          </p:cNvSpPr>
-          <p:nvPr>
-            <p:ph type="body" idx="1"/>
-          </p:nvPr>
-        </p:nvSpPr>
-        <p:spPr/>
-        <p:txBody>
-          <a:bodyPr/>
-          <a:lstStyle/>
-          <a:p>
-            <a:endParaRPr lang="en-US" dirty="0"/>
-          </a:p>
-        </p:txBody>
-      </p:sp>
-      <p:sp>
-        <p:nvSpPr>
-          <p:cNvPr id="4" name="Slide Number Placeholder 3"/>
-          <p:cNvSpPr>
-            <a:spLocks noGrp="1"/>
-          </p:cNvSpPr>
-          <p:nvPr>
-            <p:ph type="sldNum" sz="quarter" idx="10"/>
-          </p:nvPr>
-        </p:nvSpPr>
-        <p:spPr/>
-        <p:txBody>
-          <a:bodyPr/>
-          <a:lstStyle/>
-          <a:p>
-            <a:fld id="{228B34ED-4CDD-41C9-90F7-D768D5559A6F}" type="slidenum">
-              <a:rPr lang="en-US" smtClean="0"/>
-              <a:t>5</a:t>
-            </a:fld>
-            <a:endParaRPr lang="en-US" dirty="0"/>
-          </a:p>
-        </p:txBody>
-      </p:sp>
-    </p:spTree>
-    <p:extLst>
-      <p:ext uri="{BB962C8B-B14F-4D97-AF65-F5344CB8AC3E}">
-        <p14:creationId xmlns:p14="http://schemas.microsoft.com/office/powerpoint/2010/main" val="3237459842"/>
+        <p14:creationId xmlns:p14="http://schemas.microsoft.com/office/powerpoint/2010/main" val="1342654029"/>
       </p:ext>
     </p:extLst>
   </p:cSld>
@@ -2265,7 +5233,7 @@
           </a:ln>
           <a:extLst>
             <a:ext uri="{C572A759-6A51-4108-AA02-DFA0A04FC94B}">
-              <ma14:wrappingTextBoxFlag xmlns:ma14="http://schemas.microsoft.com/office/mac/drawingml/2011/main" xmlns="" val="1"/>
+              <ma14:wrappingTextBoxFlag xmlns="" xmlns:ma14="http://schemas.microsoft.com/office/mac/drawingml/2011/main" val="1"/>
             </a:ext>
           </a:extLst>
         </p:spPr>
@@ -2589,7 +5557,7 @@
           </a:ln>
           <a:extLst>
             <a:ext uri="{C572A759-6A51-4108-AA02-DFA0A04FC94B}">
-              <ma14:wrappingTextBoxFlag xmlns:ma14="http://schemas.microsoft.com/office/mac/drawingml/2011/main" xmlns="" val="1"/>
+              <ma14:wrappingTextBoxFlag xmlns="" xmlns:ma14="http://schemas.microsoft.com/office/mac/drawingml/2011/main" val="1"/>
             </a:ext>
           </a:extLst>
         </p:spPr>
@@ -5996,7 +8964,7 @@
           </a:ln>
           <a:extLst>
             <a:ext uri="{C572A759-6A51-4108-AA02-DFA0A04FC94B}">
-              <ma14:wrappingTextBoxFlag xmlns:ma14="http://schemas.microsoft.com/office/mac/drawingml/2011/main" xmlns="" val="1"/>
+              <ma14:wrappingTextBoxFlag xmlns="" xmlns:ma14="http://schemas.microsoft.com/office/mac/drawingml/2011/main" val="1"/>
             </a:ext>
           </a:extLst>
         </p:spPr>
@@ -7466,7 +10434,7 @@
           </a:ln>
           <a:extLst>
             <a:ext uri="{C572A759-6A51-4108-AA02-DFA0A04FC94B}">
-              <ma14:wrappingTextBoxFlag xmlns:ma14="http://schemas.microsoft.com/office/mac/drawingml/2011/main" xmlns="" val="1"/>
+              <ma14:wrappingTextBoxFlag xmlns="" xmlns:ma14="http://schemas.microsoft.com/office/mac/drawingml/2011/main" val="1"/>
             </a:ext>
           </a:extLst>
         </p:spPr>
@@ -7875,7 +10843,7 @@
                 <a16:creationId xmlns:a16="http://schemas.microsoft.com/office/drawing/2014/main" id="{D687D26E-D67A-4318-AAB1-DCEAA89EEB21}"/>
               </a:ext>
               <a:ext uri="{C183D7F6-B498-43B3-948B-1728B52AA6E4}">
-                <adec:decorative xmlns="" xmlns:adec="http://schemas.microsoft.com/office/drawing/2017/decorative" val="1"/>
+                <adec:decorative xmlns:adec="http://schemas.microsoft.com/office/drawing/2017/decorative" xmlns="" val="1"/>
               </a:ext>
             </a:extLst>
           </p:cNvPr>
@@ -8432,176 +11400,6 @@
             <a:fld id="{8C2E478F-E849-4A8C-AF1F-CBCC78A7CBFA}" type="slidenum">
               <a:rPr lang="en-US" smtClean="0"/>
               <a:t>2</a:t>
-            </a:fld>
-            <a:endParaRPr lang="en-US" dirty="0"/>
-          </a:p>
-        </p:txBody>
-      </p:sp>
-      <p:sp>
-        <p:nvSpPr>
-          <p:cNvPr id="3" name="TextBox 2"/>
-          <p:cNvSpPr txBox="1"/>
-          <p:nvPr/>
-        </p:nvSpPr>
-        <p:spPr>
-          <a:xfrm>
-            <a:off x="3785616" y="1289304"/>
-            <a:ext cx="1775935" cy="369332"/>
-          </a:xfrm>
-          <a:prstGeom prst="rect">
-            <a:avLst/>
-          </a:prstGeom>
-          <a:noFill/>
-        </p:spPr>
-        <p:txBody>
-          <a:bodyPr wrap="none" rtlCol="0">
-            <a:spAutoFit/>
-          </a:bodyPr>
-          <a:lstStyle/>
-          <a:p>
-            <a:r>
-              <a:rPr lang="en-US" smtClean="0"/>
-              <a:t>Lý do chọn đề tài</a:t>
-            </a:r>
-            <a:endParaRPr lang="en-US"/>
-          </a:p>
-        </p:txBody>
-      </p:sp>
-      <p:sp>
-        <p:nvSpPr>
-          <p:cNvPr id="4" name="TextBox 3"/>
-          <p:cNvSpPr txBox="1"/>
-          <p:nvPr/>
-        </p:nvSpPr>
-        <p:spPr>
-          <a:xfrm>
-            <a:off x="978408" y="3118104"/>
-            <a:ext cx="10149840" cy="923330"/>
-          </a:xfrm>
-          <a:prstGeom prst="rect">
-            <a:avLst/>
-          </a:prstGeom>
-          <a:noFill/>
-        </p:spPr>
-        <p:txBody>
-          <a:bodyPr wrap="square" rtlCol="0">
-            <a:spAutoFit/>
-          </a:bodyPr>
-          <a:lstStyle/>
-          <a:p>
-            <a:pPr marL="342900" indent="-342900">
-              <a:buFont typeface="+mj-lt"/>
-              <a:buAutoNum type="arabicPeriod"/>
-            </a:pPr>
-            <a:r>
-              <a:rPr lang="en-US" smtClean="0"/>
-              <a:t>H</a:t>
-            </a:r>
-            <a:r>
-              <a:rPr lang="vi-VN" smtClean="0"/>
-              <a:t>ệ </a:t>
-            </a:r>
-            <a:r>
-              <a:rPr lang="vi-VN"/>
-              <a:t>thống an ninh được cài đặt để ngăn chặn trường hợp trộm cắp và sạc ổn định các </a:t>
-            </a:r>
-            <a:r>
-              <a:rPr lang="vi-VN"/>
-              <a:t>thiết </a:t>
-            </a:r>
-            <a:r>
-              <a:rPr lang="vi-VN" smtClean="0"/>
-              <a:t>bị</a:t>
-            </a:r>
-            <a:endParaRPr lang="en-US" smtClean="0"/>
-          </a:p>
-          <a:p>
-            <a:pPr marL="342900" indent="-342900">
-              <a:buFont typeface="+mj-lt"/>
-              <a:buAutoNum type="arabicPeriod"/>
-            </a:pPr>
-            <a:r>
-              <a:rPr lang="vi-VN"/>
-              <a:t>rung chuông báo động cho nhân viên cửa hàng để ngăn chặn trường hợp </a:t>
-            </a:r>
-            <a:r>
-              <a:rPr lang="vi-VN"/>
-              <a:t>trộm </a:t>
-            </a:r>
-            <a:r>
-              <a:rPr lang="vi-VN" smtClean="0"/>
-              <a:t>cắp</a:t>
-            </a:r>
-            <a:endParaRPr lang="en-US" smtClean="0"/>
-          </a:p>
-          <a:p>
-            <a:pPr marL="342900" indent="-342900">
-              <a:buFont typeface="+mj-lt"/>
-              <a:buAutoNum type="arabicPeriod"/>
-            </a:pPr>
-            <a:r>
-              <a:rPr lang="en-US" smtClean="0"/>
-              <a:t>Iít ảnh hưởng đến trải nhiệm của khách hàng</a:t>
-            </a:r>
-            <a:endParaRPr lang="en-US"/>
-          </a:p>
-        </p:txBody>
-      </p:sp>
-    </p:spTree>
-    <p:extLst>
-      <p:ext uri="{BB962C8B-B14F-4D97-AF65-F5344CB8AC3E}">
-        <p14:creationId xmlns:p14="http://schemas.microsoft.com/office/powerpoint/2010/main" val="1649537848"/>
-      </p:ext>
-    </p:extLst>
-  </p:cSld>
-  <p:clrMapOvr>
-    <a:masterClrMapping/>
-  </p:clrMapOvr>
-  <p:timing>
-    <p:tnLst>
-      <p:par>
-        <p:cTn id="1" dur="indefinite" restart="never" nodeType="tmRoot"/>
-      </p:par>
-    </p:tnLst>
-  </p:timing>
-</p:sld>
-</file>
-
-<file path=ppt/slides/slide3.xml><?xml version="1.0" encoding="utf-8"?>
-<p:sld xmlns:a="http://schemas.openxmlformats.org/drawingml/2006/main" xmlns:r="http://schemas.openxmlformats.org/officeDocument/2006/relationships" xmlns:p="http://schemas.openxmlformats.org/presentationml/2006/main">
-  <p:cSld>
-    <p:spTree>
-      <p:nvGrpSpPr>
-        <p:cNvPr id="1" name=""/>
-        <p:cNvGrpSpPr/>
-        <p:nvPr/>
-      </p:nvGrpSpPr>
-      <p:grpSpPr>
-        <a:xfrm>
-          <a:off x="0" y="0"/>
-          <a:ext cx="0" cy="0"/>
-          <a:chOff x="0" y="0"/>
-          <a:chExt cx="0" cy="0"/>
-        </a:xfrm>
-      </p:grpSpPr>
-      <p:sp>
-        <p:nvSpPr>
-          <p:cNvPr id="5" name="Slide Number Placeholder 4"/>
-          <p:cNvSpPr>
-            <a:spLocks noGrp="1"/>
-          </p:cNvSpPr>
-          <p:nvPr>
-            <p:ph type="sldNum" sz="quarter" idx="12"/>
-          </p:nvPr>
-        </p:nvSpPr>
-        <p:spPr/>
-        <p:txBody>
-          <a:bodyPr/>
-          <a:lstStyle/>
-          <a:p>
-            <a:fld id="{8C2E478F-E849-4A8C-AF1F-CBCC78A7CBFA}" type="slidenum">
-              <a:rPr lang="en-US" smtClean="0"/>
-              <a:t>3</a:t>
             </a:fld>
             <a:endParaRPr lang="en-US" dirty="0"/>
           </a:p>
@@ -8799,7 +11597,7 @@
               </a:spcAft>
             </a:pPr>
             <a:r>
-              <a:rPr lang="en-US" sz="2700" kern="1200" dirty="0" smtClean="0"/>
+              <a:rPr lang="en-US" sz="2700" kern="1200" smtClean="0"/>
               <a:t>Đăng nhập, đăng xuất</a:t>
             </a:r>
             <a:endParaRPr lang="en-US" sz="2700" kern="1200" dirty="0"/>
@@ -10143,7 +12941,7 @@
 </p:sld>
 </file>
 
-<file path=ppt/slides/slide4.xml><?xml version="1.0" encoding="utf-8"?>
+<file path=ppt/slides/slide3.xml><?xml version="1.0" encoding="utf-8"?>
 <p:sld xmlns:a="http://schemas.openxmlformats.org/drawingml/2006/main" xmlns:r="http://schemas.openxmlformats.org/officeDocument/2006/relationships" xmlns:p="http://schemas.openxmlformats.org/presentationml/2006/main">
   <p:cSld>
     <p:spTree>
@@ -10160,2001 +12958,32 @@
           <a:chExt cx="0" cy="0"/>
         </a:xfrm>
       </p:grpSpPr>
-      <p:sp>
-        <p:nvSpPr>
-          <p:cNvPr id="2" name="Slide Number Placeholder 1"/>
-          <p:cNvSpPr>
-            <a:spLocks noGrp="1"/>
-          </p:cNvSpPr>
+      <p:graphicFrame>
+        <p:nvGraphicFramePr>
+          <p:cNvPr id="58" name="Chart 57"/>
+          <p:cNvGraphicFramePr/>
           <p:nvPr>
-            <p:ph type="sldNum" sz="quarter" idx="12"/>
+            <p:extLst>
+              <p:ext uri="{D42A27DB-BD31-4B8C-83A1-F6EECF244321}">
+                <p14:modId xmlns:p14="http://schemas.microsoft.com/office/powerpoint/2010/main" val="1089242298"/>
+              </p:ext>
+            </p:extLst>
           </p:nvPr>
-        </p:nvSpPr>
-        <p:spPr/>
-        <p:txBody>
-          <a:bodyPr/>
-          <a:lstStyle/>
-          <a:p>
-            <a:fld id="{8C2E478F-E849-4A8C-AF1F-CBCC78A7CBFA}" type="slidenum">
-              <a:rPr lang="en-US" smtClean="0"/>
-              <a:t>4</a:t>
-            </a:fld>
-            <a:endParaRPr lang="en-US" dirty="0"/>
-          </a:p>
-        </p:txBody>
-      </p:sp>
-      <p:sp>
-        <p:nvSpPr>
-          <p:cNvPr id="3" name="TextBox 2">
-            <a:extLst>
-              <a:ext uri="{FF2B5EF4-FFF2-40B4-BE49-F238E27FC236}">
-                <a16:creationId xmlns:a16="http://schemas.microsoft.com/office/drawing/2014/main" id="{BE8AA9BD-5B28-4BB1-803B-54BB6E1B0DE1}"/>
-              </a:ext>
-            </a:extLst>
-          </p:cNvPr>
-          <p:cNvSpPr txBox="1"/>
-          <p:nvPr/>
-        </p:nvSpPr>
-        <p:spPr>
-          <a:xfrm>
-            <a:off x="1674988" y="131812"/>
-            <a:ext cx="8060471" cy="707886"/>
-          </a:xfrm>
-          <a:prstGeom prst="rect">
-            <a:avLst/>
-          </a:prstGeom>
-          <a:noFill/>
-        </p:spPr>
-        <p:txBody>
-          <a:bodyPr wrap="square" rtlCol="0">
-            <a:spAutoFit/>
-          </a:bodyPr>
-          <a:lstStyle/>
-          <a:p>
-            <a:pPr lvl="1" algn="ctr"/>
-            <a:r>
-              <a:rPr lang="en-US" sz="4000" smtClean="0">
-                <a:solidFill>
-                  <a:schemeClr val="bg1">
-                    <a:lumMod val="65000"/>
-                  </a:schemeClr>
-                </a:solidFill>
-                <a:latin typeface="Arial" charset="0"/>
-                <a:ea typeface="Arial" charset="0"/>
-                <a:cs typeface="Arial" charset="0"/>
-              </a:rPr>
-              <a:t>Cài đặt và chạy video quảng cáo</a:t>
-            </a:r>
-            <a:endParaRPr lang="en-US" sz="4000" dirty="0">
-              <a:solidFill>
-                <a:schemeClr val="bg1">
-                  <a:lumMod val="65000"/>
-                </a:schemeClr>
-              </a:solidFill>
-              <a:latin typeface="Arial" charset="0"/>
-              <a:ea typeface="Arial" charset="0"/>
-              <a:cs typeface="Arial" charset="0"/>
-            </a:endParaRPr>
-          </a:p>
-        </p:txBody>
-      </p:sp>
-      <p:grpSp>
-        <p:nvGrpSpPr>
-          <p:cNvPr id="15" name="Group 14"/>
-          <p:cNvGrpSpPr/>
-          <p:nvPr/>
-        </p:nvGrpSpPr>
-        <p:grpSpPr>
-          <a:xfrm>
-            <a:off x="5378755" y="839698"/>
-            <a:ext cx="1434489" cy="190500"/>
-            <a:chOff x="5378756" y="878988"/>
-            <a:chExt cx="1434489" cy="190500"/>
-          </a:xfrm>
-        </p:grpSpPr>
-        <p:sp>
-          <p:nvSpPr>
-            <p:cNvPr id="5" name="Oval 4">
-              <a:extLst>
-                <a:ext uri="{FF2B5EF4-FFF2-40B4-BE49-F238E27FC236}">
-                  <a16:creationId xmlns:a16="http://schemas.microsoft.com/office/drawing/2014/main" id="{3701A590-ABA9-4BD2-BD64-376A4C227798}"/>
-                </a:ext>
-              </a:extLst>
-            </p:cNvPr>
-            <p:cNvSpPr/>
-            <p:nvPr/>
-          </p:nvSpPr>
-          <p:spPr>
-            <a:xfrm>
-              <a:off x="5378756" y="878988"/>
-              <a:ext cx="190500" cy="190500"/>
-            </a:xfrm>
-            <a:prstGeom prst="ellipse">
-              <a:avLst/>
-            </a:prstGeom>
-            <a:solidFill>
-              <a:srgbClr val="F25892"/>
-            </a:solidFill>
-            <a:ln>
-              <a:solidFill>
-                <a:srgbClr val="F25892"/>
-              </a:solidFill>
-            </a:ln>
-          </p:spPr>
-          <p:style>
-            <a:lnRef idx="2">
-              <a:schemeClr val="accent1">
-                <a:shade val="50000"/>
-              </a:schemeClr>
-            </a:lnRef>
-            <a:fillRef idx="1">
-              <a:schemeClr val="accent1"/>
-            </a:fillRef>
-            <a:effectRef idx="0">
-              <a:schemeClr val="accent1"/>
-            </a:effectRef>
-            <a:fontRef idx="minor">
-              <a:schemeClr val="lt1"/>
-            </a:fontRef>
-          </p:style>
-          <p:txBody>
-            <a:bodyPr rtlCol="0" anchor="ctr"/>
-            <a:lstStyle/>
-            <a:p>
-              <a:pPr algn="ctr"/>
-              <a:endParaRPr lang="en-US"/>
-            </a:p>
-          </p:txBody>
-        </p:sp>
-        <p:sp>
-          <p:nvSpPr>
-            <p:cNvPr id="6" name="Oval 5">
-              <a:extLst>
-                <a:ext uri="{FF2B5EF4-FFF2-40B4-BE49-F238E27FC236}">
-                  <a16:creationId xmlns:a16="http://schemas.microsoft.com/office/drawing/2014/main" id="{3E53B434-A2A6-4C16-99DD-292CE4FD62C4}"/>
-                </a:ext>
-              </a:extLst>
-            </p:cNvPr>
-            <p:cNvSpPr/>
-            <p:nvPr/>
-          </p:nvSpPr>
-          <p:spPr>
-            <a:xfrm>
-              <a:off x="5689906" y="878988"/>
-              <a:ext cx="190500" cy="190500"/>
-            </a:xfrm>
-            <a:prstGeom prst="ellipse">
-              <a:avLst/>
-            </a:prstGeom>
-            <a:solidFill>
-              <a:srgbClr val="EE9524"/>
-            </a:solidFill>
-            <a:ln>
-              <a:solidFill>
-                <a:srgbClr val="EE9524"/>
-              </a:solidFill>
-            </a:ln>
-          </p:spPr>
-          <p:style>
-            <a:lnRef idx="2">
-              <a:schemeClr val="accent1">
-                <a:shade val="50000"/>
-              </a:schemeClr>
-            </a:lnRef>
-            <a:fillRef idx="1">
-              <a:schemeClr val="accent1"/>
-            </a:fillRef>
-            <a:effectRef idx="0">
-              <a:schemeClr val="accent1"/>
-            </a:effectRef>
-            <a:fontRef idx="minor">
-              <a:schemeClr val="lt1"/>
-            </a:fontRef>
-          </p:style>
-          <p:txBody>
-            <a:bodyPr rtlCol="0" anchor="ctr"/>
-            <a:lstStyle/>
-            <a:p>
-              <a:pPr algn="ctr"/>
-              <a:endParaRPr lang="en-US"/>
-            </a:p>
-          </p:txBody>
-        </p:sp>
-        <p:sp>
-          <p:nvSpPr>
-            <p:cNvPr id="7" name="Oval 6">
-              <a:extLst>
-                <a:ext uri="{FF2B5EF4-FFF2-40B4-BE49-F238E27FC236}">
-                  <a16:creationId xmlns:a16="http://schemas.microsoft.com/office/drawing/2014/main" id="{F3E5BC96-17A2-4BD5-BA51-10270687E851}"/>
-                </a:ext>
-              </a:extLst>
-            </p:cNvPr>
-            <p:cNvSpPr/>
-            <p:nvPr/>
-          </p:nvSpPr>
-          <p:spPr>
-            <a:xfrm>
-              <a:off x="6000692" y="878988"/>
-              <a:ext cx="190500" cy="190500"/>
-            </a:xfrm>
-            <a:prstGeom prst="ellipse">
-              <a:avLst/>
-            </a:prstGeom>
-            <a:solidFill>
-              <a:srgbClr val="03A1A4"/>
-            </a:solidFill>
-            <a:ln>
-              <a:solidFill>
-                <a:srgbClr val="03A1A4"/>
-              </a:solidFill>
-            </a:ln>
-          </p:spPr>
-          <p:style>
-            <a:lnRef idx="2">
-              <a:schemeClr val="accent1">
-                <a:shade val="50000"/>
-              </a:schemeClr>
-            </a:lnRef>
-            <a:fillRef idx="1">
-              <a:schemeClr val="accent1"/>
-            </a:fillRef>
-            <a:effectRef idx="0">
-              <a:schemeClr val="accent1"/>
-            </a:effectRef>
-            <a:fontRef idx="minor">
-              <a:schemeClr val="lt1"/>
-            </a:fontRef>
-          </p:style>
-          <p:txBody>
-            <a:bodyPr rtlCol="0" anchor="ctr"/>
-            <a:lstStyle/>
-            <a:p>
-              <a:pPr algn="ctr"/>
-              <a:endParaRPr lang="en-US"/>
-            </a:p>
-          </p:txBody>
-        </p:sp>
-        <p:sp>
-          <p:nvSpPr>
-            <p:cNvPr id="8" name="Oval 7">
-              <a:extLst>
-                <a:ext uri="{FF2B5EF4-FFF2-40B4-BE49-F238E27FC236}">
-                  <a16:creationId xmlns:a16="http://schemas.microsoft.com/office/drawing/2014/main" id="{1A06ACCC-548D-4873-BD3B-AD3CA2C095B0}"/>
-                </a:ext>
-              </a:extLst>
-            </p:cNvPr>
-            <p:cNvSpPr/>
-            <p:nvPr/>
-          </p:nvSpPr>
-          <p:spPr>
-            <a:xfrm>
-              <a:off x="6311478" y="878988"/>
-              <a:ext cx="190500" cy="190500"/>
-            </a:xfrm>
-            <a:prstGeom prst="ellipse">
-              <a:avLst/>
-            </a:prstGeom>
-            <a:solidFill>
-              <a:srgbClr val="385723"/>
-            </a:solidFill>
-            <a:ln>
-              <a:solidFill>
-                <a:srgbClr val="385723"/>
-              </a:solidFill>
-            </a:ln>
-          </p:spPr>
-          <p:style>
-            <a:lnRef idx="2">
-              <a:schemeClr val="accent1">
-                <a:shade val="50000"/>
-              </a:schemeClr>
-            </a:lnRef>
-            <a:fillRef idx="1">
-              <a:schemeClr val="accent1"/>
-            </a:fillRef>
-            <a:effectRef idx="0">
-              <a:schemeClr val="accent1"/>
-            </a:effectRef>
-            <a:fontRef idx="minor">
-              <a:schemeClr val="lt1"/>
-            </a:fontRef>
-          </p:style>
-          <p:txBody>
-            <a:bodyPr rtlCol="0" anchor="ctr"/>
-            <a:lstStyle/>
-            <a:p>
-              <a:pPr algn="ctr"/>
-              <a:endParaRPr lang="en-US"/>
-            </a:p>
-          </p:txBody>
-        </p:sp>
-        <p:sp>
-          <p:nvSpPr>
-            <p:cNvPr id="9" name="Oval 8">
-              <a:extLst>
-                <a:ext uri="{FF2B5EF4-FFF2-40B4-BE49-F238E27FC236}">
-                  <a16:creationId xmlns:a16="http://schemas.microsoft.com/office/drawing/2014/main" id="{7CBDE4C1-DAF9-476F-B807-27BE954F6C82}"/>
-                </a:ext>
-              </a:extLst>
-            </p:cNvPr>
-            <p:cNvSpPr/>
-            <p:nvPr/>
-          </p:nvSpPr>
-          <p:spPr>
-            <a:xfrm>
-              <a:off x="6622745" y="878988"/>
-              <a:ext cx="190500" cy="190500"/>
-            </a:xfrm>
-            <a:prstGeom prst="ellipse">
-              <a:avLst/>
-            </a:prstGeom>
-            <a:solidFill>
-              <a:srgbClr val="2F3342"/>
-            </a:solidFill>
-            <a:ln>
-              <a:solidFill>
-                <a:srgbClr val="2F3342"/>
-              </a:solidFill>
-            </a:ln>
-          </p:spPr>
-          <p:style>
-            <a:lnRef idx="2">
-              <a:schemeClr val="accent1">
-                <a:shade val="50000"/>
-              </a:schemeClr>
-            </a:lnRef>
-            <a:fillRef idx="1">
-              <a:schemeClr val="accent1"/>
-            </a:fillRef>
-            <a:effectRef idx="0">
-              <a:schemeClr val="accent1"/>
-            </a:effectRef>
-            <a:fontRef idx="minor">
-              <a:schemeClr val="lt1"/>
-            </a:fontRef>
-          </p:style>
-          <p:txBody>
-            <a:bodyPr rtlCol="0" anchor="ctr"/>
-            <a:lstStyle/>
-            <a:p>
-              <a:pPr algn="ctr"/>
-              <a:endParaRPr lang="en-US"/>
-            </a:p>
-          </p:txBody>
-        </p:sp>
-      </p:grpSp>
-      <p:grpSp>
-        <p:nvGrpSpPr>
-          <p:cNvPr id="21" name="Group 20">
-            <a:extLst>
-              <a:ext uri="{FF2B5EF4-FFF2-40B4-BE49-F238E27FC236}">
-                <a16:creationId xmlns:a16="http://schemas.microsoft.com/office/drawing/2014/main" id="{153F4246-CEED-4D1E-87E9-AF831143E541}"/>
-              </a:ext>
-            </a:extLst>
-          </p:cNvPr>
-          <p:cNvGrpSpPr/>
-          <p:nvPr/>
-        </p:nvGrpSpPr>
-        <p:grpSpPr>
-          <a:xfrm>
-            <a:off x="1273596" y="1947135"/>
-            <a:ext cx="788220" cy="748307"/>
-            <a:chOff x="1647030" y="3062208"/>
-            <a:chExt cx="788220" cy="748307"/>
-          </a:xfrm>
-        </p:grpSpPr>
-        <p:cxnSp>
-          <p:nvCxnSpPr>
-            <p:cNvPr id="22" name="Straight Connector 21">
-              <a:extLst>
-                <a:ext uri="{FF2B5EF4-FFF2-40B4-BE49-F238E27FC236}">
-                  <a16:creationId xmlns:a16="http://schemas.microsoft.com/office/drawing/2014/main" id="{802F08CF-D4D1-4A39-96BE-CB97F61D162B}"/>
-                </a:ext>
-              </a:extLst>
-            </p:cNvPr>
-            <p:cNvCxnSpPr>
-              <a:cxnSpLocks/>
-              <a:stCxn id="10" idx="0"/>
-            </p:cNvCxnSpPr>
-            <p:nvPr/>
-          </p:nvCxnSpPr>
-          <p:spPr>
-            <a:xfrm flipH="1" flipV="1">
-              <a:off x="2120691" y="3062208"/>
-              <a:ext cx="314559" cy="748307"/>
-            </a:xfrm>
-            <a:prstGeom prst="line">
-              <a:avLst/>
-            </a:prstGeom>
-            <a:ln>
-              <a:solidFill>
-                <a:srgbClr val="EF3078"/>
-              </a:solidFill>
-            </a:ln>
-          </p:spPr>
-          <p:style>
-            <a:lnRef idx="1">
-              <a:schemeClr val="accent1"/>
-            </a:lnRef>
-            <a:fillRef idx="0">
-              <a:schemeClr val="accent1"/>
-            </a:fillRef>
-            <a:effectRef idx="0">
-              <a:schemeClr val="accent1"/>
-            </a:effectRef>
-            <a:fontRef idx="minor">
-              <a:schemeClr val="tx1"/>
-            </a:fontRef>
-          </p:style>
-        </p:cxnSp>
-        <p:cxnSp>
-          <p:nvCxnSpPr>
-            <p:cNvPr id="23" name="Straight Connector 22">
-              <a:extLst>
-                <a:ext uri="{FF2B5EF4-FFF2-40B4-BE49-F238E27FC236}">
-                  <a16:creationId xmlns:a16="http://schemas.microsoft.com/office/drawing/2014/main" id="{35920BBA-8F71-4702-91A3-44392F84AAE5}"/>
-                </a:ext>
-              </a:extLst>
-            </p:cNvPr>
-            <p:cNvCxnSpPr>
-              <a:cxnSpLocks/>
-            </p:cNvCxnSpPr>
-            <p:nvPr/>
-          </p:nvCxnSpPr>
-          <p:spPr>
-            <a:xfrm flipH="1">
-              <a:off x="1647030" y="3062208"/>
-              <a:ext cx="471956" cy="0"/>
-            </a:xfrm>
-            <a:prstGeom prst="line">
-              <a:avLst/>
-            </a:prstGeom>
-            <a:ln>
-              <a:solidFill>
-                <a:srgbClr val="EF3078"/>
-              </a:solidFill>
-            </a:ln>
-          </p:spPr>
-          <p:style>
-            <a:lnRef idx="1">
-              <a:schemeClr val="accent1"/>
-            </a:lnRef>
-            <a:fillRef idx="0">
-              <a:schemeClr val="accent1"/>
-            </a:fillRef>
-            <a:effectRef idx="0">
-              <a:schemeClr val="accent1"/>
-            </a:effectRef>
-            <a:fontRef idx="minor">
-              <a:schemeClr val="tx1"/>
-            </a:fontRef>
-          </p:style>
-        </p:cxnSp>
-      </p:grpSp>
-      <p:grpSp>
-        <p:nvGrpSpPr>
-          <p:cNvPr id="39" name="Group 38">
-            <a:extLst>
-              <a:ext uri="{FF2B5EF4-FFF2-40B4-BE49-F238E27FC236}">
-                <a16:creationId xmlns:a16="http://schemas.microsoft.com/office/drawing/2014/main" id="{7D06F0A7-DAC2-4C40-B732-014C20C2F6D5}"/>
-              </a:ext>
-            </a:extLst>
-          </p:cNvPr>
-          <p:cNvGrpSpPr/>
-          <p:nvPr/>
-        </p:nvGrpSpPr>
-        <p:grpSpPr>
-          <a:xfrm>
-            <a:off x="-41304" y="1330705"/>
-            <a:ext cx="1387320" cy="1150014"/>
-            <a:chOff x="345412" y="2411599"/>
-            <a:chExt cx="1387320" cy="1150014"/>
-          </a:xfrm>
-        </p:grpSpPr>
-        <p:sp>
-          <p:nvSpPr>
-            <p:cNvPr id="40" name="TextBox 39">
-              <a:extLst>
-                <a:ext uri="{FF2B5EF4-FFF2-40B4-BE49-F238E27FC236}">
-                  <a16:creationId xmlns:a16="http://schemas.microsoft.com/office/drawing/2014/main" id="{FECAEFF9-14F9-420B-B81B-1A2D424B5A63}"/>
-                </a:ext>
-              </a:extLst>
-            </p:cNvPr>
-            <p:cNvSpPr txBox="1"/>
-            <p:nvPr/>
-          </p:nvSpPr>
-          <p:spPr>
-            <a:xfrm>
-              <a:off x="1007919" y="2411599"/>
-              <a:ext cx="724812" cy="830997"/>
-            </a:xfrm>
-            <a:prstGeom prst="rect">
-              <a:avLst/>
-            </a:prstGeom>
-            <a:noFill/>
-          </p:spPr>
-          <p:txBody>
-            <a:bodyPr wrap="square" rtlCol="0">
-              <a:spAutoFit/>
-            </a:bodyPr>
-            <a:lstStyle/>
-            <a:p>
-              <a:pPr algn="r"/>
-              <a:r>
-                <a:rPr lang="en-US" sz="2400" dirty="0">
-                  <a:solidFill>
-                    <a:srgbClr val="EF3078"/>
-                  </a:solidFill>
-                  <a:latin typeface="Tw Cen MT" panose="020B0602020104020603" pitchFamily="34" charset="0"/>
-                </a:rPr>
-                <a:t>01</a:t>
-              </a:r>
-            </a:p>
-          </p:txBody>
-        </p:sp>
-        <p:sp>
-          <p:nvSpPr>
-            <p:cNvPr id="41" name="TextBox 40">
-              <a:extLst>
-                <a:ext uri="{FF2B5EF4-FFF2-40B4-BE49-F238E27FC236}">
-                  <a16:creationId xmlns:a16="http://schemas.microsoft.com/office/drawing/2014/main" id="{2E7256DD-6317-492A-853D-B93DE998E24A}"/>
-                </a:ext>
-              </a:extLst>
-            </p:cNvPr>
-            <p:cNvSpPr txBox="1"/>
-            <p:nvPr/>
-          </p:nvSpPr>
-          <p:spPr>
-            <a:xfrm>
-              <a:off x="345412" y="2730616"/>
-              <a:ext cx="1387320" cy="830997"/>
-            </a:xfrm>
-            <a:prstGeom prst="rect">
-              <a:avLst/>
-            </a:prstGeom>
-            <a:noFill/>
-          </p:spPr>
-          <p:txBody>
-            <a:bodyPr wrap="square" rtlCol="0">
-              <a:spAutoFit/>
-            </a:bodyPr>
-            <a:lstStyle/>
-            <a:p>
-              <a:pPr algn="r"/>
-              <a:r>
-                <a:rPr lang="en-US" sz="2400" dirty="0" smtClean="0">
-                  <a:solidFill>
-                    <a:srgbClr val="EF3078"/>
-                  </a:solidFill>
-                  <a:latin typeface="Arial" panose="020B0604020202020204" pitchFamily="34" charset="0"/>
-                  <a:cs typeface="Arial" panose="020B0604020202020204" pitchFamily="34" charset="0"/>
-                </a:rPr>
-                <a:t>Cài đặt App</a:t>
-              </a:r>
-            </a:p>
-          </p:txBody>
-        </p:sp>
-      </p:grpSp>
-      <p:grpSp>
-        <p:nvGrpSpPr>
-          <p:cNvPr id="27" name="Group 26">
-            <a:extLst>
-              <a:ext uri="{FF2B5EF4-FFF2-40B4-BE49-F238E27FC236}">
-                <a16:creationId xmlns:a16="http://schemas.microsoft.com/office/drawing/2014/main" id="{7137FDAE-CE25-40E9-AFD7-49BA1463E3D5}"/>
-              </a:ext>
-            </a:extLst>
-          </p:cNvPr>
-          <p:cNvGrpSpPr/>
-          <p:nvPr/>
-        </p:nvGrpSpPr>
-        <p:grpSpPr>
-          <a:xfrm flipV="1">
-            <a:off x="2366108" y="5300900"/>
-            <a:ext cx="988771" cy="707135"/>
-            <a:chOff x="1666080" y="3059827"/>
-            <a:chExt cx="988771" cy="707135"/>
-          </a:xfrm>
-        </p:grpSpPr>
-        <p:cxnSp>
-          <p:nvCxnSpPr>
-            <p:cNvPr id="28" name="Straight Connector 27">
-              <a:extLst>
-                <a:ext uri="{FF2B5EF4-FFF2-40B4-BE49-F238E27FC236}">
-                  <a16:creationId xmlns:a16="http://schemas.microsoft.com/office/drawing/2014/main" id="{C83C8BAA-87B2-4130-A6CA-1525D506B1D2}"/>
-                </a:ext>
-              </a:extLst>
-            </p:cNvPr>
-            <p:cNvCxnSpPr>
-              <a:cxnSpLocks/>
-            </p:cNvCxnSpPr>
-            <p:nvPr/>
-          </p:nvCxnSpPr>
-          <p:spPr>
-            <a:xfrm flipH="1" flipV="1">
-              <a:off x="2135655" y="3059827"/>
-              <a:ext cx="519196" cy="707135"/>
-            </a:xfrm>
-            <a:prstGeom prst="line">
-              <a:avLst/>
-            </a:prstGeom>
-            <a:ln>
-              <a:solidFill>
-                <a:srgbClr val="EE9524"/>
-              </a:solidFill>
-            </a:ln>
-          </p:spPr>
-          <p:style>
-            <a:lnRef idx="1">
-              <a:schemeClr val="accent1"/>
-            </a:lnRef>
-            <a:fillRef idx="0">
-              <a:schemeClr val="accent1"/>
-            </a:fillRef>
-            <a:effectRef idx="0">
-              <a:schemeClr val="accent1"/>
-            </a:effectRef>
-            <a:fontRef idx="minor">
-              <a:schemeClr val="tx1"/>
-            </a:fontRef>
-          </p:style>
-        </p:cxnSp>
-        <p:cxnSp>
-          <p:nvCxnSpPr>
-            <p:cNvPr id="29" name="Straight Connector 28">
-              <a:extLst>
-                <a:ext uri="{FF2B5EF4-FFF2-40B4-BE49-F238E27FC236}">
-                  <a16:creationId xmlns:a16="http://schemas.microsoft.com/office/drawing/2014/main" id="{018D836A-5994-457C-AD4E-4304A9FBB1F8}"/>
-                </a:ext>
-              </a:extLst>
-            </p:cNvPr>
-            <p:cNvCxnSpPr>
-              <a:cxnSpLocks/>
-            </p:cNvCxnSpPr>
-            <p:nvPr/>
-          </p:nvCxnSpPr>
-          <p:spPr>
-            <a:xfrm flipH="1">
-              <a:off x="1666080" y="3062208"/>
-              <a:ext cx="471956" cy="0"/>
-            </a:xfrm>
-            <a:prstGeom prst="line">
-              <a:avLst/>
-            </a:prstGeom>
-            <a:ln>
-              <a:solidFill>
-                <a:srgbClr val="EE9524"/>
-              </a:solidFill>
-            </a:ln>
-          </p:spPr>
-          <p:style>
-            <a:lnRef idx="1">
-              <a:schemeClr val="accent1"/>
-            </a:lnRef>
-            <a:fillRef idx="0">
-              <a:schemeClr val="accent1"/>
-            </a:fillRef>
-            <a:effectRef idx="0">
-              <a:schemeClr val="accent1"/>
-            </a:effectRef>
-            <a:fontRef idx="minor">
-              <a:schemeClr val="tx1"/>
-            </a:fontRef>
-          </p:style>
-        </p:cxnSp>
-      </p:grpSp>
-      <p:grpSp>
-        <p:nvGrpSpPr>
-          <p:cNvPr id="43" name="Group 42">
-            <a:extLst>
-              <a:ext uri="{FF2B5EF4-FFF2-40B4-BE49-F238E27FC236}">
-                <a16:creationId xmlns:a16="http://schemas.microsoft.com/office/drawing/2014/main" id="{12804901-3BC3-4B63-B57A-680C61064136}"/>
-              </a:ext>
-            </a:extLst>
-          </p:cNvPr>
-          <p:cNvGrpSpPr/>
-          <p:nvPr/>
-        </p:nvGrpSpPr>
-        <p:grpSpPr>
-          <a:xfrm>
-            <a:off x="978788" y="5500851"/>
-            <a:ext cx="1387320" cy="1150014"/>
-            <a:chOff x="1441079" y="5072730"/>
-            <a:chExt cx="1387320" cy="1150014"/>
-          </a:xfrm>
-        </p:grpSpPr>
-        <p:sp>
-          <p:nvSpPr>
-            <p:cNvPr id="44" name="TextBox 43">
-              <a:extLst>
-                <a:ext uri="{FF2B5EF4-FFF2-40B4-BE49-F238E27FC236}">
-                  <a16:creationId xmlns:a16="http://schemas.microsoft.com/office/drawing/2014/main" id="{3D4F678F-40B7-4440-9805-D7FF30FB7FC8}"/>
-                </a:ext>
-              </a:extLst>
-            </p:cNvPr>
-            <p:cNvSpPr txBox="1"/>
-            <p:nvPr/>
-          </p:nvSpPr>
-          <p:spPr>
-            <a:xfrm>
-              <a:off x="2103586" y="5072730"/>
-              <a:ext cx="724812" cy="461665"/>
-            </a:xfrm>
-            <a:prstGeom prst="rect">
-              <a:avLst/>
-            </a:prstGeom>
-            <a:noFill/>
-          </p:spPr>
-          <p:txBody>
-            <a:bodyPr wrap="square" rtlCol="0">
-              <a:spAutoFit/>
-            </a:bodyPr>
-            <a:lstStyle/>
-            <a:p>
-              <a:pPr algn="r"/>
-              <a:r>
-                <a:rPr lang="en-US" sz="2400" dirty="0">
-                  <a:solidFill>
-                    <a:srgbClr val="EE9524"/>
-                  </a:solidFill>
-                  <a:latin typeface="Tw Cen MT" panose="020B0602020104020603" pitchFamily="34" charset="0"/>
-                </a:rPr>
-                <a:t>02</a:t>
-              </a:r>
-            </a:p>
-          </p:txBody>
-        </p:sp>
-        <p:sp>
-          <p:nvSpPr>
-            <p:cNvPr id="45" name="TextBox 44">
-              <a:extLst>
-                <a:ext uri="{FF2B5EF4-FFF2-40B4-BE49-F238E27FC236}">
-                  <a16:creationId xmlns:a16="http://schemas.microsoft.com/office/drawing/2014/main" id="{E3B5B3C4-08D7-4F80-905A-16D436C0F2EA}"/>
-                </a:ext>
-              </a:extLst>
-            </p:cNvPr>
-            <p:cNvSpPr txBox="1"/>
-            <p:nvPr/>
-          </p:nvSpPr>
-          <p:spPr>
-            <a:xfrm>
-              <a:off x="1441079" y="5391747"/>
-              <a:ext cx="1387320" cy="830997"/>
-            </a:xfrm>
-            <a:prstGeom prst="rect">
-              <a:avLst/>
-            </a:prstGeom>
-            <a:noFill/>
-          </p:spPr>
-          <p:txBody>
-            <a:bodyPr wrap="square" rtlCol="0">
-              <a:spAutoFit/>
-            </a:bodyPr>
-            <a:lstStyle/>
-            <a:p>
-              <a:pPr algn="r"/>
-              <a:r>
-                <a:rPr lang="en-US" sz="2400" dirty="0" smtClean="0">
-                  <a:solidFill>
-                    <a:srgbClr val="EE9524"/>
-                  </a:solidFill>
-                  <a:latin typeface="Arial" panose="020B0604020202020204" pitchFamily="34" charset="0"/>
-                  <a:cs typeface="Arial" panose="020B0604020202020204" pitchFamily="34" charset="0"/>
-                </a:rPr>
-                <a:t>Kết nối cáp</a:t>
-              </a:r>
-              <a:endParaRPr lang="en-US" sz="2400" dirty="0">
-                <a:solidFill>
-                  <a:srgbClr val="EE9524"/>
-                </a:solidFill>
-                <a:latin typeface="Arial" panose="020B0604020202020204" pitchFamily="34" charset="0"/>
-                <a:cs typeface="Arial" panose="020B0604020202020204" pitchFamily="34" charset="0"/>
-              </a:endParaRPr>
-            </a:p>
-          </p:txBody>
-        </p:sp>
-      </p:grpSp>
-      <p:grpSp>
-        <p:nvGrpSpPr>
-          <p:cNvPr id="24" name="Group 23">
-            <a:extLst>
-              <a:ext uri="{FF2B5EF4-FFF2-40B4-BE49-F238E27FC236}">
-                <a16:creationId xmlns:a16="http://schemas.microsoft.com/office/drawing/2014/main" id="{B3BFFE84-C695-4D53-9EB1-6E3F023237F6}"/>
-              </a:ext>
-            </a:extLst>
-          </p:cNvPr>
-          <p:cNvGrpSpPr/>
-          <p:nvPr/>
-        </p:nvGrpSpPr>
-        <p:grpSpPr>
-          <a:xfrm>
-            <a:off x="4432701" y="2054542"/>
-            <a:ext cx="988771" cy="707135"/>
-            <a:chOff x="4432701" y="2054542"/>
-            <a:chExt cx="988771" cy="707135"/>
-          </a:xfrm>
-        </p:grpSpPr>
-        <p:cxnSp>
-          <p:nvCxnSpPr>
-            <p:cNvPr id="25" name="Straight Connector 24">
-              <a:extLst>
-                <a:ext uri="{FF2B5EF4-FFF2-40B4-BE49-F238E27FC236}">
-                  <a16:creationId xmlns:a16="http://schemas.microsoft.com/office/drawing/2014/main" id="{CDB6677B-8513-496A-A326-EDBAA2BA9403}"/>
-                </a:ext>
-              </a:extLst>
-            </p:cNvPr>
-            <p:cNvCxnSpPr>
-              <a:cxnSpLocks/>
-            </p:cNvCxnSpPr>
-            <p:nvPr/>
-          </p:nvCxnSpPr>
-          <p:spPr>
-            <a:xfrm flipH="1" flipV="1">
-              <a:off x="4902276" y="2054542"/>
-              <a:ext cx="519196" cy="707135"/>
-            </a:xfrm>
-            <a:prstGeom prst="line">
-              <a:avLst/>
-            </a:prstGeom>
-            <a:ln>
-              <a:solidFill>
-                <a:srgbClr val="03A1A4"/>
-              </a:solidFill>
-            </a:ln>
-          </p:spPr>
-          <p:style>
-            <a:lnRef idx="1">
-              <a:schemeClr val="accent1"/>
-            </a:lnRef>
-            <a:fillRef idx="0">
-              <a:schemeClr val="accent1"/>
-            </a:fillRef>
-            <a:effectRef idx="0">
-              <a:schemeClr val="accent1"/>
-            </a:effectRef>
-            <a:fontRef idx="minor">
-              <a:schemeClr val="tx1"/>
-            </a:fontRef>
-          </p:style>
-        </p:cxnSp>
-        <p:cxnSp>
-          <p:nvCxnSpPr>
-            <p:cNvPr id="26" name="Straight Connector 25">
-              <a:extLst>
-                <a:ext uri="{FF2B5EF4-FFF2-40B4-BE49-F238E27FC236}">
-                  <a16:creationId xmlns:a16="http://schemas.microsoft.com/office/drawing/2014/main" id="{3003D7FC-94DB-4EDC-95C4-65A5F513BF89}"/>
-                </a:ext>
-              </a:extLst>
-            </p:cNvPr>
-            <p:cNvCxnSpPr>
-              <a:cxnSpLocks/>
-            </p:cNvCxnSpPr>
-            <p:nvPr/>
-          </p:nvCxnSpPr>
-          <p:spPr>
-            <a:xfrm flipH="1">
-              <a:off x="4432701" y="2056923"/>
-              <a:ext cx="471956" cy="0"/>
-            </a:xfrm>
-            <a:prstGeom prst="line">
-              <a:avLst/>
-            </a:prstGeom>
-            <a:ln>
-              <a:solidFill>
-                <a:srgbClr val="03A1A4"/>
-              </a:solidFill>
-            </a:ln>
-          </p:spPr>
-          <p:style>
-            <a:lnRef idx="1">
-              <a:schemeClr val="accent1"/>
-            </a:lnRef>
-            <a:fillRef idx="0">
-              <a:schemeClr val="accent1"/>
-            </a:fillRef>
-            <a:effectRef idx="0">
-              <a:schemeClr val="accent1"/>
-            </a:effectRef>
-            <a:fontRef idx="minor">
-              <a:schemeClr val="tx1"/>
-            </a:fontRef>
-          </p:style>
-        </p:cxnSp>
-      </p:grpSp>
-      <p:grpSp>
-        <p:nvGrpSpPr>
-          <p:cNvPr id="47" name="Group 46">
-            <a:extLst>
-              <a:ext uri="{FF2B5EF4-FFF2-40B4-BE49-F238E27FC236}">
-                <a16:creationId xmlns:a16="http://schemas.microsoft.com/office/drawing/2014/main" id="{D9DD4B7F-8A71-49A3-BC05-44E26D841E62}"/>
-              </a:ext>
-            </a:extLst>
-          </p:cNvPr>
-          <p:cNvGrpSpPr/>
-          <p:nvPr/>
-        </p:nvGrpSpPr>
-        <p:grpSpPr>
-          <a:xfrm>
-            <a:off x="3034150" y="1252987"/>
-            <a:ext cx="1387320" cy="1519346"/>
-            <a:chOff x="3045381" y="1552263"/>
-            <a:chExt cx="1387320" cy="1519346"/>
-          </a:xfrm>
-        </p:grpSpPr>
-        <p:sp>
-          <p:nvSpPr>
-            <p:cNvPr id="48" name="TextBox 47">
-              <a:extLst>
-                <a:ext uri="{FF2B5EF4-FFF2-40B4-BE49-F238E27FC236}">
-                  <a16:creationId xmlns:a16="http://schemas.microsoft.com/office/drawing/2014/main" id="{C2359718-1C0E-45C6-99D0-A3CB1814E621}"/>
-                </a:ext>
-              </a:extLst>
-            </p:cNvPr>
-            <p:cNvSpPr txBox="1"/>
-            <p:nvPr/>
-          </p:nvSpPr>
-          <p:spPr>
-            <a:xfrm>
-              <a:off x="3707888" y="1552263"/>
-              <a:ext cx="724812" cy="461665"/>
-            </a:xfrm>
-            <a:prstGeom prst="rect">
-              <a:avLst/>
-            </a:prstGeom>
-            <a:noFill/>
-          </p:spPr>
-          <p:txBody>
-            <a:bodyPr wrap="square" rtlCol="0">
-              <a:spAutoFit/>
-            </a:bodyPr>
-            <a:lstStyle/>
-            <a:p>
-              <a:pPr algn="r"/>
-              <a:r>
-                <a:rPr lang="en-US" sz="2400" dirty="0">
-                  <a:solidFill>
-                    <a:srgbClr val="03A1A4"/>
-                  </a:solidFill>
-                  <a:latin typeface="Tw Cen MT" panose="020B0602020104020603" pitchFamily="34" charset="0"/>
-                </a:rPr>
-                <a:t>03</a:t>
-              </a:r>
-            </a:p>
-          </p:txBody>
-        </p:sp>
-        <p:sp>
-          <p:nvSpPr>
-            <p:cNvPr id="49" name="TextBox 48">
-              <a:extLst>
-                <a:ext uri="{FF2B5EF4-FFF2-40B4-BE49-F238E27FC236}">
-                  <a16:creationId xmlns:a16="http://schemas.microsoft.com/office/drawing/2014/main" id="{83347D2D-8F9E-424F-8379-EE81B97BB648}"/>
-                </a:ext>
-              </a:extLst>
-            </p:cNvPr>
-            <p:cNvSpPr txBox="1"/>
-            <p:nvPr/>
-          </p:nvSpPr>
-          <p:spPr>
-            <a:xfrm>
-              <a:off x="3045381" y="1871280"/>
-              <a:ext cx="1387320" cy="1200329"/>
-            </a:xfrm>
-            <a:prstGeom prst="rect">
-              <a:avLst/>
-            </a:prstGeom>
-            <a:noFill/>
-          </p:spPr>
-          <p:txBody>
-            <a:bodyPr wrap="square" rtlCol="0">
-              <a:spAutoFit/>
-            </a:bodyPr>
-            <a:lstStyle/>
-            <a:p>
-              <a:pPr algn="r"/>
-              <a:r>
-                <a:rPr lang="en-US" sz="2400" dirty="0" smtClean="0">
-                  <a:solidFill>
-                    <a:srgbClr val="03A1A4"/>
-                  </a:solidFill>
-                  <a:latin typeface="Arial" panose="020B0604020202020204" pitchFamily="34" charset="0"/>
-                  <a:cs typeface="Arial" panose="020B0604020202020204" pitchFamily="34" charset="0"/>
-                </a:rPr>
-                <a:t>Xin Quyền Admin</a:t>
-              </a:r>
-              <a:endParaRPr lang="en-US" sz="2400" dirty="0">
-                <a:solidFill>
-                  <a:srgbClr val="03A1A4"/>
-                </a:solidFill>
-                <a:latin typeface="Arial" panose="020B0604020202020204" pitchFamily="34" charset="0"/>
-                <a:cs typeface="Arial" panose="020B0604020202020204" pitchFamily="34" charset="0"/>
-              </a:endParaRPr>
-            </a:p>
-          </p:txBody>
-        </p:sp>
-      </p:grpSp>
-      <p:grpSp>
-        <p:nvGrpSpPr>
-          <p:cNvPr id="33" name="Group 32">
-            <a:extLst>
-              <a:ext uri="{FF2B5EF4-FFF2-40B4-BE49-F238E27FC236}">
-                <a16:creationId xmlns:a16="http://schemas.microsoft.com/office/drawing/2014/main" id="{C6E9A218-B141-4BD3-841A-BAB462C9175B}"/>
-              </a:ext>
-            </a:extLst>
-          </p:cNvPr>
-          <p:cNvGrpSpPr/>
-          <p:nvPr/>
-        </p:nvGrpSpPr>
-        <p:grpSpPr>
-          <a:xfrm flipH="1" flipV="1">
-            <a:off x="10110804" y="4528820"/>
-            <a:ext cx="958309" cy="587878"/>
-            <a:chOff x="321373" y="4685400"/>
-            <a:chExt cx="958309" cy="587878"/>
-          </a:xfrm>
-        </p:grpSpPr>
-        <p:cxnSp>
-          <p:nvCxnSpPr>
-            <p:cNvPr id="34" name="Straight Connector 33">
-              <a:extLst>
-                <a:ext uri="{FF2B5EF4-FFF2-40B4-BE49-F238E27FC236}">
-                  <a16:creationId xmlns:a16="http://schemas.microsoft.com/office/drawing/2014/main" id="{F7309261-EAF4-4065-B34C-74D63998B1F8}"/>
-                </a:ext>
-              </a:extLst>
-            </p:cNvPr>
-            <p:cNvCxnSpPr>
-              <a:cxnSpLocks/>
-              <a:stCxn id="14" idx="4"/>
-            </p:cNvCxnSpPr>
-            <p:nvPr/>
-          </p:nvCxnSpPr>
-          <p:spPr>
-            <a:xfrm flipH="1" flipV="1">
-              <a:off x="866725" y="4685400"/>
-              <a:ext cx="412957" cy="587878"/>
-            </a:xfrm>
-            <a:prstGeom prst="line">
-              <a:avLst/>
-            </a:prstGeom>
-            <a:ln>
-              <a:solidFill>
-                <a:srgbClr val="3F3F3F"/>
-              </a:solidFill>
-            </a:ln>
-          </p:spPr>
-          <p:style>
-            <a:lnRef idx="1">
-              <a:schemeClr val="accent1"/>
-            </a:lnRef>
-            <a:fillRef idx="0">
-              <a:schemeClr val="accent1"/>
-            </a:fillRef>
-            <a:effectRef idx="0">
-              <a:schemeClr val="accent1"/>
-            </a:effectRef>
-            <a:fontRef idx="minor">
-              <a:schemeClr val="tx1"/>
-            </a:fontRef>
-          </p:style>
-        </p:cxnSp>
-        <p:cxnSp>
-          <p:nvCxnSpPr>
-            <p:cNvPr id="35" name="Straight Connector 34">
-              <a:extLst>
-                <a:ext uri="{FF2B5EF4-FFF2-40B4-BE49-F238E27FC236}">
-                  <a16:creationId xmlns:a16="http://schemas.microsoft.com/office/drawing/2014/main" id="{6F2BC3B5-DB71-4C84-AF89-168445886399}"/>
-                </a:ext>
-              </a:extLst>
-            </p:cNvPr>
-            <p:cNvCxnSpPr>
-              <a:cxnSpLocks/>
-            </p:cNvCxnSpPr>
-            <p:nvPr/>
-          </p:nvCxnSpPr>
-          <p:spPr>
-            <a:xfrm flipH="1">
-              <a:off x="321373" y="4685400"/>
-              <a:ext cx="545352" cy="12789"/>
-            </a:xfrm>
-            <a:prstGeom prst="line">
-              <a:avLst/>
-            </a:prstGeom>
-            <a:ln>
-              <a:solidFill>
-                <a:srgbClr val="3F3F3F"/>
-              </a:solidFill>
-            </a:ln>
-          </p:spPr>
-          <p:style>
-            <a:lnRef idx="1">
-              <a:schemeClr val="accent1"/>
-            </a:lnRef>
-            <a:fillRef idx="0">
-              <a:schemeClr val="accent1"/>
-            </a:fillRef>
-            <a:effectRef idx="0">
-              <a:schemeClr val="accent1"/>
-            </a:effectRef>
-            <a:fontRef idx="minor">
-              <a:schemeClr val="tx1"/>
-            </a:fontRef>
-          </p:style>
-        </p:cxnSp>
-      </p:grpSp>
-      <p:grpSp>
-        <p:nvGrpSpPr>
-          <p:cNvPr id="55" name="Group 54">
-            <a:extLst>
-              <a:ext uri="{FF2B5EF4-FFF2-40B4-BE49-F238E27FC236}">
-                <a16:creationId xmlns:a16="http://schemas.microsoft.com/office/drawing/2014/main" id="{948E0E04-F6AD-4204-A734-B8A0EC1E885D}"/>
-              </a:ext>
-            </a:extLst>
-          </p:cNvPr>
-          <p:cNvGrpSpPr/>
-          <p:nvPr/>
-        </p:nvGrpSpPr>
-        <p:grpSpPr>
-          <a:xfrm>
-            <a:off x="11132203" y="4617139"/>
-            <a:ext cx="1393271" cy="1150767"/>
-            <a:chOff x="9999052" y="4076531"/>
-            <a:chExt cx="1393271" cy="1150767"/>
-          </a:xfrm>
-        </p:grpSpPr>
-        <p:sp>
-          <p:nvSpPr>
-            <p:cNvPr id="56" name="TextBox 55">
-              <a:extLst>
-                <a:ext uri="{FF2B5EF4-FFF2-40B4-BE49-F238E27FC236}">
-                  <a16:creationId xmlns:a16="http://schemas.microsoft.com/office/drawing/2014/main" id="{4DD90853-2F30-480A-A4BC-AF61CA243D4E}"/>
-                </a:ext>
-              </a:extLst>
-            </p:cNvPr>
-            <p:cNvSpPr txBox="1"/>
-            <p:nvPr/>
-          </p:nvSpPr>
-          <p:spPr>
-            <a:xfrm>
-              <a:off x="9999052" y="4076531"/>
-              <a:ext cx="724812" cy="461665"/>
-            </a:xfrm>
-            <a:prstGeom prst="rect">
-              <a:avLst/>
-            </a:prstGeom>
-            <a:noFill/>
-          </p:spPr>
-          <p:txBody>
-            <a:bodyPr wrap="square" rtlCol="0">
-              <a:spAutoFit/>
-            </a:bodyPr>
-            <a:lstStyle/>
-            <a:p>
-              <a:r>
-                <a:rPr lang="en-US" sz="2400" dirty="0">
-                  <a:solidFill>
-                    <a:srgbClr val="3F3F3F"/>
-                  </a:solidFill>
-                  <a:latin typeface="Tw Cen MT" panose="020B0602020104020603" pitchFamily="34" charset="0"/>
-                </a:rPr>
-                <a:t>05</a:t>
-              </a:r>
-            </a:p>
-          </p:txBody>
-        </p:sp>
-        <p:sp>
-          <p:nvSpPr>
-            <p:cNvPr id="57" name="TextBox 56">
-              <a:extLst>
-                <a:ext uri="{FF2B5EF4-FFF2-40B4-BE49-F238E27FC236}">
-                  <a16:creationId xmlns:a16="http://schemas.microsoft.com/office/drawing/2014/main" id="{13DF5F7D-8517-4858-B26A-117AEF6AD00D}"/>
-                </a:ext>
-              </a:extLst>
-            </p:cNvPr>
-            <p:cNvSpPr txBox="1"/>
-            <p:nvPr/>
-          </p:nvSpPr>
-          <p:spPr>
-            <a:xfrm>
-              <a:off x="10005003" y="4396301"/>
-              <a:ext cx="1387320" cy="830997"/>
-            </a:xfrm>
-            <a:prstGeom prst="rect">
-              <a:avLst/>
-            </a:prstGeom>
-            <a:noFill/>
-          </p:spPr>
-          <p:txBody>
-            <a:bodyPr wrap="square" rtlCol="0">
-              <a:spAutoFit/>
-            </a:bodyPr>
-            <a:lstStyle/>
-            <a:p>
-              <a:r>
-                <a:rPr lang="en-US" sz="2400" dirty="0" smtClean="0">
-                  <a:solidFill>
-                    <a:srgbClr val="3F3F3F"/>
-                  </a:solidFill>
-                  <a:latin typeface="Arial" panose="020B0604020202020204" pitchFamily="34" charset="0"/>
-                  <a:cs typeface="Arial" panose="020B0604020202020204" pitchFamily="34" charset="0"/>
-                </a:rPr>
-                <a:t>Phát video</a:t>
-              </a:r>
-              <a:endParaRPr lang="en-US" sz="2400" dirty="0">
-                <a:solidFill>
-                  <a:srgbClr val="3F3F3F"/>
-                </a:solidFill>
-                <a:latin typeface="Arial" panose="020B0604020202020204" pitchFamily="34" charset="0"/>
-                <a:cs typeface="Arial" panose="020B0604020202020204" pitchFamily="34" charset="0"/>
-              </a:endParaRPr>
-            </a:p>
-          </p:txBody>
-        </p:sp>
-      </p:grpSp>
-      <p:grpSp>
-        <p:nvGrpSpPr>
-          <p:cNvPr id="36" name="Group 35">
-            <a:extLst>
-              <a:ext uri="{FF2B5EF4-FFF2-40B4-BE49-F238E27FC236}">
-                <a16:creationId xmlns:a16="http://schemas.microsoft.com/office/drawing/2014/main" id="{B1ACE9A5-0AAC-4005-87FD-533CB273E3AF}"/>
-              </a:ext>
-            </a:extLst>
-          </p:cNvPr>
-          <p:cNvGrpSpPr/>
-          <p:nvPr/>
-        </p:nvGrpSpPr>
-        <p:grpSpPr>
-          <a:xfrm flipH="1">
-            <a:off x="7946714" y="2035391"/>
-            <a:ext cx="803471" cy="1854469"/>
-            <a:chOff x="1642109" y="2771960"/>
-            <a:chExt cx="430045" cy="992570"/>
-          </a:xfrm>
-        </p:grpSpPr>
-        <p:cxnSp>
-          <p:nvCxnSpPr>
-            <p:cNvPr id="37" name="Straight Connector 36">
-              <a:extLst>
-                <a:ext uri="{FF2B5EF4-FFF2-40B4-BE49-F238E27FC236}">
-                  <a16:creationId xmlns:a16="http://schemas.microsoft.com/office/drawing/2014/main" id="{BEBF1710-C0A2-443D-9E66-877BD8FA726A}"/>
-                </a:ext>
-              </a:extLst>
-            </p:cNvPr>
-            <p:cNvCxnSpPr>
-              <a:cxnSpLocks/>
-              <a:stCxn id="13" idx="0"/>
-            </p:cNvCxnSpPr>
-            <p:nvPr/>
-          </p:nvCxnSpPr>
-          <p:spPr>
-            <a:xfrm flipH="1" flipV="1">
-              <a:off x="1909334" y="2771960"/>
-              <a:ext cx="162820" cy="992570"/>
-            </a:xfrm>
-            <a:prstGeom prst="line">
-              <a:avLst/>
-            </a:prstGeom>
-            <a:ln>
-              <a:solidFill>
-                <a:srgbClr val="385723"/>
-              </a:solidFill>
-            </a:ln>
-          </p:spPr>
-          <p:style>
-            <a:lnRef idx="1">
-              <a:schemeClr val="accent1"/>
-            </a:lnRef>
-            <a:fillRef idx="0">
-              <a:schemeClr val="accent1"/>
-            </a:fillRef>
-            <a:effectRef idx="0">
-              <a:schemeClr val="accent1"/>
-            </a:effectRef>
-            <a:fontRef idx="minor">
-              <a:schemeClr val="tx1"/>
-            </a:fontRef>
-          </p:style>
-        </p:cxnSp>
-        <p:cxnSp>
-          <p:nvCxnSpPr>
-            <p:cNvPr id="38" name="Straight Connector 37">
-              <a:extLst>
-                <a:ext uri="{FF2B5EF4-FFF2-40B4-BE49-F238E27FC236}">
-                  <a16:creationId xmlns:a16="http://schemas.microsoft.com/office/drawing/2014/main" id="{D25F5471-E0F2-4736-A975-B0CD1D80AA97}"/>
-                </a:ext>
-              </a:extLst>
-            </p:cNvPr>
-            <p:cNvCxnSpPr>
-              <a:cxnSpLocks/>
-            </p:cNvCxnSpPr>
-            <p:nvPr/>
-          </p:nvCxnSpPr>
-          <p:spPr>
-            <a:xfrm flipH="1">
-              <a:off x="1642109" y="2773093"/>
-              <a:ext cx="267874" cy="0"/>
-            </a:xfrm>
-            <a:prstGeom prst="line">
-              <a:avLst/>
-            </a:prstGeom>
-            <a:ln>
-              <a:solidFill>
-                <a:srgbClr val="385723"/>
-              </a:solidFill>
-            </a:ln>
-          </p:spPr>
-          <p:style>
-            <a:lnRef idx="1">
-              <a:schemeClr val="accent1"/>
-            </a:lnRef>
-            <a:fillRef idx="0">
-              <a:schemeClr val="accent1"/>
-            </a:fillRef>
-            <a:effectRef idx="0">
-              <a:schemeClr val="accent1"/>
-            </a:effectRef>
-            <a:fontRef idx="minor">
-              <a:schemeClr val="tx1"/>
-            </a:fontRef>
-          </p:style>
-        </p:cxnSp>
-      </p:grpSp>
-      <p:grpSp>
-        <p:nvGrpSpPr>
-          <p:cNvPr id="59" name="Group 58">
-            <a:extLst>
-              <a:ext uri="{FF2B5EF4-FFF2-40B4-BE49-F238E27FC236}">
-                <a16:creationId xmlns:a16="http://schemas.microsoft.com/office/drawing/2014/main" id="{4B33EF84-99D9-4E3D-98A7-243B4B204E8F}"/>
-              </a:ext>
-            </a:extLst>
-          </p:cNvPr>
-          <p:cNvGrpSpPr/>
-          <p:nvPr/>
-        </p:nvGrpSpPr>
-        <p:grpSpPr>
-          <a:xfrm>
-            <a:off x="8727166" y="1412715"/>
-            <a:ext cx="1393271" cy="1150767"/>
-            <a:chOff x="8426780" y="1700156"/>
-            <a:chExt cx="1393271" cy="1150767"/>
-          </a:xfrm>
-        </p:grpSpPr>
-        <p:sp>
-          <p:nvSpPr>
-            <p:cNvPr id="60" name="TextBox 59">
-              <a:extLst>
-                <a:ext uri="{FF2B5EF4-FFF2-40B4-BE49-F238E27FC236}">
-                  <a16:creationId xmlns:a16="http://schemas.microsoft.com/office/drawing/2014/main" id="{3E41AE78-9E30-4CD4-9440-DE30C5519E6F}"/>
-                </a:ext>
-              </a:extLst>
-            </p:cNvPr>
-            <p:cNvSpPr txBox="1"/>
-            <p:nvPr/>
-          </p:nvSpPr>
-          <p:spPr>
-            <a:xfrm>
-              <a:off x="8426780" y="1700156"/>
-              <a:ext cx="724812" cy="461665"/>
-            </a:xfrm>
-            <a:prstGeom prst="rect">
-              <a:avLst/>
-            </a:prstGeom>
-            <a:noFill/>
-          </p:spPr>
-          <p:txBody>
-            <a:bodyPr wrap="square" rtlCol="0">
-              <a:spAutoFit/>
-            </a:bodyPr>
-            <a:lstStyle/>
-            <a:p>
-              <a:r>
-                <a:rPr lang="en-US" sz="2400" dirty="0">
-                  <a:solidFill>
-                    <a:srgbClr val="385723"/>
-                  </a:solidFill>
-                  <a:latin typeface="Tw Cen MT" panose="020B0602020104020603" pitchFamily="34" charset="0"/>
-                </a:rPr>
-                <a:t>04</a:t>
-              </a:r>
-            </a:p>
-          </p:txBody>
-        </p:sp>
-        <p:sp>
-          <p:nvSpPr>
-            <p:cNvPr id="61" name="TextBox 60">
-              <a:extLst>
-                <a:ext uri="{FF2B5EF4-FFF2-40B4-BE49-F238E27FC236}">
-                  <a16:creationId xmlns:a16="http://schemas.microsoft.com/office/drawing/2014/main" id="{DBF60901-7459-4FFF-BFAB-332F5872E18A}"/>
-                </a:ext>
-              </a:extLst>
-            </p:cNvPr>
-            <p:cNvSpPr txBox="1"/>
-            <p:nvPr/>
-          </p:nvSpPr>
-          <p:spPr>
-            <a:xfrm>
-              <a:off x="8432731" y="2019926"/>
-              <a:ext cx="1387320" cy="830997"/>
-            </a:xfrm>
-            <a:prstGeom prst="rect">
-              <a:avLst/>
-            </a:prstGeom>
-            <a:noFill/>
-          </p:spPr>
-          <p:txBody>
-            <a:bodyPr wrap="square" rtlCol="0">
-              <a:spAutoFit/>
-            </a:bodyPr>
-            <a:lstStyle/>
-            <a:p>
-              <a:r>
-                <a:rPr lang="en-US" sz="2400" dirty="0" smtClean="0">
-                  <a:solidFill>
-                    <a:srgbClr val="385723"/>
-                  </a:solidFill>
-                  <a:latin typeface="Arial" panose="020B0604020202020204" pitchFamily="34" charset="0"/>
-                  <a:cs typeface="Arial" panose="020B0604020202020204" pitchFamily="34" charset="0"/>
-                </a:rPr>
-                <a:t>Đặt mật khẩu</a:t>
-              </a:r>
-              <a:endParaRPr lang="en-US" sz="2400" dirty="0">
-                <a:solidFill>
-                  <a:srgbClr val="385723"/>
-                </a:solidFill>
-                <a:latin typeface="Arial" panose="020B0604020202020204" pitchFamily="34" charset="0"/>
-                <a:cs typeface="Arial" panose="020B0604020202020204" pitchFamily="34" charset="0"/>
-              </a:endParaRPr>
-            </a:p>
-          </p:txBody>
-        </p:sp>
-      </p:grpSp>
-      <p:grpSp>
-        <p:nvGrpSpPr>
-          <p:cNvPr id="71" name="Group 70"/>
-          <p:cNvGrpSpPr/>
-          <p:nvPr/>
-        </p:nvGrpSpPr>
-        <p:grpSpPr>
-          <a:xfrm>
-            <a:off x="1186746" y="2695442"/>
-            <a:ext cx="1750139" cy="1750139"/>
-            <a:chOff x="1664412" y="3227865"/>
-            <a:chExt cx="1224367" cy="1224367"/>
-          </a:xfrm>
-        </p:grpSpPr>
-        <p:sp>
-          <p:nvSpPr>
-            <p:cNvPr id="10" name="Oval 9">
-              <a:extLst>
-                <a:ext uri="{FF2B5EF4-FFF2-40B4-BE49-F238E27FC236}">
-                  <a16:creationId xmlns:a16="http://schemas.microsoft.com/office/drawing/2014/main" id="{6E22B37A-CCC7-4E5B-82F9-79A278CAA082}"/>
-                </a:ext>
-              </a:extLst>
-            </p:cNvPr>
-            <p:cNvSpPr/>
-            <p:nvPr/>
-          </p:nvSpPr>
-          <p:spPr>
-            <a:xfrm>
-              <a:off x="1664412" y="3227865"/>
-              <a:ext cx="1224367" cy="1224367"/>
-            </a:xfrm>
-            <a:prstGeom prst="ellipse">
-              <a:avLst/>
-            </a:prstGeom>
-            <a:solidFill>
-              <a:schemeClr val="accent6">
-                <a:lumMod val="20000"/>
-                <a:lumOff val="80000"/>
-              </a:schemeClr>
-            </a:solidFill>
-            <a:ln>
-              <a:solidFill>
-                <a:srgbClr val="F25892"/>
-              </a:solidFill>
-            </a:ln>
-            <a:effectLst>
-              <a:outerShdw blurRad="50800" dist="38100" dir="2700000" algn="tl" rotWithShape="0">
-                <a:prstClr val="black">
-                  <a:alpha val="40000"/>
-                </a:prstClr>
-              </a:outerShdw>
-            </a:effectLst>
-          </p:spPr>
-          <p:style>
-            <a:lnRef idx="2">
-              <a:schemeClr val="accent1">
-                <a:shade val="50000"/>
-              </a:schemeClr>
-            </a:lnRef>
-            <a:fillRef idx="1">
-              <a:schemeClr val="accent1"/>
-            </a:fillRef>
-            <a:effectRef idx="0">
-              <a:schemeClr val="accent1"/>
-            </a:effectRef>
-            <a:fontRef idx="minor">
-              <a:schemeClr val="lt1"/>
-            </a:fontRef>
-          </p:style>
-          <p:txBody>
-            <a:bodyPr rtlCol="0" anchor="ctr"/>
-            <a:lstStyle/>
-            <a:p>
-              <a:pPr algn="ctr"/>
-              <a:endParaRPr lang="en-US"/>
-            </a:p>
-          </p:txBody>
-        </p:sp>
-        <p:pic>
-          <p:nvPicPr>
-            <p:cNvPr id="64" name="Picture 63"/>
-            <p:cNvPicPr>
-              <a:picLocks noChangeAspect="1"/>
-            </p:cNvPicPr>
-            <p:nvPr/>
-          </p:nvPicPr>
-          <p:blipFill>
-            <a:blip r:embed="rId3">
-              <a:extLst>
-                <a:ext uri="{28A0092B-C50C-407E-A947-70E740481C1C}">
-                  <a14:useLocalDpi xmlns:a14="http://schemas.microsoft.com/office/drawing/2010/main" val="0"/>
-                </a:ext>
-              </a:extLst>
-            </a:blip>
-            <a:stretch>
-              <a:fillRect/>
-            </a:stretch>
-          </p:blipFill>
-          <p:spPr>
-            <a:xfrm>
-              <a:off x="2005978" y="3410567"/>
-              <a:ext cx="709753" cy="985228"/>
-            </a:xfrm>
-            <a:prstGeom prst="rect">
-              <a:avLst/>
-            </a:prstGeom>
-          </p:spPr>
-        </p:pic>
-      </p:grpSp>
-      <p:grpSp>
-        <p:nvGrpSpPr>
-          <p:cNvPr id="72" name="Group 71"/>
-          <p:cNvGrpSpPr/>
-          <p:nvPr/>
-        </p:nvGrpSpPr>
-        <p:grpSpPr>
-          <a:xfrm>
-            <a:off x="3088595" y="3799715"/>
-            <a:ext cx="1736932" cy="1736932"/>
-            <a:chOff x="3271826" y="3597008"/>
-            <a:chExt cx="1305971" cy="1305971"/>
-          </a:xfrm>
-        </p:grpSpPr>
-        <p:sp>
-          <p:nvSpPr>
-            <p:cNvPr id="11" name="Oval 10">
-              <a:extLst>
-                <a:ext uri="{FF2B5EF4-FFF2-40B4-BE49-F238E27FC236}">
-                  <a16:creationId xmlns:a16="http://schemas.microsoft.com/office/drawing/2014/main" id="{788C3841-127A-479B-94BD-220B2EDCAB6E}"/>
-                </a:ext>
-              </a:extLst>
-            </p:cNvPr>
-            <p:cNvSpPr/>
-            <p:nvPr/>
-          </p:nvSpPr>
-          <p:spPr>
-            <a:xfrm>
-              <a:off x="3271826" y="3597008"/>
-              <a:ext cx="1305971" cy="1305971"/>
-            </a:xfrm>
-            <a:prstGeom prst="ellipse">
-              <a:avLst/>
-            </a:prstGeom>
-            <a:solidFill>
-              <a:schemeClr val="accent6">
-                <a:lumMod val="20000"/>
-                <a:lumOff val="80000"/>
-              </a:schemeClr>
-            </a:solidFill>
-            <a:ln w="19050">
-              <a:solidFill>
-                <a:srgbClr val="EE9524"/>
-              </a:solidFill>
-            </a:ln>
-            <a:effectLst>
-              <a:outerShdw blurRad="50800" dist="38100" dir="2700000" algn="tl" rotWithShape="0">
-                <a:prstClr val="black">
-                  <a:alpha val="40000"/>
-                </a:prstClr>
-              </a:outerShdw>
-            </a:effectLst>
-          </p:spPr>
-          <p:style>
-            <a:lnRef idx="2">
-              <a:schemeClr val="accent1">
-                <a:shade val="50000"/>
-              </a:schemeClr>
-            </a:lnRef>
-            <a:fillRef idx="1">
-              <a:schemeClr val="accent1"/>
-            </a:fillRef>
-            <a:effectRef idx="0">
-              <a:schemeClr val="accent1"/>
-            </a:effectRef>
-            <a:fontRef idx="minor">
-              <a:schemeClr val="lt1"/>
-            </a:fontRef>
-          </p:style>
-          <p:txBody>
-            <a:bodyPr rtlCol="0" anchor="ctr"/>
-            <a:lstStyle/>
-            <a:p>
-              <a:pPr algn="ctr"/>
-              <a:endParaRPr lang="en-US"/>
-            </a:p>
-          </p:txBody>
-        </p:sp>
-        <p:pic>
-          <p:nvPicPr>
-            <p:cNvPr id="67" name="Picture 66"/>
-            <p:cNvPicPr>
-              <a:picLocks noChangeAspect="1"/>
-            </p:cNvPicPr>
-            <p:nvPr/>
-          </p:nvPicPr>
-          <p:blipFill>
-            <a:blip r:embed="rId4">
-              <a:extLst>
-                <a:ext uri="{28A0092B-C50C-407E-A947-70E740481C1C}">
-                  <a14:useLocalDpi xmlns:a14="http://schemas.microsoft.com/office/drawing/2010/main" val="0"/>
-                </a:ext>
-              </a:extLst>
-            </a:blip>
-            <a:stretch>
-              <a:fillRect/>
-            </a:stretch>
-          </p:blipFill>
-          <p:spPr>
-            <a:xfrm>
-              <a:off x="3651549" y="3811474"/>
-              <a:ext cx="871041" cy="1057919"/>
-            </a:xfrm>
-            <a:prstGeom prst="rect">
-              <a:avLst/>
-            </a:prstGeom>
-          </p:spPr>
-        </p:pic>
-      </p:grpSp>
-      <p:grpSp>
-        <p:nvGrpSpPr>
-          <p:cNvPr id="73" name="Group 72"/>
-          <p:cNvGrpSpPr/>
-          <p:nvPr/>
-        </p:nvGrpSpPr>
-        <p:grpSpPr>
-          <a:xfrm>
-            <a:off x="4926499" y="2649873"/>
-            <a:ext cx="1946175" cy="1946175"/>
-            <a:chOff x="4902276" y="2732540"/>
-            <a:chExt cx="1492225" cy="1492225"/>
-          </a:xfrm>
-          <a:effectLst>
-            <a:outerShdw blurRad="50800" dist="38100" dir="5400000" algn="t" rotWithShape="0">
-              <a:prstClr val="black">
-                <a:alpha val="40000"/>
-              </a:prstClr>
-            </a:outerShdw>
-          </a:effectLst>
-        </p:grpSpPr>
-        <p:sp>
-          <p:nvSpPr>
-            <p:cNvPr id="12" name="Oval 11">
-              <a:extLst>
-                <a:ext uri="{FF2B5EF4-FFF2-40B4-BE49-F238E27FC236}">
-                  <a16:creationId xmlns:a16="http://schemas.microsoft.com/office/drawing/2014/main" id="{BC59DA09-2750-4F0C-898C-08F0F54C4ACB}"/>
-                </a:ext>
-              </a:extLst>
-            </p:cNvPr>
-            <p:cNvSpPr/>
-            <p:nvPr/>
-          </p:nvSpPr>
-          <p:spPr>
-            <a:xfrm>
-              <a:off x="4902276" y="2732540"/>
-              <a:ext cx="1492225" cy="1492225"/>
-            </a:xfrm>
-            <a:prstGeom prst="ellipse">
-              <a:avLst/>
-            </a:prstGeom>
-            <a:solidFill>
-              <a:schemeClr val="accent6">
-                <a:lumMod val="20000"/>
-                <a:lumOff val="80000"/>
-              </a:schemeClr>
-            </a:solidFill>
-            <a:ln>
-              <a:solidFill>
-                <a:srgbClr val="03A1A4"/>
-              </a:solidFill>
-            </a:ln>
-          </p:spPr>
-          <p:style>
-            <a:lnRef idx="2">
-              <a:schemeClr val="accent1"/>
-            </a:lnRef>
-            <a:fillRef idx="1">
-              <a:schemeClr val="lt1"/>
-            </a:fillRef>
-            <a:effectRef idx="0">
-              <a:schemeClr val="accent1"/>
-            </a:effectRef>
-            <a:fontRef idx="minor">
-              <a:schemeClr val="dk1"/>
-            </a:fontRef>
-          </p:style>
-          <p:txBody>
-            <a:bodyPr rtlCol="0" anchor="ctr"/>
-            <a:lstStyle/>
-            <a:p>
-              <a:pPr algn="ctr"/>
-              <a:endParaRPr lang="en-US"/>
-            </a:p>
-          </p:txBody>
-        </p:sp>
-        <p:pic>
-          <p:nvPicPr>
-            <p:cNvPr id="68" name="Picture 67"/>
-            <p:cNvPicPr>
-              <a:picLocks noChangeAspect="1"/>
-            </p:cNvPicPr>
-            <p:nvPr/>
-          </p:nvPicPr>
-          <p:blipFill>
-            <a:blip r:embed="rId5">
-              <a:extLst>
-                <a:ext uri="{28A0092B-C50C-407E-A947-70E740481C1C}">
-                  <a14:useLocalDpi xmlns:a14="http://schemas.microsoft.com/office/drawing/2010/main" val="0"/>
-                </a:ext>
-              </a:extLst>
-            </a:blip>
-            <a:stretch>
-              <a:fillRect/>
-            </a:stretch>
-          </p:blipFill>
-          <p:spPr>
-            <a:xfrm>
-              <a:off x="5324325" y="2991603"/>
-              <a:ext cx="799094" cy="1109244"/>
-            </a:xfrm>
-            <a:prstGeom prst="rect">
-              <a:avLst/>
-            </a:prstGeom>
-          </p:spPr>
-        </p:pic>
-      </p:grpSp>
-      <p:grpSp>
-        <p:nvGrpSpPr>
-          <p:cNvPr id="74" name="Group 73"/>
-          <p:cNvGrpSpPr/>
-          <p:nvPr/>
-        </p:nvGrpSpPr>
-        <p:grpSpPr>
-          <a:xfrm>
-            <a:off x="7048092" y="3889862"/>
-            <a:ext cx="1797206" cy="1797206"/>
-            <a:chOff x="6559593" y="3663215"/>
-            <a:chExt cx="1151673" cy="1151673"/>
-          </a:xfrm>
-          <a:effectLst>
-            <a:outerShdw blurRad="50800" dist="38100" dir="5400000" algn="t" rotWithShape="0">
-              <a:prstClr val="black">
-                <a:alpha val="40000"/>
-              </a:prstClr>
-            </a:outerShdw>
-          </a:effectLst>
-        </p:grpSpPr>
-        <p:sp>
-          <p:nvSpPr>
-            <p:cNvPr id="13" name="Oval 12">
-              <a:extLst>
-                <a:ext uri="{FF2B5EF4-FFF2-40B4-BE49-F238E27FC236}">
-                  <a16:creationId xmlns:a16="http://schemas.microsoft.com/office/drawing/2014/main" id="{69F6674A-9F6A-4ECF-8B1A-B5CD331C63F8}"/>
-                </a:ext>
-              </a:extLst>
-            </p:cNvPr>
-            <p:cNvSpPr/>
-            <p:nvPr/>
-          </p:nvSpPr>
-          <p:spPr>
-            <a:xfrm>
-              <a:off x="6559593" y="3663215"/>
-              <a:ext cx="1151673" cy="1151673"/>
-            </a:xfrm>
-            <a:prstGeom prst="ellipse">
-              <a:avLst/>
-            </a:prstGeom>
-            <a:solidFill>
-              <a:schemeClr val="accent6">
-                <a:lumMod val="20000"/>
-                <a:lumOff val="80000"/>
-              </a:schemeClr>
-            </a:solidFill>
-            <a:ln>
-              <a:solidFill>
-                <a:srgbClr val="385723"/>
-              </a:solidFill>
-            </a:ln>
-          </p:spPr>
-          <p:style>
-            <a:lnRef idx="2">
-              <a:schemeClr val="accent1">
-                <a:shade val="50000"/>
-              </a:schemeClr>
-            </a:lnRef>
-            <a:fillRef idx="1">
-              <a:schemeClr val="accent1"/>
-            </a:fillRef>
-            <a:effectRef idx="0">
-              <a:schemeClr val="accent1"/>
-            </a:effectRef>
-            <a:fontRef idx="minor">
-              <a:schemeClr val="lt1"/>
-            </a:fontRef>
-          </p:style>
-          <p:txBody>
-            <a:bodyPr rtlCol="0" anchor="ctr"/>
-            <a:lstStyle/>
-            <a:p>
-              <a:pPr algn="ctr"/>
-              <a:endParaRPr lang="en-US"/>
-            </a:p>
-          </p:txBody>
-        </p:sp>
-        <p:pic>
-          <p:nvPicPr>
-            <p:cNvPr id="69" name="Picture 68"/>
-            <p:cNvPicPr>
-              <a:picLocks noChangeAspect="1"/>
-            </p:cNvPicPr>
-            <p:nvPr/>
-          </p:nvPicPr>
-          <p:blipFill>
-            <a:blip r:embed="rId6">
-              <a:extLst>
-                <a:ext uri="{28A0092B-C50C-407E-A947-70E740481C1C}">
-                  <a14:useLocalDpi xmlns:a14="http://schemas.microsoft.com/office/drawing/2010/main" val="0"/>
-                </a:ext>
-              </a:extLst>
-            </a:blip>
-            <a:stretch>
-              <a:fillRect/>
-            </a:stretch>
-          </p:blipFill>
-          <p:spPr>
-            <a:xfrm>
-              <a:off x="6875307" y="3888292"/>
-              <a:ext cx="467615" cy="774131"/>
-            </a:xfrm>
-            <a:prstGeom prst="rect">
-              <a:avLst/>
-            </a:prstGeom>
-          </p:spPr>
-        </p:pic>
-      </p:grpSp>
-      <p:grpSp>
-        <p:nvGrpSpPr>
-          <p:cNvPr id="89" name="Group 88"/>
-          <p:cNvGrpSpPr/>
-          <p:nvPr/>
-        </p:nvGrpSpPr>
-        <p:grpSpPr>
-          <a:xfrm>
-            <a:off x="9152494" y="2612201"/>
-            <a:ext cx="1916619" cy="1916619"/>
-            <a:chOff x="9152494" y="2612201"/>
-            <a:chExt cx="1916619" cy="1916619"/>
-          </a:xfrm>
-        </p:grpSpPr>
-        <p:sp>
-          <p:nvSpPr>
-            <p:cNvPr id="14" name="Oval 13">
-              <a:extLst>
-                <a:ext uri="{FF2B5EF4-FFF2-40B4-BE49-F238E27FC236}">
-                  <a16:creationId xmlns:a16="http://schemas.microsoft.com/office/drawing/2014/main" id="{3F5A07E2-72FE-479E-9CC4-3AE297809FA7}"/>
-                </a:ext>
-              </a:extLst>
-            </p:cNvPr>
-            <p:cNvSpPr/>
-            <p:nvPr/>
-          </p:nvSpPr>
-          <p:spPr>
-            <a:xfrm>
-              <a:off x="9152494" y="2612201"/>
-              <a:ext cx="1916619" cy="1916619"/>
-            </a:xfrm>
-            <a:prstGeom prst="ellipse">
-              <a:avLst/>
-            </a:prstGeom>
-            <a:solidFill>
-              <a:schemeClr val="accent6">
-                <a:lumMod val="20000"/>
-                <a:lumOff val="80000"/>
-              </a:schemeClr>
-            </a:solidFill>
-            <a:ln>
-              <a:solidFill>
-                <a:srgbClr val="3F3F3F"/>
-              </a:solidFill>
-            </a:ln>
-            <a:effectLst>
-              <a:outerShdw blurRad="50800" dist="38100" dir="5400000" algn="t" rotWithShape="0">
-                <a:prstClr val="black">
-                  <a:alpha val="40000"/>
-                </a:prstClr>
-              </a:outerShdw>
-            </a:effectLst>
-          </p:spPr>
-          <p:style>
-            <a:lnRef idx="2">
-              <a:schemeClr val="accent1">
-                <a:shade val="50000"/>
-              </a:schemeClr>
-            </a:lnRef>
-            <a:fillRef idx="1">
-              <a:schemeClr val="accent1"/>
-            </a:fillRef>
-            <a:effectRef idx="0">
-              <a:schemeClr val="accent1"/>
-            </a:effectRef>
-            <a:fontRef idx="minor">
-              <a:schemeClr val="lt1"/>
-            </a:fontRef>
-          </p:style>
-          <p:txBody>
-            <a:bodyPr rtlCol="0" anchor="ctr"/>
-            <a:lstStyle/>
-            <a:p>
-              <a:pPr algn="ctr"/>
-              <a:endParaRPr lang="en-US"/>
-            </a:p>
-          </p:txBody>
-        </p:sp>
-        <p:pic>
-          <p:nvPicPr>
-            <p:cNvPr id="70" name="Picture 69"/>
-            <p:cNvPicPr>
-              <a:picLocks noChangeAspect="1"/>
-            </p:cNvPicPr>
-            <p:nvPr/>
-          </p:nvPicPr>
-          <p:blipFill>
-            <a:blip r:embed="rId7">
-              <a:extLst>
-                <a:ext uri="{28A0092B-C50C-407E-A947-70E740481C1C}">
-                  <a14:useLocalDpi xmlns:a14="http://schemas.microsoft.com/office/drawing/2010/main" val="0"/>
-                </a:ext>
-              </a:extLst>
-            </a:blip>
-            <a:stretch>
-              <a:fillRect/>
-            </a:stretch>
-          </p:blipFill>
-          <p:spPr>
-            <a:xfrm>
-              <a:off x="9740832" y="2924337"/>
-              <a:ext cx="816159" cy="1409268"/>
-            </a:xfrm>
-            <a:prstGeom prst="rect">
-              <a:avLst/>
-            </a:prstGeom>
-            <a:ln>
-              <a:noFill/>
-            </a:ln>
-          </p:spPr>
-        </p:pic>
-      </p:grpSp>
+        </p:nvGraphicFramePr>
+        <p:xfrm>
+          <a:off x="773907" y="757238"/>
+          <a:ext cx="10644187" cy="5343524"/>
+        </p:xfrm>
+        <a:graphic>
+          <a:graphicData uri="http://schemas.openxmlformats.org/drawingml/2006/chart">
+            <c:chart xmlns:c="http://schemas.openxmlformats.org/drawingml/2006/chart" xmlns:r="http://schemas.openxmlformats.org/officeDocument/2006/relationships" r:id="rId3"/>
+          </a:graphicData>
+        </a:graphic>
+      </p:graphicFrame>
     </p:spTree>
     <p:extLst>
       <p:ext uri="{BB962C8B-B14F-4D97-AF65-F5344CB8AC3E}">
-        <p14:creationId xmlns:p14="http://schemas.microsoft.com/office/powerpoint/2010/main" val="585250552"/>
+        <p14:creationId xmlns:p14="http://schemas.microsoft.com/office/powerpoint/2010/main" val="363359301"/>
       </p:ext>
     </p:extLst>
   </p:cSld>
@@ -12182,7 +13011,7 @@
                             </p:stCondLst>
                             <p:childTnLst>
                               <p:par>
-                                <p:cTn id="5" presetID="22" presetClass="entr" presetSubtype="4" fill="hold" nodeType="clickEffect">
+                                <p:cTn id="5" presetID="22" presetClass="entr" presetSubtype="8" fill="hold" grpId="0" nodeType="clickEffect">
                                   <p:stCondLst>
                                     <p:cond delay="0"/>
                                   </p:stCondLst>
@@ -12195,7 +13024,11 @@
                                           </p:stCondLst>
                                         </p:cTn>
                                         <p:tgtEl>
-                                          <p:spTgt spid="39"/>
+                                          <p:spTgt spid="58">
+                                            <p:graphicEl>
+                                              <a:chart seriesIdx="-3" categoryIdx="-3" bldStep="gridLegend"/>
+                                            </p:graphicEl>
+                                          </p:spTgt>
                                         </p:tgtEl>
                                         <p:attrNameLst>
                                           <p:attrName>style.visibility</p:attrName>
@@ -12205,11 +13038,15 @@
                                         <p:strVal val="visible"/>
                                       </p:to>
                                     </p:set>
-                                    <p:animEffect transition="in" filter="wipe(down)">
+                                    <p:animEffect transition="in" filter="wipe(left)">
                                       <p:cBhvr>
-                                        <p:cTn id="7" dur="500"/>
+                                        <p:cTn id="7" dur="1000"/>
                                         <p:tgtEl>
-                                          <p:spTgt spid="39"/>
+                                          <p:spTgt spid="58">
+                                            <p:graphicEl>
+                                              <a:chart seriesIdx="-3" categoryIdx="-3" bldStep="gridLegend"/>
+                                            </p:graphicEl>
+                                          </p:spTgt>
                                         </p:tgtEl>
                                       </p:cBhvr>
                                     </p:animEffect>
@@ -12222,11 +13059,11 @@
                         <p:par>
                           <p:cTn id="8" fill="hold">
                             <p:stCondLst>
-                              <p:cond delay="500"/>
+                              <p:cond delay="1000"/>
                             </p:stCondLst>
                             <p:childTnLst>
                               <p:par>
-                                <p:cTn id="9" presetID="22" presetClass="entr" presetSubtype="8" fill="hold" nodeType="afterEffect">
+                                <p:cTn id="9" presetID="22" presetClass="entr" presetSubtype="8" fill="hold" grpId="0" nodeType="afterEffect">
                                   <p:stCondLst>
                                     <p:cond delay="0"/>
                                   </p:stCondLst>
@@ -12239,7 +13076,11 @@
                                           </p:stCondLst>
                                         </p:cTn>
                                         <p:tgtEl>
-                                          <p:spTgt spid="21"/>
+                                          <p:spTgt spid="58">
+                                            <p:graphicEl>
+                                              <a:chart seriesIdx="0" categoryIdx="-4" bldStep="series"/>
+                                            </p:graphicEl>
+                                          </p:spTgt>
                                         </p:tgtEl>
                                         <p:attrNameLst>
                                           <p:attrName>style.visibility</p:attrName>
@@ -12251,9 +13092,13 @@
                                     </p:set>
                                     <p:animEffect transition="in" filter="wipe(left)">
                                       <p:cBhvr>
-                                        <p:cTn id="11" dur="500"/>
+                                        <p:cTn id="11" dur="2500"/>
                                         <p:tgtEl>
-                                          <p:spTgt spid="21"/>
+                                          <p:spTgt spid="58">
+                                            <p:graphicEl>
+                                              <a:chart seriesIdx="0" categoryIdx="-4" bldStep="series"/>
+                                            </p:graphicEl>
+                                          </p:spTgt>
                                         </p:tgtEl>
                                       </p:cBhvr>
                                     </p:animEffect>
@@ -12266,11 +13111,11 @@
                         <p:par>
                           <p:cTn id="12" fill="hold">
                             <p:stCondLst>
-                              <p:cond delay="1000"/>
+                              <p:cond delay="3500"/>
                             </p:stCondLst>
                             <p:childTnLst>
                               <p:par>
-                                <p:cTn id="13" presetID="53" presetClass="entr" presetSubtype="16" fill="hold" nodeType="afterEffect">
+                                <p:cTn id="13" presetID="22" presetClass="entr" presetSubtype="8" fill="hold" grpId="0" nodeType="afterEffect">
                                   <p:stCondLst>
                                     <p:cond delay="0"/>
                                   </p:stCondLst>
@@ -12283,319 +13128,11 @@
                                           </p:stCondLst>
                                         </p:cTn>
                                         <p:tgtEl>
-                                          <p:spTgt spid="71"/>
-                                        </p:tgtEl>
-                                        <p:attrNameLst>
-                                          <p:attrName>style.visibility</p:attrName>
-                                        </p:attrNameLst>
-                                      </p:cBhvr>
-                                      <p:to>
-                                        <p:strVal val="visible"/>
-                                      </p:to>
-                                    </p:set>
-                                    <p:anim calcmode="lin" valueType="num">
-                                      <p:cBhvr>
-                                        <p:cTn id="15" dur="500" fill="hold"/>
-                                        <p:tgtEl>
-                                          <p:spTgt spid="71"/>
-                                        </p:tgtEl>
-                                        <p:attrNameLst>
-                                          <p:attrName>ppt_w</p:attrName>
-                                        </p:attrNameLst>
-                                      </p:cBhvr>
-                                      <p:tavLst>
-                                        <p:tav tm="0">
-                                          <p:val>
-                                            <p:fltVal val="0"/>
-                                          </p:val>
-                                        </p:tav>
-                                        <p:tav tm="100000">
-                                          <p:val>
-                                            <p:strVal val="#ppt_w"/>
-                                          </p:val>
-                                        </p:tav>
-                                      </p:tavLst>
-                                    </p:anim>
-                                    <p:anim calcmode="lin" valueType="num">
-                                      <p:cBhvr>
-                                        <p:cTn id="16" dur="500" fill="hold"/>
-                                        <p:tgtEl>
-                                          <p:spTgt spid="71"/>
-                                        </p:tgtEl>
-                                        <p:attrNameLst>
-                                          <p:attrName>ppt_h</p:attrName>
-                                        </p:attrNameLst>
-                                      </p:cBhvr>
-                                      <p:tavLst>
-                                        <p:tav tm="0">
-                                          <p:val>
-                                            <p:fltVal val="0"/>
-                                          </p:val>
-                                        </p:tav>
-                                        <p:tav tm="100000">
-                                          <p:val>
-                                            <p:strVal val="#ppt_h"/>
-                                          </p:val>
-                                        </p:tav>
-                                      </p:tavLst>
-                                    </p:anim>
-                                    <p:animEffect transition="in" filter="fade">
-                                      <p:cBhvr>
-                                        <p:cTn id="17" dur="500"/>
-                                        <p:tgtEl>
-                                          <p:spTgt spid="71"/>
-                                        </p:tgtEl>
-                                      </p:cBhvr>
-                                    </p:animEffect>
-                                  </p:childTnLst>
-                                </p:cTn>
-                              </p:par>
-                            </p:childTnLst>
-                          </p:cTn>
-                        </p:par>
-                        <p:par>
-                          <p:cTn id="18" fill="hold">
-                            <p:stCondLst>
-                              <p:cond delay="1500"/>
-                            </p:stCondLst>
-                            <p:childTnLst>
-                              <p:par>
-                                <p:cTn id="19" presetID="22" presetClass="entr" presetSubtype="4" fill="hold" nodeType="afterEffect">
-                                  <p:stCondLst>
-                                    <p:cond delay="500"/>
-                                  </p:stCondLst>
-                                  <p:childTnLst>
-                                    <p:set>
-                                      <p:cBhvr>
-                                        <p:cTn id="20" dur="1" fill="hold">
-                                          <p:stCondLst>
-                                            <p:cond delay="0"/>
-                                          </p:stCondLst>
-                                        </p:cTn>
-                                        <p:tgtEl>
-                                          <p:spTgt spid="43"/>
-                                        </p:tgtEl>
-                                        <p:attrNameLst>
-                                          <p:attrName>style.visibility</p:attrName>
-                                        </p:attrNameLst>
-                                      </p:cBhvr>
-                                      <p:to>
-                                        <p:strVal val="visible"/>
-                                      </p:to>
-                                    </p:set>
-                                    <p:animEffect transition="in" filter="wipe(down)">
-                                      <p:cBhvr>
-                                        <p:cTn id="21" dur="500"/>
-                                        <p:tgtEl>
-                                          <p:spTgt spid="43"/>
-                                        </p:tgtEl>
-                                      </p:cBhvr>
-                                    </p:animEffect>
-                                  </p:childTnLst>
-                                </p:cTn>
-                              </p:par>
-                            </p:childTnLst>
-                          </p:cTn>
-                        </p:par>
-                        <p:par>
-                          <p:cTn id="22" fill="hold">
-                            <p:stCondLst>
-                              <p:cond delay="2500"/>
-                            </p:stCondLst>
-                            <p:childTnLst>
-                              <p:par>
-                                <p:cTn id="23" presetID="22" presetClass="entr" presetSubtype="4" fill="hold" nodeType="afterEffect">
-                                  <p:stCondLst>
-                                    <p:cond delay="0"/>
-                                  </p:stCondLst>
-                                  <p:childTnLst>
-                                    <p:set>
-                                      <p:cBhvr>
-                                        <p:cTn id="24" dur="1" fill="hold">
-                                          <p:stCondLst>
-                                            <p:cond delay="0"/>
-                                          </p:stCondLst>
-                                        </p:cTn>
-                                        <p:tgtEl>
-                                          <p:spTgt spid="27"/>
-                                        </p:tgtEl>
-                                        <p:attrNameLst>
-                                          <p:attrName>style.visibility</p:attrName>
-                                        </p:attrNameLst>
-                                      </p:cBhvr>
-                                      <p:to>
-                                        <p:strVal val="visible"/>
-                                      </p:to>
-                                    </p:set>
-                                    <p:animEffect transition="in" filter="wipe(down)">
-                                      <p:cBhvr>
-                                        <p:cTn id="25" dur="500"/>
-                                        <p:tgtEl>
-                                          <p:spTgt spid="27"/>
-                                        </p:tgtEl>
-                                      </p:cBhvr>
-                                    </p:animEffect>
-                                  </p:childTnLst>
-                                </p:cTn>
-                              </p:par>
-                            </p:childTnLst>
-                          </p:cTn>
-                        </p:par>
-                        <p:par>
-                          <p:cTn id="26" fill="hold">
-                            <p:stCondLst>
-                              <p:cond delay="3000"/>
-                            </p:stCondLst>
-                            <p:childTnLst>
-                              <p:par>
-                                <p:cTn id="27" presetID="6" presetClass="entr" presetSubtype="16" fill="hold" nodeType="afterEffect">
-                                  <p:stCondLst>
-                                    <p:cond delay="0"/>
-                                  </p:stCondLst>
-                                  <p:childTnLst>
-                                    <p:set>
-                                      <p:cBhvr>
-                                        <p:cTn id="28" dur="1" fill="hold">
-                                          <p:stCondLst>
-                                            <p:cond delay="0"/>
-                                          </p:stCondLst>
-                                        </p:cTn>
-                                        <p:tgtEl>
-                                          <p:spTgt spid="72"/>
-                                        </p:tgtEl>
-                                        <p:attrNameLst>
-                                          <p:attrName>style.visibility</p:attrName>
-                                        </p:attrNameLst>
-                                      </p:cBhvr>
-                                      <p:to>
-                                        <p:strVal val="visible"/>
-                                      </p:to>
-                                    </p:set>
-                                    <p:animEffect transition="in" filter="circle(in)">
-                                      <p:cBhvr>
-                                        <p:cTn id="29" dur="1000"/>
-                                        <p:tgtEl>
-                                          <p:spTgt spid="72"/>
-                                        </p:tgtEl>
-                                      </p:cBhvr>
-                                    </p:animEffect>
-                                  </p:childTnLst>
-                                </p:cTn>
-                              </p:par>
-                            </p:childTnLst>
-                          </p:cTn>
-                        </p:par>
-                        <p:par>
-                          <p:cTn id="30" fill="hold">
-                            <p:stCondLst>
-                              <p:cond delay="4000"/>
-                            </p:stCondLst>
-                            <p:childTnLst>
-                              <p:par>
-                                <p:cTn id="31" presetID="42" presetClass="entr" presetSubtype="0" fill="hold" nodeType="afterEffect">
-                                  <p:stCondLst>
-                                    <p:cond delay="500"/>
-                                  </p:stCondLst>
-                                  <p:childTnLst>
-                                    <p:set>
-                                      <p:cBhvr>
-                                        <p:cTn id="32" dur="1" fill="hold">
-                                          <p:stCondLst>
-                                            <p:cond delay="0"/>
-                                          </p:stCondLst>
-                                        </p:cTn>
-                                        <p:tgtEl>
-                                          <p:spTgt spid="47"/>
-                                        </p:tgtEl>
-                                        <p:attrNameLst>
-                                          <p:attrName>style.visibility</p:attrName>
-                                        </p:attrNameLst>
-                                      </p:cBhvr>
-                                      <p:to>
-                                        <p:strVal val="visible"/>
-                                      </p:to>
-                                    </p:set>
-                                    <p:animEffect transition="in" filter="fade">
-                                      <p:cBhvr>
-                                        <p:cTn id="33" dur="1000"/>
-                                        <p:tgtEl>
-                                          <p:spTgt spid="47"/>
-                                        </p:tgtEl>
-                                      </p:cBhvr>
-                                    </p:animEffect>
-                                    <p:anim calcmode="lin" valueType="num">
-                                      <p:cBhvr>
-                                        <p:cTn id="34" dur="1000" fill="hold"/>
-                                        <p:tgtEl>
-                                          <p:spTgt spid="47"/>
-                                        </p:tgtEl>
-                                        <p:attrNameLst>
-                                          <p:attrName>ppt_x</p:attrName>
-                                        </p:attrNameLst>
-                                      </p:cBhvr>
-                                      <p:tavLst>
-                                        <p:tav tm="0">
-                                          <p:val>
-                                            <p:strVal val="#ppt_x"/>
-                                          </p:val>
-                                        </p:tav>
-                                        <p:tav tm="100000">
-                                          <p:val>
-                                            <p:strVal val="#ppt_x"/>
-                                          </p:val>
-                                        </p:tav>
-                                      </p:tavLst>
-                                    </p:anim>
-                                    <p:anim calcmode="lin" valueType="num">
-                                      <p:cBhvr>
-                                        <p:cTn id="35" dur="1000" fill="hold"/>
-                                        <p:tgtEl>
-                                          <p:spTgt spid="47"/>
-                                        </p:tgtEl>
-                                        <p:attrNameLst>
-                                          <p:attrName>ppt_y</p:attrName>
-                                        </p:attrNameLst>
-                                      </p:cBhvr>
-                                      <p:tavLst>
-                                        <p:tav tm="0">
-                                          <p:val>
-                                            <p:strVal val="#ppt_y+.1"/>
-                                          </p:val>
-                                        </p:tav>
-                                        <p:tav tm="100000">
-                                          <p:val>
-                                            <p:strVal val="#ppt_y"/>
-                                          </p:val>
-                                        </p:tav>
-                                      </p:tavLst>
-                                    </p:anim>
-                                  </p:childTnLst>
-                                </p:cTn>
-                              </p:par>
-                            </p:childTnLst>
-                          </p:cTn>
-                        </p:par>
-                        <p:par>
-                          <p:cTn id="36" fill="hold">
-                            <p:stCondLst>
-                              <p:cond delay="5500"/>
-                            </p:stCondLst>
-                            <p:childTnLst>
-                              <p:par>
-                                <p:cTn id="37" presetID="22" presetClass="entr" presetSubtype="8" fill="hold" nodeType="afterEffect">
-                                  <p:stCondLst>
-                                    <p:cond delay="0"/>
-                                  </p:stCondLst>
-                                  <p:childTnLst>
-                                    <p:set>
-                                      <p:cBhvr>
-                                        <p:cTn id="38" dur="1" fill="hold">
-                                          <p:stCondLst>
-                                            <p:cond delay="0"/>
-                                          </p:stCondLst>
-                                        </p:cTn>
-                                        <p:tgtEl>
-                                          <p:spTgt spid="24"/>
+                                          <p:spTgt spid="58">
+                                            <p:graphicEl>
+                                              <a:chart seriesIdx="1" categoryIdx="-4" bldStep="series"/>
+                                            </p:graphicEl>
+                                          </p:spTgt>
                                         </p:tgtEl>
                                         <p:attrNameLst>
                                           <p:attrName>style.visibility</p:attrName>
@@ -12607,9 +13144,13 @@
                                     </p:set>
                                     <p:animEffect transition="in" filter="wipe(left)">
                                       <p:cBhvr>
-                                        <p:cTn id="39" dur="500"/>
+                                        <p:cTn id="15" dur="2500"/>
                                         <p:tgtEl>
-                                          <p:spTgt spid="24"/>
+                                          <p:spTgt spid="58">
+                                            <p:graphicEl>
+                                              <a:chart seriesIdx="1" categoryIdx="-4" bldStep="series"/>
+                                            </p:graphicEl>
+                                          </p:spTgt>
                                         </p:tgtEl>
                                       </p:cBhvr>
                                     </p:animEffect>
@@ -12620,26 +13161,30 @@
                           </p:cTn>
                         </p:par>
                         <p:par>
-                          <p:cTn id="40" fill="hold">
+                          <p:cTn id="16" fill="hold">
                             <p:stCondLst>
                               <p:cond delay="6000"/>
                             </p:stCondLst>
                             <p:childTnLst>
                               <p:par>
-                                <p:cTn id="41" presetID="21" presetClass="entr" presetSubtype="1" fill="hold" nodeType="afterEffect">
+                                <p:cTn id="17" presetID="22" presetClass="entr" presetSubtype="8" fill="hold" grpId="0" nodeType="afterEffect">
                                   <p:stCondLst>
                                     <p:cond delay="0"/>
                                   </p:stCondLst>
                                   <p:childTnLst>
                                     <p:set>
                                       <p:cBhvr>
-                                        <p:cTn id="42" dur="1" fill="hold">
+                                        <p:cTn id="18" dur="1" fill="hold">
                                           <p:stCondLst>
                                             <p:cond delay="0"/>
                                           </p:stCondLst>
                                         </p:cTn>
                                         <p:tgtEl>
-                                          <p:spTgt spid="73"/>
+                                          <p:spTgt spid="58">
+                                            <p:graphicEl>
+                                              <a:chart seriesIdx="2" categoryIdx="-4" bldStep="series"/>
+                                            </p:graphicEl>
+                                          </p:spTgt>
                                         </p:tgtEl>
                                         <p:attrNameLst>
                                           <p:attrName>style.visibility</p:attrName>
@@ -12649,321 +13194,15 @@
                                         <p:strVal val="visible"/>
                                       </p:to>
                                     </p:set>
-                                    <p:animEffect transition="in" filter="wheel(1)">
+                                    <p:animEffect transition="in" filter="wipe(left)">
                                       <p:cBhvr>
-                                        <p:cTn id="43" dur="1000"/>
+                                        <p:cTn id="19" dur="2500"/>
                                         <p:tgtEl>
-                                          <p:spTgt spid="73"/>
-                                        </p:tgtEl>
-                                      </p:cBhvr>
-                                    </p:animEffect>
-                                  </p:childTnLst>
-                                </p:cTn>
-                              </p:par>
-                            </p:childTnLst>
-                          </p:cTn>
-                        </p:par>
-                        <p:par>
-                          <p:cTn id="44" fill="hold">
-                            <p:stCondLst>
-                              <p:cond delay="7000"/>
-                            </p:stCondLst>
-                            <p:childTnLst>
-                              <p:par>
-                                <p:cTn id="45" presetID="16" presetClass="entr" presetSubtype="21" fill="hold" nodeType="afterEffect">
-                                  <p:stCondLst>
-                                    <p:cond delay="500"/>
-                                  </p:stCondLst>
-                                  <p:childTnLst>
-                                    <p:set>
-                                      <p:cBhvr>
-                                        <p:cTn id="46" dur="1" fill="hold">
-                                          <p:stCondLst>
-                                            <p:cond delay="0"/>
-                                          </p:stCondLst>
-                                        </p:cTn>
-                                        <p:tgtEl>
-                                          <p:spTgt spid="59"/>
-                                        </p:tgtEl>
-                                        <p:attrNameLst>
-                                          <p:attrName>style.visibility</p:attrName>
-                                        </p:attrNameLst>
-                                      </p:cBhvr>
-                                      <p:to>
-                                        <p:strVal val="visible"/>
-                                      </p:to>
-                                    </p:set>
-                                    <p:animEffect transition="in" filter="barn(inVertical)">
-                                      <p:cBhvr>
-                                        <p:cTn id="47" dur="500"/>
-                                        <p:tgtEl>
-                                          <p:spTgt spid="59"/>
-                                        </p:tgtEl>
-                                      </p:cBhvr>
-                                    </p:animEffect>
-                                  </p:childTnLst>
-                                </p:cTn>
-                              </p:par>
-                            </p:childTnLst>
-                          </p:cTn>
-                        </p:par>
-                        <p:par>
-                          <p:cTn id="48" fill="hold">
-                            <p:stCondLst>
-                              <p:cond delay="8000"/>
-                            </p:stCondLst>
-                            <p:childTnLst>
-                              <p:par>
-                                <p:cTn id="49" presetID="22" presetClass="entr" presetSubtype="2" fill="hold" nodeType="afterEffect">
-                                  <p:stCondLst>
-                                    <p:cond delay="0"/>
-                                  </p:stCondLst>
-                                  <p:childTnLst>
-                                    <p:set>
-                                      <p:cBhvr>
-                                        <p:cTn id="50" dur="1" fill="hold">
-                                          <p:stCondLst>
-                                            <p:cond delay="0"/>
-                                          </p:stCondLst>
-                                        </p:cTn>
-                                        <p:tgtEl>
-                                          <p:spTgt spid="36"/>
-                                        </p:tgtEl>
-                                        <p:attrNameLst>
-                                          <p:attrName>style.visibility</p:attrName>
-                                        </p:attrNameLst>
-                                      </p:cBhvr>
-                                      <p:to>
-                                        <p:strVal val="visible"/>
-                                      </p:to>
-                                    </p:set>
-                                    <p:animEffect transition="in" filter="wipe(right)">
-                                      <p:cBhvr>
-                                        <p:cTn id="51" dur="500"/>
-                                        <p:tgtEl>
-                                          <p:spTgt spid="36"/>
-                                        </p:tgtEl>
-                                      </p:cBhvr>
-                                    </p:animEffect>
-                                  </p:childTnLst>
-                                </p:cTn>
-                              </p:par>
-                            </p:childTnLst>
-                          </p:cTn>
-                        </p:par>
-                        <p:par>
-                          <p:cTn id="52" fill="hold">
-                            <p:stCondLst>
-                              <p:cond delay="8500"/>
-                            </p:stCondLst>
-                            <p:childTnLst>
-                              <p:par>
-                                <p:cTn id="53" presetID="14" presetClass="entr" presetSubtype="10" fill="hold" nodeType="afterEffect">
-                                  <p:stCondLst>
-                                    <p:cond delay="0"/>
-                                  </p:stCondLst>
-                                  <p:childTnLst>
-                                    <p:set>
-                                      <p:cBhvr>
-                                        <p:cTn id="54" dur="1" fill="hold">
-                                          <p:stCondLst>
-                                            <p:cond delay="0"/>
-                                          </p:stCondLst>
-                                        </p:cTn>
-                                        <p:tgtEl>
-                                          <p:spTgt spid="74"/>
-                                        </p:tgtEl>
-                                        <p:attrNameLst>
-                                          <p:attrName>style.visibility</p:attrName>
-                                        </p:attrNameLst>
-                                      </p:cBhvr>
-                                      <p:to>
-                                        <p:strVal val="visible"/>
-                                      </p:to>
-                                    </p:set>
-                                    <p:animEffect transition="in" filter="randombar(horizontal)">
-                                      <p:cBhvr>
-                                        <p:cTn id="55" dur="500"/>
-                                        <p:tgtEl>
-                                          <p:spTgt spid="74"/>
-                                        </p:tgtEl>
-                                      </p:cBhvr>
-                                    </p:animEffect>
-                                  </p:childTnLst>
-                                </p:cTn>
-                              </p:par>
-                            </p:childTnLst>
-                          </p:cTn>
-                        </p:par>
-                        <p:par>
-                          <p:cTn id="56" fill="hold">
-                            <p:stCondLst>
-                              <p:cond delay="9000"/>
-                            </p:stCondLst>
-                            <p:childTnLst>
-                              <p:par>
-                                <p:cTn id="57" presetID="42" presetClass="entr" presetSubtype="0" fill="hold" nodeType="afterEffect">
-                                  <p:stCondLst>
-                                    <p:cond delay="500"/>
-                                  </p:stCondLst>
-                                  <p:childTnLst>
-                                    <p:set>
-                                      <p:cBhvr>
-                                        <p:cTn id="58" dur="1" fill="hold">
-                                          <p:stCondLst>
-                                            <p:cond delay="0"/>
-                                          </p:stCondLst>
-                                        </p:cTn>
-                                        <p:tgtEl>
-                                          <p:spTgt spid="55"/>
-                                        </p:tgtEl>
-                                        <p:attrNameLst>
-                                          <p:attrName>style.visibility</p:attrName>
-                                        </p:attrNameLst>
-                                      </p:cBhvr>
-                                      <p:to>
-                                        <p:strVal val="visible"/>
-                                      </p:to>
-                                    </p:set>
-                                    <p:animEffect transition="in" filter="fade">
-                                      <p:cBhvr>
-                                        <p:cTn id="59" dur="1000"/>
-                                        <p:tgtEl>
-                                          <p:spTgt spid="55"/>
-                                        </p:tgtEl>
-                                      </p:cBhvr>
-                                    </p:animEffect>
-                                    <p:anim calcmode="lin" valueType="num">
-                                      <p:cBhvr>
-                                        <p:cTn id="60" dur="1000" fill="hold"/>
-                                        <p:tgtEl>
-                                          <p:spTgt spid="55"/>
-                                        </p:tgtEl>
-                                        <p:attrNameLst>
-                                          <p:attrName>ppt_x</p:attrName>
-                                        </p:attrNameLst>
-                                      </p:cBhvr>
-                                      <p:tavLst>
-                                        <p:tav tm="0">
-                                          <p:val>
-                                            <p:strVal val="#ppt_x"/>
-                                          </p:val>
-                                        </p:tav>
-                                        <p:tav tm="100000">
-                                          <p:val>
-                                            <p:strVal val="#ppt_x"/>
-                                          </p:val>
-                                        </p:tav>
-                                      </p:tavLst>
-                                    </p:anim>
-                                    <p:anim calcmode="lin" valueType="num">
-                                      <p:cBhvr>
-                                        <p:cTn id="61" dur="1000" fill="hold"/>
-                                        <p:tgtEl>
-                                          <p:spTgt spid="55"/>
-                                        </p:tgtEl>
-                                        <p:attrNameLst>
-                                          <p:attrName>ppt_y</p:attrName>
-                                        </p:attrNameLst>
-                                      </p:cBhvr>
-                                      <p:tavLst>
-                                        <p:tav tm="0">
-                                          <p:val>
-                                            <p:strVal val="#ppt_y+.1"/>
-                                          </p:val>
-                                        </p:tav>
-                                        <p:tav tm="100000">
-                                          <p:val>
-                                            <p:strVal val="#ppt_y"/>
-                                          </p:val>
-                                        </p:tav>
-                                      </p:tavLst>
-                                    </p:anim>
-                                  </p:childTnLst>
-                                </p:cTn>
-                              </p:par>
-                            </p:childTnLst>
-                          </p:cTn>
-                        </p:par>
-                        <p:par>
-                          <p:cTn id="62" fill="hold">
-                            <p:stCondLst>
-                              <p:cond delay="10500"/>
-                            </p:stCondLst>
-                            <p:childTnLst>
-                              <p:par>
-                                <p:cTn id="63" presetID="22" presetClass="entr" presetSubtype="2" fill="hold" nodeType="afterEffect">
-                                  <p:stCondLst>
-                                    <p:cond delay="0"/>
-                                  </p:stCondLst>
-                                  <p:childTnLst>
-                                    <p:set>
-                                      <p:cBhvr>
-                                        <p:cTn id="64" dur="1" fill="hold">
-                                          <p:stCondLst>
-                                            <p:cond delay="0"/>
-                                          </p:stCondLst>
-                                        </p:cTn>
-                                        <p:tgtEl>
-                                          <p:spTgt spid="33"/>
-                                        </p:tgtEl>
-                                        <p:attrNameLst>
-                                          <p:attrName>style.visibility</p:attrName>
-                                        </p:attrNameLst>
-                                      </p:cBhvr>
-                                      <p:to>
-                                        <p:strVal val="visible"/>
-                                      </p:to>
-                                    </p:set>
-                                    <p:animEffect transition="in" filter="wipe(right)">
-                                      <p:cBhvr>
-                                        <p:cTn id="65" dur="500"/>
-                                        <p:tgtEl>
-                                          <p:spTgt spid="33"/>
-                                        </p:tgtEl>
-                                      </p:cBhvr>
-                                    </p:animEffect>
-                                  </p:childTnLst>
-                                </p:cTn>
-                              </p:par>
-                            </p:childTnLst>
-                          </p:cTn>
-                        </p:par>
-                        <p:par>
-                          <p:cTn id="66" fill="hold">
-                            <p:stCondLst>
-                              <p:cond delay="11000"/>
-                            </p:stCondLst>
-                            <p:childTnLst>
-                              <p:par>
-                                <p:cTn id="67" presetID="16" presetClass="entr" presetSubtype="21" fill="hold" nodeType="afterEffect">
-                                  <p:stCondLst>
-                                    <p:cond delay="0"/>
-                                  </p:stCondLst>
-                                  <p:childTnLst>
-                                    <p:set>
-                                      <p:cBhvr>
-                                        <p:cTn id="68" dur="1" fill="hold">
-                                          <p:stCondLst>
-                                            <p:cond delay="0"/>
-                                          </p:stCondLst>
-                                        </p:cTn>
-                                        <p:tgtEl>
-                                          <p:spTgt spid="89"/>
-                                        </p:tgtEl>
-                                        <p:attrNameLst>
-                                          <p:attrName>style.visibility</p:attrName>
-                                        </p:attrNameLst>
-                                      </p:cBhvr>
-                                      <p:to>
-                                        <p:strVal val="visible"/>
-                                      </p:to>
-                                    </p:set>
-                                    <p:animEffect transition="in" filter="barn(inVertical)">
-                                      <p:cBhvr>
-                                        <p:cTn id="69" dur="500"/>
-                                        <p:tgtEl>
-                                          <p:spTgt spid="89"/>
+                                          <p:spTgt spid="58">
+                                            <p:graphicEl>
+                                              <a:chart seriesIdx="2" categoryIdx="-4" bldStep="series"/>
+                                            </p:graphicEl>
+                                          </p:spTgt>
                                         </p:tgtEl>
                                       </p:cBhvr>
                                     </p:animEffect>
@@ -12997,11 +13236,18 @@
         </p:cTn>
       </p:par>
     </p:tnLst>
+    <p:bldLst>
+      <p:bldGraphic spid="58" grpId="0" uiExpand="1">
+        <p:bldSub>
+          <a:bldChart bld="series"/>
+        </p:bldSub>
+      </p:bldGraphic>
+    </p:bldLst>
   </p:timing>
 </p:sld>
 </file>
 
-<file path=ppt/slides/slide5.xml><?xml version="1.0" encoding="utf-8"?>
+<file path=ppt/slides/slide4.xml><?xml version="1.0" encoding="utf-8"?>
 <p:sld xmlns:a="http://schemas.openxmlformats.org/drawingml/2006/main" xmlns:r="http://schemas.openxmlformats.org/officeDocument/2006/relationships" xmlns:p="http://schemas.openxmlformats.org/presentationml/2006/main">
   <p:cSld>
     <p:spTree>
@@ -13018,2177 +13264,32 @@
           <a:chExt cx="0" cy="0"/>
         </a:xfrm>
       </p:grpSpPr>
-      <p:sp>
-        <p:nvSpPr>
-          <p:cNvPr id="2" name="Slide Number Placeholder 1"/>
-          <p:cNvSpPr>
-            <a:spLocks noGrp="1"/>
-          </p:cNvSpPr>
+      <p:graphicFrame>
+        <p:nvGraphicFramePr>
+          <p:cNvPr id="11" name="Chart 10"/>
+          <p:cNvGraphicFramePr/>
           <p:nvPr>
-            <p:ph type="sldNum" sz="quarter" idx="12"/>
+            <p:extLst>
+              <p:ext uri="{D42A27DB-BD31-4B8C-83A1-F6EECF244321}">
+                <p14:modId xmlns:p14="http://schemas.microsoft.com/office/powerpoint/2010/main" val="2179851034"/>
+              </p:ext>
+            </p:extLst>
           </p:nvPr>
-        </p:nvSpPr>
-        <p:spPr/>
-        <p:txBody>
-          <a:bodyPr/>
-          <a:lstStyle/>
-          <a:p>
-            <a:fld id="{8C2E478F-E849-4A8C-AF1F-CBCC78A7CBFA}" type="slidenum">
-              <a:rPr lang="en-US" smtClean="0"/>
-              <a:t>5</a:t>
-            </a:fld>
-            <a:endParaRPr lang="en-US" dirty="0"/>
-          </a:p>
-        </p:txBody>
-      </p:sp>
-      <p:sp>
-        <p:nvSpPr>
-          <p:cNvPr id="3" name="TextBox 2">
-            <a:extLst>
-              <a:ext uri="{FF2B5EF4-FFF2-40B4-BE49-F238E27FC236}">
-                <a16:creationId xmlns:a16="http://schemas.microsoft.com/office/drawing/2014/main" id="{BE8AA9BD-5B28-4BB1-803B-54BB6E1B0DE1}"/>
-              </a:ext>
-            </a:extLst>
-          </p:cNvPr>
-          <p:cNvSpPr txBox="1"/>
-          <p:nvPr/>
-        </p:nvSpPr>
-        <p:spPr>
-          <a:xfrm>
-            <a:off x="2149435" y="131812"/>
-            <a:ext cx="7586024" cy="707886"/>
-          </a:xfrm>
-          <a:prstGeom prst="rect">
-            <a:avLst/>
-          </a:prstGeom>
-          <a:noFill/>
-        </p:spPr>
-        <p:txBody>
-          <a:bodyPr wrap="square" rtlCol="0">
-            <a:spAutoFit/>
-          </a:bodyPr>
-          <a:lstStyle/>
-          <a:p>
-            <a:pPr lvl="1" algn="ctr"/>
-            <a:r>
-              <a:rPr lang="en-US" sz="4000" dirty="0" err="1" smtClean="0">
-                <a:solidFill>
-                  <a:schemeClr val="bg1">
-                    <a:lumMod val="65000"/>
-                  </a:schemeClr>
-                </a:solidFill>
-                <a:latin typeface="Arial" charset="0"/>
-                <a:ea typeface="Arial" charset="0"/>
-                <a:cs typeface="Arial" charset="0"/>
-              </a:rPr>
-              <a:t>Hệ</a:t>
-            </a:r>
-            <a:r>
-              <a:rPr lang="en-US" sz="4000" dirty="0" smtClean="0">
-                <a:solidFill>
-                  <a:schemeClr val="bg1">
-                    <a:lumMod val="65000"/>
-                  </a:schemeClr>
-                </a:solidFill>
-                <a:latin typeface="Arial" charset="0"/>
-                <a:ea typeface="Arial" charset="0"/>
-                <a:cs typeface="Arial" charset="0"/>
-              </a:rPr>
-              <a:t> </a:t>
-            </a:r>
-            <a:r>
-              <a:rPr lang="en-US" sz="4000" dirty="0" err="1" smtClean="0">
-                <a:solidFill>
-                  <a:schemeClr val="bg1">
-                    <a:lumMod val="65000"/>
-                  </a:schemeClr>
-                </a:solidFill>
-                <a:latin typeface="Arial" charset="0"/>
-                <a:ea typeface="Arial" charset="0"/>
-                <a:cs typeface="Arial" charset="0"/>
-              </a:rPr>
-              <a:t>thống</a:t>
-            </a:r>
-            <a:r>
-              <a:rPr lang="en-US" sz="4000" dirty="0" smtClean="0">
-                <a:solidFill>
-                  <a:schemeClr val="bg1">
-                    <a:lumMod val="65000"/>
-                  </a:schemeClr>
-                </a:solidFill>
-                <a:latin typeface="Arial" charset="0"/>
-                <a:ea typeface="Arial" charset="0"/>
-                <a:cs typeface="Arial" charset="0"/>
-              </a:rPr>
-              <a:t> </a:t>
-            </a:r>
-            <a:r>
-              <a:rPr lang="en-US" sz="4000" dirty="0" err="1" smtClean="0">
-                <a:solidFill>
-                  <a:schemeClr val="bg1">
-                    <a:lumMod val="65000"/>
-                  </a:schemeClr>
-                </a:solidFill>
-                <a:latin typeface="Arial" charset="0"/>
-                <a:ea typeface="Arial" charset="0"/>
-                <a:cs typeface="Arial" charset="0"/>
-              </a:rPr>
-              <a:t>bảo</a:t>
-            </a:r>
-            <a:r>
-              <a:rPr lang="en-US" sz="4000" dirty="0" smtClean="0">
-                <a:solidFill>
-                  <a:schemeClr val="bg1">
-                    <a:lumMod val="65000"/>
-                  </a:schemeClr>
-                </a:solidFill>
-                <a:latin typeface="Arial" charset="0"/>
-                <a:ea typeface="Arial" charset="0"/>
-                <a:cs typeface="Arial" charset="0"/>
-              </a:rPr>
-              <a:t> </a:t>
-            </a:r>
-            <a:r>
-              <a:rPr lang="en-US" sz="4000" dirty="0" err="1" smtClean="0">
-                <a:solidFill>
-                  <a:schemeClr val="bg1">
-                    <a:lumMod val="65000"/>
-                  </a:schemeClr>
-                </a:solidFill>
-                <a:latin typeface="Arial" charset="0"/>
-                <a:ea typeface="Arial" charset="0"/>
-                <a:cs typeface="Arial" charset="0"/>
-              </a:rPr>
-              <a:t>vệ</a:t>
-            </a:r>
-            <a:r>
-              <a:rPr lang="en-US" sz="4000" dirty="0" smtClean="0">
-                <a:solidFill>
-                  <a:schemeClr val="bg1">
-                    <a:lumMod val="65000"/>
-                  </a:schemeClr>
-                </a:solidFill>
-                <a:latin typeface="Arial" charset="0"/>
-                <a:ea typeface="Arial" charset="0"/>
-                <a:cs typeface="Arial" charset="0"/>
-              </a:rPr>
-              <a:t> </a:t>
-            </a:r>
-            <a:r>
-              <a:rPr lang="en-US" sz="4000" dirty="0" err="1" smtClean="0">
-                <a:solidFill>
-                  <a:schemeClr val="bg1">
-                    <a:lumMod val="65000"/>
-                  </a:schemeClr>
-                </a:solidFill>
-                <a:latin typeface="Arial" charset="0"/>
-                <a:ea typeface="Arial" charset="0"/>
-                <a:cs typeface="Arial" charset="0"/>
-              </a:rPr>
-              <a:t>và</a:t>
-            </a:r>
-            <a:r>
-              <a:rPr lang="en-US" sz="4000" dirty="0" smtClean="0">
-                <a:solidFill>
-                  <a:schemeClr val="bg1">
-                    <a:lumMod val="65000"/>
-                  </a:schemeClr>
-                </a:solidFill>
-                <a:latin typeface="Arial" charset="0"/>
-                <a:ea typeface="Arial" charset="0"/>
-                <a:cs typeface="Arial" charset="0"/>
-              </a:rPr>
-              <a:t> </a:t>
-            </a:r>
-            <a:r>
-              <a:rPr lang="en-US" sz="4000" dirty="0" err="1" smtClean="0">
-                <a:solidFill>
-                  <a:schemeClr val="bg1">
-                    <a:lumMod val="65000"/>
-                  </a:schemeClr>
-                </a:solidFill>
-                <a:latin typeface="Arial" charset="0"/>
-                <a:ea typeface="Arial" charset="0"/>
-                <a:cs typeface="Arial" charset="0"/>
-              </a:rPr>
-              <a:t>cảnh</a:t>
-            </a:r>
-            <a:r>
-              <a:rPr lang="en-US" sz="4000" dirty="0" smtClean="0">
-                <a:solidFill>
-                  <a:schemeClr val="bg1">
-                    <a:lumMod val="65000"/>
-                  </a:schemeClr>
-                </a:solidFill>
-                <a:latin typeface="Arial" charset="0"/>
-                <a:ea typeface="Arial" charset="0"/>
-                <a:cs typeface="Arial" charset="0"/>
-              </a:rPr>
-              <a:t> </a:t>
-            </a:r>
-            <a:r>
-              <a:rPr lang="en-US" sz="4000" dirty="0" err="1" smtClean="0">
-                <a:solidFill>
-                  <a:schemeClr val="bg1">
-                    <a:lumMod val="65000"/>
-                  </a:schemeClr>
-                </a:solidFill>
-                <a:latin typeface="Arial" charset="0"/>
-                <a:ea typeface="Arial" charset="0"/>
-                <a:cs typeface="Arial" charset="0"/>
-              </a:rPr>
-              <a:t>báo</a:t>
-            </a:r>
-            <a:endParaRPr lang="en-US" sz="4000" dirty="0">
-              <a:solidFill>
-                <a:schemeClr val="bg1">
-                  <a:lumMod val="65000"/>
-                </a:schemeClr>
-              </a:solidFill>
-              <a:latin typeface="Arial" charset="0"/>
-              <a:ea typeface="Arial" charset="0"/>
-              <a:cs typeface="Arial" charset="0"/>
-            </a:endParaRPr>
-          </a:p>
-        </p:txBody>
-      </p:sp>
-      <p:grpSp>
-        <p:nvGrpSpPr>
-          <p:cNvPr id="21" name="Group 20">
-            <a:extLst>
-              <a:ext uri="{FF2B5EF4-FFF2-40B4-BE49-F238E27FC236}">
-                <a16:creationId xmlns:a16="http://schemas.microsoft.com/office/drawing/2014/main" id="{153F4246-CEED-4D1E-87E9-AF831143E541}"/>
-              </a:ext>
-            </a:extLst>
-          </p:cNvPr>
-          <p:cNvGrpSpPr/>
-          <p:nvPr/>
-        </p:nvGrpSpPr>
-        <p:grpSpPr>
-          <a:xfrm>
-            <a:off x="1273596" y="1947135"/>
-            <a:ext cx="788220" cy="748307"/>
-            <a:chOff x="1647030" y="3062208"/>
-            <a:chExt cx="788220" cy="748307"/>
-          </a:xfrm>
-        </p:grpSpPr>
-        <p:cxnSp>
-          <p:nvCxnSpPr>
-            <p:cNvPr id="22" name="Straight Connector 21">
-              <a:extLst>
-                <a:ext uri="{FF2B5EF4-FFF2-40B4-BE49-F238E27FC236}">
-                  <a16:creationId xmlns:a16="http://schemas.microsoft.com/office/drawing/2014/main" id="{802F08CF-D4D1-4A39-96BE-CB97F61D162B}"/>
-                </a:ext>
-              </a:extLst>
-            </p:cNvPr>
-            <p:cNvCxnSpPr>
-              <a:cxnSpLocks/>
-              <a:stCxn id="10" idx="0"/>
-            </p:cNvCxnSpPr>
-            <p:nvPr/>
-          </p:nvCxnSpPr>
-          <p:spPr>
-            <a:xfrm flipH="1" flipV="1">
-              <a:off x="2120691" y="3062208"/>
-              <a:ext cx="314559" cy="748307"/>
-            </a:xfrm>
-            <a:prstGeom prst="line">
-              <a:avLst/>
-            </a:prstGeom>
-            <a:ln>
-              <a:solidFill>
-                <a:srgbClr val="EF3078"/>
-              </a:solidFill>
-            </a:ln>
-          </p:spPr>
-          <p:style>
-            <a:lnRef idx="1">
-              <a:schemeClr val="accent1"/>
-            </a:lnRef>
-            <a:fillRef idx="0">
-              <a:schemeClr val="accent1"/>
-            </a:fillRef>
-            <a:effectRef idx="0">
-              <a:schemeClr val="accent1"/>
-            </a:effectRef>
-            <a:fontRef idx="minor">
-              <a:schemeClr val="tx1"/>
-            </a:fontRef>
-          </p:style>
-        </p:cxnSp>
-        <p:cxnSp>
-          <p:nvCxnSpPr>
-            <p:cNvPr id="23" name="Straight Connector 22">
-              <a:extLst>
-                <a:ext uri="{FF2B5EF4-FFF2-40B4-BE49-F238E27FC236}">
-                  <a16:creationId xmlns:a16="http://schemas.microsoft.com/office/drawing/2014/main" id="{35920BBA-8F71-4702-91A3-44392F84AAE5}"/>
-                </a:ext>
-              </a:extLst>
-            </p:cNvPr>
-            <p:cNvCxnSpPr>
-              <a:cxnSpLocks/>
-            </p:cNvCxnSpPr>
-            <p:nvPr/>
-          </p:nvCxnSpPr>
-          <p:spPr>
-            <a:xfrm flipH="1">
-              <a:off x="1647030" y="3062208"/>
-              <a:ext cx="471956" cy="0"/>
-            </a:xfrm>
-            <a:prstGeom prst="line">
-              <a:avLst/>
-            </a:prstGeom>
-            <a:ln>
-              <a:solidFill>
-                <a:srgbClr val="EF3078"/>
-              </a:solidFill>
-            </a:ln>
-          </p:spPr>
-          <p:style>
-            <a:lnRef idx="1">
-              <a:schemeClr val="accent1"/>
-            </a:lnRef>
-            <a:fillRef idx="0">
-              <a:schemeClr val="accent1"/>
-            </a:fillRef>
-            <a:effectRef idx="0">
-              <a:schemeClr val="accent1"/>
-            </a:effectRef>
-            <a:fontRef idx="minor">
-              <a:schemeClr val="tx1"/>
-            </a:fontRef>
-          </p:style>
-        </p:cxnSp>
-      </p:grpSp>
-      <p:grpSp>
-        <p:nvGrpSpPr>
-          <p:cNvPr id="39" name="Group 38">
-            <a:extLst>
-              <a:ext uri="{FF2B5EF4-FFF2-40B4-BE49-F238E27FC236}">
-                <a16:creationId xmlns:a16="http://schemas.microsoft.com/office/drawing/2014/main" id="{7D06F0A7-DAC2-4C40-B732-014C20C2F6D5}"/>
-              </a:ext>
-            </a:extLst>
-          </p:cNvPr>
-          <p:cNvGrpSpPr/>
-          <p:nvPr/>
-        </p:nvGrpSpPr>
-        <p:grpSpPr>
-          <a:xfrm>
-            <a:off x="-77020" y="1480465"/>
-            <a:ext cx="1387320" cy="780682"/>
-            <a:chOff x="345412" y="2411599"/>
-            <a:chExt cx="1387320" cy="780682"/>
-          </a:xfrm>
-        </p:grpSpPr>
-        <p:sp>
-          <p:nvSpPr>
-            <p:cNvPr id="40" name="TextBox 39">
-              <a:extLst>
-                <a:ext uri="{FF2B5EF4-FFF2-40B4-BE49-F238E27FC236}">
-                  <a16:creationId xmlns:a16="http://schemas.microsoft.com/office/drawing/2014/main" id="{FECAEFF9-14F9-420B-B81B-1A2D424B5A63}"/>
-                </a:ext>
-              </a:extLst>
-            </p:cNvPr>
-            <p:cNvSpPr txBox="1"/>
-            <p:nvPr/>
-          </p:nvSpPr>
-          <p:spPr>
-            <a:xfrm>
-              <a:off x="1007919" y="2411599"/>
-              <a:ext cx="724812" cy="461665"/>
-            </a:xfrm>
-            <a:prstGeom prst="rect">
-              <a:avLst/>
-            </a:prstGeom>
-            <a:noFill/>
-          </p:spPr>
-          <p:txBody>
-            <a:bodyPr wrap="square" rtlCol="0">
-              <a:spAutoFit/>
-            </a:bodyPr>
-            <a:lstStyle/>
-            <a:p>
-              <a:pPr algn="r"/>
-              <a:r>
-                <a:rPr lang="en-US" sz="2400" dirty="0" smtClean="0">
-                  <a:solidFill>
-                    <a:srgbClr val="EF3078"/>
-                  </a:solidFill>
-                  <a:latin typeface="Tw Cen MT" panose="020B0602020104020603" pitchFamily="34" charset="0"/>
-                </a:rPr>
-                <a:t>06</a:t>
-              </a:r>
-              <a:endParaRPr lang="en-US" sz="2400" dirty="0">
-                <a:solidFill>
-                  <a:srgbClr val="EF3078"/>
-                </a:solidFill>
-                <a:latin typeface="Tw Cen MT" panose="020B0602020104020603" pitchFamily="34" charset="0"/>
-              </a:endParaRPr>
-            </a:p>
-          </p:txBody>
-        </p:sp>
-        <p:sp>
-          <p:nvSpPr>
-            <p:cNvPr id="41" name="TextBox 40">
-              <a:extLst>
-                <a:ext uri="{FF2B5EF4-FFF2-40B4-BE49-F238E27FC236}">
-                  <a16:creationId xmlns:a16="http://schemas.microsoft.com/office/drawing/2014/main" id="{2E7256DD-6317-492A-853D-B93DE998E24A}"/>
-                </a:ext>
-              </a:extLst>
-            </p:cNvPr>
-            <p:cNvSpPr txBox="1"/>
-            <p:nvPr/>
-          </p:nvSpPr>
-          <p:spPr>
-            <a:xfrm>
-              <a:off x="345412" y="2730616"/>
-              <a:ext cx="1387320" cy="461665"/>
-            </a:xfrm>
-            <a:prstGeom prst="rect">
-              <a:avLst/>
-            </a:prstGeom>
-            <a:noFill/>
-          </p:spPr>
-          <p:txBody>
-            <a:bodyPr wrap="square" rtlCol="0">
-              <a:spAutoFit/>
-            </a:bodyPr>
-            <a:lstStyle/>
-            <a:p>
-              <a:pPr algn="r"/>
-              <a:r>
-                <a:rPr lang="en-US" sz="2400" dirty="0" smtClean="0">
-                  <a:solidFill>
-                    <a:srgbClr val="EF3078"/>
-                  </a:solidFill>
-                  <a:latin typeface="Arial" panose="020B0604020202020204" pitchFamily="34" charset="0"/>
-                  <a:cs typeface="Arial" panose="020B0604020202020204" pitchFamily="34" charset="0"/>
-                </a:rPr>
-                <a:t>Rút cáp</a:t>
-              </a:r>
-            </a:p>
-          </p:txBody>
-        </p:sp>
-      </p:grpSp>
-      <p:grpSp>
-        <p:nvGrpSpPr>
-          <p:cNvPr id="27" name="Group 26">
-            <a:extLst>
-              <a:ext uri="{FF2B5EF4-FFF2-40B4-BE49-F238E27FC236}">
-                <a16:creationId xmlns:a16="http://schemas.microsoft.com/office/drawing/2014/main" id="{7137FDAE-CE25-40E9-AFD7-49BA1463E3D5}"/>
-              </a:ext>
-            </a:extLst>
-          </p:cNvPr>
-          <p:cNvGrpSpPr/>
-          <p:nvPr/>
-        </p:nvGrpSpPr>
-        <p:grpSpPr>
-          <a:xfrm flipV="1">
-            <a:off x="2366108" y="5300900"/>
-            <a:ext cx="988771" cy="707135"/>
-            <a:chOff x="1666080" y="3059827"/>
-            <a:chExt cx="988771" cy="707135"/>
-          </a:xfrm>
-        </p:grpSpPr>
-        <p:cxnSp>
-          <p:nvCxnSpPr>
-            <p:cNvPr id="28" name="Straight Connector 27">
-              <a:extLst>
-                <a:ext uri="{FF2B5EF4-FFF2-40B4-BE49-F238E27FC236}">
-                  <a16:creationId xmlns:a16="http://schemas.microsoft.com/office/drawing/2014/main" id="{C83C8BAA-87B2-4130-A6CA-1525D506B1D2}"/>
-                </a:ext>
-              </a:extLst>
-            </p:cNvPr>
-            <p:cNvCxnSpPr>
-              <a:cxnSpLocks/>
-            </p:cNvCxnSpPr>
-            <p:nvPr/>
-          </p:nvCxnSpPr>
-          <p:spPr>
-            <a:xfrm flipH="1" flipV="1">
-              <a:off x="2135655" y="3059827"/>
-              <a:ext cx="519196" cy="707135"/>
-            </a:xfrm>
-            <a:prstGeom prst="line">
-              <a:avLst/>
-            </a:prstGeom>
-            <a:ln>
-              <a:solidFill>
-                <a:srgbClr val="EE9524"/>
-              </a:solidFill>
-            </a:ln>
-          </p:spPr>
-          <p:style>
-            <a:lnRef idx="1">
-              <a:schemeClr val="accent1"/>
-            </a:lnRef>
-            <a:fillRef idx="0">
-              <a:schemeClr val="accent1"/>
-            </a:fillRef>
-            <a:effectRef idx="0">
-              <a:schemeClr val="accent1"/>
-            </a:effectRef>
-            <a:fontRef idx="minor">
-              <a:schemeClr val="tx1"/>
-            </a:fontRef>
-          </p:style>
-        </p:cxnSp>
-        <p:cxnSp>
-          <p:nvCxnSpPr>
-            <p:cNvPr id="29" name="Straight Connector 28">
-              <a:extLst>
-                <a:ext uri="{FF2B5EF4-FFF2-40B4-BE49-F238E27FC236}">
-                  <a16:creationId xmlns:a16="http://schemas.microsoft.com/office/drawing/2014/main" id="{018D836A-5994-457C-AD4E-4304A9FBB1F8}"/>
-                </a:ext>
-              </a:extLst>
-            </p:cNvPr>
-            <p:cNvCxnSpPr>
-              <a:cxnSpLocks/>
-            </p:cNvCxnSpPr>
-            <p:nvPr/>
-          </p:nvCxnSpPr>
-          <p:spPr>
-            <a:xfrm flipH="1">
-              <a:off x="1666080" y="3062208"/>
-              <a:ext cx="471956" cy="0"/>
-            </a:xfrm>
-            <a:prstGeom prst="line">
-              <a:avLst/>
-            </a:prstGeom>
-            <a:ln>
-              <a:solidFill>
-                <a:srgbClr val="EE9524"/>
-              </a:solidFill>
-            </a:ln>
-          </p:spPr>
-          <p:style>
-            <a:lnRef idx="1">
-              <a:schemeClr val="accent1"/>
-            </a:lnRef>
-            <a:fillRef idx="0">
-              <a:schemeClr val="accent1"/>
-            </a:fillRef>
-            <a:effectRef idx="0">
-              <a:schemeClr val="accent1"/>
-            </a:effectRef>
-            <a:fontRef idx="minor">
-              <a:schemeClr val="tx1"/>
-            </a:fontRef>
-          </p:style>
-        </p:cxnSp>
-      </p:grpSp>
-      <p:grpSp>
-        <p:nvGrpSpPr>
-          <p:cNvPr id="43" name="Group 42">
-            <a:extLst>
-              <a:ext uri="{FF2B5EF4-FFF2-40B4-BE49-F238E27FC236}">
-                <a16:creationId xmlns:a16="http://schemas.microsoft.com/office/drawing/2014/main" id="{12804901-3BC3-4B63-B57A-680C61064136}"/>
-              </a:ext>
-            </a:extLst>
-          </p:cNvPr>
-          <p:cNvGrpSpPr/>
-          <p:nvPr/>
-        </p:nvGrpSpPr>
-        <p:grpSpPr>
-          <a:xfrm>
-            <a:off x="531594" y="5380903"/>
-            <a:ext cx="1823281" cy="1519346"/>
-            <a:chOff x="1441079" y="5072730"/>
-            <a:chExt cx="1387320" cy="1519346"/>
-          </a:xfrm>
-        </p:grpSpPr>
-        <p:sp>
-          <p:nvSpPr>
-            <p:cNvPr id="44" name="TextBox 43">
-              <a:extLst>
-                <a:ext uri="{FF2B5EF4-FFF2-40B4-BE49-F238E27FC236}">
-                  <a16:creationId xmlns:a16="http://schemas.microsoft.com/office/drawing/2014/main" id="{3D4F678F-40B7-4440-9805-D7FF30FB7FC8}"/>
-                </a:ext>
-              </a:extLst>
-            </p:cNvPr>
-            <p:cNvSpPr txBox="1"/>
-            <p:nvPr/>
-          </p:nvSpPr>
-          <p:spPr>
-            <a:xfrm>
-              <a:off x="2103586" y="5072730"/>
-              <a:ext cx="724812" cy="461665"/>
-            </a:xfrm>
-            <a:prstGeom prst="rect">
-              <a:avLst/>
-            </a:prstGeom>
-            <a:noFill/>
-          </p:spPr>
-          <p:txBody>
-            <a:bodyPr wrap="square" rtlCol="0">
-              <a:spAutoFit/>
-            </a:bodyPr>
-            <a:lstStyle/>
-            <a:p>
-              <a:pPr algn="r"/>
-              <a:r>
-                <a:rPr lang="en-US" sz="2400" dirty="0" smtClean="0">
-                  <a:solidFill>
-                    <a:srgbClr val="EE9524"/>
-                  </a:solidFill>
-                  <a:latin typeface="Tw Cen MT" panose="020B0602020104020603" pitchFamily="34" charset="0"/>
-                </a:rPr>
-                <a:t>07</a:t>
-              </a:r>
-              <a:endParaRPr lang="en-US" sz="2400" dirty="0">
-                <a:solidFill>
-                  <a:srgbClr val="EE9524"/>
-                </a:solidFill>
-                <a:latin typeface="Tw Cen MT" panose="020B0602020104020603" pitchFamily="34" charset="0"/>
-              </a:endParaRPr>
-            </a:p>
-          </p:txBody>
-        </p:sp>
-        <p:sp>
-          <p:nvSpPr>
-            <p:cNvPr id="45" name="TextBox 44">
-              <a:extLst>
-                <a:ext uri="{FF2B5EF4-FFF2-40B4-BE49-F238E27FC236}">
-                  <a16:creationId xmlns:a16="http://schemas.microsoft.com/office/drawing/2014/main" id="{E3B5B3C4-08D7-4F80-905A-16D436C0F2EA}"/>
-                </a:ext>
-              </a:extLst>
-            </p:cNvPr>
-            <p:cNvSpPr txBox="1"/>
-            <p:nvPr/>
-          </p:nvSpPr>
-          <p:spPr>
-            <a:xfrm>
-              <a:off x="1441079" y="5391747"/>
-              <a:ext cx="1387320" cy="1200329"/>
-            </a:xfrm>
-            <a:prstGeom prst="rect">
-              <a:avLst/>
-            </a:prstGeom>
-            <a:noFill/>
-          </p:spPr>
-          <p:txBody>
-            <a:bodyPr wrap="square" rtlCol="0">
-              <a:spAutoFit/>
-            </a:bodyPr>
-            <a:lstStyle/>
-            <a:p>
-              <a:pPr algn="r"/>
-              <a:r>
-                <a:rPr lang="en-US" sz="2400" dirty="0" smtClean="0">
-                  <a:solidFill>
-                    <a:srgbClr val="EE9524"/>
-                  </a:solidFill>
-                  <a:latin typeface="Arial" panose="020B0604020202020204" pitchFamily="34" charset="0"/>
-                  <a:cs typeface="Arial" panose="020B0604020202020204" pitchFamily="34" charset="0"/>
-                </a:rPr>
-                <a:t>Khóa và báo động</a:t>
-              </a:r>
-              <a:endParaRPr lang="en-US" sz="2400" dirty="0">
-                <a:solidFill>
-                  <a:srgbClr val="EE9524"/>
-                </a:solidFill>
-                <a:latin typeface="Arial" panose="020B0604020202020204" pitchFamily="34" charset="0"/>
-                <a:cs typeface="Arial" panose="020B0604020202020204" pitchFamily="34" charset="0"/>
-              </a:endParaRPr>
-            </a:p>
-          </p:txBody>
-        </p:sp>
-      </p:grpSp>
-      <p:grpSp>
-        <p:nvGrpSpPr>
-          <p:cNvPr id="24" name="Group 23">
-            <a:extLst>
-              <a:ext uri="{FF2B5EF4-FFF2-40B4-BE49-F238E27FC236}">
-                <a16:creationId xmlns:a16="http://schemas.microsoft.com/office/drawing/2014/main" id="{B3BFFE84-C695-4D53-9EB1-6E3F023237F6}"/>
-              </a:ext>
-            </a:extLst>
-          </p:cNvPr>
-          <p:cNvGrpSpPr/>
-          <p:nvPr/>
-        </p:nvGrpSpPr>
-        <p:grpSpPr>
-          <a:xfrm>
-            <a:off x="4432701" y="2054542"/>
-            <a:ext cx="988771" cy="707135"/>
-            <a:chOff x="4432701" y="2054542"/>
-            <a:chExt cx="988771" cy="707135"/>
-          </a:xfrm>
-        </p:grpSpPr>
-        <p:cxnSp>
-          <p:nvCxnSpPr>
-            <p:cNvPr id="25" name="Straight Connector 24">
-              <a:extLst>
-                <a:ext uri="{FF2B5EF4-FFF2-40B4-BE49-F238E27FC236}">
-                  <a16:creationId xmlns:a16="http://schemas.microsoft.com/office/drawing/2014/main" id="{CDB6677B-8513-496A-A326-EDBAA2BA9403}"/>
-                </a:ext>
-              </a:extLst>
-            </p:cNvPr>
-            <p:cNvCxnSpPr>
-              <a:cxnSpLocks/>
-            </p:cNvCxnSpPr>
-            <p:nvPr/>
-          </p:nvCxnSpPr>
-          <p:spPr>
-            <a:xfrm flipH="1" flipV="1">
-              <a:off x="4902276" y="2054542"/>
-              <a:ext cx="519196" cy="707135"/>
-            </a:xfrm>
-            <a:prstGeom prst="line">
-              <a:avLst/>
-            </a:prstGeom>
-            <a:ln>
-              <a:solidFill>
-                <a:srgbClr val="03A1A4"/>
-              </a:solidFill>
-            </a:ln>
-          </p:spPr>
-          <p:style>
-            <a:lnRef idx="1">
-              <a:schemeClr val="accent1"/>
-            </a:lnRef>
-            <a:fillRef idx="0">
-              <a:schemeClr val="accent1"/>
-            </a:fillRef>
-            <a:effectRef idx="0">
-              <a:schemeClr val="accent1"/>
-            </a:effectRef>
-            <a:fontRef idx="minor">
-              <a:schemeClr val="tx1"/>
-            </a:fontRef>
-          </p:style>
-        </p:cxnSp>
-        <p:cxnSp>
-          <p:nvCxnSpPr>
-            <p:cNvPr id="26" name="Straight Connector 25">
-              <a:extLst>
-                <a:ext uri="{FF2B5EF4-FFF2-40B4-BE49-F238E27FC236}">
-                  <a16:creationId xmlns:a16="http://schemas.microsoft.com/office/drawing/2014/main" id="{3003D7FC-94DB-4EDC-95C4-65A5F513BF89}"/>
-                </a:ext>
-              </a:extLst>
-            </p:cNvPr>
-            <p:cNvCxnSpPr>
-              <a:cxnSpLocks/>
-            </p:cNvCxnSpPr>
-            <p:nvPr/>
-          </p:nvCxnSpPr>
-          <p:spPr>
-            <a:xfrm flipH="1">
-              <a:off x="4432701" y="2056923"/>
-              <a:ext cx="471956" cy="0"/>
-            </a:xfrm>
-            <a:prstGeom prst="line">
-              <a:avLst/>
-            </a:prstGeom>
-            <a:ln>
-              <a:solidFill>
-                <a:srgbClr val="03A1A4"/>
-              </a:solidFill>
-            </a:ln>
-          </p:spPr>
-          <p:style>
-            <a:lnRef idx="1">
-              <a:schemeClr val="accent1"/>
-            </a:lnRef>
-            <a:fillRef idx="0">
-              <a:schemeClr val="accent1"/>
-            </a:fillRef>
-            <a:effectRef idx="0">
-              <a:schemeClr val="accent1"/>
-            </a:effectRef>
-            <a:fontRef idx="minor">
-              <a:schemeClr val="tx1"/>
-            </a:fontRef>
-          </p:style>
-        </p:cxnSp>
-      </p:grpSp>
-      <p:grpSp>
-        <p:nvGrpSpPr>
-          <p:cNvPr id="47" name="Group 46">
-            <a:extLst>
-              <a:ext uri="{FF2B5EF4-FFF2-40B4-BE49-F238E27FC236}">
-                <a16:creationId xmlns:a16="http://schemas.microsoft.com/office/drawing/2014/main" id="{D9DD4B7F-8A71-49A3-BC05-44E26D841E62}"/>
-              </a:ext>
-            </a:extLst>
-          </p:cNvPr>
-          <p:cNvGrpSpPr/>
-          <p:nvPr/>
-        </p:nvGrpSpPr>
-        <p:grpSpPr>
-          <a:xfrm>
-            <a:off x="3017283" y="1409141"/>
-            <a:ext cx="1387320" cy="1150014"/>
-            <a:chOff x="3045381" y="1552263"/>
-            <a:chExt cx="1387320" cy="1150014"/>
-          </a:xfrm>
-        </p:grpSpPr>
-        <p:sp>
-          <p:nvSpPr>
-            <p:cNvPr id="48" name="TextBox 47">
-              <a:extLst>
-                <a:ext uri="{FF2B5EF4-FFF2-40B4-BE49-F238E27FC236}">
-                  <a16:creationId xmlns:a16="http://schemas.microsoft.com/office/drawing/2014/main" id="{C2359718-1C0E-45C6-99D0-A3CB1814E621}"/>
-                </a:ext>
-              </a:extLst>
-            </p:cNvPr>
-            <p:cNvSpPr txBox="1"/>
-            <p:nvPr/>
-          </p:nvSpPr>
-          <p:spPr>
-            <a:xfrm>
-              <a:off x="3707888" y="1552263"/>
-              <a:ext cx="724812" cy="461665"/>
-            </a:xfrm>
-            <a:prstGeom prst="rect">
-              <a:avLst/>
-            </a:prstGeom>
-            <a:noFill/>
-          </p:spPr>
-          <p:txBody>
-            <a:bodyPr wrap="square" rtlCol="0">
-              <a:spAutoFit/>
-            </a:bodyPr>
-            <a:lstStyle/>
-            <a:p>
-              <a:pPr algn="r"/>
-              <a:r>
-                <a:rPr lang="en-US" sz="2400" dirty="0" smtClean="0">
-                  <a:solidFill>
-                    <a:srgbClr val="03A1A4"/>
-                  </a:solidFill>
-                  <a:latin typeface="Tw Cen MT" panose="020B0602020104020603" pitchFamily="34" charset="0"/>
-                </a:rPr>
-                <a:t>08</a:t>
-              </a:r>
-              <a:endParaRPr lang="en-US" sz="2400" dirty="0">
-                <a:solidFill>
-                  <a:srgbClr val="03A1A4"/>
-                </a:solidFill>
-                <a:latin typeface="Tw Cen MT" panose="020B0602020104020603" pitchFamily="34" charset="0"/>
-              </a:endParaRPr>
-            </a:p>
-          </p:txBody>
-        </p:sp>
-        <p:sp>
-          <p:nvSpPr>
-            <p:cNvPr id="49" name="TextBox 48">
-              <a:extLst>
-                <a:ext uri="{FF2B5EF4-FFF2-40B4-BE49-F238E27FC236}">
-                  <a16:creationId xmlns:a16="http://schemas.microsoft.com/office/drawing/2014/main" id="{83347D2D-8F9E-424F-8379-EE81B97BB648}"/>
-                </a:ext>
-              </a:extLst>
-            </p:cNvPr>
-            <p:cNvSpPr txBox="1"/>
-            <p:nvPr/>
-          </p:nvSpPr>
-          <p:spPr>
-            <a:xfrm>
-              <a:off x="3045381" y="1871280"/>
-              <a:ext cx="1387320" cy="830997"/>
-            </a:xfrm>
-            <a:prstGeom prst="rect">
-              <a:avLst/>
-            </a:prstGeom>
-            <a:noFill/>
-          </p:spPr>
-          <p:txBody>
-            <a:bodyPr wrap="square" rtlCol="0">
-              <a:spAutoFit/>
-            </a:bodyPr>
-            <a:lstStyle/>
-            <a:p>
-              <a:pPr algn="r"/>
-              <a:r>
-                <a:rPr lang="en-US" sz="2400" dirty="0" smtClean="0">
-                  <a:solidFill>
-                    <a:srgbClr val="03A1A4"/>
-                  </a:solidFill>
-                  <a:latin typeface="Arial" panose="020B0604020202020204" pitchFamily="34" charset="0"/>
-                  <a:cs typeface="Arial" panose="020B0604020202020204" pitchFamily="34" charset="0"/>
-                </a:rPr>
-                <a:t>Kết nối cáp</a:t>
-              </a:r>
-              <a:endParaRPr lang="en-US" sz="2400" dirty="0">
-                <a:solidFill>
-                  <a:srgbClr val="03A1A4"/>
-                </a:solidFill>
-                <a:latin typeface="Arial" panose="020B0604020202020204" pitchFamily="34" charset="0"/>
-                <a:cs typeface="Arial" panose="020B0604020202020204" pitchFamily="34" charset="0"/>
-              </a:endParaRPr>
-            </a:p>
-          </p:txBody>
-        </p:sp>
-      </p:grpSp>
-      <p:grpSp>
-        <p:nvGrpSpPr>
-          <p:cNvPr id="33" name="Group 32">
-            <a:extLst>
-              <a:ext uri="{FF2B5EF4-FFF2-40B4-BE49-F238E27FC236}">
-                <a16:creationId xmlns:a16="http://schemas.microsoft.com/office/drawing/2014/main" id="{C6E9A218-B141-4BD3-841A-BAB462C9175B}"/>
-              </a:ext>
-            </a:extLst>
-          </p:cNvPr>
-          <p:cNvGrpSpPr/>
-          <p:nvPr/>
-        </p:nvGrpSpPr>
-        <p:grpSpPr>
-          <a:xfrm flipH="1" flipV="1">
-            <a:off x="10110804" y="4528820"/>
-            <a:ext cx="746350" cy="852083"/>
-            <a:chOff x="562344" y="4421195"/>
-            <a:chExt cx="746350" cy="852083"/>
-          </a:xfrm>
-        </p:grpSpPr>
-        <p:cxnSp>
-          <p:nvCxnSpPr>
-            <p:cNvPr id="34" name="Straight Connector 33">
-              <a:extLst>
-                <a:ext uri="{FF2B5EF4-FFF2-40B4-BE49-F238E27FC236}">
-                  <a16:creationId xmlns:a16="http://schemas.microsoft.com/office/drawing/2014/main" id="{F7309261-EAF4-4065-B34C-74D63998B1F8}"/>
-                </a:ext>
-              </a:extLst>
-            </p:cNvPr>
-            <p:cNvCxnSpPr>
-              <a:cxnSpLocks/>
-              <a:stCxn id="14" idx="4"/>
-            </p:cNvCxnSpPr>
-            <p:nvPr/>
-          </p:nvCxnSpPr>
-          <p:spPr>
-            <a:xfrm flipH="1" flipV="1">
-              <a:off x="1107696" y="4421195"/>
-              <a:ext cx="200998" cy="852083"/>
-            </a:xfrm>
-            <a:prstGeom prst="line">
-              <a:avLst/>
-            </a:prstGeom>
-            <a:ln>
-              <a:solidFill>
-                <a:srgbClr val="3F3F3F"/>
-              </a:solidFill>
-            </a:ln>
-          </p:spPr>
-          <p:style>
-            <a:lnRef idx="1">
-              <a:schemeClr val="accent1"/>
-            </a:lnRef>
-            <a:fillRef idx="0">
-              <a:schemeClr val="accent1"/>
-            </a:fillRef>
-            <a:effectRef idx="0">
-              <a:schemeClr val="accent1"/>
-            </a:effectRef>
-            <a:fontRef idx="minor">
-              <a:schemeClr val="tx1"/>
-            </a:fontRef>
-          </p:style>
-        </p:cxnSp>
-        <p:cxnSp>
-          <p:nvCxnSpPr>
-            <p:cNvPr id="35" name="Straight Connector 34">
-              <a:extLst>
-                <a:ext uri="{FF2B5EF4-FFF2-40B4-BE49-F238E27FC236}">
-                  <a16:creationId xmlns:a16="http://schemas.microsoft.com/office/drawing/2014/main" id="{6F2BC3B5-DB71-4C84-AF89-168445886399}"/>
-                </a:ext>
-              </a:extLst>
-            </p:cNvPr>
-            <p:cNvCxnSpPr>
-              <a:cxnSpLocks/>
-            </p:cNvCxnSpPr>
-            <p:nvPr/>
-          </p:nvCxnSpPr>
-          <p:spPr>
-            <a:xfrm flipH="1">
-              <a:off x="562344" y="4434917"/>
-              <a:ext cx="545352" cy="12789"/>
-            </a:xfrm>
-            <a:prstGeom prst="line">
-              <a:avLst/>
-            </a:prstGeom>
-            <a:ln>
-              <a:solidFill>
-                <a:srgbClr val="3F3F3F"/>
-              </a:solidFill>
-            </a:ln>
-          </p:spPr>
-          <p:style>
-            <a:lnRef idx="1">
-              <a:schemeClr val="accent1"/>
-            </a:lnRef>
-            <a:fillRef idx="0">
-              <a:schemeClr val="accent1"/>
-            </a:fillRef>
-            <a:effectRef idx="0">
-              <a:schemeClr val="accent1"/>
-            </a:effectRef>
-            <a:fontRef idx="minor">
-              <a:schemeClr val="tx1"/>
-            </a:fontRef>
-          </p:style>
-        </p:cxnSp>
-      </p:grpSp>
-      <p:grpSp>
-        <p:nvGrpSpPr>
-          <p:cNvPr id="55" name="Group 54">
-            <a:extLst>
-              <a:ext uri="{FF2B5EF4-FFF2-40B4-BE49-F238E27FC236}">
-                <a16:creationId xmlns:a16="http://schemas.microsoft.com/office/drawing/2014/main" id="{948E0E04-F6AD-4204-A734-B8A0EC1E885D}"/>
-              </a:ext>
-            </a:extLst>
-          </p:cNvPr>
-          <p:cNvGrpSpPr/>
-          <p:nvPr/>
-        </p:nvGrpSpPr>
-        <p:grpSpPr>
-          <a:xfrm>
-            <a:off x="10798729" y="4620853"/>
-            <a:ext cx="1393271" cy="1520099"/>
-            <a:chOff x="9999052" y="4076531"/>
-            <a:chExt cx="1393271" cy="1520099"/>
-          </a:xfrm>
-        </p:grpSpPr>
-        <p:sp>
-          <p:nvSpPr>
-            <p:cNvPr id="56" name="TextBox 55">
-              <a:extLst>
-                <a:ext uri="{FF2B5EF4-FFF2-40B4-BE49-F238E27FC236}">
-                  <a16:creationId xmlns:a16="http://schemas.microsoft.com/office/drawing/2014/main" id="{4DD90853-2F30-480A-A4BC-AF61CA243D4E}"/>
-                </a:ext>
-              </a:extLst>
-            </p:cNvPr>
-            <p:cNvSpPr txBox="1"/>
-            <p:nvPr/>
-          </p:nvSpPr>
-          <p:spPr>
-            <a:xfrm>
-              <a:off x="9999052" y="4076531"/>
-              <a:ext cx="724812" cy="461665"/>
-            </a:xfrm>
-            <a:prstGeom prst="rect">
-              <a:avLst/>
-            </a:prstGeom>
-            <a:noFill/>
-          </p:spPr>
-          <p:txBody>
-            <a:bodyPr wrap="square" rtlCol="0">
-              <a:spAutoFit/>
-            </a:bodyPr>
-            <a:lstStyle/>
-            <a:p>
-              <a:r>
-                <a:rPr lang="en-US" sz="2400" dirty="0" smtClean="0">
-                  <a:solidFill>
-                    <a:srgbClr val="3F3F3F"/>
-                  </a:solidFill>
-                  <a:latin typeface="Tw Cen MT" panose="020B0602020104020603" pitchFamily="34" charset="0"/>
-                </a:rPr>
-                <a:t>10</a:t>
-              </a:r>
-              <a:endParaRPr lang="en-US" sz="2400" dirty="0">
-                <a:solidFill>
-                  <a:srgbClr val="3F3F3F"/>
-                </a:solidFill>
-                <a:latin typeface="Tw Cen MT" panose="020B0602020104020603" pitchFamily="34" charset="0"/>
-              </a:endParaRPr>
-            </a:p>
-          </p:txBody>
-        </p:sp>
-        <p:sp>
-          <p:nvSpPr>
-            <p:cNvPr id="57" name="TextBox 56">
-              <a:extLst>
-                <a:ext uri="{FF2B5EF4-FFF2-40B4-BE49-F238E27FC236}">
-                  <a16:creationId xmlns:a16="http://schemas.microsoft.com/office/drawing/2014/main" id="{13DF5F7D-8517-4858-B26A-117AEF6AD00D}"/>
-                </a:ext>
-              </a:extLst>
-            </p:cNvPr>
-            <p:cNvSpPr txBox="1"/>
-            <p:nvPr/>
-          </p:nvSpPr>
-          <p:spPr>
-            <a:xfrm>
-              <a:off x="10005003" y="4396301"/>
-              <a:ext cx="1387320" cy="1200329"/>
-            </a:xfrm>
-            <a:prstGeom prst="rect">
-              <a:avLst/>
-            </a:prstGeom>
-            <a:noFill/>
-          </p:spPr>
-          <p:txBody>
-            <a:bodyPr wrap="square" rtlCol="0">
-              <a:spAutoFit/>
-            </a:bodyPr>
-            <a:lstStyle/>
-            <a:p>
-              <a:r>
-                <a:rPr lang="en-US" sz="2400" dirty="0" smtClean="0">
-                  <a:solidFill>
-                    <a:srgbClr val="3F3F3F"/>
-                  </a:solidFill>
-                  <a:latin typeface="Arial" panose="020B0604020202020204" pitchFamily="34" charset="0"/>
-                  <a:cs typeface="Arial" panose="020B0604020202020204" pitchFamily="34" charset="0"/>
-                </a:rPr>
-                <a:t>Mở khóa thành công</a:t>
-              </a:r>
-              <a:endParaRPr lang="en-US" sz="2400" dirty="0">
-                <a:solidFill>
-                  <a:srgbClr val="3F3F3F"/>
-                </a:solidFill>
-                <a:latin typeface="Arial" panose="020B0604020202020204" pitchFamily="34" charset="0"/>
-                <a:cs typeface="Arial" panose="020B0604020202020204" pitchFamily="34" charset="0"/>
-              </a:endParaRPr>
-            </a:p>
-          </p:txBody>
-        </p:sp>
-      </p:grpSp>
-      <p:grpSp>
-        <p:nvGrpSpPr>
-          <p:cNvPr id="36" name="Group 35">
-            <a:extLst>
-              <a:ext uri="{FF2B5EF4-FFF2-40B4-BE49-F238E27FC236}">
-                <a16:creationId xmlns:a16="http://schemas.microsoft.com/office/drawing/2014/main" id="{B1ACE9A5-0AAC-4005-87FD-533CB273E3AF}"/>
-              </a:ext>
-            </a:extLst>
-          </p:cNvPr>
-          <p:cNvGrpSpPr/>
-          <p:nvPr/>
-        </p:nvGrpSpPr>
-        <p:grpSpPr>
-          <a:xfrm flipH="1">
-            <a:off x="7946714" y="2035391"/>
-            <a:ext cx="803471" cy="1854469"/>
-            <a:chOff x="1642109" y="2771960"/>
-            <a:chExt cx="430045" cy="992570"/>
-          </a:xfrm>
-        </p:grpSpPr>
-        <p:cxnSp>
-          <p:nvCxnSpPr>
-            <p:cNvPr id="37" name="Straight Connector 36">
-              <a:extLst>
-                <a:ext uri="{FF2B5EF4-FFF2-40B4-BE49-F238E27FC236}">
-                  <a16:creationId xmlns:a16="http://schemas.microsoft.com/office/drawing/2014/main" id="{BEBF1710-C0A2-443D-9E66-877BD8FA726A}"/>
-                </a:ext>
-              </a:extLst>
-            </p:cNvPr>
-            <p:cNvCxnSpPr>
-              <a:cxnSpLocks/>
-              <a:stCxn id="13" idx="0"/>
-            </p:cNvCxnSpPr>
-            <p:nvPr/>
-          </p:nvCxnSpPr>
-          <p:spPr>
-            <a:xfrm flipH="1" flipV="1">
-              <a:off x="1909334" y="2771960"/>
-              <a:ext cx="162820" cy="992570"/>
-            </a:xfrm>
-            <a:prstGeom prst="line">
-              <a:avLst/>
-            </a:prstGeom>
-            <a:ln>
-              <a:solidFill>
-                <a:srgbClr val="385723"/>
-              </a:solidFill>
-            </a:ln>
-          </p:spPr>
-          <p:style>
-            <a:lnRef idx="1">
-              <a:schemeClr val="accent1"/>
-            </a:lnRef>
-            <a:fillRef idx="0">
-              <a:schemeClr val="accent1"/>
-            </a:fillRef>
-            <a:effectRef idx="0">
-              <a:schemeClr val="accent1"/>
-            </a:effectRef>
-            <a:fontRef idx="minor">
-              <a:schemeClr val="tx1"/>
-            </a:fontRef>
-          </p:style>
-        </p:cxnSp>
-        <p:cxnSp>
-          <p:nvCxnSpPr>
-            <p:cNvPr id="38" name="Straight Connector 37">
-              <a:extLst>
-                <a:ext uri="{FF2B5EF4-FFF2-40B4-BE49-F238E27FC236}">
-                  <a16:creationId xmlns:a16="http://schemas.microsoft.com/office/drawing/2014/main" id="{D25F5471-E0F2-4736-A975-B0CD1D80AA97}"/>
-                </a:ext>
-              </a:extLst>
-            </p:cNvPr>
-            <p:cNvCxnSpPr>
-              <a:cxnSpLocks/>
-            </p:cNvCxnSpPr>
-            <p:nvPr/>
-          </p:nvCxnSpPr>
-          <p:spPr>
-            <a:xfrm flipH="1">
-              <a:off x="1642109" y="2773093"/>
-              <a:ext cx="267874" cy="0"/>
-            </a:xfrm>
-            <a:prstGeom prst="line">
-              <a:avLst/>
-            </a:prstGeom>
-            <a:ln>
-              <a:solidFill>
-                <a:srgbClr val="385723"/>
-              </a:solidFill>
-            </a:ln>
-          </p:spPr>
-          <p:style>
-            <a:lnRef idx="1">
-              <a:schemeClr val="accent1"/>
-            </a:lnRef>
-            <a:fillRef idx="0">
-              <a:schemeClr val="accent1"/>
-            </a:fillRef>
-            <a:effectRef idx="0">
-              <a:schemeClr val="accent1"/>
-            </a:effectRef>
-            <a:fontRef idx="minor">
-              <a:schemeClr val="tx1"/>
-            </a:fontRef>
-          </p:style>
-        </p:cxnSp>
-      </p:grpSp>
-      <p:grpSp>
-        <p:nvGrpSpPr>
-          <p:cNvPr id="59" name="Group 58">
-            <a:extLst>
-              <a:ext uri="{FF2B5EF4-FFF2-40B4-BE49-F238E27FC236}">
-                <a16:creationId xmlns:a16="http://schemas.microsoft.com/office/drawing/2014/main" id="{4B33EF84-99D9-4E3D-98A7-243B4B204E8F}"/>
-              </a:ext>
-            </a:extLst>
-          </p:cNvPr>
-          <p:cNvGrpSpPr/>
-          <p:nvPr/>
-        </p:nvGrpSpPr>
-        <p:grpSpPr>
-          <a:xfrm>
-            <a:off x="8732032" y="1333393"/>
-            <a:ext cx="1839459" cy="1520099"/>
-            <a:chOff x="8426780" y="1700156"/>
-            <a:chExt cx="1393271" cy="1520099"/>
-          </a:xfrm>
-        </p:grpSpPr>
-        <p:sp>
-          <p:nvSpPr>
-            <p:cNvPr id="60" name="TextBox 59">
-              <a:extLst>
-                <a:ext uri="{FF2B5EF4-FFF2-40B4-BE49-F238E27FC236}">
-                  <a16:creationId xmlns:a16="http://schemas.microsoft.com/office/drawing/2014/main" id="{3E41AE78-9E30-4CD4-9440-DE30C5519E6F}"/>
-                </a:ext>
-              </a:extLst>
-            </p:cNvPr>
-            <p:cNvSpPr txBox="1"/>
-            <p:nvPr/>
-          </p:nvSpPr>
-          <p:spPr>
-            <a:xfrm>
-              <a:off x="8426780" y="1700156"/>
-              <a:ext cx="724812" cy="461665"/>
-            </a:xfrm>
-            <a:prstGeom prst="rect">
-              <a:avLst/>
-            </a:prstGeom>
-            <a:noFill/>
-          </p:spPr>
-          <p:txBody>
-            <a:bodyPr wrap="square" rtlCol="0">
-              <a:spAutoFit/>
-            </a:bodyPr>
-            <a:lstStyle/>
-            <a:p>
-              <a:r>
-                <a:rPr lang="en-US" sz="2400" dirty="0" smtClean="0">
-                  <a:solidFill>
-                    <a:srgbClr val="385723"/>
-                  </a:solidFill>
-                  <a:latin typeface="Tw Cen MT" panose="020B0602020104020603" pitchFamily="34" charset="0"/>
-                </a:rPr>
-                <a:t>09</a:t>
-              </a:r>
-              <a:endParaRPr lang="en-US" sz="2400" dirty="0">
-                <a:solidFill>
-                  <a:srgbClr val="385723"/>
-                </a:solidFill>
-                <a:latin typeface="Tw Cen MT" panose="020B0602020104020603" pitchFamily="34" charset="0"/>
-              </a:endParaRPr>
-            </a:p>
-          </p:txBody>
-        </p:sp>
-        <p:sp>
-          <p:nvSpPr>
-            <p:cNvPr id="61" name="TextBox 60">
-              <a:extLst>
-                <a:ext uri="{FF2B5EF4-FFF2-40B4-BE49-F238E27FC236}">
-                  <a16:creationId xmlns:a16="http://schemas.microsoft.com/office/drawing/2014/main" id="{DBF60901-7459-4FFF-BFAB-332F5872E18A}"/>
-                </a:ext>
-              </a:extLst>
-            </p:cNvPr>
-            <p:cNvSpPr txBox="1"/>
-            <p:nvPr/>
-          </p:nvSpPr>
-          <p:spPr>
-            <a:xfrm>
-              <a:off x="8432731" y="2019926"/>
-              <a:ext cx="1387320" cy="1200329"/>
-            </a:xfrm>
-            <a:prstGeom prst="rect">
-              <a:avLst/>
-            </a:prstGeom>
-            <a:noFill/>
-          </p:spPr>
-          <p:txBody>
-            <a:bodyPr wrap="square" rtlCol="0">
-              <a:spAutoFit/>
-            </a:bodyPr>
-            <a:lstStyle/>
-            <a:p>
-              <a:r>
-                <a:rPr lang="en-US" sz="2400" dirty="0" smtClean="0">
-                  <a:solidFill>
-                    <a:srgbClr val="385723"/>
-                  </a:solidFill>
-                  <a:latin typeface="Arial" panose="020B0604020202020204" pitchFamily="34" charset="0"/>
-                  <a:cs typeface="Arial" panose="020B0604020202020204" pitchFamily="34" charset="0"/>
-                </a:rPr>
-                <a:t>Yêu cầu mật khẩu</a:t>
-              </a:r>
-              <a:endParaRPr lang="en-US" sz="2400" dirty="0">
-                <a:solidFill>
-                  <a:srgbClr val="385723"/>
-                </a:solidFill>
-                <a:latin typeface="Arial" panose="020B0604020202020204" pitchFamily="34" charset="0"/>
-                <a:cs typeface="Arial" panose="020B0604020202020204" pitchFamily="34" charset="0"/>
-              </a:endParaRPr>
-            </a:p>
-          </p:txBody>
-        </p:sp>
-      </p:grpSp>
-      <p:grpSp>
-        <p:nvGrpSpPr>
-          <p:cNvPr id="74" name="Group 73"/>
-          <p:cNvGrpSpPr/>
-          <p:nvPr/>
-        </p:nvGrpSpPr>
-        <p:grpSpPr>
-          <a:xfrm>
-            <a:off x="7048092" y="3889862"/>
-            <a:ext cx="1797206" cy="1797206"/>
-            <a:chOff x="6559593" y="3663215"/>
-            <a:chExt cx="1151673" cy="1151673"/>
-          </a:xfrm>
-          <a:effectLst>
-            <a:outerShdw blurRad="50800" dist="38100" dir="5400000" algn="t" rotWithShape="0">
-              <a:prstClr val="black">
-                <a:alpha val="40000"/>
-              </a:prstClr>
-            </a:outerShdw>
-          </a:effectLst>
-        </p:grpSpPr>
-        <p:sp>
-          <p:nvSpPr>
-            <p:cNvPr id="13" name="Oval 12">
-              <a:extLst>
-                <a:ext uri="{FF2B5EF4-FFF2-40B4-BE49-F238E27FC236}">
-                  <a16:creationId xmlns:a16="http://schemas.microsoft.com/office/drawing/2014/main" id="{69F6674A-9F6A-4ECF-8B1A-B5CD331C63F8}"/>
-                </a:ext>
-              </a:extLst>
-            </p:cNvPr>
-            <p:cNvSpPr/>
-            <p:nvPr/>
-          </p:nvSpPr>
-          <p:spPr>
-            <a:xfrm>
-              <a:off x="6559593" y="3663215"/>
-              <a:ext cx="1151673" cy="1151673"/>
-            </a:xfrm>
-            <a:prstGeom prst="ellipse">
-              <a:avLst/>
-            </a:prstGeom>
-            <a:solidFill>
-              <a:schemeClr val="accent6">
-                <a:lumMod val="20000"/>
-                <a:lumOff val="80000"/>
-              </a:schemeClr>
-            </a:solidFill>
-            <a:ln>
-              <a:solidFill>
-                <a:srgbClr val="385723"/>
-              </a:solidFill>
-            </a:ln>
-          </p:spPr>
-          <p:style>
-            <a:lnRef idx="2">
-              <a:schemeClr val="accent1">
-                <a:shade val="50000"/>
-              </a:schemeClr>
-            </a:lnRef>
-            <a:fillRef idx="1">
-              <a:schemeClr val="accent1"/>
-            </a:fillRef>
-            <a:effectRef idx="0">
-              <a:schemeClr val="accent1"/>
-            </a:effectRef>
-            <a:fontRef idx="minor">
-              <a:schemeClr val="lt1"/>
-            </a:fontRef>
-          </p:style>
-          <p:txBody>
-            <a:bodyPr rtlCol="0" anchor="ctr"/>
-            <a:lstStyle/>
-            <a:p>
-              <a:pPr algn="ctr"/>
-              <a:endParaRPr lang="en-US"/>
-            </a:p>
-          </p:txBody>
-        </p:sp>
-        <p:pic>
-          <p:nvPicPr>
-            <p:cNvPr id="69" name="Picture 68"/>
-            <p:cNvPicPr>
-              <a:picLocks noChangeAspect="1"/>
-            </p:cNvPicPr>
-            <p:nvPr/>
-          </p:nvPicPr>
-          <p:blipFill>
-            <a:blip r:embed="rId3">
-              <a:extLst>
-                <a:ext uri="{28A0092B-C50C-407E-A947-70E740481C1C}">
-                  <a14:useLocalDpi xmlns:a14="http://schemas.microsoft.com/office/drawing/2010/main" val="0"/>
-                </a:ext>
-              </a:extLst>
-            </a:blip>
-            <a:stretch>
-              <a:fillRect/>
-            </a:stretch>
-          </p:blipFill>
-          <p:spPr>
-            <a:xfrm>
-              <a:off x="6875307" y="3888292"/>
-              <a:ext cx="467615" cy="774131"/>
-            </a:xfrm>
-            <a:prstGeom prst="rect">
-              <a:avLst/>
-            </a:prstGeom>
-          </p:spPr>
-        </p:pic>
-      </p:grpSp>
-      <p:grpSp>
-        <p:nvGrpSpPr>
-          <p:cNvPr id="16" name="Group 15"/>
-          <p:cNvGrpSpPr/>
-          <p:nvPr/>
-        </p:nvGrpSpPr>
-        <p:grpSpPr>
-          <a:xfrm>
-            <a:off x="1186746" y="2695442"/>
-            <a:ext cx="1750139" cy="1750139"/>
-            <a:chOff x="1186746" y="2695442"/>
-            <a:chExt cx="1750139" cy="1750139"/>
-          </a:xfrm>
-        </p:grpSpPr>
-        <p:sp>
-          <p:nvSpPr>
-            <p:cNvPr id="10" name="Oval 9">
-              <a:extLst>
-                <a:ext uri="{FF2B5EF4-FFF2-40B4-BE49-F238E27FC236}">
-                  <a16:creationId xmlns:a16="http://schemas.microsoft.com/office/drawing/2014/main" id="{6E22B37A-CCC7-4E5B-82F9-79A278CAA082}"/>
-                </a:ext>
-              </a:extLst>
-            </p:cNvPr>
-            <p:cNvSpPr/>
-            <p:nvPr/>
-          </p:nvSpPr>
-          <p:spPr>
-            <a:xfrm>
-              <a:off x="1186746" y="2695442"/>
-              <a:ext cx="1750139" cy="1750139"/>
-            </a:xfrm>
-            <a:prstGeom prst="ellipse">
-              <a:avLst/>
-            </a:prstGeom>
-            <a:solidFill>
-              <a:schemeClr val="accent6">
-                <a:lumMod val="20000"/>
-                <a:lumOff val="80000"/>
-              </a:schemeClr>
-            </a:solidFill>
-            <a:ln>
-              <a:solidFill>
-                <a:srgbClr val="F25892"/>
-              </a:solidFill>
-            </a:ln>
-            <a:effectLst>
-              <a:outerShdw blurRad="50800" dist="38100" dir="2700000" algn="tl" rotWithShape="0">
-                <a:prstClr val="black">
-                  <a:alpha val="40000"/>
-                </a:prstClr>
-              </a:outerShdw>
-            </a:effectLst>
-          </p:spPr>
-          <p:style>
-            <a:lnRef idx="2">
-              <a:schemeClr val="accent1">
-                <a:shade val="50000"/>
-              </a:schemeClr>
-            </a:lnRef>
-            <a:fillRef idx="1">
-              <a:schemeClr val="accent1"/>
-            </a:fillRef>
-            <a:effectRef idx="0">
-              <a:schemeClr val="accent1"/>
-            </a:effectRef>
-            <a:fontRef idx="minor">
-              <a:schemeClr val="lt1"/>
-            </a:fontRef>
-          </p:style>
-          <p:txBody>
-            <a:bodyPr rtlCol="0" anchor="ctr"/>
-            <a:lstStyle/>
-            <a:p>
-              <a:pPr algn="ctr"/>
-              <a:endParaRPr lang="en-US"/>
-            </a:p>
-          </p:txBody>
-        </p:sp>
-        <p:pic>
-          <p:nvPicPr>
-            <p:cNvPr id="58" name="Picture 57"/>
-            <p:cNvPicPr>
-              <a:picLocks noChangeAspect="1"/>
-            </p:cNvPicPr>
-            <p:nvPr/>
-          </p:nvPicPr>
-          <p:blipFill>
-            <a:blip r:embed="rId4">
-              <a:extLst>
-                <a:ext uri="{28A0092B-C50C-407E-A947-70E740481C1C}">
-                  <a14:useLocalDpi xmlns:a14="http://schemas.microsoft.com/office/drawing/2010/main" val="0"/>
-                </a:ext>
-              </a:extLst>
-            </a:blip>
-            <a:stretch>
-              <a:fillRect/>
-            </a:stretch>
-          </p:blipFill>
-          <p:spPr>
-            <a:xfrm>
-              <a:off x="1694709" y="2987746"/>
-              <a:ext cx="1128643" cy="1370788"/>
-            </a:xfrm>
-            <a:prstGeom prst="rect">
-              <a:avLst/>
-            </a:prstGeom>
-          </p:spPr>
-        </p:pic>
-      </p:grpSp>
-      <p:grpSp>
-        <p:nvGrpSpPr>
-          <p:cNvPr id="18" name="Group 17"/>
-          <p:cNvGrpSpPr/>
-          <p:nvPr/>
-        </p:nvGrpSpPr>
-        <p:grpSpPr>
-          <a:xfrm>
-            <a:off x="4926499" y="2649873"/>
-            <a:ext cx="1946175" cy="1946175"/>
-            <a:chOff x="4926499" y="2649873"/>
-            <a:chExt cx="1946175" cy="1946175"/>
-          </a:xfrm>
-        </p:grpSpPr>
-        <p:sp>
-          <p:nvSpPr>
-            <p:cNvPr id="12" name="Oval 11">
-              <a:extLst>
-                <a:ext uri="{FF2B5EF4-FFF2-40B4-BE49-F238E27FC236}">
-                  <a16:creationId xmlns:a16="http://schemas.microsoft.com/office/drawing/2014/main" id="{BC59DA09-2750-4F0C-898C-08F0F54C4ACB}"/>
-                </a:ext>
-              </a:extLst>
-            </p:cNvPr>
-            <p:cNvSpPr/>
-            <p:nvPr/>
-          </p:nvSpPr>
-          <p:spPr>
-            <a:xfrm>
-              <a:off x="4926499" y="2649873"/>
-              <a:ext cx="1946175" cy="1946175"/>
-            </a:xfrm>
-            <a:prstGeom prst="ellipse">
-              <a:avLst/>
-            </a:prstGeom>
-            <a:solidFill>
-              <a:schemeClr val="accent6">
-                <a:lumMod val="20000"/>
-                <a:lumOff val="80000"/>
-              </a:schemeClr>
-            </a:solidFill>
-            <a:ln>
-              <a:solidFill>
-                <a:srgbClr val="03A1A4"/>
-              </a:solidFill>
-            </a:ln>
-          </p:spPr>
-          <p:style>
-            <a:lnRef idx="2">
-              <a:schemeClr val="accent1"/>
-            </a:lnRef>
-            <a:fillRef idx="1">
-              <a:schemeClr val="lt1"/>
-            </a:fillRef>
-            <a:effectRef idx="0">
-              <a:schemeClr val="accent1"/>
-            </a:effectRef>
-            <a:fontRef idx="minor">
-              <a:schemeClr val="dk1"/>
-            </a:fontRef>
-          </p:style>
-          <p:txBody>
-            <a:bodyPr rtlCol="0" anchor="ctr"/>
-            <a:lstStyle/>
-            <a:p>
-              <a:pPr algn="ctr"/>
-              <a:endParaRPr lang="en-US"/>
-            </a:p>
-          </p:txBody>
-        </p:sp>
-        <p:pic>
-          <p:nvPicPr>
-            <p:cNvPr id="63" name="Picture 62"/>
-            <p:cNvPicPr>
-              <a:picLocks noChangeAspect="1"/>
-            </p:cNvPicPr>
-            <p:nvPr/>
-          </p:nvPicPr>
-          <p:blipFill>
-            <a:blip r:embed="rId5">
-              <a:extLst>
-                <a:ext uri="{28A0092B-C50C-407E-A947-70E740481C1C}">
-                  <a14:useLocalDpi xmlns:a14="http://schemas.microsoft.com/office/drawing/2010/main" val="0"/>
-                </a:ext>
-              </a:extLst>
-            </a:blip>
-            <a:stretch>
-              <a:fillRect/>
-            </a:stretch>
-          </p:blipFill>
-          <p:spPr>
-            <a:xfrm>
-              <a:off x="5488417" y="2962625"/>
-              <a:ext cx="1298836" cy="1577495"/>
-            </a:xfrm>
-            <a:prstGeom prst="rect">
-              <a:avLst/>
-            </a:prstGeom>
-          </p:spPr>
-        </p:pic>
-      </p:grpSp>
-      <p:grpSp>
-        <p:nvGrpSpPr>
-          <p:cNvPr id="20" name="Group 19"/>
-          <p:cNvGrpSpPr/>
-          <p:nvPr/>
-        </p:nvGrpSpPr>
-        <p:grpSpPr>
-          <a:xfrm>
-            <a:off x="3088595" y="3799715"/>
-            <a:ext cx="1736932" cy="1736932"/>
-            <a:chOff x="3088595" y="3799715"/>
-            <a:chExt cx="1736932" cy="1736932"/>
-          </a:xfrm>
-        </p:grpSpPr>
-        <p:sp>
-          <p:nvSpPr>
-            <p:cNvPr id="11" name="Oval 10">
-              <a:extLst>
-                <a:ext uri="{FF2B5EF4-FFF2-40B4-BE49-F238E27FC236}">
-                  <a16:creationId xmlns:a16="http://schemas.microsoft.com/office/drawing/2014/main" id="{788C3841-127A-479B-94BD-220B2EDCAB6E}"/>
-                </a:ext>
-              </a:extLst>
-            </p:cNvPr>
-            <p:cNvSpPr/>
-            <p:nvPr/>
-          </p:nvSpPr>
-          <p:spPr>
-            <a:xfrm>
-              <a:off x="3088595" y="3799715"/>
-              <a:ext cx="1736932" cy="1736932"/>
-            </a:xfrm>
-            <a:prstGeom prst="ellipse">
-              <a:avLst/>
-            </a:prstGeom>
-            <a:solidFill>
-              <a:schemeClr val="accent6">
-                <a:lumMod val="20000"/>
-                <a:lumOff val="80000"/>
-              </a:schemeClr>
-            </a:solidFill>
-            <a:ln w="19050">
-              <a:solidFill>
-                <a:srgbClr val="EE9524"/>
-              </a:solidFill>
-            </a:ln>
-            <a:effectLst>
-              <a:outerShdw blurRad="50800" dist="38100" dir="2700000" algn="tl" rotWithShape="0">
-                <a:prstClr val="black">
-                  <a:alpha val="40000"/>
-                </a:prstClr>
-              </a:outerShdw>
-            </a:effectLst>
-          </p:spPr>
-          <p:style>
-            <a:lnRef idx="2">
-              <a:schemeClr val="accent1">
-                <a:shade val="50000"/>
-              </a:schemeClr>
-            </a:lnRef>
-            <a:fillRef idx="1">
-              <a:schemeClr val="accent1"/>
-            </a:fillRef>
-            <a:effectRef idx="0">
-              <a:schemeClr val="accent1"/>
-            </a:effectRef>
-            <a:fontRef idx="minor">
-              <a:schemeClr val="lt1"/>
-            </a:fontRef>
-          </p:style>
-          <p:txBody>
-            <a:bodyPr rtlCol="0" anchor="ctr"/>
-            <a:lstStyle/>
-            <a:p>
-              <a:pPr algn="ctr"/>
-              <a:endParaRPr lang="en-US"/>
-            </a:p>
-          </p:txBody>
-        </p:sp>
-        <p:pic>
-          <p:nvPicPr>
-            <p:cNvPr id="19" name="Picture 18"/>
-            <p:cNvPicPr>
-              <a:picLocks noChangeAspect="1"/>
-            </p:cNvPicPr>
-            <p:nvPr/>
-          </p:nvPicPr>
-          <p:blipFill>
-            <a:blip r:embed="rId6">
-              <a:extLst>
-                <a:ext uri="{28A0092B-C50C-407E-A947-70E740481C1C}">
-                  <a14:useLocalDpi xmlns:a14="http://schemas.microsoft.com/office/drawing/2010/main" val="0"/>
-                </a:ext>
-              </a:extLst>
-            </a:blip>
-            <a:stretch>
-              <a:fillRect/>
-            </a:stretch>
-          </p:blipFill>
-          <p:spPr>
-            <a:xfrm>
-              <a:off x="3408383" y="4027030"/>
-              <a:ext cx="1122794" cy="1406577"/>
-            </a:xfrm>
-            <a:prstGeom prst="rect">
-              <a:avLst/>
-            </a:prstGeom>
-          </p:spPr>
-        </p:pic>
-      </p:grpSp>
-      <p:grpSp>
-        <p:nvGrpSpPr>
-          <p:cNvPr id="31" name="Group 30"/>
-          <p:cNvGrpSpPr/>
-          <p:nvPr/>
-        </p:nvGrpSpPr>
-        <p:grpSpPr>
-          <a:xfrm>
-            <a:off x="9152494" y="2612201"/>
-            <a:ext cx="1916619" cy="1916619"/>
-            <a:chOff x="9152494" y="2612201"/>
-            <a:chExt cx="1916619" cy="1916619"/>
-          </a:xfrm>
-        </p:grpSpPr>
-        <p:sp>
-          <p:nvSpPr>
-            <p:cNvPr id="14" name="Oval 13">
-              <a:extLst>
-                <a:ext uri="{FF2B5EF4-FFF2-40B4-BE49-F238E27FC236}">
-                  <a16:creationId xmlns:a16="http://schemas.microsoft.com/office/drawing/2014/main" id="{3F5A07E2-72FE-479E-9CC4-3AE297809FA7}"/>
-                </a:ext>
-              </a:extLst>
-            </p:cNvPr>
-            <p:cNvSpPr/>
-            <p:nvPr/>
-          </p:nvSpPr>
-          <p:spPr>
-            <a:xfrm>
-              <a:off x="9152494" y="2612201"/>
-              <a:ext cx="1916619" cy="1916619"/>
-            </a:xfrm>
-            <a:prstGeom prst="ellipse">
-              <a:avLst/>
-            </a:prstGeom>
-            <a:solidFill>
-              <a:schemeClr val="accent6">
-                <a:lumMod val="20000"/>
-                <a:lumOff val="80000"/>
-              </a:schemeClr>
-            </a:solidFill>
-            <a:ln>
-              <a:solidFill>
-                <a:srgbClr val="3F3F3F"/>
-              </a:solidFill>
-            </a:ln>
-            <a:effectLst>
-              <a:outerShdw blurRad="50800" dist="38100" dir="5400000" algn="t" rotWithShape="0">
-                <a:prstClr val="black">
-                  <a:alpha val="40000"/>
-                </a:prstClr>
-              </a:outerShdw>
-            </a:effectLst>
-          </p:spPr>
-          <p:style>
-            <a:lnRef idx="2">
-              <a:schemeClr val="accent1">
-                <a:shade val="50000"/>
-              </a:schemeClr>
-            </a:lnRef>
-            <a:fillRef idx="1">
-              <a:schemeClr val="accent1"/>
-            </a:fillRef>
-            <a:effectRef idx="0">
-              <a:schemeClr val="accent1"/>
-            </a:effectRef>
-            <a:fontRef idx="minor">
-              <a:schemeClr val="lt1"/>
-            </a:fontRef>
-          </p:style>
-          <p:txBody>
-            <a:bodyPr rtlCol="0" anchor="ctr"/>
-            <a:lstStyle/>
-            <a:p>
-              <a:pPr algn="ctr"/>
-              <a:endParaRPr lang="en-US"/>
-            </a:p>
-          </p:txBody>
-        </p:sp>
-        <p:pic>
-          <p:nvPicPr>
-            <p:cNvPr id="30" name="Picture 29"/>
-            <p:cNvPicPr>
-              <a:picLocks noChangeAspect="1"/>
-            </p:cNvPicPr>
-            <p:nvPr/>
-          </p:nvPicPr>
-          <p:blipFill>
-            <a:blip r:embed="rId7">
-              <a:extLst>
-                <a:ext uri="{28A0092B-C50C-407E-A947-70E740481C1C}">
-                  <a14:useLocalDpi xmlns:a14="http://schemas.microsoft.com/office/drawing/2010/main" val="0"/>
-                </a:ext>
-              </a:extLst>
-            </a:blip>
-            <a:stretch>
-              <a:fillRect/>
-            </a:stretch>
-          </p:blipFill>
-          <p:spPr>
-            <a:xfrm>
-              <a:off x="9503474" y="2826904"/>
-              <a:ext cx="1272685" cy="1414371"/>
-            </a:xfrm>
-            <a:prstGeom prst="rect">
-              <a:avLst/>
-            </a:prstGeom>
-          </p:spPr>
-        </p:pic>
-      </p:grpSp>
-      <p:grpSp>
-        <p:nvGrpSpPr>
-          <p:cNvPr id="62" name="Group 61"/>
-          <p:cNvGrpSpPr/>
-          <p:nvPr/>
-        </p:nvGrpSpPr>
-        <p:grpSpPr>
-          <a:xfrm>
-            <a:off x="5378755" y="839698"/>
-            <a:ext cx="1434489" cy="190500"/>
-            <a:chOff x="5378756" y="878988"/>
-            <a:chExt cx="1434489" cy="190500"/>
-          </a:xfrm>
-        </p:grpSpPr>
-        <p:sp>
-          <p:nvSpPr>
-            <p:cNvPr id="64" name="Oval 63">
-              <a:extLst>
-                <a:ext uri="{FF2B5EF4-FFF2-40B4-BE49-F238E27FC236}">
-                  <a16:creationId xmlns:a16="http://schemas.microsoft.com/office/drawing/2014/main" id="{3701A590-ABA9-4BD2-BD64-376A4C227798}"/>
-                </a:ext>
-              </a:extLst>
-            </p:cNvPr>
-            <p:cNvSpPr/>
-            <p:nvPr/>
-          </p:nvSpPr>
-          <p:spPr>
-            <a:xfrm>
-              <a:off x="5378756" y="878988"/>
-              <a:ext cx="190500" cy="190500"/>
-            </a:xfrm>
-            <a:prstGeom prst="ellipse">
-              <a:avLst/>
-            </a:prstGeom>
-            <a:solidFill>
-              <a:srgbClr val="F25892"/>
-            </a:solidFill>
-            <a:ln>
-              <a:solidFill>
-                <a:srgbClr val="F25892"/>
-              </a:solidFill>
-            </a:ln>
-          </p:spPr>
-          <p:style>
-            <a:lnRef idx="2">
-              <a:schemeClr val="accent1">
-                <a:shade val="50000"/>
-              </a:schemeClr>
-            </a:lnRef>
-            <a:fillRef idx="1">
-              <a:schemeClr val="accent1"/>
-            </a:fillRef>
-            <a:effectRef idx="0">
-              <a:schemeClr val="accent1"/>
-            </a:effectRef>
-            <a:fontRef idx="minor">
-              <a:schemeClr val="lt1"/>
-            </a:fontRef>
-          </p:style>
-          <p:txBody>
-            <a:bodyPr rtlCol="0" anchor="ctr"/>
-            <a:lstStyle/>
-            <a:p>
-              <a:pPr algn="ctr"/>
-              <a:endParaRPr lang="en-US"/>
-            </a:p>
-          </p:txBody>
-        </p:sp>
-        <p:sp>
-          <p:nvSpPr>
-            <p:cNvPr id="65" name="Oval 64">
-              <a:extLst>
-                <a:ext uri="{FF2B5EF4-FFF2-40B4-BE49-F238E27FC236}">
-                  <a16:creationId xmlns:a16="http://schemas.microsoft.com/office/drawing/2014/main" id="{3E53B434-A2A6-4C16-99DD-292CE4FD62C4}"/>
-                </a:ext>
-              </a:extLst>
-            </p:cNvPr>
-            <p:cNvSpPr/>
-            <p:nvPr/>
-          </p:nvSpPr>
-          <p:spPr>
-            <a:xfrm>
-              <a:off x="5689906" y="878988"/>
-              <a:ext cx="190500" cy="190500"/>
-            </a:xfrm>
-            <a:prstGeom prst="ellipse">
-              <a:avLst/>
-            </a:prstGeom>
-            <a:solidFill>
-              <a:srgbClr val="EE9524"/>
-            </a:solidFill>
-            <a:ln>
-              <a:solidFill>
-                <a:srgbClr val="EE9524"/>
-              </a:solidFill>
-            </a:ln>
-          </p:spPr>
-          <p:style>
-            <a:lnRef idx="2">
-              <a:schemeClr val="accent1">
-                <a:shade val="50000"/>
-              </a:schemeClr>
-            </a:lnRef>
-            <a:fillRef idx="1">
-              <a:schemeClr val="accent1"/>
-            </a:fillRef>
-            <a:effectRef idx="0">
-              <a:schemeClr val="accent1"/>
-            </a:effectRef>
-            <a:fontRef idx="minor">
-              <a:schemeClr val="lt1"/>
-            </a:fontRef>
-          </p:style>
-          <p:txBody>
-            <a:bodyPr rtlCol="0" anchor="ctr"/>
-            <a:lstStyle/>
-            <a:p>
-              <a:pPr algn="ctr"/>
-              <a:endParaRPr lang="en-US"/>
-            </a:p>
-          </p:txBody>
-        </p:sp>
-        <p:sp>
-          <p:nvSpPr>
-            <p:cNvPr id="66" name="Oval 65">
-              <a:extLst>
-                <a:ext uri="{FF2B5EF4-FFF2-40B4-BE49-F238E27FC236}">
-                  <a16:creationId xmlns:a16="http://schemas.microsoft.com/office/drawing/2014/main" id="{F3E5BC96-17A2-4BD5-BA51-10270687E851}"/>
-                </a:ext>
-              </a:extLst>
-            </p:cNvPr>
-            <p:cNvSpPr/>
-            <p:nvPr/>
-          </p:nvSpPr>
-          <p:spPr>
-            <a:xfrm>
-              <a:off x="6000692" y="878988"/>
-              <a:ext cx="190500" cy="190500"/>
-            </a:xfrm>
-            <a:prstGeom prst="ellipse">
-              <a:avLst/>
-            </a:prstGeom>
-            <a:solidFill>
-              <a:srgbClr val="03A1A4"/>
-            </a:solidFill>
-            <a:ln>
-              <a:solidFill>
-                <a:srgbClr val="03A1A4"/>
-              </a:solidFill>
-            </a:ln>
-          </p:spPr>
-          <p:style>
-            <a:lnRef idx="2">
-              <a:schemeClr val="accent1">
-                <a:shade val="50000"/>
-              </a:schemeClr>
-            </a:lnRef>
-            <a:fillRef idx="1">
-              <a:schemeClr val="accent1"/>
-            </a:fillRef>
-            <a:effectRef idx="0">
-              <a:schemeClr val="accent1"/>
-            </a:effectRef>
-            <a:fontRef idx="minor">
-              <a:schemeClr val="lt1"/>
-            </a:fontRef>
-          </p:style>
-          <p:txBody>
-            <a:bodyPr rtlCol="0" anchor="ctr"/>
-            <a:lstStyle/>
-            <a:p>
-              <a:pPr algn="ctr"/>
-              <a:endParaRPr lang="en-US"/>
-            </a:p>
-          </p:txBody>
-        </p:sp>
-        <p:sp>
-          <p:nvSpPr>
-            <p:cNvPr id="67" name="Oval 66">
-              <a:extLst>
-                <a:ext uri="{FF2B5EF4-FFF2-40B4-BE49-F238E27FC236}">
-                  <a16:creationId xmlns:a16="http://schemas.microsoft.com/office/drawing/2014/main" id="{1A06ACCC-548D-4873-BD3B-AD3CA2C095B0}"/>
-                </a:ext>
-              </a:extLst>
-            </p:cNvPr>
-            <p:cNvSpPr/>
-            <p:nvPr/>
-          </p:nvSpPr>
-          <p:spPr>
-            <a:xfrm>
-              <a:off x="6311478" y="878988"/>
-              <a:ext cx="190500" cy="190500"/>
-            </a:xfrm>
-            <a:prstGeom prst="ellipse">
-              <a:avLst/>
-            </a:prstGeom>
-            <a:solidFill>
-              <a:srgbClr val="385723"/>
-            </a:solidFill>
-            <a:ln>
-              <a:solidFill>
-                <a:srgbClr val="385723"/>
-              </a:solidFill>
-            </a:ln>
-          </p:spPr>
-          <p:style>
-            <a:lnRef idx="2">
-              <a:schemeClr val="accent1">
-                <a:shade val="50000"/>
-              </a:schemeClr>
-            </a:lnRef>
-            <a:fillRef idx="1">
-              <a:schemeClr val="accent1"/>
-            </a:fillRef>
-            <a:effectRef idx="0">
-              <a:schemeClr val="accent1"/>
-            </a:effectRef>
-            <a:fontRef idx="minor">
-              <a:schemeClr val="lt1"/>
-            </a:fontRef>
-          </p:style>
-          <p:txBody>
-            <a:bodyPr rtlCol="0" anchor="ctr"/>
-            <a:lstStyle/>
-            <a:p>
-              <a:pPr algn="ctr"/>
-              <a:endParaRPr lang="en-US"/>
-            </a:p>
-          </p:txBody>
-        </p:sp>
-        <p:sp>
-          <p:nvSpPr>
-            <p:cNvPr id="68" name="Oval 67">
-              <a:extLst>
-                <a:ext uri="{FF2B5EF4-FFF2-40B4-BE49-F238E27FC236}">
-                  <a16:creationId xmlns:a16="http://schemas.microsoft.com/office/drawing/2014/main" id="{7CBDE4C1-DAF9-476F-B807-27BE954F6C82}"/>
-                </a:ext>
-              </a:extLst>
-            </p:cNvPr>
-            <p:cNvSpPr/>
-            <p:nvPr/>
-          </p:nvSpPr>
-          <p:spPr>
-            <a:xfrm>
-              <a:off x="6622745" y="878988"/>
-              <a:ext cx="190500" cy="190500"/>
-            </a:xfrm>
-            <a:prstGeom prst="ellipse">
-              <a:avLst/>
-            </a:prstGeom>
-            <a:solidFill>
-              <a:srgbClr val="2F3342"/>
-            </a:solidFill>
-            <a:ln>
-              <a:solidFill>
-                <a:srgbClr val="2F3342"/>
-              </a:solidFill>
-            </a:ln>
-          </p:spPr>
-          <p:style>
-            <a:lnRef idx="2">
-              <a:schemeClr val="accent1">
-                <a:shade val="50000"/>
-              </a:schemeClr>
-            </a:lnRef>
-            <a:fillRef idx="1">
-              <a:schemeClr val="accent1"/>
-            </a:fillRef>
-            <a:effectRef idx="0">
-              <a:schemeClr val="accent1"/>
-            </a:effectRef>
-            <a:fontRef idx="minor">
-              <a:schemeClr val="lt1"/>
-            </a:fontRef>
-          </p:style>
-          <p:txBody>
-            <a:bodyPr rtlCol="0" anchor="ctr"/>
-            <a:lstStyle/>
-            <a:p>
-              <a:pPr algn="ctr"/>
-              <a:endParaRPr lang="en-US"/>
-            </a:p>
-          </p:txBody>
-        </p:sp>
-      </p:grpSp>
+        </p:nvGraphicFramePr>
+        <p:xfrm>
+          <a:off x="1545772" y="1108778"/>
+          <a:ext cx="9100457" cy="5418667"/>
+        </p:xfrm>
+        <a:graphic>
+          <a:graphicData uri="http://schemas.openxmlformats.org/drawingml/2006/chart">
+            <c:chart xmlns:c="http://schemas.openxmlformats.org/drawingml/2006/chart" xmlns:r="http://schemas.openxmlformats.org/officeDocument/2006/relationships" r:id="rId3"/>
+          </a:graphicData>
+        </a:graphic>
+      </p:graphicFrame>
     </p:spTree>
     <p:extLst>
       <p:ext uri="{BB962C8B-B14F-4D97-AF65-F5344CB8AC3E}">
-        <p14:creationId xmlns:p14="http://schemas.microsoft.com/office/powerpoint/2010/main" val="29219189"/>
+        <p14:creationId xmlns:p14="http://schemas.microsoft.com/office/powerpoint/2010/main" val="351822372"/>
       </p:ext>
     </p:extLst>
   </p:cSld>
@@ -15216,7 +13317,7 @@
                             </p:stCondLst>
                             <p:childTnLst>
                               <p:par>
-                                <p:cTn id="5" presetID="22" presetClass="entr" presetSubtype="4" fill="hold" nodeType="clickEffect">
+                                <p:cTn id="5" presetID="22" presetClass="entr" presetSubtype="4" fill="hold" grpId="0" nodeType="clickEffect">
                                   <p:stCondLst>
                                     <p:cond delay="0"/>
                                   </p:stCondLst>
@@ -15229,7 +13330,11 @@
                                           </p:stCondLst>
                                         </p:cTn>
                                         <p:tgtEl>
-                                          <p:spTgt spid="39"/>
+                                          <p:spTgt spid="11">
+                                            <p:graphicEl>
+                                              <a:chart seriesIdx="-3" categoryIdx="-3" bldStep="gridLegend"/>
+                                            </p:graphicEl>
+                                          </p:spTgt>
                                         </p:tgtEl>
                                         <p:attrNameLst>
                                           <p:attrName>style.visibility</p:attrName>
@@ -15241,9 +13346,13 @@
                                     </p:set>
                                     <p:animEffect transition="in" filter="wipe(down)">
                                       <p:cBhvr>
-                                        <p:cTn id="7" dur="500"/>
+                                        <p:cTn id="7" dur="1000"/>
                                         <p:tgtEl>
-                                          <p:spTgt spid="39"/>
+                                          <p:spTgt spid="11">
+                                            <p:graphicEl>
+                                              <a:chart seriesIdx="-3" categoryIdx="-3" bldStep="gridLegend"/>
+                                            </p:graphicEl>
+                                          </p:spTgt>
                                         </p:tgtEl>
                                       </p:cBhvr>
                                     </p:animEffect>
@@ -15256,11 +13365,11 @@
                         <p:par>
                           <p:cTn id="8" fill="hold">
                             <p:stCondLst>
-                              <p:cond delay="500"/>
+                              <p:cond delay="1000"/>
                             </p:stCondLst>
                             <p:childTnLst>
                               <p:par>
-                                <p:cTn id="9" presetID="22" presetClass="entr" presetSubtype="8" fill="hold" nodeType="afterEffect">
+                                <p:cTn id="9" presetID="22" presetClass="entr" presetSubtype="4" fill="hold" grpId="0" nodeType="afterEffect">
                                   <p:stCondLst>
                                     <p:cond delay="0"/>
                                   </p:stCondLst>
@@ -15273,7 +13382,11 @@
                                           </p:stCondLst>
                                         </p:cTn>
                                         <p:tgtEl>
-                                          <p:spTgt spid="21"/>
+                                          <p:spTgt spid="11">
+                                            <p:graphicEl>
+                                              <a:chart seriesIdx="0" categoryIdx="0" bldStep="ptInCategory"/>
+                                            </p:graphicEl>
+                                          </p:spTgt>
                                         </p:tgtEl>
                                         <p:attrNameLst>
                                           <p:attrName>style.visibility</p:attrName>
@@ -15283,11 +13396,15 @@
                                         <p:strVal val="visible"/>
                                       </p:to>
                                     </p:set>
-                                    <p:animEffect transition="in" filter="wipe(left)">
+                                    <p:animEffect transition="in" filter="wipe(down)">
                                       <p:cBhvr>
-                                        <p:cTn id="11" dur="500"/>
+                                        <p:cTn id="11" dur="1000"/>
                                         <p:tgtEl>
-                                          <p:spTgt spid="21"/>
+                                          <p:spTgt spid="11">
+                                            <p:graphicEl>
+                                              <a:chart seriesIdx="0" categoryIdx="0" bldStep="ptInCategory"/>
+                                            </p:graphicEl>
+                                          </p:spTgt>
                                         </p:tgtEl>
                                       </p:cBhvr>
                                     </p:animEffect>
@@ -15300,11 +13417,11 @@
                         <p:par>
                           <p:cTn id="12" fill="hold">
                             <p:stCondLst>
-                              <p:cond delay="1000"/>
+                              <p:cond delay="2000"/>
                             </p:stCondLst>
                             <p:childTnLst>
                               <p:par>
-                                <p:cTn id="13" presetID="22" presetClass="entr" presetSubtype="4" fill="hold" nodeType="afterEffect">
+                                <p:cTn id="13" presetID="22" presetClass="entr" presetSubtype="4" fill="hold" grpId="0" nodeType="afterEffect">
                                   <p:stCondLst>
                                     <p:cond delay="0"/>
                                   </p:stCondLst>
@@ -15317,7 +13434,11 @@
                                           </p:stCondLst>
                                         </p:cTn>
                                         <p:tgtEl>
-                                          <p:spTgt spid="16"/>
+                                          <p:spTgt spid="11">
+                                            <p:graphicEl>
+                                              <a:chart seriesIdx="0" categoryIdx="1" bldStep="ptInCategory"/>
+                                            </p:graphicEl>
+                                          </p:spTgt>
                                         </p:tgtEl>
                                         <p:attrNameLst>
                                           <p:attrName>style.visibility</p:attrName>
@@ -15329,9 +13450,13 @@
                                     </p:set>
                                     <p:animEffect transition="in" filter="wipe(down)">
                                       <p:cBhvr>
-                                        <p:cTn id="15" dur="500"/>
+                                        <p:cTn id="15" dur="1000"/>
                                         <p:tgtEl>
-                                          <p:spTgt spid="16"/>
+                                          <p:spTgt spid="11">
+                                            <p:graphicEl>
+                                              <a:chart seriesIdx="0" categoryIdx="1" bldStep="ptInCategory"/>
+                                            </p:graphicEl>
+                                          </p:spTgt>
                                         </p:tgtEl>
                                       </p:cBhvr>
                                     </p:animEffect>
@@ -15344,13 +13469,13 @@
                         <p:par>
                           <p:cTn id="16" fill="hold">
                             <p:stCondLst>
-                              <p:cond delay="1500"/>
+                              <p:cond delay="3000"/>
                             </p:stCondLst>
                             <p:childTnLst>
                               <p:par>
-                                <p:cTn id="17" presetID="22" presetClass="entr" presetSubtype="4" fill="hold" nodeType="afterEffect">
+                                <p:cTn id="17" presetID="22" presetClass="entr" presetSubtype="4" fill="hold" grpId="0" nodeType="afterEffect">
                                   <p:stCondLst>
-                                    <p:cond delay="500"/>
+                                    <p:cond delay="0"/>
                                   </p:stCondLst>
                                   <p:childTnLst>
                                     <p:set>
@@ -15361,7 +13486,11 @@
                                           </p:stCondLst>
                                         </p:cTn>
                                         <p:tgtEl>
-                                          <p:spTgt spid="43"/>
+                                          <p:spTgt spid="11">
+                                            <p:graphicEl>
+                                              <a:chart seriesIdx="0" categoryIdx="2" bldStep="ptInCategory"/>
+                                            </p:graphicEl>
+                                          </p:spTgt>
                                         </p:tgtEl>
                                         <p:attrNameLst>
                                           <p:attrName>style.visibility</p:attrName>
@@ -15373,9 +13502,13 @@
                                     </p:set>
                                     <p:animEffect transition="in" filter="wipe(down)">
                                       <p:cBhvr>
-                                        <p:cTn id="19" dur="500"/>
+                                        <p:cTn id="19" dur="1000"/>
                                         <p:tgtEl>
-                                          <p:spTgt spid="43"/>
+                                          <p:spTgt spid="11">
+                                            <p:graphicEl>
+                                              <a:chart seriesIdx="0" categoryIdx="2" bldStep="ptInCategory"/>
+                                            </p:graphicEl>
+                                          </p:spTgt>
                                         </p:tgtEl>
                                       </p:cBhvr>
                                     </p:animEffect>
@@ -15388,11 +13521,11 @@
                         <p:par>
                           <p:cTn id="20" fill="hold">
                             <p:stCondLst>
-                              <p:cond delay="2500"/>
+                              <p:cond delay="4000"/>
                             </p:stCondLst>
                             <p:childTnLst>
                               <p:par>
-                                <p:cTn id="21" presetID="22" presetClass="entr" presetSubtype="4" fill="hold" nodeType="afterEffect">
+                                <p:cTn id="21" presetID="22" presetClass="entr" presetSubtype="4" fill="hold" grpId="0" nodeType="afterEffect">
                                   <p:stCondLst>
                                     <p:cond delay="0"/>
                                   </p:stCondLst>
@@ -15405,7 +13538,11 @@
                                           </p:stCondLst>
                                         </p:cTn>
                                         <p:tgtEl>
-                                          <p:spTgt spid="27"/>
+                                          <p:spTgt spid="11">
+                                            <p:graphicEl>
+                                              <a:chart seriesIdx="0" categoryIdx="3" bldStep="ptInCategory"/>
+                                            </p:graphicEl>
+                                          </p:spTgt>
                                         </p:tgtEl>
                                         <p:attrNameLst>
                                           <p:attrName>style.visibility</p:attrName>
@@ -15417,495 +13554,13 @@
                                     </p:set>
                                     <p:animEffect transition="in" filter="wipe(down)">
                                       <p:cBhvr>
-                                        <p:cTn id="23" dur="500"/>
+                                        <p:cTn id="23" dur="1000"/>
                                         <p:tgtEl>
-                                          <p:spTgt spid="27"/>
-                                        </p:tgtEl>
-                                      </p:cBhvr>
-                                    </p:animEffect>
-                                  </p:childTnLst>
-                                </p:cTn>
-                              </p:par>
-                            </p:childTnLst>
-                          </p:cTn>
-                        </p:par>
-                        <p:par>
-                          <p:cTn id="24" fill="hold">
-                            <p:stCondLst>
-                              <p:cond delay="3000"/>
-                            </p:stCondLst>
-                            <p:childTnLst>
-                              <p:par>
-                                <p:cTn id="25" presetID="14" presetClass="entr" presetSubtype="10" fill="hold" nodeType="afterEffect">
-                                  <p:stCondLst>
-                                    <p:cond delay="0"/>
-                                  </p:stCondLst>
-                                  <p:childTnLst>
-                                    <p:set>
-                                      <p:cBhvr>
-                                        <p:cTn id="26" dur="1" fill="hold">
-                                          <p:stCondLst>
-                                            <p:cond delay="0"/>
-                                          </p:stCondLst>
-                                        </p:cTn>
-                                        <p:tgtEl>
-                                          <p:spTgt spid="20"/>
-                                        </p:tgtEl>
-                                        <p:attrNameLst>
-                                          <p:attrName>style.visibility</p:attrName>
-                                        </p:attrNameLst>
-                                      </p:cBhvr>
-                                      <p:to>
-                                        <p:strVal val="visible"/>
-                                      </p:to>
-                                    </p:set>
-                                    <p:animEffect transition="in" filter="randombar(horizontal)">
-                                      <p:cBhvr>
-                                        <p:cTn id="27" dur="500"/>
-                                        <p:tgtEl>
-                                          <p:spTgt spid="20"/>
-                                        </p:tgtEl>
-                                      </p:cBhvr>
-                                    </p:animEffect>
-                                  </p:childTnLst>
-                                </p:cTn>
-                              </p:par>
-                            </p:childTnLst>
-                          </p:cTn>
-                        </p:par>
-                        <p:par>
-                          <p:cTn id="28" fill="hold">
-                            <p:stCondLst>
-                              <p:cond delay="3500"/>
-                            </p:stCondLst>
-                            <p:childTnLst>
-                              <p:par>
-                                <p:cTn id="29" presetID="42" presetClass="entr" presetSubtype="0" fill="hold" nodeType="afterEffect">
-                                  <p:stCondLst>
-                                    <p:cond delay="500"/>
-                                  </p:stCondLst>
-                                  <p:childTnLst>
-                                    <p:set>
-                                      <p:cBhvr>
-                                        <p:cTn id="30" dur="1" fill="hold">
-                                          <p:stCondLst>
-                                            <p:cond delay="0"/>
-                                          </p:stCondLst>
-                                        </p:cTn>
-                                        <p:tgtEl>
-                                          <p:spTgt spid="47"/>
-                                        </p:tgtEl>
-                                        <p:attrNameLst>
-                                          <p:attrName>style.visibility</p:attrName>
-                                        </p:attrNameLst>
-                                      </p:cBhvr>
-                                      <p:to>
-                                        <p:strVal val="visible"/>
-                                      </p:to>
-                                    </p:set>
-                                    <p:animEffect transition="in" filter="fade">
-                                      <p:cBhvr>
-                                        <p:cTn id="31" dur="500"/>
-                                        <p:tgtEl>
-                                          <p:spTgt spid="47"/>
-                                        </p:tgtEl>
-                                      </p:cBhvr>
-                                    </p:animEffect>
-                                    <p:anim calcmode="lin" valueType="num">
-                                      <p:cBhvr>
-                                        <p:cTn id="32" dur="500" fill="hold"/>
-                                        <p:tgtEl>
-                                          <p:spTgt spid="47"/>
-                                        </p:tgtEl>
-                                        <p:attrNameLst>
-                                          <p:attrName>ppt_x</p:attrName>
-                                        </p:attrNameLst>
-                                      </p:cBhvr>
-                                      <p:tavLst>
-                                        <p:tav tm="0">
-                                          <p:val>
-                                            <p:strVal val="#ppt_x"/>
-                                          </p:val>
-                                        </p:tav>
-                                        <p:tav tm="100000">
-                                          <p:val>
-                                            <p:strVal val="#ppt_x"/>
-                                          </p:val>
-                                        </p:tav>
-                                      </p:tavLst>
-                                    </p:anim>
-                                    <p:anim calcmode="lin" valueType="num">
-                                      <p:cBhvr>
-                                        <p:cTn id="33" dur="500" fill="hold"/>
-                                        <p:tgtEl>
-                                          <p:spTgt spid="47"/>
-                                        </p:tgtEl>
-                                        <p:attrNameLst>
-                                          <p:attrName>ppt_y</p:attrName>
-                                        </p:attrNameLst>
-                                      </p:cBhvr>
-                                      <p:tavLst>
-                                        <p:tav tm="0">
-                                          <p:val>
-                                            <p:strVal val="#ppt_y+.1"/>
-                                          </p:val>
-                                        </p:tav>
-                                        <p:tav tm="100000">
-                                          <p:val>
-                                            <p:strVal val="#ppt_y"/>
-                                          </p:val>
-                                        </p:tav>
-                                      </p:tavLst>
-                                    </p:anim>
-                                  </p:childTnLst>
-                                </p:cTn>
-                              </p:par>
-                            </p:childTnLst>
-                          </p:cTn>
-                        </p:par>
-                        <p:par>
-                          <p:cTn id="34" fill="hold">
-                            <p:stCondLst>
-                              <p:cond delay="4500"/>
-                            </p:stCondLst>
-                            <p:childTnLst>
-                              <p:par>
-                                <p:cTn id="35" presetID="22" presetClass="entr" presetSubtype="8" fill="hold" nodeType="afterEffect">
-                                  <p:stCondLst>
-                                    <p:cond delay="0"/>
-                                  </p:stCondLst>
-                                  <p:childTnLst>
-                                    <p:set>
-                                      <p:cBhvr>
-                                        <p:cTn id="36" dur="1" fill="hold">
-                                          <p:stCondLst>
-                                            <p:cond delay="0"/>
-                                          </p:stCondLst>
-                                        </p:cTn>
-                                        <p:tgtEl>
-                                          <p:spTgt spid="24"/>
-                                        </p:tgtEl>
-                                        <p:attrNameLst>
-                                          <p:attrName>style.visibility</p:attrName>
-                                        </p:attrNameLst>
-                                      </p:cBhvr>
-                                      <p:to>
-                                        <p:strVal val="visible"/>
-                                      </p:to>
-                                    </p:set>
-                                    <p:animEffect transition="in" filter="wipe(left)">
-                                      <p:cBhvr>
-                                        <p:cTn id="37" dur="500"/>
-                                        <p:tgtEl>
-                                          <p:spTgt spid="24"/>
-                                        </p:tgtEl>
-                                      </p:cBhvr>
-                                    </p:animEffect>
-                                  </p:childTnLst>
-                                </p:cTn>
-                              </p:par>
-                            </p:childTnLst>
-                          </p:cTn>
-                        </p:par>
-                        <p:par>
-                          <p:cTn id="38" fill="hold">
-                            <p:stCondLst>
-                              <p:cond delay="5000"/>
-                            </p:stCondLst>
-                            <p:childTnLst>
-                              <p:par>
-                                <p:cTn id="39" presetID="21" presetClass="entr" presetSubtype="1" fill="hold" nodeType="afterEffect">
-                                  <p:stCondLst>
-                                    <p:cond delay="0"/>
-                                  </p:stCondLst>
-                                  <p:childTnLst>
-                                    <p:set>
-                                      <p:cBhvr>
-                                        <p:cTn id="40" dur="1" fill="hold">
-                                          <p:stCondLst>
-                                            <p:cond delay="0"/>
-                                          </p:stCondLst>
-                                        </p:cTn>
-                                        <p:tgtEl>
-                                          <p:spTgt spid="18"/>
-                                        </p:tgtEl>
-                                        <p:attrNameLst>
-                                          <p:attrName>style.visibility</p:attrName>
-                                        </p:attrNameLst>
-                                      </p:cBhvr>
-                                      <p:to>
-                                        <p:strVal val="visible"/>
-                                      </p:to>
-                                    </p:set>
-                                    <p:animEffect transition="in" filter="wheel(1)">
-                                      <p:cBhvr>
-                                        <p:cTn id="41" dur="1000"/>
-                                        <p:tgtEl>
-                                          <p:spTgt spid="18"/>
-                                        </p:tgtEl>
-                                      </p:cBhvr>
-                                    </p:animEffect>
-                                  </p:childTnLst>
-                                </p:cTn>
-                              </p:par>
-                            </p:childTnLst>
-                          </p:cTn>
-                        </p:par>
-                        <p:par>
-                          <p:cTn id="42" fill="hold">
-                            <p:stCondLst>
-                              <p:cond delay="6000"/>
-                            </p:stCondLst>
-                            <p:childTnLst>
-                              <p:par>
-                                <p:cTn id="43" presetID="16" presetClass="entr" presetSubtype="21" fill="hold" nodeType="afterEffect">
-                                  <p:stCondLst>
-                                    <p:cond delay="500"/>
-                                  </p:stCondLst>
-                                  <p:childTnLst>
-                                    <p:set>
-                                      <p:cBhvr>
-                                        <p:cTn id="44" dur="1" fill="hold">
-                                          <p:stCondLst>
-                                            <p:cond delay="0"/>
-                                          </p:stCondLst>
-                                        </p:cTn>
-                                        <p:tgtEl>
-                                          <p:spTgt spid="59"/>
-                                        </p:tgtEl>
-                                        <p:attrNameLst>
-                                          <p:attrName>style.visibility</p:attrName>
-                                        </p:attrNameLst>
-                                      </p:cBhvr>
-                                      <p:to>
-                                        <p:strVal val="visible"/>
-                                      </p:to>
-                                    </p:set>
-                                    <p:animEffect transition="in" filter="barn(inVertical)">
-                                      <p:cBhvr>
-                                        <p:cTn id="45" dur="500"/>
-                                        <p:tgtEl>
-                                          <p:spTgt spid="59"/>
-                                        </p:tgtEl>
-                                      </p:cBhvr>
-                                    </p:animEffect>
-                                  </p:childTnLst>
-                                </p:cTn>
-                              </p:par>
-                            </p:childTnLst>
-                          </p:cTn>
-                        </p:par>
-                        <p:par>
-                          <p:cTn id="46" fill="hold">
-                            <p:stCondLst>
-                              <p:cond delay="7000"/>
-                            </p:stCondLst>
-                            <p:childTnLst>
-                              <p:par>
-                                <p:cTn id="47" presetID="22" presetClass="entr" presetSubtype="2" fill="hold" nodeType="afterEffect">
-                                  <p:stCondLst>
-                                    <p:cond delay="0"/>
-                                  </p:stCondLst>
-                                  <p:childTnLst>
-                                    <p:set>
-                                      <p:cBhvr>
-                                        <p:cTn id="48" dur="1" fill="hold">
-                                          <p:stCondLst>
-                                            <p:cond delay="0"/>
-                                          </p:stCondLst>
-                                        </p:cTn>
-                                        <p:tgtEl>
-                                          <p:spTgt spid="36"/>
-                                        </p:tgtEl>
-                                        <p:attrNameLst>
-                                          <p:attrName>style.visibility</p:attrName>
-                                        </p:attrNameLst>
-                                      </p:cBhvr>
-                                      <p:to>
-                                        <p:strVal val="visible"/>
-                                      </p:to>
-                                    </p:set>
-                                    <p:animEffect transition="in" filter="wipe(right)">
-                                      <p:cBhvr>
-                                        <p:cTn id="49" dur="500"/>
-                                        <p:tgtEl>
-                                          <p:spTgt spid="36"/>
-                                        </p:tgtEl>
-                                      </p:cBhvr>
-                                    </p:animEffect>
-                                  </p:childTnLst>
-                                </p:cTn>
-                              </p:par>
-                            </p:childTnLst>
-                          </p:cTn>
-                        </p:par>
-                        <p:par>
-                          <p:cTn id="50" fill="hold">
-                            <p:stCondLst>
-                              <p:cond delay="7500"/>
-                            </p:stCondLst>
-                            <p:childTnLst>
-                              <p:par>
-                                <p:cTn id="51" presetID="14" presetClass="entr" presetSubtype="10" fill="hold" nodeType="afterEffect">
-                                  <p:stCondLst>
-                                    <p:cond delay="0"/>
-                                  </p:stCondLst>
-                                  <p:childTnLst>
-                                    <p:set>
-                                      <p:cBhvr>
-                                        <p:cTn id="52" dur="1" fill="hold">
-                                          <p:stCondLst>
-                                            <p:cond delay="0"/>
-                                          </p:stCondLst>
-                                        </p:cTn>
-                                        <p:tgtEl>
-                                          <p:spTgt spid="74"/>
-                                        </p:tgtEl>
-                                        <p:attrNameLst>
-                                          <p:attrName>style.visibility</p:attrName>
-                                        </p:attrNameLst>
-                                      </p:cBhvr>
-                                      <p:to>
-                                        <p:strVal val="visible"/>
-                                      </p:to>
-                                    </p:set>
-                                    <p:animEffect transition="in" filter="randombar(horizontal)">
-                                      <p:cBhvr>
-                                        <p:cTn id="53" dur="500"/>
-                                        <p:tgtEl>
-                                          <p:spTgt spid="74"/>
-                                        </p:tgtEl>
-                                      </p:cBhvr>
-                                    </p:animEffect>
-                                  </p:childTnLst>
-                                </p:cTn>
-                              </p:par>
-                            </p:childTnLst>
-                          </p:cTn>
-                        </p:par>
-                        <p:par>
-                          <p:cTn id="54" fill="hold">
-                            <p:stCondLst>
-                              <p:cond delay="8000"/>
-                            </p:stCondLst>
-                            <p:childTnLst>
-                              <p:par>
-                                <p:cTn id="55" presetID="6" presetClass="entr" presetSubtype="16" fill="hold" nodeType="afterEffect">
-                                  <p:stCondLst>
-                                    <p:cond delay="500"/>
-                                  </p:stCondLst>
-                                  <p:childTnLst>
-                                    <p:set>
-                                      <p:cBhvr>
-                                        <p:cTn id="56" dur="1" fill="hold">
-                                          <p:stCondLst>
-                                            <p:cond delay="0"/>
-                                          </p:stCondLst>
-                                        </p:cTn>
-                                        <p:tgtEl>
-                                          <p:spTgt spid="55"/>
-                                        </p:tgtEl>
-                                        <p:attrNameLst>
-                                          <p:attrName>style.visibility</p:attrName>
-                                        </p:attrNameLst>
-                                      </p:cBhvr>
-                                      <p:to>
-                                        <p:strVal val="visible"/>
-                                      </p:to>
-                                    </p:set>
-                                    <p:animEffect transition="in" filter="circle(in)">
-                                      <p:cBhvr>
-                                        <p:cTn id="57" dur="1000"/>
-                                        <p:tgtEl>
-                                          <p:spTgt spid="55"/>
-                                        </p:tgtEl>
-                                      </p:cBhvr>
-                                    </p:animEffect>
-                                  </p:childTnLst>
-                                </p:cTn>
-                              </p:par>
-                            </p:childTnLst>
-                          </p:cTn>
-                        </p:par>
-                        <p:par>
-                          <p:cTn id="58" fill="hold">
-                            <p:stCondLst>
-                              <p:cond delay="9500"/>
-                            </p:stCondLst>
-                            <p:childTnLst>
-                              <p:par>
-                                <p:cTn id="59" presetID="22" presetClass="entr" presetSubtype="2" fill="hold" nodeType="afterEffect">
-                                  <p:stCondLst>
-                                    <p:cond delay="0"/>
-                                  </p:stCondLst>
-                                  <p:childTnLst>
-                                    <p:set>
-                                      <p:cBhvr>
-                                        <p:cTn id="60" dur="1" fill="hold">
-                                          <p:stCondLst>
-                                            <p:cond delay="0"/>
-                                          </p:stCondLst>
-                                        </p:cTn>
-                                        <p:tgtEl>
-                                          <p:spTgt spid="33"/>
-                                        </p:tgtEl>
-                                        <p:attrNameLst>
-                                          <p:attrName>style.visibility</p:attrName>
-                                        </p:attrNameLst>
-                                      </p:cBhvr>
-                                      <p:to>
-                                        <p:strVal val="visible"/>
-                                      </p:to>
-                                    </p:set>
-                                    <p:animEffect transition="in" filter="wipe(right)">
-                                      <p:cBhvr>
-                                        <p:cTn id="61" dur="500"/>
-                                        <p:tgtEl>
-                                          <p:spTgt spid="33"/>
-                                        </p:tgtEl>
-                                      </p:cBhvr>
-                                    </p:animEffect>
-                                  </p:childTnLst>
-                                </p:cTn>
-                              </p:par>
-                            </p:childTnLst>
-                          </p:cTn>
-                        </p:par>
-                        <p:par>
-                          <p:cTn id="62" fill="hold">
-                            <p:stCondLst>
-                              <p:cond delay="10000"/>
-                            </p:stCondLst>
-                            <p:childTnLst>
-                              <p:par>
-                                <p:cTn id="63" presetID="6" presetClass="entr" presetSubtype="16" fill="hold" nodeType="afterEffect">
-                                  <p:stCondLst>
-                                    <p:cond delay="0"/>
-                                  </p:stCondLst>
-                                  <p:childTnLst>
-                                    <p:set>
-                                      <p:cBhvr>
-                                        <p:cTn id="64" dur="1" fill="hold">
-                                          <p:stCondLst>
-                                            <p:cond delay="0"/>
-                                          </p:stCondLst>
-                                        </p:cTn>
-                                        <p:tgtEl>
-                                          <p:spTgt spid="31"/>
-                                        </p:tgtEl>
-                                        <p:attrNameLst>
-                                          <p:attrName>style.visibility</p:attrName>
-                                        </p:attrNameLst>
-                                      </p:cBhvr>
-                                      <p:to>
-                                        <p:strVal val="visible"/>
-                                      </p:to>
-                                    </p:set>
-                                    <p:animEffect transition="in" filter="circle(in)">
-                                      <p:cBhvr>
-                                        <p:cTn id="65" dur="1000"/>
-                                        <p:tgtEl>
-                                          <p:spTgt spid="31"/>
+                                          <p:spTgt spid="11">
+                                            <p:graphicEl>
+                                              <a:chart seriesIdx="0" categoryIdx="3" bldStep="ptInCategory"/>
+                                            </p:graphicEl>
+                                          </p:spTgt>
                                         </p:tgtEl>
                                       </p:cBhvr>
                                     </p:animEffect>
@@ -15939,6 +13594,13 @@
         </p:cTn>
       </p:par>
     </p:tnLst>
+    <p:bldLst>
+      <p:bldGraphic spid="11" grpId="0" uiExpand="1">
+        <p:bldSub>
+          <a:bldChart bld="categoryEl"/>
+        </p:bldSub>
+      </p:bldGraphic>
+    </p:bldLst>
   </p:timing>
 </p:sld>
 </file>
@@ -16829,15 +14491,6 @@
 </file>
 
 <file path=customXml/item1.xml><?xml version="1.0" encoding="utf-8"?>
-<?mso-contentType ?>
-<FormTemplates xmlns="http://schemas.microsoft.com/sharepoint/v3/contenttype/forms">
-  <Display>DocumentLibraryForm</Display>
-  <Edit>DocumentLibraryForm</Edit>
-  <New>DocumentLibraryForm</New>
-</FormTemplates>
-</file>
-
-<file path=customXml/item2.xml><?xml version="1.0" encoding="utf-8"?>
 <ct:contentTypeSchema xmlns:ct="http://schemas.microsoft.com/office/2006/metadata/contentType" xmlns:ma="http://schemas.microsoft.com/office/2006/metadata/properties/metaAttributes" ct:_="" ma:_="" ma:contentTypeName="Document" ma:contentTypeID="0x01010079F111ED35F8CC479449609E8A0923A6" ma:contentTypeVersion="11" ma:contentTypeDescription="Create a new document." ma:contentTypeScope="" ma:versionID="96291512c1ee715ab617f4c07df79fc1">
   <xsd:schema xmlns:xsd="http://www.w3.org/2001/XMLSchema" xmlns:xs="http://www.w3.org/2001/XMLSchema" xmlns:p="http://schemas.microsoft.com/office/2006/metadata/properties" xmlns:ns2="71af3243-3dd4-4a8d-8c0d-dd76da1f02a5" xmlns:ns3="16c05727-aa75-4e4a-9b5f-8a80a1165891" targetNamespace="http://schemas.microsoft.com/office/2006/metadata/properties" ma:root="true" ma:fieldsID="8256c27c40ca5c40ce1cf6c44f0205df" ns2:_="" ns3:_="">
     <xsd:import namespace="71af3243-3dd4-4a8d-8c0d-dd76da1f02a5"/>
@@ -17048,6 +14701,15 @@
 </ct:contentTypeSchema>
 </file>
 
+<file path=customXml/item2.xml><?xml version="1.0" encoding="utf-8"?>
+<?mso-contentType ?>
+<FormTemplates xmlns="http://schemas.microsoft.com/sharepoint/v3/contenttype/forms">
+  <Display>DocumentLibraryForm</Display>
+  <Edit>DocumentLibraryForm</Edit>
+  <New>DocumentLibraryForm</New>
+</FormTemplates>
+</file>
+
 <file path=customXml/item3.xml><?xml version="1.0" encoding="utf-8"?>
 <p:properties xmlns:p="http://schemas.microsoft.com/office/2006/metadata/properties" xmlns:xsi="http://www.w3.org/2001/XMLSchema-instance" xmlns:pc="http://schemas.microsoft.com/office/infopath/2007/PartnerControls">
   <documentManagement>
@@ -17057,14 +14719,6 @@
 </file>
 
 <file path=customXml/itemProps1.xml><?xml version="1.0" encoding="utf-8"?>
-<ds:datastoreItem xmlns:ds="http://schemas.openxmlformats.org/officeDocument/2006/customXml" ds:itemID="{89B3E157-1CAC-4231-A2EC-E93952D57E42}">
-  <ds:schemaRefs>
-    <ds:schemaRef ds:uri="http://schemas.microsoft.com/sharepoint/v3/contenttype/forms"/>
-  </ds:schemaRefs>
-</ds:datastoreItem>
-</file>
-
-<file path=customXml/itemProps2.xml><?xml version="1.0" encoding="utf-8"?>
 <ds:datastoreItem xmlns:ds="http://schemas.openxmlformats.org/officeDocument/2006/customXml" ds:itemID="{80B16AC2-D7DD-48B6-919A-4ADE887D756B}">
   <ds:schemaRefs>
     <ds:schemaRef ds:uri="http://schemas.microsoft.com/office/2006/metadata/contentType"/>
@@ -17083,6 +14737,14 @@
 </ds:datastoreItem>
 </file>
 
+<file path=customXml/itemProps2.xml><?xml version="1.0" encoding="utf-8"?>
+<ds:datastoreItem xmlns:ds="http://schemas.openxmlformats.org/officeDocument/2006/customXml" ds:itemID="{89B3E157-1CAC-4231-A2EC-E93952D57E42}">
+  <ds:schemaRefs>
+    <ds:schemaRef ds:uri="http://schemas.microsoft.com/sharepoint/v3/contenttype/forms"/>
+  </ds:schemaRefs>
+</ds:datastoreItem>
+</file>
+
 <file path=customXml/itemProps3.xml><?xml version="1.0" encoding="utf-8"?>
 <ds:datastoreItem xmlns:ds="http://schemas.openxmlformats.org/officeDocument/2006/customXml" ds:itemID="{22E71848-B78E-4D58-BFA5-D2D5918911CD}">
   <ds:schemaRefs>

--- a/Đồ án/BaoCao.pptx
+++ b/Đồ án/BaoCao.pptx
@@ -5,16 +5,18 @@
     <p:sldMasterId id="2147483648" r:id="rId4"/>
   </p:sldMasterIdLst>
   <p:notesMasterIdLst>
-    <p:notesMasterId r:id="rId9"/>
+    <p:notesMasterId r:id="rId11"/>
   </p:notesMasterIdLst>
   <p:handoutMasterIdLst>
-    <p:handoutMasterId r:id="rId10"/>
+    <p:handoutMasterId r:id="rId12"/>
   </p:handoutMasterIdLst>
   <p:sldIdLst>
-    <p:sldId id="258" r:id="rId5"/>
-    <p:sldId id="2445" r:id="rId6"/>
-    <p:sldId id="2446" r:id="rId7"/>
-    <p:sldId id="2447" r:id="rId8"/>
+    <p:sldId id="256" r:id="rId5"/>
+    <p:sldId id="257" r:id="rId6"/>
+    <p:sldId id="258" r:id="rId7"/>
+    <p:sldId id="259" r:id="rId8"/>
+    <p:sldId id="260" r:id="rId9"/>
+    <p:sldId id="261" r:id="rId10"/>
   </p:sldIdLst>
   <p:sldSz cx="12192000" cy="6858000"/>
   <p:notesSz cx="6858000" cy="9144000"/>
@@ -1635,7 +1637,7 @@
                   <c:v>Galaxy A71</c:v>
                 </c:pt>
                 <c:pt idx="3">
-                  <c:v>Note 10</c:v>
+                  <c:v>Note 10+</c:v>
                 </c:pt>
               </c:strCache>
             </c:strRef>
@@ -3554,7 +3556,7 @@
     </p:spTree>
     <p:extLst>
       <p:ext uri="{BB962C8B-B14F-4D97-AF65-F5344CB8AC3E}">
-        <p14:creationId xmlns:p14="http://schemas.microsoft.com/office/powerpoint/2010/main" val="254626081"/>
+        <p14:creationId xmlns:p14="http://schemas.microsoft.com/office/powerpoint/2010/main" val="1308908071"/>
       </p:ext>
     </p:extLst>
   </p:cSld>
@@ -3638,7 +3640,7 @@
     </p:spTree>
     <p:extLst>
       <p:ext uri="{BB962C8B-B14F-4D97-AF65-F5344CB8AC3E}">
-        <p14:creationId xmlns:p14="http://schemas.microsoft.com/office/powerpoint/2010/main" val="1635595759"/>
+        <p14:creationId xmlns:p14="http://schemas.microsoft.com/office/powerpoint/2010/main" val="2259527495"/>
       </p:ext>
     </p:extLst>
   </p:cSld>
@@ -3722,7 +3724,7 @@
     </p:spTree>
     <p:extLst>
       <p:ext uri="{BB962C8B-B14F-4D97-AF65-F5344CB8AC3E}">
-        <p14:creationId xmlns:p14="http://schemas.microsoft.com/office/powerpoint/2010/main" val="4143547770"/>
+        <p14:creationId xmlns:p14="http://schemas.microsoft.com/office/powerpoint/2010/main" val="1448288578"/>
       </p:ext>
     </p:extLst>
   </p:cSld>
@@ -3776,253 +3778,305 @@
           <a:bodyPr/>
           <a:lstStyle/>
           <a:p>
-            <a:r>
-              <a:rPr lang="en-US" sz="1200" b="0" i="0" u="none" strike="noStrike" kern="1200" dirty="0" smtClean="0">
+            <a:pPr algn="ctr"/>
+            <a:r>
+              <a:rPr lang="en-US" sz="4000" b="0" i="0" u="none" strike="noStrike" kern="1200" dirty="0" smtClean="0">
                 <a:solidFill>
                   <a:schemeClr val="tx1"/>
                 </a:solidFill>
                 <a:effectLst/>
-                <a:latin typeface="+mn-lt"/>
+                <a:latin typeface="Bauhaus 93" panose="04030905020B02020C02" pitchFamily="82" charset="0"/>
                 <a:ea typeface="+mn-ea"/>
-                <a:cs typeface="+mn-cs"/>
+                <a:cs typeface="Arial" panose="020B0604020202020204" pitchFamily="34" charset="0"/>
               </a:rPr>
               <a:t>8</a:t>
             </a:r>
             <a:r>
-              <a:rPr lang="en-US" dirty="0" smtClean="0"/>
+              <a:rPr lang="en-US" sz="4000" dirty="0" smtClean="0">
+                <a:latin typeface="Bauhaus 93" panose="04030905020B02020C02" pitchFamily="82" charset="0"/>
+                <a:cs typeface="Arial" panose="020B0604020202020204" pitchFamily="34" charset="0"/>
+              </a:rPr>
               <a:t> 	</a:t>
             </a:r>
             <a:r>
-              <a:rPr lang="en-US" sz="1200" b="0" i="0" u="none" strike="noStrike" kern="1200" dirty="0" smtClean="0">
+              <a:rPr lang="en-US" sz="4000" b="0" i="0" u="none" strike="noStrike" kern="1200" dirty="0" smtClean="0">
                 <a:solidFill>
                   <a:schemeClr val="tx1"/>
                 </a:solidFill>
                 <a:effectLst/>
-                <a:latin typeface="+mn-lt"/>
+                <a:latin typeface="Bauhaus 93" panose="04030905020B02020C02" pitchFamily="82" charset="0"/>
                 <a:ea typeface="+mn-ea"/>
-                <a:cs typeface="+mn-cs"/>
+                <a:cs typeface="Arial" panose="020B0604020202020204" pitchFamily="34" charset="0"/>
               </a:rPr>
               <a:t>8192	</a:t>
             </a:r>
             <a:r>
-              <a:rPr lang="en-US" dirty="0" smtClean="0"/>
+              <a:rPr lang="en-US" sz="4000" dirty="0" smtClean="0">
+                <a:latin typeface="Bauhaus 93" panose="04030905020B02020C02" pitchFamily="82" charset="0"/>
+                <a:cs typeface="Arial" panose="020B0604020202020204" pitchFamily="34" charset="0"/>
+              </a:rPr>
               <a:t> </a:t>
             </a:r>
             <a:r>
-              <a:rPr lang="en-US" sz="1200" b="0" i="0" u="none" strike="noStrike" kern="1200" dirty="0" smtClean="0">
+              <a:rPr lang="en-US" sz="4000" b="0" i="0" u="none" strike="noStrike" kern="1200" dirty="0" smtClean="0">
                 <a:solidFill>
                   <a:schemeClr val="tx1"/>
                 </a:solidFill>
                 <a:effectLst/>
-                <a:latin typeface="+mn-lt"/>
+                <a:latin typeface="Bauhaus 93" panose="04030905020B02020C02" pitchFamily="82" charset="0"/>
                 <a:ea typeface="+mn-ea"/>
-                <a:cs typeface="+mn-cs"/>
+                <a:cs typeface="Arial" panose="020B0604020202020204" pitchFamily="34" charset="0"/>
               </a:rPr>
               <a:t>400</a:t>
             </a:r>
             <a:r>
-              <a:rPr lang="en-US" dirty="0" smtClean="0"/>
+              <a:rPr lang="en-US" sz="4000" dirty="0" smtClean="0">
+                <a:latin typeface="Bauhaus 93" panose="04030905020B02020C02" pitchFamily="82" charset="0"/>
+                <a:cs typeface="Arial" panose="020B0604020202020204" pitchFamily="34" charset="0"/>
+              </a:rPr>
               <a:t>  	</a:t>
             </a:r>
             <a:r>
-              <a:rPr lang="en-US" sz="1200" b="0" i="0" u="none" strike="noStrike" kern="1200" dirty="0" smtClean="0">
+              <a:rPr lang="en-US" sz="4000" b="0" i="0" u="none" strike="noStrike" kern="1200" dirty="0" smtClean="0">
                 <a:solidFill>
                   <a:schemeClr val="tx1"/>
                 </a:solidFill>
                 <a:effectLst/>
-                <a:latin typeface="+mn-lt"/>
+                <a:latin typeface="Bauhaus 93" panose="04030905020B02020C02" pitchFamily="82" charset="0"/>
                 <a:ea typeface="+mn-ea"/>
-                <a:cs typeface="+mn-cs"/>
+                <a:cs typeface="Arial" panose="020B0604020202020204" pitchFamily="34" charset="0"/>
               </a:rPr>
               <a:t>4.883</a:t>
             </a:r>
             <a:r>
-              <a:rPr lang="en-US" dirty="0" smtClean="0"/>
+              <a:rPr lang="en-US" sz="4000" dirty="0" smtClean="0">
+                <a:latin typeface="Bauhaus 93" panose="04030905020B02020C02" pitchFamily="82" charset="0"/>
+                <a:cs typeface="Arial" panose="020B0604020202020204" pitchFamily="34" charset="0"/>
+              </a:rPr>
               <a:t> </a:t>
             </a:r>
           </a:p>
           <a:p>
-            <a:r>
-              <a:rPr lang="en-US" sz="1200" b="0" i="0" u="none" strike="noStrike" kern="1200" dirty="0" smtClean="0">
+            <a:pPr algn="ctr"/>
+            <a:r>
+              <a:rPr lang="en-US" sz="4000" b="0" i="0" u="none" strike="noStrike" kern="1200" dirty="0" smtClean="0">
                 <a:solidFill>
                   <a:schemeClr val="tx1"/>
                 </a:solidFill>
                 <a:effectLst/>
-                <a:latin typeface="+mn-lt"/>
+                <a:latin typeface="Bauhaus 93" panose="04030905020B02020C02" pitchFamily="82" charset="0"/>
                 <a:ea typeface="+mn-ea"/>
-                <a:cs typeface="+mn-cs"/>
+                <a:cs typeface="Arial" panose="020B0604020202020204" pitchFamily="34" charset="0"/>
               </a:rPr>
               <a:t>6</a:t>
             </a:r>
             <a:r>
-              <a:rPr lang="en-US" dirty="0" smtClean="0"/>
+              <a:rPr lang="en-US" sz="4000" dirty="0" smtClean="0">
+                <a:latin typeface="Bauhaus 93" panose="04030905020B02020C02" pitchFamily="82" charset="0"/>
+                <a:cs typeface="Arial" panose="020B0604020202020204" pitchFamily="34" charset="0"/>
+              </a:rPr>
               <a:t> 	</a:t>
             </a:r>
             <a:r>
-              <a:rPr lang="en-US" sz="1200" b="0" i="0" u="none" strike="noStrike" kern="1200" dirty="0" smtClean="0">
+              <a:rPr lang="en-US" sz="4000" b="0" i="0" u="none" strike="noStrike" kern="1200" dirty="0" smtClean="0">
                 <a:solidFill>
                   <a:schemeClr val="tx1"/>
                 </a:solidFill>
                 <a:effectLst/>
-                <a:latin typeface="+mn-lt"/>
+                <a:latin typeface="Bauhaus 93" panose="04030905020B02020C02" pitchFamily="82" charset="0"/>
                 <a:ea typeface="+mn-ea"/>
-                <a:cs typeface="+mn-cs"/>
+                <a:cs typeface="Arial" panose="020B0604020202020204" pitchFamily="34" charset="0"/>
               </a:rPr>
               <a:t>6144	</a:t>
             </a:r>
             <a:r>
-              <a:rPr lang="en-US" dirty="0" smtClean="0"/>
+              <a:rPr lang="en-US" sz="4000" dirty="0" smtClean="0">
+                <a:latin typeface="Bauhaus 93" panose="04030905020B02020C02" pitchFamily="82" charset="0"/>
+                <a:cs typeface="Arial" panose="020B0604020202020204" pitchFamily="34" charset="0"/>
+              </a:rPr>
               <a:t> </a:t>
             </a:r>
             <a:r>
-              <a:rPr lang="en-US" sz="1200" b="0" i="0" u="none" strike="noStrike" kern="1200" dirty="0" smtClean="0">
+              <a:rPr lang="en-US" sz="4000" b="0" i="0" u="none" strike="noStrike" kern="1200" dirty="0" smtClean="0">
                 <a:solidFill>
                   <a:schemeClr val="tx1"/>
                 </a:solidFill>
                 <a:effectLst/>
-                <a:latin typeface="+mn-lt"/>
+                <a:latin typeface="Bauhaus 93" panose="04030905020B02020C02" pitchFamily="82" charset="0"/>
                 <a:ea typeface="+mn-ea"/>
-                <a:cs typeface="+mn-cs"/>
+                <a:cs typeface="Arial" panose="020B0604020202020204" pitchFamily="34" charset="0"/>
               </a:rPr>
               <a:t>350	5.697</a:t>
             </a:r>
             <a:r>
-              <a:rPr lang="en-US" dirty="0" smtClean="0"/>
+              <a:rPr lang="en-US" sz="4000" dirty="0" smtClean="0">
+                <a:latin typeface="Bauhaus 93" panose="04030905020B02020C02" pitchFamily="82" charset="0"/>
+                <a:cs typeface="Arial" panose="020B0604020202020204" pitchFamily="34" charset="0"/>
+              </a:rPr>
               <a:t> </a:t>
             </a:r>
           </a:p>
           <a:p>
-            <a:r>
-              <a:rPr lang="en-US" sz="1200" b="0" i="0" u="none" strike="noStrike" kern="1200" dirty="0" smtClean="0">
+            <a:pPr algn="ctr"/>
+            <a:r>
+              <a:rPr lang="en-US" sz="4000" b="0" i="0" u="none" strike="noStrike" kern="1200" dirty="0" smtClean="0">
                 <a:solidFill>
                   <a:schemeClr val="tx1"/>
                 </a:solidFill>
                 <a:effectLst/>
-                <a:latin typeface="+mn-lt"/>
+                <a:latin typeface="Bauhaus 93" panose="04030905020B02020C02" pitchFamily="82" charset="0"/>
                 <a:ea typeface="+mn-ea"/>
-                <a:cs typeface="+mn-cs"/>
+                <a:cs typeface="Arial" panose="020B0604020202020204" pitchFamily="34" charset="0"/>
               </a:rPr>
               <a:t>4</a:t>
             </a:r>
             <a:r>
-              <a:rPr lang="en-US" dirty="0" smtClean="0"/>
+              <a:rPr lang="en-US" sz="4000" dirty="0" smtClean="0">
+                <a:latin typeface="Bauhaus 93" panose="04030905020B02020C02" pitchFamily="82" charset="0"/>
+                <a:cs typeface="Arial" panose="020B0604020202020204" pitchFamily="34" charset="0"/>
+              </a:rPr>
               <a:t> 	</a:t>
             </a:r>
             <a:r>
-              <a:rPr lang="en-US" sz="1200" b="0" i="0" u="none" strike="noStrike" kern="1200" dirty="0" smtClean="0">
+              <a:rPr lang="en-US" sz="4000" b="0" i="0" u="none" strike="noStrike" kern="1200" dirty="0" smtClean="0">
                 <a:solidFill>
                   <a:schemeClr val="tx1"/>
                 </a:solidFill>
                 <a:effectLst/>
-                <a:latin typeface="+mn-lt"/>
+                <a:latin typeface="Bauhaus 93" panose="04030905020B02020C02" pitchFamily="82" charset="0"/>
                 <a:ea typeface="+mn-ea"/>
-                <a:cs typeface="+mn-cs"/>
+                <a:cs typeface="Arial" panose="020B0604020202020204" pitchFamily="34" charset="0"/>
               </a:rPr>
               <a:t>4096</a:t>
             </a:r>
             <a:r>
-              <a:rPr lang="en-US" dirty="0" smtClean="0"/>
+              <a:rPr lang="en-US" sz="4000" dirty="0" smtClean="0">
+                <a:latin typeface="Bauhaus 93" panose="04030905020B02020C02" pitchFamily="82" charset="0"/>
+                <a:cs typeface="Arial" panose="020B0604020202020204" pitchFamily="34" charset="0"/>
+              </a:rPr>
               <a:t> 	 </a:t>
             </a:r>
             <a:r>
-              <a:rPr lang="en-US" sz="1200" b="0" i="0" u="none" strike="noStrike" kern="1200" dirty="0" smtClean="0">
+              <a:rPr lang="en-US" sz="4000" b="0" i="0" u="none" strike="noStrike" kern="1200" dirty="0" smtClean="0">
                 <a:solidFill>
                   <a:schemeClr val="tx1"/>
                 </a:solidFill>
                 <a:effectLst/>
-                <a:latin typeface="+mn-lt"/>
+                <a:latin typeface="Bauhaus 93" panose="04030905020B02020C02" pitchFamily="82" charset="0"/>
                 <a:ea typeface="+mn-ea"/>
-                <a:cs typeface="+mn-cs"/>
+                <a:cs typeface="Arial" panose="020B0604020202020204" pitchFamily="34" charset="0"/>
               </a:rPr>
               <a:t>250</a:t>
             </a:r>
             <a:r>
-              <a:rPr lang="en-US" dirty="0" smtClean="0"/>
+              <a:rPr lang="en-US" sz="4000" dirty="0" smtClean="0">
+                <a:latin typeface="Bauhaus 93" panose="04030905020B02020C02" pitchFamily="82" charset="0"/>
+                <a:cs typeface="Arial" panose="020B0604020202020204" pitchFamily="34" charset="0"/>
+              </a:rPr>
               <a:t> 	</a:t>
             </a:r>
             <a:r>
-              <a:rPr lang="en-US" sz="1200" b="0" i="0" u="none" strike="noStrike" kern="1200" dirty="0" smtClean="0">
+              <a:rPr lang="en-US" sz="4000" b="0" i="0" u="none" strike="noStrike" kern="1200" dirty="0" smtClean="0">
                 <a:solidFill>
                   <a:schemeClr val="tx1"/>
                 </a:solidFill>
                 <a:effectLst/>
-                <a:latin typeface="+mn-lt"/>
+                <a:latin typeface="Bauhaus 93" panose="04030905020B02020C02" pitchFamily="82" charset="0"/>
                 <a:ea typeface="+mn-ea"/>
-                <a:cs typeface="+mn-cs"/>
+                <a:cs typeface="Arial" panose="020B0604020202020204" pitchFamily="34" charset="0"/>
               </a:rPr>
               <a:t>6.104</a:t>
             </a:r>
             <a:r>
-              <a:rPr lang="en-US" dirty="0" smtClean="0"/>
+              <a:rPr lang="en-US" sz="4000" dirty="0" smtClean="0">
+                <a:latin typeface="Bauhaus 93" panose="04030905020B02020C02" pitchFamily="82" charset="0"/>
+                <a:cs typeface="Arial" panose="020B0604020202020204" pitchFamily="34" charset="0"/>
+              </a:rPr>
               <a:t> </a:t>
             </a:r>
           </a:p>
           <a:p>
-            <a:r>
-              <a:rPr lang="en-US" sz="1200" b="0" i="0" u="none" strike="noStrike" kern="1200" dirty="0" smtClean="0">
+            <a:pPr algn="ctr"/>
+            <a:r>
+              <a:rPr lang="en-US" sz="4000" b="0" i="0" u="none" strike="noStrike" kern="1200" dirty="0" smtClean="0">
                 <a:solidFill>
                   <a:schemeClr val="tx1"/>
                 </a:solidFill>
                 <a:effectLst/>
-                <a:latin typeface="+mn-lt"/>
+                <a:latin typeface="Bauhaus 93" panose="04030905020B02020C02" pitchFamily="82" charset="0"/>
                 <a:ea typeface="+mn-ea"/>
-                <a:cs typeface="+mn-cs"/>
+                <a:cs typeface="Arial" panose="020B0604020202020204" pitchFamily="34" charset="0"/>
               </a:rPr>
               <a:t>3</a:t>
             </a:r>
             <a:r>
-              <a:rPr lang="en-US" dirty="0" smtClean="0"/>
+              <a:rPr lang="en-US" sz="4000" dirty="0" smtClean="0">
+                <a:latin typeface="Bauhaus 93" panose="04030905020B02020C02" pitchFamily="82" charset="0"/>
+                <a:cs typeface="Arial" panose="020B0604020202020204" pitchFamily="34" charset="0"/>
+              </a:rPr>
               <a:t> 	</a:t>
             </a:r>
             <a:r>
-              <a:rPr lang="en-US" sz="1200" b="0" i="0" u="none" strike="noStrike" kern="1200" dirty="0" smtClean="0">
+              <a:rPr lang="en-US" sz="4000" b="0" i="0" u="none" strike="noStrike" kern="1200" dirty="0" smtClean="0">
                 <a:solidFill>
                   <a:schemeClr val="tx1"/>
                 </a:solidFill>
                 <a:effectLst/>
-                <a:latin typeface="+mn-lt"/>
+                <a:latin typeface="Bauhaus 93" panose="04030905020B02020C02" pitchFamily="82" charset="0"/>
                 <a:ea typeface="+mn-ea"/>
-                <a:cs typeface="+mn-cs"/>
+                <a:cs typeface="Arial" panose="020B0604020202020204" pitchFamily="34" charset="0"/>
               </a:rPr>
               <a:t>3072	</a:t>
             </a:r>
             <a:r>
-              <a:rPr lang="en-US" dirty="0" smtClean="0"/>
+              <a:rPr lang="en-US" sz="4000" dirty="0" smtClean="0">
+                <a:latin typeface="Bauhaus 93" panose="04030905020B02020C02" pitchFamily="82" charset="0"/>
+                <a:cs typeface="Arial" panose="020B0604020202020204" pitchFamily="34" charset="0"/>
+              </a:rPr>
               <a:t> </a:t>
             </a:r>
             <a:r>
-              <a:rPr lang="en-US" sz="1200" b="0" i="0" u="none" strike="noStrike" kern="1200" dirty="0" smtClean="0">
+              <a:rPr lang="en-US" sz="4000" b="0" i="0" u="none" strike="noStrike" kern="1200" dirty="0" smtClean="0">
                 <a:solidFill>
                   <a:schemeClr val="tx1"/>
                 </a:solidFill>
                 <a:effectLst/>
-                <a:latin typeface="+mn-lt"/>
+                <a:latin typeface="Bauhaus 93" panose="04030905020B02020C02" pitchFamily="82" charset="0"/>
                 <a:ea typeface="+mn-ea"/>
-                <a:cs typeface="+mn-cs"/>
+                <a:cs typeface="Arial" panose="020B0604020202020204" pitchFamily="34" charset="0"/>
               </a:rPr>
               <a:t>230</a:t>
             </a:r>
             <a:r>
-              <a:rPr lang="en-US" dirty="0" smtClean="0"/>
+              <a:rPr lang="en-US" sz="4000" dirty="0" smtClean="0">
+                <a:latin typeface="Bauhaus 93" panose="04030905020B02020C02" pitchFamily="82" charset="0"/>
+                <a:cs typeface="Arial" panose="020B0604020202020204" pitchFamily="34" charset="0"/>
+              </a:rPr>
               <a:t> 	</a:t>
             </a:r>
             <a:r>
-              <a:rPr lang="en-US" sz="1200" b="0" i="0" u="none" strike="noStrike" kern="1200" dirty="0" smtClean="0">
+              <a:rPr lang="en-US" sz="4000" b="0" i="0" u="none" strike="noStrike" kern="1200" dirty="0" smtClean="0">
                 <a:solidFill>
                   <a:schemeClr val="tx1"/>
                 </a:solidFill>
                 <a:effectLst/>
-                <a:latin typeface="+mn-lt"/>
+                <a:latin typeface="Bauhaus 93" panose="04030905020B02020C02" pitchFamily="82" charset="0"/>
                 <a:ea typeface="+mn-ea"/>
-                <a:cs typeface="+mn-cs"/>
+                <a:cs typeface="Arial" panose="020B0604020202020204" pitchFamily="34" charset="0"/>
               </a:rPr>
               <a:t>7.487</a:t>
             </a:r>
             <a:r>
-              <a:rPr lang="en-US" dirty="0" smtClean="0"/>
+              <a:rPr lang="en-US" sz="4000" dirty="0" smtClean="0">
+                <a:latin typeface="Bauhaus 93" panose="04030905020B02020C02" pitchFamily="82" charset="0"/>
+                <a:cs typeface="Arial" panose="020B0604020202020204" pitchFamily="34" charset="0"/>
+              </a:rPr>
               <a:t> </a:t>
             </a:r>
-            <a:endParaRPr lang="en-US" dirty="0"/>
+            <a:endParaRPr lang="en-US" sz="4000" dirty="0">
+              <a:latin typeface="Bauhaus 93" panose="04030905020B02020C02" pitchFamily="82" charset="0"/>
+              <a:cs typeface="Arial" panose="020B0604020202020204" pitchFamily="34" charset="0"/>
+            </a:endParaRPr>
           </a:p>
         </p:txBody>
       </p:sp>
@@ -4052,7 +4106,91 @@
     </p:spTree>
     <p:extLst>
       <p:ext uri="{BB962C8B-B14F-4D97-AF65-F5344CB8AC3E}">
-        <p14:creationId xmlns:p14="http://schemas.microsoft.com/office/powerpoint/2010/main" val="1342654029"/>
+        <p14:creationId xmlns:p14="http://schemas.microsoft.com/office/powerpoint/2010/main" val="563481297"/>
+      </p:ext>
+    </p:extLst>
+  </p:cSld>
+  <p:clrMapOvr>
+    <a:masterClrMapping/>
+  </p:clrMapOvr>
+</p:notes>
+</file>
+
+<file path=ppt/notesSlides/notesSlide5.xml><?xml version="1.0" encoding="utf-8"?>
+<p:notes xmlns:a="http://schemas.openxmlformats.org/drawingml/2006/main" xmlns:r="http://schemas.openxmlformats.org/officeDocument/2006/relationships" xmlns:p="http://schemas.openxmlformats.org/presentationml/2006/main">
+  <p:cSld>
+    <p:spTree>
+      <p:nvGrpSpPr>
+        <p:cNvPr id="1" name=""/>
+        <p:cNvGrpSpPr/>
+        <p:nvPr/>
+      </p:nvGrpSpPr>
+      <p:grpSpPr>
+        <a:xfrm>
+          <a:off x="0" y="0"/>
+          <a:ext cx="0" cy="0"/>
+          <a:chOff x="0" y="0"/>
+          <a:chExt cx="0" cy="0"/>
+        </a:xfrm>
+      </p:grpSpPr>
+      <p:sp>
+        <p:nvSpPr>
+          <p:cNvPr id="2" name="Slide Image Placeholder 1"/>
+          <p:cNvSpPr>
+            <a:spLocks noGrp="1" noRot="1" noChangeAspect="1"/>
+          </p:cNvSpPr>
+          <p:nvPr>
+            <p:ph type="sldImg"/>
+          </p:nvPr>
+        </p:nvSpPr>
+        <p:spPr/>
+      </p:sp>
+      <p:sp>
+        <p:nvSpPr>
+          <p:cNvPr id="3" name="Notes Placeholder 2"/>
+          <p:cNvSpPr>
+            <a:spLocks noGrp="1"/>
+          </p:cNvSpPr>
+          <p:nvPr>
+            <p:ph type="body" idx="1"/>
+          </p:nvPr>
+        </p:nvSpPr>
+        <p:spPr/>
+        <p:txBody>
+          <a:bodyPr/>
+          <a:lstStyle/>
+          <a:p>
+            <a:endParaRPr lang="en-US" dirty="0"/>
+          </a:p>
+        </p:txBody>
+      </p:sp>
+      <p:sp>
+        <p:nvSpPr>
+          <p:cNvPr id="4" name="Slide Number Placeholder 3"/>
+          <p:cNvSpPr>
+            <a:spLocks noGrp="1"/>
+          </p:cNvSpPr>
+          <p:nvPr>
+            <p:ph type="sldNum" sz="quarter" idx="10"/>
+          </p:nvPr>
+        </p:nvSpPr>
+        <p:spPr/>
+        <p:txBody>
+          <a:bodyPr/>
+          <a:lstStyle/>
+          <a:p>
+            <a:fld id="{228B34ED-4CDD-41C9-90F7-D768D5559A6F}" type="slidenum">
+              <a:rPr lang="en-US" smtClean="0"/>
+              <a:t>5</a:t>
+            </a:fld>
+            <a:endParaRPr lang="en-US" dirty="0"/>
+          </a:p>
+        </p:txBody>
+      </p:sp>
+    </p:spTree>
+    <p:extLst>
+      <p:ext uri="{BB962C8B-B14F-4D97-AF65-F5344CB8AC3E}">
+        <p14:creationId xmlns:p14="http://schemas.microsoft.com/office/powerpoint/2010/main" val="3412509025"/>
       </p:ext>
     </p:extLst>
   </p:cSld>
@@ -5233,7 +5371,7 @@
           </a:ln>
           <a:extLst>
             <a:ext uri="{C572A759-6A51-4108-AA02-DFA0A04FC94B}">
-              <ma14:wrappingTextBoxFlag xmlns="" xmlns:ma14="http://schemas.microsoft.com/office/mac/drawingml/2011/main" val="1"/>
+              <ma14:wrappingTextBoxFlag xmlns:ma14="http://schemas.microsoft.com/office/mac/drawingml/2011/main" xmlns="" val="1"/>
             </a:ext>
           </a:extLst>
         </p:spPr>
@@ -5557,7 +5695,7 @@
           </a:ln>
           <a:extLst>
             <a:ext uri="{C572A759-6A51-4108-AA02-DFA0A04FC94B}">
-              <ma14:wrappingTextBoxFlag xmlns="" xmlns:ma14="http://schemas.microsoft.com/office/mac/drawingml/2011/main" val="1"/>
+              <ma14:wrappingTextBoxFlag xmlns:ma14="http://schemas.microsoft.com/office/mac/drawingml/2011/main" xmlns="" val="1"/>
             </a:ext>
           </a:extLst>
         </p:spPr>
@@ -8964,7 +9102,7 @@
           </a:ln>
           <a:extLst>
             <a:ext uri="{C572A759-6A51-4108-AA02-DFA0A04FC94B}">
-              <ma14:wrappingTextBoxFlag xmlns="" xmlns:ma14="http://schemas.microsoft.com/office/mac/drawingml/2011/main" val="1"/>
+              <ma14:wrappingTextBoxFlag xmlns:ma14="http://schemas.microsoft.com/office/mac/drawingml/2011/main" xmlns="" val="1"/>
             </a:ext>
           </a:extLst>
         </p:spPr>
@@ -10434,7 +10572,7 @@
           </a:ln>
           <a:extLst>
             <a:ext uri="{C572A759-6A51-4108-AA02-DFA0A04FC94B}">
-              <ma14:wrappingTextBoxFlag xmlns="" xmlns:ma14="http://schemas.microsoft.com/office/mac/drawingml/2011/main" val="1"/>
+              <ma14:wrappingTextBoxFlag xmlns:ma14="http://schemas.microsoft.com/office/mac/drawingml/2011/main" xmlns="" val="1"/>
             </a:ext>
           </a:extLst>
         </p:spPr>
@@ -10843,7 +10981,7 @@
                 <a16:creationId xmlns:a16="http://schemas.microsoft.com/office/drawing/2014/main" id="{D687D26E-D67A-4318-AAB1-DCEAA89EEB21}"/>
               </a:ext>
               <a:ext uri="{C183D7F6-B498-43B3-948B-1728B52AA6E4}">
-                <adec:decorative xmlns:adec="http://schemas.microsoft.com/office/drawing/2017/decorative" xmlns="" val="1"/>
+                <adec:decorative xmlns="" xmlns:adec="http://schemas.microsoft.com/office/drawing/2017/decorative" val="1"/>
               </a:ext>
             </a:extLst>
           </p:cNvPr>
@@ -11149,7 +11287,7 @@
         <p:spPr>
           <a:xfrm>
             <a:off x="6605587" y="4866258"/>
-            <a:ext cx="4667251" cy="1569660"/>
+            <a:ext cx="4667251" cy="1384995"/>
           </a:xfrm>
           <a:prstGeom prst="rect">
             <a:avLst/>
@@ -11162,7 +11300,7 @@
           <a:lstStyle/>
           <a:p>
             <a:r>
-              <a:rPr lang="en-US" sz="3200" dirty="0" smtClean="0">
+              <a:rPr lang="en-US" sz="2800" dirty="0" smtClean="0">
                 <a:solidFill>
                   <a:schemeClr val="bg2">
                     <a:lumMod val="25000"/>
@@ -11174,7 +11312,7 @@
               <a:t>Mentor</a:t>
             </a:r>
             <a:r>
-              <a:rPr lang="en-US" sz="3200" dirty="0">
+              <a:rPr lang="en-US" sz="2800" dirty="0">
                 <a:solidFill>
                   <a:schemeClr val="bg2">
                     <a:lumMod val="25000"/>
@@ -11188,7 +11326,7 @@
           </a:p>
           <a:p>
             <a:r>
-              <a:rPr lang="en-US" sz="3200" dirty="0" smtClean="0">
+              <a:rPr lang="en-US" sz="2800" dirty="0" smtClean="0">
                 <a:solidFill>
                   <a:schemeClr val="bg2">
                     <a:lumMod val="25000"/>
@@ -11200,7 +11338,7 @@
               <a:t>	</a:t>
             </a:r>
             <a:r>
-              <a:rPr lang="en-US" sz="3200" dirty="0" err="1" smtClean="0">
+              <a:rPr lang="en-US" sz="2800" dirty="0" err="1" smtClean="0">
                 <a:solidFill>
                   <a:schemeClr val="bg2">
                     <a:lumMod val="25000"/>
@@ -11212,7 +11350,7 @@
               <a:t>Bùi</a:t>
             </a:r>
             <a:r>
-              <a:rPr lang="en-US" sz="3200" dirty="0" smtClean="0">
+              <a:rPr lang="en-US" sz="2800" dirty="0" smtClean="0">
                 <a:solidFill>
                   <a:schemeClr val="bg2">
                     <a:lumMod val="25000"/>
@@ -11224,7 +11362,7 @@
               <a:t> </a:t>
             </a:r>
             <a:r>
-              <a:rPr lang="en-US" sz="3200" dirty="0" err="1" smtClean="0">
+              <a:rPr lang="en-US" sz="2800" dirty="0" err="1" smtClean="0">
                 <a:solidFill>
                   <a:schemeClr val="bg2">
                     <a:lumMod val="25000"/>
@@ -11236,7 +11374,7 @@
               <a:t>Văn</a:t>
             </a:r>
             <a:r>
-              <a:rPr lang="en-US" sz="3200" dirty="0" smtClean="0">
+              <a:rPr lang="en-US" sz="2800" dirty="0" smtClean="0">
                 <a:solidFill>
                   <a:schemeClr val="bg2">
                     <a:lumMod val="25000"/>
@@ -11248,7 +11386,7 @@
               <a:t> </a:t>
             </a:r>
             <a:r>
-              <a:rPr lang="en-US" sz="3200" dirty="0">
+              <a:rPr lang="en-US" sz="2800" dirty="0">
                 <a:solidFill>
                   <a:schemeClr val="bg2">
                     <a:lumMod val="25000"/>
@@ -11262,7 +11400,7 @@
           </a:p>
           <a:p>
             <a:r>
-              <a:rPr lang="en-US" sz="3200" dirty="0" smtClean="0">
+              <a:rPr lang="en-US" sz="2800" dirty="0" smtClean="0">
                 <a:solidFill>
                   <a:schemeClr val="bg2">
                     <a:lumMod val="25000"/>
@@ -11274,7 +11412,7 @@
               <a:t>	</a:t>
             </a:r>
             <a:r>
-              <a:rPr lang="en-US" sz="3200" dirty="0" err="1" smtClean="0">
+              <a:rPr lang="en-US" sz="2800" dirty="0" err="1" smtClean="0">
                 <a:solidFill>
                   <a:schemeClr val="bg2">
                     <a:lumMod val="25000"/>
@@ -11286,7 +11424,7 @@
               <a:t>Vũ</a:t>
             </a:r>
             <a:r>
-              <a:rPr lang="en-US" sz="3200" dirty="0" smtClean="0">
+              <a:rPr lang="en-US" sz="2800" dirty="0" smtClean="0">
                 <a:solidFill>
                   <a:schemeClr val="bg2">
                     <a:lumMod val="25000"/>
@@ -11298,7 +11436,7 @@
               <a:t> </a:t>
             </a:r>
             <a:r>
-              <a:rPr lang="en-US" sz="3200" dirty="0" err="1" smtClean="0">
+              <a:rPr lang="en-US" sz="2800" dirty="0" err="1" smtClean="0">
                 <a:solidFill>
                   <a:schemeClr val="bg2">
                     <a:lumMod val="25000"/>
@@ -11310,7 +11448,7 @@
               <a:t>Văn</a:t>
             </a:r>
             <a:r>
-              <a:rPr lang="en-US" sz="3200" dirty="0" smtClean="0">
+              <a:rPr lang="en-US" sz="2800" dirty="0" smtClean="0">
                 <a:solidFill>
                   <a:schemeClr val="bg2">
                     <a:lumMod val="25000"/>
@@ -11322,7 +11460,7 @@
               <a:t> </a:t>
             </a:r>
             <a:r>
-              <a:rPr lang="en-US" sz="3200" dirty="0" err="1" smtClean="0">
+              <a:rPr lang="en-US" sz="2800" dirty="0" err="1" smtClean="0">
                 <a:solidFill>
                   <a:schemeClr val="bg2">
                     <a:lumMod val="25000"/>
@@ -11333,7 +11471,7 @@
               </a:rPr>
               <a:t>Thái</a:t>
             </a:r>
-            <a:endParaRPr lang="en-US" sz="3200" dirty="0">
+            <a:endParaRPr lang="en-US" sz="2800" dirty="0">
               <a:solidFill>
                 <a:schemeClr val="bg2">
                   <a:lumMod val="25000"/>
@@ -11348,13 +11486,16 @@
     </p:spTree>
     <p:extLst>
       <p:ext uri="{BB962C8B-B14F-4D97-AF65-F5344CB8AC3E}">
-        <p14:creationId xmlns:p14="http://schemas.microsoft.com/office/powerpoint/2010/main" val="3578503173"/>
+        <p14:creationId xmlns:p14="http://schemas.microsoft.com/office/powerpoint/2010/main" val="2605241712"/>
       </p:ext>
     </p:extLst>
   </p:cSld>
   <p:clrMapOvr>
     <a:masterClrMapping/>
   </p:clrMapOvr>
+  <p:transition spd="slow">
+    <p:randomBar dir="vert"/>
+  </p:transition>
   <p:timing>
     <p:tnLst>
       <p:par>
@@ -11585,7 +11726,7 @@
           </a:bodyPr>
           <a:lstStyle/>
           <a:p>
-            <a:pPr lvl="0" algn="l" defTabSz="1200150" rtl="0">
+            <a:pPr defTabSz="1200150">
               <a:lnSpc>
                 <a:spcPct val="90000"/>
               </a:lnSpc>
@@ -11597,10 +11738,14 @@
               </a:spcAft>
             </a:pPr>
             <a:r>
-              <a:rPr lang="en-US" sz="2700" kern="1200" smtClean="0"/>
-              <a:t>Đăng nhập, đăng xuất</a:t>
-            </a:r>
-            <a:endParaRPr lang="en-US" sz="2700" kern="1200" dirty="0"/>
+              <a:rPr lang="en-US" sz="2700" dirty="0"/>
+              <a:t>Hệ thống bảo vệ và cảnh </a:t>
+            </a:r>
+            <a:r>
+              <a:rPr lang="en-US" sz="2700" dirty="0" smtClean="0"/>
+              <a:t>báo</a:t>
+            </a:r>
+            <a:endParaRPr lang="en-US" sz="2700" dirty="0"/>
           </a:p>
         </p:txBody>
       </p:sp>
@@ -11765,9 +11910,10 @@
               </a:spcAft>
             </a:pPr>
             <a:r>
-              <a:rPr lang="en-US" sz="2700" dirty="0"/>
-              <a:t>Hệ thống bảo vệ và cảnh báo</a:t>
-            </a:r>
+              <a:rPr lang="en-US" sz="2700" dirty="0" smtClean="0"/>
+              <a:t>Phát video</a:t>
+            </a:r>
+            <a:endParaRPr lang="en-US" sz="2700" dirty="0"/>
           </a:p>
         </p:txBody>
       </p:sp>
@@ -11920,7 +12066,7 @@
           </a:bodyPr>
           <a:lstStyle/>
           <a:p>
-            <a:pPr lvl="0" algn="l" defTabSz="1200150" rtl="0">
+            <a:pPr lvl="0" defTabSz="1200150">
               <a:lnSpc>
                 <a:spcPct val="90000"/>
               </a:lnSpc>
@@ -11932,8 +12078,8 @@
               </a:spcAft>
             </a:pPr>
             <a:r>
-              <a:rPr lang="en-US" sz="2700" kern="1200" dirty="0" smtClean="0"/>
-              <a:t>Phát video</a:t>
+              <a:rPr lang="en-US" sz="2700" dirty="0"/>
+              <a:t>Cài đặt thời gian phát video</a:t>
             </a:r>
             <a:endParaRPr lang="en-US" sz="2700" kern="1200" dirty="0"/>
           </a:p>
@@ -12088,7 +12234,7 @@
           </a:bodyPr>
           <a:lstStyle/>
           <a:p>
-            <a:pPr lvl="0" algn="l" defTabSz="1200150" rtl="0">
+            <a:pPr defTabSz="1200150">
               <a:lnSpc>
                 <a:spcPct val="90000"/>
               </a:lnSpc>
@@ -12100,10 +12246,18 @@
               </a:spcAft>
             </a:pPr>
             <a:r>
-              <a:rPr lang="en-US" sz="2700" kern="1200" dirty="0" smtClean="0"/>
-              <a:t>Cài đặt thời gian phát video</a:t>
-            </a:r>
-            <a:endParaRPr lang="en-US" sz="2700" kern="1200" dirty="0"/>
+              <a:rPr lang="en-US" sz="2700" dirty="0" smtClean="0"/>
+              <a:t>Đăng </a:t>
+            </a:r>
+            <a:r>
+              <a:rPr lang="en-US" sz="2700" dirty="0"/>
+              <a:t>nhập, đăng </a:t>
+            </a:r>
+            <a:r>
+              <a:rPr lang="en-US" sz="2700" dirty="0" smtClean="0"/>
+              <a:t>xuất</a:t>
+            </a:r>
+            <a:endParaRPr lang="en-US" sz="2700" dirty="0"/>
           </a:p>
         </p:txBody>
       </p:sp>
@@ -12158,13 +12312,16 @@
     </p:spTree>
     <p:extLst>
       <p:ext uri="{BB962C8B-B14F-4D97-AF65-F5344CB8AC3E}">
-        <p14:creationId xmlns:p14="http://schemas.microsoft.com/office/powerpoint/2010/main" val="3554343143"/>
+        <p14:creationId xmlns:p14="http://schemas.microsoft.com/office/powerpoint/2010/main" val="1730193800"/>
       </p:ext>
     </p:extLst>
   </p:cSld>
   <p:clrMapOvr>
     <a:masterClrMapping/>
   </p:clrMapOvr>
+  <p:transition spd="slow">
+    <p:push dir="u"/>
+  </p:transition>
   <p:timing>
     <p:tnLst>
       <p:par>
@@ -12394,21 +12551,30 @@
                             </p:childTnLst>
                           </p:cTn>
                         </p:par>
+                      </p:childTnLst>
+                    </p:cTn>
+                  </p:par>
+                  <p:par>
+                    <p:cTn id="19" fill="hold">
+                      <p:stCondLst>
+                        <p:cond delay="indefinite"/>
+                      </p:stCondLst>
+                      <p:childTnLst>
                         <p:par>
-                          <p:cTn id="19" fill="hold">
+                          <p:cTn id="20" fill="hold">
                             <p:stCondLst>
-                              <p:cond delay="1500"/>
+                              <p:cond delay="0"/>
                             </p:stCondLst>
                             <p:childTnLst>
                               <p:par>
-                                <p:cTn id="20" presetID="42" presetClass="entr" presetSubtype="0" fill="hold" nodeType="afterEffect">
+                                <p:cTn id="21" presetID="42" presetClass="entr" presetSubtype="0" fill="hold" nodeType="clickEffect">
                                   <p:stCondLst>
                                     <p:cond delay="0"/>
                                   </p:stCondLst>
                                   <p:childTnLst>
                                     <p:set>
                                       <p:cBhvr>
-                                        <p:cTn id="21" dur="1" fill="hold">
+                                        <p:cTn id="22" dur="1" fill="hold">
                                           <p:stCondLst>
                                             <p:cond delay="0"/>
                                           </p:stCondLst>
@@ -12426,7 +12592,7 @@
                                     </p:set>
                                     <p:animEffect transition="in" filter="fade">
                                       <p:cBhvr>
-                                        <p:cTn id="22" dur="1000"/>
+                                        <p:cTn id="23" dur="1000"/>
                                         <p:tgtEl>
                                           <p:spTgt spid="12"/>
                                         </p:tgtEl>
@@ -12434,7 +12600,7 @@
                                     </p:animEffect>
                                     <p:anim calcmode="lin" valueType="num">
                                       <p:cBhvr>
-                                        <p:cTn id="23" dur="1000" fill="hold"/>
+                                        <p:cTn id="24" dur="1000" fill="hold"/>
                                         <p:tgtEl>
                                           <p:spTgt spid="12"/>
                                         </p:tgtEl>
@@ -12457,7 +12623,7 @@
                                     </p:anim>
                                     <p:anim calcmode="lin" valueType="num">
                                       <p:cBhvr>
-                                        <p:cTn id="24" dur="1000" fill="hold"/>
+                                        <p:cTn id="25" dur="1000" fill="hold"/>
                                         <p:tgtEl>
                                           <p:spTgt spid="12"/>
                                         </p:tgtEl>
@@ -12482,14 +12648,14 @@
                                 </p:cTn>
                               </p:par>
                               <p:par>
-                                <p:cTn id="25" presetID="42" presetClass="entr" presetSubtype="0" fill="hold" grpId="0" nodeType="withEffect">
+                                <p:cTn id="26" presetID="42" presetClass="entr" presetSubtype="0" fill="hold" grpId="0" nodeType="withEffect">
                                   <p:stCondLst>
                                     <p:cond delay="0"/>
                                   </p:stCondLst>
                                   <p:childTnLst>
                                     <p:set>
                                       <p:cBhvr>
-                                        <p:cTn id="26" dur="1" fill="hold">
+                                        <p:cTn id="27" dur="1" fill="hold">
                                           <p:stCondLst>
                                             <p:cond delay="0"/>
                                           </p:stCondLst>
@@ -12507,7 +12673,7 @@
                                     </p:set>
                                     <p:animEffect transition="in" filter="fade">
                                       <p:cBhvr>
-                                        <p:cTn id="27" dur="1000"/>
+                                        <p:cTn id="28" dur="1000"/>
                                         <p:tgtEl>
                                           <p:spTgt spid="11"/>
                                         </p:tgtEl>
@@ -12515,7 +12681,7 @@
                                     </p:animEffect>
                                     <p:anim calcmode="lin" valueType="num">
                                       <p:cBhvr>
-                                        <p:cTn id="28" dur="1000" fill="hold"/>
+                                        <p:cTn id="29" dur="1000" fill="hold"/>
                                         <p:tgtEl>
                                           <p:spTgt spid="11"/>
                                         </p:tgtEl>
@@ -12538,7 +12704,7 @@
                                     </p:anim>
                                     <p:anim calcmode="lin" valueType="num">
                                       <p:cBhvr>
-                                        <p:cTn id="29" dur="1000" fill="hold"/>
+                                        <p:cTn id="30" dur="1000" fill="hold"/>
                                         <p:tgtEl>
                                           <p:spTgt spid="11"/>
                                         </p:tgtEl>
@@ -12565,21 +12731,30 @@
                             </p:childTnLst>
                           </p:cTn>
                         </p:par>
+                      </p:childTnLst>
+                    </p:cTn>
+                  </p:par>
+                  <p:par>
+                    <p:cTn id="31" fill="hold">
+                      <p:stCondLst>
+                        <p:cond delay="indefinite"/>
+                      </p:stCondLst>
+                      <p:childTnLst>
                         <p:par>
-                          <p:cTn id="30" fill="hold">
+                          <p:cTn id="32" fill="hold">
                             <p:stCondLst>
-                              <p:cond delay="2500"/>
+                              <p:cond delay="0"/>
                             </p:stCondLst>
                             <p:childTnLst>
                               <p:par>
-                                <p:cTn id="31" presetID="42" presetClass="entr" presetSubtype="0" fill="hold" nodeType="afterEffect">
+                                <p:cTn id="33" presetID="42" presetClass="entr" presetSubtype="0" fill="hold" nodeType="clickEffect">
                                   <p:stCondLst>
                                     <p:cond delay="0"/>
                                   </p:stCondLst>
                                   <p:childTnLst>
                                     <p:set>
                                       <p:cBhvr>
-                                        <p:cTn id="32" dur="1" fill="hold">
+                                        <p:cTn id="34" dur="1" fill="hold">
                                           <p:stCondLst>
                                             <p:cond delay="0"/>
                                           </p:stCondLst>
@@ -12597,7 +12772,7 @@
                                     </p:set>
                                     <p:animEffect transition="in" filter="fade">
                                       <p:cBhvr>
-                                        <p:cTn id="33" dur="1000"/>
+                                        <p:cTn id="35" dur="1000"/>
                                         <p:tgtEl>
                                           <p:spTgt spid="14"/>
                                         </p:tgtEl>
@@ -12605,7 +12780,7 @@
                                     </p:animEffect>
                                     <p:anim calcmode="lin" valueType="num">
                                       <p:cBhvr>
-                                        <p:cTn id="34" dur="1000" fill="hold"/>
+                                        <p:cTn id="36" dur="1000" fill="hold"/>
                                         <p:tgtEl>
                                           <p:spTgt spid="14"/>
                                         </p:tgtEl>
@@ -12628,7 +12803,7 @@
                                     </p:anim>
                                     <p:anim calcmode="lin" valueType="num">
                                       <p:cBhvr>
-                                        <p:cTn id="35" dur="1000" fill="hold"/>
+                                        <p:cTn id="37" dur="1000" fill="hold"/>
                                         <p:tgtEl>
                                           <p:spTgt spid="14"/>
                                         </p:tgtEl>
@@ -12653,14 +12828,14 @@
                                 </p:cTn>
                               </p:par>
                               <p:par>
-                                <p:cTn id="36" presetID="42" presetClass="entr" presetSubtype="0" fill="hold" grpId="0" nodeType="withEffect">
+                                <p:cTn id="38" presetID="42" presetClass="entr" presetSubtype="0" fill="hold" grpId="0" nodeType="withEffect">
                                   <p:stCondLst>
                                     <p:cond delay="0"/>
                                   </p:stCondLst>
                                   <p:childTnLst>
                                     <p:set>
                                       <p:cBhvr>
-                                        <p:cTn id="37" dur="1" fill="hold">
+                                        <p:cTn id="39" dur="1" fill="hold">
                                           <p:stCondLst>
                                             <p:cond delay="0"/>
                                           </p:stCondLst>
@@ -12678,7 +12853,7 @@
                                     </p:set>
                                     <p:animEffect transition="in" filter="fade">
                                       <p:cBhvr>
-                                        <p:cTn id="38" dur="1000"/>
+                                        <p:cTn id="40" dur="1000"/>
                                         <p:tgtEl>
                                           <p:spTgt spid="13"/>
                                         </p:tgtEl>
@@ -12686,7 +12861,7 @@
                                     </p:animEffect>
                                     <p:anim calcmode="lin" valueType="num">
                                       <p:cBhvr>
-                                        <p:cTn id="39" dur="1000" fill="hold"/>
+                                        <p:cTn id="41" dur="1000" fill="hold"/>
                                         <p:tgtEl>
                                           <p:spTgt spid="13"/>
                                         </p:tgtEl>
@@ -12709,7 +12884,7 @@
                                     </p:anim>
                                     <p:anim calcmode="lin" valueType="num">
                                       <p:cBhvr>
-                                        <p:cTn id="40" dur="1000" fill="hold"/>
+                                        <p:cTn id="42" dur="1000" fill="hold"/>
                                         <p:tgtEl>
                                           <p:spTgt spid="13"/>
                                         </p:tgtEl>
@@ -12736,21 +12911,30 @@
                             </p:childTnLst>
                           </p:cTn>
                         </p:par>
+                      </p:childTnLst>
+                    </p:cTn>
+                  </p:par>
+                  <p:par>
+                    <p:cTn id="43" fill="hold">
+                      <p:stCondLst>
+                        <p:cond delay="indefinite"/>
+                      </p:stCondLst>
+                      <p:childTnLst>
                         <p:par>
-                          <p:cTn id="41" fill="hold">
+                          <p:cTn id="44" fill="hold">
                             <p:stCondLst>
-                              <p:cond delay="3500"/>
+                              <p:cond delay="0"/>
                             </p:stCondLst>
                             <p:childTnLst>
                               <p:par>
-                                <p:cTn id="42" presetID="42" presetClass="entr" presetSubtype="0" fill="hold" nodeType="afterEffect">
+                                <p:cTn id="45" presetID="42" presetClass="entr" presetSubtype="0" fill="hold" nodeType="clickEffect">
                                   <p:stCondLst>
                                     <p:cond delay="0"/>
                                   </p:stCondLst>
                                   <p:childTnLst>
                                     <p:set>
                                       <p:cBhvr>
-                                        <p:cTn id="43" dur="1" fill="hold">
+                                        <p:cTn id="46" dur="1" fill="hold">
                                           <p:stCondLst>
                                             <p:cond delay="0"/>
                                           </p:stCondLst>
@@ -12768,7 +12952,7 @@
                                     </p:set>
                                     <p:animEffect transition="in" filter="fade">
                                       <p:cBhvr>
-                                        <p:cTn id="44" dur="1000"/>
+                                        <p:cTn id="47" dur="1000"/>
                                         <p:tgtEl>
                                           <p:spTgt spid="16"/>
                                         </p:tgtEl>
@@ -12776,7 +12960,7 @@
                                     </p:animEffect>
                                     <p:anim calcmode="lin" valueType="num">
                                       <p:cBhvr>
-                                        <p:cTn id="45" dur="1000" fill="hold"/>
+                                        <p:cTn id="48" dur="1000" fill="hold"/>
                                         <p:tgtEl>
                                           <p:spTgt spid="16"/>
                                         </p:tgtEl>
@@ -12799,7 +12983,7 @@
                                     </p:anim>
                                     <p:anim calcmode="lin" valueType="num">
                                       <p:cBhvr>
-                                        <p:cTn id="46" dur="1000" fill="hold"/>
+                                        <p:cTn id="49" dur="1000" fill="hold"/>
                                         <p:tgtEl>
                                           <p:spTgt spid="16"/>
                                         </p:tgtEl>
@@ -12824,14 +13008,14 @@
                                 </p:cTn>
                               </p:par>
                               <p:par>
-                                <p:cTn id="47" presetID="42" presetClass="entr" presetSubtype="0" fill="hold" grpId="0" nodeType="withEffect">
+                                <p:cTn id="50" presetID="42" presetClass="entr" presetSubtype="0" fill="hold" grpId="0" nodeType="withEffect">
                                   <p:stCondLst>
                                     <p:cond delay="0"/>
                                   </p:stCondLst>
                                   <p:childTnLst>
                                     <p:set>
                                       <p:cBhvr>
-                                        <p:cTn id="48" dur="1" fill="hold">
+                                        <p:cTn id="51" dur="1" fill="hold">
                                           <p:stCondLst>
                                             <p:cond delay="0"/>
                                           </p:stCondLst>
@@ -12849,7 +13033,7 @@
                                     </p:set>
                                     <p:animEffect transition="in" filter="fade">
                                       <p:cBhvr>
-                                        <p:cTn id="49" dur="1000"/>
+                                        <p:cTn id="52" dur="1000"/>
                                         <p:tgtEl>
                                           <p:spTgt spid="15"/>
                                         </p:tgtEl>
@@ -12857,7 +13041,7 @@
                                     </p:animEffect>
                                     <p:anim calcmode="lin" valueType="num">
                                       <p:cBhvr>
-                                        <p:cTn id="50" dur="1000" fill="hold"/>
+                                        <p:cTn id="53" dur="1000" fill="hold"/>
                                         <p:tgtEl>
                                           <p:spTgt spid="15"/>
                                         </p:tgtEl>
@@ -12880,7 +13064,7 @@
                                     </p:anim>
                                     <p:anim calcmode="lin" valueType="num">
                                       <p:cBhvr>
-                                        <p:cTn id="51" dur="1000" fill="hold"/>
+                                        <p:cTn id="54" dur="1000" fill="hold"/>
                                         <p:tgtEl>
                                           <p:spTgt spid="15"/>
                                         </p:tgtEl>
@@ -12963,11 +13147,7 @@
           <p:cNvPr id="58" name="Chart 57"/>
           <p:cNvGraphicFramePr/>
           <p:nvPr>
-            <p:extLst>
-              <p:ext uri="{D42A27DB-BD31-4B8C-83A1-F6EECF244321}">
-                <p14:modId xmlns:p14="http://schemas.microsoft.com/office/powerpoint/2010/main" val="1089242298"/>
-              </p:ext>
-            </p:extLst>
+            <p:extLst/>
           </p:nvPr>
         </p:nvGraphicFramePr>
         <p:xfrm>
@@ -12983,13 +13163,16 @@
     </p:spTree>
     <p:extLst>
       <p:ext uri="{BB962C8B-B14F-4D97-AF65-F5344CB8AC3E}">
-        <p14:creationId xmlns:p14="http://schemas.microsoft.com/office/powerpoint/2010/main" val="363359301"/>
+        <p14:creationId xmlns:p14="http://schemas.microsoft.com/office/powerpoint/2010/main" val="2718504352"/>
       </p:ext>
     </p:extLst>
   </p:cSld>
   <p:clrMapOvr>
     <a:masterClrMapping/>
   </p:clrMapOvr>
+  <p:transition spd="slow">
+    <p:push dir="u"/>
+  </p:transition>
   <p:timing>
     <p:tnLst>
       <p:par>
@@ -13002,6 +13185,9 @@
                     <p:cTn id="3" fill="hold">
                       <p:stCondLst>
                         <p:cond delay="indefinite"/>
+                        <p:cond evt="onBegin" delay="0">
+                          <p:tn val="2"/>
+                        </p:cond>
                       </p:stCondLst>
                       <p:childTnLst>
                         <p:par>
@@ -13011,7 +13197,7 @@
                             </p:stCondLst>
                             <p:childTnLst>
                               <p:par>
-                                <p:cTn id="5" presetID="22" presetClass="entr" presetSubtype="8" fill="hold" grpId="0" nodeType="clickEffect">
+                                <p:cTn id="5" presetID="22" presetClass="entr" presetSubtype="8" fill="hold" grpId="0" nodeType="afterEffect">
                                   <p:stCondLst>
                                     <p:cond delay="0"/>
                                   </p:stCondLst>
@@ -13271,7 +13457,7 @@
           <p:nvPr>
             <p:extLst>
               <p:ext uri="{D42A27DB-BD31-4B8C-83A1-F6EECF244321}">
-                <p14:modId xmlns:p14="http://schemas.microsoft.com/office/powerpoint/2010/main" val="2179851034"/>
+                <p14:modId xmlns:p14="http://schemas.microsoft.com/office/powerpoint/2010/main" val="2062738886"/>
               </p:ext>
             </p:extLst>
           </p:nvPr>
@@ -13289,13 +13475,16 @@
     </p:spTree>
     <p:extLst>
       <p:ext uri="{BB962C8B-B14F-4D97-AF65-F5344CB8AC3E}">
-        <p14:creationId xmlns:p14="http://schemas.microsoft.com/office/powerpoint/2010/main" val="351822372"/>
+        <p14:creationId xmlns:p14="http://schemas.microsoft.com/office/powerpoint/2010/main" val="126835245"/>
       </p:ext>
     </p:extLst>
   </p:cSld>
   <p:clrMapOvr>
     <a:masterClrMapping/>
   </p:clrMapOvr>
+  <p:transition spd="slow">
+    <p:push dir="u"/>
+  </p:transition>
   <p:timing>
     <p:tnLst>
       <p:par>
@@ -13308,6 +13497,9 @@
                     <p:cTn id="3" fill="hold">
                       <p:stCondLst>
                         <p:cond delay="indefinite"/>
+                        <p:cond evt="onBegin" delay="0">
+                          <p:tn val="2"/>
+                        </p:cond>
                       </p:stCondLst>
                       <p:childTnLst>
                         <p:par>
@@ -13317,7 +13509,7 @@
                             </p:stCondLst>
                             <p:childTnLst>
                               <p:par>
-                                <p:cTn id="5" presetID="22" presetClass="entr" presetSubtype="4" fill="hold" grpId="0" nodeType="clickEffect">
+                                <p:cTn id="5" presetID="22" presetClass="entr" presetSubtype="4" fill="hold" grpId="0" nodeType="afterEffect">
                                   <p:stCondLst>
                                     <p:cond delay="0"/>
                                   </p:stCondLst>
@@ -13600,6 +13792,779 @@
           <a:bldChart bld="categoryEl"/>
         </p:bldSub>
       </p:bldGraphic>
+    </p:bldLst>
+  </p:timing>
+</p:sld>
+</file>
+
+<file path=ppt/slides/slide5.xml><?xml version="1.0" encoding="utf-8"?>
+<p:sld xmlns:a="http://schemas.openxmlformats.org/drawingml/2006/main" xmlns:r="http://schemas.openxmlformats.org/officeDocument/2006/relationships" xmlns:p="http://schemas.openxmlformats.org/presentationml/2006/main">
+  <p:cSld>
+    <p:spTree>
+      <p:nvGrpSpPr>
+        <p:cNvPr id="1" name=""/>
+        <p:cNvGrpSpPr/>
+        <p:nvPr/>
+      </p:nvGrpSpPr>
+      <p:grpSpPr>
+        <a:xfrm>
+          <a:off x="0" y="0"/>
+          <a:ext cx="0" cy="0"/>
+          <a:chOff x="0" y="0"/>
+          <a:chExt cx="0" cy="0"/>
+        </a:xfrm>
+      </p:grpSpPr>
+    </p:spTree>
+    <p:extLst>
+      <p:ext uri="{BB962C8B-B14F-4D97-AF65-F5344CB8AC3E}">
+        <p14:creationId xmlns:p14="http://schemas.microsoft.com/office/powerpoint/2010/main" val="2783604376"/>
+      </p:ext>
+    </p:extLst>
+  </p:cSld>
+  <p:clrMapOvr>
+    <a:masterClrMapping/>
+  </p:clrMapOvr>
+  <p:transition spd="slow">
+    <p:push dir="u"/>
+  </p:transition>
+  <p:timing>
+    <p:tnLst>
+      <p:par>
+        <p:cTn id="1" dur="indefinite" restart="never" nodeType="tmRoot"/>
+      </p:par>
+    </p:tnLst>
+  </p:timing>
+</p:sld>
+</file>
+
+<file path=ppt/slides/slide6.xml><?xml version="1.0" encoding="utf-8"?>
+<p:sld xmlns:a="http://schemas.openxmlformats.org/drawingml/2006/main" xmlns:r="http://schemas.openxmlformats.org/officeDocument/2006/relationships" xmlns:p="http://schemas.openxmlformats.org/presentationml/2006/main">
+  <p:cSld>
+    <p:spTree>
+      <p:nvGrpSpPr>
+        <p:cNvPr id="1" name=""/>
+        <p:cNvGrpSpPr/>
+        <p:nvPr/>
+      </p:nvGrpSpPr>
+      <p:grpSpPr>
+        <a:xfrm>
+          <a:off x="0" y="0"/>
+          <a:ext cx="0" cy="0"/>
+          <a:chOff x="0" y="0"/>
+          <a:chExt cx="0" cy="0"/>
+        </a:xfrm>
+      </p:grpSpPr>
+      <p:sp>
+        <p:nvSpPr>
+          <p:cNvPr id="4" name="TextBox 3">
+            <a:extLst>
+              <a:ext uri="{FF2B5EF4-FFF2-40B4-BE49-F238E27FC236}">
+                <a16:creationId xmlns:a16="http://schemas.microsoft.com/office/drawing/2014/main" id="{BE8AA9BD-5B28-4BB1-803B-54BB6E1B0DE1}"/>
+              </a:ext>
+            </a:extLst>
+          </p:cNvPr>
+          <p:cNvSpPr txBox="1"/>
+          <p:nvPr/>
+        </p:nvSpPr>
+        <p:spPr>
+          <a:xfrm>
+            <a:off x="1599687" y="3240129"/>
+            <a:ext cx="8992508" cy="2123658"/>
+          </a:xfrm>
+          <a:prstGeom prst="rect">
+            <a:avLst/>
+          </a:prstGeom>
+          <a:noFill/>
+        </p:spPr>
+        <p:txBody>
+          <a:bodyPr wrap="square" rtlCol="0">
+            <a:spAutoFit/>
+          </a:bodyPr>
+          <a:lstStyle/>
+          <a:p>
+            <a:pPr algn="ctr"/>
+            <a:r>
+              <a:rPr lang="en-US" sz="4400" b="1" dirty="0">
+                <a:solidFill>
+                  <a:schemeClr val="bg1">
+                    <a:lumMod val="65000"/>
+                  </a:schemeClr>
+                </a:solidFill>
+                <a:latin typeface="Tw Cen MT" panose="020B0602020104020603" pitchFamily="34" charset="0"/>
+              </a:rPr>
+              <a:t>T H A N K </a:t>
+            </a:r>
+            <a:r>
+              <a:rPr lang="en-US" sz="4400" b="1" dirty="0" smtClean="0">
+                <a:solidFill>
+                  <a:schemeClr val="bg1">
+                    <a:lumMod val="65000"/>
+                  </a:schemeClr>
+                </a:solidFill>
+                <a:latin typeface="Tw Cen MT" panose="020B0602020104020603" pitchFamily="34" charset="0"/>
+              </a:rPr>
+              <a:t>S</a:t>
+            </a:r>
+          </a:p>
+          <a:p>
+            <a:pPr algn="ctr"/>
+            <a:r>
+              <a:rPr lang="en-US" sz="4400" b="1" dirty="0" smtClean="0">
+                <a:solidFill>
+                  <a:schemeClr val="bg1">
+                    <a:lumMod val="65000"/>
+                  </a:schemeClr>
+                </a:solidFill>
+                <a:latin typeface="Tw Cen MT" panose="020B0602020104020603" pitchFamily="34" charset="0"/>
+              </a:rPr>
+              <a:t>F </a:t>
+            </a:r>
+            <a:r>
+              <a:rPr lang="en-US" sz="4400" b="1" dirty="0">
+                <a:solidFill>
+                  <a:schemeClr val="bg1">
+                    <a:lumMod val="65000"/>
+                  </a:schemeClr>
+                </a:solidFill>
+                <a:latin typeface="Tw Cen MT" panose="020B0602020104020603" pitchFamily="34" charset="0"/>
+              </a:rPr>
+              <a:t>O </a:t>
+            </a:r>
+            <a:r>
+              <a:rPr lang="en-US" sz="4400" b="1" dirty="0" smtClean="0">
+                <a:solidFill>
+                  <a:schemeClr val="bg1">
+                    <a:lumMod val="65000"/>
+                  </a:schemeClr>
+                </a:solidFill>
+                <a:latin typeface="Tw Cen MT" panose="020B0602020104020603" pitchFamily="34" charset="0"/>
+              </a:rPr>
+              <a:t>R</a:t>
+            </a:r>
+          </a:p>
+          <a:p>
+            <a:pPr algn="ctr"/>
+            <a:r>
+              <a:rPr lang="en-US" sz="4400" b="1" dirty="0" smtClean="0">
+                <a:solidFill>
+                  <a:schemeClr val="bg1">
+                    <a:lumMod val="65000"/>
+                  </a:schemeClr>
+                </a:solidFill>
+                <a:latin typeface="Tw Cen MT" panose="020B0602020104020603" pitchFamily="34" charset="0"/>
+              </a:rPr>
+              <a:t>W </a:t>
+            </a:r>
+            <a:r>
+              <a:rPr lang="en-US" sz="4400" b="1" dirty="0">
+                <a:solidFill>
+                  <a:schemeClr val="bg1">
+                    <a:lumMod val="65000"/>
+                  </a:schemeClr>
+                </a:solidFill>
+                <a:latin typeface="Tw Cen MT" panose="020B0602020104020603" pitchFamily="34" charset="0"/>
+              </a:rPr>
+              <a:t>A T C H I N G</a:t>
+            </a:r>
+          </a:p>
+        </p:txBody>
+      </p:sp>
+      <p:pic>
+        <p:nvPicPr>
+          <p:cNvPr id="3" name="Picture 2">
+            <a:extLst>
+              <a:ext uri="{FF2B5EF4-FFF2-40B4-BE49-F238E27FC236}">
+                <a16:creationId xmlns:a16="http://schemas.microsoft.com/office/drawing/2014/main" id="{50AD5817-10C9-4E0E-A247-63D6F743F821}"/>
+              </a:ext>
+            </a:extLst>
+          </p:cNvPr>
+          <p:cNvPicPr>
+            <a:picLocks noChangeAspect="1"/>
+          </p:cNvPicPr>
+          <p:nvPr/>
+        </p:nvPicPr>
+        <p:blipFill>
+          <a:blip r:embed="rId2" cstate="print">
+            <a:extLst>
+              <a:ext uri="{28A0092B-C50C-407E-A947-70E740481C1C}">
+                <a14:useLocalDpi xmlns:a14="http://schemas.microsoft.com/office/drawing/2010/main" val="0"/>
+              </a:ext>
+            </a:extLst>
+          </a:blip>
+          <a:stretch>
+            <a:fillRect/>
+          </a:stretch>
+        </p:blipFill>
+        <p:spPr>
+          <a:xfrm>
+            <a:off x="5473889" y="1624457"/>
+            <a:ext cx="1244104" cy="1244104"/>
+          </a:xfrm>
+          <a:prstGeom prst="rect">
+            <a:avLst/>
+          </a:prstGeom>
+        </p:spPr>
+      </p:pic>
+      <p:grpSp>
+        <p:nvGrpSpPr>
+          <p:cNvPr id="24" name="Group 23">
+            <a:extLst>
+              <a:ext uri="{FF2B5EF4-FFF2-40B4-BE49-F238E27FC236}">
+                <a16:creationId xmlns:a16="http://schemas.microsoft.com/office/drawing/2014/main" id="{7D884BCA-1978-49CC-8588-5399D7CABDE7}"/>
+              </a:ext>
+            </a:extLst>
+          </p:cNvPr>
+          <p:cNvGrpSpPr/>
+          <p:nvPr/>
+        </p:nvGrpSpPr>
+        <p:grpSpPr>
+          <a:xfrm>
+            <a:off x="5378696" y="5735355"/>
+            <a:ext cx="1434489" cy="190500"/>
+            <a:chOff x="4679586" y="878988"/>
+            <a:chExt cx="1434489" cy="190500"/>
+          </a:xfrm>
+        </p:grpSpPr>
+        <p:sp>
+          <p:nvSpPr>
+            <p:cNvPr id="25" name="Oval 24">
+              <a:extLst>
+                <a:ext uri="{FF2B5EF4-FFF2-40B4-BE49-F238E27FC236}">
+                  <a16:creationId xmlns:a16="http://schemas.microsoft.com/office/drawing/2014/main" id="{3701A590-ABA9-4BD2-BD64-376A4C227798}"/>
+                </a:ext>
+              </a:extLst>
+            </p:cNvPr>
+            <p:cNvSpPr/>
+            <p:nvPr/>
+          </p:nvSpPr>
+          <p:spPr>
+            <a:xfrm>
+              <a:off x="4679586" y="878988"/>
+              <a:ext cx="190500" cy="190500"/>
+            </a:xfrm>
+            <a:prstGeom prst="ellipse">
+              <a:avLst/>
+            </a:prstGeom>
+            <a:solidFill>
+              <a:srgbClr val="03A1A4"/>
+            </a:solidFill>
+            <a:ln>
+              <a:noFill/>
+            </a:ln>
+          </p:spPr>
+          <p:style>
+            <a:lnRef idx="2">
+              <a:schemeClr val="accent1">
+                <a:shade val="50000"/>
+              </a:schemeClr>
+            </a:lnRef>
+            <a:fillRef idx="1">
+              <a:schemeClr val="accent1"/>
+            </a:fillRef>
+            <a:effectRef idx="0">
+              <a:schemeClr val="accent1"/>
+            </a:effectRef>
+            <a:fontRef idx="minor">
+              <a:schemeClr val="lt1"/>
+            </a:fontRef>
+          </p:style>
+          <p:txBody>
+            <a:bodyPr rtlCol="0" anchor="ctr"/>
+            <a:lstStyle/>
+            <a:p>
+              <a:pPr algn="ctr"/>
+              <a:endParaRPr lang="en-US">
+                <a:latin typeface="Arial" panose="020B0604020202020204" pitchFamily="34" charset="0"/>
+                <a:cs typeface="Arial" panose="020B0604020202020204" pitchFamily="34" charset="0"/>
+              </a:endParaRPr>
+            </a:p>
+          </p:txBody>
+        </p:sp>
+        <p:sp>
+          <p:nvSpPr>
+            <p:cNvPr id="26" name="Oval 25">
+              <a:extLst>
+                <a:ext uri="{FF2B5EF4-FFF2-40B4-BE49-F238E27FC236}">
+                  <a16:creationId xmlns:a16="http://schemas.microsoft.com/office/drawing/2014/main" id="{3E53B434-A2A6-4C16-99DD-292CE4FD62C4}"/>
+                </a:ext>
+              </a:extLst>
+            </p:cNvPr>
+            <p:cNvSpPr/>
+            <p:nvPr/>
+          </p:nvSpPr>
+          <p:spPr>
+            <a:xfrm>
+              <a:off x="4990736" y="878988"/>
+              <a:ext cx="190500" cy="190500"/>
+            </a:xfrm>
+            <a:prstGeom prst="ellipse">
+              <a:avLst/>
+            </a:prstGeom>
+            <a:solidFill>
+              <a:srgbClr val="EE9524"/>
+            </a:solidFill>
+            <a:ln>
+              <a:noFill/>
+            </a:ln>
+          </p:spPr>
+          <p:style>
+            <a:lnRef idx="2">
+              <a:schemeClr val="accent1">
+                <a:shade val="50000"/>
+              </a:schemeClr>
+            </a:lnRef>
+            <a:fillRef idx="1">
+              <a:schemeClr val="accent1"/>
+            </a:fillRef>
+            <a:effectRef idx="0">
+              <a:schemeClr val="accent1"/>
+            </a:effectRef>
+            <a:fontRef idx="minor">
+              <a:schemeClr val="lt1"/>
+            </a:fontRef>
+          </p:style>
+          <p:txBody>
+            <a:bodyPr rtlCol="0" anchor="ctr"/>
+            <a:lstStyle/>
+            <a:p>
+              <a:pPr algn="ctr"/>
+              <a:endParaRPr lang="en-US">
+                <a:latin typeface="Arial" panose="020B0604020202020204" pitchFamily="34" charset="0"/>
+                <a:cs typeface="Arial" panose="020B0604020202020204" pitchFamily="34" charset="0"/>
+              </a:endParaRPr>
+            </a:p>
+          </p:txBody>
+        </p:sp>
+        <p:sp>
+          <p:nvSpPr>
+            <p:cNvPr id="27" name="Oval 26">
+              <a:extLst>
+                <a:ext uri="{FF2B5EF4-FFF2-40B4-BE49-F238E27FC236}">
+                  <a16:creationId xmlns:a16="http://schemas.microsoft.com/office/drawing/2014/main" id="{F3E5BC96-17A2-4BD5-BA51-10270687E851}"/>
+                </a:ext>
+              </a:extLst>
+            </p:cNvPr>
+            <p:cNvSpPr/>
+            <p:nvPr/>
+          </p:nvSpPr>
+          <p:spPr>
+            <a:xfrm>
+              <a:off x="5301522" y="878988"/>
+              <a:ext cx="190500" cy="190500"/>
+            </a:xfrm>
+            <a:prstGeom prst="ellipse">
+              <a:avLst/>
+            </a:prstGeom>
+            <a:solidFill>
+              <a:srgbClr val="EF3078"/>
+            </a:solidFill>
+            <a:ln>
+              <a:noFill/>
+            </a:ln>
+          </p:spPr>
+          <p:style>
+            <a:lnRef idx="2">
+              <a:schemeClr val="accent1">
+                <a:shade val="50000"/>
+              </a:schemeClr>
+            </a:lnRef>
+            <a:fillRef idx="1">
+              <a:schemeClr val="accent1"/>
+            </a:fillRef>
+            <a:effectRef idx="0">
+              <a:schemeClr val="accent1"/>
+            </a:effectRef>
+            <a:fontRef idx="minor">
+              <a:schemeClr val="lt1"/>
+            </a:fontRef>
+          </p:style>
+          <p:txBody>
+            <a:bodyPr rtlCol="0" anchor="ctr"/>
+            <a:lstStyle/>
+            <a:p>
+              <a:pPr algn="ctr"/>
+              <a:endParaRPr lang="en-US">
+                <a:latin typeface="Arial" panose="020B0604020202020204" pitchFamily="34" charset="0"/>
+                <a:cs typeface="Arial" panose="020B0604020202020204" pitchFamily="34" charset="0"/>
+              </a:endParaRPr>
+            </a:p>
+          </p:txBody>
+        </p:sp>
+        <p:sp>
+          <p:nvSpPr>
+            <p:cNvPr id="28" name="Oval 27">
+              <a:extLst>
+                <a:ext uri="{FF2B5EF4-FFF2-40B4-BE49-F238E27FC236}">
+                  <a16:creationId xmlns:a16="http://schemas.microsoft.com/office/drawing/2014/main" id="{1A06ACCC-548D-4873-BD3B-AD3CA2C095B0}"/>
+                </a:ext>
+              </a:extLst>
+            </p:cNvPr>
+            <p:cNvSpPr/>
+            <p:nvPr/>
+          </p:nvSpPr>
+          <p:spPr>
+            <a:xfrm>
+              <a:off x="5612308" y="878988"/>
+              <a:ext cx="190500" cy="190500"/>
+            </a:xfrm>
+            <a:prstGeom prst="ellipse">
+              <a:avLst/>
+            </a:prstGeom>
+            <a:solidFill>
+              <a:srgbClr val="1C7CBB"/>
+            </a:solidFill>
+            <a:ln>
+              <a:noFill/>
+            </a:ln>
+          </p:spPr>
+          <p:style>
+            <a:lnRef idx="2">
+              <a:schemeClr val="accent1">
+                <a:shade val="50000"/>
+              </a:schemeClr>
+            </a:lnRef>
+            <a:fillRef idx="1">
+              <a:schemeClr val="accent1"/>
+            </a:fillRef>
+            <a:effectRef idx="0">
+              <a:schemeClr val="accent1"/>
+            </a:effectRef>
+            <a:fontRef idx="minor">
+              <a:schemeClr val="lt1"/>
+            </a:fontRef>
+          </p:style>
+          <p:txBody>
+            <a:bodyPr rtlCol="0" anchor="ctr"/>
+            <a:lstStyle/>
+            <a:p>
+              <a:pPr algn="ctr"/>
+              <a:endParaRPr lang="en-US">
+                <a:latin typeface="Arial" panose="020B0604020202020204" pitchFamily="34" charset="0"/>
+                <a:cs typeface="Arial" panose="020B0604020202020204" pitchFamily="34" charset="0"/>
+              </a:endParaRPr>
+            </a:p>
+          </p:txBody>
+        </p:sp>
+        <p:sp>
+          <p:nvSpPr>
+            <p:cNvPr id="29" name="Oval 28">
+              <a:extLst>
+                <a:ext uri="{FF2B5EF4-FFF2-40B4-BE49-F238E27FC236}">
+                  <a16:creationId xmlns:a16="http://schemas.microsoft.com/office/drawing/2014/main" id="{7CBDE4C1-DAF9-476F-B807-27BE954F6C82}"/>
+                </a:ext>
+              </a:extLst>
+            </p:cNvPr>
+            <p:cNvSpPr/>
+            <p:nvPr/>
+          </p:nvSpPr>
+          <p:spPr>
+            <a:xfrm>
+              <a:off x="5923575" y="878988"/>
+              <a:ext cx="190500" cy="190500"/>
+            </a:xfrm>
+            <a:prstGeom prst="ellipse">
+              <a:avLst/>
+            </a:prstGeom>
+            <a:solidFill>
+              <a:schemeClr val="accent6">
+                <a:lumMod val="50000"/>
+              </a:schemeClr>
+            </a:solidFill>
+            <a:ln>
+              <a:noFill/>
+            </a:ln>
+          </p:spPr>
+          <p:style>
+            <a:lnRef idx="2">
+              <a:schemeClr val="accent1">
+                <a:shade val="50000"/>
+              </a:schemeClr>
+            </a:lnRef>
+            <a:fillRef idx="1">
+              <a:schemeClr val="accent1"/>
+            </a:fillRef>
+            <a:effectRef idx="0">
+              <a:schemeClr val="accent1"/>
+            </a:effectRef>
+            <a:fontRef idx="minor">
+              <a:schemeClr val="lt1"/>
+            </a:fontRef>
+          </p:style>
+          <p:txBody>
+            <a:bodyPr rtlCol="0" anchor="ctr"/>
+            <a:lstStyle/>
+            <a:p>
+              <a:pPr algn="ctr"/>
+              <a:endParaRPr lang="en-US">
+                <a:latin typeface="Arial" panose="020B0604020202020204" pitchFamily="34" charset="0"/>
+                <a:cs typeface="Arial" panose="020B0604020202020204" pitchFamily="34" charset="0"/>
+              </a:endParaRPr>
+            </a:p>
+          </p:txBody>
+        </p:sp>
+      </p:grpSp>
+    </p:spTree>
+    <p:extLst>
+      <p:ext uri="{BB962C8B-B14F-4D97-AF65-F5344CB8AC3E}">
+        <p14:creationId xmlns:p14="http://schemas.microsoft.com/office/powerpoint/2010/main" val="1120406092"/>
+      </p:ext>
+    </p:extLst>
+  </p:cSld>
+  <p:clrMapOvr>
+    <a:masterClrMapping/>
+  </p:clrMapOvr>
+  <p:transition spd="slow">
+    <p:blinds dir="vert"/>
+  </p:transition>
+  <p:timing>
+    <p:tnLst>
+      <p:par>
+        <p:cTn id="1" dur="indefinite" restart="never" nodeType="tmRoot">
+          <p:childTnLst>
+            <p:seq concurrent="1" nextAc="seek">
+              <p:cTn id="2" dur="indefinite" nodeType="mainSeq">
+                <p:childTnLst>
+                  <p:par>
+                    <p:cTn id="3" fill="hold">
+                      <p:stCondLst>
+                        <p:cond delay="indefinite"/>
+                        <p:cond evt="onBegin" delay="0">
+                          <p:tn val="2"/>
+                        </p:cond>
+                      </p:stCondLst>
+                      <p:childTnLst>
+                        <p:par>
+                          <p:cTn id="4" fill="hold">
+                            <p:stCondLst>
+                              <p:cond delay="0"/>
+                            </p:stCondLst>
+                            <p:childTnLst>
+                              <p:par>
+                                <p:cTn id="5" presetID="47" presetClass="entr" presetSubtype="0" fill="hold" nodeType="withEffect">
+                                  <p:stCondLst>
+                                    <p:cond delay="0"/>
+                                  </p:stCondLst>
+                                  <p:childTnLst>
+                                    <p:set>
+                                      <p:cBhvr>
+                                        <p:cTn id="6" dur="1" fill="hold">
+                                          <p:stCondLst>
+                                            <p:cond delay="0"/>
+                                          </p:stCondLst>
+                                        </p:cTn>
+                                        <p:tgtEl>
+                                          <p:spTgt spid="3"/>
+                                        </p:tgtEl>
+                                        <p:attrNameLst>
+                                          <p:attrName>style.visibility</p:attrName>
+                                        </p:attrNameLst>
+                                      </p:cBhvr>
+                                      <p:to>
+                                        <p:strVal val="visible"/>
+                                      </p:to>
+                                    </p:set>
+                                    <p:animEffect transition="in" filter="fade">
+                                      <p:cBhvr>
+                                        <p:cTn id="7" dur="1000"/>
+                                        <p:tgtEl>
+                                          <p:spTgt spid="3"/>
+                                        </p:tgtEl>
+                                      </p:cBhvr>
+                                    </p:animEffect>
+                                    <p:anim calcmode="lin" valueType="num">
+                                      <p:cBhvr>
+                                        <p:cTn id="8" dur="1000" fill="hold"/>
+                                        <p:tgtEl>
+                                          <p:spTgt spid="3"/>
+                                        </p:tgtEl>
+                                        <p:attrNameLst>
+                                          <p:attrName>ppt_x</p:attrName>
+                                        </p:attrNameLst>
+                                      </p:cBhvr>
+                                      <p:tavLst>
+                                        <p:tav tm="0">
+                                          <p:val>
+                                            <p:strVal val="#ppt_x"/>
+                                          </p:val>
+                                        </p:tav>
+                                        <p:tav tm="100000">
+                                          <p:val>
+                                            <p:strVal val="#ppt_x"/>
+                                          </p:val>
+                                        </p:tav>
+                                      </p:tavLst>
+                                    </p:anim>
+                                    <p:anim calcmode="lin" valueType="num">
+                                      <p:cBhvr>
+                                        <p:cTn id="9" dur="1000" fill="hold"/>
+                                        <p:tgtEl>
+                                          <p:spTgt spid="3"/>
+                                        </p:tgtEl>
+                                        <p:attrNameLst>
+                                          <p:attrName>ppt_y</p:attrName>
+                                        </p:attrNameLst>
+                                      </p:cBhvr>
+                                      <p:tavLst>
+                                        <p:tav tm="0">
+                                          <p:val>
+                                            <p:strVal val="#ppt_y-.1"/>
+                                          </p:val>
+                                        </p:tav>
+                                        <p:tav tm="100000">
+                                          <p:val>
+                                            <p:strVal val="#ppt_y"/>
+                                          </p:val>
+                                        </p:tav>
+                                      </p:tavLst>
+                                    </p:anim>
+                                  </p:childTnLst>
+                                </p:cTn>
+                              </p:par>
+                              <p:par>
+                                <p:cTn id="10" presetID="53" presetClass="entr" presetSubtype="16" fill="hold" grpId="0" nodeType="withEffect">
+                                  <p:stCondLst>
+                                    <p:cond delay="0"/>
+                                  </p:stCondLst>
+                                  <p:childTnLst>
+                                    <p:set>
+                                      <p:cBhvr>
+                                        <p:cTn id="11" dur="1" fill="hold">
+                                          <p:stCondLst>
+                                            <p:cond delay="0"/>
+                                          </p:stCondLst>
+                                        </p:cTn>
+                                        <p:tgtEl>
+                                          <p:spTgt spid="4"/>
+                                        </p:tgtEl>
+                                        <p:attrNameLst>
+                                          <p:attrName>style.visibility</p:attrName>
+                                        </p:attrNameLst>
+                                      </p:cBhvr>
+                                      <p:to>
+                                        <p:strVal val="visible"/>
+                                      </p:to>
+                                    </p:set>
+                                    <p:anim calcmode="lin" valueType="num">
+                                      <p:cBhvr>
+                                        <p:cTn id="12" dur="1000" fill="hold"/>
+                                        <p:tgtEl>
+                                          <p:spTgt spid="4"/>
+                                        </p:tgtEl>
+                                        <p:attrNameLst>
+                                          <p:attrName>ppt_w</p:attrName>
+                                        </p:attrNameLst>
+                                      </p:cBhvr>
+                                      <p:tavLst>
+                                        <p:tav tm="0">
+                                          <p:val>
+                                            <p:fltVal val="0"/>
+                                          </p:val>
+                                        </p:tav>
+                                        <p:tav tm="100000">
+                                          <p:val>
+                                            <p:strVal val="#ppt_w"/>
+                                          </p:val>
+                                        </p:tav>
+                                      </p:tavLst>
+                                    </p:anim>
+                                    <p:anim calcmode="lin" valueType="num">
+                                      <p:cBhvr>
+                                        <p:cTn id="13" dur="1000" fill="hold"/>
+                                        <p:tgtEl>
+                                          <p:spTgt spid="4"/>
+                                        </p:tgtEl>
+                                        <p:attrNameLst>
+                                          <p:attrName>ppt_h</p:attrName>
+                                        </p:attrNameLst>
+                                      </p:cBhvr>
+                                      <p:tavLst>
+                                        <p:tav tm="0">
+                                          <p:val>
+                                            <p:fltVal val="0"/>
+                                          </p:val>
+                                        </p:tav>
+                                        <p:tav tm="100000">
+                                          <p:val>
+                                            <p:strVal val="#ppt_h"/>
+                                          </p:val>
+                                        </p:tav>
+                                      </p:tavLst>
+                                    </p:anim>
+                                    <p:animEffect transition="in" filter="fade">
+                                      <p:cBhvr>
+                                        <p:cTn id="14" dur="1000"/>
+                                        <p:tgtEl>
+                                          <p:spTgt spid="4"/>
+                                        </p:tgtEl>
+                                      </p:cBhvr>
+                                    </p:animEffect>
+                                  </p:childTnLst>
+                                </p:cTn>
+                              </p:par>
+                              <p:par>
+                                <p:cTn id="15" presetID="16" presetClass="entr" presetSubtype="21" fill="hold" nodeType="withEffect">
+                                  <p:stCondLst>
+                                    <p:cond delay="0"/>
+                                  </p:stCondLst>
+                                  <p:childTnLst>
+                                    <p:set>
+                                      <p:cBhvr>
+                                        <p:cTn id="16" dur="1" fill="hold">
+                                          <p:stCondLst>
+                                            <p:cond delay="0"/>
+                                          </p:stCondLst>
+                                        </p:cTn>
+                                        <p:tgtEl>
+                                          <p:spTgt spid="24"/>
+                                        </p:tgtEl>
+                                        <p:attrNameLst>
+                                          <p:attrName>style.visibility</p:attrName>
+                                        </p:attrNameLst>
+                                      </p:cBhvr>
+                                      <p:to>
+                                        <p:strVal val="visible"/>
+                                      </p:to>
+                                    </p:set>
+                                    <p:animEffect transition="in" filter="barn(inVertical)">
+                                      <p:cBhvr>
+                                        <p:cTn id="17" dur="1000"/>
+                                        <p:tgtEl>
+                                          <p:spTgt spid="24"/>
+                                        </p:tgtEl>
+                                      </p:cBhvr>
+                                    </p:animEffect>
+                                  </p:childTnLst>
+                                </p:cTn>
+                              </p:par>
+                            </p:childTnLst>
+                          </p:cTn>
+                        </p:par>
+                      </p:childTnLst>
+                    </p:cTn>
+                  </p:par>
+                </p:childTnLst>
+              </p:cTn>
+              <p:prevCondLst>
+                <p:cond evt="onPrev" delay="0">
+                  <p:tgtEl>
+                    <p:sldTgt/>
+                  </p:tgtEl>
+                </p:cond>
+              </p:prevCondLst>
+              <p:nextCondLst>
+                <p:cond evt="onNext" delay="0">
+                  <p:tgtEl>
+                    <p:sldTgt/>
+                  </p:tgtEl>
+                </p:cond>
+              </p:nextCondLst>
+            </p:seq>
+          </p:childTnLst>
+        </p:cTn>
+      </p:par>
+    </p:tnLst>
+    <p:bldLst>
+      <p:bldP spid="4" grpId="0"/>
     </p:bldLst>
   </p:timing>
 </p:sld>
@@ -14491,6 +15456,23 @@
 </file>
 
 <file path=customXml/item1.xml><?xml version="1.0" encoding="utf-8"?>
+<p:properties xmlns:p="http://schemas.microsoft.com/office/2006/metadata/properties" xmlns:xsi="http://www.w3.org/2001/XMLSchema-instance" xmlns:pc="http://schemas.microsoft.com/office/infopath/2007/PartnerControls">
+  <documentManagement>
+    <MediaServiceKeyPoints xmlns="71af3243-3dd4-4a8d-8c0d-dd76da1f02a5" xsi:nil="true"/>
+  </documentManagement>
+</p:properties>
+</file>
+
+<file path=customXml/item2.xml><?xml version="1.0" encoding="utf-8"?>
+<?mso-contentType ?>
+<FormTemplates xmlns="http://schemas.microsoft.com/sharepoint/v3/contenttype/forms">
+  <Display>DocumentLibraryForm</Display>
+  <Edit>DocumentLibraryForm</Edit>
+  <New>DocumentLibraryForm</New>
+</FormTemplates>
+</file>
+
+<file path=customXml/item3.xml><?xml version="1.0" encoding="utf-8"?>
 <ct:contentTypeSchema xmlns:ct="http://schemas.microsoft.com/office/2006/metadata/contentType" xmlns:ma="http://schemas.microsoft.com/office/2006/metadata/properties/metaAttributes" ct:_="" ma:_="" ma:contentTypeName="Document" ma:contentTypeID="0x01010079F111ED35F8CC479449609E8A0923A6" ma:contentTypeVersion="11" ma:contentTypeDescription="Create a new document." ma:contentTypeScope="" ma:versionID="96291512c1ee715ab617f4c07df79fc1">
   <xsd:schema xmlns:xsd="http://www.w3.org/2001/XMLSchema" xmlns:xs="http://www.w3.org/2001/XMLSchema" xmlns:p="http://schemas.microsoft.com/office/2006/metadata/properties" xmlns:ns2="71af3243-3dd4-4a8d-8c0d-dd76da1f02a5" xmlns:ns3="16c05727-aa75-4e4a-9b5f-8a80a1165891" targetNamespace="http://schemas.microsoft.com/office/2006/metadata/properties" ma:root="true" ma:fieldsID="8256c27c40ca5c40ce1cf6c44f0205df" ns2:_="" ns3:_="">
     <xsd:import namespace="71af3243-3dd4-4a8d-8c0d-dd76da1f02a5"/>
@@ -14701,24 +15683,25 @@
 </ct:contentTypeSchema>
 </file>
 
-<file path=customXml/item2.xml><?xml version="1.0" encoding="utf-8"?>
-<?mso-contentType ?>
-<FormTemplates xmlns="http://schemas.microsoft.com/sharepoint/v3/contenttype/forms">
-  <Display>DocumentLibraryForm</Display>
-  <Edit>DocumentLibraryForm</Edit>
-  <New>DocumentLibraryForm</New>
-</FormTemplates>
+<file path=customXml/itemProps1.xml><?xml version="1.0" encoding="utf-8"?>
+<ds:datastoreItem xmlns:ds="http://schemas.openxmlformats.org/officeDocument/2006/customXml" ds:itemID="{22E71848-B78E-4D58-BFA5-D2D5918911CD}">
+  <ds:schemaRefs>
+    <ds:schemaRef ds:uri="http://schemas.microsoft.com/office/2006/metadata/properties"/>
+    <ds:schemaRef ds:uri="http://schemas.microsoft.com/office/infopath/2007/PartnerControls"/>
+    <ds:schemaRef ds:uri="71af3243-3dd4-4a8d-8c0d-dd76da1f02a5"/>
+  </ds:schemaRefs>
+</ds:datastoreItem>
 </file>
 
-<file path=customXml/item3.xml><?xml version="1.0" encoding="utf-8"?>
-<p:properties xmlns:p="http://schemas.microsoft.com/office/2006/metadata/properties" xmlns:xsi="http://www.w3.org/2001/XMLSchema-instance" xmlns:pc="http://schemas.microsoft.com/office/infopath/2007/PartnerControls">
-  <documentManagement>
-    <MediaServiceKeyPoints xmlns="71af3243-3dd4-4a8d-8c0d-dd76da1f02a5" xsi:nil="true"/>
-  </documentManagement>
-</p:properties>
+<file path=customXml/itemProps2.xml><?xml version="1.0" encoding="utf-8"?>
+<ds:datastoreItem xmlns:ds="http://schemas.openxmlformats.org/officeDocument/2006/customXml" ds:itemID="{89B3E157-1CAC-4231-A2EC-E93952D57E42}">
+  <ds:schemaRefs>
+    <ds:schemaRef ds:uri="http://schemas.microsoft.com/sharepoint/v3/contenttype/forms"/>
+  </ds:schemaRefs>
+</ds:datastoreItem>
 </file>
 
-<file path=customXml/itemProps1.xml><?xml version="1.0" encoding="utf-8"?>
+<file path=customXml/itemProps3.xml><?xml version="1.0" encoding="utf-8"?>
 <ds:datastoreItem xmlns:ds="http://schemas.openxmlformats.org/officeDocument/2006/customXml" ds:itemID="{80B16AC2-D7DD-48B6-919A-4ADE887D756B}">
   <ds:schemaRefs>
     <ds:schemaRef ds:uri="http://schemas.microsoft.com/office/2006/metadata/contentType"/>
@@ -14735,22 +15718,4 @@
     <ds:schemaRef ds:uri="http://schemas.microsoft.com/internal/obd"/>
   </ds:schemaRefs>
 </ds:datastoreItem>
-</file>
-
-<file path=customXml/itemProps2.xml><?xml version="1.0" encoding="utf-8"?>
-<ds:datastoreItem xmlns:ds="http://schemas.openxmlformats.org/officeDocument/2006/customXml" ds:itemID="{89B3E157-1CAC-4231-A2EC-E93952D57E42}">
-  <ds:schemaRefs>
-    <ds:schemaRef ds:uri="http://schemas.microsoft.com/sharepoint/v3/contenttype/forms"/>
-  </ds:schemaRefs>
-</ds:datastoreItem>
-</file>
-
-<file path=customXml/itemProps3.xml><?xml version="1.0" encoding="utf-8"?>
-<ds:datastoreItem xmlns:ds="http://schemas.openxmlformats.org/officeDocument/2006/customXml" ds:itemID="{22E71848-B78E-4D58-BFA5-D2D5918911CD}">
-  <ds:schemaRefs>
-    <ds:schemaRef ds:uri="http://schemas.microsoft.com/office/2006/metadata/properties"/>
-    <ds:schemaRef ds:uri="http://schemas.microsoft.com/office/infopath/2007/PartnerControls"/>
-    <ds:schemaRef ds:uri="71af3243-3dd4-4a8d-8c0d-dd76da1f02a5"/>
-  </ds:schemaRefs>
-</ds:datastoreItem>
 </file>
--- a/Đồ án/BaoCao.pptx
+++ b/Đồ án/BaoCao.pptx
@@ -5,18 +5,21 @@
     <p:sldMasterId id="2147483648" r:id="rId4"/>
   </p:sldMasterIdLst>
   <p:notesMasterIdLst>
-    <p:notesMasterId r:id="rId11"/>
+    <p:notesMasterId r:id="rId14"/>
   </p:notesMasterIdLst>
   <p:handoutMasterIdLst>
-    <p:handoutMasterId r:id="rId12"/>
+    <p:handoutMasterId r:id="rId15"/>
   </p:handoutMasterIdLst>
   <p:sldIdLst>
     <p:sldId id="256" r:id="rId5"/>
     <p:sldId id="257" r:id="rId6"/>
-    <p:sldId id="258" r:id="rId7"/>
-    <p:sldId id="259" r:id="rId8"/>
-    <p:sldId id="260" r:id="rId9"/>
-    <p:sldId id="261" r:id="rId10"/>
+    <p:sldId id="263" r:id="rId7"/>
+    <p:sldId id="264" r:id="rId8"/>
+    <p:sldId id="265" r:id="rId9"/>
+    <p:sldId id="258" r:id="rId10"/>
+    <p:sldId id="259" r:id="rId11"/>
+    <p:sldId id="260" r:id="rId12"/>
+    <p:sldId id="261" r:id="rId13"/>
   </p:sldIdLst>
   <p:sldSz cx="12192000" cy="6858000"/>
   <p:notesSz cx="6858000" cy="9144000"/>
@@ -1637,7 +1640,7 @@
                   <c:v>Galaxy A71</c:v>
                 </c:pt>
                 <c:pt idx="3">
-                  <c:v>Note 10+</c:v>
+                  <c:v>Note 10</c:v>
                 </c:pt>
               </c:strCache>
             </c:strRef>
@@ -3038,7 +3041,7 @@
           <a:p>
             <a:fld id="{966D5B4E-BF3E-3B45-A4BA-D6C3B92870D7}" type="datetimeFigureOut">
               <a:rPr lang="en-US" smtClean="0"/>
-              <a:t>5/6/2020</a:t>
+              <a:t>5/7/2020</a:t>
             </a:fld>
             <a:endParaRPr lang="en-US" dirty="0"/>
           </a:p>
@@ -3215,7 +3218,7 @@
           <a:p>
             <a:fld id="{F5A8621B-8C8E-49BA-8772-41D0FE75A082}" type="datetimeFigureOut">
               <a:rPr lang="en-US" smtClean="0"/>
-              <a:t>5/6/2020</a:t>
+              <a:t>5/7/2020</a:t>
             </a:fld>
             <a:endParaRPr lang="en-US" dirty="0"/>
           </a:p>
@@ -3724,7 +3727,7 @@
     </p:spTree>
     <p:extLst>
       <p:ext uri="{BB962C8B-B14F-4D97-AF65-F5344CB8AC3E}">
-        <p14:creationId xmlns:p14="http://schemas.microsoft.com/office/powerpoint/2010/main" val="1448288578"/>
+        <p14:creationId xmlns:p14="http://schemas.microsoft.com/office/powerpoint/2010/main" val="2757510703"/>
       </p:ext>
     </p:extLst>
   </p:cSld>
@@ -3778,305 +3781,7 @@
           <a:bodyPr/>
           <a:lstStyle/>
           <a:p>
-            <a:pPr algn="ctr"/>
-            <a:r>
-              <a:rPr lang="en-US" sz="4000" b="0" i="0" u="none" strike="noStrike" kern="1200" dirty="0" smtClean="0">
-                <a:solidFill>
-                  <a:schemeClr val="tx1"/>
-                </a:solidFill>
-                <a:effectLst/>
-                <a:latin typeface="Bauhaus 93" panose="04030905020B02020C02" pitchFamily="82" charset="0"/>
-                <a:ea typeface="+mn-ea"/>
-                <a:cs typeface="Arial" panose="020B0604020202020204" pitchFamily="34" charset="0"/>
-              </a:rPr>
-              <a:t>8</a:t>
-            </a:r>
-            <a:r>
-              <a:rPr lang="en-US" sz="4000" dirty="0" smtClean="0">
-                <a:latin typeface="Bauhaus 93" panose="04030905020B02020C02" pitchFamily="82" charset="0"/>
-                <a:cs typeface="Arial" panose="020B0604020202020204" pitchFamily="34" charset="0"/>
-              </a:rPr>
-              <a:t> 	</a:t>
-            </a:r>
-            <a:r>
-              <a:rPr lang="en-US" sz="4000" b="0" i="0" u="none" strike="noStrike" kern="1200" dirty="0" smtClean="0">
-                <a:solidFill>
-                  <a:schemeClr val="tx1"/>
-                </a:solidFill>
-                <a:effectLst/>
-                <a:latin typeface="Bauhaus 93" panose="04030905020B02020C02" pitchFamily="82" charset="0"/>
-                <a:ea typeface="+mn-ea"/>
-                <a:cs typeface="Arial" panose="020B0604020202020204" pitchFamily="34" charset="0"/>
-              </a:rPr>
-              <a:t>8192	</a:t>
-            </a:r>
-            <a:r>
-              <a:rPr lang="en-US" sz="4000" dirty="0" smtClean="0">
-                <a:latin typeface="Bauhaus 93" panose="04030905020B02020C02" pitchFamily="82" charset="0"/>
-                <a:cs typeface="Arial" panose="020B0604020202020204" pitchFamily="34" charset="0"/>
-              </a:rPr>
-              <a:t> </a:t>
-            </a:r>
-            <a:r>
-              <a:rPr lang="en-US" sz="4000" b="0" i="0" u="none" strike="noStrike" kern="1200" dirty="0" smtClean="0">
-                <a:solidFill>
-                  <a:schemeClr val="tx1"/>
-                </a:solidFill>
-                <a:effectLst/>
-                <a:latin typeface="Bauhaus 93" panose="04030905020B02020C02" pitchFamily="82" charset="0"/>
-                <a:ea typeface="+mn-ea"/>
-                <a:cs typeface="Arial" panose="020B0604020202020204" pitchFamily="34" charset="0"/>
-              </a:rPr>
-              <a:t>400</a:t>
-            </a:r>
-            <a:r>
-              <a:rPr lang="en-US" sz="4000" dirty="0" smtClean="0">
-                <a:latin typeface="Bauhaus 93" panose="04030905020B02020C02" pitchFamily="82" charset="0"/>
-                <a:cs typeface="Arial" panose="020B0604020202020204" pitchFamily="34" charset="0"/>
-              </a:rPr>
-              <a:t>  	</a:t>
-            </a:r>
-            <a:r>
-              <a:rPr lang="en-US" sz="4000" b="0" i="0" u="none" strike="noStrike" kern="1200" dirty="0" smtClean="0">
-                <a:solidFill>
-                  <a:schemeClr val="tx1"/>
-                </a:solidFill>
-                <a:effectLst/>
-                <a:latin typeface="Bauhaus 93" panose="04030905020B02020C02" pitchFamily="82" charset="0"/>
-                <a:ea typeface="+mn-ea"/>
-                <a:cs typeface="Arial" panose="020B0604020202020204" pitchFamily="34" charset="0"/>
-              </a:rPr>
-              <a:t>4.883</a:t>
-            </a:r>
-            <a:r>
-              <a:rPr lang="en-US" sz="4000" dirty="0" smtClean="0">
-                <a:latin typeface="Bauhaus 93" panose="04030905020B02020C02" pitchFamily="82" charset="0"/>
-                <a:cs typeface="Arial" panose="020B0604020202020204" pitchFamily="34" charset="0"/>
-              </a:rPr>
-              <a:t> </a:t>
-            </a:r>
-          </a:p>
-          <a:p>
-            <a:pPr algn="ctr"/>
-            <a:r>
-              <a:rPr lang="en-US" sz="4000" b="0" i="0" u="none" strike="noStrike" kern="1200" dirty="0" smtClean="0">
-                <a:solidFill>
-                  <a:schemeClr val="tx1"/>
-                </a:solidFill>
-                <a:effectLst/>
-                <a:latin typeface="Bauhaus 93" panose="04030905020B02020C02" pitchFamily="82" charset="0"/>
-                <a:ea typeface="+mn-ea"/>
-                <a:cs typeface="Arial" panose="020B0604020202020204" pitchFamily="34" charset="0"/>
-              </a:rPr>
-              <a:t>6</a:t>
-            </a:r>
-            <a:r>
-              <a:rPr lang="en-US" sz="4000" dirty="0" smtClean="0">
-                <a:latin typeface="Bauhaus 93" panose="04030905020B02020C02" pitchFamily="82" charset="0"/>
-                <a:cs typeface="Arial" panose="020B0604020202020204" pitchFamily="34" charset="0"/>
-              </a:rPr>
-              <a:t> 	</a:t>
-            </a:r>
-            <a:r>
-              <a:rPr lang="en-US" sz="4000" b="0" i="0" u="none" strike="noStrike" kern="1200" dirty="0" smtClean="0">
-                <a:solidFill>
-                  <a:schemeClr val="tx1"/>
-                </a:solidFill>
-                <a:effectLst/>
-                <a:latin typeface="Bauhaus 93" panose="04030905020B02020C02" pitchFamily="82" charset="0"/>
-                <a:ea typeface="+mn-ea"/>
-                <a:cs typeface="Arial" panose="020B0604020202020204" pitchFamily="34" charset="0"/>
-              </a:rPr>
-              <a:t>6144	</a:t>
-            </a:r>
-            <a:r>
-              <a:rPr lang="en-US" sz="4000" dirty="0" smtClean="0">
-                <a:latin typeface="Bauhaus 93" panose="04030905020B02020C02" pitchFamily="82" charset="0"/>
-                <a:cs typeface="Arial" panose="020B0604020202020204" pitchFamily="34" charset="0"/>
-              </a:rPr>
-              <a:t> </a:t>
-            </a:r>
-            <a:r>
-              <a:rPr lang="en-US" sz="4000" b="0" i="0" u="none" strike="noStrike" kern="1200" dirty="0" smtClean="0">
-                <a:solidFill>
-                  <a:schemeClr val="tx1"/>
-                </a:solidFill>
-                <a:effectLst/>
-                <a:latin typeface="Bauhaus 93" panose="04030905020B02020C02" pitchFamily="82" charset="0"/>
-                <a:ea typeface="+mn-ea"/>
-                <a:cs typeface="Arial" panose="020B0604020202020204" pitchFamily="34" charset="0"/>
-              </a:rPr>
-              <a:t>350	5.697</a:t>
-            </a:r>
-            <a:r>
-              <a:rPr lang="en-US" sz="4000" dirty="0" smtClean="0">
-                <a:latin typeface="Bauhaus 93" panose="04030905020B02020C02" pitchFamily="82" charset="0"/>
-                <a:cs typeface="Arial" panose="020B0604020202020204" pitchFamily="34" charset="0"/>
-              </a:rPr>
-              <a:t> </a:t>
-            </a:r>
-          </a:p>
-          <a:p>
-            <a:pPr algn="ctr"/>
-            <a:r>
-              <a:rPr lang="en-US" sz="4000" b="0" i="0" u="none" strike="noStrike" kern="1200" dirty="0" smtClean="0">
-                <a:solidFill>
-                  <a:schemeClr val="tx1"/>
-                </a:solidFill>
-                <a:effectLst/>
-                <a:latin typeface="Bauhaus 93" panose="04030905020B02020C02" pitchFamily="82" charset="0"/>
-                <a:ea typeface="+mn-ea"/>
-                <a:cs typeface="Arial" panose="020B0604020202020204" pitchFamily="34" charset="0"/>
-              </a:rPr>
-              <a:t>4</a:t>
-            </a:r>
-            <a:r>
-              <a:rPr lang="en-US" sz="4000" dirty="0" smtClean="0">
-                <a:latin typeface="Bauhaus 93" panose="04030905020B02020C02" pitchFamily="82" charset="0"/>
-                <a:cs typeface="Arial" panose="020B0604020202020204" pitchFamily="34" charset="0"/>
-              </a:rPr>
-              <a:t> 	</a:t>
-            </a:r>
-            <a:r>
-              <a:rPr lang="en-US" sz="4000" b="0" i="0" u="none" strike="noStrike" kern="1200" dirty="0" smtClean="0">
-                <a:solidFill>
-                  <a:schemeClr val="tx1"/>
-                </a:solidFill>
-                <a:effectLst/>
-                <a:latin typeface="Bauhaus 93" panose="04030905020B02020C02" pitchFamily="82" charset="0"/>
-                <a:ea typeface="+mn-ea"/>
-                <a:cs typeface="Arial" panose="020B0604020202020204" pitchFamily="34" charset="0"/>
-              </a:rPr>
-              <a:t>4096</a:t>
-            </a:r>
-            <a:r>
-              <a:rPr lang="en-US" sz="4000" dirty="0" smtClean="0">
-                <a:latin typeface="Bauhaus 93" panose="04030905020B02020C02" pitchFamily="82" charset="0"/>
-                <a:cs typeface="Arial" panose="020B0604020202020204" pitchFamily="34" charset="0"/>
-              </a:rPr>
-              <a:t> 	 </a:t>
-            </a:r>
-            <a:r>
-              <a:rPr lang="en-US" sz="4000" b="0" i="0" u="none" strike="noStrike" kern="1200" dirty="0" smtClean="0">
-                <a:solidFill>
-                  <a:schemeClr val="tx1"/>
-                </a:solidFill>
-                <a:effectLst/>
-                <a:latin typeface="Bauhaus 93" panose="04030905020B02020C02" pitchFamily="82" charset="0"/>
-                <a:ea typeface="+mn-ea"/>
-                <a:cs typeface="Arial" panose="020B0604020202020204" pitchFamily="34" charset="0"/>
-              </a:rPr>
-              <a:t>250</a:t>
-            </a:r>
-            <a:r>
-              <a:rPr lang="en-US" sz="4000" dirty="0" smtClean="0">
-                <a:latin typeface="Bauhaus 93" panose="04030905020B02020C02" pitchFamily="82" charset="0"/>
-                <a:cs typeface="Arial" panose="020B0604020202020204" pitchFamily="34" charset="0"/>
-              </a:rPr>
-              <a:t> 	</a:t>
-            </a:r>
-            <a:r>
-              <a:rPr lang="en-US" sz="4000" b="0" i="0" u="none" strike="noStrike" kern="1200" dirty="0" smtClean="0">
-                <a:solidFill>
-                  <a:schemeClr val="tx1"/>
-                </a:solidFill>
-                <a:effectLst/>
-                <a:latin typeface="Bauhaus 93" panose="04030905020B02020C02" pitchFamily="82" charset="0"/>
-                <a:ea typeface="+mn-ea"/>
-                <a:cs typeface="Arial" panose="020B0604020202020204" pitchFamily="34" charset="0"/>
-              </a:rPr>
-              <a:t>6.104</a:t>
-            </a:r>
-            <a:r>
-              <a:rPr lang="en-US" sz="4000" dirty="0" smtClean="0">
-                <a:latin typeface="Bauhaus 93" panose="04030905020B02020C02" pitchFamily="82" charset="0"/>
-                <a:cs typeface="Arial" panose="020B0604020202020204" pitchFamily="34" charset="0"/>
-              </a:rPr>
-              <a:t> </a:t>
-            </a:r>
-          </a:p>
-          <a:p>
-            <a:pPr algn="ctr"/>
-            <a:r>
-              <a:rPr lang="en-US" sz="4000" b="0" i="0" u="none" strike="noStrike" kern="1200" dirty="0" smtClean="0">
-                <a:solidFill>
-                  <a:schemeClr val="tx1"/>
-                </a:solidFill>
-                <a:effectLst/>
-                <a:latin typeface="Bauhaus 93" panose="04030905020B02020C02" pitchFamily="82" charset="0"/>
-                <a:ea typeface="+mn-ea"/>
-                <a:cs typeface="Arial" panose="020B0604020202020204" pitchFamily="34" charset="0"/>
-              </a:rPr>
-              <a:t>3</a:t>
-            </a:r>
-            <a:r>
-              <a:rPr lang="en-US" sz="4000" dirty="0" smtClean="0">
-                <a:latin typeface="Bauhaus 93" panose="04030905020B02020C02" pitchFamily="82" charset="0"/>
-                <a:cs typeface="Arial" panose="020B0604020202020204" pitchFamily="34" charset="0"/>
-              </a:rPr>
-              <a:t> 	</a:t>
-            </a:r>
-            <a:r>
-              <a:rPr lang="en-US" sz="4000" b="0" i="0" u="none" strike="noStrike" kern="1200" dirty="0" smtClean="0">
-                <a:solidFill>
-                  <a:schemeClr val="tx1"/>
-                </a:solidFill>
-                <a:effectLst/>
-                <a:latin typeface="Bauhaus 93" panose="04030905020B02020C02" pitchFamily="82" charset="0"/>
-                <a:ea typeface="+mn-ea"/>
-                <a:cs typeface="Arial" panose="020B0604020202020204" pitchFamily="34" charset="0"/>
-              </a:rPr>
-              <a:t>3072	</a:t>
-            </a:r>
-            <a:r>
-              <a:rPr lang="en-US" sz="4000" dirty="0" smtClean="0">
-                <a:latin typeface="Bauhaus 93" panose="04030905020B02020C02" pitchFamily="82" charset="0"/>
-                <a:cs typeface="Arial" panose="020B0604020202020204" pitchFamily="34" charset="0"/>
-              </a:rPr>
-              <a:t> </a:t>
-            </a:r>
-            <a:r>
-              <a:rPr lang="en-US" sz="4000" b="0" i="0" u="none" strike="noStrike" kern="1200" dirty="0" smtClean="0">
-                <a:solidFill>
-                  <a:schemeClr val="tx1"/>
-                </a:solidFill>
-                <a:effectLst/>
-                <a:latin typeface="Bauhaus 93" panose="04030905020B02020C02" pitchFamily="82" charset="0"/>
-                <a:ea typeface="+mn-ea"/>
-                <a:cs typeface="Arial" panose="020B0604020202020204" pitchFamily="34" charset="0"/>
-              </a:rPr>
-              <a:t>230</a:t>
-            </a:r>
-            <a:r>
-              <a:rPr lang="en-US" sz="4000" dirty="0" smtClean="0">
-                <a:latin typeface="Bauhaus 93" panose="04030905020B02020C02" pitchFamily="82" charset="0"/>
-                <a:cs typeface="Arial" panose="020B0604020202020204" pitchFamily="34" charset="0"/>
-              </a:rPr>
-              <a:t> 	</a:t>
-            </a:r>
-            <a:r>
-              <a:rPr lang="en-US" sz="4000" b="0" i="0" u="none" strike="noStrike" kern="1200" dirty="0" smtClean="0">
-                <a:solidFill>
-                  <a:schemeClr val="tx1"/>
-                </a:solidFill>
-                <a:effectLst/>
-                <a:latin typeface="Bauhaus 93" panose="04030905020B02020C02" pitchFamily="82" charset="0"/>
-                <a:ea typeface="+mn-ea"/>
-                <a:cs typeface="Arial" panose="020B0604020202020204" pitchFamily="34" charset="0"/>
-              </a:rPr>
-              <a:t>7.487</a:t>
-            </a:r>
-            <a:r>
-              <a:rPr lang="en-US" sz="4000" dirty="0" smtClean="0">
-                <a:latin typeface="Bauhaus 93" panose="04030905020B02020C02" pitchFamily="82" charset="0"/>
-                <a:cs typeface="Arial" panose="020B0604020202020204" pitchFamily="34" charset="0"/>
-              </a:rPr>
-              <a:t> </a:t>
-            </a:r>
-            <a:endParaRPr lang="en-US" sz="4000" dirty="0">
-              <a:latin typeface="Bauhaus 93" panose="04030905020B02020C02" pitchFamily="82" charset="0"/>
-              <a:cs typeface="Arial" panose="020B0604020202020204" pitchFamily="34" charset="0"/>
-            </a:endParaRPr>
+            <a:endParaRPr lang="en-US" dirty="0"/>
           </a:p>
         </p:txBody>
       </p:sp>
@@ -4106,7 +3811,7 @@
     </p:spTree>
     <p:extLst>
       <p:ext uri="{BB962C8B-B14F-4D97-AF65-F5344CB8AC3E}">
-        <p14:creationId xmlns:p14="http://schemas.microsoft.com/office/powerpoint/2010/main" val="563481297"/>
+        <p14:creationId xmlns:p14="http://schemas.microsoft.com/office/powerpoint/2010/main" val="912357663"/>
       </p:ext>
     </p:extLst>
   </p:cSld>
@@ -4182,6 +3887,556 @@
             <a:fld id="{228B34ED-4CDD-41C9-90F7-D768D5559A6F}" type="slidenum">
               <a:rPr lang="en-US" smtClean="0"/>
               <a:t>5</a:t>
+            </a:fld>
+            <a:endParaRPr lang="en-US" dirty="0"/>
+          </a:p>
+        </p:txBody>
+      </p:sp>
+    </p:spTree>
+    <p:extLst>
+      <p:ext uri="{BB962C8B-B14F-4D97-AF65-F5344CB8AC3E}">
+        <p14:creationId xmlns:p14="http://schemas.microsoft.com/office/powerpoint/2010/main" val="3994476996"/>
+      </p:ext>
+    </p:extLst>
+  </p:cSld>
+  <p:clrMapOvr>
+    <a:masterClrMapping/>
+  </p:clrMapOvr>
+</p:notes>
+</file>
+
+<file path=ppt/notesSlides/notesSlide6.xml><?xml version="1.0" encoding="utf-8"?>
+<p:notes xmlns:a="http://schemas.openxmlformats.org/drawingml/2006/main" xmlns:r="http://schemas.openxmlformats.org/officeDocument/2006/relationships" xmlns:p="http://schemas.openxmlformats.org/presentationml/2006/main">
+  <p:cSld>
+    <p:spTree>
+      <p:nvGrpSpPr>
+        <p:cNvPr id="1" name=""/>
+        <p:cNvGrpSpPr/>
+        <p:nvPr/>
+      </p:nvGrpSpPr>
+      <p:grpSpPr>
+        <a:xfrm>
+          <a:off x="0" y="0"/>
+          <a:ext cx="0" cy="0"/>
+          <a:chOff x="0" y="0"/>
+          <a:chExt cx="0" cy="0"/>
+        </a:xfrm>
+      </p:grpSpPr>
+      <p:sp>
+        <p:nvSpPr>
+          <p:cNvPr id="2" name="Slide Image Placeholder 1"/>
+          <p:cNvSpPr>
+            <a:spLocks noGrp="1" noRot="1" noChangeAspect="1"/>
+          </p:cNvSpPr>
+          <p:nvPr>
+            <p:ph type="sldImg"/>
+          </p:nvPr>
+        </p:nvSpPr>
+        <p:spPr/>
+      </p:sp>
+      <p:sp>
+        <p:nvSpPr>
+          <p:cNvPr id="3" name="Notes Placeholder 2"/>
+          <p:cNvSpPr>
+            <a:spLocks noGrp="1"/>
+          </p:cNvSpPr>
+          <p:nvPr>
+            <p:ph type="body" idx="1"/>
+          </p:nvPr>
+        </p:nvSpPr>
+        <p:spPr/>
+        <p:txBody>
+          <a:bodyPr/>
+          <a:lstStyle/>
+          <a:p>
+            <a:endParaRPr lang="en-US" dirty="0"/>
+          </a:p>
+        </p:txBody>
+      </p:sp>
+      <p:sp>
+        <p:nvSpPr>
+          <p:cNvPr id="4" name="Slide Number Placeholder 3"/>
+          <p:cNvSpPr>
+            <a:spLocks noGrp="1"/>
+          </p:cNvSpPr>
+          <p:nvPr>
+            <p:ph type="sldNum" sz="quarter" idx="10"/>
+          </p:nvPr>
+        </p:nvSpPr>
+        <p:spPr/>
+        <p:txBody>
+          <a:bodyPr/>
+          <a:lstStyle/>
+          <a:p>
+            <a:fld id="{228B34ED-4CDD-41C9-90F7-D768D5559A6F}" type="slidenum">
+              <a:rPr lang="en-US" smtClean="0"/>
+              <a:t>6</a:t>
+            </a:fld>
+            <a:endParaRPr lang="en-US" dirty="0"/>
+          </a:p>
+        </p:txBody>
+      </p:sp>
+    </p:spTree>
+    <p:extLst>
+      <p:ext uri="{BB962C8B-B14F-4D97-AF65-F5344CB8AC3E}">
+        <p14:creationId xmlns:p14="http://schemas.microsoft.com/office/powerpoint/2010/main" val="1448288578"/>
+      </p:ext>
+    </p:extLst>
+  </p:cSld>
+  <p:clrMapOvr>
+    <a:masterClrMapping/>
+  </p:clrMapOvr>
+</p:notes>
+</file>
+
+<file path=ppt/notesSlides/notesSlide7.xml><?xml version="1.0" encoding="utf-8"?>
+<p:notes xmlns:a="http://schemas.openxmlformats.org/drawingml/2006/main" xmlns:r="http://schemas.openxmlformats.org/officeDocument/2006/relationships" xmlns:p="http://schemas.openxmlformats.org/presentationml/2006/main">
+  <p:cSld>
+    <p:spTree>
+      <p:nvGrpSpPr>
+        <p:cNvPr id="1" name=""/>
+        <p:cNvGrpSpPr/>
+        <p:nvPr/>
+      </p:nvGrpSpPr>
+      <p:grpSpPr>
+        <a:xfrm>
+          <a:off x="0" y="0"/>
+          <a:ext cx="0" cy="0"/>
+          <a:chOff x="0" y="0"/>
+          <a:chExt cx="0" cy="0"/>
+        </a:xfrm>
+      </p:grpSpPr>
+      <p:sp>
+        <p:nvSpPr>
+          <p:cNvPr id="2" name="Slide Image Placeholder 1"/>
+          <p:cNvSpPr>
+            <a:spLocks noGrp="1" noRot="1" noChangeAspect="1"/>
+          </p:cNvSpPr>
+          <p:nvPr>
+            <p:ph type="sldImg"/>
+          </p:nvPr>
+        </p:nvSpPr>
+        <p:spPr/>
+      </p:sp>
+      <p:sp>
+        <p:nvSpPr>
+          <p:cNvPr id="3" name="Notes Placeholder 2"/>
+          <p:cNvSpPr>
+            <a:spLocks noGrp="1"/>
+          </p:cNvSpPr>
+          <p:nvPr>
+            <p:ph type="body" idx="1"/>
+          </p:nvPr>
+        </p:nvSpPr>
+        <p:spPr/>
+        <p:txBody>
+          <a:bodyPr/>
+          <a:lstStyle/>
+          <a:p>
+            <a:pPr algn="ctr"/>
+            <a:r>
+              <a:rPr lang="en-US" sz="4000" b="0" i="0" u="none" strike="noStrike" kern="1200" dirty="0" smtClean="0">
+                <a:solidFill>
+                  <a:schemeClr val="tx1"/>
+                </a:solidFill>
+                <a:effectLst/>
+                <a:latin typeface="Bauhaus 93" panose="04030905020B02020C02" pitchFamily="82" charset="0"/>
+                <a:ea typeface="+mn-ea"/>
+                <a:cs typeface="Arial" panose="020B0604020202020204" pitchFamily="34" charset="0"/>
+              </a:rPr>
+              <a:t>8</a:t>
+            </a:r>
+            <a:r>
+              <a:rPr lang="en-US" sz="4000" dirty="0" smtClean="0">
+                <a:latin typeface="Bauhaus 93" panose="04030905020B02020C02" pitchFamily="82" charset="0"/>
+                <a:cs typeface="Arial" panose="020B0604020202020204" pitchFamily="34" charset="0"/>
+              </a:rPr>
+              <a:t> 	</a:t>
+            </a:r>
+            <a:r>
+              <a:rPr lang="en-US" sz="4000" b="0" i="0" u="none" strike="noStrike" kern="1200" dirty="0" smtClean="0">
+                <a:solidFill>
+                  <a:schemeClr val="tx1"/>
+                </a:solidFill>
+                <a:effectLst/>
+                <a:latin typeface="Bauhaus 93" panose="04030905020B02020C02" pitchFamily="82" charset="0"/>
+                <a:ea typeface="+mn-ea"/>
+                <a:cs typeface="Arial" panose="020B0604020202020204" pitchFamily="34" charset="0"/>
+              </a:rPr>
+              <a:t>8192	</a:t>
+            </a:r>
+            <a:r>
+              <a:rPr lang="en-US" sz="4000" dirty="0" smtClean="0">
+                <a:latin typeface="Bauhaus 93" panose="04030905020B02020C02" pitchFamily="82" charset="0"/>
+                <a:cs typeface="Arial" panose="020B0604020202020204" pitchFamily="34" charset="0"/>
+              </a:rPr>
+              <a:t> </a:t>
+            </a:r>
+            <a:r>
+              <a:rPr lang="en-US" sz="4000" b="0" i="0" u="none" strike="noStrike" kern="1200" dirty="0" smtClean="0">
+                <a:solidFill>
+                  <a:schemeClr val="tx1"/>
+                </a:solidFill>
+                <a:effectLst/>
+                <a:latin typeface="Bauhaus 93" panose="04030905020B02020C02" pitchFamily="82" charset="0"/>
+                <a:ea typeface="+mn-ea"/>
+                <a:cs typeface="Arial" panose="020B0604020202020204" pitchFamily="34" charset="0"/>
+              </a:rPr>
+              <a:t>400</a:t>
+            </a:r>
+            <a:r>
+              <a:rPr lang="en-US" sz="4000" dirty="0" smtClean="0">
+                <a:latin typeface="Bauhaus 93" panose="04030905020B02020C02" pitchFamily="82" charset="0"/>
+                <a:cs typeface="Arial" panose="020B0604020202020204" pitchFamily="34" charset="0"/>
+              </a:rPr>
+              <a:t>  	</a:t>
+            </a:r>
+            <a:r>
+              <a:rPr lang="en-US" sz="4000" b="0" i="0" u="none" strike="noStrike" kern="1200" dirty="0" smtClean="0">
+                <a:solidFill>
+                  <a:schemeClr val="tx1"/>
+                </a:solidFill>
+                <a:effectLst/>
+                <a:latin typeface="Bauhaus 93" panose="04030905020B02020C02" pitchFamily="82" charset="0"/>
+                <a:ea typeface="+mn-ea"/>
+                <a:cs typeface="Arial" panose="020B0604020202020204" pitchFamily="34" charset="0"/>
+              </a:rPr>
+              <a:t>4.883</a:t>
+            </a:r>
+            <a:r>
+              <a:rPr lang="en-US" sz="4000" dirty="0" smtClean="0">
+                <a:latin typeface="Bauhaus 93" panose="04030905020B02020C02" pitchFamily="82" charset="0"/>
+                <a:cs typeface="Arial" panose="020B0604020202020204" pitchFamily="34" charset="0"/>
+              </a:rPr>
+              <a:t> </a:t>
+            </a:r>
+          </a:p>
+          <a:p>
+            <a:pPr algn="ctr"/>
+            <a:r>
+              <a:rPr lang="en-US" sz="4000" b="0" i="0" u="none" strike="noStrike" kern="1200" dirty="0" smtClean="0">
+                <a:solidFill>
+                  <a:schemeClr val="tx1"/>
+                </a:solidFill>
+                <a:effectLst/>
+                <a:latin typeface="Bauhaus 93" panose="04030905020B02020C02" pitchFamily="82" charset="0"/>
+                <a:ea typeface="+mn-ea"/>
+                <a:cs typeface="Arial" panose="020B0604020202020204" pitchFamily="34" charset="0"/>
+              </a:rPr>
+              <a:t>6</a:t>
+            </a:r>
+            <a:r>
+              <a:rPr lang="en-US" sz="4000" dirty="0" smtClean="0">
+                <a:latin typeface="Bauhaus 93" panose="04030905020B02020C02" pitchFamily="82" charset="0"/>
+                <a:cs typeface="Arial" panose="020B0604020202020204" pitchFamily="34" charset="0"/>
+              </a:rPr>
+              <a:t> 	</a:t>
+            </a:r>
+            <a:r>
+              <a:rPr lang="en-US" sz="4000" b="0" i="0" u="none" strike="noStrike" kern="1200" dirty="0" smtClean="0">
+                <a:solidFill>
+                  <a:schemeClr val="tx1"/>
+                </a:solidFill>
+                <a:effectLst/>
+                <a:latin typeface="Bauhaus 93" panose="04030905020B02020C02" pitchFamily="82" charset="0"/>
+                <a:ea typeface="+mn-ea"/>
+                <a:cs typeface="Arial" panose="020B0604020202020204" pitchFamily="34" charset="0"/>
+              </a:rPr>
+              <a:t>6144	</a:t>
+            </a:r>
+            <a:r>
+              <a:rPr lang="en-US" sz="4000" dirty="0" smtClean="0">
+                <a:latin typeface="Bauhaus 93" panose="04030905020B02020C02" pitchFamily="82" charset="0"/>
+                <a:cs typeface="Arial" panose="020B0604020202020204" pitchFamily="34" charset="0"/>
+              </a:rPr>
+              <a:t> </a:t>
+            </a:r>
+            <a:r>
+              <a:rPr lang="en-US" sz="4000" b="0" i="0" u="none" strike="noStrike" kern="1200" dirty="0" smtClean="0">
+                <a:solidFill>
+                  <a:schemeClr val="tx1"/>
+                </a:solidFill>
+                <a:effectLst/>
+                <a:latin typeface="Bauhaus 93" panose="04030905020B02020C02" pitchFamily="82" charset="0"/>
+                <a:ea typeface="+mn-ea"/>
+                <a:cs typeface="Arial" panose="020B0604020202020204" pitchFamily="34" charset="0"/>
+              </a:rPr>
+              <a:t>350	5.697</a:t>
+            </a:r>
+            <a:r>
+              <a:rPr lang="en-US" sz="4000" dirty="0" smtClean="0">
+                <a:latin typeface="Bauhaus 93" panose="04030905020B02020C02" pitchFamily="82" charset="0"/>
+                <a:cs typeface="Arial" panose="020B0604020202020204" pitchFamily="34" charset="0"/>
+              </a:rPr>
+              <a:t> </a:t>
+            </a:r>
+          </a:p>
+          <a:p>
+            <a:pPr algn="ctr"/>
+            <a:r>
+              <a:rPr lang="en-US" sz="4000" b="0" i="0" u="none" strike="noStrike" kern="1200" dirty="0" smtClean="0">
+                <a:solidFill>
+                  <a:schemeClr val="tx1"/>
+                </a:solidFill>
+                <a:effectLst/>
+                <a:latin typeface="Bauhaus 93" panose="04030905020B02020C02" pitchFamily="82" charset="0"/>
+                <a:ea typeface="+mn-ea"/>
+                <a:cs typeface="Arial" panose="020B0604020202020204" pitchFamily="34" charset="0"/>
+              </a:rPr>
+              <a:t>4</a:t>
+            </a:r>
+            <a:r>
+              <a:rPr lang="en-US" sz="4000" dirty="0" smtClean="0">
+                <a:latin typeface="Bauhaus 93" panose="04030905020B02020C02" pitchFamily="82" charset="0"/>
+                <a:cs typeface="Arial" panose="020B0604020202020204" pitchFamily="34" charset="0"/>
+              </a:rPr>
+              <a:t> 	</a:t>
+            </a:r>
+            <a:r>
+              <a:rPr lang="en-US" sz="4000" b="0" i="0" u="none" strike="noStrike" kern="1200" dirty="0" smtClean="0">
+                <a:solidFill>
+                  <a:schemeClr val="tx1"/>
+                </a:solidFill>
+                <a:effectLst/>
+                <a:latin typeface="Bauhaus 93" panose="04030905020B02020C02" pitchFamily="82" charset="0"/>
+                <a:ea typeface="+mn-ea"/>
+                <a:cs typeface="Arial" panose="020B0604020202020204" pitchFamily="34" charset="0"/>
+              </a:rPr>
+              <a:t>4096</a:t>
+            </a:r>
+            <a:r>
+              <a:rPr lang="en-US" sz="4000" dirty="0" smtClean="0">
+                <a:latin typeface="Bauhaus 93" panose="04030905020B02020C02" pitchFamily="82" charset="0"/>
+                <a:cs typeface="Arial" panose="020B0604020202020204" pitchFamily="34" charset="0"/>
+              </a:rPr>
+              <a:t> 	 </a:t>
+            </a:r>
+            <a:r>
+              <a:rPr lang="en-US" sz="4000" b="0" i="0" u="none" strike="noStrike" kern="1200" dirty="0" smtClean="0">
+                <a:solidFill>
+                  <a:schemeClr val="tx1"/>
+                </a:solidFill>
+                <a:effectLst/>
+                <a:latin typeface="Bauhaus 93" panose="04030905020B02020C02" pitchFamily="82" charset="0"/>
+                <a:ea typeface="+mn-ea"/>
+                <a:cs typeface="Arial" panose="020B0604020202020204" pitchFamily="34" charset="0"/>
+              </a:rPr>
+              <a:t>250</a:t>
+            </a:r>
+            <a:r>
+              <a:rPr lang="en-US" sz="4000" dirty="0" smtClean="0">
+                <a:latin typeface="Bauhaus 93" panose="04030905020B02020C02" pitchFamily="82" charset="0"/>
+                <a:cs typeface="Arial" panose="020B0604020202020204" pitchFamily="34" charset="0"/>
+              </a:rPr>
+              <a:t> 	</a:t>
+            </a:r>
+            <a:r>
+              <a:rPr lang="en-US" sz="4000" b="0" i="0" u="none" strike="noStrike" kern="1200" dirty="0" smtClean="0">
+                <a:solidFill>
+                  <a:schemeClr val="tx1"/>
+                </a:solidFill>
+                <a:effectLst/>
+                <a:latin typeface="Bauhaus 93" panose="04030905020B02020C02" pitchFamily="82" charset="0"/>
+                <a:ea typeface="+mn-ea"/>
+                <a:cs typeface="Arial" panose="020B0604020202020204" pitchFamily="34" charset="0"/>
+              </a:rPr>
+              <a:t>6.104</a:t>
+            </a:r>
+            <a:r>
+              <a:rPr lang="en-US" sz="4000" dirty="0" smtClean="0">
+                <a:latin typeface="Bauhaus 93" panose="04030905020B02020C02" pitchFamily="82" charset="0"/>
+                <a:cs typeface="Arial" panose="020B0604020202020204" pitchFamily="34" charset="0"/>
+              </a:rPr>
+              <a:t> </a:t>
+            </a:r>
+          </a:p>
+          <a:p>
+            <a:pPr algn="ctr"/>
+            <a:r>
+              <a:rPr lang="en-US" sz="4000" b="0" i="0" u="none" strike="noStrike" kern="1200" dirty="0" smtClean="0">
+                <a:solidFill>
+                  <a:schemeClr val="tx1"/>
+                </a:solidFill>
+                <a:effectLst/>
+                <a:latin typeface="Bauhaus 93" panose="04030905020B02020C02" pitchFamily="82" charset="0"/>
+                <a:ea typeface="+mn-ea"/>
+                <a:cs typeface="Arial" panose="020B0604020202020204" pitchFamily="34" charset="0"/>
+              </a:rPr>
+              <a:t>3</a:t>
+            </a:r>
+            <a:r>
+              <a:rPr lang="en-US" sz="4000" dirty="0" smtClean="0">
+                <a:latin typeface="Bauhaus 93" panose="04030905020B02020C02" pitchFamily="82" charset="0"/>
+                <a:cs typeface="Arial" panose="020B0604020202020204" pitchFamily="34" charset="0"/>
+              </a:rPr>
+              <a:t> 	</a:t>
+            </a:r>
+            <a:r>
+              <a:rPr lang="en-US" sz="4000" b="0" i="0" u="none" strike="noStrike" kern="1200" dirty="0" smtClean="0">
+                <a:solidFill>
+                  <a:schemeClr val="tx1"/>
+                </a:solidFill>
+                <a:effectLst/>
+                <a:latin typeface="Bauhaus 93" panose="04030905020B02020C02" pitchFamily="82" charset="0"/>
+                <a:ea typeface="+mn-ea"/>
+                <a:cs typeface="Arial" panose="020B0604020202020204" pitchFamily="34" charset="0"/>
+              </a:rPr>
+              <a:t>3072	</a:t>
+            </a:r>
+            <a:r>
+              <a:rPr lang="en-US" sz="4000" dirty="0" smtClean="0">
+                <a:latin typeface="Bauhaus 93" panose="04030905020B02020C02" pitchFamily="82" charset="0"/>
+                <a:cs typeface="Arial" panose="020B0604020202020204" pitchFamily="34" charset="0"/>
+              </a:rPr>
+              <a:t> </a:t>
+            </a:r>
+            <a:r>
+              <a:rPr lang="en-US" sz="4000" b="0" i="0" u="none" strike="noStrike" kern="1200" dirty="0" smtClean="0">
+                <a:solidFill>
+                  <a:schemeClr val="tx1"/>
+                </a:solidFill>
+                <a:effectLst/>
+                <a:latin typeface="Bauhaus 93" panose="04030905020B02020C02" pitchFamily="82" charset="0"/>
+                <a:ea typeface="+mn-ea"/>
+                <a:cs typeface="Arial" panose="020B0604020202020204" pitchFamily="34" charset="0"/>
+              </a:rPr>
+              <a:t>230</a:t>
+            </a:r>
+            <a:r>
+              <a:rPr lang="en-US" sz="4000" dirty="0" smtClean="0">
+                <a:latin typeface="Bauhaus 93" panose="04030905020B02020C02" pitchFamily="82" charset="0"/>
+                <a:cs typeface="Arial" panose="020B0604020202020204" pitchFamily="34" charset="0"/>
+              </a:rPr>
+              <a:t> 	</a:t>
+            </a:r>
+            <a:r>
+              <a:rPr lang="en-US" sz="4000" b="0" i="0" u="none" strike="noStrike" kern="1200" dirty="0" smtClean="0">
+                <a:solidFill>
+                  <a:schemeClr val="tx1"/>
+                </a:solidFill>
+                <a:effectLst/>
+                <a:latin typeface="Bauhaus 93" panose="04030905020B02020C02" pitchFamily="82" charset="0"/>
+                <a:ea typeface="+mn-ea"/>
+                <a:cs typeface="Arial" panose="020B0604020202020204" pitchFamily="34" charset="0"/>
+              </a:rPr>
+              <a:t>7.487</a:t>
+            </a:r>
+            <a:r>
+              <a:rPr lang="en-US" sz="4000" dirty="0" smtClean="0">
+                <a:latin typeface="Bauhaus 93" panose="04030905020B02020C02" pitchFamily="82" charset="0"/>
+                <a:cs typeface="Arial" panose="020B0604020202020204" pitchFamily="34" charset="0"/>
+              </a:rPr>
+              <a:t> </a:t>
+            </a:r>
+            <a:endParaRPr lang="en-US" sz="4000" dirty="0">
+              <a:latin typeface="Bauhaus 93" panose="04030905020B02020C02" pitchFamily="82" charset="0"/>
+              <a:cs typeface="Arial" panose="020B0604020202020204" pitchFamily="34" charset="0"/>
+            </a:endParaRPr>
+          </a:p>
+        </p:txBody>
+      </p:sp>
+      <p:sp>
+        <p:nvSpPr>
+          <p:cNvPr id="4" name="Slide Number Placeholder 3"/>
+          <p:cNvSpPr>
+            <a:spLocks noGrp="1"/>
+          </p:cNvSpPr>
+          <p:nvPr>
+            <p:ph type="sldNum" sz="quarter" idx="10"/>
+          </p:nvPr>
+        </p:nvSpPr>
+        <p:spPr/>
+        <p:txBody>
+          <a:bodyPr/>
+          <a:lstStyle/>
+          <a:p>
+            <a:fld id="{228B34ED-4CDD-41C9-90F7-D768D5559A6F}" type="slidenum">
+              <a:rPr lang="en-US" smtClean="0"/>
+              <a:t>7</a:t>
+            </a:fld>
+            <a:endParaRPr lang="en-US" dirty="0"/>
+          </a:p>
+        </p:txBody>
+      </p:sp>
+    </p:spTree>
+    <p:extLst>
+      <p:ext uri="{BB962C8B-B14F-4D97-AF65-F5344CB8AC3E}">
+        <p14:creationId xmlns:p14="http://schemas.microsoft.com/office/powerpoint/2010/main" val="563481297"/>
+      </p:ext>
+    </p:extLst>
+  </p:cSld>
+  <p:clrMapOvr>
+    <a:masterClrMapping/>
+  </p:clrMapOvr>
+</p:notes>
+</file>
+
+<file path=ppt/notesSlides/notesSlide8.xml><?xml version="1.0" encoding="utf-8"?>
+<p:notes xmlns:a="http://schemas.openxmlformats.org/drawingml/2006/main" xmlns:r="http://schemas.openxmlformats.org/officeDocument/2006/relationships" xmlns:p="http://schemas.openxmlformats.org/presentationml/2006/main">
+  <p:cSld>
+    <p:spTree>
+      <p:nvGrpSpPr>
+        <p:cNvPr id="1" name=""/>
+        <p:cNvGrpSpPr/>
+        <p:nvPr/>
+      </p:nvGrpSpPr>
+      <p:grpSpPr>
+        <a:xfrm>
+          <a:off x="0" y="0"/>
+          <a:ext cx="0" cy="0"/>
+          <a:chOff x="0" y="0"/>
+          <a:chExt cx="0" cy="0"/>
+        </a:xfrm>
+      </p:grpSpPr>
+      <p:sp>
+        <p:nvSpPr>
+          <p:cNvPr id="2" name="Slide Image Placeholder 1"/>
+          <p:cNvSpPr>
+            <a:spLocks noGrp="1" noRot="1" noChangeAspect="1"/>
+          </p:cNvSpPr>
+          <p:nvPr>
+            <p:ph type="sldImg"/>
+          </p:nvPr>
+        </p:nvSpPr>
+        <p:spPr/>
+      </p:sp>
+      <p:sp>
+        <p:nvSpPr>
+          <p:cNvPr id="3" name="Notes Placeholder 2"/>
+          <p:cNvSpPr>
+            <a:spLocks noGrp="1"/>
+          </p:cNvSpPr>
+          <p:nvPr>
+            <p:ph type="body" idx="1"/>
+          </p:nvPr>
+        </p:nvSpPr>
+        <p:spPr/>
+        <p:txBody>
+          <a:bodyPr/>
+          <a:lstStyle/>
+          <a:p>
+            <a:endParaRPr lang="en-US" dirty="0"/>
+          </a:p>
+        </p:txBody>
+      </p:sp>
+      <p:sp>
+        <p:nvSpPr>
+          <p:cNvPr id="4" name="Slide Number Placeholder 3"/>
+          <p:cNvSpPr>
+            <a:spLocks noGrp="1"/>
+          </p:cNvSpPr>
+          <p:nvPr>
+            <p:ph type="sldNum" sz="quarter" idx="10"/>
+          </p:nvPr>
+        </p:nvSpPr>
+        <p:spPr/>
+        <p:txBody>
+          <a:bodyPr/>
+          <a:lstStyle/>
+          <a:p>
+            <a:fld id="{228B34ED-4CDD-41C9-90F7-D768D5559A6F}" type="slidenum">
+              <a:rPr lang="en-US" smtClean="0"/>
+              <a:t>8</a:t>
             </a:fld>
             <a:endParaRPr lang="en-US" dirty="0"/>
           </a:p>
@@ -5371,7 +5626,7 @@
           </a:ln>
           <a:extLst>
             <a:ext uri="{C572A759-6A51-4108-AA02-DFA0A04FC94B}">
-              <ma14:wrappingTextBoxFlag xmlns:ma14="http://schemas.microsoft.com/office/mac/drawingml/2011/main" xmlns="" val="1"/>
+              <ma14:wrappingTextBoxFlag xmlns="" xmlns:ma14="http://schemas.microsoft.com/office/mac/drawingml/2011/main" val="1"/>
             </a:ext>
           </a:extLst>
         </p:spPr>
@@ -5695,7 +5950,7 @@
           </a:ln>
           <a:extLst>
             <a:ext uri="{C572A759-6A51-4108-AA02-DFA0A04FC94B}">
-              <ma14:wrappingTextBoxFlag xmlns:ma14="http://schemas.microsoft.com/office/mac/drawingml/2011/main" xmlns="" val="1"/>
+              <ma14:wrappingTextBoxFlag xmlns="" xmlns:ma14="http://schemas.microsoft.com/office/mac/drawingml/2011/main" val="1"/>
             </a:ext>
           </a:extLst>
         </p:spPr>
@@ -9102,7 +9357,7 @@
           </a:ln>
           <a:extLst>
             <a:ext uri="{C572A759-6A51-4108-AA02-DFA0A04FC94B}">
-              <ma14:wrappingTextBoxFlag xmlns:ma14="http://schemas.microsoft.com/office/mac/drawingml/2011/main" xmlns="" val="1"/>
+              <ma14:wrappingTextBoxFlag xmlns="" xmlns:ma14="http://schemas.microsoft.com/office/mac/drawingml/2011/main" val="1"/>
             </a:ext>
           </a:extLst>
         </p:spPr>
@@ -10572,7 +10827,7 @@
           </a:ln>
           <a:extLst>
             <a:ext uri="{C572A759-6A51-4108-AA02-DFA0A04FC94B}">
-              <ma14:wrappingTextBoxFlag xmlns:ma14="http://schemas.microsoft.com/office/mac/drawingml/2011/main" xmlns="" val="1"/>
+              <ma14:wrappingTextBoxFlag xmlns="" xmlns:ma14="http://schemas.microsoft.com/office/mac/drawingml/2011/main" val="1"/>
             </a:ext>
           </a:extLst>
         </p:spPr>
@@ -10981,7 +11236,7 @@
                 <a16:creationId xmlns:a16="http://schemas.microsoft.com/office/drawing/2014/main" id="{D687D26E-D67A-4318-AAB1-DCEAA89EEB21}"/>
               </a:ext>
               <a:ext uri="{C183D7F6-B498-43B3-948B-1728B52AA6E4}">
-                <adec:decorative xmlns="" xmlns:adec="http://schemas.microsoft.com/office/drawing/2017/decorative" val="1"/>
+                <adec:decorative xmlns:adec="http://schemas.microsoft.com/office/drawing/2017/decorative" xmlns="" val="1"/>
               </a:ext>
             </a:extLst>
           </p:cNvPr>
@@ -11738,14 +11993,23 @@
               </a:spcAft>
             </a:pPr>
             <a:r>
-              <a:rPr lang="en-US" sz="2700" dirty="0"/>
+              <a:rPr lang="en-US" sz="2700" dirty="0">
+                <a:latin typeface="Arial" panose="020B0604020202020204" pitchFamily="34" charset="0"/>
+                <a:cs typeface="Arial" panose="020B0604020202020204" pitchFamily="34" charset="0"/>
+              </a:rPr>
               <a:t>Hệ thống bảo vệ và cảnh </a:t>
             </a:r>
             <a:r>
-              <a:rPr lang="en-US" sz="2700" dirty="0" smtClean="0"/>
+              <a:rPr lang="en-US" sz="2700" dirty="0" smtClean="0">
+                <a:latin typeface="Arial" panose="020B0604020202020204" pitchFamily="34" charset="0"/>
+                <a:cs typeface="Arial" panose="020B0604020202020204" pitchFamily="34" charset="0"/>
+              </a:rPr>
               <a:t>báo</a:t>
             </a:r>
-            <a:endParaRPr lang="en-US" sz="2700" dirty="0"/>
+            <a:endParaRPr lang="en-US" sz="2700" dirty="0">
+              <a:latin typeface="Arial" panose="020B0604020202020204" pitchFamily="34" charset="0"/>
+              <a:cs typeface="Arial" panose="020B0604020202020204" pitchFamily="34" charset="0"/>
+            </a:endParaRPr>
           </a:p>
         </p:txBody>
       </p:sp>
@@ -11910,10 +12174,16 @@
               </a:spcAft>
             </a:pPr>
             <a:r>
-              <a:rPr lang="en-US" sz="2700" dirty="0" smtClean="0"/>
+              <a:rPr lang="en-US" sz="2700" dirty="0" smtClean="0">
+                <a:latin typeface="Arial" panose="020B0604020202020204" pitchFamily="34" charset="0"/>
+                <a:cs typeface="Arial" panose="020B0604020202020204" pitchFamily="34" charset="0"/>
+              </a:rPr>
               <a:t>Phát video</a:t>
             </a:r>
-            <a:endParaRPr lang="en-US" sz="2700" dirty="0"/>
+            <a:endParaRPr lang="en-US" sz="2700" dirty="0">
+              <a:latin typeface="Arial" panose="020B0604020202020204" pitchFamily="34" charset="0"/>
+              <a:cs typeface="Arial" panose="020B0604020202020204" pitchFamily="34" charset="0"/>
+            </a:endParaRPr>
           </a:p>
         </p:txBody>
       </p:sp>
@@ -12078,10 +12348,16 @@
               </a:spcAft>
             </a:pPr>
             <a:r>
-              <a:rPr lang="en-US" sz="2700" dirty="0"/>
+              <a:rPr lang="en-US" sz="2700" dirty="0">
+                <a:latin typeface="Arial" panose="020B0604020202020204" pitchFamily="34" charset="0"/>
+                <a:cs typeface="Arial" panose="020B0604020202020204" pitchFamily="34" charset="0"/>
+              </a:rPr>
               <a:t>Cài đặt thời gian phát video</a:t>
             </a:r>
-            <a:endParaRPr lang="en-US" sz="2700" kern="1200" dirty="0"/>
+            <a:endParaRPr lang="en-US" sz="2700" kern="1200" dirty="0">
+              <a:latin typeface="Arial" panose="020B0604020202020204" pitchFamily="34" charset="0"/>
+              <a:cs typeface="Arial" panose="020B0604020202020204" pitchFamily="34" charset="0"/>
+            </a:endParaRPr>
           </a:p>
         </p:txBody>
       </p:sp>
@@ -12246,18 +12522,30 @@
               </a:spcAft>
             </a:pPr>
             <a:r>
-              <a:rPr lang="en-US" sz="2700" dirty="0" smtClean="0"/>
+              <a:rPr lang="en-US" sz="2700" dirty="0" smtClean="0">
+                <a:latin typeface="Arial" panose="020B0604020202020204" pitchFamily="34" charset="0"/>
+                <a:cs typeface="Arial" panose="020B0604020202020204" pitchFamily="34" charset="0"/>
+              </a:rPr>
               <a:t>Đăng </a:t>
             </a:r>
             <a:r>
-              <a:rPr lang="en-US" sz="2700" dirty="0"/>
+              <a:rPr lang="en-US" sz="2700" dirty="0">
+                <a:latin typeface="Arial" panose="020B0604020202020204" pitchFamily="34" charset="0"/>
+                <a:cs typeface="Arial" panose="020B0604020202020204" pitchFamily="34" charset="0"/>
+              </a:rPr>
               <a:t>nhập, đăng </a:t>
             </a:r>
             <a:r>
-              <a:rPr lang="en-US" sz="2700" dirty="0" smtClean="0"/>
+              <a:rPr lang="en-US" sz="2700" dirty="0" smtClean="0">
+                <a:latin typeface="Arial" panose="020B0604020202020204" pitchFamily="34" charset="0"/>
+                <a:cs typeface="Arial" panose="020B0604020202020204" pitchFamily="34" charset="0"/>
+              </a:rPr>
               <a:t>xuất</a:t>
             </a:r>
-            <a:endParaRPr lang="en-US" sz="2700" dirty="0"/>
+            <a:endParaRPr lang="en-US" sz="2700" dirty="0">
+              <a:latin typeface="Arial" panose="020B0604020202020204" pitchFamily="34" charset="0"/>
+              <a:cs typeface="Arial" panose="020B0604020202020204" pitchFamily="34" charset="0"/>
+            </a:endParaRPr>
           </a:p>
         </p:txBody>
       </p:sp>
@@ -13142,6 +13430,2933 @@
           <a:chExt cx="0" cy="0"/>
         </a:xfrm>
       </p:grpSpPr>
+      <p:sp>
+        <p:nvSpPr>
+          <p:cNvPr id="2" name="Slide Number Placeholder 1"/>
+          <p:cNvSpPr>
+            <a:spLocks noGrp="1"/>
+          </p:cNvSpPr>
+          <p:nvPr>
+            <p:ph type="sldNum" sz="quarter" idx="12"/>
+          </p:nvPr>
+        </p:nvSpPr>
+        <p:spPr/>
+        <p:txBody>
+          <a:bodyPr/>
+          <a:lstStyle/>
+          <a:p>
+            <a:fld id="{8C2E478F-E849-4A8C-AF1F-CBCC78A7CBFA}" type="slidenum">
+              <a:rPr lang="en-US" smtClean="0"/>
+              <a:t>3</a:t>
+            </a:fld>
+            <a:endParaRPr lang="en-US" dirty="0"/>
+          </a:p>
+        </p:txBody>
+      </p:sp>
+      <p:sp>
+        <p:nvSpPr>
+          <p:cNvPr id="3" name="TextBox 2">
+            <a:extLst>
+              <a:ext uri="{FF2B5EF4-FFF2-40B4-BE49-F238E27FC236}">
+                <a16:creationId xmlns:a16="http://schemas.microsoft.com/office/drawing/2014/main" id="{BE8AA9BD-5B28-4BB1-803B-54BB6E1B0DE1}"/>
+              </a:ext>
+            </a:extLst>
+          </p:cNvPr>
+          <p:cNvSpPr txBox="1"/>
+          <p:nvPr/>
+        </p:nvSpPr>
+        <p:spPr>
+          <a:xfrm>
+            <a:off x="2498377" y="494469"/>
+            <a:ext cx="7278915" cy="480131"/>
+          </a:xfrm>
+          <a:prstGeom prst="rect">
+            <a:avLst/>
+          </a:prstGeom>
+          <a:noFill/>
+        </p:spPr>
+        <p:txBody>
+          <a:bodyPr wrap="square" rtlCol="0">
+            <a:spAutoFit/>
+          </a:bodyPr>
+          <a:lstStyle/>
+          <a:p>
+            <a:pPr algn="ctr" defTabSz="1200150">
+              <a:lnSpc>
+                <a:spcPct val="90000"/>
+              </a:lnSpc>
+              <a:spcBef>
+                <a:spcPct val="0"/>
+              </a:spcBef>
+              <a:spcAft>
+                <a:spcPct val="35000"/>
+              </a:spcAft>
+            </a:pPr>
+            <a:r>
+              <a:rPr lang="en-US" sz="2800" dirty="0" smtClean="0">
+                <a:latin typeface="Arial" panose="020B0604020202020204" pitchFamily="34" charset="0"/>
+                <a:cs typeface="Arial" panose="020B0604020202020204" pitchFamily="34" charset="0"/>
+              </a:rPr>
+              <a:t>HỆ THỐNG BẢO VỆ VÀ CẢNH BÁO</a:t>
+            </a:r>
+            <a:endParaRPr lang="en-US" sz="2800" dirty="0">
+              <a:latin typeface="Arial" panose="020B0604020202020204" pitchFamily="34" charset="0"/>
+              <a:cs typeface="Arial" panose="020B0604020202020204" pitchFamily="34" charset="0"/>
+            </a:endParaRPr>
+          </a:p>
+        </p:txBody>
+      </p:sp>
+      <p:grpSp>
+        <p:nvGrpSpPr>
+          <p:cNvPr id="21" name="Group 20">
+            <a:extLst>
+              <a:ext uri="{FF2B5EF4-FFF2-40B4-BE49-F238E27FC236}">
+                <a16:creationId xmlns:a16="http://schemas.microsoft.com/office/drawing/2014/main" id="{153F4246-CEED-4D1E-87E9-AF831143E541}"/>
+              </a:ext>
+            </a:extLst>
+          </p:cNvPr>
+          <p:cNvGrpSpPr/>
+          <p:nvPr/>
+        </p:nvGrpSpPr>
+        <p:grpSpPr>
+          <a:xfrm>
+            <a:off x="1273596" y="1947135"/>
+            <a:ext cx="788220" cy="748307"/>
+            <a:chOff x="1647030" y="3062208"/>
+            <a:chExt cx="788220" cy="748307"/>
+          </a:xfrm>
+        </p:grpSpPr>
+        <p:cxnSp>
+          <p:nvCxnSpPr>
+            <p:cNvPr id="22" name="Straight Connector 21">
+              <a:extLst>
+                <a:ext uri="{FF2B5EF4-FFF2-40B4-BE49-F238E27FC236}">
+                  <a16:creationId xmlns:a16="http://schemas.microsoft.com/office/drawing/2014/main" id="{802F08CF-D4D1-4A39-96BE-CB97F61D162B}"/>
+                </a:ext>
+              </a:extLst>
+            </p:cNvPr>
+            <p:cNvCxnSpPr>
+              <a:cxnSpLocks/>
+              <a:stCxn id="10" idx="0"/>
+            </p:cNvCxnSpPr>
+            <p:nvPr/>
+          </p:nvCxnSpPr>
+          <p:spPr>
+            <a:xfrm flipH="1" flipV="1">
+              <a:off x="2120691" y="3062208"/>
+              <a:ext cx="314559" cy="748307"/>
+            </a:xfrm>
+            <a:prstGeom prst="line">
+              <a:avLst/>
+            </a:prstGeom>
+            <a:ln>
+              <a:solidFill>
+                <a:srgbClr val="EF3078"/>
+              </a:solidFill>
+            </a:ln>
+          </p:spPr>
+          <p:style>
+            <a:lnRef idx="1">
+              <a:schemeClr val="accent1"/>
+            </a:lnRef>
+            <a:fillRef idx="0">
+              <a:schemeClr val="accent1"/>
+            </a:fillRef>
+            <a:effectRef idx="0">
+              <a:schemeClr val="accent1"/>
+            </a:effectRef>
+            <a:fontRef idx="minor">
+              <a:schemeClr val="tx1"/>
+            </a:fontRef>
+          </p:style>
+        </p:cxnSp>
+        <p:cxnSp>
+          <p:nvCxnSpPr>
+            <p:cNvPr id="23" name="Straight Connector 22">
+              <a:extLst>
+                <a:ext uri="{FF2B5EF4-FFF2-40B4-BE49-F238E27FC236}">
+                  <a16:creationId xmlns:a16="http://schemas.microsoft.com/office/drawing/2014/main" id="{35920BBA-8F71-4702-91A3-44392F84AAE5}"/>
+                </a:ext>
+              </a:extLst>
+            </p:cNvPr>
+            <p:cNvCxnSpPr>
+              <a:cxnSpLocks/>
+            </p:cNvCxnSpPr>
+            <p:nvPr/>
+          </p:nvCxnSpPr>
+          <p:spPr>
+            <a:xfrm flipH="1">
+              <a:off x="1647030" y="3062208"/>
+              <a:ext cx="471956" cy="0"/>
+            </a:xfrm>
+            <a:prstGeom prst="line">
+              <a:avLst/>
+            </a:prstGeom>
+            <a:ln>
+              <a:solidFill>
+                <a:srgbClr val="EF3078"/>
+              </a:solidFill>
+            </a:ln>
+          </p:spPr>
+          <p:style>
+            <a:lnRef idx="1">
+              <a:schemeClr val="accent1"/>
+            </a:lnRef>
+            <a:fillRef idx="0">
+              <a:schemeClr val="accent1"/>
+            </a:fillRef>
+            <a:effectRef idx="0">
+              <a:schemeClr val="accent1"/>
+            </a:effectRef>
+            <a:fontRef idx="minor">
+              <a:schemeClr val="tx1"/>
+            </a:fontRef>
+          </p:style>
+        </p:cxnSp>
+      </p:grpSp>
+      <p:grpSp>
+        <p:nvGrpSpPr>
+          <p:cNvPr id="39" name="Group 38">
+            <a:extLst>
+              <a:ext uri="{FF2B5EF4-FFF2-40B4-BE49-F238E27FC236}">
+                <a16:creationId xmlns:a16="http://schemas.microsoft.com/office/drawing/2014/main" id="{7D06F0A7-DAC2-4C40-B732-014C20C2F6D5}"/>
+              </a:ext>
+            </a:extLst>
+          </p:cNvPr>
+          <p:cNvGrpSpPr/>
+          <p:nvPr/>
+        </p:nvGrpSpPr>
+        <p:grpSpPr>
+          <a:xfrm>
+            <a:off x="-77020" y="1480465"/>
+            <a:ext cx="1387320" cy="780682"/>
+            <a:chOff x="345412" y="2411599"/>
+            <a:chExt cx="1387320" cy="780682"/>
+          </a:xfrm>
+        </p:grpSpPr>
+        <p:sp>
+          <p:nvSpPr>
+            <p:cNvPr id="40" name="TextBox 39">
+              <a:extLst>
+                <a:ext uri="{FF2B5EF4-FFF2-40B4-BE49-F238E27FC236}">
+                  <a16:creationId xmlns:a16="http://schemas.microsoft.com/office/drawing/2014/main" id="{FECAEFF9-14F9-420B-B81B-1A2D424B5A63}"/>
+                </a:ext>
+              </a:extLst>
+            </p:cNvPr>
+            <p:cNvSpPr txBox="1"/>
+            <p:nvPr/>
+          </p:nvSpPr>
+          <p:spPr>
+            <a:xfrm>
+              <a:off x="1007919" y="2411599"/>
+              <a:ext cx="724812" cy="461665"/>
+            </a:xfrm>
+            <a:prstGeom prst="rect">
+              <a:avLst/>
+            </a:prstGeom>
+            <a:noFill/>
+          </p:spPr>
+          <p:txBody>
+            <a:bodyPr wrap="square" rtlCol="0">
+              <a:spAutoFit/>
+            </a:bodyPr>
+            <a:lstStyle/>
+            <a:p>
+              <a:pPr algn="r"/>
+              <a:r>
+                <a:rPr lang="en-US" sz="2400" dirty="0" smtClean="0">
+                  <a:solidFill>
+                    <a:srgbClr val="EF3078"/>
+                  </a:solidFill>
+                  <a:latin typeface="Tw Cen MT" panose="020B0602020104020603" pitchFamily="34" charset="0"/>
+                </a:rPr>
+                <a:t>01</a:t>
+              </a:r>
+              <a:endParaRPr lang="en-US" sz="2400" dirty="0">
+                <a:solidFill>
+                  <a:srgbClr val="EF3078"/>
+                </a:solidFill>
+                <a:latin typeface="Tw Cen MT" panose="020B0602020104020603" pitchFamily="34" charset="0"/>
+              </a:endParaRPr>
+            </a:p>
+          </p:txBody>
+        </p:sp>
+        <p:sp>
+          <p:nvSpPr>
+            <p:cNvPr id="41" name="TextBox 40">
+              <a:extLst>
+                <a:ext uri="{FF2B5EF4-FFF2-40B4-BE49-F238E27FC236}">
+                  <a16:creationId xmlns:a16="http://schemas.microsoft.com/office/drawing/2014/main" id="{2E7256DD-6317-492A-853D-B93DE998E24A}"/>
+                </a:ext>
+              </a:extLst>
+            </p:cNvPr>
+            <p:cNvSpPr txBox="1"/>
+            <p:nvPr/>
+          </p:nvSpPr>
+          <p:spPr>
+            <a:xfrm>
+              <a:off x="345412" y="2730616"/>
+              <a:ext cx="1387320" cy="461665"/>
+            </a:xfrm>
+            <a:prstGeom prst="rect">
+              <a:avLst/>
+            </a:prstGeom>
+            <a:noFill/>
+          </p:spPr>
+          <p:txBody>
+            <a:bodyPr wrap="square" rtlCol="0">
+              <a:spAutoFit/>
+            </a:bodyPr>
+            <a:lstStyle/>
+            <a:p>
+              <a:pPr algn="r"/>
+              <a:r>
+                <a:rPr lang="en-US" sz="2400" dirty="0" smtClean="0">
+                  <a:solidFill>
+                    <a:srgbClr val="EF3078"/>
+                  </a:solidFill>
+                  <a:latin typeface="Arial" panose="020B0604020202020204" pitchFamily="34" charset="0"/>
+                  <a:cs typeface="Arial" panose="020B0604020202020204" pitchFamily="34" charset="0"/>
+                </a:rPr>
+                <a:t>Rút cáp</a:t>
+              </a:r>
+            </a:p>
+          </p:txBody>
+        </p:sp>
+      </p:grpSp>
+      <p:grpSp>
+        <p:nvGrpSpPr>
+          <p:cNvPr id="27" name="Group 26">
+            <a:extLst>
+              <a:ext uri="{FF2B5EF4-FFF2-40B4-BE49-F238E27FC236}">
+                <a16:creationId xmlns:a16="http://schemas.microsoft.com/office/drawing/2014/main" id="{7137FDAE-CE25-40E9-AFD7-49BA1463E3D5}"/>
+              </a:ext>
+            </a:extLst>
+          </p:cNvPr>
+          <p:cNvGrpSpPr/>
+          <p:nvPr/>
+        </p:nvGrpSpPr>
+        <p:grpSpPr>
+          <a:xfrm flipV="1">
+            <a:off x="2366108" y="5300900"/>
+            <a:ext cx="988771" cy="707135"/>
+            <a:chOff x="1666080" y="3059827"/>
+            <a:chExt cx="988771" cy="707135"/>
+          </a:xfrm>
+        </p:grpSpPr>
+        <p:cxnSp>
+          <p:nvCxnSpPr>
+            <p:cNvPr id="28" name="Straight Connector 27">
+              <a:extLst>
+                <a:ext uri="{FF2B5EF4-FFF2-40B4-BE49-F238E27FC236}">
+                  <a16:creationId xmlns:a16="http://schemas.microsoft.com/office/drawing/2014/main" id="{C83C8BAA-87B2-4130-A6CA-1525D506B1D2}"/>
+                </a:ext>
+              </a:extLst>
+            </p:cNvPr>
+            <p:cNvCxnSpPr>
+              <a:cxnSpLocks/>
+            </p:cNvCxnSpPr>
+            <p:nvPr/>
+          </p:nvCxnSpPr>
+          <p:spPr>
+            <a:xfrm flipH="1" flipV="1">
+              <a:off x="2135655" y="3059827"/>
+              <a:ext cx="519196" cy="707135"/>
+            </a:xfrm>
+            <a:prstGeom prst="line">
+              <a:avLst/>
+            </a:prstGeom>
+            <a:ln>
+              <a:solidFill>
+                <a:srgbClr val="EE9524"/>
+              </a:solidFill>
+            </a:ln>
+          </p:spPr>
+          <p:style>
+            <a:lnRef idx="1">
+              <a:schemeClr val="accent1"/>
+            </a:lnRef>
+            <a:fillRef idx="0">
+              <a:schemeClr val="accent1"/>
+            </a:fillRef>
+            <a:effectRef idx="0">
+              <a:schemeClr val="accent1"/>
+            </a:effectRef>
+            <a:fontRef idx="minor">
+              <a:schemeClr val="tx1"/>
+            </a:fontRef>
+          </p:style>
+        </p:cxnSp>
+        <p:cxnSp>
+          <p:nvCxnSpPr>
+            <p:cNvPr id="29" name="Straight Connector 28">
+              <a:extLst>
+                <a:ext uri="{FF2B5EF4-FFF2-40B4-BE49-F238E27FC236}">
+                  <a16:creationId xmlns:a16="http://schemas.microsoft.com/office/drawing/2014/main" id="{018D836A-5994-457C-AD4E-4304A9FBB1F8}"/>
+                </a:ext>
+              </a:extLst>
+            </p:cNvPr>
+            <p:cNvCxnSpPr>
+              <a:cxnSpLocks/>
+            </p:cNvCxnSpPr>
+            <p:nvPr/>
+          </p:nvCxnSpPr>
+          <p:spPr>
+            <a:xfrm flipH="1">
+              <a:off x="1666080" y="3062208"/>
+              <a:ext cx="471956" cy="0"/>
+            </a:xfrm>
+            <a:prstGeom prst="line">
+              <a:avLst/>
+            </a:prstGeom>
+            <a:ln>
+              <a:solidFill>
+                <a:srgbClr val="EE9524"/>
+              </a:solidFill>
+            </a:ln>
+          </p:spPr>
+          <p:style>
+            <a:lnRef idx="1">
+              <a:schemeClr val="accent1"/>
+            </a:lnRef>
+            <a:fillRef idx="0">
+              <a:schemeClr val="accent1"/>
+            </a:fillRef>
+            <a:effectRef idx="0">
+              <a:schemeClr val="accent1"/>
+            </a:effectRef>
+            <a:fontRef idx="minor">
+              <a:schemeClr val="tx1"/>
+            </a:fontRef>
+          </p:style>
+        </p:cxnSp>
+      </p:grpSp>
+      <p:grpSp>
+        <p:nvGrpSpPr>
+          <p:cNvPr id="43" name="Group 42">
+            <a:extLst>
+              <a:ext uri="{FF2B5EF4-FFF2-40B4-BE49-F238E27FC236}">
+                <a16:creationId xmlns:a16="http://schemas.microsoft.com/office/drawing/2014/main" id="{12804901-3BC3-4B63-B57A-680C61064136}"/>
+              </a:ext>
+            </a:extLst>
+          </p:cNvPr>
+          <p:cNvGrpSpPr/>
+          <p:nvPr/>
+        </p:nvGrpSpPr>
+        <p:grpSpPr>
+          <a:xfrm>
+            <a:off x="531594" y="5380903"/>
+            <a:ext cx="1823281" cy="1519346"/>
+            <a:chOff x="1441079" y="5072730"/>
+            <a:chExt cx="1387320" cy="1519346"/>
+          </a:xfrm>
+        </p:grpSpPr>
+        <p:sp>
+          <p:nvSpPr>
+            <p:cNvPr id="44" name="TextBox 43">
+              <a:extLst>
+                <a:ext uri="{FF2B5EF4-FFF2-40B4-BE49-F238E27FC236}">
+                  <a16:creationId xmlns:a16="http://schemas.microsoft.com/office/drawing/2014/main" id="{3D4F678F-40B7-4440-9805-D7FF30FB7FC8}"/>
+                </a:ext>
+              </a:extLst>
+            </p:cNvPr>
+            <p:cNvSpPr txBox="1"/>
+            <p:nvPr/>
+          </p:nvSpPr>
+          <p:spPr>
+            <a:xfrm>
+              <a:off x="2103586" y="5072730"/>
+              <a:ext cx="724812" cy="461665"/>
+            </a:xfrm>
+            <a:prstGeom prst="rect">
+              <a:avLst/>
+            </a:prstGeom>
+            <a:noFill/>
+          </p:spPr>
+          <p:txBody>
+            <a:bodyPr wrap="square" rtlCol="0">
+              <a:spAutoFit/>
+            </a:bodyPr>
+            <a:lstStyle/>
+            <a:p>
+              <a:pPr algn="r"/>
+              <a:r>
+                <a:rPr lang="en-US" sz="2400" dirty="0" smtClean="0">
+                  <a:solidFill>
+                    <a:srgbClr val="EE9524"/>
+                  </a:solidFill>
+                  <a:latin typeface="Tw Cen MT" panose="020B0602020104020603" pitchFamily="34" charset="0"/>
+                </a:rPr>
+                <a:t>02</a:t>
+              </a:r>
+              <a:endParaRPr lang="en-US" sz="2400" dirty="0">
+                <a:solidFill>
+                  <a:srgbClr val="EE9524"/>
+                </a:solidFill>
+                <a:latin typeface="Tw Cen MT" panose="020B0602020104020603" pitchFamily="34" charset="0"/>
+              </a:endParaRPr>
+            </a:p>
+          </p:txBody>
+        </p:sp>
+        <p:sp>
+          <p:nvSpPr>
+            <p:cNvPr id="45" name="TextBox 44">
+              <a:extLst>
+                <a:ext uri="{FF2B5EF4-FFF2-40B4-BE49-F238E27FC236}">
+                  <a16:creationId xmlns:a16="http://schemas.microsoft.com/office/drawing/2014/main" id="{E3B5B3C4-08D7-4F80-905A-16D436C0F2EA}"/>
+                </a:ext>
+              </a:extLst>
+            </p:cNvPr>
+            <p:cNvSpPr txBox="1"/>
+            <p:nvPr/>
+          </p:nvSpPr>
+          <p:spPr>
+            <a:xfrm>
+              <a:off x="1441079" y="5391747"/>
+              <a:ext cx="1387320" cy="1200329"/>
+            </a:xfrm>
+            <a:prstGeom prst="rect">
+              <a:avLst/>
+            </a:prstGeom>
+            <a:noFill/>
+          </p:spPr>
+          <p:txBody>
+            <a:bodyPr wrap="square" rtlCol="0">
+              <a:spAutoFit/>
+            </a:bodyPr>
+            <a:lstStyle/>
+            <a:p>
+              <a:pPr algn="r"/>
+              <a:r>
+                <a:rPr lang="en-US" sz="2400" dirty="0" smtClean="0">
+                  <a:solidFill>
+                    <a:srgbClr val="EE9524"/>
+                  </a:solidFill>
+                  <a:latin typeface="Arial" panose="020B0604020202020204" pitchFamily="34" charset="0"/>
+                  <a:cs typeface="Arial" panose="020B0604020202020204" pitchFamily="34" charset="0"/>
+                </a:rPr>
+                <a:t>Khóa và báo động</a:t>
+              </a:r>
+              <a:endParaRPr lang="en-US" sz="2400" dirty="0">
+                <a:solidFill>
+                  <a:srgbClr val="EE9524"/>
+                </a:solidFill>
+                <a:latin typeface="Arial" panose="020B0604020202020204" pitchFamily="34" charset="0"/>
+                <a:cs typeface="Arial" panose="020B0604020202020204" pitchFamily="34" charset="0"/>
+              </a:endParaRPr>
+            </a:p>
+          </p:txBody>
+        </p:sp>
+      </p:grpSp>
+      <p:grpSp>
+        <p:nvGrpSpPr>
+          <p:cNvPr id="24" name="Group 23">
+            <a:extLst>
+              <a:ext uri="{FF2B5EF4-FFF2-40B4-BE49-F238E27FC236}">
+                <a16:creationId xmlns:a16="http://schemas.microsoft.com/office/drawing/2014/main" id="{B3BFFE84-C695-4D53-9EB1-6E3F023237F6}"/>
+              </a:ext>
+            </a:extLst>
+          </p:cNvPr>
+          <p:cNvGrpSpPr/>
+          <p:nvPr/>
+        </p:nvGrpSpPr>
+        <p:grpSpPr>
+          <a:xfrm>
+            <a:off x="4432701" y="2054542"/>
+            <a:ext cx="988771" cy="707135"/>
+            <a:chOff x="4432701" y="2054542"/>
+            <a:chExt cx="988771" cy="707135"/>
+          </a:xfrm>
+        </p:grpSpPr>
+        <p:cxnSp>
+          <p:nvCxnSpPr>
+            <p:cNvPr id="25" name="Straight Connector 24">
+              <a:extLst>
+                <a:ext uri="{FF2B5EF4-FFF2-40B4-BE49-F238E27FC236}">
+                  <a16:creationId xmlns:a16="http://schemas.microsoft.com/office/drawing/2014/main" id="{CDB6677B-8513-496A-A326-EDBAA2BA9403}"/>
+                </a:ext>
+              </a:extLst>
+            </p:cNvPr>
+            <p:cNvCxnSpPr>
+              <a:cxnSpLocks/>
+            </p:cNvCxnSpPr>
+            <p:nvPr/>
+          </p:nvCxnSpPr>
+          <p:spPr>
+            <a:xfrm flipH="1" flipV="1">
+              <a:off x="4902276" y="2054542"/>
+              <a:ext cx="519196" cy="707135"/>
+            </a:xfrm>
+            <a:prstGeom prst="line">
+              <a:avLst/>
+            </a:prstGeom>
+            <a:ln>
+              <a:solidFill>
+                <a:srgbClr val="03A1A4"/>
+              </a:solidFill>
+            </a:ln>
+          </p:spPr>
+          <p:style>
+            <a:lnRef idx="1">
+              <a:schemeClr val="accent1"/>
+            </a:lnRef>
+            <a:fillRef idx="0">
+              <a:schemeClr val="accent1"/>
+            </a:fillRef>
+            <a:effectRef idx="0">
+              <a:schemeClr val="accent1"/>
+            </a:effectRef>
+            <a:fontRef idx="minor">
+              <a:schemeClr val="tx1"/>
+            </a:fontRef>
+          </p:style>
+        </p:cxnSp>
+        <p:cxnSp>
+          <p:nvCxnSpPr>
+            <p:cNvPr id="26" name="Straight Connector 25">
+              <a:extLst>
+                <a:ext uri="{FF2B5EF4-FFF2-40B4-BE49-F238E27FC236}">
+                  <a16:creationId xmlns:a16="http://schemas.microsoft.com/office/drawing/2014/main" id="{3003D7FC-94DB-4EDC-95C4-65A5F513BF89}"/>
+                </a:ext>
+              </a:extLst>
+            </p:cNvPr>
+            <p:cNvCxnSpPr>
+              <a:cxnSpLocks/>
+            </p:cNvCxnSpPr>
+            <p:nvPr/>
+          </p:nvCxnSpPr>
+          <p:spPr>
+            <a:xfrm flipH="1">
+              <a:off x="4432701" y="2056923"/>
+              <a:ext cx="471956" cy="0"/>
+            </a:xfrm>
+            <a:prstGeom prst="line">
+              <a:avLst/>
+            </a:prstGeom>
+            <a:ln>
+              <a:solidFill>
+                <a:srgbClr val="03A1A4"/>
+              </a:solidFill>
+            </a:ln>
+          </p:spPr>
+          <p:style>
+            <a:lnRef idx="1">
+              <a:schemeClr val="accent1"/>
+            </a:lnRef>
+            <a:fillRef idx="0">
+              <a:schemeClr val="accent1"/>
+            </a:fillRef>
+            <a:effectRef idx="0">
+              <a:schemeClr val="accent1"/>
+            </a:effectRef>
+            <a:fontRef idx="minor">
+              <a:schemeClr val="tx1"/>
+            </a:fontRef>
+          </p:style>
+        </p:cxnSp>
+      </p:grpSp>
+      <p:grpSp>
+        <p:nvGrpSpPr>
+          <p:cNvPr id="47" name="Group 46">
+            <a:extLst>
+              <a:ext uri="{FF2B5EF4-FFF2-40B4-BE49-F238E27FC236}">
+                <a16:creationId xmlns:a16="http://schemas.microsoft.com/office/drawing/2014/main" id="{D9DD4B7F-8A71-49A3-BC05-44E26D841E62}"/>
+              </a:ext>
+            </a:extLst>
+          </p:cNvPr>
+          <p:cNvGrpSpPr/>
+          <p:nvPr/>
+        </p:nvGrpSpPr>
+        <p:grpSpPr>
+          <a:xfrm>
+            <a:off x="3017283" y="1409141"/>
+            <a:ext cx="1387320" cy="1150014"/>
+            <a:chOff x="3045381" y="1552263"/>
+            <a:chExt cx="1387320" cy="1150014"/>
+          </a:xfrm>
+        </p:grpSpPr>
+        <p:sp>
+          <p:nvSpPr>
+            <p:cNvPr id="48" name="TextBox 47">
+              <a:extLst>
+                <a:ext uri="{FF2B5EF4-FFF2-40B4-BE49-F238E27FC236}">
+                  <a16:creationId xmlns:a16="http://schemas.microsoft.com/office/drawing/2014/main" id="{C2359718-1C0E-45C6-99D0-A3CB1814E621}"/>
+                </a:ext>
+              </a:extLst>
+            </p:cNvPr>
+            <p:cNvSpPr txBox="1"/>
+            <p:nvPr/>
+          </p:nvSpPr>
+          <p:spPr>
+            <a:xfrm>
+              <a:off x="3707888" y="1552263"/>
+              <a:ext cx="724812" cy="461665"/>
+            </a:xfrm>
+            <a:prstGeom prst="rect">
+              <a:avLst/>
+            </a:prstGeom>
+            <a:noFill/>
+          </p:spPr>
+          <p:txBody>
+            <a:bodyPr wrap="square" rtlCol="0">
+              <a:spAutoFit/>
+            </a:bodyPr>
+            <a:lstStyle/>
+            <a:p>
+              <a:pPr algn="r"/>
+              <a:r>
+                <a:rPr lang="en-US" sz="2400" dirty="0" smtClean="0">
+                  <a:solidFill>
+                    <a:srgbClr val="03A1A4"/>
+                  </a:solidFill>
+                  <a:latin typeface="Tw Cen MT" panose="020B0602020104020603" pitchFamily="34" charset="0"/>
+                </a:rPr>
+                <a:t>03</a:t>
+              </a:r>
+              <a:endParaRPr lang="en-US" sz="2400" dirty="0">
+                <a:solidFill>
+                  <a:srgbClr val="03A1A4"/>
+                </a:solidFill>
+                <a:latin typeface="Tw Cen MT" panose="020B0602020104020603" pitchFamily="34" charset="0"/>
+              </a:endParaRPr>
+            </a:p>
+          </p:txBody>
+        </p:sp>
+        <p:sp>
+          <p:nvSpPr>
+            <p:cNvPr id="49" name="TextBox 48">
+              <a:extLst>
+                <a:ext uri="{FF2B5EF4-FFF2-40B4-BE49-F238E27FC236}">
+                  <a16:creationId xmlns:a16="http://schemas.microsoft.com/office/drawing/2014/main" id="{83347D2D-8F9E-424F-8379-EE81B97BB648}"/>
+                </a:ext>
+              </a:extLst>
+            </p:cNvPr>
+            <p:cNvSpPr txBox="1"/>
+            <p:nvPr/>
+          </p:nvSpPr>
+          <p:spPr>
+            <a:xfrm>
+              <a:off x="3045381" y="1871280"/>
+              <a:ext cx="1387320" cy="830997"/>
+            </a:xfrm>
+            <a:prstGeom prst="rect">
+              <a:avLst/>
+            </a:prstGeom>
+            <a:noFill/>
+          </p:spPr>
+          <p:txBody>
+            <a:bodyPr wrap="square" rtlCol="0">
+              <a:spAutoFit/>
+            </a:bodyPr>
+            <a:lstStyle/>
+            <a:p>
+              <a:pPr algn="r"/>
+              <a:r>
+                <a:rPr lang="en-US" sz="2400" dirty="0" smtClean="0">
+                  <a:solidFill>
+                    <a:srgbClr val="03A1A4"/>
+                  </a:solidFill>
+                  <a:latin typeface="Arial" panose="020B0604020202020204" pitchFamily="34" charset="0"/>
+                  <a:cs typeface="Arial" panose="020B0604020202020204" pitchFamily="34" charset="0"/>
+                </a:rPr>
+                <a:t>Kết nối cáp</a:t>
+              </a:r>
+              <a:endParaRPr lang="en-US" sz="2400" dirty="0">
+                <a:solidFill>
+                  <a:srgbClr val="03A1A4"/>
+                </a:solidFill>
+                <a:latin typeface="Arial" panose="020B0604020202020204" pitchFamily="34" charset="0"/>
+                <a:cs typeface="Arial" panose="020B0604020202020204" pitchFamily="34" charset="0"/>
+              </a:endParaRPr>
+            </a:p>
+          </p:txBody>
+        </p:sp>
+      </p:grpSp>
+      <p:grpSp>
+        <p:nvGrpSpPr>
+          <p:cNvPr id="33" name="Group 32">
+            <a:extLst>
+              <a:ext uri="{FF2B5EF4-FFF2-40B4-BE49-F238E27FC236}">
+                <a16:creationId xmlns:a16="http://schemas.microsoft.com/office/drawing/2014/main" id="{C6E9A218-B141-4BD3-841A-BAB462C9175B}"/>
+              </a:ext>
+            </a:extLst>
+          </p:cNvPr>
+          <p:cNvGrpSpPr/>
+          <p:nvPr/>
+        </p:nvGrpSpPr>
+        <p:grpSpPr>
+          <a:xfrm flipH="1" flipV="1">
+            <a:off x="10110804" y="4528820"/>
+            <a:ext cx="746350" cy="852083"/>
+            <a:chOff x="562344" y="4421195"/>
+            <a:chExt cx="746350" cy="852083"/>
+          </a:xfrm>
+        </p:grpSpPr>
+        <p:cxnSp>
+          <p:nvCxnSpPr>
+            <p:cNvPr id="34" name="Straight Connector 33">
+              <a:extLst>
+                <a:ext uri="{FF2B5EF4-FFF2-40B4-BE49-F238E27FC236}">
+                  <a16:creationId xmlns:a16="http://schemas.microsoft.com/office/drawing/2014/main" id="{F7309261-EAF4-4065-B34C-74D63998B1F8}"/>
+                </a:ext>
+              </a:extLst>
+            </p:cNvPr>
+            <p:cNvCxnSpPr>
+              <a:cxnSpLocks/>
+              <a:stCxn id="14" idx="4"/>
+            </p:cNvCxnSpPr>
+            <p:nvPr/>
+          </p:nvCxnSpPr>
+          <p:spPr>
+            <a:xfrm flipH="1" flipV="1">
+              <a:off x="1107696" y="4421195"/>
+              <a:ext cx="200998" cy="852083"/>
+            </a:xfrm>
+            <a:prstGeom prst="line">
+              <a:avLst/>
+            </a:prstGeom>
+            <a:ln>
+              <a:solidFill>
+                <a:srgbClr val="3F3F3F"/>
+              </a:solidFill>
+            </a:ln>
+          </p:spPr>
+          <p:style>
+            <a:lnRef idx="1">
+              <a:schemeClr val="accent1"/>
+            </a:lnRef>
+            <a:fillRef idx="0">
+              <a:schemeClr val="accent1"/>
+            </a:fillRef>
+            <a:effectRef idx="0">
+              <a:schemeClr val="accent1"/>
+            </a:effectRef>
+            <a:fontRef idx="minor">
+              <a:schemeClr val="tx1"/>
+            </a:fontRef>
+          </p:style>
+        </p:cxnSp>
+        <p:cxnSp>
+          <p:nvCxnSpPr>
+            <p:cNvPr id="35" name="Straight Connector 34">
+              <a:extLst>
+                <a:ext uri="{FF2B5EF4-FFF2-40B4-BE49-F238E27FC236}">
+                  <a16:creationId xmlns:a16="http://schemas.microsoft.com/office/drawing/2014/main" id="{6F2BC3B5-DB71-4C84-AF89-168445886399}"/>
+                </a:ext>
+              </a:extLst>
+            </p:cNvPr>
+            <p:cNvCxnSpPr>
+              <a:cxnSpLocks/>
+            </p:cNvCxnSpPr>
+            <p:nvPr/>
+          </p:nvCxnSpPr>
+          <p:spPr>
+            <a:xfrm flipH="1">
+              <a:off x="562344" y="4434917"/>
+              <a:ext cx="545352" cy="12789"/>
+            </a:xfrm>
+            <a:prstGeom prst="line">
+              <a:avLst/>
+            </a:prstGeom>
+            <a:ln>
+              <a:solidFill>
+                <a:srgbClr val="3F3F3F"/>
+              </a:solidFill>
+            </a:ln>
+          </p:spPr>
+          <p:style>
+            <a:lnRef idx="1">
+              <a:schemeClr val="accent1"/>
+            </a:lnRef>
+            <a:fillRef idx="0">
+              <a:schemeClr val="accent1"/>
+            </a:fillRef>
+            <a:effectRef idx="0">
+              <a:schemeClr val="accent1"/>
+            </a:effectRef>
+            <a:fontRef idx="minor">
+              <a:schemeClr val="tx1"/>
+            </a:fontRef>
+          </p:style>
+        </p:cxnSp>
+      </p:grpSp>
+      <p:grpSp>
+        <p:nvGrpSpPr>
+          <p:cNvPr id="55" name="Group 54">
+            <a:extLst>
+              <a:ext uri="{FF2B5EF4-FFF2-40B4-BE49-F238E27FC236}">
+                <a16:creationId xmlns:a16="http://schemas.microsoft.com/office/drawing/2014/main" id="{948E0E04-F6AD-4204-A734-B8A0EC1E885D}"/>
+              </a:ext>
+            </a:extLst>
+          </p:cNvPr>
+          <p:cNvGrpSpPr/>
+          <p:nvPr/>
+        </p:nvGrpSpPr>
+        <p:grpSpPr>
+          <a:xfrm>
+            <a:off x="10798729" y="4620853"/>
+            <a:ext cx="1393271" cy="1520099"/>
+            <a:chOff x="9999052" y="4076531"/>
+            <a:chExt cx="1393271" cy="1520099"/>
+          </a:xfrm>
+        </p:grpSpPr>
+        <p:sp>
+          <p:nvSpPr>
+            <p:cNvPr id="56" name="TextBox 55">
+              <a:extLst>
+                <a:ext uri="{FF2B5EF4-FFF2-40B4-BE49-F238E27FC236}">
+                  <a16:creationId xmlns:a16="http://schemas.microsoft.com/office/drawing/2014/main" id="{4DD90853-2F30-480A-A4BC-AF61CA243D4E}"/>
+                </a:ext>
+              </a:extLst>
+            </p:cNvPr>
+            <p:cNvSpPr txBox="1"/>
+            <p:nvPr/>
+          </p:nvSpPr>
+          <p:spPr>
+            <a:xfrm>
+              <a:off x="9999052" y="4076531"/>
+              <a:ext cx="724812" cy="461665"/>
+            </a:xfrm>
+            <a:prstGeom prst="rect">
+              <a:avLst/>
+            </a:prstGeom>
+            <a:noFill/>
+          </p:spPr>
+          <p:txBody>
+            <a:bodyPr wrap="square" rtlCol="0">
+              <a:spAutoFit/>
+            </a:bodyPr>
+            <a:lstStyle/>
+            <a:p>
+              <a:r>
+                <a:rPr lang="en-US" sz="2400" dirty="0" smtClean="0">
+                  <a:solidFill>
+                    <a:srgbClr val="3F3F3F"/>
+                  </a:solidFill>
+                  <a:latin typeface="Tw Cen MT" panose="020B0602020104020603" pitchFamily="34" charset="0"/>
+                </a:rPr>
+                <a:t>5</a:t>
+              </a:r>
+              <a:endParaRPr lang="en-US" sz="2400" dirty="0">
+                <a:solidFill>
+                  <a:srgbClr val="3F3F3F"/>
+                </a:solidFill>
+                <a:latin typeface="Tw Cen MT" panose="020B0602020104020603" pitchFamily="34" charset="0"/>
+              </a:endParaRPr>
+            </a:p>
+          </p:txBody>
+        </p:sp>
+        <p:sp>
+          <p:nvSpPr>
+            <p:cNvPr id="57" name="TextBox 56">
+              <a:extLst>
+                <a:ext uri="{FF2B5EF4-FFF2-40B4-BE49-F238E27FC236}">
+                  <a16:creationId xmlns:a16="http://schemas.microsoft.com/office/drawing/2014/main" id="{13DF5F7D-8517-4858-B26A-117AEF6AD00D}"/>
+                </a:ext>
+              </a:extLst>
+            </p:cNvPr>
+            <p:cNvSpPr txBox="1"/>
+            <p:nvPr/>
+          </p:nvSpPr>
+          <p:spPr>
+            <a:xfrm>
+              <a:off x="10005003" y="4396301"/>
+              <a:ext cx="1387320" cy="1200329"/>
+            </a:xfrm>
+            <a:prstGeom prst="rect">
+              <a:avLst/>
+            </a:prstGeom>
+            <a:noFill/>
+          </p:spPr>
+          <p:txBody>
+            <a:bodyPr wrap="square" rtlCol="0">
+              <a:spAutoFit/>
+            </a:bodyPr>
+            <a:lstStyle/>
+            <a:p>
+              <a:r>
+                <a:rPr lang="en-US" sz="2400" dirty="0" smtClean="0">
+                  <a:solidFill>
+                    <a:srgbClr val="3F3F3F"/>
+                  </a:solidFill>
+                  <a:latin typeface="Arial" panose="020B0604020202020204" pitchFamily="34" charset="0"/>
+                  <a:cs typeface="Arial" panose="020B0604020202020204" pitchFamily="34" charset="0"/>
+                </a:rPr>
+                <a:t>Mở khóa thành công</a:t>
+              </a:r>
+              <a:endParaRPr lang="en-US" sz="2400" dirty="0">
+                <a:solidFill>
+                  <a:srgbClr val="3F3F3F"/>
+                </a:solidFill>
+                <a:latin typeface="Arial" panose="020B0604020202020204" pitchFamily="34" charset="0"/>
+                <a:cs typeface="Arial" panose="020B0604020202020204" pitchFamily="34" charset="0"/>
+              </a:endParaRPr>
+            </a:p>
+          </p:txBody>
+        </p:sp>
+      </p:grpSp>
+      <p:grpSp>
+        <p:nvGrpSpPr>
+          <p:cNvPr id="36" name="Group 35">
+            <a:extLst>
+              <a:ext uri="{FF2B5EF4-FFF2-40B4-BE49-F238E27FC236}">
+                <a16:creationId xmlns:a16="http://schemas.microsoft.com/office/drawing/2014/main" id="{B1ACE9A5-0AAC-4005-87FD-533CB273E3AF}"/>
+              </a:ext>
+            </a:extLst>
+          </p:cNvPr>
+          <p:cNvGrpSpPr/>
+          <p:nvPr/>
+        </p:nvGrpSpPr>
+        <p:grpSpPr>
+          <a:xfrm flipH="1">
+            <a:off x="7946714" y="2035391"/>
+            <a:ext cx="803471" cy="1854469"/>
+            <a:chOff x="1642109" y="2771960"/>
+            <a:chExt cx="430045" cy="992570"/>
+          </a:xfrm>
+        </p:grpSpPr>
+        <p:cxnSp>
+          <p:nvCxnSpPr>
+            <p:cNvPr id="37" name="Straight Connector 36">
+              <a:extLst>
+                <a:ext uri="{FF2B5EF4-FFF2-40B4-BE49-F238E27FC236}">
+                  <a16:creationId xmlns:a16="http://schemas.microsoft.com/office/drawing/2014/main" id="{BEBF1710-C0A2-443D-9E66-877BD8FA726A}"/>
+                </a:ext>
+              </a:extLst>
+            </p:cNvPr>
+            <p:cNvCxnSpPr>
+              <a:cxnSpLocks/>
+              <a:stCxn id="13" idx="0"/>
+            </p:cNvCxnSpPr>
+            <p:nvPr/>
+          </p:nvCxnSpPr>
+          <p:spPr>
+            <a:xfrm flipH="1" flipV="1">
+              <a:off x="1909334" y="2771960"/>
+              <a:ext cx="162820" cy="992570"/>
+            </a:xfrm>
+            <a:prstGeom prst="line">
+              <a:avLst/>
+            </a:prstGeom>
+            <a:ln>
+              <a:solidFill>
+                <a:srgbClr val="385723"/>
+              </a:solidFill>
+            </a:ln>
+          </p:spPr>
+          <p:style>
+            <a:lnRef idx="1">
+              <a:schemeClr val="accent1"/>
+            </a:lnRef>
+            <a:fillRef idx="0">
+              <a:schemeClr val="accent1"/>
+            </a:fillRef>
+            <a:effectRef idx="0">
+              <a:schemeClr val="accent1"/>
+            </a:effectRef>
+            <a:fontRef idx="minor">
+              <a:schemeClr val="tx1"/>
+            </a:fontRef>
+          </p:style>
+        </p:cxnSp>
+        <p:cxnSp>
+          <p:nvCxnSpPr>
+            <p:cNvPr id="38" name="Straight Connector 37">
+              <a:extLst>
+                <a:ext uri="{FF2B5EF4-FFF2-40B4-BE49-F238E27FC236}">
+                  <a16:creationId xmlns:a16="http://schemas.microsoft.com/office/drawing/2014/main" id="{D25F5471-E0F2-4736-A975-B0CD1D80AA97}"/>
+                </a:ext>
+              </a:extLst>
+            </p:cNvPr>
+            <p:cNvCxnSpPr>
+              <a:cxnSpLocks/>
+            </p:cNvCxnSpPr>
+            <p:nvPr/>
+          </p:nvCxnSpPr>
+          <p:spPr>
+            <a:xfrm flipH="1">
+              <a:off x="1642109" y="2773093"/>
+              <a:ext cx="267874" cy="0"/>
+            </a:xfrm>
+            <a:prstGeom prst="line">
+              <a:avLst/>
+            </a:prstGeom>
+            <a:ln>
+              <a:solidFill>
+                <a:srgbClr val="385723"/>
+              </a:solidFill>
+            </a:ln>
+          </p:spPr>
+          <p:style>
+            <a:lnRef idx="1">
+              <a:schemeClr val="accent1"/>
+            </a:lnRef>
+            <a:fillRef idx="0">
+              <a:schemeClr val="accent1"/>
+            </a:fillRef>
+            <a:effectRef idx="0">
+              <a:schemeClr val="accent1"/>
+            </a:effectRef>
+            <a:fontRef idx="minor">
+              <a:schemeClr val="tx1"/>
+            </a:fontRef>
+          </p:style>
+        </p:cxnSp>
+      </p:grpSp>
+      <p:grpSp>
+        <p:nvGrpSpPr>
+          <p:cNvPr id="59" name="Group 58">
+            <a:extLst>
+              <a:ext uri="{FF2B5EF4-FFF2-40B4-BE49-F238E27FC236}">
+                <a16:creationId xmlns:a16="http://schemas.microsoft.com/office/drawing/2014/main" id="{4B33EF84-99D9-4E3D-98A7-243B4B204E8F}"/>
+              </a:ext>
+            </a:extLst>
+          </p:cNvPr>
+          <p:cNvGrpSpPr/>
+          <p:nvPr/>
+        </p:nvGrpSpPr>
+        <p:grpSpPr>
+          <a:xfrm>
+            <a:off x="8732032" y="1333393"/>
+            <a:ext cx="1839459" cy="1520099"/>
+            <a:chOff x="8426780" y="1700156"/>
+            <a:chExt cx="1393271" cy="1520099"/>
+          </a:xfrm>
+        </p:grpSpPr>
+        <p:sp>
+          <p:nvSpPr>
+            <p:cNvPr id="60" name="TextBox 59">
+              <a:extLst>
+                <a:ext uri="{FF2B5EF4-FFF2-40B4-BE49-F238E27FC236}">
+                  <a16:creationId xmlns:a16="http://schemas.microsoft.com/office/drawing/2014/main" id="{3E41AE78-9E30-4CD4-9440-DE30C5519E6F}"/>
+                </a:ext>
+              </a:extLst>
+            </p:cNvPr>
+            <p:cNvSpPr txBox="1"/>
+            <p:nvPr/>
+          </p:nvSpPr>
+          <p:spPr>
+            <a:xfrm>
+              <a:off x="8426780" y="1700156"/>
+              <a:ext cx="724812" cy="461665"/>
+            </a:xfrm>
+            <a:prstGeom prst="rect">
+              <a:avLst/>
+            </a:prstGeom>
+            <a:noFill/>
+          </p:spPr>
+          <p:txBody>
+            <a:bodyPr wrap="square" rtlCol="0">
+              <a:spAutoFit/>
+            </a:bodyPr>
+            <a:lstStyle/>
+            <a:p>
+              <a:r>
+                <a:rPr lang="en-US" sz="2400" dirty="0" smtClean="0">
+                  <a:solidFill>
+                    <a:srgbClr val="385723"/>
+                  </a:solidFill>
+                  <a:latin typeface="Tw Cen MT" panose="020B0602020104020603" pitchFamily="34" charset="0"/>
+                </a:rPr>
+                <a:t>04</a:t>
+              </a:r>
+              <a:endParaRPr lang="en-US" sz="2400" dirty="0">
+                <a:solidFill>
+                  <a:srgbClr val="385723"/>
+                </a:solidFill>
+                <a:latin typeface="Tw Cen MT" panose="020B0602020104020603" pitchFamily="34" charset="0"/>
+              </a:endParaRPr>
+            </a:p>
+          </p:txBody>
+        </p:sp>
+        <p:sp>
+          <p:nvSpPr>
+            <p:cNvPr id="61" name="TextBox 60">
+              <a:extLst>
+                <a:ext uri="{FF2B5EF4-FFF2-40B4-BE49-F238E27FC236}">
+                  <a16:creationId xmlns:a16="http://schemas.microsoft.com/office/drawing/2014/main" id="{DBF60901-7459-4FFF-BFAB-332F5872E18A}"/>
+                </a:ext>
+              </a:extLst>
+            </p:cNvPr>
+            <p:cNvSpPr txBox="1"/>
+            <p:nvPr/>
+          </p:nvSpPr>
+          <p:spPr>
+            <a:xfrm>
+              <a:off x="8432731" y="2019926"/>
+              <a:ext cx="1387320" cy="1200329"/>
+            </a:xfrm>
+            <a:prstGeom prst="rect">
+              <a:avLst/>
+            </a:prstGeom>
+            <a:noFill/>
+          </p:spPr>
+          <p:txBody>
+            <a:bodyPr wrap="square" rtlCol="0">
+              <a:spAutoFit/>
+            </a:bodyPr>
+            <a:lstStyle/>
+            <a:p>
+              <a:r>
+                <a:rPr lang="en-US" sz="2400" dirty="0" smtClean="0">
+                  <a:solidFill>
+                    <a:srgbClr val="385723"/>
+                  </a:solidFill>
+                  <a:latin typeface="Arial" panose="020B0604020202020204" pitchFamily="34" charset="0"/>
+                  <a:cs typeface="Arial" panose="020B0604020202020204" pitchFamily="34" charset="0"/>
+                </a:rPr>
+                <a:t>Yêu cầu mật khẩu</a:t>
+              </a:r>
+              <a:endParaRPr lang="en-US" sz="2400" dirty="0">
+                <a:solidFill>
+                  <a:srgbClr val="385723"/>
+                </a:solidFill>
+                <a:latin typeface="Arial" panose="020B0604020202020204" pitchFamily="34" charset="0"/>
+                <a:cs typeface="Arial" panose="020B0604020202020204" pitchFamily="34" charset="0"/>
+              </a:endParaRPr>
+            </a:p>
+          </p:txBody>
+        </p:sp>
+      </p:grpSp>
+      <p:grpSp>
+        <p:nvGrpSpPr>
+          <p:cNvPr id="74" name="Group 73"/>
+          <p:cNvGrpSpPr/>
+          <p:nvPr/>
+        </p:nvGrpSpPr>
+        <p:grpSpPr>
+          <a:xfrm>
+            <a:off x="7048092" y="3889862"/>
+            <a:ext cx="1797206" cy="1797206"/>
+            <a:chOff x="6559593" y="3663215"/>
+            <a:chExt cx="1151673" cy="1151673"/>
+          </a:xfrm>
+          <a:effectLst>
+            <a:outerShdw blurRad="50800" dist="38100" dir="5400000" algn="t" rotWithShape="0">
+              <a:prstClr val="black">
+                <a:alpha val="40000"/>
+              </a:prstClr>
+            </a:outerShdw>
+          </a:effectLst>
+        </p:grpSpPr>
+        <p:sp>
+          <p:nvSpPr>
+            <p:cNvPr id="13" name="Oval 12">
+              <a:extLst>
+                <a:ext uri="{FF2B5EF4-FFF2-40B4-BE49-F238E27FC236}">
+                  <a16:creationId xmlns:a16="http://schemas.microsoft.com/office/drawing/2014/main" id="{69F6674A-9F6A-4ECF-8B1A-B5CD331C63F8}"/>
+                </a:ext>
+              </a:extLst>
+            </p:cNvPr>
+            <p:cNvSpPr/>
+            <p:nvPr/>
+          </p:nvSpPr>
+          <p:spPr>
+            <a:xfrm>
+              <a:off x="6559593" y="3663215"/>
+              <a:ext cx="1151673" cy="1151673"/>
+            </a:xfrm>
+            <a:prstGeom prst="ellipse">
+              <a:avLst/>
+            </a:prstGeom>
+            <a:solidFill>
+              <a:schemeClr val="accent6">
+                <a:lumMod val="20000"/>
+                <a:lumOff val="80000"/>
+              </a:schemeClr>
+            </a:solidFill>
+            <a:ln>
+              <a:solidFill>
+                <a:srgbClr val="385723"/>
+              </a:solidFill>
+            </a:ln>
+          </p:spPr>
+          <p:style>
+            <a:lnRef idx="2">
+              <a:schemeClr val="accent1">
+                <a:shade val="50000"/>
+              </a:schemeClr>
+            </a:lnRef>
+            <a:fillRef idx="1">
+              <a:schemeClr val="accent1"/>
+            </a:fillRef>
+            <a:effectRef idx="0">
+              <a:schemeClr val="accent1"/>
+            </a:effectRef>
+            <a:fontRef idx="minor">
+              <a:schemeClr val="lt1"/>
+            </a:fontRef>
+          </p:style>
+          <p:txBody>
+            <a:bodyPr rtlCol="0" anchor="ctr"/>
+            <a:lstStyle/>
+            <a:p>
+              <a:pPr algn="ctr"/>
+              <a:endParaRPr lang="en-US"/>
+            </a:p>
+          </p:txBody>
+        </p:sp>
+        <p:pic>
+          <p:nvPicPr>
+            <p:cNvPr id="69" name="Picture 68"/>
+            <p:cNvPicPr>
+              <a:picLocks noChangeAspect="1"/>
+            </p:cNvPicPr>
+            <p:nvPr/>
+          </p:nvPicPr>
+          <p:blipFill>
+            <a:blip r:embed="rId3">
+              <a:extLst>
+                <a:ext uri="{28A0092B-C50C-407E-A947-70E740481C1C}">
+                  <a14:useLocalDpi xmlns:a14="http://schemas.microsoft.com/office/drawing/2010/main" val="0"/>
+                </a:ext>
+              </a:extLst>
+            </a:blip>
+            <a:stretch>
+              <a:fillRect/>
+            </a:stretch>
+          </p:blipFill>
+          <p:spPr>
+            <a:xfrm>
+              <a:off x="6875307" y="3888292"/>
+              <a:ext cx="467615" cy="774131"/>
+            </a:xfrm>
+            <a:prstGeom prst="rect">
+              <a:avLst/>
+            </a:prstGeom>
+          </p:spPr>
+        </p:pic>
+      </p:grpSp>
+      <p:grpSp>
+        <p:nvGrpSpPr>
+          <p:cNvPr id="16" name="Group 15"/>
+          <p:cNvGrpSpPr/>
+          <p:nvPr/>
+        </p:nvGrpSpPr>
+        <p:grpSpPr>
+          <a:xfrm>
+            <a:off x="1186746" y="2695442"/>
+            <a:ext cx="1750139" cy="1750139"/>
+            <a:chOff x="1186746" y="2695442"/>
+            <a:chExt cx="1750139" cy="1750139"/>
+          </a:xfrm>
+        </p:grpSpPr>
+        <p:sp>
+          <p:nvSpPr>
+            <p:cNvPr id="10" name="Oval 9">
+              <a:extLst>
+                <a:ext uri="{FF2B5EF4-FFF2-40B4-BE49-F238E27FC236}">
+                  <a16:creationId xmlns:a16="http://schemas.microsoft.com/office/drawing/2014/main" id="{6E22B37A-CCC7-4E5B-82F9-79A278CAA082}"/>
+                </a:ext>
+              </a:extLst>
+            </p:cNvPr>
+            <p:cNvSpPr/>
+            <p:nvPr/>
+          </p:nvSpPr>
+          <p:spPr>
+            <a:xfrm>
+              <a:off x="1186746" y="2695442"/>
+              <a:ext cx="1750139" cy="1750139"/>
+            </a:xfrm>
+            <a:prstGeom prst="ellipse">
+              <a:avLst/>
+            </a:prstGeom>
+            <a:solidFill>
+              <a:schemeClr val="accent6">
+                <a:lumMod val="20000"/>
+                <a:lumOff val="80000"/>
+              </a:schemeClr>
+            </a:solidFill>
+            <a:ln>
+              <a:solidFill>
+                <a:srgbClr val="F25892"/>
+              </a:solidFill>
+            </a:ln>
+            <a:effectLst>
+              <a:outerShdw blurRad="50800" dist="38100" dir="2700000" algn="tl" rotWithShape="0">
+                <a:prstClr val="black">
+                  <a:alpha val="40000"/>
+                </a:prstClr>
+              </a:outerShdw>
+            </a:effectLst>
+          </p:spPr>
+          <p:style>
+            <a:lnRef idx="2">
+              <a:schemeClr val="accent1">
+                <a:shade val="50000"/>
+              </a:schemeClr>
+            </a:lnRef>
+            <a:fillRef idx="1">
+              <a:schemeClr val="accent1"/>
+            </a:fillRef>
+            <a:effectRef idx="0">
+              <a:schemeClr val="accent1"/>
+            </a:effectRef>
+            <a:fontRef idx="minor">
+              <a:schemeClr val="lt1"/>
+            </a:fontRef>
+          </p:style>
+          <p:txBody>
+            <a:bodyPr rtlCol="0" anchor="ctr"/>
+            <a:lstStyle/>
+            <a:p>
+              <a:pPr algn="ctr"/>
+              <a:endParaRPr lang="en-US"/>
+            </a:p>
+          </p:txBody>
+        </p:sp>
+        <p:pic>
+          <p:nvPicPr>
+            <p:cNvPr id="58" name="Picture 57"/>
+            <p:cNvPicPr>
+              <a:picLocks noChangeAspect="1"/>
+            </p:cNvPicPr>
+            <p:nvPr/>
+          </p:nvPicPr>
+          <p:blipFill>
+            <a:blip r:embed="rId4">
+              <a:extLst>
+                <a:ext uri="{28A0092B-C50C-407E-A947-70E740481C1C}">
+                  <a14:useLocalDpi xmlns:a14="http://schemas.microsoft.com/office/drawing/2010/main" val="0"/>
+                </a:ext>
+              </a:extLst>
+            </a:blip>
+            <a:stretch>
+              <a:fillRect/>
+            </a:stretch>
+          </p:blipFill>
+          <p:spPr>
+            <a:xfrm>
+              <a:off x="1694709" y="2987746"/>
+              <a:ext cx="1128643" cy="1370788"/>
+            </a:xfrm>
+            <a:prstGeom prst="rect">
+              <a:avLst/>
+            </a:prstGeom>
+          </p:spPr>
+        </p:pic>
+      </p:grpSp>
+      <p:grpSp>
+        <p:nvGrpSpPr>
+          <p:cNvPr id="18" name="Group 17"/>
+          <p:cNvGrpSpPr/>
+          <p:nvPr/>
+        </p:nvGrpSpPr>
+        <p:grpSpPr>
+          <a:xfrm>
+            <a:off x="4926499" y="2649873"/>
+            <a:ext cx="1946175" cy="1946175"/>
+            <a:chOff x="4926499" y="2649873"/>
+            <a:chExt cx="1946175" cy="1946175"/>
+          </a:xfrm>
+        </p:grpSpPr>
+        <p:sp>
+          <p:nvSpPr>
+            <p:cNvPr id="12" name="Oval 11">
+              <a:extLst>
+                <a:ext uri="{FF2B5EF4-FFF2-40B4-BE49-F238E27FC236}">
+                  <a16:creationId xmlns:a16="http://schemas.microsoft.com/office/drawing/2014/main" id="{BC59DA09-2750-4F0C-898C-08F0F54C4ACB}"/>
+                </a:ext>
+              </a:extLst>
+            </p:cNvPr>
+            <p:cNvSpPr/>
+            <p:nvPr/>
+          </p:nvSpPr>
+          <p:spPr>
+            <a:xfrm>
+              <a:off x="4926499" y="2649873"/>
+              <a:ext cx="1946175" cy="1946175"/>
+            </a:xfrm>
+            <a:prstGeom prst="ellipse">
+              <a:avLst/>
+            </a:prstGeom>
+            <a:solidFill>
+              <a:schemeClr val="accent6">
+                <a:lumMod val="20000"/>
+                <a:lumOff val="80000"/>
+              </a:schemeClr>
+            </a:solidFill>
+            <a:ln>
+              <a:solidFill>
+                <a:srgbClr val="03A1A4"/>
+              </a:solidFill>
+            </a:ln>
+          </p:spPr>
+          <p:style>
+            <a:lnRef idx="2">
+              <a:schemeClr val="accent1"/>
+            </a:lnRef>
+            <a:fillRef idx="1">
+              <a:schemeClr val="lt1"/>
+            </a:fillRef>
+            <a:effectRef idx="0">
+              <a:schemeClr val="accent1"/>
+            </a:effectRef>
+            <a:fontRef idx="minor">
+              <a:schemeClr val="dk1"/>
+            </a:fontRef>
+          </p:style>
+          <p:txBody>
+            <a:bodyPr rtlCol="0" anchor="ctr"/>
+            <a:lstStyle/>
+            <a:p>
+              <a:pPr algn="ctr"/>
+              <a:endParaRPr lang="en-US"/>
+            </a:p>
+          </p:txBody>
+        </p:sp>
+        <p:pic>
+          <p:nvPicPr>
+            <p:cNvPr id="63" name="Picture 62"/>
+            <p:cNvPicPr>
+              <a:picLocks noChangeAspect="1"/>
+            </p:cNvPicPr>
+            <p:nvPr/>
+          </p:nvPicPr>
+          <p:blipFill>
+            <a:blip r:embed="rId5">
+              <a:extLst>
+                <a:ext uri="{28A0092B-C50C-407E-A947-70E740481C1C}">
+                  <a14:useLocalDpi xmlns:a14="http://schemas.microsoft.com/office/drawing/2010/main" val="0"/>
+                </a:ext>
+              </a:extLst>
+            </a:blip>
+            <a:stretch>
+              <a:fillRect/>
+            </a:stretch>
+          </p:blipFill>
+          <p:spPr>
+            <a:xfrm>
+              <a:off x="5488417" y="2962625"/>
+              <a:ext cx="1298836" cy="1577495"/>
+            </a:xfrm>
+            <a:prstGeom prst="rect">
+              <a:avLst/>
+            </a:prstGeom>
+          </p:spPr>
+        </p:pic>
+      </p:grpSp>
+      <p:grpSp>
+        <p:nvGrpSpPr>
+          <p:cNvPr id="20" name="Group 19"/>
+          <p:cNvGrpSpPr/>
+          <p:nvPr/>
+        </p:nvGrpSpPr>
+        <p:grpSpPr>
+          <a:xfrm>
+            <a:off x="3088595" y="3799715"/>
+            <a:ext cx="1736932" cy="1736932"/>
+            <a:chOff x="3088595" y="3799715"/>
+            <a:chExt cx="1736932" cy="1736932"/>
+          </a:xfrm>
+        </p:grpSpPr>
+        <p:sp>
+          <p:nvSpPr>
+            <p:cNvPr id="11" name="Oval 10">
+              <a:extLst>
+                <a:ext uri="{FF2B5EF4-FFF2-40B4-BE49-F238E27FC236}">
+                  <a16:creationId xmlns:a16="http://schemas.microsoft.com/office/drawing/2014/main" id="{788C3841-127A-479B-94BD-220B2EDCAB6E}"/>
+                </a:ext>
+              </a:extLst>
+            </p:cNvPr>
+            <p:cNvSpPr/>
+            <p:nvPr/>
+          </p:nvSpPr>
+          <p:spPr>
+            <a:xfrm>
+              <a:off x="3088595" y="3799715"/>
+              <a:ext cx="1736932" cy="1736932"/>
+            </a:xfrm>
+            <a:prstGeom prst="ellipse">
+              <a:avLst/>
+            </a:prstGeom>
+            <a:solidFill>
+              <a:schemeClr val="accent6">
+                <a:lumMod val="20000"/>
+                <a:lumOff val="80000"/>
+              </a:schemeClr>
+            </a:solidFill>
+            <a:ln w="19050">
+              <a:solidFill>
+                <a:srgbClr val="EE9524"/>
+              </a:solidFill>
+            </a:ln>
+            <a:effectLst>
+              <a:outerShdw blurRad="50800" dist="38100" dir="2700000" algn="tl" rotWithShape="0">
+                <a:prstClr val="black">
+                  <a:alpha val="40000"/>
+                </a:prstClr>
+              </a:outerShdw>
+            </a:effectLst>
+          </p:spPr>
+          <p:style>
+            <a:lnRef idx="2">
+              <a:schemeClr val="accent1">
+                <a:shade val="50000"/>
+              </a:schemeClr>
+            </a:lnRef>
+            <a:fillRef idx="1">
+              <a:schemeClr val="accent1"/>
+            </a:fillRef>
+            <a:effectRef idx="0">
+              <a:schemeClr val="accent1"/>
+            </a:effectRef>
+            <a:fontRef idx="minor">
+              <a:schemeClr val="lt1"/>
+            </a:fontRef>
+          </p:style>
+          <p:txBody>
+            <a:bodyPr rtlCol="0" anchor="ctr"/>
+            <a:lstStyle/>
+            <a:p>
+              <a:pPr algn="ctr"/>
+              <a:endParaRPr lang="en-US"/>
+            </a:p>
+          </p:txBody>
+        </p:sp>
+        <p:pic>
+          <p:nvPicPr>
+            <p:cNvPr id="19" name="Picture 18"/>
+            <p:cNvPicPr>
+              <a:picLocks noChangeAspect="1"/>
+            </p:cNvPicPr>
+            <p:nvPr/>
+          </p:nvPicPr>
+          <p:blipFill>
+            <a:blip r:embed="rId6">
+              <a:extLst>
+                <a:ext uri="{28A0092B-C50C-407E-A947-70E740481C1C}">
+                  <a14:useLocalDpi xmlns:a14="http://schemas.microsoft.com/office/drawing/2010/main" val="0"/>
+                </a:ext>
+              </a:extLst>
+            </a:blip>
+            <a:stretch>
+              <a:fillRect/>
+            </a:stretch>
+          </p:blipFill>
+          <p:spPr>
+            <a:xfrm>
+              <a:off x="3408383" y="4027030"/>
+              <a:ext cx="1122794" cy="1406577"/>
+            </a:xfrm>
+            <a:prstGeom prst="rect">
+              <a:avLst/>
+            </a:prstGeom>
+          </p:spPr>
+        </p:pic>
+      </p:grpSp>
+      <p:grpSp>
+        <p:nvGrpSpPr>
+          <p:cNvPr id="31" name="Group 30"/>
+          <p:cNvGrpSpPr/>
+          <p:nvPr/>
+        </p:nvGrpSpPr>
+        <p:grpSpPr>
+          <a:xfrm>
+            <a:off x="9152494" y="2612201"/>
+            <a:ext cx="1916619" cy="1916619"/>
+            <a:chOff x="9152494" y="2612201"/>
+            <a:chExt cx="1916619" cy="1916619"/>
+          </a:xfrm>
+        </p:grpSpPr>
+        <p:sp>
+          <p:nvSpPr>
+            <p:cNvPr id="14" name="Oval 13">
+              <a:extLst>
+                <a:ext uri="{FF2B5EF4-FFF2-40B4-BE49-F238E27FC236}">
+                  <a16:creationId xmlns:a16="http://schemas.microsoft.com/office/drawing/2014/main" id="{3F5A07E2-72FE-479E-9CC4-3AE297809FA7}"/>
+                </a:ext>
+              </a:extLst>
+            </p:cNvPr>
+            <p:cNvSpPr/>
+            <p:nvPr/>
+          </p:nvSpPr>
+          <p:spPr>
+            <a:xfrm>
+              <a:off x="9152494" y="2612201"/>
+              <a:ext cx="1916619" cy="1916619"/>
+            </a:xfrm>
+            <a:prstGeom prst="ellipse">
+              <a:avLst/>
+            </a:prstGeom>
+            <a:solidFill>
+              <a:schemeClr val="accent6">
+                <a:lumMod val="20000"/>
+                <a:lumOff val="80000"/>
+              </a:schemeClr>
+            </a:solidFill>
+            <a:ln>
+              <a:solidFill>
+                <a:srgbClr val="3F3F3F"/>
+              </a:solidFill>
+            </a:ln>
+            <a:effectLst>
+              <a:outerShdw blurRad="50800" dist="38100" dir="5400000" algn="t" rotWithShape="0">
+                <a:prstClr val="black">
+                  <a:alpha val="40000"/>
+                </a:prstClr>
+              </a:outerShdw>
+            </a:effectLst>
+          </p:spPr>
+          <p:style>
+            <a:lnRef idx="2">
+              <a:schemeClr val="accent1">
+                <a:shade val="50000"/>
+              </a:schemeClr>
+            </a:lnRef>
+            <a:fillRef idx="1">
+              <a:schemeClr val="accent1"/>
+            </a:fillRef>
+            <a:effectRef idx="0">
+              <a:schemeClr val="accent1"/>
+            </a:effectRef>
+            <a:fontRef idx="minor">
+              <a:schemeClr val="lt1"/>
+            </a:fontRef>
+          </p:style>
+          <p:txBody>
+            <a:bodyPr rtlCol="0" anchor="ctr"/>
+            <a:lstStyle/>
+            <a:p>
+              <a:pPr algn="ctr"/>
+              <a:endParaRPr lang="en-US"/>
+            </a:p>
+          </p:txBody>
+        </p:sp>
+        <p:pic>
+          <p:nvPicPr>
+            <p:cNvPr id="30" name="Picture 29"/>
+            <p:cNvPicPr>
+              <a:picLocks noChangeAspect="1"/>
+            </p:cNvPicPr>
+            <p:nvPr/>
+          </p:nvPicPr>
+          <p:blipFill>
+            <a:blip r:embed="rId7">
+              <a:extLst>
+                <a:ext uri="{28A0092B-C50C-407E-A947-70E740481C1C}">
+                  <a14:useLocalDpi xmlns:a14="http://schemas.microsoft.com/office/drawing/2010/main" val="0"/>
+                </a:ext>
+              </a:extLst>
+            </a:blip>
+            <a:stretch>
+              <a:fillRect/>
+            </a:stretch>
+          </p:blipFill>
+          <p:spPr>
+            <a:xfrm>
+              <a:off x="9503474" y="2826904"/>
+              <a:ext cx="1272685" cy="1414371"/>
+            </a:xfrm>
+            <a:prstGeom prst="rect">
+              <a:avLst/>
+            </a:prstGeom>
+          </p:spPr>
+        </p:pic>
+      </p:grpSp>
+    </p:spTree>
+    <p:extLst>
+      <p:ext uri="{BB962C8B-B14F-4D97-AF65-F5344CB8AC3E}">
+        <p14:creationId xmlns:p14="http://schemas.microsoft.com/office/powerpoint/2010/main" val="1514136468"/>
+      </p:ext>
+    </p:extLst>
+  </p:cSld>
+  <p:clrMapOvr>
+    <a:masterClrMapping/>
+  </p:clrMapOvr>
+  <p:transition spd="slow">
+    <p:push dir="u"/>
+  </p:transition>
+  <p:timing>
+    <p:tnLst>
+      <p:par>
+        <p:cTn id="1" dur="indefinite" restart="never" nodeType="tmRoot">
+          <p:childTnLst>
+            <p:seq concurrent="1" nextAc="seek">
+              <p:cTn id="2" dur="indefinite" nodeType="mainSeq">
+                <p:childTnLst>
+                  <p:par>
+                    <p:cTn id="3" fill="hold">
+                      <p:stCondLst>
+                        <p:cond delay="indefinite"/>
+                        <p:cond evt="onBegin" delay="0">
+                          <p:tn val="2"/>
+                        </p:cond>
+                      </p:stCondLst>
+                      <p:childTnLst>
+                        <p:par>
+                          <p:cTn id="4" fill="hold">
+                            <p:stCondLst>
+                              <p:cond delay="0"/>
+                            </p:stCondLst>
+                            <p:childTnLst>
+                              <p:par>
+                                <p:cTn id="5" presetID="22" presetClass="entr" presetSubtype="4" fill="hold" nodeType="afterEffect">
+                                  <p:stCondLst>
+                                    <p:cond delay="0"/>
+                                  </p:stCondLst>
+                                  <p:childTnLst>
+                                    <p:set>
+                                      <p:cBhvr>
+                                        <p:cTn id="6" dur="1" fill="hold">
+                                          <p:stCondLst>
+                                            <p:cond delay="0"/>
+                                          </p:stCondLst>
+                                        </p:cTn>
+                                        <p:tgtEl>
+                                          <p:spTgt spid="39"/>
+                                        </p:tgtEl>
+                                        <p:attrNameLst>
+                                          <p:attrName>style.visibility</p:attrName>
+                                        </p:attrNameLst>
+                                      </p:cBhvr>
+                                      <p:to>
+                                        <p:strVal val="visible"/>
+                                      </p:to>
+                                    </p:set>
+                                    <p:animEffect transition="in" filter="wipe(down)">
+                                      <p:cBhvr>
+                                        <p:cTn id="7" dur="500"/>
+                                        <p:tgtEl>
+                                          <p:spTgt spid="39"/>
+                                        </p:tgtEl>
+                                      </p:cBhvr>
+                                    </p:animEffect>
+                                  </p:childTnLst>
+                                </p:cTn>
+                              </p:par>
+                            </p:childTnLst>
+                          </p:cTn>
+                        </p:par>
+                        <p:par>
+                          <p:cTn id="8" fill="hold">
+                            <p:stCondLst>
+                              <p:cond delay="500"/>
+                            </p:stCondLst>
+                            <p:childTnLst>
+                              <p:par>
+                                <p:cTn id="9" presetID="22" presetClass="entr" presetSubtype="8" fill="hold" nodeType="afterEffect">
+                                  <p:stCondLst>
+                                    <p:cond delay="0"/>
+                                  </p:stCondLst>
+                                  <p:childTnLst>
+                                    <p:set>
+                                      <p:cBhvr>
+                                        <p:cTn id="10" dur="1" fill="hold">
+                                          <p:stCondLst>
+                                            <p:cond delay="0"/>
+                                          </p:stCondLst>
+                                        </p:cTn>
+                                        <p:tgtEl>
+                                          <p:spTgt spid="21"/>
+                                        </p:tgtEl>
+                                        <p:attrNameLst>
+                                          <p:attrName>style.visibility</p:attrName>
+                                        </p:attrNameLst>
+                                      </p:cBhvr>
+                                      <p:to>
+                                        <p:strVal val="visible"/>
+                                      </p:to>
+                                    </p:set>
+                                    <p:animEffect transition="in" filter="wipe(left)">
+                                      <p:cBhvr>
+                                        <p:cTn id="11" dur="500"/>
+                                        <p:tgtEl>
+                                          <p:spTgt spid="21"/>
+                                        </p:tgtEl>
+                                      </p:cBhvr>
+                                    </p:animEffect>
+                                  </p:childTnLst>
+                                </p:cTn>
+                              </p:par>
+                            </p:childTnLst>
+                          </p:cTn>
+                        </p:par>
+                        <p:par>
+                          <p:cTn id="12" fill="hold">
+                            <p:stCondLst>
+                              <p:cond delay="1000"/>
+                            </p:stCondLst>
+                            <p:childTnLst>
+                              <p:par>
+                                <p:cTn id="13" presetID="22" presetClass="entr" presetSubtype="4" fill="hold" nodeType="afterEffect">
+                                  <p:stCondLst>
+                                    <p:cond delay="0"/>
+                                  </p:stCondLst>
+                                  <p:childTnLst>
+                                    <p:set>
+                                      <p:cBhvr>
+                                        <p:cTn id="14" dur="1" fill="hold">
+                                          <p:stCondLst>
+                                            <p:cond delay="0"/>
+                                          </p:stCondLst>
+                                        </p:cTn>
+                                        <p:tgtEl>
+                                          <p:spTgt spid="16"/>
+                                        </p:tgtEl>
+                                        <p:attrNameLst>
+                                          <p:attrName>style.visibility</p:attrName>
+                                        </p:attrNameLst>
+                                      </p:cBhvr>
+                                      <p:to>
+                                        <p:strVal val="visible"/>
+                                      </p:to>
+                                    </p:set>
+                                    <p:animEffect transition="in" filter="wipe(down)">
+                                      <p:cBhvr>
+                                        <p:cTn id="15" dur="500"/>
+                                        <p:tgtEl>
+                                          <p:spTgt spid="16"/>
+                                        </p:tgtEl>
+                                      </p:cBhvr>
+                                    </p:animEffect>
+                                  </p:childTnLst>
+                                </p:cTn>
+                              </p:par>
+                            </p:childTnLst>
+                          </p:cTn>
+                        </p:par>
+                        <p:par>
+                          <p:cTn id="16" fill="hold">
+                            <p:stCondLst>
+                              <p:cond delay="1500"/>
+                            </p:stCondLst>
+                            <p:childTnLst>
+                              <p:par>
+                                <p:cTn id="17" presetID="22" presetClass="entr" presetSubtype="4" fill="hold" nodeType="afterEffect">
+                                  <p:stCondLst>
+                                    <p:cond delay="500"/>
+                                  </p:stCondLst>
+                                  <p:childTnLst>
+                                    <p:set>
+                                      <p:cBhvr>
+                                        <p:cTn id="18" dur="1" fill="hold">
+                                          <p:stCondLst>
+                                            <p:cond delay="0"/>
+                                          </p:stCondLst>
+                                        </p:cTn>
+                                        <p:tgtEl>
+                                          <p:spTgt spid="43"/>
+                                        </p:tgtEl>
+                                        <p:attrNameLst>
+                                          <p:attrName>style.visibility</p:attrName>
+                                        </p:attrNameLst>
+                                      </p:cBhvr>
+                                      <p:to>
+                                        <p:strVal val="visible"/>
+                                      </p:to>
+                                    </p:set>
+                                    <p:animEffect transition="in" filter="wipe(down)">
+                                      <p:cBhvr>
+                                        <p:cTn id="19" dur="500"/>
+                                        <p:tgtEl>
+                                          <p:spTgt spid="43"/>
+                                        </p:tgtEl>
+                                      </p:cBhvr>
+                                    </p:animEffect>
+                                  </p:childTnLst>
+                                </p:cTn>
+                              </p:par>
+                            </p:childTnLst>
+                          </p:cTn>
+                        </p:par>
+                        <p:par>
+                          <p:cTn id="20" fill="hold">
+                            <p:stCondLst>
+                              <p:cond delay="2500"/>
+                            </p:stCondLst>
+                            <p:childTnLst>
+                              <p:par>
+                                <p:cTn id="21" presetID="22" presetClass="entr" presetSubtype="4" fill="hold" nodeType="afterEffect">
+                                  <p:stCondLst>
+                                    <p:cond delay="0"/>
+                                  </p:stCondLst>
+                                  <p:childTnLst>
+                                    <p:set>
+                                      <p:cBhvr>
+                                        <p:cTn id="22" dur="1" fill="hold">
+                                          <p:stCondLst>
+                                            <p:cond delay="0"/>
+                                          </p:stCondLst>
+                                        </p:cTn>
+                                        <p:tgtEl>
+                                          <p:spTgt spid="27"/>
+                                        </p:tgtEl>
+                                        <p:attrNameLst>
+                                          <p:attrName>style.visibility</p:attrName>
+                                        </p:attrNameLst>
+                                      </p:cBhvr>
+                                      <p:to>
+                                        <p:strVal val="visible"/>
+                                      </p:to>
+                                    </p:set>
+                                    <p:animEffect transition="in" filter="wipe(down)">
+                                      <p:cBhvr>
+                                        <p:cTn id="23" dur="500"/>
+                                        <p:tgtEl>
+                                          <p:spTgt spid="27"/>
+                                        </p:tgtEl>
+                                      </p:cBhvr>
+                                    </p:animEffect>
+                                  </p:childTnLst>
+                                </p:cTn>
+                              </p:par>
+                            </p:childTnLst>
+                          </p:cTn>
+                        </p:par>
+                        <p:par>
+                          <p:cTn id="24" fill="hold">
+                            <p:stCondLst>
+                              <p:cond delay="3000"/>
+                            </p:stCondLst>
+                            <p:childTnLst>
+                              <p:par>
+                                <p:cTn id="25" presetID="14" presetClass="entr" presetSubtype="10" fill="hold" nodeType="afterEffect">
+                                  <p:stCondLst>
+                                    <p:cond delay="0"/>
+                                  </p:stCondLst>
+                                  <p:childTnLst>
+                                    <p:set>
+                                      <p:cBhvr>
+                                        <p:cTn id="26" dur="1" fill="hold">
+                                          <p:stCondLst>
+                                            <p:cond delay="0"/>
+                                          </p:stCondLst>
+                                        </p:cTn>
+                                        <p:tgtEl>
+                                          <p:spTgt spid="20"/>
+                                        </p:tgtEl>
+                                        <p:attrNameLst>
+                                          <p:attrName>style.visibility</p:attrName>
+                                        </p:attrNameLst>
+                                      </p:cBhvr>
+                                      <p:to>
+                                        <p:strVal val="visible"/>
+                                      </p:to>
+                                    </p:set>
+                                    <p:animEffect transition="in" filter="randombar(horizontal)">
+                                      <p:cBhvr>
+                                        <p:cTn id="27" dur="500"/>
+                                        <p:tgtEl>
+                                          <p:spTgt spid="20"/>
+                                        </p:tgtEl>
+                                      </p:cBhvr>
+                                    </p:animEffect>
+                                  </p:childTnLst>
+                                </p:cTn>
+                              </p:par>
+                            </p:childTnLst>
+                          </p:cTn>
+                        </p:par>
+                        <p:par>
+                          <p:cTn id="28" fill="hold">
+                            <p:stCondLst>
+                              <p:cond delay="3500"/>
+                            </p:stCondLst>
+                            <p:childTnLst>
+                              <p:par>
+                                <p:cTn id="29" presetID="42" presetClass="entr" presetSubtype="0" fill="hold" nodeType="afterEffect">
+                                  <p:stCondLst>
+                                    <p:cond delay="500"/>
+                                  </p:stCondLst>
+                                  <p:childTnLst>
+                                    <p:set>
+                                      <p:cBhvr>
+                                        <p:cTn id="30" dur="1" fill="hold">
+                                          <p:stCondLst>
+                                            <p:cond delay="0"/>
+                                          </p:stCondLst>
+                                        </p:cTn>
+                                        <p:tgtEl>
+                                          <p:spTgt spid="47"/>
+                                        </p:tgtEl>
+                                        <p:attrNameLst>
+                                          <p:attrName>style.visibility</p:attrName>
+                                        </p:attrNameLst>
+                                      </p:cBhvr>
+                                      <p:to>
+                                        <p:strVal val="visible"/>
+                                      </p:to>
+                                    </p:set>
+                                    <p:animEffect transition="in" filter="fade">
+                                      <p:cBhvr>
+                                        <p:cTn id="31" dur="500"/>
+                                        <p:tgtEl>
+                                          <p:spTgt spid="47"/>
+                                        </p:tgtEl>
+                                      </p:cBhvr>
+                                    </p:animEffect>
+                                    <p:anim calcmode="lin" valueType="num">
+                                      <p:cBhvr>
+                                        <p:cTn id="32" dur="500" fill="hold"/>
+                                        <p:tgtEl>
+                                          <p:spTgt spid="47"/>
+                                        </p:tgtEl>
+                                        <p:attrNameLst>
+                                          <p:attrName>ppt_x</p:attrName>
+                                        </p:attrNameLst>
+                                      </p:cBhvr>
+                                      <p:tavLst>
+                                        <p:tav tm="0">
+                                          <p:val>
+                                            <p:strVal val="#ppt_x"/>
+                                          </p:val>
+                                        </p:tav>
+                                        <p:tav tm="100000">
+                                          <p:val>
+                                            <p:strVal val="#ppt_x"/>
+                                          </p:val>
+                                        </p:tav>
+                                      </p:tavLst>
+                                    </p:anim>
+                                    <p:anim calcmode="lin" valueType="num">
+                                      <p:cBhvr>
+                                        <p:cTn id="33" dur="500" fill="hold"/>
+                                        <p:tgtEl>
+                                          <p:spTgt spid="47"/>
+                                        </p:tgtEl>
+                                        <p:attrNameLst>
+                                          <p:attrName>ppt_y</p:attrName>
+                                        </p:attrNameLst>
+                                      </p:cBhvr>
+                                      <p:tavLst>
+                                        <p:tav tm="0">
+                                          <p:val>
+                                            <p:strVal val="#ppt_y+.1"/>
+                                          </p:val>
+                                        </p:tav>
+                                        <p:tav tm="100000">
+                                          <p:val>
+                                            <p:strVal val="#ppt_y"/>
+                                          </p:val>
+                                        </p:tav>
+                                      </p:tavLst>
+                                    </p:anim>
+                                  </p:childTnLst>
+                                </p:cTn>
+                              </p:par>
+                            </p:childTnLst>
+                          </p:cTn>
+                        </p:par>
+                        <p:par>
+                          <p:cTn id="34" fill="hold">
+                            <p:stCondLst>
+                              <p:cond delay="4500"/>
+                            </p:stCondLst>
+                            <p:childTnLst>
+                              <p:par>
+                                <p:cTn id="35" presetID="22" presetClass="entr" presetSubtype="8" fill="hold" nodeType="afterEffect">
+                                  <p:stCondLst>
+                                    <p:cond delay="0"/>
+                                  </p:stCondLst>
+                                  <p:childTnLst>
+                                    <p:set>
+                                      <p:cBhvr>
+                                        <p:cTn id="36" dur="1" fill="hold">
+                                          <p:stCondLst>
+                                            <p:cond delay="0"/>
+                                          </p:stCondLst>
+                                        </p:cTn>
+                                        <p:tgtEl>
+                                          <p:spTgt spid="24"/>
+                                        </p:tgtEl>
+                                        <p:attrNameLst>
+                                          <p:attrName>style.visibility</p:attrName>
+                                        </p:attrNameLst>
+                                      </p:cBhvr>
+                                      <p:to>
+                                        <p:strVal val="visible"/>
+                                      </p:to>
+                                    </p:set>
+                                    <p:animEffect transition="in" filter="wipe(left)">
+                                      <p:cBhvr>
+                                        <p:cTn id="37" dur="500"/>
+                                        <p:tgtEl>
+                                          <p:spTgt spid="24"/>
+                                        </p:tgtEl>
+                                      </p:cBhvr>
+                                    </p:animEffect>
+                                  </p:childTnLst>
+                                </p:cTn>
+                              </p:par>
+                            </p:childTnLst>
+                          </p:cTn>
+                        </p:par>
+                        <p:par>
+                          <p:cTn id="38" fill="hold">
+                            <p:stCondLst>
+                              <p:cond delay="5000"/>
+                            </p:stCondLst>
+                            <p:childTnLst>
+                              <p:par>
+                                <p:cTn id="39" presetID="21" presetClass="entr" presetSubtype="1" fill="hold" nodeType="afterEffect">
+                                  <p:stCondLst>
+                                    <p:cond delay="0"/>
+                                  </p:stCondLst>
+                                  <p:childTnLst>
+                                    <p:set>
+                                      <p:cBhvr>
+                                        <p:cTn id="40" dur="1" fill="hold">
+                                          <p:stCondLst>
+                                            <p:cond delay="0"/>
+                                          </p:stCondLst>
+                                        </p:cTn>
+                                        <p:tgtEl>
+                                          <p:spTgt spid="18"/>
+                                        </p:tgtEl>
+                                        <p:attrNameLst>
+                                          <p:attrName>style.visibility</p:attrName>
+                                        </p:attrNameLst>
+                                      </p:cBhvr>
+                                      <p:to>
+                                        <p:strVal val="visible"/>
+                                      </p:to>
+                                    </p:set>
+                                    <p:animEffect transition="in" filter="wheel(1)">
+                                      <p:cBhvr>
+                                        <p:cTn id="41" dur="1000"/>
+                                        <p:tgtEl>
+                                          <p:spTgt spid="18"/>
+                                        </p:tgtEl>
+                                      </p:cBhvr>
+                                    </p:animEffect>
+                                  </p:childTnLst>
+                                </p:cTn>
+                              </p:par>
+                            </p:childTnLst>
+                          </p:cTn>
+                        </p:par>
+                        <p:par>
+                          <p:cTn id="42" fill="hold">
+                            <p:stCondLst>
+                              <p:cond delay="6000"/>
+                            </p:stCondLst>
+                            <p:childTnLst>
+                              <p:par>
+                                <p:cTn id="43" presetID="16" presetClass="entr" presetSubtype="21" fill="hold" nodeType="afterEffect">
+                                  <p:stCondLst>
+                                    <p:cond delay="500"/>
+                                  </p:stCondLst>
+                                  <p:childTnLst>
+                                    <p:set>
+                                      <p:cBhvr>
+                                        <p:cTn id="44" dur="1" fill="hold">
+                                          <p:stCondLst>
+                                            <p:cond delay="0"/>
+                                          </p:stCondLst>
+                                        </p:cTn>
+                                        <p:tgtEl>
+                                          <p:spTgt spid="59"/>
+                                        </p:tgtEl>
+                                        <p:attrNameLst>
+                                          <p:attrName>style.visibility</p:attrName>
+                                        </p:attrNameLst>
+                                      </p:cBhvr>
+                                      <p:to>
+                                        <p:strVal val="visible"/>
+                                      </p:to>
+                                    </p:set>
+                                    <p:animEffect transition="in" filter="barn(inVertical)">
+                                      <p:cBhvr>
+                                        <p:cTn id="45" dur="500"/>
+                                        <p:tgtEl>
+                                          <p:spTgt spid="59"/>
+                                        </p:tgtEl>
+                                      </p:cBhvr>
+                                    </p:animEffect>
+                                  </p:childTnLst>
+                                </p:cTn>
+                              </p:par>
+                            </p:childTnLst>
+                          </p:cTn>
+                        </p:par>
+                        <p:par>
+                          <p:cTn id="46" fill="hold">
+                            <p:stCondLst>
+                              <p:cond delay="7000"/>
+                            </p:stCondLst>
+                            <p:childTnLst>
+                              <p:par>
+                                <p:cTn id="47" presetID="22" presetClass="entr" presetSubtype="2" fill="hold" nodeType="afterEffect">
+                                  <p:stCondLst>
+                                    <p:cond delay="0"/>
+                                  </p:stCondLst>
+                                  <p:childTnLst>
+                                    <p:set>
+                                      <p:cBhvr>
+                                        <p:cTn id="48" dur="1" fill="hold">
+                                          <p:stCondLst>
+                                            <p:cond delay="0"/>
+                                          </p:stCondLst>
+                                        </p:cTn>
+                                        <p:tgtEl>
+                                          <p:spTgt spid="36"/>
+                                        </p:tgtEl>
+                                        <p:attrNameLst>
+                                          <p:attrName>style.visibility</p:attrName>
+                                        </p:attrNameLst>
+                                      </p:cBhvr>
+                                      <p:to>
+                                        <p:strVal val="visible"/>
+                                      </p:to>
+                                    </p:set>
+                                    <p:animEffect transition="in" filter="wipe(right)">
+                                      <p:cBhvr>
+                                        <p:cTn id="49" dur="500"/>
+                                        <p:tgtEl>
+                                          <p:spTgt spid="36"/>
+                                        </p:tgtEl>
+                                      </p:cBhvr>
+                                    </p:animEffect>
+                                  </p:childTnLst>
+                                </p:cTn>
+                              </p:par>
+                            </p:childTnLst>
+                          </p:cTn>
+                        </p:par>
+                        <p:par>
+                          <p:cTn id="50" fill="hold">
+                            <p:stCondLst>
+                              <p:cond delay="7500"/>
+                            </p:stCondLst>
+                            <p:childTnLst>
+                              <p:par>
+                                <p:cTn id="51" presetID="14" presetClass="entr" presetSubtype="10" fill="hold" nodeType="afterEffect">
+                                  <p:stCondLst>
+                                    <p:cond delay="0"/>
+                                  </p:stCondLst>
+                                  <p:childTnLst>
+                                    <p:set>
+                                      <p:cBhvr>
+                                        <p:cTn id="52" dur="1" fill="hold">
+                                          <p:stCondLst>
+                                            <p:cond delay="0"/>
+                                          </p:stCondLst>
+                                        </p:cTn>
+                                        <p:tgtEl>
+                                          <p:spTgt spid="74"/>
+                                        </p:tgtEl>
+                                        <p:attrNameLst>
+                                          <p:attrName>style.visibility</p:attrName>
+                                        </p:attrNameLst>
+                                      </p:cBhvr>
+                                      <p:to>
+                                        <p:strVal val="visible"/>
+                                      </p:to>
+                                    </p:set>
+                                    <p:animEffect transition="in" filter="randombar(horizontal)">
+                                      <p:cBhvr>
+                                        <p:cTn id="53" dur="500"/>
+                                        <p:tgtEl>
+                                          <p:spTgt spid="74"/>
+                                        </p:tgtEl>
+                                      </p:cBhvr>
+                                    </p:animEffect>
+                                  </p:childTnLst>
+                                </p:cTn>
+                              </p:par>
+                            </p:childTnLst>
+                          </p:cTn>
+                        </p:par>
+                        <p:par>
+                          <p:cTn id="54" fill="hold">
+                            <p:stCondLst>
+                              <p:cond delay="8000"/>
+                            </p:stCondLst>
+                            <p:childTnLst>
+                              <p:par>
+                                <p:cTn id="55" presetID="6" presetClass="entr" presetSubtype="16" fill="hold" nodeType="afterEffect">
+                                  <p:stCondLst>
+                                    <p:cond delay="500"/>
+                                  </p:stCondLst>
+                                  <p:childTnLst>
+                                    <p:set>
+                                      <p:cBhvr>
+                                        <p:cTn id="56" dur="1" fill="hold">
+                                          <p:stCondLst>
+                                            <p:cond delay="0"/>
+                                          </p:stCondLst>
+                                        </p:cTn>
+                                        <p:tgtEl>
+                                          <p:spTgt spid="55"/>
+                                        </p:tgtEl>
+                                        <p:attrNameLst>
+                                          <p:attrName>style.visibility</p:attrName>
+                                        </p:attrNameLst>
+                                      </p:cBhvr>
+                                      <p:to>
+                                        <p:strVal val="visible"/>
+                                      </p:to>
+                                    </p:set>
+                                    <p:animEffect transition="in" filter="circle(in)">
+                                      <p:cBhvr>
+                                        <p:cTn id="57" dur="1000"/>
+                                        <p:tgtEl>
+                                          <p:spTgt spid="55"/>
+                                        </p:tgtEl>
+                                      </p:cBhvr>
+                                    </p:animEffect>
+                                  </p:childTnLst>
+                                </p:cTn>
+                              </p:par>
+                            </p:childTnLst>
+                          </p:cTn>
+                        </p:par>
+                        <p:par>
+                          <p:cTn id="58" fill="hold">
+                            <p:stCondLst>
+                              <p:cond delay="9500"/>
+                            </p:stCondLst>
+                            <p:childTnLst>
+                              <p:par>
+                                <p:cTn id="59" presetID="22" presetClass="entr" presetSubtype="2" fill="hold" nodeType="afterEffect">
+                                  <p:stCondLst>
+                                    <p:cond delay="0"/>
+                                  </p:stCondLst>
+                                  <p:childTnLst>
+                                    <p:set>
+                                      <p:cBhvr>
+                                        <p:cTn id="60" dur="1" fill="hold">
+                                          <p:stCondLst>
+                                            <p:cond delay="0"/>
+                                          </p:stCondLst>
+                                        </p:cTn>
+                                        <p:tgtEl>
+                                          <p:spTgt spid="33"/>
+                                        </p:tgtEl>
+                                        <p:attrNameLst>
+                                          <p:attrName>style.visibility</p:attrName>
+                                        </p:attrNameLst>
+                                      </p:cBhvr>
+                                      <p:to>
+                                        <p:strVal val="visible"/>
+                                      </p:to>
+                                    </p:set>
+                                    <p:animEffect transition="in" filter="wipe(right)">
+                                      <p:cBhvr>
+                                        <p:cTn id="61" dur="500"/>
+                                        <p:tgtEl>
+                                          <p:spTgt spid="33"/>
+                                        </p:tgtEl>
+                                      </p:cBhvr>
+                                    </p:animEffect>
+                                  </p:childTnLst>
+                                </p:cTn>
+                              </p:par>
+                            </p:childTnLst>
+                          </p:cTn>
+                        </p:par>
+                        <p:par>
+                          <p:cTn id="62" fill="hold">
+                            <p:stCondLst>
+                              <p:cond delay="10000"/>
+                            </p:stCondLst>
+                            <p:childTnLst>
+                              <p:par>
+                                <p:cTn id="63" presetID="6" presetClass="entr" presetSubtype="16" fill="hold" nodeType="afterEffect">
+                                  <p:stCondLst>
+                                    <p:cond delay="0"/>
+                                  </p:stCondLst>
+                                  <p:childTnLst>
+                                    <p:set>
+                                      <p:cBhvr>
+                                        <p:cTn id="64" dur="1" fill="hold">
+                                          <p:stCondLst>
+                                            <p:cond delay="0"/>
+                                          </p:stCondLst>
+                                        </p:cTn>
+                                        <p:tgtEl>
+                                          <p:spTgt spid="31"/>
+                                        </p:tgtEl>
+                                        <p:attrNameLst>
+                                          <p:attrName>style.visibility</p:attrName>
+                                        </p:attrNameLst>
+                                      </p:cBhvr>
+                                      <p:to>
+                                        <p:strVal val="visible"/>
+                                      </p:to>
+                                    </p:set>
+                                    <p:animEffect transition="in" filter="circle(in)">
+                                      <p:cBhvr>
+                                        <p:cTn id="65" dur="1000"/>
+                                        <p:tgtEl>
+                                          <p:spTgt spid="31"/>
+                                        </p:tgtEl>
+                                      </p:cBhvr>
+                                    </p:animEffect>
+                                  </p:childTnLst>
+                                </p:cTn>
+                              </p:par>
+                            </p:childTnLst>
+                          </p:cTn>
+                        </p:par>
+                      </p:childTnLst>
+                    </p:cTn>
+                  </p:par>
+                </p:childTnLst>
+              </p:cTn>
+              <p:prevCondLst>
+                <p:cond evt="onPrev" delay="0">
+                  <p:tgtEl>
+                    <p:sldTgt/>
+                  </p:tgtEl>
+                </p:cond>
+              </p:prevCondLst>
+              <p:nextCondLst>
+                <p:cond evt="onNext" delay="0">
+                  <p:tgtEl>
+                    <p:sldTgt/>
+                  </p:tgtEl>
+                </p:cond>
+              </p:nextCondLst>
+            </p:seq>
+          </p:childTnLst>
+        </p:cTn>
+      </p:par>
+    </p:tnLst>
+  </p:timing>
+</p:sld>
+</file>
+
+<file path=ppt/slides/slide4.xml><?xml version="1.0" encoding="utf-8"?>
+<p:sld xmlns:a="http://schemas.openxmlformats.org/drawingml/2006/main" xmlns:r="http://schemas.openxmlformats.org/officeDocument/2006/relationships" xmlns:p="http://schemas.openxmlformats.org/presentationml/2006/main">
+  <p:cSld>
+    <p:spTree>
+      <p:nvGrpSpPr>
+        <p:cNvPr id="1" name=""/>
+        <p:cNvGrpSpPr/>
+        <p:nvPr/>
+      </p:nvGrpSpPr>
+      <p:grpSpPr>
+        <a:xfrm>
+          <a:off x="0" y="0"/>
+          <a:ext cx="0" cy="0"/>
+          <a:chOff x="0" y="0"/>
+          <a:chExt cx="0" cy="0"/>
+        </a:xfrm>
+      </p:grpSpPr>
+      <p:sp>
+        <p:nvSpPr>
+          <p:cNvPr id="2" name="Slide Number Placeholder 1"/>
+          <p:cNvSpPr>
+            <a:spLocks noGrp="1"/>
+          </p:cNvSpPr>
+          <p:nvPr>
+            <p:ph type="sldNum" sz="quarter" idx="12"/>
+          </p:nvPr>
+        </p:nvSpPr>
+        <p:spPr/>
+        <p:txBody>
+          <a:bodyPr/>
+          <a:lstStyle/>
+          <a:p>
+            <a:fld id="{8C2E478F-E849-4A8C-AF1F-CBCC78A7CBFA}" type="slidenum">
+              <a:rPr lang="en-US" smtClean="0"/>
+              <a:t>4</a:t>
+            </a:fld>
+            <a:endParaRPr lang="en-US" dirty="0"/>
+          </a:p>
+        </p:txBody>
+      </p:sp>
+      <p:sp>
+        <p:nvSpPr>
+          <p:cNvPr id="3" name="TextBox 2">
+            <a:extLst>
+              <a:ext uri="{FF2B5EF4-FFF2-40B4-BE49-F238E27FC236}">
+                <a16:creationId xmlns:a16="http://schemas.microsoft.com/office/drawing/2014/main" id="{BE8AA9BD-5B28-4BB1-803B-54BB6E1B0DE1}"/>
+              </a:ext>
+            </a:extLst>
+          </p:cNvPr>
+          <p:cNvSpPr txBox="1"/>
+          <p:nvPr/>
+        </p:nvSpPr>
+        <p:spPr>
+          <a:xfrm>
+            <a:off x="2456484" y="461021"/>
+            <a:ext cx="7278915" cy="480131"/>
+          </a:xfrm>
+          <a:prstGeom prst="rect">
+            <a:avLst/>
+          </a:prstGeom>
+          <a:noFill/>
+        </p:spPr>
+        <p:txBody>
+          <a:bodyPr wrap="square" rtlCol="0">
+            <a:spAutoFit/>
+          </a:bodyPr>
+          <a:lstStyle/>
+          <a:p>
+            <a:pPr lvl="0" algn="ctr" defTabSz="1200150">
+              <a:lnSpc>
+                <a:spcPct val="90000"/>
+              </a:lnSpc>
+              <a:spcBef>
+                <a:spcPct val="0"/>
+              </a:spcBef>
+              <a:spcAft>
+                <a:spcPct val="35000"/>
+              </a:spcAft>
+            </a:pPr>
+            <a:r>
+              <a:rPr lang="en-US" sz="2800" dirty="0" smtClean="0">
+                <a:latin typeface="Arial" panose="020B0604020202020204" pitchFamily="34" charset="0"/>
+                <a:cs typeface="Arial" panose="020B0604020202020204" pitchFamily="34" charset="0"/>
+              </a:rPr>
+              <a:t>PHÁT VIDEO</a:t>
+            </a:r>
+            <a:endParaRPr lang="en-US" sz="2800" dirty="0">
+              <a:latin typeface="Arial" panose="020B0604020202020204" pitchFamily="34" charset="0"/>
+              <a:cs typeface="Arial" panose="020B0604020202020204" pitchFamily="34" charset="0"/>
+            </a:endParaRPr>
+          </a:p>
+        </p:txBody>
+      </p:sp>
+      <p:sp>
+        <p:nvSpPr>
+          <p:cNvPr id="4" name="TextBox 3"/>
+          <p:cNvSpPr txBox="1"/>
+          <p:nvPr/>
+        </p:nvSpPr>
+        <p:spPr>
+          <a:xfrm>
+            <a:off x="674913" y="1381684"/>
+            <a:ext cx="10874355" cy="646331"/>
+          </a:xfrm>
+          <a:prstGeom prst="rect">
+            <a:avLst/>
+          </a:prstGeom>
+          <a:noFill/>
+        </p:spPr>
+        <p:txBody>
+          <a:bodyPr wrap="square" rtlCol="0">
+            <a:spAutoFit/>
+          </a:bodyPr>
+          <a:lstStyle/>
+          <a:p>
+            <a:pPr>
+              <a:lnSpc>
+                <a:spcPct val="150000"/>
+              </a:lnSpc>
+            </a:pPr>
+            <a:r>
+              <a:rPr lang="en-US" sz="2400" smtClean="0">
+                <a:latin typeface="Arial" panose="020B0604020202020204" pitchFamily="34" charset="0"/>
+                <a:cs typeface="Arial" panose="020B0604020202020204" pitchFamily="34" charset="0"/>
+              </a:rPr>
+              <a:t>Thời lượng video(s): 50, 60, 40</a:t>
+            </a:r>
+          </a:p>
+        </p:txBody>
+      </p:sp>
+      <p:sp>
+        <p:nvSpPr>
+          <p:cNvPr id="5" name="TextBox 4"/>
+          <p:cNvSpPr txBox="1"/>
+          <p:nvPr/>
+        </p:nvSpPr>
+        <p:spPr>
+          <a:xfrm>
+            <a:off x="674913" y="4075136"/>
+            <a:ext cx="10874355" cy="830997"/>
+          </a:xfrm>
+          <a:prstGeom prst="rect">
+            <a:avLst/>
+          </a:prstGeom>
+          <a:noFill/>
+        </p:spPr>
+        <p:txBody>
+          <a:bodyPr wrap="square" rtlCol="0">
+            <a:spAutoFit/>
+          </a:bodyPr>
+          <a:lstStyle/>
+          <a:p>
+            <a:r>
+              <a:rPr lang="en-US" sz="2400" smtClean="0">
+                <a:latin typeface="Arial" panose="020B0604020202020204" pitchFamily="34" charset="0"/>
+                <a:cs typeface="Arial" panose="020B0604020202020204" pitchFamily="34" charset="0"/>
+              </a:rPr>
+              <a:t>Thời gian phát của video = (Thời gian hệ thống % tổng thời gian video) </a:t>
+            </a:r>
+          </a:p>
+          <a:p>
+            <a:r>
+              <a:rPr lang="en-US" sz="2400" smtClean="0">
+                <a:latin typeface="Arial" panose="020B0604020202020204" pitchFamily="34" charset="0"/>
+                <a:cs typeface="Arial" panose="020B0604020202020204" pitchFamily="34" charset="0"/>
+              </a:rPr>
+              <a:t>			-  thời gian đầu của video gần nhất – random(500ms)</a:t>
+            </a:r>
+            <a:endParaRPr lang="en-US" sz="2400">
+              <a:latin typeface="Arial" panose="020B0604020202020204" pitchFamily="34" charset="0"/>
+              <a:cs typeface="Arial" panose="020B0604020202020204" pitchFamily="34" charset="0"/>
+            </a:endParaRPr>
+          </a:p>
+        </p:txBody>
+      </p:sp>
+      <p:sp>
+        <p:nvSpPr>
+          <p:cNvPr id="6" name="TextBox 5"/>
+          <p:cNvSpPr txBox="1"/>
+          <p:nvPr/>
+        </p:nvSpPr>
+        <p:spPr>
+          <a:xfrm>
+            <a:off x="674913" y="5514196"/>
+            <a:ext cx="10874355" cy="830997"/>
+          </a:xfrm>
+          <a:prstGeom prst="rect">
+            <a:avLst/>
+          </a:prstGeom>
+          <a:noFill/>
+        </p:spPr>
+        <p:txBody>
+          <a:bodyPr wrap="square" rtlCol="0">
+            <a:spAutoFit/>
+          </a:bodyPr>
+          <a:lstStyle/>
+          <a:p>
+            <a:r>
+              <a:rPr lang="en-US" sz="2400" smtClean="0">
+                <a:latin typeface="Arial" panose="020B0604020202020204" pitchFamily="34" charset="0"/>
+                <a:cs typeface="Arial" panose="020B0604020202020204" pitchFamily="34" charset="0"/>
+              </a:rPr>
+              <a:t>VD: </a:t>
+            </a:r>
+            <a:r>
+              <a:rPr lang="en-US" sz="2400">
+                <a:latin typeface="Arial" panose="020B0604020202020204" pitchFamily="34" charset="0"/>
+                <a:cs typeface="Arial" panose="020B0604020202020204" pitchFamily="34" charset="0"/>
+              </a:rPr>
+              <a:t>Thời gian hệ thống % tổng thời </a:t>
+            </a:r>
+            <a:r>
+              <a:rPr lang="en-US" sz="2400">
+                <a:latin typeface="Arial" panose="020B0604020202020204" pitchFamily="34" charset="0"/>
+                <a:cs typeface="Arial" panose="020B0604020202020204" pitchFamily="34" charset="0"/>
+              </a:rPr>
+              <a:t>gian </a:t>
+            </a:r>
+            <a:r>
+              <a:rPr lang="en-US" sz="2400" smtClean="0">
+                <a:latin typeface="Arial" panose="020B0604020202020204" pitchFamily="34" charset="0"/>
+                <a:cs typeface="Arial" panose="020B0604020202020204" pitchFamily="34" charset="0"/>
+              </a:rPr>
+              <a:t>video = 55s</a:t>
+            </a:r>
+          </a:p>
+          <a:p>
+            <a:r>
+              <a:rPr lang="en-US" sz="2400">
+                <a:latin typeface="Arial" panose="020B0604020202020204" pitchFamily="34" charset="0"/>
+                <a:cs typeface="Arial" panose="020B0604020202020204" pitchFamily="34" charset="0"/>
+              </a:rPr>
+              <a:t>	</a:t>
+            </a:r>
+            <a:r>
+              <a:rPr lang="en-US" sz="2400" smtClean="0">
+                <a:latin typeface="Arial" panose="020B0604020202020204" pitchFamily="34" charset="0"/>
+                <a:cs typeface="Arial" panose="020B0604020202020204" pitchFamily="34" charset="0"/>
+              </a:rPr>
+              <a:t>thời gian phát video =  55000 – 50.000 – random(500ms)  </a:t>
+            </a:r>
+            <a:endParaRPr lang="en-US" sz="2400">
+              <a:latin typeface="Arial" panose="020B0604020202020204" pitchFamily="34" charset="0"/>
+              <a:cs typeface="Arial" panose="020B0604020202020204" pitchFamily="34" charset="0"/>
+            </a:endParaRPr>
+          </a:p>
+        </p:txBody>
+      </p:sp>
+      <p:sp>
+        <p:nvSpPr>
+          <p:cNvPr id="8" name="TextBox 7"/>
+          <p:cNvSpPr txBox="1"/>
+          <p:nvPr/>
+        </p:nvSpPr>
+        <p:spPr>
+          <a:xfrm>
+            <a:off x="674913" y="2636077"/>
+            <a:ext cx="10874355" cy="830997"/>
+          </a:xfrm>
+          <a:prstGeom prst="rect">
+            <a:avLst/>
+          </a:prstGeom>
+          <a:noFill/>
+        </p:spPr>
+        <p:txBody>
+          <a:bodyPr wrap="square" rtlCol="0">
+            <a:spAutoFit/>
+          </a:bodyPr>
+          <a:lstStyle/>
+          <a:p>
+            <a:r>
+              <a:rPr lang="en-US" sz="2400">
+                <a:latin typeface="Arial" panose="020B0604020202020204" pitchFamily="34" charset="0"/>
+                <a:cs typeface="Arial" panose="020B0604020202020204" pitchFamily="34" charset="0"/>
+              </a:rPr>
+              <a:t>Mảng(ms): [0, 50.000, 110.000, 150.000] </a:t>
+            </a:r>
+          </a:p>
+          <a:p>
+            <a:endParaRPr lang="en-US" sz="2400"/>
+          </a:p>
+        </p:txBody>
+      </p:sp>
+    </p:spTree>
+    <p:extLst>
+      <p:ext uri="{BB962C8B-B14F-4D97-AF65-F5344CB8AC3E}">
+        <p14:creationId xmlns:p14="http://schemas.microsoft.com/office/powerpoint/2010/main" val="577627825"/>
+      </p:ext>
+    </p:extLst>
+  </p:cSld>
+  <p:clrMapOvr>
+    <a:masterClrMapping/>
+  </p:clrMapOvr>
+  <p:transition spd="slow">
+    <p:push dir="u"/>
+  </p:transition>
+  <p:timing>
+    <p:tnLst>
+      <p:par>
+        <p:cTn id="1" dur="indefinite" restart="never" nodeType="tmRoot"/>
+      </p:par>
+    </p:tnLst>
+  </p:timing>
+</p:sld>
+</file>
+
+<file path=ppt/slides/slide5.xml><?xml version="1.0" encoding="utf-8"?>
+<p:sld xmlns:a="http://schemas.openxmlformats.org/drawingml/2006/main" xmlns:r="http://schemas.openxmlformats.org/officeDocument/2006/relationships" xmlns:p="http://schemas.openxmlformats.org/presentationml/2006/main">
+  <p:cSld>
+    <p:spTree>
+      <p:nvGrpSpPr>
+        <p:cNvPr id="1" name=""/>
+        <p:cNvGrpSpPr/>
+        <p:nvPr/>
+      </p:nvGrpSpPr>
+      <p:grpSpPr>
+        <a:xfrm>
+          <a:off x="0" y="0"/>
+          <a:ext cx="0" cy="0"/>
+          <a:chOff x="0" y="0"/>
+          <a:chExt cx="0" cy="0"/>
+        </a:xfrm>
+      </p:grpSpPr>
+      <p:sp>
+        <p:nvSpPr>
+          <p:cNvPr id="2" name="Slide Number Placeholder 1"/>
+          <p:cNvSpPr>
+            <a:spLocks noGrp="1"/>
+          </p:cNvSpPr>
+          <p:nvPr>
+            <p:ph type="sldNum" sz="quarter" idx="12"/>
+          </p:nvPr>
+        </p:nvSpPr>
+        <p:spPr/>
+        <p:txBody>
+          <a:bodyPr/>
+          <a:lstStyle/>
+          <a:p>
+            <a:fld id="{8C2E478F-E849-4A8C-AF1F-CBCC78A7CBFA}" type="slidenum">
+              <a:rPr lang="en-US" smtClean="0"/>
+              <a:t>5</a:t>
+            </a:fld>
+            <a:endParaRPr lang="en-US" dirty="0"/>
+          </a:p>
+        </p:txBody>
+      </p:sp>
+      <p:sp>
+        <p:nvSpPr>
+          <p:cNvPr id="3" name="TextBox 2">
+            <a:extLst>
+              <a:ext uri="{FF2B5EF4-FFF2-40B4-BE49-F238E27FC236}">
+                <a16:creationId xmlns:a16="http://schemas.microsoft.com/office/drawing/2014/main" id="{BE8AA9BD-5B28-4BB1-803B-54BB6E1B0DE1}"/>
+              </a:ext>
+            </a:extLst>
+          </p:cNvPr>
+          <p:cNvSpPr txBox="1"/>
+          <p:nvPr/>
+        </p:nvSpPr>
+        <p:spPr>
+          <a:xfrm>
+            <a:off x="2456484" y="461021"/>
+            <a:ext cx="7278915" cy="480131"/>
+          </a:xfrm>
+          <a:prstGeom prst="rect">
+            <a:avLst/>
+          </a:prstGeom>
+          <a:noFill/>
+        </p:spPr>
+        <p:txBody>
+          <a:bodyPr wrap="square" rtlCol="0">
+            <a:spAutoFit/>
+          </a:bodyPr>
+          <a:lstStyle/>
+          <a:p>
+            <a:pPr lvl="0" algn="ctr" defTabSz="1200150">
+              <a:lnSpc>
+                <a:spcPct val="90000"/>
+              </a:lnSpc>
+              <a:spcBef>
+                <a:spcPct val="0"/>
+              </a:spcBef>
+              <a:spcAft>
+                <a:spcPct val="35000"/>
+              </a:spcAft>
+            </a:pPr>
+            <a:r>
+              <a:rPr lang="en-US" sz="2800" dirty="0" smtClean="0">
+                <a:latin typeface="Arial" panose="020B0604020202020204" pitchFamily="34" charset="0"/>
+                <a:cs typeface="Arial" panose="020B0604020202020204" pitchFamily="34" charset="0"/>
+              </a:rPr>
+              <a:t>CÀI ĐẶT THỜI GIAN PHÁT VIDEO</a:t>
+            </a:r>
+            <a:endParaRPr lang="en-US" sz="2800" dirty="0">
+              <a:latin typeface="Arial" panose="020B0604020202020204" pitchFamily="34" charset="0"/>
+              <a:cs typeface="Arial" panose="020B0604020202020204" pitchFamily="34" charset="0"/>
+            </a:endParaRPr>
+          </a:p>
+        </p:txBody>
+      </p:sp>
+    </p:spTree>
+    <p:extLst>
+      <p:ext uri="{BB962C8B-B14F-4D97-AF65-F5344CB8AC3E}">
+        <p14:creationId xmlns:p14="http://schemas.microsoft.com/office/powerpoint/2010/main" val="3334340007"/>
+      </p:ext>
+    </p:extLst>
+  </p:cSld>
+  <p:clrMapOvr>
+    <a:masterClrMapping/>
+  </p:clrMapOvr>
+  <p:transition spd="slow">
+    <p:push dir="u"/>
+  </p:transition>
+  <p:timing>
+    <p:tnLst>
+      <p:par>
+        <p:cTn id="1" dur="indefinite" restart="never" nodeType="tmRoot"/>
+      </p:par>
+    </p:tnLst>
+  </p:timing>
+</p:sld>
+</file>
+
+<file path=ppt/slides/slide6.xml><?xml version="1.0" encoding="utf-8"?>
+<p:sld xmlns:a="http://schemas.openxmlformats.org/drawingml/2006/main" xmlns:r="http://schemas.openxmlformats.org/officeDocument/2006/relationships" xmlns:p="http://schemas.openxmlformats.org/presentationml/2006/main">
+  <p:cSld>
+    <p:spTree>
+      <p:nvGrpSpPr>
+        <p:cNvPr id="1" name=""/>
+        <p:cNvGrpSpPr/>
+        <p:nvPr/>
+      </p:nvGrpSpPr>
+      <p:grpSpPr>
+        <a:xfrm>
+          <a:off x="0" y="0"/>
+          <a:ext cx="0" cy="0"/>
+          <a:chOff x="0" y="0"/>
+          <a:chExt cx="0" cy="0"/>
+        </a:xfrm>
+      </p:grpSpPr>
       <p:graphicFrame>
         <p:nvGraphicFramePr>
           <p:cNvPr id="58" name="Chart 57"/>
@@ -13433,7 +16648,7 @@
 </p:sld>
 </file>
 
-<file path=ppt/slides/slide4.xml><?xml version="1.0" encoding="utf-8"?>
+<file path=ppt/slides/slide7.xml><?xml version="1.0" encoding="utf-8"?>
 <p:sld xmlns:a="http://schemas.openxmlformats.org/drawingml/2006/main" xmlns:r="http://schemas.openxmlformats.org/officeDocument/2006/relationships" xmlns:p="http://schemas.openxmlformats.org/presentationml/2006/main">
   <p:cSld>
     <p:spTree>
@@ -13457,7 +16672,7 @@
           <p:nvPr>
             <p:extLst>
               <p:ext uri="{D42A27DB-BD31-4B8C-83A1-F6EECF244321}">
-                <p14:modId xmlns:p14="http://schemas.microsoft.com/office/powerpoint/2010/main" val="2062738886"/>
+                <p14:modId xmlns:p14="http://schemas.microsoft.com/office/powerpoint/2010/main" val="1680224701"/>
               </p:ext>
             </p:extLst>
           </p:nvPr>
@@ -13797,7 +17012,7 @@
 </p:sld>
 </file>
 
-<file path=ppt/slides/slide5.xml><?xml version="1.0" encoding="utf-8"?>
+<file path=ppt/slides/slide8.xml><?xml version="1.0" encoding="utf-8"?>
 <p:sld xmlns:a="http://schemas.openxmlformats.org/drawingml/2006/main" xmlns:r="http://schemas.openxmlformats.org/officeDocument/2006/relationships" xmlns:p="http://schemas.openxmlformats.org/presentationml/2006/main">
   <p:cSld>
     <p:spTree>
@@ -13837,7 +17052,7 @@
 </p:sld>
 </file>
 
-<file path=ppt/slides/slide6.xml><?xml version="1.0" encoding="utf-8"?>
+<file path=ppt/slides/slide9.xml><?xml version="1.0" encoding="utf-8"?>
 <p:sld xmlns:a="http://schemas.openxmlformats.org/drawingml/2006/main" xmlns:r="http://schemas.openxmlformats.org/officeDocument/2006/relationships" xmlns:p="http://schemas.openxmlformats.org/presentationml/2006/main">
   <p:cSld>
     <p:spTree>
@@ -15456,23 +18671,6 @@
 </file>
 
 <file path=customXml/item1.xml><?xml version="1.0" encoding="utf-8"?>
-<p:properties xmlns:p="http://schemas.microsoft.com/office/2006/metadata/properties" xmlns:xsi="http://www.w3.org/2001/XMLSchema-instance" xmlns:pc="http://schemas.microsoft.com/office/infopath/2007/PartnerControls">
-  <documentManagement>
-    <MediaServiceKeyPoints xmlns="71af3243-3dd4-4a8d-8c0d-dd76da1f02a5" xsi:nil="true"/>
-  </documentManagement>
-</p:properties>
-</file>
-
-<file path=customXml/item2.xml><?xml version="1.0" encoding="utf-8"?>
-<?mso-contentType ?>
-<FormTemplates xmlns="http://schemas.microsoft.com/sharepoint/v3/contenttype/forms">
-  <Display>DocumentLibraryForm</Display>
-  <Edit>DocumentLibraryForm</Edit>
-  <New>DocumentLibraryForm</New>
-</FormTemplates>
-</file>
-
-<file path=customXml/item3.xml><?xml version="1.0" encoding="utf-8"?>
 <ct:contentTypeSchema xmlns:ct="http://schemas.microsoft.com/office/2006/metadata/contentType" xmlns:ma="http://schemas.microsoft.com/office/2006/metadata/properties/metaAttributes" ct:_="" ma:_="" ma:contentTypeName="Document" ma:contentTypeID="0x01010079F111ED35F8CC479449609E8A0923A6" ma:contentTypeVersion="11" ma:contentTypeDescription="Create a new document." ma:contentTypeScope="" ma:versionID="96291512c1ee715ab617f4c07df79fc1">
   <xsd:schema xmlns:xsd="http://www.w3.org/2001/XMLSchema" xmlns:xs="http://www.w3.org/2001/XMLSchema" xmlns:p="http://schemas.microsoft.com/office/2006/metadata/properties" xmlns:ns2="71af3243-3dd4-4a8d-8c0d-dd76da1f02a5" xmlns:ns3="16c05727-aa75-4e4a-9b5f-8a80a1165891" targetNamespace="http://schemas.microsoft.com/office/2006/metadata/properties" ma:root="true" ma:fieldsID="8256c27c40ca5c40ce1cf6c44f0205df" ns2:_="" ns3:_="">
     <xsd:import namespace="71af3243-3dd4-4a8d-8c0d-dd76da1f02a5"/>
@@ -15683,25 +18881,24 @@
 </ct:contentTypeSchema>
 </file>
 
-<file path=customXml/itemProps1.xml><?xml version="1.0" encoding="utf-8"?>
-<ds:datastoreItem xmlns:ds="http://schemas.openxmlformats.org/officeDocument/2006/customXml" ds:itemID="{22E71848-B78E-4D58-BFA5-D2D5918911CD}">
-  <ds:schemaRefs>
-    <ds:schemaRef ds:uri="http://schemas.microsoft.com/office/2006/metadata/properties"/>
-    <ds:schemaRef ds:uri="http://schemas.microsoft.com/office/infopath/2007/PartnerControls"/>
-    <ds:schemaRef ds:uri="71af3243-3dd4-4a8d-8c0d-dd76da1f02a5"/>
-  </ds:schemaRefs>
-</ds:datastoreItem>
+<file path=customXml/item2.xml><?xml version="1.0" encoding="utf-8"?>
+<?mso-contentType ?>
+<FormTemplates xmlns="http://schemas.microsoft.com/sharepoint/v3/contenttype/forms">
+  <Display>DocumentLibraryForm</Display>
+  <Edit>DocumentLibraryForm</Edit>
+  <New>DocumentLibraryForm</New>
+</FormTemplates>
 </file>
 
-<file path=customXml/itemProps2.xml><?xml version="1.0" encoding="utf-8"?>
-<ds:datastoreItem xmlns:ds="http://schemas.openxmlformats.org/officeDocument/2006/customXml" ds:itemID="{89B3E157-1CAC-4231-A2EC-E93952D57E42}">
-  <ds:schemaRefs>
-    <ds:schemaRef ds:uri="http://schemas.microsoft.com/sharepoint/v3/contenttype/forms"/>
-  </ds:schemaRefs>
-</ds:datastoreItem>
+<file path=customXml/item3.xml><?xml version="1.0" encoding="utf-8"?>
+<p:properties xmlns:p="http://schemas.microsoft.com/office/2006/metadata/properties" xmlns:xsi="http://www.w3.org/2001/XMLSchema-instance" xmlns:pc="http://schemas.microsoft.com/office/infopath/2007/PartnerControls">
+  <documentManagement>
+    <MediaServiceKeyPoints xmlns="71af3243-3dd4-4a8d-8c0d-dd76da1f02a5" xsi:nil="true"/>
+  </documentManagement>
+</p:properties>
 </file>
 
-<file path=customXml/itemProps3.xml><?xml version="1.0" encoding="utf-8"?>
+<file path=customXml/itemProps1.xml><?xml version="1.0" encoding="utf-8"?>
 <ds:datastoreItem xmlns:ds="http://schemas.openxmlformats.org/officeDocument/2006/customXml" ds:itemID="{80B16AC2-D7DD-48B6-919A-4ADE887D756B}">
   <ds:schemaRefs>
     <ds:schemaRef ds:uri="http://schemas.microsoft.com/office/2006/metadata/contentType"/>
@@ -15718,4 +18915,22 @@
     <ds:schemaRef ds:uri="http://schemas.microsoft.com/internal/obd"/>
   </ds:schemaRefs>
 </ds:datastoreItem>
+</file>
+
+<file path=customXml/itemProps2.xml><?xml version="1.0" encoding="utf-8"?>
+<ds:datastoreItem xmlns:ds="http://schemas.openxmlformats.org/officeDocument/2006/customXml" ds:itemID="{89B3E157-1CAC-4231-A2EC-E93952D57E42}">
+  <ds:schemaRefs>
+    <ds:schemaRef ds:uri="http://schemas.microsoft.com/sharepoint/v3/contenttype/forms"/>
+  </ds:schemaRefs>
+</ds:datastoreItem>
+</file>
+
+<file path=customXml/itemProps3.xml><?xml version="1.0" encoding="utf-8"?>
+<ds:datastoreItem xmlns:ds="http://schemas.openxmlformats.org/officeDocument/2006/customXml" ds:itemID="{22E71848-B78E-4D58-BFA5-D2D5918911CD}">
+  <ds:schemaRefs>
+    <ds:schemaRef ds:uri="http://schemas.microsoft.com/office/2006/metadata/properties"/>
+    <ds:schemaRef ds:uri="http://schemas.microsoft.com/office/infopath/2007/PartnerControls"/>
+    <ds:schemaRef ds:uri="71af3243-3dd4-4a8d-8c0d-dd76da1f02a5"/>
+  </ds:schemaRefs>
+</ds:datastoreItem>
 </file>
--- a/Đồ án/BaoCao.pptx
+++ b/Đồ án/BaoCao.pptx
@@ -5,10 +5,10 @@
     <p:sldMasterId id="2147483648" r:id="rId4"/>
   </p:sldMasterIdLst>
   <p:notesMasterIdLst>
-    <p:notesMasterId r:id="rId14"/>
+    <p:notesMasterId r:id="rId13"/>
   </p:notesMasterIdLst>
   <p:handoutMasterIdLst>
-    <p:handoutMasterId r:id="rId15"/>
+    <p:handoutMasterId r:id="rId14"/>
   </p:handoutMasterIdLst>
   <p:sldIdLst>
     <p:sldId id="256" r:id="rId5"/>
@@ -18,8 +18,7 @@
     <p:sldId id="265" r:id="rId9"/>
     <p:sldId id="258" r:id="rId10"/>
     <p:sldId id="259" r:id="rId11"/>
-    <p:sldId id="260" r:id="rId12"/>
-    <p:sldId id="261" r:id="rId13"/>
+    <p:sldId id="261" r:id="rId12"/>
   </p:sldIdLst>
   <p:sldSz cx="12192000" cy="6858000"/>
   <p:notesSz cx="6858000" cy="9144000"/>
@@ -141,7 +140,7 @@
 </file>
 
 <file path=ppt/charts/chart1.xml><?xml version="1.0" encoding="utf-8"?>
-<c:chartSpace xmlns:c="http://schemas.openxmlformats.org/drawingml/2006/chart" xmlns:a="http://schemas.openxmlformats.org/drawingml/2006/main" xmlns:r="http://schemas.openxmlformats.org/officeDocument/2006/relationships" xmlns:c16r2="http://schemas.microsoft.com/office/drawing/2015/06/chart">
+<c:chartSpace xmlns:c="http://schemas.openxmlformats.org/drawingml/2006/chart" xmlns:a="http://schemas.openxmlformats.org/drawingml/2006/main" xmlns:r="http://schemas.openxmlformats.org/officeDocument/2006/relationships">
   <c:date1904 val="0"/>
   <c:lang val="en-US"/>
   <c:roundedCorners val="0"/>
@@ -300,7 +299,7 @@
             <c:showPercent val="0"/>
             <c:showBubbleSize val="0"/>
             <c:showLeaderLines val="0"/>
-            <c:extLst>
+            <c:extLst xmlns:c16r2="http://schemas.microsoft.com/office/drawing/2015/06/chart">
               <c:ext xmlns:c15="http://schemas.microsoft.com/office/drawing/2012/chart" uri="{CE6537A1-D6FC-4f65-9D91-7224C49458BB}">
                 <c15:layout/>
                 <c15:showLeaderLines val="1"/>
@@ -363,7 +362,7 @@
                 <c:formatCode>0%</c:formatCode>
                 <c:ptCount val="9"/>
                 <c:pt idx="0">
-                  <c:v>1</c:v>
+                  <c:v>1.0</c:v>
                 </c:pt>
                 <c:pt idx="1">
                   <c:v>0.73</c:v>
@@ -375,25 +374,25 @@
                   <c:v>0.3</c:v>
                 </c:pt>
                 <c:pt idx="4">
-                  <c:v>0</c:v>
+                  <c:v>0.0</c:v>
                 </c:pt>
                 <c:pt idx="5">
-                  <c:v>0</c:v>
+                  <c:v>0.0</c:v>
                 </c:pt>
                 <c:pt idx="6">
-                  <c:v>0</c:v>
+                  <c:v>0.0</c:v>
                 </c:pt>
                 <c:pt idx="7">
-                  <c:v>0</c:v>
+                  <c:v>0.0</c:v>
                 </c:pt>
                 <c:pt idx="8">
-                  <c:v>0</c:v>
+                  <c:v>0.0</c:v>
                 </c:pt>
               </c:numCache>
             </c:numRef>
           </c:val>
           <c:smooth val="0"/>
-          <c:extLst>
+          <c:extLst xmlns:c16r2="http://schemas.microsoft.com/office/drawing/2015/06/chart">
             <c:ext xmlns:c16="http://schemas.microsoft.com/office/drawing/2014/chart" uri="{C3380CC4-5D6E-409C-BE32-E72D297353CC}">
               <c16:uniqueId val="{00000000-D8EA-44DE-A7EA-F85DDF23D8EA}"/>
             </c:ext>
@@ -448,8 +447,8 @@
               <c:idx val="1"/>
               <c:layout>
                 <c:manualLayout>
-                  <c:x val="-3.7696538025872736E-2"/>
-                  <c:y val="2.7725336313638715E-2"/>
+                  <c:x val="-0.0376965380258727"/>
+                  <c:y val="0.0277253363136387"/>
                 </c:manualLayout>
               </c:layout>
               <c:showLegendKey val="0"/>
@@ -458,12 +457,12 @@
               <c:showSerName val="0"/>
               <c:showPercent val="0"/>
               <c:showBubbleSize val="0"/>
-              <c:extLst>
+              <c:extLst xmlns:c16r2="http://schemas.microsoft.com/office/drawing/2015/06/chart">
+                <c:ext xmlns:c16="http://schemas.microsoft.com/office/drawing/2014/chart" uri="{C3380CC4-5D6E-409C-BE32-E72D297353CC}">
+                  <c16:uniqueId val="{00000001-D8EA-44DE-A7EA-F85DDF23D8EA}"/>
+                </c:ext>
                 <c:ext xmlns:c15="http://schemas.microsoft.com/office/drawing/2012/chart" uri="{CE6537A1-D6FC-4f65-9D91-7224C49458BB}">
                   <c15:layout/>
-                </c:ext>
-                <c:ext xmlns:c16="http://schemas.microsoft.com/office/drawing/2014/chart" uri="{C3380CC4-5D6E-409C-BE32-E72D297353CC}">
-                  <c16:uniqueId val="{00000001-D8EA-44DE-A7EA-F85DDF23D8EA}"/>
                 </c:ext>
               </c:extLst>
             </c:dLbl>
@@ -471,8 +470,8 @@
               <c:idx val="2"/>
               <c:layout>
                 <c:manualLayout>
-                  <c:x val="-3.7528840859334771E-2"/>
-                  <c:y val="2.3606331701700976E-2"/>
+                  <c:x val="-0.0375288408593348"/>
+                  <c:y val="0.023606331701701"/>
                 </c:manualLayout>
               </c:layout>
               <c:showLegendKey val="0"/>
@@ -481,12 +480,12 @@
               <c:showSerName val="0"/>
               <c:showPercent val="0"/>
               <c:showBubbleSize val="0"/>
-              <c:extLst>
+              <c:extLst xmlns:c16r2="http://schemas.microsoft.com/office/drawing/2015/06/chart">
+                <c:ext xmlns:c16="http://schemas.microsoft.com/office/drawing/2014/chart" uri="{C3380CC4-5D6E-409C-BE32-E72D297353CC}">
+                  <c16:uniqueId val="{00000002-D8EA-44DE-A7EA-F85DDF23D8EA}"/>
+                </c:ext>
                 <c:ext xmlns:c15="http://schemas.microsoft.com/office/drawing/2012/chart" uri="{CE6537A1-D6FC-4f65-9D91-7224C49458BB}">
                   <c15:layout/>
-                </c:ext>
-                <c:ext xmlns:c16="http://schemas.microsoft.com/office/drawing/2014/chart" uri="{C3380CC4-5D6E-409C-BE32-E72D297353CC}">
-                  <c16:uniqueId val="{00000002-D8EA-44DE-A7EA-F85DDF23D8EA}"/>
                 </c:ext>
               </c:extLst>
             </c:dLbl>
@@ -494,8 +493,8 @@
               <c:idx val="3"/>
               <c:layout>
                 <c:manualLayout>
-                  <c:x val="-3.5823027160270672E-2"/>
-                  <c:y val="2.8042542711513976E-2"/>
+                  <c:x val="-0.0358230271602707"/>
+                  <c:y val="0.028042542711514"/>
                 </c:manualLayout>
               </c:layout>
               <c:showLegendKey val="0"/>
@@ -504,12 +503,12 @@
               <c:showSerName val="0"/>
               <c:showPercent val="0"/>
               <c:showBubbleSize val="0"/>
-              <c:extLst>
+              <c:extLst xmlns:c16r2="http://schemas.microsoft.com/office/drawing/2015/06/chart">
+                <c:ext xmlns:c16="http://schemas.microsoft.com/office/drawing/2014/chart" uri="{C3380CC4-5D6E-409C-BE32-E72D297353CC}">
+                  <c16:uniqueId val="{00000003-D8EA-44DE-A7EA-F85DDF23D8EA}"/>
+                </c:ext>
                 <c:ext xmlns:c15="http://schemas.microsoft.com/office/drawing/2012/chart" uri="{CE6537A1-D6FC-4f65-9D91-7224C49458BB}">
                   <c15:layout/>
-                </c:ext>
-                <c:ext xmlns:c16="http://schemas.microsoft.com/office/drawing/2014/chart" uri="{C3380CC4-5D6E-409C-BE32-E72D297353CC}">
-                  <c16:uniqueId val="{00000003-D8EA-44DE-A7EA-F85DDF23D8EA}"/>
                 </c:ext>
               </c:extLst>
             </c:dLbl>
@@ -517,8 +516,8 @@
               <c:idx val="4"/>
               <c:layout>
                 <c:manualLayout>
-                  <c:x val="-3.5823012558202381E-2"/>
-                  <c:y val="1.8535729280403382E-2"/>
+                  <c:x val="-0.0358230125582024"/>
+                  <c:y val="0.0185357292804034"/>
                 </c:manualLayout>
               </c:layout>
               <c:showLegendKey val="0"/>
@@ -527,12 +526,12 @@
               <c:showSerName val="0"/>
               <c:showPercent val="0"/>
               <c:showBubbleSize val="0"/>
-              <c:extLst>
+              <c:extLst xmlns:c16r2="http://schemas.microsoft.com/office/drawing/2015/06/chart">
+                <c:ext xmlns:c16="http://schemas.microsoft.com/office/drawing/2014/chart" uri="{C3380CC4-5D6E-409C-BE32-E72D297353CC}">
+                  <c16:uniqueId val="{00000004-D8EA-44DE-A7EA-F85DDF23D8EA}"/>
+                </c:ext>
                 <c:ext xmlns:c15="http://schemas.microsoft.com/office/drawing/2012/chart" uri="{CE6537A1-D6FC-4f65-9D91-7224C49458BB}">
                   <c15:layout/>
-                </c:ext>
-                <c:ext xmlns:c16="http://schemas.microsoft.com/office/drawing/2014/chart" uri="{C3380CC4-5D6E-409C-BE32-E72D297353CC}">
-                  <c16:uniqueId val="{00000004-D8EA-44DE-A7EA-F85DDF23D8EA}"/>
                 </c:ext>
               </c:extLst>
             </c:dLbl>
@@ -540,8 +539,8 @@
               <c:idx val="5"/>
               <c:layout>
                 <c:manualLayout>
-                  <c:x val="-3.8721980363554308E-2"/>
-                  <c:y val="2.5192176548659649E-2"/>
+                  <c:x val="-0.0387219803635543"/>
+                  <c:y val="0.0251921765486596"/>
                 </c:manualLayout>
               </c:layout>
               <c:showLegendKey val="0"/>
@@ -550,12 +549,12 @@
               <c:showSerName val="0"/>
               <c:showPercent val="0"/>
               <c:showBubbleSize val="0"/>
-              <c:extLst>
+              <c:extLst xmlns:c16r2="http://schemas.microsoft.com/office/drawing/2015/06/chart">
+                <c:ext xmlns:c16="http://schemas.microsoft.com/office/drawing/2014/chart" uri="{C3380CC4-5D6E-409C-BE32-E72D297353CC}">
+                  <c16:uniqueId val="{00000005-D8EA-44DE-A7EA-F85DDF23D8EA}"/>
+                </c:ext>
                 <c:ext xmlns:c15="http://schemas.microsoft.com/office/drawing/2012/chart" uri="{CE6537A1-D6FC-4f65-9D91-7224C49458BB}">
                   <c15:layout/>
-                </c:ext>
-                <c:ext xmlns:c16="http://schemas.microsoft.com/office/drawing/2014/chart" uri="{C3380CC4-5D6E-409C-BE32-E72D297353CC}">
-                  <c16:uniqueId val="{00000005-D8EA-44DE-A7EA-F85DDF23D8EA}"/>
                 </c:ext>
               </c:extLst>
             </c:dLbl>
@@ -563,8 +562,8 @@
               <c:idx val="6"/>
               <c:layout>
                 <c:manualLayout>
-                  <c:x val="-3.4117119513214202E-2"/>
-                  <c:y val="3.9926086230734625E-2"/>
+                  <c:x val="-0.0341171195132142"/>
+                  <c:y val="0.0399260862307346"/>
                 </c:manualLayout>
               </c:layout>
               <c:showLegendKey val="0"/>
@@ -573,12 +572,12 @@
               <c:showSerName val="0"/>
               <c:showPercent val="0"/>
               <c:showBubbleSize val="0"/>
-              <c:extLst>
+              <c:extLst xmlns:c16r2="http://schemas.microsoft.com/office/drawing/2015/06/chart">
+                <c:ext xmlns:c16="http://schemas.microsoft.com/office/drawing/2014/chart" uri="{C3380CC4-5D6E-409C-BE32-E72D297353CC}">
+                  <c16:uniqueId val="{00000006-D8EA-44DE-A7EA-F85DDF23D8EA}"/>
+                </c:ext>
                 <c:ext xmlns:c15="http://schemas.microsoft.com/office/drawing/2012/chart" uri="{CE6537A1-D6FC-4f65-9D91-7224C49458BB}">
                   <c15:layout/>
-                </c:ext>
-                <c:ext xmlns:c16="http://schemas.microsoft.com/office/drawing/2014/chart" uri="{C3380CC4-5D6E-409C-BE32-E72D297353CC}">
-                  <c16:uniqueId val="{00000006-D8EA-44DE-A7EA-F85DDF23D8EA}"/>
                 </c:ext>
               </c:extLst>
             </c:dLbl>
@@ -586,8 +585,8 @@
               <c:idx val="7"/>
               <c:layout>
                 <c:manualLayout>
-                  <c:x val="-2.4049746589382543E-2"/>
-                  <c:y val="3.2161547323451715E-2"/>
+                  <c:x val="-0.0240497465893825"/>
+                  <c:y val="0.0321615473234517"/>
                 </c:manualLayout>
               </c:layout>
               <c:showLegendKey val="0"/>
@@ -596,12 +595,12 @@
               <c:showSerName val="0"/>
               <c:showPercent val="0"/>
               <c:showBubbleSize val="0"/>
-              <c:extLst>
+              <c:extLst xmlns:c16r2="http://schemas.microsoft.com/office/drawing/2015/06/chart">
+                <c:ext xmlns:c16="http://schemas.microsoft.com/office/drawing/2014/chart" uri="{C3380CC4-5D6E-409C-BE32-E72D297353CC}">
+                  <c16:uniqueId val="{00000007-D8EA-44DE-A7EA-F85DDF23D8EA}"/>
+                </c:ext>
                 <c:ext xmlns:c15="http://schemas.microsoft.com/office/drawing/2012/chart" uri="{CE6537A1-D6FC-4f65-9D91-7224C49458BB}">
                   <c15:layout/>
-                </c:ext>
-                <c:ext xmlns:c16="http://schemas.microsoft.com/office/drawing/2014/chart" uri="{C3380CC4-5D6E-409C-BE32-E72D297353CC}">
-                  <c16:uniqueId val="{00000007-D8EA-44DE-A7EA-F85DDF23D8EA}"/>
                 </c:ext>
               </c:extLst>
             </c:dLbl>
@@ -609,8 +608,8 @@
               <c:idx val="8"/>
               <c:layout>
                 <c:manualLayout>
-                  <c:x val="-4.7725580168783074E-3"/>
-                  <c:y val="3.0897213149973689E-2"/>
+                  <c:x val="-0.00477255801687831"/>
+                  <c:y val="0.0308972131499737"/>
                 </c:manualLayout>
               </c:layout>
               <c:showLegendKey val="0"/>
@@ -619,12 +618,12 @@
               <c:showSerName val="0"/>
               <c:showPercent val="0"/>
               <c:showBubbleSize val="0"/>
-              <c:extLst>
+              <c:extLst xmlns:c16r2="http://schemas.microsoft.com/office/drawing/2015/06/chart">
+                <c:ext xmlns:c16="http://schemas.microsoft.com/office/drawing/2014/chart" uri="{C3380CC4-5D6E-409C-BE32-E72D297353CC}">
+                  <c16:uniqueId val="{00000013-D8EA-44DE-A7EA-F85DDF23D8EA}"/>
+                </c:ext>
                 <c:ext xmlns:c15="http://schemas.microsoft.com/office/drawing/2012/chart" uri="{CE6537A1-D6FC-4f65-9D91-7224C49458BB}">
                   <c15:layout/>
-                </c:ext>
-                <c:ext xmlns:c16="http://schemas.microsoft.com/office/drawing/2014/chart" uri="{C3380CC4-5D6E-409C-BE32-E72D297353CC}">
-                  <c16:uniqueId val="{00000013-D8EA-44DE-A7EA-F85DDF23D8EA}"/>
                 </c:ext>
               </c:extLst>
             </c:dLbl>
@@ -664,7 +663,7 @@
             <c:showPercent val="0"/>
             <c:showBubbleSize val="0"/>
             <c:showLeaderLines val="0"/>
-            <c:extLst>
+            <c:extLst xmlns:c16r2="http://schemas.microsoft.com/office/drawing/2015/06/chart">
               <c:ext xmlns:c15="http://schemas.microsoft.com/office/drawing/2012/chart" uri="{CE6537A1-D6FC-4f65-9D91-7224C49458BB}">
                 <c15:layout/>
                 <c15:showLeaderLines val="1"/>
@@ -727,7 +726,7 @@
                 <c:formatCode>0%</c:formatCode>
                 <c:ptCount val="9"/>
                 <c:pt idx="0">
-                  <c:v>1</c:v>
+                  <c:v>1.0</c:v>
                 </c:pt>
                 <c:pt idx="1">
                   <c:v>0.96</c:v>
@@ -757,7 +756,7 @@
             </c:numRef>
           </c:val>
           <c:smooth val="0"/>
-          <c:extLst>
+          <c:extLst xmlns:c16r2="http://schemas.microsoft.com/office/drawing/2015/06/chart">
             <c:ext xmlns:c16="http://schemas.microsoft.com/office/drawing/2014/chart" uri="{C3380CC4-5D6E-409C-BE32-E72D297353CC}">
               <c16:uniqueId val="{00000008-D8EA-44DE-A7EA-F85DDF23D8EA}"/>
             </c:ext>
@@ -805,19 +804,19 @@
             <c:dLbl>
               <c:idx val="0"/>
               <c:delete val="1"/>
-              <c:extLst>
-                <c:ext xmlns:c15="http://schemas.microsoft.com/office/drawing/2012/chart" uri="{CE6537A1-D6FC-4f65-9D91-7224C49458BB}"/>
+              <c:extLst xmlns:c16r2="http://schemas.microsoft.com/office/drawing/2015/06/chart">
                 <c:ext xmlns:c16="http://schemas.microsoft.com/office/drawing/2014/chart" uri="{C3380CC4-5D6E-409C-BE32-E72D297353CC}">
                   <c16:uniqueId val="{00000009-D8EA-44DE-A7EA-F85DDF23D8EA}"/>
                 </c:ext>
+                <c:ext xmlns:c15="http://schemas.microsoft.com/office/drawing/2012/chart" uri="{CE6537A1-D6FC-4f65-9D91-7224C49458BB}"/>
               </c:extLst>
             </c:dLbl>
             <c:dLbl>
               <c:idx val="1"/>
               <c:layout>
                 <c:manualLayout>
-                  <c:x val="-1.7058559756607056E-2"/>
-                  <c:y val="-3.5172668823046364E-2"/>
+                  <c:x val="-0.0170585597566071"/>
+                  <c:y val="-0.0351726688230464"/>
                 </c:manualLayout>
               </c:layout>
               <c:showLegendKey val="0"/>
@@ -826,17 +825,17 @@
               <c:showSerName val="0"/>
               <c:showPercent val="0"/>
               <c:showBubbleSize val="0"/>
-              <c:extLst>
+              <c:extLst xmlns:c16r2="http://schemas.microsoft.com/office/drawing/2015/06/chart">
+                <c:ext xmlns:c16="http://schemas.microsoft.com/office/drawing/2014/chart" uri="{C3380CC4-5D6E-409C-BE32-E72D297353CC}">
+                  <c16:uniqueId val="{0000000A-D8EA-44DE-A7EA-F85DDF23D8EA}"/>
+                </c:ext>
                 <c:ext xmlns:c15="http://schemas.microsoft.com/office/drawing/2012/chart" uri="{CE6537A1-D6FC-4f65-9D91-7224C49458BB}">
                   <c15:layout>
                     <c:manualLayout>
-                      <c:w val="3.0927200841914672E-2"/>
-                      <c:h val="3.6268243625322695E-2"/>
+                      <c:w val="0.0309272008419147"/>
+                      <c:h val="0.0362682436253227"/>
                     </c:manualLayout>
                   </c15:layout>
-                </c:ext>
-                <c:ext xmlns:c16="http://schemas.microsoft.com/office/drawing/2014/chart" uri="{C3380CC4-5D6E-409C-BE32-E72D297353CC}">
-                  <c16:uniqueId val="{0000000A-D8EA-44DE-A7EA-F85DDF23D8EA}"/>
                 </c:ext>
               </c:extLst>
             </c:dLbl>
@@ -844,8 +843,8 @@
               <c:idx val="2"/>
               <c:layout>
                 <c:manualLayout>
-                  <c:x val="-1.0235117064365785E-2"/>
-                  <c:y val="-3.8974467037108836E-2"/>
+                  <c:x val="-0.0102351170643658"/>
+                  <c:y val="-0.0389744670371088"/>
                 </c:manualLayout>
               </c:layout>
               <c:showLegendKey val="0"/>
@@ -854,17 +853,17 @@
               <c:showSerName val="0"/>
               <c:showPercent val="0"/>
               <c:showBubbleSize val="0"/>
-              <c:extLst>
+              <c:extLst xmlns:c16r2="http://schemas.microsoft.com/office/drawing/2015/06/chart">
+                <c:ext xmlns:c16="http://schemas.microsoft.com/office/drawing/2014/chart" uri="{C3380CC4-5D6E-409C-BE32-E72D297353CC}">
+                  <c16:uniqueId val="{0000000B-D8EA-44DE-A7EA-F85DDF23D8EA}"/>
+                </c:ext>
                 <c:ext xmlns:c15="http://schemas.microsoft.com/office/drawing/2012/chart" uri="{CE6537A1-D6FC-4f65-9D91-7224C49458BB}">
                   <c15:layout>
                     <c:manualLayout>
-                      <c:w val="3.0927200841914672E-2"/>
-                      <c:h val="3.6268243625322695E-2"/>
+                      <c:w val="0.0309272008419147"/>
+                      <c:h val="0.0362682436253227"/>
                     </c:manualLayout>
                   </c15:layout>
-                </c:ext>
-                <c:ext xmlns:c16="http://schemas.microsoft.com/office/drawing/2014/chart" uri="{C3380CC4-5D6E-409C-BE32-E72D297353CC}">
-                  <c16:uniqueId val="{0000000B-D8EA-44DE-A7EA-F85DDF23D8EA}"/>
                 </c:ext>
               </c:extLst>
             </c:dLbl>
@@ -872,8 +871,8 @@
               <c:idx val="3"/>
               <c:layout>
                 <c:manualLayout>
-                  <c:x val="-1.7403630732906138E-2"/>
-                  <c:y val="-4.2302794934578752E-2"/>
+                  <c:x val="-0.0174036307329061"/>
+                  <c:y val="-0.0423027949345788"/>
                 </c:manualLayout>
               </c:layout>
               <c:showLegendKey val="0"/>
@@ -882,17 +881,17 @@
               <c:showSerName val="0"/>
               <c:showPercent val="0"/>
               <c:showBubbleSize val="0"/>
-              <c:extLst>
+              <c:extLst xmlns:c16r2="http://schemas.microsoft.com/office/drawing/2015/06/chart">
+                <c:ext xmlns:c16="http://schemas.microsoft.com/office/drawing/2014/chart" uri="{C3380CC4-5D6E-409C-BE32-E72D297353CC}">
+                  <c16:uniqueId val="{0000000C-D8EA-44DE-A7EA-F85DDF23D8EA}"/>
+                </c:ext>
                 <c:ext xmlns:c15="http://schemas.microsoft.com/office/drawing/2012/chart" uri="{CE6537A1-D6FC-4f65-9D91-7224C49458BB}">
                   <c15:layout>
                     <c:manualLayout>
-                      <c:w val="3.0927200841914672E-2"/>
-                      <c:h val="3.6268243625322695E-2"/>
+                      <c:w val="0.0309272008419147"/>
+                      <c:h val="0.0362682436253227"/>
                     </c:manualLayout>
                   </c15:layout>
-                </c:ext>
-                <c:ext xmlns:c16="http://schemas.microsoft.com/office/drawing/2014/chart" uri="{C3380CC4-5D6E-409C-BE32-E72D297353CC}">
-                  <c16:uniqueId val="{0000000C-D8EA-44DE-A7EA-F85DDF23D8EA}"/>
                 </c:ext>
               </c:extLst>
             </c:dLbl>
@@ -900,8 +899,8 @@
               <c:idx val="4"/>
               <c:layout>
                 <c:manualLayout>
-                  <c:x val="-1.3134164215641833E-2"/>
-                  <c:y val="-4.3727884444797117E-2"/>
+                  <c:x val="-0.0131341642156418"/>
+                  <c:y val="-0.0437278844447971"/>
                 </c:manualLayout>
               </c:layout>
               <c:showLegendKey val="0"/>
@@ -910,17 +909,17 @@
               <c:showSerName val="0"/>
               <c:showPercent val="0"/>
               <c:showBubbleSize val="0"/>
-              <c:extLst>
+              <c:extLst xmlns:c16r2="http://schemas.microsoft.com/office/drawing/2015/06/chart">
+                <c:ext xmlns:c16="http://schemas.microsoft.com/office/drawing/2014/chart" uri="{C3380CC4-5D6E-409C-BE32-E72D297353CC}">
+                  <c16:uniqueId val="{0000000D-D8EA-44DE-A7EA-F85DDF23D8EA}"/>
+                </c:ext>
                 <c:ext xmlns:c15="http://schemas.microsoft.com/office/drawing/2012/chart" uri="{CE6537A1-D6FC-4f65-9D91-7224C49458BB}">
                   <c15:layout>
                     <c:manualLayout>
-                      <c:w val="3.0927200841914672E-2"/>
-                      <c:h val="3.6268243625322695E-2"/>
+                      <c:w val="0.0309272008419147"/>
+                      <c:h val="0.0362682436253227"/>
                     </c:manualLayout>
                   </c15:layout>
-                </c:ext>
-                <c:ext xmlns:c16="http://schemas.microsoft.com/office/drawing/2014/chart" uri="{C3380CC4-5D6E-409C-BE32-E72D297353CC}">
-                  <c16:uniqueId val="{0000000D-D8EA-44DE-A7EA-F85DDF23D8EA}"/>
                 </c:ext>
               </c:extLst>
             </c:dLbl>
@@ -928,8 +927,8 @@
               <c:idx val="5"/>
               <c:layout>
                 <c:manualLayout>
-                  <c:x val="-1.36468384104864E-2"/>
-                  <c:y val="-3.0736457813233364E-2"/>
+                  <c:x val="-0.0136468384104864"/>
+                  <c:y val="-0.0307364578132334"/>
                 </c:manualLayout>
               </c:layout>
               <c:showLegendKey val="0"/>
@@ -938,17 +937,17 @@
               <c:showSerName val="0"/>
               <c:showPercent val="0"/>
               <c:showBubbleSize val="0"/>
-              <c:extLst>
+              <c:extLst xmlns:c16r2="http://schemas.microsoft.com/office/drawing/2015/06/chart">
+                <c:ext xmlns:c16="http://schemas.microsoft.com/office/drawing/2014/chart" uri="{C3380CC4-5D6E-409C-BE32-E72D297353CC}">
+                  <c16:uniqueId val="{0000000E-D8EA-44DE-A7EA-F85DDF23D8EA}"/>
+                </c:ext>
                 <c:ext xmlns:c15="http://schemas.microsoft.com/office/drawing/2012/chart" uri="{CE6537A1-D6FC-4f65-9D91-7224C49458BB}">
                   <c15:layout>
                     <c:manualLayout>
-                      <c:w val="3.0927200841914672E-2"/>
-                      <c:h val="3.6268243625322695E-2"/>
+                      <c:w val="0.0309272008419147"/>
+                      <c:h val="0.0362682436253227"/>
                     </c:manualLayout>
                   </c15:layout>
-                </c:ext>
-                <c:ext xmlns:c16="http://schemas.microsoft.com/office/drawing/2014/chart" uri="{C3380CC4-5D6E-409C-BE32-E72D297353CC}">
-                  <c16:uniqueId val="{0000000E-D8EA-44DE-A7EA-F85DDF23D8EA}"/>
                 </c:ext>
               </c:extLst>
             </c:dLbl>
@@ -956,8 +955,8 @@
               <c:idx val="6"/>
               <c:layout>
                 <c:manualLayout>
-                  <c:x val="-8.1842323890026474E-3"/>
-                  <c:y val="-3.5489875220921625E-2"/>
+                  <c:x val="-0.00818423238900265"/>
+                  <c:y val="-0.0354898752209216"/>
                 </c:manualLayout>
               </c:layout>
               <c:showLegendKey val="0"/>
@@ -966,17 +965,17 @@
               <c:showSerName val="0"/>
               <c:showPercent val="0"/>
               <c:showBubbleSize val="0"/>
-              <c:extLst>
+              <c:extLst xmlns:c16r2="http://schemas.microsoft.com/office/drawing/2015/06/chart">
+                <c:ext xmlns:c16="http://schemas.microsoft.com/office/drawing/2014/chart" uri="{C3380CC4-5D6E-409C-BE32-E72D297353CC}">
+                  <c16:uniqueId val="{0000000F-D8EA-44DE-A7EA-F85DDF23D8EA}"/>
+                </c:ext>
                 <c:ext xmlns:c15="http://schemas.microsoft.com/office/drawing/2012/chart" uri="{CE6537A1-D6FC-4f65-9D91-7224C49458BB}">
                   <c15:layout>
                     <c:manualLayout>
-                      <c:w val="3.0927200841914672E-2"/>
-                      <c:h val="3.6268243625322695E-2"/>
+                      <c:w val="0.0309272008419147"/>
+                      <c:h val="0.0362682436253227"/>
                     </c:manualLayout>
                   </c15:layout>
-                </c:ext>
-                <c:ext xmlns:c16="http://schemas.microsoft.com/office/drawing/2014/chart" uri="{C3380CC4-5D6E-409C-BE32-E72D297353CC}">
-                  <c16:uniqueId val="{0000000F-D8EA-44DE-A7EA-F85DDF23D8EA}"/>
                 </c:ext>
               </c:extLst>
             </c:dLbl>
@@ -984,8 +983,8 @@
               <c:idx val="7"/>
               <c:layout>
                 <c:manualLayout>
-                  <c:x val="-8.8742803936082675E-3"/>
-                  <c:y val="-2.8359749109389234E-2"/>
+                  <c:x val="-0.00887428039360827"/>
+                  <c:y val="-0.0283597491093892"/>
                 </c:manualLayout>
               </c:layout>
               <c:showLegendKey val="0"/>
@@ -994,17 +993,17 @@
               <c:showSerName val="0"/>
               <c:showPercent val="0"/>
               <c:showBubbleSize val="0"/>
-              <c:extLst>
+              <c:extLst xmlns:c16r2="http://schemas.microsoft.com/office/drawing/2015/06/chart">
+                <c:ext xmlns:c16="http://schemas.microsoft.com/office/drawing/2014/chart" uri="{C3380CC4-5D6E-409C-BE32-E72D297353CC}">
+                  <c16:uniqueId val="{00000010-D8EA-44DE-A7EA-F85DDF23D8EA}"/>
+                </c:ext>
                 <c:ext xmlns:c15="http://schemas.microsoft.com/office/drawing/2012/chart" uri="{CE6537A1-D6FC-4f65-9D91-7224C49458BB}">
                   <c15:layout>
                     <c:manualLayout>
-                      <c:w val="3.0927200841914672E-2"/>
-                      <c:h val="3.6268243625322695E-2"/>
+                      <c:w val="0.0309272008419147"/>
+                      <c:h val="0.0362682436253227"/>
                     </c:manualLayout>
                   </c15:layout>
-                </c:ext>
-                <c:ext xmlns:c16="http://schemas.microsoft.com/office/drawing/2014/chart" uri="{C3380CC4-5D6E-409C-BE32-E72D297353CC}">
-                  <c16:uniqueId val="{00000010-D8EA-44DE-A7EA-F85DDF23D8EA}"/>
                 </c:ext>
               </c:extLst>
             </c:dLbl>
@@ -1044,7 +1043,7 @@
             <c:showPercent val="0"/>
             <c:showBubbleSize val="0"/>
             <c:showLeaderLines val="0"/>
-            <c:extLst>
+            <c:extLst xmlns:c16r2="http://schemas.microsoft.com/office/drawing/2015/06/chart">
               <c:ext xmlns:c15="http://schemas.microsoft.com/office/drawing/2012/chart" uri="{CE6537A1-D6FC-4f65-9D91-7224C49458BB}">
                 <c15:spPr xmlns:c15="http://schemas.microsoft.com/office/drawing/2012/chart">
                   <a:prstGeom prst="rect">
@@ -1116,7 +1115,7 @@
                 <c:formatCode>0%</c:formatCode>
                 <c:ptCount val="9"/>
                 <c:pt idx="0">
-                  <c:v>1</c:v>
+                  <c:v>1.0</c:v>
                 </c:pt>
                 <c:pt idx="1">
                   <c:v>0.97</c:v>
@@ -1146,7 +1145,7 @@
             </c:numRef>
           </c:val>
           <c:smooth val="0"/>
-          <c:extLst>
+          <c:extLst xmlns:c16r2="http://schemas.microsoft.com/office/drawing/2015/06/chart">
             <c:ext xmlns:c16="http://schemas.microsoft.com/office/drawing/2014/chart" uri="{C3380CC4-5D6E-409C-BE32-E72D297353CC}">
               <c16:uniqueId val="{00000012-D8EA-44DE-A7EA-F85DDF23D8EA}"/>
             </c:ext>
@@ -1162,11 +1161,11 @@
         </c:dLbls>
         <c:marker val="1"/>
         <c:smooth val="0"/>
-        <c:axId val="1240557055"/>
-        <c:axId val="1179441519"/>
+        <c:axId val="805866608"/>
+        <c:axId val="805530224"/>
       </c:lineChart>
       <c:catAx>
-        <c:axId val="1240557055"/>
+        <c:axId val="805866608"/>
         <c:scaling>
           <c:orientation val="minMax"/>
         </c:scaling>
@@ -1209,7 +1208,7 @@
             <a:endParaRPr lang="en-US"/>
           </a:p>
         </c:txPr>
-        <c:crossAx val="1179441519"/>
+        <c:crossAx val="805530224"/>
         <c:crosses val="autoZero"/>
         <c:auto val="1"/>
         <c:lblAlgn val="ctr"/>
@@ -1217,10 +1216,10 @@
         <c:noMultiLvlLbl val="0"/>
       </c:catAx>
       <c:valAx>
-        <c:axId val="1179441519"/>
+        <c:axId val="805530224"/>
         <c:scaling>
           <c:orientation val="minMax"/>
-          <c:max val="1"/>
+          <c:max val="1.0"/>
         </c:scaling>
         <c:delete val="0"/>
         <c:axPos val="l"/>
@@ -1269,7 +1268,7 @@
             <a:endParaRPr lang="en-US"/>
           </a:p>
         </c:txPr>
-        <c:crossAx val="1240557055"/>
+        <c:crossAx val="805866608"/>
         <c:crosses val="autoZero"/>
         <c:crossBetween val="between"/>
       </c:valAx>
@@ -1364,7 +1363,7 @@
 </file>
 
 <file path=ppt/charts/chart2.xml><?xml version="1.0" encoding="utf-8"?>
-<c:chartSpace xmlns:c="http://schemas.openxmlformats.org/drawingml/2006/chart" xmlns:a="http://schemas.openxmlformats.org/drawingml/2006/main" xmlns:r="http://schemas.openxmlformats.org/officeDocument/2006/relationships" xmlns:c16r2="http://schemas.microsoft.com/office/drawing/2015/06/chart">
+<c:chartSpace xmlns:c="http://schemas.openxmlformats.org/drawingml/2006/chart" xmlns:a="http://schemas.openxmlformats.org/drawingml/2006/main" xmlns:r="http://schemas.openxmlformats.org/officeDocument/2006/relationships">
   <c:date1904 val="0"/>
   <c:lang val="en-US"/>
   <c:roundedCorners val="0"/>
@@ -1454,10 +1453,10 @@
           <c:layoutTarget val="inner"/>
           <c:xMode val="edge"/>
           <c:yMode val="edge"/>
-          <c:x val="6.151735017263419E-2"/>
-          <c:y val="0.10320711717475903"/>
-          <c:w val="0.92687733759842517"/>
-          <c:h val="0.66936370144170132"/>
+          <c:x val="0.0615173501726342"/>
+          <c:y val="0.103207117174759"/>
+          <c:w val="0.926877337598425"/>
+          <c:h val="0.669363701441701"/>
         </c:manualLayout>
       </c:layout>
       <c:barChart>
@@ -1503,7 +1502,7 @@
               </a:ln>
               <a:effectLst/>
             </c:spPr>
-            <c:extLst>
+            <c:extLst xmlns:c16r2="http://schemas.microsoft.com/office/drawing/2015/06/chart">
               <c:ext xmlns:c16="http://schemas.microsoft.com/office/drawing/2014/chart" uri="{C3380CC4-5D6E-409C-BE32-E72D297353CC}">
                 <c16:uniqueId val="{00000003-83C3-4969-8C9D-E11468D77F1A}"/>
               </c:ext>
@@ -1522,7 +1521,7 @@
               </a:ln>
               <a:effectLst/>
             </c:spPr>
-            <c:extLst>
+            <c:extLst xmlns:c16r2="http://schemas.microsoft.com/office/drawing/2015/06/chart">
               <c:ext xmlns:c16="http://schemas.microsoft.com/office/drawing/2014/chart" uri="{C3380CC4-5D6E-409C-BE32-E72D297353CC}">
                 <c16:uniqueId val="{00000004-83C3-4969-8C9D-E11468D77F1A}"/>
               </c:ext>
@@ -1541,7 +1540,7 @@
               </a:ln>
               <a:effectLst/>
             </c:spPr>
-            <c:extLst>
+            <c:extLst xmlns:c16r2="http://schemas.microsoft.com/office/drawing/2015/06/chart">
               <c:ext xmlns:c16="http://schemas.microsoft.com/office/drawing/2014/chart" uri="{C3380CC4-5D6E-409C-BE32-E72D297353CC}">
                 <c16:uniqueId val="{00000005-83C3-4969-8C9D-E11468D77F1A}"/>
               </c:ext>
@@ -1560,7 +1559,7 @@
               </a:ln>
               <a:effectLst/>
             </c:spPr>
-            <c:extLst>
+            <c:extLst xmlns:c16r2="http://schemas.microsoft.com/office/drawing/2015/06/chart">
               <c:ext xmlns:c16="http://schemas.microsoft.com/office/drawing/2014/chart" uri="{C3380CC4-5D6E-409C-BE32-E72D297353CC}">
                 <c16:uniqueId val="{00000006-83C3-4969-8C9D-E11468D77F1A}"/>
               </c:ext>
@@ -1604,7 +1603,7 @@
             <c:showPercent val="0"/>
             <c:showBubbleSize val="0"/>
             <c:showLeaderLines val="0"/>
-            <c:extLst>
+            <c:extLst xmlns:c16r2="http://schemas.microsoft.com/office/drawing/2015/06/chart">
               <c:ext xmlns:c15="http://schemas.microsoft.com/office/drawing/2012/chart" uri="{CE6537A1-D6FC-4f65-9D91-7224C49458BB}">
                 <c15:layout/>
                 <c15:showLeaderLines val="1"/>
@@ -1652,21 +1651,21 @@
                 <c:formatCode>0%</c:formatCode>
                 <c:ptCount val="4"/>
                 <c:pt idx="0">
-                  <c:v>7.3999999999999996E-2</c:v>
+                  <c:v>0.074</c:v>
                 </c:pt>
                 <c:pt idx="1">
-                  <c:v>6.0999999999999999E-2</c:v>
+                  <c:v>0.061</c:v>
                 </c:pt>
                 <c:pt idx="2">
-                  <c:v>5.6000000000000001E-2</c:v>
+                  <c:v>0.056</c:v>
                 </c:pt>
                 <c:pt idx="3">
-                  <c:v>4.8000000000000001E-2</c:v>
+                  <c:v>0.048</c:v>
                 </c:pt>
               </c:numCache>
             </c:numRef>
           </c:val>
-          <c:extLst>
+          <c:extLst xmlns:c16r2="http://schemas.microsoft.com/office/drawing/2015/06/chart">
             <c:ext xmlns:c16="http://schemas.microsoft.com/office/drawing/2014/chart" uri="{C3380CC4-5D6E-409C-BE32-E72D297353CC}">
               <c16:uniqueId val="{00000000-83C3-4969-8C9D-E11468D77F1A}"/>
             </c:ext>
@@ -1683,11 +1682,11 @@
         </c:dLbls>
         <c:gapWidth val="219"/>
         <c:overlap val="-27"/>
-        <c:axId val="1294994991"/>
-        <c:axId val="1295001647"/>
+        <c:axId val="771129360"/>
+        <c:axId val="771132112"/>
       </c:barChart>
       <c:catAx>
-        <c:axId val="1294994991"/>
+        <c:axId val="771129360"/>
         <c:scaling>
           <c:orientation val="minMax"/>
         </c:scaling>
@@ -1730,7 +1729,7 @@
             <a:endParaRPr lang="en-US"/>
           </a:p>
         </c:txPr>
-        <c:crossAx val="1295001647"/>
+        <c:crossAx val="771132112"/>
         <c:crosses val="autoZero"/>
         <c:auto val="1"/>
         <c:lblAlgn val="ctr"/>
@@ -1738,7 +1737,7 @@
         <c:noMultiLvlLbl val="0"/>
       </c:catAx>
       <c:valAx>
-        <c:axId val="1295001647"/>
+        <c:axId val="771132112"/>
         <c:scaling>
           <c:orientation val="minMax"/>
           <c:max val="0.1"/>
@@ -1790,7 +1789,7 @@
             <a:endParaRPr lang="en-US"/>
           </a:p>
         </c:txPr>
-        <c:crossAx val="1294994991"/>
+        <c:crossAx val="771129360"/>
         <c:crosses val="autoZero"/>
         <c:crossBetween val="between"/>
       </c:valAx>
@@ -2974,7 +2973,7 @@
           <p:cNvPr id="2" name="Header Placeholder 1">
             <a:extLst>
               <a:ext uri="{FF2B5EF4-FFF2-40B4-BE49-F238E27FC236}">
-                <a16:creationId xmlns:a16="http://schemas.microsoft.com/office/drawing/2014/main" id="{0F97DFCF-F890-A143-9133-C8B65C9B01EF}"/>
+                <a16:creationId xmlns:a16="http://schemas.microsoft.com/office/drawing/2014/main" xmlns="" id="{0F97DFCF-F890-A143-9133-C8B65C9B01EF}"/>
               </a:ext>
             </a:extLst>
           </p:cNvPr>
@@ -3011,7 +3010,7 @@
           <p:cNvPr id="3" name="Date Placeholder 2">
             <a:extLst>
               <a:ext uri="{FF2B5EF4-FFF2-40B4-BE49-F238E27FC236}">
-                <a16:creationId xmlns:a16="http://schemas.microsoft.com/office/drawing/2014/main" id="{EFE2C281-2434-D94F-B4BD-BA3CD4DB8440}"/>
+                <a16:creationId xmlns:a16="http://schemas.microsoft.com/office/drawing/2014/main" xmlns="" id="{EFE2C281-2434-D94F-B4BD-BA3CD4DB8440}"/>
               </a:ext>
             </a:extLst>
           </p:cNvPr>
@@ -3041,7 +3040,7 @@
           <a:p>
             <a:fld id="{966D5B4E-BF3E-3B45-A4BA-D6C3B92870D7}" type="datetimeFigureOut">
               <a:rPr lang="en-US" smtClean="0"/>
-              <a:t>5/7/2020</a:t>
+              <a:t>5/9/20</a:t>
             </a:fld>
             <a:endParaRPr lang="en-US" dirty="0"/>
           </a:p>
@@ -3052,7 +3051,7 @@
           <p:cNvPr id="4" name="Footer Placeholder 3">
             <a:extLst>
               <a:ext uri="{FF2B5EF4-FFF2-40B4-BE49-F238E27FC236}">
-                <a16:creationId xmlns:a16="http://schemas.microsoft.com/office/drawing/2014/main" id="{5C17CBFA-633D-5540-AFAA-BE1F495EC62F}"/>
+                <a16:creationId xmlns:a16="http://schemas.microsoft.com/office/drawing/2014/main" xmlns="" id="{5C17CBFA-633D-5540-AFAA-BE1F495EC62F}"/>
               </a:ext>
             </a:extLst>
           </p:cNvPr>
@@ -3089,7 +3088,7 @@
           <p:cNvPr id="5" name="Slide Number Placeholder 4">
             <a:extLst>
               <a:ext uri="{FF2B5EF4-FFF2-40B4-BE49-F238E27FC236}">
-                <a16:creationId xmlns:a16="http://schemas.microsoft.com/office/drawing/2014/main" id="{826B5631-D714-AD41-853B-A883ADC344D5}"/>
+                <a16:creationId xmlns:a16="http://schemas.microsoft.com/office/drawing/2014/main" xmlns="" id="{826B5631-D714-AD41-853B-A883ADC344D5}"/>
               </a:ext>
             </a:extLst>
           </p:cNvPr>
@@ -3218,7 +3217,7 @@
           <a:p>
             <a:fld id="{F5A8621B-8C8E-49BA-8772-41D0FE75A082}" type="datetimeFigureOut">
               <a:rPr lang="en-US" smtClean="0"/>
-              <a:t>5/7/2020</a:t>
+              <a:t>5/9/20</a:t>
             </a:fld>
             <a:endParaRPr lang="en-US" dirty="0"/>
           </a:p>
@@ -4371,90 +4370,6 @@
 </p:notes>
 </file>
 
-<file path=ppt/notesSlides/notesSlide8.xml><?xml version="1.0" encoding="utf-8"?>
-<p:notes xmlns:a="http://schemas.openxmlformats.org/drawingml/2006/main" xmlns:r="http://schemas.openxmlformats.org/officeDocument/2006/relationships" xmlns:p="http://schemas.openxmlformats.org/presentationml/2006/main">
-  <p:cSld>
-    <p:spTree>
-      <p:nvGrpSpPr>
-        <p:cNvPr id="1" name=""/>
-        <p:cNvGrpSpPr/>
-        <p:nvPr/>
-      </p:nvGrpSpPr>
-      <p:grpSpPr>
-        <a:xfrm>
-          <a:off x="0" y="0"/>
-          <a:ext cx="0" cy="0"/>
-          <a:chOff x="0" y="0"/>
-          <a:chExt cx="0" cy="0"/>
-        </a:xfrm>
-      </p:grpSpPr>
-      <p:sp>
-        <p:nvSpPr>
-          <p:cNvPr id="2" name="Slide Image Placeholder 1"/>
-          <p:cNvSpPr>
-            <a:spLocks noGrp="1" noRot="1" noChangeAspect="1"/>
-          </p:cNvSpPr>
-          <p:nvPr>
-            <p:ph type="sldImg"/>
-          </p:nvPr>
-        </p:nvSpPr>
-        <p:spPr/>
-      </p:sp>
-      <p:sp>
-        <p:nvSpPr>
-          <p:cNvPr id="3" name="Notes Placeholder 2"/>
-          <p:cNvSpPr>
-            <a:spLocks noGrp="1"/>
-          </p:cNvSpPr>
-          <p:nvPr>
-            <p:ph type="body" idx="1"/>
-          </p:nvPr>
-        </p:nvSpPr>
-        <p:spPr/>
-        <p:txBody>
-          <a:bodyPr/>
-          <a:lstStyle/>
-          <a:p>
-            <a:endParaRPr lang="en-US" dirty="0"/>
-          </a:p>
-        </p:txBody>
-      </p:sp>
-      <p:sp>
-        <p:nvSpPr>
-          <p:cNvPr id="4" name="Slide Number Placeholder 3"/>
-          <p:cNvSpPr>
-            <a:spLocks noGrp="1"/>
-          </p:cNvSpPr>
-          <p:nvPr>
-            <p:ph type="sldNum" sz="quarter" idx="10"/>
-          </p:nvPr>
-        </p:nvSpPr>
-        <p:spPr/>
-        <p:txBody>
-          <a:bodyPr/>
-          <a:lstStyle/>
-          <a:p>
-            <a:fld id="{228B34ED-4CDD-41C9-90F7-D768D5559A6F}" type="slidenum">
-              <a:rPr lang="en-US" smtClean="0"/>
-              <a:t>8</a:t>
-            </a:fld>
-            <a:endParaRPr lang="en-US" dirty="0"/>
-          </a:p>
-        </p:txBody>
-      </p:sp>
-    </p:spTree>
-    <p:extLst>
-      <p:ext uri="{BB962C8B-B14F-4D97-AF65-F5344CB8AC3E}">
-        <p14:creationId xmlns:p14="http://schemas.microsoft.com/office/powerpoint/2010/main" val="3412509025"/>
-      </p:ext>
-    </p:extLst>
-  </p:cSld>
-  <p:clrMapOvr>
-    <a:masterClrMapping/>
-  </p:clrMapOvr>
-</p:notes>
-</file>
-
 <file path=ppt/slideLayouts/slideLayout1.xml><?xml version="1.0" encoding="utf-8"?>
 <p:sldLayout xmlns:a="http://schemas.openxmlformats.org/drawingml/2006/main" xmlns:r="http://schemas.openxmlformats.org/officeDocument/2006/relationships" xmlns:p="http://schemas.openxmlformats.org/presentationml/2006/main" preserve="1" userDrawn="1">
   <p:cSld name="Title, Subtitle, and Content">
@@ -4477,7 +4392,7 @@
           <p:cNvPr id="5" name="Footer Placeholder 4">
             <a:extLst>
               <a:ext uri="{FF2B5EF4-FFF2-40B4-BE49-F238E27FC236}">
-                <a16:creationId xmlns:a16="http://schemas.microsoft.com/office/drawing/2014/main" id="{42A27944-63F0-4B2F-AD45-448C6DF71C85}"/>
+                <a16:creationId xmlns:a16="http://schemas.microsoft.com/office/drawing/2014/main" xmlns="" id="{42A27944-63F0-4B2F-AD45-448C6DF71C85}"/>
               </a:ext>
             </a:extLst>
           </p:cNvPr>
@@ -4505,7 +4420,7 @@
           <p:cNvPr id="6" name="Slide Number Placeholder 5">
             <a:extLst>
               <a:ext uri="{FF2B5EF4-FFF2-40B4-BE49-F238E27FC236}">
-                <a16:creationId xmlns:a16="http://schemas.microsoft.com/office/drawing/2014/main" id="{AF5DAC0D-26BC-4E19-94BF-7F158080FB62}"/>
+                <a16:creationId xmlns:a16="http://schemas.microsoft.com/office/drawing/2014/main" xmlns="" id="{AF5DAC0D-26BC-4E19-94BF-7F158080FB62}"/>
               </a:ext>
             </a:extLst>
           </p:cNvPr>
@@ -4534,7 +4449,7 @@
           <p:cNvPr id="2" name="Title 1">
             <a:extLst>
               <a:ext uri="{FF2B5EF4-FFF2-40B4-BE49-F238E27FC236}">
-                <a16:creationId xmlns:a16="http://schemas.microsoft.com/office/drawing/2014/main" id="{2C63BDE4-1CD0-AC4C-A2A9-C858427B0E20}"/>
+                <a16:creationId xmlns:a16="http://schemas.microsoft.com/office/drawing/2014/main" xmlns="" id="{2C63BDE4-1CD0-AC4C-A2A9-C858427B0E20}"/>
               </a:ext>
             </a:extLst>
           </p:cNvPr>
@@ -4569,7 +4484,7 @@
           <p:cNvPr id="8" name="Text Placeholder 2">
             <a:extLst>
               <a:ext uri="{FF2B5EF4-FFF2-40B4-BE49-F238E27FC236}">
-                <a16:creationId xmlns:a16="http://schemas.microsoft.com/office/drawing/2014/main" id="{67265051-1E5A-D844-BA21-383315517276}"/>
+                <a16:creationId xmlns:a16="http://schemas.microsoft.com/office/drawing/2014/main" xmlns="" id="{67265051-1E5A-D844-BA21-383315517276}"/>
               </a:ext>
             </a:extLst>
           </p:cNvPr>
@@ -4668,7 +4583,7 @@
           <p:cNvPr id="9" name="Text Placeholder 5">
             <a:extLst>
               <a:ext uri="{FF2B5EF4-FFF2-40B4-BE49-F238E27FC236}">
-                <a16:creationId xmlns:a16="http://schemas.microsoft.com/office/drawing/2014/main" id="{2914F6FF-E574-0340-AD3E-E6747297E034}"/>
+                <a16:creationId xmlns:a16="http://schemas.microsoft.com/office/drawing/2014/main" xmlns="" id="{2914F6FF-E574-0340-AD3E-E6747297E034}"/>
               </a:ext>
             </a:extLst>
           </p:cNvPr>
@@ -4770,7 +4685,7 @@
           <p:cNvPr id="5" name="Footer Placeholder 4">
             <a:extLst>
               <a:ext uri="{FF2B5EF4-FFF2-40B4-BE49-F238E27FC236}">
-                <a16:creationId xmlns:a16="http://schemas.microsoft.com/office/drawing/2014/main" id="{42A27944-63F0-4B2F-AD45-448C6DF71C85}"/>
+                <a16:creationId xmlns:a16="http://schemas.microsoft.com/office/drawing/2014/main" xmlns="" id="{42A27944-63F0-4B2F-AD45-448C6DF71C85}"/>
               </a:ext>
             </a:extLst>
           </p:cNvPr>
@@ -4798,7 +4713,7 @@
           <p:cNvPr id="6" name="Slide Number Placeholder 5">
             <a:extLst>
               <a:ext uri="{FF2B5EF4-FFF2-40B4-BE49-F238E27FC236}">
-                <a16:creationId xmlns:a16="http://schemas.microsoft.com/office/drawing/2014/main" id="{AF5DAC0D-26BC-4E19-94BF-7F158080FB62}"/>
+                <a16:creationId xmlns:a16="http://schemas.microsoft.com/office/drawing/2014/main" xmlns="" id="{AF5DAC0D-26BC-4E19-94BF-7F158080FB62}"/>
               </a:ext>
             </a:extLst>
           </p:cNvPr>
@@ -4827,7 +4742,7 @@
           <p:cNvPr id="2" name="Title 1">
             <a:extLst>
               <a:ext uri="{FF2B5EF4-FFF2-40B4-BE49-F238E27FC236}">
-                <a16:creationId xmlns:a16="http://schemas.microsoft.com/office/drawing/2014/main" id="{2C63BDE4-1CD0-AC4C-A2A9-C858427B0E20}"/>
+                <a16:creationId xmlns:a16="http://schemas.microsoft.com/office/drawing/2014/main" xmlns="" id="{2C63BDE4-1CD0-AC4C-A2A9-C858427B0E20}"/>
               </a:ext>
             </a:extLst>
           </p:cNvPr>
@@ -4862,7 +4777,7 @@
           <p:cNvPr id="8" name="Text Placeholder 2">
             <a:extLst>
               <a:ext uri="{FF2B5EF4-FFF2-40B4-BE49-F238E27FC236}">
-                <a16:creationId xmlns:a16="http://schemas.microsoft.com/office/drawing/2014/main" id="{67265051-1E5A-D844-BA21-383315517276}"/>
+                <a16:creationId xmlns:a16="http://schemas.microsoft.com/office/drawing/2014/main" xmlns="" id="{67265051-1E5A-D844-BA21-383315517276}"/>
               </a:ext>
             </a:extLst>
           </p:cNvPr>
@@ -4998,7 +4913,7 @@
           <p:cNvPr id="12" name="Rectangle 11">
             <a:extLst>
               <a:ext uri="{FF2B5EF4-FFF2-40B4-BE49-F238E27FC236}">
-                <a16:creationId xmlns:a16="http://schemas.microsoft.com/office/drawing/2014/main" id="{01CCD8B1-7DA9-46E5-8EC4-7B1E0D7E9B20}"/>
+                <a16:creationId xmlns:a16="http://schemas.microsoft.com/office/drawing/2014/main" xmlns="" id="{01CCD8B1-7DA9-46E5-8EC4-7B1E0D7E9B20}"/>
               </a:ext>
             </a:extLst>
           </p:cNvPr>
@@ -5069,7 +4984,7 @@
           <p:cNvPr id="11" name="Rectangle 10">
             <a:extLst>
               <a:ext uri="{FF2B5EF4-FFF2-40B4-BE49-F238E27FC236}">
-                <a16:creationId xmlns:a16="http://schemas.microsoft.com/office/drawing/2014/main" id="{A0E18C59-4654-4610-A461-4DAD6B9AA844}"/>
+                <a16:creationId xmlns:a16="http://schemas.microsoft.com/office/drawing/2014/main" xmlns="" id="{A0E18C59-4654-4610-A461-4DAD6B9AA844}"/>
               </a:ext>
             </a:extLst>
           </p:cNvPr>
@@ -5128,7 +5043,7 @@
           <p:cNvPr id="2" name="Title 1">
             <a:extLst>
               <a:ext uri="{FF2B5EF4-FFF2-40B4-BE49-F238E27FC236}">
-                <a16:creationId xmlns:a16="http://schemas.microsoft.com/office/drawing/2014/main" id="{74E289BF-FC60-4B0A-9338-19DFADB75B3E}"/>
+                <a16:creationId xmlns:a16="http://schemas.microsoft.com/office/drawing/2014/main" xmlns="" id="{74E289BF-FC60-4B0A-9338-19DFADB75B3E}"/>
               </a:ext>
             </a:extLst>
           </p:cNvPr>
@@ -5167,7 +5082,7 @@
           <p:cNvPr id="3" name="Text Placeholder 2">
             <a:extLst>
               <a:ext uri="{FF2B5EF4-FFF2-40B4-BE49-F238E27FC236}">
-                <a16:creationId xmlns:a16="http://schemas.microsoft.com/office/drawing/2014/main" id="{9BDA91F3-AE43-4DDA-AB24-49CF87963D72}"/>
+                <a16:creationId xmlns:a16="http://schemas.microsoft.com/office/drawing/2014/main" xmlns="" id="{9BDA91F3-AE43-4DDA-AB24-49CF87963D72}"/>
               </a:ext>
             </a:extLst>
           </p:cNvPr>
@@ -5242,7 +5157,7 @@
           <p:cNvPr id="4" name="Content Placeholder 3">
             <a:extLst>
               <a:ext uri="{FF2B5EF4-FFF2-40B4-BE49-F238E27FC236}">
-                <a16:creationId xmlns:a16="http://schemas.microsoft.com/office/drawing/2014/main" id="{24A648F6-CDB4-4032-9F98-6ED11F980765}"/>
+                <a16:creationId xmlns:a16="http://schemas.microsoft.com/office/drawing/2014/main" xmlns="" id="{24A648F6-CDB4-4032-9F98-6ED11F980765}"/>
               </a:ext>
             </a:extLst>
           </p:cNvPr>
@@ -5358,7 +5273,7 @@
           <p:cNvPr id="5" name="Text Placeholder 4">
             <a:extLst>
               <a:ext uri="{FF2B5EF4-FFF2-40B4-BE49-F238E27FC236}">
-                <a16:creationId xmlns:a16="http://schemas.microsoft.com/office/drawing/2014/main" id="{258F648F-0299-4352-914D-9ACEEF6FE597}"/>
+                <a16:creationId xmlns:a16="http://schemas.microsoft.com/office/drawing/2014/main" xmlns="" id="{258F648F-0299-4352-914D-9ACEEF6FE597}"/>
               </a:ext>
             </a:extLst>
           </p:cNvPr>
@@ -5433,7 +5348,7 @@
           <p:cNvPr id="6" name="Content Placeholder 5">
             <a:extLst>
               <a:ext uri="{FF2B5EF4-FFF2-40B4-BE49-F238E27FC236}">
-                <a16:creationId xmlns:a16="http://schemas.microsoft.com/office/drawing/2014/main" id="{65215A19-FA39-4BD0-87C2-8DA3B8C587BB}"/>
+                <a16:creationId xmlns:a16="http://schemas.microsoft.com/office/drawing/2014/main" xmlns="" id="{65215A19-FA39-4BD0-87C2-8DA3B8C587BB}"/>
               </a:ext>
             </a:extLst>
           </p:cNvPr>
@@ -5549,7 +5464,7 @@
           <p:cNvPr id="8" name="Footer Placeholder 7">
             <a:extLst>
               <a:ext uri="{FF2B5EF4-FFF2-40B4-BE49-F238E27FC236}">
-                <a16:creationId xmlns:a16="http://schemas.microsoft.com/office/drawing/2014/main" id="{A719B710-B005-42F3-BB0B-EDD61A824BF6}"/>
+                <a16:creationId xmlns:a16="http://schemas.microsoft.com/office/drawing/2014/main" xmlns="" id="{A719B710-B005-42F3-BB0B-EDD61A824BF6}"/>
               </a:ext>
             </a:extLst>
           </p:cNvPr>
@@ -5577,7 +5492,7 @@
           <p:cNvPr id="9" name="Slide Number Placeholder 8">
             <a:extLst>
               <a:ext uri="{FF2B5EF4-FFF2-40B4-BE49-F238E27FC236}">
-                <a16:creationId xmlns:a16="http://schemas.microsoft.com/office/drawing/2014/main" id="{6B457843-7A19-4C1A-A6EB-82840DAE997E}"/>
+                <a16:creationId xmlns:a16="http://schemas.microsoft.com/office/drawing/2014/main" xmlns="" id="{6B457843-7A19-4C1A-A6EB-82840DAE997E}"/>
               </a:ext>
             </a:extLst>
           </p:cNvPr>
@@ -5606,7 +5521,7 @@
           <p:cNvPr id="13" name="Shape 61">
             <a:extLst>
               <a:ext uri="{FF2B5EF4-FFF2-40B4-BE49-F238E27FC236}">
-                <a16:creationId xmlns:a16="http://schemas.microsoft.com/office/drawing/2014/main" id="{675B8062-1FC4-4E68-B7AF-45AB92A9F7B4}"/>
+                <a16:creationId xmlns:a16="http://schemas.microsoft.com/office/drawing/2014/main" xmlns="" id="{675B8062-1FC4-4E68-B7AF-45AB92A9F7B4}"/>
               </a:ext>
             </a:extLst>
           </p:cNvPr>
@@ -5626,7 +5541,7 @@
           </a:ln>
           <a:extLst>
             <a:ext uri="{C572A759-6A51-4108-AA02-DFA0A04FC94B}">
-              <ma14:wrappingTextBoxFlag xmlns="" xmlns:ma14="http://schemas.microsoft.com/office/mac/drawingml/2011/main" val="1"/>
+              <ma14:wrappingTextBoxFlag xmlns:ma14="http://schemas.microsoft.com/office/mac/drawingml/2011/main" val="1"/>
             </a:ext>
           </a:extLst>
         </p:spPr>
@@ -5704,7 +5619,7 @@
           <p:cNvPr id="12" name="Rectangle 11">
             <a:extLst>
               <a:ext uri="{FF2B5EF4-FFF2-40B4-BE49-F238E27FC236}">
-                <a16:creationId xmlns:a16="http://schemas.microsoft.com/office/drawing/2014/main" id="{01CCD8B1-7DA9-46E5-8EC4-7B1E0D7E9B20}"/>
+                <a16:creationId xmlns:a16="http://schemas.microsoft.com/office/drawing/2014/main" xmlns="" id="{01CCD8B1-7DA9-46E5-8EC4-7B1E0D7E9B20}"/>
               </a:ext>
             </a:extLst>
           </p:cNvPr>
@@ -5775,7 +5690,7 @@
           <p:cNvPr id="11" name="Rectangle 10">
             <a:extLst>
               <a:ext uri="{FF2B5EF4-FFF2-40B4-BE49-F238E27FC236}">
-                <a16:creationId xmlns:a16="http://schemas.microsoft.com/office/drawing/2014/main" id="{A0E18C59-4654-4610-A461-4DAD6B9AA844}"/>
+                <a16:creationId xmlns:a16="http://schemas.microsoft.com/office/drawing/2014/main" xmlns="" id="{A0E18C59-4654-4610-A461-4DAD6B9AA844}"/>
               </a:ext>
             </a:extLst>
           </p:cNvPr>
@@ -5834,7 +5749,7 @@
           <p:cNvPr id="2" name="Title 1">
             <a:extLst>
               <a:ext uri="{FF2B5EF4-FFF2-40B4-BE49-F238E27FC236}">
-                <a16:creationId xmlns:a16="http://schemas.microsoft.com/office/drawing/2014/main" id="{74E289BF-FC60-4B0A-9338-19DFADB75B3E}"/>
+                <a16:creationId xmlns:a16="http://schemas.microsoft.com/office/drawing/2014/main" xmlns="" id="{74E289BF-FC60-4B0A-9338-19DFADB75B3E}"/>
               </a:ext>
             </a:extLst>
           </p:cNvPr>
@@ -5873,7 +5788,7 @@
           <p:cNvPr id="8" name="Footer Placeholder 7">
             <a:extLst>
               <a:ext uri="{FF2B5EF4-FFF2-40B4-BE49-F238E27FC236}">
-                <a16:creationId xmlns:a16="http://schemas.microsoft.com/office/drawing/2014/main" id="{A719B710-B005-42F3-BB0B-EDD61A824BF6}"/>
+                <a16:creationId xmlns:a16="http://schemas.microsoft.com/office/drawing/2014/main" xmlns="" id="{A719B710-B005-42F3-BB0B-EDD61A824BF6}"/>
               </a:ext>
             </a:extLst>
           </p:cNvPr>
@@ -5901,7 +5816,7 @@
           <p:cNvPr id="9" name="Slide Number Placeholder 8">
             <a:extLst>
               <a:ext uri="{FF2B5EF4-FFF2-40B4-BE49-F238E27FC236}">
-                <a16:creationId xmlns:a16="http://schemas.microsoft.com/office/drawing/2014/main" id="{6B457843-7A19-4C1A-A6EB-82840DAE997E}"/>
+                <a16:creationId xmlns:a16="http://schemas.microsoft.com/office/drawing/2014/main" xmlns="" id="{6B457843-7A19-4C1A-A6EB-82840DAE997E}"/>
               </a:ext>
             </a:extLst>
           </p:cNvPr>
@@ -5930,7 +5845,7 @@
           <p:cNvPr id="13" name="Shape 61">
             <a:extLst>
               <a:ext uri="{FF2B5EF4-FFF2-40B4-BE49-F238E27FC236}">
-                <a16:creationId xmlns:a16="http://schemas.microsoft.com/office/drawing/2014/main" id="{675B8062-1FC4-4E68-B7AF-45AB92A9F7B4}"/>
+                <a16:creationId xmlns:a16="http://schemas.microsoft.com/office/drawing/2014/main" xmlns="" id="{675B8062-1FC4-4E68-B7AF-45AB92A9F7B4}"/>
               </a:ext>
             </a:extLst>
           </p:cNvPr>
@@ -5950,7 +5865,7 @@
           </a:ln>
           <a:extLst>
             <a:ext uri="{C572A759-6A51-4108-AA02-DFA0A04FC94B}">
-              <ma14:wrappingTextBoxFlag xmlns="" xmlns:ma14="http://schemas.microsoft.com/office/mac/drawingml/2011/main" val="1"/>
+              <ma14:wrappingTextBoxFlag xmlns:ma14="http://schemas.microsoft.com/office/mac/drawingml/2011/main" val="1"/>
             </a:ext>
           </a:extLst>
         </p:spPr>
@@ -5998,7 +5913,7 @@
           <p:cNvPr id="15" name="Content Placeholder 2">
             <a:extLst>
               <a:ext uri="{FF2B5EF4-FFF2-40B4-BE49-F238E27FC236}">
-                <a16:creationId xmlns:a16="http://schemas.microsoft.com/office/drawing/2014/main" id="{2B178DD2-BCD4-4E9E-8EAA-0A3AB74C6160}"/>
+                <a16:creationId xmlns:a16="http://schemas.microsoft.com/office/drawing/2014/main" xmlns="" id="{2B178DD2-BCD4-4E9E-8EAA-0A3AB74C6160}"/>
               </a:ext>
             </a:extLst>
           </p:cNvPr>
@@ -6097,7 +6012,7 @@
           <p:cNvPr id="16" name="Content Placeholder 3">
             <a:extLst>
               <a:ext uri="{FF2B5EF4-FFF2-40B4-BE49-F238E27FC236}">
-                <a16:creationId xmlns:a16="http://schemas.microsoft.com/office/drawing/2014/main" id="{0B7D881D-13DE-4377-AA74-0EBFD9C9926A}"/>
+                <a16:creationId xmlns:a16="http://schemas.microsoft.com/office/drawing/2014/main" xmlns="" id="{0B7D881D-13DE-4377-AA74-0EBFD9C9926A}"/>
               </a:ext>
             </a:extLst>
           </p:cNvPr>
@@ -6233,7 +6148,7 @@
           <p:cNvPr id="11" name="Rectangle 10">
             <a:extLst>
               <a:ext uri="{FF2B5EF4-FFF2-40B4-BE49-F238E27FC236}">
-                <a16:creationId xmlns:a16="http://schemas.microsoft.com/office/drawing/2014/main" id="{A0E18C59-4654-4610-A461-4DAD6B9AA844}"/>
+                <a16:creationId xmlns:a16="http://schemas.microsoft.com/office/drawing/2014/main" xmlns="" id="{A0E18C59-4654-4610-A461-4DAD6B9AA844}"/>
               </a:ext>
             </a:extLst>
           </p:cNvPr>
@@ -6292,7 +6207,7 @@
           <p:cNvPr id="2" name="Title 1">
             <a:extLst>
               <a:ext uri="{FF2B5EF4-FFF2-40B4-BE49-F238E27FC236}">
-                <a16:creationId xmlns:a16="http://schemas.microsoft.com/office/drawing/2014/main" id="{74E289BF-FC60-4B0A-9338-19DFADB75B3E}"/>
+                <a16:creationId xmlns:a16="http://schemas.microsoft.com/office/drawing/2014/main" xmlns="" id="{74E289BF-FC60-4B0A-9338-19DFADB75B3E}"/>
               </a:ext>
             </a:extLst>
           </p:cNvPr>
@@ -6335,7 +6250,7 @@
           <p:cNvPr id="8" name="Footer Placeholder 7">
             <a:extLst>
               <a:ext uri="{FF2B5EF4-FFF2-40B4-BE49-F238E27FC236}">
-                <a16:creationId xmlns:a16="http://schemas.microsoft.com/office/drawing/2014/main" id="{A719B710-B005-42F3-BB0B-EDD61A824BF6}"/>
+                <a16:creationId xmlns:a16="http://schemas.microsoft.com/office/drawing/2014/main" xmlns="" id="{A719B710-B005-42F3-BB0B-EDD61A824BF6}"/>
               </a:ext>
             </a:extLst>
           </p:cNvPr>
@@ -6363,7 +6278,7 @@
           <p:cNvPr id="9" name="Slide Number Placeholder 8">
             <a:extLst>
               <a:ext uri="{FF2B5EF4-FFF2-40B4-BE49-F238E27FC236}">
-                <a16:creationId xmlns:a16="http://schemas.microsoft.com/office/drawing/2014/main" id="{6B457843-7A19-4C1A-A6EB-82840DAE997E}"/>
+                <a16:creationId xmlns:a16="http://schemas.microsoft.com/office/drawing/2014/main" xmlns="" id="{6B457843-7A19-4C1A-A6EB-82840DAE997E}"/>
               </a:ext>
             </a:extLst>
           </p:cNvPr>
@@ -6392,7 +6307,7 @@
           <p:cNvPr id="16" name="Text Placeholder 3">
             <a:extLst>
               <a:ext uri="{FF2B5EF4-FFF2-40B4-BE49-F238E27FC236}">
-                <a16:creationId xmlns:a16="http://schemas.microsoft.com/office/drawing/2014/main" id="{1B8C1683-B5FA-422D-82FD-3E04C0D01AC4}"/>
+                <a16:creationId xmlns:a16="http://schemas.microsoft.com/office/drawing/2014/main" xmlns="" id="{1B8C1683-B5FA-422D-82FD-3E04C0D01AC4}"/>
               </a:ext>
             </a:extLst>
           </p:cNvPr>
@@ -6467,7 +6382,7 @@
           <p:cNvPr id="17" name="Content Placeholder 2">
             <a:extLst>
               <a:ext uri="{FF2B5EF4-FFF2-40B4-BE49-F238E27FC236}">
-                <a16:creationId xmlns:a16="http://schemas.microsoft.com/office/drawing/2014/main" id="{64332CC6-AF18-49EE-9933-50E3E93F6B86}"/>
+                <a16:creationId xmlns:a16="http://schemas.microsoft.com/office/drawing/2014/main" xmlns="" id="{64332CC6-AF18-49EE-9933-50E3E93F6B86}"/>
               </a:ext>
             </a:extLst>
           </p:cNvPr>
@@ -6597,7 +6512,7 @@
           <p:cNvPr id="11" name="Rectangle 10">
             <a:extLst>
               <a:ext uri="{FF2B5EF4-FFF2-40B4-BE49-F238E27FC236}">
-                <a16:creationId xmlns:a16="http://schemas.microsoft.com/office/drawing/2014/main" id="{A0E18C59-4654-4610-A461-4DAD6B9AA844}"/>
+                <a16:creationId xmlns:a16="http://schemas.microsoft.com/office/drawing/2014/main" xmlns="" id="{A0E18C59-4654-4610-A461-4DAD6B9AA844}"/>
               </a:ext>
             </a:extLst>
           </p:cNvPr>
@@ -6656,7 +6571,7 @@
           <p:cNvPr id="2" name="Title 1">
             <a:extLst>
               <a:ext uri="{FF2B5EF4-FFF2-40B4-BE49-F238E27FC236}">
-                <a16:creationId xmlns:a16="http://schemas.microsoft.com/office/drawing/2014/main" id="{74E289BF-FC60-4B0A-9338-19DFADB75B3E}"/>
+                <a16:creationId xmlns:a16="http://schemas.microsoft.com/office/drawing/2014/main" xmlns="" id="{74E289BF-FC60-4B0A-9338-19DFADB75B3E}"/>
               </a:ext>
             </a:extLst>
           </p:cNvPr>
@@ -6699,7 +6614,7 @@
           <p:cNvPr id="8" name="Footer Placeholder 7">
             <a:extLst>
               <a:ext uri="{FF2B5EF4-FFF2-40B4-BE49-F238E27FC236}">
-                <a16:creationId xmlns:a16="http://schemas.microsoft.com/office/drawing/2014/main" id="{A719B710-B005-42F3-BB0B-EDD61A824BF6}"/>
+                <a16:creationId xmlns:a16="http://schemas.microsoft.com/office/drawing/2014/main" xmlns="" id="{A719B710-B005-42F3-BB0B-EDD61A824BF6}"/>
               </a:ext>
             </a:extLst>
           </p:cNvPr>
@@ -6727,7 +6642,7 @@
           <p:cNvPr id="9" name="Slide Number Placeholder 8">
             <a:extLst>
               <a:ext uri="{FF2B5EF4-FFF2-40B4-BE49-F238E27FC236}">
-                <a16:creationId xmlns:a16="http://schemas.microsoft.com/office/drawing/2014/main" id="{6B457843-7A19-4C1A-A6EB-82840DAE997E}"/>
+                <a16:creationId xmlns:a16="http://schemas.microsoft.com/office/drawing/2014/main" xmlns="" id="{6B457843-7A19-4C1A-A6EB-82840DAE997E}"/>
               </a:ext>
             </a:extLst>
           </p:cNvPr>
@@ -6756,7 +6671,7 @@
           <p:cNvPr id="15" name="Text Placeholder 3">
             <a:extLst>
               <a:ext uri="{FF2B5EF4-FFF2-40B4-BE49-F238E27FC236}">
-                <a16:creationId xmlns:a16="http://schemas.microsoft.com/office/drawing/2014/main" id="{73C3E625-3996-4407-8E4D-475EF610D90C}"/>
+                <a16:creationId xmlns:a16="http://schemas.microsoft.com/office/drawing/2014/main" xmlns="" id="{73C3E625-3996-4407-8E4D-475EF610D90C}"/>
               </a:ext>
             </a:extLst>
           </p:cNvPr>
@@ -6831,7 +6746,7 @@
           <p:cNvPr id="17" name="Picture Placeholder 2">
             <a:extLst>
               <a:ext uri="{FF2B5EF4-FFF2-40B4-BE49-F238E27FC236}">
-                <a16:creationId xmlns:a16="http://schemas.microsoft.com/office/drawing/2014/main" id="{E87E45D5-103F-4407-822F-E7FAE02D6ABB}"/>
+                <a16:creationId xmlns:a16="http://schemas.microsoft.com/office/drawing/2014/main" xmlns="" id="{E87E45D5-103F-4407-822F-E7FAE02D6ABB}"/>
               </a:ext>
             </a:extLst>
           </p:cNvPr>
@@ -6939,7 +6854,7 @@
           <p:cNvPr id="3" name="Footer Placeholder 2">
             <a:extLst>
               <a:ext uri="{FF2B5EF4-FFF2-40B4-BE49-F238E27FC236}">
-                <a16:creationId xmlns:a16="http://schemas.microsoft.com/office/drawing/2014/main" id="{2DB0C003-2795-4473-BA28-C10CB461998B}"/>
+                <a16:creationId xmlns:a16="http://schemas.microsoft.com/office/drawing/2014/main" xmlns="" id="{2DB0C003-2795-4473-BA28-C10CB461998B}"/>
               </a:ext>
             </a:extLst>
           </p:cNvPr>
@@ -6967,7 +6882,7 @@
           <p:cNvPr id="4" name="Slide Number Placeholder 3">
             <a:extLst>
               <a:ext uri="{FF2B5EF4-FFF2-40B4-BE49-F238E27FC236}">
-                <a16:creationId xmlns:a16="http://schemas.microsoft.com/office/drawing/2014/main" id="{82A626D5-ACB5-4E77-B485-5F611FBCFFA3}"/>
+                <a16:creationId xmlns:a16="http://schemas.microsoft.com/office/drawing/2014/main" xmlns="" id="{82A626D5-ACB5-4E77-B485-5F611FBCFFA3}"/>
               </a:ext>
             </a:extLst>
           </p:cNvPr>
@@ -7033,7 +6948,7 @@
           <p:cNvPr id="3" name="Picture Placeholder 2">
             <a:extLst>
               <a:ext uri="{FF2B5EF4-FFF2-40B4-BE49-F238E27FC236}">
-                <a16:creationId xmlns:a16="http://schemas.microsoft.com/office/drawing/2014/main" id="{DE635FD8-712D-4EE2-A5B6-3DD8DE9C25E9}"/>
+                <a16:creationId xmlns:a16="http://schemas.microsoft.com/office/drawing/2014/main" xmlns="" id="{DE635FD8-712D-4EE2-A5B6-3DD8DE9C25E9}"/>
               </a:ext>
             </a:extLst>
           </p:cNvPr>
@@ -7072,7 +6987,7 @@
           <p:cNvPr id="2" name="Title 1">
             <a:extLst>
               <a:ext uri="{FF2B5EF4-FFF2-40B4-BE49-F238E27FC236}">
-                <a16:creationId xmlns:a16="http://schemas.microsoft.com/office/drawing/2014/main" id="{96D712C6-2A37-4F08-AF12-D70F8C809441}"/>
+                <a16:creationId xmlns:a16="http://schemas.microsoft.com/office/drawing/2014/main" xmlns="" id="{96D712C6-2A37-4F08-AF12-D70F8C809441}"/>
               </a:ext>
             </a:extLst>
           </p:cNvPr>
@@ -7101,7 +7016,7 @@
           <p:cNvPr id="4" name="Slide Number Placeholder 3">
             <a:extLst>
               <a:ext uri="{FF2B5EF4-FFF2-40B4-BE49-F238E27FC236}">
-                <a16:creationId xmlns:a16="http://schemas.microsoft.com/office/drawing/2014/main" id="{82A626D5-ACB5-4E77-B485-5F611FBCFFA3}"/>
+                <a16:creationId xmlns:a16="http://schemas.microsoft.com/office/drawing/2014/main" xmlns="" id="{82A626D5-ACB5-4E77-B485-5F611FBCFFA3}"/>
               </a:ext>
             </a:extLst>
           </p:cNvPr>
@@ -7172,7 +7087,7 @@
           <p:cNvPr id="3" name="Picture Placeholder 2">
             <a:extLst>
               <a:ext uri="{FF2B5EF4-FFF2-40B4-BE49-F238E27FC236}">
-                <a16:creationId xmlns:a16="http://schemas.microsoft.com/office/drawing/2014/main" id="{DE635FD8-712D-4EE2-A5B6-3DD8DE9C25E9}"/>
+                <a16:creationId xmlns:a16="http://schemas.microsoft.com/office/drawing/2014/main" xmlns="" id="{DE635FD8-712D-4EE2-A5B6-3DD8DE9C25E9}"/>
               </a:ext>
             </a:extLst>
           </p:cNvPr>
@@ -7211,7 +7126,7 @@
           <p:cNvPr id="4" name="Title 1">
             <a:extLst>
               <a:ext uri="{FF2B5EF4-FFF2-40B4-BE49-F238E27FC236}">
-                <a16:creationId xmlns:a16="http://schemas.microsoft.com/office/drawing/2014/main" id="{01219AD9-34B1-4C27-8648-E7D7C69C07F9}"/>
+                <a16:creationId xmlns:a16="http://schemas.microsoft.com/office/drawing/2014/main" xmlns="" id="{01219AD9-34B1-4C27-8648-E7D7C69C07F9}"/>
               </a:ext>
             </a:extLst>
           </p:cNvPr>
@@ -7252,7 +7167,7 @@
           <p:cNvPr id="5" name="Text Placeholder 2">
             <a:extLst>
               <a:ext uri="{FF2B5EF4-FFF2-40B4-BE49-F238E27FC236}">
-                <a16:creationId xmlns:a16="http://schemas.microsoft.com/office/drawing/2014/main" id="{40849B93-E2CE-4654-9EC7-7DFA141A5500}"/>
+                <a16:creationId xmlns:a16="http://schemas.microsoft.com/office/drawing/2014/main" xmlns="" id="{40849B93-E2CE-4654-9EC7-7DFA141A5500}"/>
               </a:ext>
             </a:extLst>
           </p:cNvPr>
@@ -7415,7 +7330,7 @@
           <p:cNvPr id="11" name="Picture Placeholder 10">
             <a:extLst>
               <a:ext uri="{FF2B5EF4-FFF2-40B4-BE49-F238E27FC236}">
-                <a16:creationId xmlns:a16="http://schemas.microsoft.com/office/drawing/2014/main" id="{912AA41C-A030-4521-8130-6A8E4543F277}"/>
+                <a16:creationId xmlns:a16="http://schemas.microsoft.com/office/drawing/2014/main" xmlns="" id="{912AA41C-A030-4521-8130-6A8E4543F277}"/>
               </a:ext>
             </a:extLst>
           </p:cNvPr>
@@ -7525,7 +7440,7 @@
           <p:cNvPr id="3" name="Text Placeholder 2">
             <a:extLst>
               <a:ext uri="{FF2B5EF4-FFF2-40B4-BE49-F238E27FC236}">
-                <a16:creationId xmlns:a16="http://schemas.microsoft.com/office/drawing/2014/main" id="{893C356F-E483-4AFD-856C-13BB8E8A5605}"/>
+                <a16:creationId xmlns:a16="http://schemas.microsoft.com/office/drawing/2014/main" xmlns="" id="{893C356F-E483-4AFD-856C-13BB8E8A5605}"/>
               </a:ext>
             </a:extLst>
           </p:cNvPr>
@@ -7653,7 +7568,7 @@
           <p:cNvPr id="5" name="Footer Placeholder 4">
             <a:extLst>
               <a:ext uri="{FF2B5EF4-FFF2-40B4-BE49-F238E27FC236}">
-                <a16:creationId xmlns:a16="http://schemas.microsoft.com/office/drawing/2014/main" id="{BC79732E-D749-40DD-8365-05028518765D}"/>
+                <a16:creationId xmlns:a16="http://schemas.microsoft.com/office/drawing/2014/main" xmlns="" id="{BC79732E-D749-40DD-8365-05028518765D}"/>
               </a:ext>
             </a:extLst>
           </p:cNvPr>
@@ -7681,7 +7596,7 @@
           <p:cNvPr id="6" name="Slide Number Placeholder 5">
             <a:extLst>
               <a:ext uri="{FF2B5EF4-FFF2-40B4-BE49-F238E27FC236}">
-                <a16:creationId xmlns:a16="http://schemas.microsoft.com/office/drawing/2014/main" id="{88F55E23-C4CC-4E9B-80F4-C4BEA6E2DD84}"/>
+                <a16:creationId xmlns:a16="http://schemas.microsoft.com/office/drawing/2014/main" xmlns="" id="{88F55E23-C4CC-4E9B-80F4-C4BEA6E2DD84}"/>
               </a:ext>
             </a:extLst>
           </p:cNvPr>
@@ -7710,7 +7625,7 @@
           <p:cNvPr id="8" name="Title 1">
             <a:extLst>
               <a:ext uri="{FF2B5EF4-FFF2-40B4-BE49-F238E27FC236}">
-                <a16:creationId xmlns:a16="http://schemas.microsoft.com/office/drawing/2014/main" id="{AABA725B-4BCB-1D48-9C5D-46706B18719E}"/>
+                <a16:creationId xmlns:a16="http://schemas.microsoft.com/office/drawing/2014/main" xmlns="" id="{AABA725B-4BCB-1D48-9C5D-46706B18719E}"/>
               </a:ext>
             </a:extLst>
           </p:cNvPr>
@@ -7784,7 +7699,7 @@
           <p:cNvPr id="11" name="Picture Placeholder 10">
             <a:extLst>
               <a:ext uri="{FF2B5EF4-FFF2-40B4-BE49-F238E27FC236}">
-                <a16:creationId xmlns:a16="http://schemas.microsoft.com/office/drawing/2014/main" id="{912AA41C-A030-4521-8130-6A8E4543F277}"/>
+                <a16:creationId xmlns:a16="http://schemas.microsoft.com/office/drawing/2014/main" xmlns="" id="{912AA41C-A030-4521-8130-6A8E4543F277}"/>
               </a:ext>
             </a:extLst>
           </p:cNvPr>
@@ -7833,7 +7748,7 @@
           <p:cNvPr id="2" name="Title 1">
             <a:extLst>
               <a:ext uri="{FF2B5EF4-FFF2-40B4-BE49-F238E27FC236}">
-                <a16:creationId xmlns:a16="http://schemas.microsoft.com/office/drawing/2014/main" id="{97230B2C-7250-4568-96CF-7E5A34B3CAD3}"/>
+                <a16:creationId xmlns:a16="http://schemas.microsoft.com/office/drawing/2014/main" xmlns="" id="{97230B2C-7250-4568-96CF-7E5A34B3CAD3}"/>
               </a:ext>
             </a:extLst>
           </p:cNvPr>
@@ -7870,7 +7785,7 @@
           <p:cNvPr id="3" name="Text Placeholder 2">
             <a:extLst>
               <a:ext uri="{FF2B5EF4-FFF2-40B4-BE49-F238E27FC236}">
-                <a16:creationId xmlns:a16="http://schemas.microsoft.com/office/drawing/2014/main" id="{893C356F-E483-4AFD-856C-13BB8E8A5605}"/>
+                <a16:creationId xmlns:a16="http://schemas.microsoft.com/office/drawing/2014/main" xmlns="" id="{893C356F-E483-4AFD-856C-13BB8E8A5605}"/>
               </a:ext>
             </a:extLst>
           </p:cNvPr>
@@ -7998,7 +7913,7 @@
           <p:cNvPr id="5" name="Footer Placeholder 4">
             <a:extLst>
               <a:ext uri="{FF2B5EF4-FFF2-40B4-BE49-F238E27FC236}">
-                <a16:creationId xmlns:a16="http://schemas.microsoft.com/office/drawing/2014/main" id="{BC79732E-D749-40DD-8365-05028518765D}"/>
+                <a16:creationId xmlns:a16="http://schemas.microsoft.com/office/drawing/2014/main" xmlns="" id="{BC79732E-D749-40DD-8365-05028518765D}"/>
               </a:ext>
             </a:extLst>
           </p:cNvPr>
@@ -8026,7 +7941,7 @@
           <p:cNvPr id="6" name="Slide Number Placeholder 5">
             <a:extLst>
               <a:ext uri="{FF2B5EF4-FFF2-40B4-BE49-F238E27FC236}">
-                <a16:creationId xmlns:a16="http://schemas.microsoft.com/office/drawing/2014/main" id="{88F55E23-C4CC-4E9B-80F4-C4BEA6E2DD84}"/>
+                <a16:creationId xmlns:a16="http://schemas.microsoft.com/office/drawing/2014/main" xmlns="" id="{88F55E23-C4CC-4E9B-80F4-C4BEA6E2DD84}"/>
               </a:ext>
             </a:extLst>
           </p:cNvPr>
@@ -8092,7 +8007,7 @@
           <p:cNvPr id="2" name="Title 1">
             <a:extLst>
               <a:ext uri="{FF2B5EF4-FFF2-40B4-BE49-F238E27FC236}">
-                <a16:creationId xmlns:a16="http://schemas.microsoft.com/office/drawing/2014/main" id="{004074E6-E39E-4D19-B91F-8E84F37CBF3C}"/>
+                <a16:creationId xmlns:a16="http://schemas.microsoft.com/office/drawing/2014/main" xmlns="" id="{004074E6-E39E-4D19-B91F-8E84F37CBF3C}"/>
               </a:ext>
             </a:extLst>
           </p:cNvPr>
@@ -8131,7 +8046,7 @@
           <p:cNvPr id="3" name="Content Placeholder 2">
             <a:extLst>
               <a:ext uri="{FF2B5EF4-FFF2-40B4-BE49-F238E27FC236}">
-                <a16:creationId xmlns:a16="http://schemas.microsoft.com/office/drawing/2014/main" id="{607D1B16-7058-45AD-9B19-E19CAF96683B}"/>
+                <a16:creationId xmlns:a16="http://schemas.microsoft.com/office/drawing/2014/main" xmlns="" id="{607D1B16-7058-45AD-9B19-E19CAF96683B}"/>
               </a:ext>
             </a:extLst>
           </p:cNvPr>
@@ -8242,7 +8157,7 @@
           <p:cNvPr id="53" name="Picture Placeholder 52">
             <a:extLst>
               <a:ext uri="{FF2B5EF4-FFF2-40B4-BE49-F238E27FC236}">
-                <a16:creationId xmlns:a16="http://schemas.microsoft.com/office/drawing/2014/main" id="{86917B65-8F50-454E-AF7E-D53FE2DE8F04}"/>
+                <a16:creationId xmlns:a16="http://schemas.microsoft.com/office/drawing/2014/main" xmlns="" id="{86917B65-8F50-454E-AF7E-D53FE2DE8F04}"/>
               </a:ext>
             </a:extLst>
           </p:cNvPr>
@@ -8682,7 +8597,7 @@
           <p:cNvPr id="58" name="Text Placeholder 2">
             <a:extLst>
               <a:ext uri="{FF2B5EF4-FFF2-40B4-BE49-F238E27FC236}">
-                <a16:creationId xmlns:a16="http://schemas.microsoft.com/office/drawing/2014/main" id="{75065C5E-8027-4266-B6BE-BA117C6F7ACA}"/>
+                <a16:creationId xmlns:a16="http://schemas.microsoft.com/office/drawing/2014/main" xmlns="" id="{75065C5E-8027-4266-B6BE-BA117C6F7ACA}"/>
               </a:ext>
             </a:extLst>
           </p:cNvPr>
@@ -8809,7 +8724,7 @@
           <p:cNvPr id="59" name="Slide Number Placeholder 5">
             <a:extLst>
               <a:ext uri="{FF2B5EF4-FFF2-40B4-BE49-F238E27FC236}">
-                <a16:creationId xmlns:a16="http://schemas.microsoft.com/office/drawing/2014/main" id="{3DEB48E0-328C-45EE-A8BD-90E6AB261082}"/>
+                <a16:creationId xmlns:a16="http://schemas.microsoft.com/office/drawing/2014/main" xmlns="" id="{3DEB48E0-328C-45EE-A8BD-90E6AB261082}"/>
               </a:ext>
             </a:extLst>
           </p:cNvPr>
@@ -8909,7 +8824,7 @@
           <p:cNvPr id="15" name="Rectangle 14">
             <a:extLst>
               <a:ext uri="{FF2B5EF4-FFF2-40B4-BE49-F238E27FC236}">
-                <a16:creationId xmlns:a16="http://schemas.microsoft.com/office/drawing/2014/main" id="{08F64841-5495-4B23-A74E-409C28CB7AC1}"/>
+                <a16:creationId xmlns:a16="http://schemas.microsoft.com/office/drawing/2014/main" xmlns="" id="{08F64841-5495-4B23-A74E-409C28CB7AC1}"/>
               </a:ext>
             </a:extLst>
           </p:cNvPr>
@@ -8968,7 +8883,7 @@
           <p:cNvPr id="2" name="Title 1">
             <a:extLst>
               <a:ext uri="{FF2B5EF4-FFF2-40B4-BE49-F238E27FC236}">
-                <a16:creationId xmlns:a16="http://schemas.microsoft.com/office/drawing/2014/main" id="{004074E6-E39E-4D19-B91F-8E84F37CBF3C}"/>
+                <a16:creationId xmlns:a16="http://schemas.microsoft.com/office/drawing/2014/main" xmlns="" id="{004074E6-E39E-4D19-B91F-8E84F37CBF3C}"/>
               </a:ext>
             </a:extLst>
           </p:cNvPr>
@@ -9011,7 +8926,7 @@
           <p:cNvPr id="3" name="Content Placeholder 2">
             <a:extLst>
               <a:ext uri="{FF2B5EF4-FFF2-40B4-BE49-F238E27FC236}">
-                <a16:creationId xmlns:a16="http://schemas.microsoft.com/office/drawing/2014/main" id="{607D1B16-7058-45AD-9B19-E19CAF96683B}"/>
+                <a16:creationId xmlns:a16="http://schemas.microsoft.com/office/drawing/2014/main" xmlns="" id="{607D1B16-7058-45AD-9B19-E19CAF96683B}"/>
               </a:ext>
             </a:extLst>
           </p:cNvPr>
@@ -9127,7 +9042,7 @@
           <p:cNvPr id="7" name="Text Placeholder 2">
             <a:extLst>
               <a:ext uri="{FF2B5EF4-FFF2-40B4-BE49-F238E27FC236}">
-                <a16:creationId xmlns:a16="http://schemas.microsoft.com/office/drawing/2014/main" id="{6CAAB964-0A56-4842-AA82-7610F726CD14}"/>
+                <a16:creationId xmlns:a16="http://schemas.microsoft.com/office/drawing/2014/main" xmlns="" id="{6CAAB964-0A56-4842-AA82-7610F726CD14}"/>
               </a:ext>
             </a:extLst>
           </p:cNvPr>
@@ -9252,7 +9167,7 @@
           <p:cNvPr id="13" name="Content Placeholder 12">
             <a:extLst>
               <a:ext uri="{FF2B5EF4-FFF2-40B4-BE49-F238E27FC236}">
-                <a16:creationId xmlns:a16="http://schemas.microsoft.com/office/drawing/2014/main" id="{483349C3-B089-45CF-9643-0D25E709663B}"/>
+                <a16:creationId xmlns:a16="http://schemas.microsoft.com/office/drawing/2014/main" xmlns="" id="{483349C3-B089-45CF-9643-0D25E709663B}"/>
               </a:ext>
             </a:extLst>
           </p:cNvPr>
@@ -9291,7 +9206,7 @@
           <p:cNvPr id="16" name="Slide Number Placeholder 5">
             <a:extLst>
               <a:ext uri="{FF2B5EF4-FFF2-40B4-BE49-F238E27FC236}">
-                <a16:creationId xmlns:a16="http://schemas.microsoft.com/office/drawing/2014/main" id="{E7D247BC-E419-4355-8738-B9CE5CA19B5C}"/>
+                <a16:creationId xmlns:a16="http://schemas.microsoft.com/office/drawing/2014/main" xmlns="" id="{E7D247BC-E419-4355-8738-B9CE5CA19B5C}"/>
               </a:ext>
             </a:extLst>
           </p:cNvPr>
@@ -9337,7 +9252,7 @@
           <p:cNvPr id="17" name="Shape 61">
             <a:extLst>
               <a:ext uri="{FF2B5EF4-FFF2-40B4-BE49-F238E27FC236}">
-                <a16:creationId xmlns:a16="http://schemas.microsoft.com/office/drawing/2014/main" id="{649B49FF-0FAA-4E6C-820C-B1F434911FDC}"/>
+                <a16:creationId xmlns:a16="http://schemas.microsoft.com/office/drawing/2014/main" xmlns="" id="{649B49FF-0FAA-4E6C-820C-B1F434911FDC}"/>
               </a:ext>
             </a:extLst>
           </p:cNvPr>
@@ -9357,7 +9272,7 @@
           </a:ln>
           <a:extLst>
             <a:ext uri="{C572A759-6A51-4108-AA02-DFA0A04FC94B}">
-              <ma14:wrappingTextBoxFlag xmlns="" xmlns:ma14="http://schemas.microsoft.com/office/mac/drawingml/2011/main" val="1"/>
+              <ma14:wrappingTextBoxFlag xmlns:ma14="http://schemas.microsoft.com/office/mac/drawingml/2011/main" val="1"/>
             </a:ext>
           </a:extLst>
         </p:spPr>
@@ -9458,7 +9373,7 @@
           <p:cNvPr id="2" name="Title 1">
             <a:extLst>
               <a:ext uri="{FF2B5EF4-FFF2-40B4-BE49-F238E27FC236}">
-                <a16:creationId xmlns:a16="http://schemas.microsoft.com/office/drawing/2014/main" id="{004074E6-E39E-4D19-B91F-8E84F37CBF3C}"/>
+                <a16:creationId xmlns:a16="http://schemas.microsoft.com/office/drawing/2014/main" xmlns="" id="{004074E6-E39E-4D19-B91F-8E84F37CBF3C}"/>
               </a:ext>
             </a:extLst>
           </p:cNvPr>
@@ -9497,7 +9412,7 @@
           <p:cNvPr id="3" name="Content Placeholder 2">
             <a:extLst>
               <a:ext uri="{FF2B5EF4-FFF2-40B4-BE49-F238E27FC236}">
-                <a16:creationId xmlns:a16="http://schemas.microsoft.com/office/drawing/2014/main" id="{607D1B16-7058-45AD-9B19-E19CAF96683B}"/>
+                <a16:creationId xmlns:a16="http://schemas.microsoft.com/office/drawing/2014/main" xmlns="" id="{607D1B16-7058-45AD-9B19-E19CAF96683B}"/>
               </a:ext>
             </a:extLst>
           </p:cNvPr>
@@ -9593,7 +9508,7 @@
           <p:cNvPr id="7" name="Text Placeholder 2">
             <a:extLst>
               <a:ext uri="{FF2B5EF4-FFF2-40B4-BE49-F238E27FC236}">
-                <a16:creationId xmlns:a16="http://schemas.microsoft.com/office/drawing/2014/main" id="{6CAAB964-0A56-4842-AA82-7610F726CD14}"/>
+                <a16:creationId xmlns:a16="http://schemas.microsoft.com/office/drawing/2014/main" xmlns="" id="{6CAAB964-0A56-4842-AA82-7610F726CD14}"/>
               </a:ext>
             </a:extLst>
           </p:cNvPr>
@@ -9720,7 +9635,7 @@
           <p:cNvPr id="9" name="Picture Placeholder 8">
             <a:extLst>
               <a:ext uri="{FF2B5EF4-FFF2-40B4-BE49-F238E27FC236}">
-                <a16:creationId xmlns:a16="http://schemas.microsoft.com/office/drawing/2014/main" id="{186FE9B2-6286-484B-8943-95EE0B6B0267}"/>
+                <a16:creationId xmlns:a16="http://schemas.microsoft.com/office/drawing/2014/main" xmlns="" id="{186FE9B2-6286-484B-8943-95EE0B6B0267}"/>
               </a:ext>
             </a:extLst>
           </p:cNvPr>
@@ -9766,7 +9681,7 @@
           <p:cNvPr id="11" name="Slide Number Placeholder 5">
             <a:extLst>
               <a:ext uri="{FF2B5EF4-FFF2-40B4-BE49-F238E27FC236}">
-                <a16:creationId xmlns:a16="http://schemas.microsoft.com/office/drawing/2014/main" id="{7D4E8708-8565-4A5B-9D9E-1D4F40EAF909}"/>
+                <a16:creationId xmlns:a16="http://schemas.microsoft.com/office/drawing/2014/main" xmlns="" id="{7D4E8708-8565-4A5B-9D9E-1D4F40EAF909}"/>
               </a:ext>
             </a:extLst>
           </p:cNvPr>
@@ -9850,7 +9765,7 @@
           <p:cNvPr id="5" name="Text Placeholder 2">
             <a:extLst>
               <a:ext uri="{FF2B5EF4-FFF2-40B4-BE49-F238E27FC236}">
-                <a16:creationId xmlns:a16="http://schemas.microsoft.com/office/drawing/2014/main" id="{40849B93-E2CE-4654-9EC7-7DFA141A5500}"/>
+                <a16:creationId xmlns:a16="http://schemas.microsoft.com/office/drawing/2014/main" xmlns="" id="{40849B93-E2CE-4654-9EC7-7DFA141A5500}"/>
               </a:ext>
             </a:extLst>
           </p:cNvPr>
@@ -9976,7 +9891,7 @@
           <p:cNvPr id="7" name="Rectangle 6">
             <a:extLst>
               <a:ext uri="{FF2B5EF4-FFF2-40B4-BE49-F238E27FC236}">
-                <a16:creationId xmlns:a16="http://schemas.microsoft.com/office/drawing/2014/main" id="{E7E94348-3BFC-4B39-9C3B-628E777B98F4}"/>
+                <a16:creationId xmlns:a16="http://schemas.microsoft.com/office/drawing/2014/main" xmlns="" id="{E7E94348-3BFC-4B39-9C3B-628E777B98F4}"/>
               </a:ext>
             </a:extLst>
           </p:cNvPr>
@@ -10128,7 +10043,7 @@
           <p:cNvPr id="4" name="Title 1">
             <a:extLst>
               <a:ext uri="{FF2B5EF4-FFF2-40B4-BE49-F238E27FC236}">
-                <a16:creationId xmlns:a16="http://schemas.microsoft.com/office/drawing/2014/main" id="{01219AD9-34B1-4C27-8648-E7D7C69C07F9}"/>
+                <a16:creationId xmlns:a16="http://schemas.microsoft.com/office/drawing/2014/main" xmlns="" id="{01219AD9-34B1-4C27-8648-E7D7C69C07F9}"/>
               </a:ext>
             </a:extLst>
           </p:cNvPr>
@@ -10206,7 +10121,7 @@
           <p:cNvPr id="7" name="Rectangle 6">
             <a:extLst>
               <a:ext uri="{FF2B5EF4-FFF2-40B4-BE49-F238E27FC236}">
-                <a16:creationId xmlns:a16="http://schemas.microsoft.com/office/drawing/2014/main" id="{9AB66B20-A484-4A16-A015-2118F9AF2101}"/>
+                <a16:creationId xmlns:a16="http://schemas.microsoft.com/office/drawing/2014/main" xmlns="" id="{9AB66B20-A484-4A16-A015-2118F9AF2101}"/>
               </a:ext>
             </a:extLst>
           </p:cNvPr>
@@ -10338,7 +10253,7 @@
           <p:cNvPr id="3" name="Text Placeholder 2">
             <a:extLst>
               <a:ext uri="{FF2B5EF4-FFF2-40B4-BE49-F238E27FC236}">
-                <a16:creationId xmlns:a16="http://schemas.microsoft.com/office/drawing/2014/main" id="{893C356F-E483-4AFD-856C-13BB8E8A5605}"/>
+                <a16:creationId xmlns:a16="http://schemas.microsoft.com/office/drawing/2014/main" xmlns="" id="{893C356F-E483-4AFD-856C-13BB8E8A5605}"/>
               </a:ext>
             </a:extLst>
           </p:cNvPr>
@@ -10466,7 +10381,7 @@
           <p:cNvPr id="5" name="Footer Placeholder 4">
             <a:extLst>
               <a:ext uri="{FF2B5EF4-FFF2-40B4-BE49-F238E27FC236}">
-                <a16:creationId xmlns:a16="http://schemas.microsoft.com/office/drawing/2014/main" id="{BC79732E-D749-40DD-8365-05028518765D}"/>
+                <a16:creationId xmlns:a16="http://schemas.microsoft.com/office/drawing/2014/main" xmlns="" id="{BC79732E-D749-40DD-8365-05028518765D}"/>
               </a:ext>
             </a:extLst>
           </p:cNvPr>
@@ -10494,7 +10409,7 @@
           <p:cNvPr id="6" name="Slide Number Placeholder 5">
             <a:extLst>
               <a:ext uri="{FF2B5EF4-FFF2-40B4-BE49-F238E27FC236}">
-                <a16:creationId xmlns:a16="http://schemas.microsoft.com/office/drawing/2014/main" id="{88F55E23-C4CC-4E9B-80F4-C4BEA6E2DD84}"/>
+                <a16:creationId xmlns:a16="http://schemas.microsoft.com/office/drawing/2014/main" xmlns="" id="{88F55E23-C4CC-4E9B-80F4-C4BEA6E2DD84}"/>
               </a:ext>
             </a:extLst>
           </p:cNvPr>
@@ -10523,7 +10438,7 @@
           <p:cNvPr id="8" name="Title 1">
             <a:extLst>
               <a:ext uri="{FF2B5EF4-FFF2-40B4-BE49-F238E27FC236}">
-                <a16:creationId xmlns:a16="http://schemas.microsoft.com/office/drawing/2014/main" id="{AABA725B-4BCB-1D48-9C5D-46706B18719E}"/>
+                <a16:creationId xmlns:a16="http://schemas.microsoft.com/office/drawing/2014/main" xmlns="" id="{AABA725B-4BCB-1D48-9C5D-46706B18719E}"/>
               </a:ext>
             </a:extLst>
           </p:cNvPr>
@@ -10608,7 +10523,7 @@
           <p:cNvPr id="2" name="Title Placeholder 1">
             <a:extLst>
               <a:ext uri="{FF2B5EF4-FFF2-40B4-BE49-F238E27FC236}">
-                <a16:creationId xmlns:a16="http://schemas.microsoft.com/office/drawing/2014/main" id="{9305F96C-D634-4A69-95EC-3D002BD68752}"/>
+                <a16:creationId xmlns:a16="http://schemas.microsoft.com/office/drawing/2014/main" xmlns="" id="{9305F96C-D634-4A69-95EC-3D002BD68752}"/>
               </a:ext>
             </a:extLst>
           </p:cNvPr>
@@ -10647,7 +10562,7 @@
           <p:cNvPr id="3" name="Text Placeholder 2">
             <a:extLst>
               <a:ext uri="{FF2B5EF4-FFF2-40B4-BE49-F238E27FC236}">
-                <a16:creationId xmlns:a16="http://schemas.microsoft.com/office/drawing/2014/main" id="{37757E98-D0FB-43E3-98BC-711F6A2F5372}"/>
+                <a16:creationId xmlns:a16="http://schemas.microsoft.com/office/drawing/2014/main" xmlns="" id="{37757E98-D0FB-43E3-98BC-711F6A2F5372}"/>
               </a:ext>
             </a:extLst>
           </p:cNvPr>
@@ -10714,7 +10629,7 @@
           <p:cNvPr id="5" name="Footer Placeholder 4">
             <a:extLst>
               <a:ext uri="{FF2B5EF4-FFF2-40B4-BE49-F238E27FC236}">
-                <a16:creationId xmlns:a16="http://schemas.microsoft.com/office/drawing/2014/main" id="{BFA65B72-2E86-4BA3-94F2-3ADFA40B7AEE}"/>
+                <a16:creationId xmlns:a16="http://schemas.microsoft.com/office/drawing/2014/main" xmlns="" id="{BFA65B72-2E86-4BA3-94F2-3ADFA40B7AEE}"/>
               </a:ext>
             </a:extLst>
           </p:cNvPr>
@@ -10760,7 +10675,7 @@
           <p:cNvPr id="6" name="Slide Number Placeholder 5">
             <a:extLst>
               <a:ext uri="{FF2B5EF4-FFF2-40B4-BE49-F238E27FC236}">
-                <a16:creationId xmlns:a16="http://schemas.microsoft.com/office/drawing/2014/main" id="{73C1F3FD-3DB9-46B7-85E1-E8B8878A4012}"/>
+                <a16:creationId xmlns:a16="http://schemas.microsoft.com/office/drawing/2014/main" xmlns="" id="{73C1F3FD-3DB9-46B7-85E1-E8B8878A4012}"/>
               </a:ext>
             </a:extLst>
           </p:cNvPr>
@@ -10807,7 +10722,7 @@
           <p:cNvPr id="7" name="Shape 61">
             <a:extLst>
               <a:ext uri="{FF2B5EF4-FFF2-40B4-BE49-F238E27FC236}">
-                <a16:creationId xmlns:a16="http://schemas.microsoft.com/office/drawing/2014/main" id="{0A2ACE11-44E0-44ED-AA10-CB0B57204E89}"/>
+                <a16:creationId xmlns:a16="http://schemas.microsoft.com/office/drawing/2014/main" xmlns="" id="{0A2ACE11-44E0-44ED-AA10-CB0B57204E89}"/>
               </a:ext>
             </a:extLst>
           </p:cNvPr>
@@ -10827,7 +10742,7 @@
           </a:ln>
           <a:extLst>
             <a:ext uri="{C572A759-6A51-4108-AA02-DFA0A04FC94B}">
-              <ma14:wrappingTextBoxFlag xmlns="" xmlns:ma14="http://schemas.microsoft.com/office/mac/drawingml/2011/main" val="1"/>
+              <ma14:wrappingTextBoxFlag xmlns:ma14="http://schemas.microsoft.com/office/mac/drawingml/2011/main" val="1"/>
             </a:ext>
           </a:extLst>
         </p:spPr>
@@ -11202,7 +11117,7 @@
           <p:cNvPr id="7" name="Picture Placeholder 6" descr="Abstract Coding&#10;">
             <a:extLst>
               <a:ext uri="{FF2B5EF4-FFF2-40B4-BE49-F238E27FC236}">
-                <a16:creationId xmlns:a16="http://schemas.microsoft.com/office/drawing/2014/main" id="{5F76566E-36EF-4E0C-8563-ABC2D25923BA}"/>
+                <a16:creationId xmlns:a16="http://schemas.microsoft.com/office/drawing/2014/main" xmlns="" id="{5F76566E-36EF-4E0C-8563-ABC2D25923BA}"/>
               </a:ext>
             </a:extLst>
           </p:cNvPr>
@@ -11233,10 +11148,10 @@
           <p:cNvPr id="14" name="Rectangle 13">
             <a:extLst>
               <a:ext uri="{FF2B5EF4-FFF2-40B4-BE49-F238E27FC236}">
-                <a16:creationId xmlns:a16="http://schemas.microsoft.com/office/drawing/2014/main" id="{D687D26E-D67A-4318-AAB1-DCEAA89EEB21}"/>
+                <a16:creationId xmlns:a16="http://schemas.microsoft.com/office/drawing/2014/main" xmlns="" id="{D687D26E-D67A-4318-AAB1-DCEAA89EEB21}"/>
               </a:ext>
               <a:ext uri="{C183D7F6-B498-43B3-948B-1728B52AA6E4}">
-                <adec:decorative xmlns:adec="http://schemas.microsoft.com/office/drawing/2017/decorative" xmlns="" val="1"/>
+                <adec:decorative xmlns="" xmlns:adec="http://schemas.microsoft.com/office/drawing/2017/decorative" val="1"/>
               </a:ext>
             </a:extLst>
           </p:cNvPr>
@@ -11377,7 +11292,7 @@
           <p:cNvPr id="3" name="Title 2">
             <a:extLst>
               <a:ext uri="{FF2B5EF4-FFF2-40B4-BE49-F238E27FC236}">
-                <a16:creationId xmlns:a16="http://schemas.microsoft.com/office/drawing/2014/main" id="{1D24B42B-925B-494C-A986-BD85E8117E1E}"/>
+                <a16:creationId xmlns:a16="http://schemas.microsoft.com/office/drawing/2014/main" xmlns="" id="{1D24B42B-925B-494C-A986-BD85E8117E1E}"/>
               </a:ext>
             </a:extLst>
           </p:cNvPr>
@@ -11419,7 +11334,7 @@
           <p:cNvPr id="2094" name="Slide Number Placeholder 2093">
             <a:extLst>
               <a:ext uri="{FF2B5EF4-FFF2-40B4-BE49-F238E27FC236}">
-                <a16:creationId xmlns:a16="http://schemas.microsoft.com/office/drawing/2014/main" id="{5DA62994-769D-4C19-BB0A-5144E0A5CFCD}"/>
+                <a16:creationId xmlns:a16="http://schemas.microsoft.com/office/drawing/2014/main" xmlns="" id="{5DA62994-769D-4C19-BB0A-5144E0A5CFCD}"/>
               </a:ext>
             </a:extLst>
           </p:cNvPr>
@@ -11453,7 +11368,7 @@
         <p:spPr>
           <a:xfrm>
             <a:off x="6600824" y="3281601"/>
-            <a:ext cx="4667251" cy="1384995"/>
+            <a:ext cx="4667251" cy="954107"/>
           </a:xfrm>
           <a:prstGeom prst="rect">
             <a:avLst/>
@@ -11467,6 +11382,18 @@
           <a:lstStyle/>
           <a:p>
             <a:r>
+              <a:rPr lang="en-US" sz="2800" dirty="0" err="1" smtClean="0">
+                <a:solidFill>
+                  <a:schemeClr val="bg2">
+                    <a:lumMod val="25000"/>
+                  </a:schemeClr>
+                </a:solidFill>
+                <a:latin typeface="Arial" panose="020B0604020202020204" pitchFamily="34" charset="0"/>
+                <a:cs typeface="Arial" panose="020B0604020202020204" pitchFamily="34" charset="0"/>
+              </a:rPr>
+              <a:t>Sinh</a:t>
+            </a:r>
+            <a:r>
               <a:rPr lang="en-US" sz="2800" dirty="0" smtClean="0">
                 <a:solidFill>
                   <a:schemeClr val="bg2">
@@ -11476,8 +11403,89 @@
                 <a:latin typeface="Arial" panose="020B0604020202020204" pitchFamily="34" charset="0"/>
                 <a:cs typeface="Arial" panose="020B0604020202020204" pitchFamily="34" charset="0"/>
               </a:rPr>
-              <a:t>Nhóm T15:</a:t>
-            </a:r>
+              <a:t> </a:t>
+            </a:r>
+            <a:r>
+              <a:rPr lang="en-US" sz="2800" dirty="0" err="1" smtClean="0">
+                <a:solidFill>
+                  <a:schemeClr val="bg2">
+                    <a:lumMod val="25000"/>
+                  </a:schemeClr>
+                </a:solidFill>
+                <a:latin typeface="Arial" panose="020B0604020202020204" pitchFamily="34" charset="0"/>
+                <a:cs typeface="Arial" panose="020B0604020202020204" pitchFamily="34" charset="0"/>
+              </a:rPr>
+              <a:t>viên</a:t>
+            </a:r>
+            <a:r>
+              <a:rPr lang="en-US" sz="2800" dirty="0" smtClean="0">
+                <a:solidFill>
+                  <a:schemeClr val="bg2">
+                    <a:lumMod val="25000"/>
+                  </a:schemeClr>
+                </a:solidFill>
+                <a:latin typeface="Arial" panose="020B0604020202020204" pitchFamily="34" charset="0"/>
+                <a:cs typeface="Arial" panose="020B0604020202020204" pitchFamily="34" charset="0"/>
+              </a:rPr>
+              <a:t> </a:t>
+            </a:r>
+            <a:r>
+              <a:rPr lang="en-US" sz="2800" dirty="0" err="1" smtClean="0">
+                <a:solidFill>
+                  <a:schemeClr val="bg2">
+                    <a:lumMod val="25000"/>
+                  </a:schemeClr>
+                </a:solidFill>
+                <a:latin typeface="Arial" panose="020B0604020202020204" pitchFamily="34" charset="0"/>
+                <a:cs typeface="Arial" panose="020B0604020202020204" pitchFamily="34" charset="0"/>
+              </a:rPr>
+              <a:t>thực</a:t>
+            </a:r>
+            <a:r>
+              <a:rPr lang="en-US" sz="2800" dirty="0" smtClean="0">
+                <a:solidFill>
+                  <a:schemeClr val="bg2">
+                    <a:lumMod val="25000"/>
+                  </a:schemeClr>
+                </a:solidFill>
+                <a:latin typeface="Arial" panose="020B0604020202020204" pitchFamily="34" charset="0"/>
+                <a:cs typeface="Arial" panose="020B0604020202020204" pitchFamily="34" charset="0"/>
+              </a:rPr>
+              <a:t> </a:t>
+            </a:r>
+            <a:r>
+              <a:rPr lang="en-US" sz="2800" dirty="0" err="1" smtClean="0">
+                <a:solidFill>
+                  <a:schemeClr val="bg2">
+                    <a:lumMod val="25000"/>
+                  </a:schemeClr>
+                </a:solidFill>
+                <a:latin typeface="Arial" panose="020B0604020202020204" pitchFamily="34" charset="0"/>
+                <a:cs typeface="Arial" panose="020B0604020202020204" pitchFamily="34" charset="0"/>
+              </a:rPr>
+              <a:t>hiện</a:t>
+            </a:r>
+            <a:r>
+              <a:rPr lang="en-US" sz="2800" dirty="0" smtClean="0">
+                <a:solidFill>
+                  <a:schemeClr val="bg2">
+                    <a:lumMod val="25000"/>
+                  </a:schemeClr>
+                </a:solidFill>
+                <a:latin typeface="Arial" panose="020B0604020202020204" pitchFamily="34" charset="0"/>
+                <a:cs typeface="Arial" panose="020B0604020202020204" pitchFamily="34" charset="0"/>
+              </a:rPr>
+              <a:t>:</a:t>
+            </a:r>
+            <a:endParaRPr lang="en-US" sz="2800" dirty="0" smtClean="0">
+              <a:solidFill>
+                <a:schemeClr val="bg2">
+                  <a:lumMod val="25000"/>
+                </a:schemeClr>
+              </a:solidFill>
+              <a:latin typeface="Arial" panose="020B0604020202020204" pitchFamily="34" charset="0"/>
+              <a:cs typeface="Arial" panose="020B0604020202020204" pitchFamily="34" charset="0"/>
+            </a:endParaRPr>
           </a:p>
           <a:p>
             <a:r>
@@ -11493,6 +11501,18 @@
               <a:t>	</a:t>
             </a:r>
             <a:r>
+              <a:rPr lang="en-US" sz="2800" dirty="0" err="1" smtClean="0">
+                <a:solidFill>
+                  <a:schemeClr val="bg2">
+                    <a:lumMod val="25000"/>
+                  </a:schemeClr>
+                </a:solidFill>
+                <a:latin typeface="Arial" panose="020B0604020202020204" pitchFamily="34" charset="0"/>
+                <a:cs typeface="Arial" panose="020B0604020202020204" pitchFamily="34" charset="0"/>
+              </a:rPr>
+              <a:t>Trần</a:t>
+            </a:r>
+            <a:r>
               <a:rPr lang="en-US" sz="2800" dirty="0" smtClean="0">
                 <a:solidFill>
                   <a:schemeClr val="bg2">
@@ -11502,21 +11522,7 @@
                 <a:latin typeface="Arial" panose="020B0604020202020204" pitchFamily="34" charset="0"/>
                 <a:cs typeface="Arial" panose="020B0604020202020204" pitchFamily="34" charset="0"/>
               </a:rPr>
-              <a:t>Vương Tùng Dương</a:t>
-            </a:r>
-          </a:p>
-          <a:p>
-            <a:r>
-              <a:rPr lang="en-US" sz="2800" dirty="0">
-                <a:solidFill>
-                  <a:schemeClr val="bg2">
-                    <a:lumMod val="25000"/>
-                  </a:schemeClr>
-                </a:solidFill>
-                <a:latin typeface="Arial" panose="020B0604020202020204" pitchFamily="34" charset="0"/>
-                <a:cs typeface="Arial" panose="020B0604020202020204" pitchFamily="34" charset="0"/>
-              </a:rPr>
-              <a:t>	</a:t>
+              <a:t> </a:t>
             </a:r>
             <a:r>
               <a:rPr lang="en-US" sz="2800" dirty="0" smtClean="0">
@@ -11528,7 +11534,7 @@
                 <a:latin typeface="Arial" panose="020B0604020202020204" pitchFamily="34" charset="0"/>
                 <a:cs typeface="Arial" panose="020B0604020202020204" pitchFamily="34" charset="0"/>
               </a:rPr>
-              <a:t>Trần Đại Hiệp</a:t>
+              <a:t>Đại Hiệp</a:t>
             </a:r>
           </a:p>
         </p:txBody>
@@ -11542,7 +11548,7 @@
         <p:spPr>
           <a:xfrm>
             <a:off x="6605587" y="4866258"/>
-            <a:ext cx="4667251" cy="1384995"/>
+            <a:ext cx="4667251" cy="954107"/>
           </a:xfrm>
           <a:prstGeom prst="rect">
             <a:avLst/>
@@ -11555,6 +11561,18 @@
           <a:lstStyle/>
           <a:p>
             <a:r>
+              <a:rPr lang="en-US" sz="2800" dirty="0" err="1" smtClean="0">
+                <a:solidFill>
+                  <a:schemeClr val="bg2">
+                    <a:lumMod val="25000"/>
+                  </a:schemeClr>
+                </a:solidFill>
+                <a:latin typeface="Arial" panose="020B0604020202020204" pitchFamily="34" charset="0"/>
+                <a:cs typeface="Arial" panose="020B0604020202020204" pitchFamily="34" charset="0"/>
+              </a:rPr>
+              <a:t>Người</a:t>
+            </a:r>
+            <a:r>
               <a:rPr lang="en-US" sz="2800" dirty="0" smtClean="0">
                 <a:solidFill>
                   <a:schemeClr val="bg2">
@@ -11564,10 +11582,46 @@
                 <a:latin typeface="Arial" panose="020B0604020202020204" pitchFamily="34" charset="0"/>
                 <a:cs typeface="Arial" panose="020B0604020202020204" pitchFamily="34" charset="0"/>
               </a:rPr>
-              <a:t>Mentor</a:t>
-            </a:r>
-            <a:r>
-              <a:rPr lang="en-US" sz="2800" dirty="0">
+              <a:t> </a:t>
+            </a:r>
+            <a:r>
+              <a:rPr lang="en-US" sz="2800" dirty="0" err="1" smtClean="0">
+                <a:solidFill>
+                  <a:schemeClr val="bg2">
+                    <a:lumMod val="25000"/>
+                  </a:schemeClr>
+                </a:solidFill>
+                <a:latin typeface="Arial" panose="020B0604020202020204" pitchFamily="34" charset="0"/>
+                <a:cs typeface="Arial" panose="020B0604020202020204" pitchFamily="34" charset="0"/>
+              </a:rPr>
+              <a:t>hướng</a:t>
+            </a:r>
+            <a:r>
+              <a:rPr lang="en-US" sz="2800" dirty="0" smtClean="0">
+                <a:solidFill>
+                  <a:schemeClr val="bg2">
+                    <a:lumMod val="25000"/>
+                  </a:schemeClr>
+                </a:solidFill>
+                <a:latin typeface="Arial" panose="020B0604020202020204" pitchFamily="34" charset="0"/>
+                <a:cs typeface="Arial" panose="020B0604020202020204" pitchFamily="34" charset="0"/>
+              </a:rPr>
+              <a:t> </a:t>
+            </a:r>
+            <a:r>
+              <a:rPr lang="en-US" sz="2800" dirty="0" err="1" smtClean="0">
+                <a:solidFill>
+                  <a:schemeClr val="bg2">
+                    <a:lumMod val="25000"/>
+                  </a:schemeClr>
+                </a:solidFill>
+                <a:latin typeface="Arial" panose="020B0604020202020204" pitchFamily="34" charset="0"/>
+                <a:cs typeface="Arial" panose="020B0604020202020204" pitchFamily="34" charset="0"/>
+              </a:rPr>
+              <a:t>dẫn</a:t>
+            </a:r>
+            <a:r>
+              <a:rPr lang="en-US" sz="2800" dirty="0" smtClean="0">
                 <a:solidFill>
                   <a:schemeClr val="bg2">
                     <a:lumMod val="25000"/>
@@ -11578,6 +11632,15 @@
               </a:rPr>
               <a:t>:</a:t>
             </a:r>
+            <a:endParaRPr lang="en-US" sz="2800" dirty="0">
+              <a:solidFill>
+                <a:schemeClr val="bg2">
+                  <a:lumMod val="25000"/>
+                </a:schemeClr>
+              </a:solidFill>
+              <a:latin typeface="Arial" panose="020B0604020202020204" pitchFamily="34" charset="0"/>
+              <a:cs typeface="Arial" panose="020B0604020202020204" pitchFamily="34" charset="0"/>
+            </a:endParaRPr>
           </a:p>
           <a:p>
             <a:r>
@@ -11593,6 +11656,18 @@
               <a:t>	</a:t>
             </a:r>
             <a:r>
+              <a:rPr lang="en-US" sz="2800" dirty="0" smtClean="0">
+                <a:solidFill>
+                  <a:schemeClr val="bg2">
+                    <a:lumMod val="25000"/>
+                  </a:schemeClr>
+                </a:solidFill>
+                <a:latin typeface="Arial" panose="020B0604020202020204" pitchFamily="34" charset="0"/>
+                <a:cs typeface="Arial" panose="020B0604020202020204" pitchFamily="34" charset="0"/>
+              </a:rPr>
+              <a:t>TS. </a:t>
+            </a:r>
+            <a:r>
               <a:rPr lang="en-US" sz="2800" dirty="0" err="1" smtClean="0">
                 <a:solidFill>
                   <a:schemeClr val="bg2">
@@ -11602,7 +11677,7 @@
                 <a:latin typeface="Arial" panose="020B0604020202020204" pitchFamily="34" charset="0"/>
                 <a:cs typeface="Arial" panose="020B0604020202020204" pitchFamily="34" charset="0"/>
               </a:rPr>
-              <a:t>Bùi</a:t>
+              <a:t>Nguyễn</a:t>
             </a:r>
             <a:r>
               <a:rPr lang="en-US" sz="2800" dirty="0" smtClean="0">
@@ -11641,32 +11716,6 @@
               <a:t> </a:t>
             </a:r>
             <a:r>
-              <a:rPr lang="en-US" sz="2800" dirty="0">
-                <a:solidFill>
-                  <a:schemeClr val="bg2">
-                    <a:lumMod val="25000"/>
-                  </a:schemeClr>
-                </a:solidFill>
-                <a:latin typeface="Arial" panose="020B0604020202020204" pitchFamily="34" charset="0"/>
-                <a:cs typeface="Arial" panose="020B0604020202020204" pitchFamily="34" charset="0"/>
-              </a:rPr>
-              <a:t>Tỉnh</a:t>
-            </a:r>
-          </a:p>
-          <a:p>
-            <a:r>
-              <a:rPr lang="en-US" sz="2800" dirty="0" smtClean="0">
-                <a:solidFill>
-                  <a:schemeClr val="bg2">
-                    <a:lumMod val="25000"/>
-                  </a:schemeClr>
-                </a:solidFill>
-                <a:latin typeface="Arial" panose="020B0604020202020204" pitchFamily="34" charset="0"/>
-                <a:cs typeface="Arial" panose="020B0604020202020204" pitchFamily="34" charset="0"/>
-              </a:rPr>
-              <a:t>	</a:t>
-            </a:r>
-            <a:r>
               <a:rPr lang="en-US" sz="2800" dirty="0" err="1" smtClean="0">
                 <a:solidFill>
                   <a:schemeClr val="bg2">
@@ -11676,55 +11725,7 @@
                 <a:latin typeface="Arial" panose="020B0604020202020204" pitchFamily="34" charset="0"/>
                 <a:cs typeface="Arial" panose="020B0604020202020204" pitchFamily="34" charset="0"/>
               </a:rPr>
-              <a:t>Vũ</a:t>
-            </a:r>
-            <a:r>
-              <a:rPr lang="en-US" sz="2800" dirty="0" smtClean="0">
-                <a:solidFill>
-                  <a:schemeClr val="bg2">
-                    <a:lumMod val="25000"/>
-                  </a:schemeClr>
-                </a:solidFill>
-                <a:latin typeface="Arial" panose="020B0604020202020204" pitchFamily="34" charset="0"/>
-                <a:cs typeface="Arial" panose="020B0604020202020204" pitchFamily="34" charset="0"/>
-              </a:rPr>
-              <a:t> </a:t>
-            </a:r>
-            <a:r>
-              <a:rPr lang="en-US" sz="2800" dirty="0" err="1" smtClean="0">
-                <a:solidFill>
-                  <a:schemeClr val="bg2">
-                    <a:lumMod val="25000"/>
-                  </a:schemeClr>
-                </a:solidFill>
-                <a:latin typeface="Arial" panose="020B0604020202020204" pitchFamily="34" charset="0"/>
-                <a:cs typeface="Arial" panose="020B0604020202020204" pitchFamily="34" charset="0"/>
-              </a:rPr>
-              <a:t>Văn</a:t>
-            </a:r>
-            <a:r>
-              <a:rPr lang="en-US" sz="2800" dirty="0" smtClean="0">
-                <a:solidFill>
-                  <a:schemeClr val="bg2">
-                    <a:lumMod val="25000"/>
-                  </a:schemeClr>
-                </a:solidFill>
-                <a:latin typeface="Arial" panose="020B0604020202020204" pitchFamily="34" charset="0"/>
-                <a:cs typeface="Arial" panose="020B0604020202020204" pitchFamily="34" charset="0"/>
-              </a:rPr>
-              <a:t> </a:t>
-            </a:r>
-            <a:r>
-              <a:rPr lang="en-US" sz="2800" dirty="0" err="1" smtClean="0">
-                <a:solidFill>
-                  <a:schemeClr val="bg2">
-                    <a:lumMod val="25000"/>
-                  </a:schemeClr>
-                </a:solidFill>
-                <a:latin typeface="Arial" panose="020B0604020202020204" pitchFamily="34" charset="0"/>
-                <a:cs typeface="Arial" panose="020B0604020202020204" pitchFamily="34" charset="0"/>
-              </a:rPr>
-              <a:t>Thái</a:t>
+              <a:t>Núi</a:t>
             </a:r>
             <a:endParaRPr lang="en-US" sz="2800" dirty="0">
               <a:solidFill>
@@ -13458,7 +13459,7 @@
           <p:cNvPr id="3" name="TextBox 2">
             <a:extLst>
               <a:ext uri="{FF2B5EF4-FFF2-40B4-BE49-F238E27FC236}">
-                <a16:creationId xmlns:a16="http://schemas.microsoft.com/office/drawing/2014/main" id="{BE8AA9BD-5B28-4BB1-803B-54BB6E1B0DE1}"/>
+                <a16:creationId xmlns:a16="http://schemas.microsoft.com/office/drawing/2014/main" xmlns="" id="{BE8AA9BD-5B28-4BB1-803B-54BB6E1B0DE1}"/>
               </a:ext>
             </a:extLst>
           </p:cNvPr>
@@ -13511,7 +13512,7 @@
           <p:cNvPr id="21" name="Group 20">
             <a:extLst>
               <a:ext uri="{FF2B5EF4-FFF2-40B4-BE49-F238E27FC236}">
-                <a16:creationId xmlns:a16="http://schemas.microsoft.com/office/drawing/2014/main" id="{153F4246-CEED-4D1E-87E9-AF831143E541}"/>
+                <a16:creationId xmlns:a16="http://schemas.microsoft.com/office/drawing/2014/main" xmlns="" id="{153F4246-CEED-4D1E-87E9-AF831143E541}"/>
               </a:ext>
             </a:extLst>
           </p:cNvPr>
@@ -13531,7 +13532,7 @@
             <p:cNvPr id="22" name="Straight Connector 21">
               <a:extLst>
                 <a:ext uri="{FF2B5EF4-FFF2-40B4-BE49-F238E27FC236}">
-                  <a16:creationId xmlns:a16="http://schemas.microsoft.com/office/drawing/2014/main" id="{802F08CF-D4D1-4A39-96BE-CB97F61D162B}"/>
+                  <a16:creationId xmlns:a16="http://schemas.microsoft.com/office/drawing/2014/main" xmlns="" id="{802F08CF-D4D1-4A39-96BE-CB97F61D162B}"/>
                 </a:ext>
               </a:extLst>
             </p:cNvPr>
@@ -13575,7 +13576,7 @@
             <p:cNvPr id="23" name="Straight Connector 22">
               <a:extLst>
                 <a:ext uri="{FF2B5EF4-FFF2-40B4-BE49-F238E27FC236}">
-                  <a16:creationId xmlns:a16="http://schemas.microsoft.com/office/drawing/2014/main" id="{35920BBA-8F71-4702-91A3-44392F84AAE5}"/>
+                  <a16:creationId xmlns:a16="http://schemas.microsoft.com/office/drawing/2014/main" xmlns="" id="{35920BBA-8F71-4702-91A3-44392F84AAE5}"/>
                 </a:ext>
               </a:extLst>
             </p:cNvPr>
@@ -13619,7 +13620,7 @@
           <p:cNvPr id="39" name="Group 38">
             <a:extLst>
               <a:ext uri="{FF2B5EF4-FFF2-40B4-BE49-F238E27FC236}">
-                <a16:creationId xmlns:a16="http://schemas.microsoft.com/office/drawing/2014/main" id="{7D06F0A7-DAC2-4C40-B732-014C20C2F6D5}"/>
+                <a16:creationId xmlns:a16="http://schemas.microsoft.com/office/drawing/2014/main" xmlns="" id="{7D06F0A7-DAC2-4C40-B732-014C20C2F6D5}"/>
               </a:ext>
             </a:extLst>
           </p:cNvPr>
@@ -13639,7 +13640,7 @@
             <p:cNvPr id="40" name="TextBox 39">
               <a:extLst>
                 <a:ext uri="{FF2B5EF4-FFF2-40B4-BE49-F238E27FC236}">
-                  <a16:creationId xmlns:a16="http://schemas.microsoft.com/office/drawing/2014/main" id="{FECAEFF9-14F9-420B-B81B-1A2D424B5A63}"/>
+                  <a16:creationId xmlns:a16="http://schemas.microsoft.com/office/drawing/2014/main" xmlns="" id="{FECAEFF9-14F9-420B-B81B-1A2D424B5A63}"/>
                 </a:ext>
               </a:extLst>
             </p:cNvPr>
@@ -13686,7 +13687,7 @@
             <p:cNvPr id="41" name="TextBox 40">
               <a:extLst>
                 <a:ext uri="{FF2B5EF4-FFF2-40B4-BE49-F238E27FC236}">
-                  <a16:creationId xmlns:a16="http://schemas.microsoft.com/office/drawing/2014/main" id="{2E7256DD-6317-492A-853D-B93DE998E24A}"/>
+                  <a16:creationId xmlns:a16="http://schemas.microsoft.com/office/drawing/2014/main" xmlns="" id="{2E7256DD-6317-492A-853D-B93DE998E24A}"/>
                 </a:ext>
               </a:extLst>
             </p:cNvPr>
@@ -13729,7 +13730,7 @@
           <p:cNvPr id="27" name="Group 26">
             <a:extLst>
               <a:ext uri="{FF2B5EF4-FFF2-40B4-BE49-F238E27FC236}">
-                <a16:creationId xmlns:a16="http://schemas.microsoft.com/office/drawing/2014/main" id="{7137FDAE-CE25-40E9-AFD7-49BA1463E3D5}"/>
+                <a16:creationId xmlns:a16="http://schemas.microsoft.com/office/drawing/2014/main" xmlns="" id="{7137FDAE-CE25-40E9-AFD7-49BA1463E3D5}"/>
               </a:ext>
             </a:extLst>
           </p:cNvPr>
@@ -13749,7 +13750,7 @@
             <p:cNvPr id="28" name="Straight Connector 27">
               <a:extLst>
                 <a:ext uri="{FF2B5EF4-FFF2-40B4-BE49-F238E27FC236}">
-                  <a16:creationId xmlns:a16="http://schemas.microsoft.com/office/drawing/2014/main" id="{C83C8BAA-87B2-4130-A6CA-1525D506B1D2}"/>
+                  <a16:creationId xmlns:a16="http://schemas.microsoft.com/office/drawing/2014/main" xmlns="" id="{C83C8BAA-87B2-4130-A6CA-1525D506B1D2}"/>
                 </a:ext>
               </a:extLst>
             </p:cNvPr>
@@ -13792,7 +13793,7 @@
             <p:cNvPr id="29" name="Straight Connector 28">
               <a:extLst>
                 <a:ext uri="{FF2B5EF4-FFF2-40B4-BE49-F238E27FC236}">
-                  <a16:creationId xmlns:a16="http://schemas.microsoft.com/office/drawing/2014/main" id="{018D836A-5994-457C-AD4E-4304A9FBB1F8}"/>
+                  <a16:creationId xmlns:a16="http://schemas.microsoft.com/office/drawing/2014/main" xmlns="" id="{018D836A-5994-457C-AD4E-4304A9FBB1F8}"/>
                 </a:ext>
               </a:extLst>
             </p:cNvPr>
@@ -13836,7 +13837,7 @@
           <p:cNvPr id="43" name="Group 42">
             <a:extLst>
               <a:ext uri="{FF2B5EF4-FFF2-40B4-BE49-F238E27FC236}">
-                <a16:creationId xmlns:a16="http://schemas.microsoft.com/office/drawing/2014/main" id="{12804901-3BC3-4B63-B57A-680C61064136}"/>
+                <a16:creationId xmlns:a16="http://schemas.microsoft.com/office/drawing/2014/main" xmlns="" id="{12804901-3BC3-4B63-B57A-680C61064136}"/>
               </a:ext>
             </a:extLst>
           </p:cNvPr>
@@ -13856,7 +13857,7 @@
             <p:cNvPr id="44" name="TextBox 43">
               <a:extLst>
                 <a:ext uri="{FF2B5EF4-FFF2-40B4-BE49-F238E27FC236}">
-                  <a16:creationId xmlns:a16="http://schemas.microsoft.com/office/drawing/2014/main" id="{3D4F678F-40B7-4440-9805-D7FF30FB7FC8}"/>
+                  <a16:creationId xmlns:a16="http://schemas.microsoft.com/office/drawing/2014/main" xmlns="" id="{3D4F678F-40B7-4440-9805-D7FF30FB7FC8}"/>
                 </a:ext>
               </a:extLst>
             </p:cNvPr>
@@ -13903,7 +13904,7 @@
             <p:cNvPr id="45" name="TextBox 44">
               <a:extLst>
                 <a:ext uri="{FF2B5EF4-FFF2-40B4-BE49-F238E27FC236}">
-                  <a16:creationId xmlns:a16="http://schemas.microsoft.com/office/drawing/2014/main" id="{E3B5B3C4-08D7-4F80-905A-16D436C0F2EA}"/>
+                  <a16:creationId xmlns:a16="http://schemas.microsoft.com/office/drawing/2014/main" xmlns="" id="{E3B5B3C4-08D7-4F80-905A-16D436C0F2EA}"/>
                 </a:ext>
               </a:extLst>
             </p:cNvPr>
@@ -13953,7 +13954,7 @@
           <p:cNvPr id="24" name="Group 23">
             <a:extLst>
               <a:ext uri="{FF2B5EF4-FFF2-40B4-BE49-F238E27FC236}">
-                <a16:creationId xmlns:a16="http://schemas.microsoft.com/office/drawing/2014/main" id="{B3BFFE84-C695-4D53-9EB1-6E3F023237F6}"/>
+                <a16:creationId xmlns:a16="http://schemas.microsoft.com/office/drawing/2014/main" xmlns="" id="{B3BFFE84-C695-4D53-9EB1-6E3F023237F6}"/>
               </a:ext>
             </a:extLst>
           </p:cNvPr>
@@ -13973,7 +13974,7 @@
             <p:cNvPr id="25" name="Straight Connector 24">
               <a:extLst>
                 <a:ext uri="{FF2B5EF4-FFF2-40B4-BE49-F238E27FC236}">
-                  <a16:creationId xmlns:a16="http://schemas.microsoft.com/office/drawing/2014/main" id="{CDB6677B-8513-496A-A326-EDBAA2BA9403}"/>
+                  <a16:creationId xmlns:a16="http://schemas.microsoft.com/office/drawing/2014/main" xmlns="" id="{CDB6677B-8513-496A-A326-EDBAA2BA9403}"/>
                 </a:ext>
               </a:extLst>
             </p:cNvPr>
@@ -14016,7 +14017,7 @@
             <p:cNvPr id="26" name="Straight Connector 25">
               <a:extLst>
                 <a:ext uri="{FF2B5EF4-FFF2-40B4-BE49-F238E27FC236}">
-                  <a16:creationId xmlns:a16="http://schemas.microsoft.com/office/drawing/2014/main" id="{3003D7FC-94DB-4EDC-95C4-65A5F513BF89}"/>
+                  <a16:creationId xmlns:a16="http://schemas.microsoft.com/office/drawing/2014/main" xmlns="" id="{3003D7FC-94DB-4EDC-95C4-65A5F513BF89}"/>
                 </a:ext>
               </a:extLst>
             </p:cNvPr>
@@ -14060,7 +14061,7 @@
           <p:cNvPr id="47" name="Group 46">
             <a:extLst>
               <a:ext uri="{FF2B5EF4-FFF2-40B4-BE49-F238E27FC236}">
-                <a16:creationId xmlns:a16="http://schemas.microsoft.com/office/drawing/2014/main" id="{D9DD4B7F-8A71-49A3-BC05-44E26D841E62}"/>
+                <a16:creationId xmlns:a16="http://schemas.microsoft.com/office/drawing/2014/main" xmlns="" id="{D9DD4B7F-8A71-49A3-BC05-44E26D841E62}"/>
               </a:ext>
             </a:extLst>
           </p:cNvPr>
@@ -14080,7 +14081,7 @@
             <p:cNvPr id="48" name="TextBox 47">
               <a:extLst>
                 <a:ext uri="{FF2B5EF4-FFF2-40B4-BE49-F238E27FC236}">
-                  <a16:creationId xmlns:a16="http://schemas.microsoft.com/office/drawing/2014/main" id="{C2359718-1C0E-45C6-99D0-A3CB1814E621}"/>
+                  <a16:creationId xmlns:a16="http://schemas.microsoft.com/office/drawing/2014/main" xmlns="" id="{C2359718-1C0E-45C6-99D0-A3CB1814E621}"/>
                 </a:ext>
               </a:extLst>
             </p:cNvPr>
@@ -14127,7 +14128,7 @@
             <p:cNvPr id="49" name="TextBox 48">
               <a:extLst>
                 <a:ext uri="{FF2B5EF4-FFF2-40B4-BE49-F238E27FC236}">
-                  <a16:creationId xmlns:a16="http://schemas.microsoft.com/office/drawing/2014/main" id="{83347D2D-8F9E-424F-8379-EE81B97BB648}"/>
+                  <a16:creationId xmlns:a16="http://schemas.microsoft.com/office/drawing/2014/main" xmlns="" id="{83347D2D-8F9E-424F-8379-EE81B97BB648}"/>
                 </a:ext>
               </a:extLst>
             </p:cNvPr>
@@ -14177,7 +14178,7 @@
           <p:cNvPr id="33" name="Group 32">
             <a:extLst>
               <a:ext uri="{FF2B5EF4-FFF2-40B4-BE49-F238E27FC236}">
-                <a16:creationId xmlns:a16="http://schemas.microsoft.com/office/drawing/2014/main" id="{C6E9A218-B141-4BD3-841A-BAB462C9175B}"/>
+                <a16:creationId xmlns:a16="http://schemas.microsoft.com/office/drawing/2014/main" xmlns="" id="{C6E9A218-B141-4BD3-841A-BAB462C9175B}"/>
               </a:ext>
             </a:extLst>
           </p:cNvPr>
@@ -14197,7 +14198,7 @@
             <p:cNvPr id="34" name="Straight Connector 33">
               <a:extLst>
                 <a:ext uri="{FF2B5EF4-FFF2-40B4-BE49-F238E27FC236}">
-                  <a16:creationId xmlns:a16="http://schemas.microsoft.com/office/drawing/2014/main" id="{F7309261-EAF4-4065-B34C-74D63998B1F8}"/>
+                  <a16:creationId xmlns:a16="http://schemas.microsoft.com/office/drawing/2014/main" xmlns="" id="{F7309261-EAF4-4065-B34C-74D63998B1F8}"/>
                 </a:ext>
               </a:extLst>
             </p:cNvPr>
@@ -14241,7 +14242,7 @@
             <p:cNvPr id="35" name="Straight Connector 34">
               <a:extLst>
                 <a:ext uri="{FF2B5EF4-FFF2-40B4-BE49-F238E27FC236}">
-                  <a16:creationId xmlns:a16="http://schemas.microsoft.com/office/drawing/2014/main" id="{6F2BC3B5-DB71-4C84-AF89-168445886399}"/>
+                  <a16:creationId xmlns:a16="http://schemas.microsoft.com/office/drawing/2014/main" xmlns="" id="{6F2BC3B5-DB71-4C84-AF89-168445886399}"/>
                 </a:ext>
               </a:extLst>
             </p:cNvPr>
@@ -14285,7 +14286,7 @@
           <p:cNvPr id="55" name="Group 54">
             <a:extLst>
               <a:ext uri="{FF2B5EF4-FFF2-40B4-BE49-F238E27FC236}">
-                <a16:creationId xmlns:a16="http://schemas.microsoft.com/office/drawing/2014/main" id="{948E0E04-F6AD-4204-A734-B8A0EC1E885D}"/>
+                <a16:creationId xmlns:a16="http://schemas.microsoft.com/office/drawing/2014/main" xmlns="" id="{948E0E04-F6AD-4204-A734-B8A0EC1E885D}"/>
               </a:ext>
             </a:extLst>
           </p:cNvPr>
@@ -14305,7 +14306,7 @@
             <p:cNvPr id="56" name="TextBox 55">
               <a:extLst>
                 <a:ext uri="{FF2B5EF4-FFF2-40B4-BE49-F238E27FC236}">
-                  <a16:creationId xmlns:a16="http://schemas.microsoft.com/office/drawing/2014/main" id="{4DD90853-2F30-480A-A4BC-AF61CA243D4E}"/>
+                  <a16:creationId xmlns:a16="http://schemas.microsoft.com/office/drawing/2014/main" xmlns="" id="{4DD90853-2F30-480A-A4BC-AF61CA243D4E}"/>
                 </a:ext>
               </a:extLst>
             </p:cNvPr>
@@ -14351,7 +14352,7 @@
             <p:cNvPr id="57" name="TextBox 56">
               <a:extLst>
                 <a:ext uri="{FF2B5EF4-FFF2-40B4-BE49-F238E27FC236}">
-                  <a16:creationId xmlns:a16="http://schemas.microsoft.com/office/drawing/2014/main" id="{13DF5F7D-8517-4858-B26A-117AEF6AD00D}"/>
+                  <a16:creationId xmlns:a16="http://schemas.microsoft.com/office/drawing/2014/main" xmlns="" id="{13DF5F7D-8517-4858-B26A-117AEF6AD00D}"/>
                 </a:ext>
               </a:extLst>
             </p:cNvPr>
@@ -14400,7 +14401,7 @@
           <p:cNvPr id="36" name="Group 35">
             <a:extLst>
               <a:ext uri="{FF2B5EF4-FFF2-40B4-BE49-F238E27FC236}">
-                <a16:creationId xmlns:a16="http://schemas.microsoft.com/office/drawing/2014/main" id="{B1ACE9A5-0AAC-4005-87FD-533CB273E3AF}"/>
+                <a16:creationId xmlns:a16="http://schemas.microsoft.com/office/drawing/2014/main" xmlns="" id="{B1ACE9A5-0AAC-4005-87FD-533CB273E3AF}"/>
               </a:ext>
             </a:extLst>
           </p:cNvPr>
@@ -14420,7 +14421,7 @@
             <p:cNvPr id="37" name="Straight Connector 36">
               <a:extLst>
                 <a:ext uri="{FF2B5EF4-FFF2-40B4-BE49-F238E27FC236}">
-                  <a16:creationId xmlns:a16="http://schemas.microsoft.com/office/drawing/2014/main" id="{BEBF1710-C0A2-443D-9E66-877BD8FA726A}"/>
+                  <a16:creationId xmlns:a16="http://schemas.microsoft.com/office/drawing/2014/main" xmlns="" id="{BEBF1710-C0A2-443D-9E66-877BD8FA726A}"/>
                 </a:ext>
               </a:extLst>
             </p:cNvPr>
@@ -14464,7 +14465,7 @@
             <p:cNvPr id="38" name="Straight Connector 37">
               <a:extLst>
                 <a:ext uri="{FF2B5EF4-FFF2-40B4-BE49-F238E27FC236}">
-                  <a16:creationId xmlns:a16="http://schemas.microsoft.com/office/drawing/2014/main" id="{D25F5471-E0F2-4736-A975-B0CD1D80AA97}"/>
+                  <a16:creationId xmlns:a16="http://schemas.microsoft.com/office/drawing/2014/main" xmlns="" id="{D25F5471-E0F2-4736-A975-B0CD1D80AA97}"/>
                 </a:ext>
               </a:extLst>
             </p:cNvPr>
@@ -14508,7 +14509,7 @@
           <p:cNvPr id="59" name="Group 58">
             <a:extLst>
               <a:ext uri="{FF2B5EF4-FFF2-40B4-BE49-F238E27FC236}">
-                <a16:creationId xmlns:a16="http://schemas.microsoft.com/office/drawing/2014/main" id="{4B33EF84-99D9-4E3D-98A7-243B4B204E8F}"/>
+                <a16:creationId xmlns:a16="http://schemas.microsoft.com/office/drawing/2014/main" xmlns="" id="{4B33EF84-99D9-4E3D-98A7-243B4B204E8F}"/>
               </a:ext>
             </a:extLst>
           </p:cNvPr>
@@ -14528,7 +14529,7 @@
             <p:cNvPr id="60" name="TextBox 59">
               <a:extLst>
                 <a:ext uri="{FF2B5EF4-FFF2-40B4-BE49-F238E27FC236}">
-                  <a16:creationId xmlns:a16="http://schemas.microsoft.com/office/drawing/2014/main" id="{3E41AE78-9E30-4CD4-9440-DE30C5519E6F}"/>
+                  <a16:creationId xmlns:a16="http://schemas.microsoft.com/office/drawing/2014/main" xmlns="" id="{3E41AE78-9E30-4CD4-9440-DE30C5519E6F}"/>
                 </a:ext>
               </a:extLst>
             </p:cNvPr>
@@ -14574,7 +14575,7 @@
             <p:cNvPr id="61" name="TextBox 60">
               <a:extLst>
                 <a:ext uri="{FF2B5EF4-FFF2-40B4-BE49-F238E27FC236}">
-                  <a16:creationId xmlns:a16="http://schemas.microsoft.com/office/drawing/2014/main" id="{DBF60901-7459-4FFF-BFAB-332F5872E18A}"/>
+                  <a16:creationId xmlns:a16="http://schemas.microsoft.com/office/drawing/2014/main" xmlns="" id="{DBF60901-7459-4FFF-BFAB-332F5872E18A}"/>
                 </a:ext>
               </a:extLst>
             </p:cNvPr>
@@ -14644,7 +14645,7 @@
             <p:cNvPr id="13" name="Oval 12">
               <a:extLst>
                 <a:ext uri="{FF2B5EF4-FFF2-40B4-BE49-F238E27FC236}">
-                  <a16:creationId xmlns:a16="http://schemas.microsoft.com/office/drawing/2014/main" id="{69F6674A-9F6A-4ECF-8B1A-B5CD331C63F8}"/>
+                  <a16:creationId xmlns:a16="http://schemas.microsoft.com/office/drawing/2014/main" xmlns="" id="{69F6674A-9F6A-4ECF-8B1A-B5CD331C63F8}"/>
                 </a:ext>
               </a:extLst>
             </p:cNvPr>
@@ -14746,7 +14747,7 @@
             <p:cNvPr id="10" name="Oval 9">
               <a:extLst>
                 <a:ext uri="{FF2B5EF4-FFF2-40B4-BE49-F238E27FC236}">
-                  <a16:creationId xmlns:a16="http://schemas.microsoft.com/office/drawing/2014/main" id="{6E22B37A-CCC7-4E5B-82F9-79A278CAA082}"/>
+                  <a16:creationId xmlns:a16="http://schemas.microsoft.com/office/drawing/2014/main" xmlns="" id="{6E22B37A-CCC7-4E5B-82F9-79A278CAA082}"/>
                 </a:ext>
               </a:extLst>
             </p:cNvPr>
@@ -14855,7 +14856,7 @@
             <p:cNvPr id="12" name="Oval 11">
               <a:extLst>
                 <a:ext uri="{FF2B5EF4-FFF2-40B4-BE49-F238E27FC236}">
-                  <a16:creationId xmlns:a16="http://schemas.microsoft.com/office/drawing/2014/main" id="{BC59DA09-2750-4F0C-898C-08F0F54C4ACB}"/>
+                  <a16:creationId xmlns:a16="http://schemas.microsoft.com/office/drawing/2014/main" xmlns="" id="{BC59DA09-2750-4F0C-898C-08F0F54C4ACB}"/>
                 </a:ext>
               </a:extLst>
             </p:cNvPr>
@@ -14955,7 +14956,7 @@
             <p:cNvPr id="11" name="Oval 10">
               <a:extLst>
                 <a:ext uri="{FF2B5EF4-FFF2-40B4-BE49-F238E27FC236}">
-                  <a16:creationId xmlns:a16="http://schemas.microsoft.com/office/drawing/2014/main" id="{788C3841-127A-479B-94BD-220B2EDCAB6E}"/>
+                  <a16:creationId xmlns:a16="http://schemas.microsoft.com/office/drawing/2014/main" xmlns="" id="{788C3841-127A-479B-94BD-220B2EDCAB6E}"/>
                 </a:ext>
               </a:extLst>
             </p:cNvPr>
@@ -15064,7 +15065,7 @@
             <p:cNvPr id="14" name="Oval 13">
               <a:extLst>
                 <a:ext uri="{FF2B5EF4-FFF2-40B4-BE49-F238E27FC236}">
-                  <a16:creationId xmlns:a16="http://schemas.microsoft.com/office/drawing/2014/main" id="{3F5A07E2-72FE-479E-9CC4-3AE297809FA7}"/>
+                  <a16:creationId xmlns:a16="http://schemas.microsoft.com/office/drawing/2014/main" xmlns="" id="{3F5A07E2-72FE-479E-9CC4-3AE297809FA7}"/>
                 </a:ext>
               </a:extLst>
             </p:cNvPr>
@@ -15963,7 +15964,7 @@
           <p:cNvPr id="3" name="TextBox 2">
             <a:extLst>
               <a:ext uri="{FF2B5EF4-FFF2-40B4-BE49-F238E27FC236}">
-                <a16:creationId xmlns:a16="http://schemas.microsoft.com/office/drawing/2014/main" id="{BE8AA9BD-5B28-4BB1-803B-54BB6E1B0DE1}"/>
+                <a16:creationId xmlns:a16="http://schemas.microsoft.com/office/drawing/2014/main" xmlns="" id="{BE8AA9BD-5B28-4BB1-803B-54BB6E1B0DE1}"/>
               </a:ext>
             </a:extLst>
           </p:cNvPr>
@@ -16127,14 +16128,7 @@
                 <a:latin typeface="Arial" panose="020B0604020202020204" pitchFamily="34" charset="0"/>
                 <a:cs typeface="Arial" panose="020B0604020202020204" pitchFamily="34" charset="0"/>
               </a:rPr>
-              <a:t>Thời gian hệ thống % tổng thời </a:t>
-            </a:r>
-            <a:r>
-              <a:rPr lang="en-US" sz="2400">
-                <a:latin typeface="Arial" panose="020B0604020202020204" pitchFamily="34" charset="0"/>
-                <a:cs typeface="Arial" panose="020B0604020202020204" pitchFamily="34" charset="0"/>
-              </a:rPr>
-              <a:t>gian </a:t>
+              <a:t>Thời gian hệ thống % tổng thời gian </a:t>
             </a:r>
             <a:r>
               <a:rPr lang="en-US" sz="2400" smtClean="0">
@@ -16269,7 +16263,7 @@
           <p:cNvPr id="3" name="TextBox 2">
             <a:extLst>
               <a:ext uri="{FF2B5EF4-FFF2-40B4-BE49-F238E27FC236}">
-                <a16:creationId xmlns:a16="http://schemas.microsoft.com/office/drawing/2014/main" id="{BE8AA9BD-5B28-4BB1-803B-54BB6E1B0DE1}"/>
+                <a16:creationId xmlns:a16="http://schemas.microsoft.com/office/drawing/2014/main" xmlns="" id="{BE8AA9BD-5B28-4BB1-803B-54BB6E1B0DE1}"/>
               </a:ext>
             </a:extLst>
           </p:cNvPr>
@@ -16317,6 +16311,72 @@
           </a:p>
         </p:txBody>
       </p:sp>
+      <p:pic>
+        <p:nvPicPr>
+          <p:cNvPr id="4" name="Picture 3" descr="C:\Users\duong\Desktop\Photos\Screenshot_20200504-103210_Security.jpg"/>
+          <p:cNvPicPr/>
+          <p:nvPr/>
+        </p:nvPicPr>
+        <p:blipFill>
+          <a:blip r:embed="rId3" cstate="print">
+            <a:extLst>
+              <a:ext uri="{28A0092B-C50C-407E-A947-70E740481C1C}">
+                <a14:useLocalDpi xmlns:a14="http://schemas.microsoft.com/office/drawing/2010/main" val="0"/>
+              </a:ext>
+            </a:extLst>
+          </a:blip>
+          <a:srcRect/>
+          <a:stretch>
+            <a:fillRect/>
+          </a:stretch>
+        </p:blipFill>
+        <p:spPr bwMode="auto">
+          <a:xfrm>
+            <a:off x="2456484" y="1147955"/>
+            <a:ext cx="2479040" cy="5511165"/>
+          </a:xfrm>
+          <a:prstGeom prst="rect">
+            <a:avLst/>
+          </a:prstGeom>
+          <a:noFill/>
+          <a:ln>
+            <a:noFill/>
+          </a:ln>
+        </p:spPr>
+      </p:pic>
+      <p:pic>
+        <p:nvPicPr>
+          <p:cNvPr id="5" name="Picture 4" descr="C:\Users\Hiep\Downloads\pr_1\pr\Screenshot_20200505-085736_Security.jpg"/>
+          <p:cNvPicPr/>
+          <p:nvPr/>
+        </p:nvPicPr>
+        <p:blipFill>
+          <a:blip r:embed="rId4" cstate="print">
+            <a:extLst>
+              <a:ext uri="{28A0092B-C50C-407E-A947-70E740481C1C}">
+                <a14:useLocalDpi xmlns:a14="http://schemas.microsoft.com/office/drawing/2010/main" val="0"/>
+              </a:ext>
+            </a:extLst>
+          </a:blip>
+          <a:srcRect/>
+          <a:stretch>
+            <a:fillRect/>
+          </a:stretch>
+        </p:blipFill>
+        <p:spPr bwMode="auto">
+          <a:xfrm>
+            <a:off x="6999384" y="1139700"/>
+            <a:ext cx="2486025" cy="5527675"/>
+          </a:xfrm>
+          <a:prstGeom prst="rect">
+            <a:avLst/>
+          </a:prstGeom>
+          <a:noFill/>
+          <a:ln>
+            <a:noFill/>
+          </a:ln>
+        </p:spPr>
+      </p:pic>
     </p:spTree>
     <p:extLst>
       <p:ext uri="{BB962C8B-B14F-4D97-AF65-F5344CB8AC3E}">
@@ -17029,52 +17089,12 @@
           <a:chExt cx="0" cy="0"/>
         </a:xfrm>
       </p:grpSpPr>
-    </p:spTree>
-    <p:extLst>
-      <p:ext uri="{BB962C8B-B14F-4D97-AF65-F5344CB8AC3E}">
-        <p14:creationId xmlns:p14="http://schemas.microsoft.com/office/powerpoint/2010/main" val="2783604376"/>
-      </p:ext>
-    </p:extLst>
-  </p:cSld>
-  <p:clrMapOvr>
-    <a:masterClrMapping/>
-  </p:clrMapOvr>
-  <p:transition spd="slow">
-    <p:push dir="u"/>
-  </p:transition>
-  <p:timing>
-    <p:tnLst>
-      <p:par>
-        <p:cTn id="1" dur="indefinite" restart="never" nodeType="tmRoot"/>
-      </p:par>
-    </p:tnLst>
-  </p:timing>
-</p:sld>
-</file>
-
-<file path=ppt/slides/slide9.xml><?xml version="1.0" encoding="utf-8"?>
-<p:sld xmlns:a="http://schemas.openxmlformats.org/drawingml/2006/main" xmlns:r="http://schemas.openxmlformats.org/officeDocument/2006/relationships" xmlns:p="http://schemas.openxmlformats.org/presentationml/2006/main">
-  <p:cSld>
-    <p:spTree>
-      <p:nvGrpSpPr>
-        <p:cNvPr id="1" name=""/>
-        <p:cNvGrpSpPr/>
-        <p:nvPr/>
-      </p:nvGrpSpPr>
-      <p:grpSpPr>
-        <a:xfrm>
-          <a:off x="0" y="0"/>
-          <a:ext cx="0" cy="0"/>
-          <a:chOff x="0" y="0"/>
-          <a:chExt cx="0" cy="0"/>
-        </a:xfrm>
-      </p:grpSpPr>
       <p:sp>
         <p:nvSpPr>
           <p:cNvPr id="4" name="TextBox 3">
             <a:extLst>
               <a:ext uri="{FF2B5EF4-FFF2-40B4-BE49-F238E27FC236}">
-                <a16:creationId xmlns:a16="http://schemas.microsoft.com/office/drawing/2014/main" id="{BE8AA9BD-5B28-4BB1-803B-54BB6E1B0DE1}"/>
+                <a16:creationId xmlns:a16="http://schemas.microsoft.com/office/drawing/2014/main" xmlns="" id="{BE8AA9BD-5B28-4BB1-803B-54BB6E1B0DE1}"/>
               </a:ext>
             </a:extLst>
           </p:cNvPr>
@@ -17189,7 +17209,7 @@
           <p:cNvPr id="3" name="Picture 2">
             <a:extLst>
               <a:ext uri="{FF2B5EF4-FFF2-40B4-BE49-F238E27FC236}">
-                <a16:creationId xmlns:a16="http://schemas.microsoft.com/office/drawing/2014/main" id="{50AD5817-10C9-4E0E-A247-63D6F743F821}"/>
+                <a16:creationId xmlns:a16="http://schemas.microsoft.com/office/drawing/2014/main" xmlns="" id="{50AD5817-10C9-4E0E-A247-63D6F743F821}"/>
               </a:ext>
             </a:extLst>
           </p:cNvPr>
@@ -17225,7 +17245,7 @@
           <p:cNvPr id="24" name="Group 23">
             <a:extLst>
               <a:ext uri="{FF2B5EF4-FFF2-40B4-BE49-F238E27FC236}">
-                <a16:creationId xmlns:a16="http://schemas.microsoft.com/office/drawing/2014/main" id="{7D884BCA-1978-49CC-8588-5399D7CABDE7}"/>
+                <a16:creationId xmlns:a16="http://schemas.microsoft.com/office/drawing/2014/main" xmlns="" id="{7D884BCA-1978-49CC-8588-5399D7CABDE7}"/>
               </a:ext>
             </a:extLst>
           </p:cNvPr>
@@ -17245,7 +17265,7 @@
             <p:cNvPr id="25" name="Oval 24">
               <a:extLst>
                 <a:ext uri="{FF2B5EF4-FFF2-40B4-BE49-F238E27FC236}">
-                  <a16:creationId xmlns:a16="http://schemas.microsoft.com/office/drawing/2014/main" id="{3701A590-ABA9-4BD2-BD64-376A4C227798}"/>
+                  <a16:creationId xmlns:a16="http://schemas.microsoft.com/office/drawing/2014/main" xmlns="" id="{3701A590-ABA9-4BD2-BD64-376A4C227798}"/>
                 </a:ext>
               </a:extLst>
             </p:cNvPr>
@@ -17300,7 +17320,7 @@
             <p:cNvPr id="26" name="Oval 25">
               <a:extLst>
                 <a:ext uri="{FF2B5EF4-FFF2-40B4-BE49-F238E27FC236}">
-                  <a16:creationId xmlns:a16="http://schemas.microsoft.com/office/drawing/2014/main" id="{3E53B434-A2A6-4C16-99DD-292CE4FD62C4}"/>
+                  <a16:creationId xmlns:a16="http://schemas.microsoft.com/office/drawing/2014/main" xmlns="" id="{3E53B434-A2A6-4C16-99DD-292CE4FD62C4}"/>
                 </a:ext>
               </a:extLst>
             </p:cNvPr>
@@ -17355,7 +17375,7 @@
             <p:cNvPr id="27" name="Oval 26">
               <a:extLst>
                 <a:ext uri="{FF2B5EF4-FFF2-40B4-BE49-F238E27FC236}">
-                  <a16:creationId xmlns:a16="http://schemas.microsoft.com/office/drawing/2014/main" id="{F3E5BC96-17A2-4BD5-BA51-10270687E851}"/>
+                  <a16:creationId xmlns:a16="http://schemas.microsoft.com/office/drawing/2014/main" xmlns="" id="{F3E5BC96-17A2-4BD5-BA51-10270687E851}"/>
                 </a:ext>
               </a:extLst>
             </p:cNvPr>
@@ -17410,7 +17430,7 @@
             <p:cNvPr id="28" name="Oval 27">
               <a:extLst>
                 <a:ext uri="{FF2B5EF4-FFF2-40B4-BE49-F238E27FC236}">
-                  <a16:creationId xmlns:a16="http://schemas.microsoft.com/office/drawing/2014/main" id="{1A06ACCC-548D-4873-BD3B-AD3CA2C095B0}"/>
+                  <a16:creationId xmlns:a16="http://schemas.microsoft.com/office/drawing/2014/main" xmlns="" id="{1A06ACCC-548D-4873-BD3B-AD3CA2C095B0}"/>
                 </a:ext>
               </a:extLst>
             </p:cNvPr>
@@ -17465,7 +17485,7 @@
             <p:cNvPr id="29" name="Oval 28">
               <a:extLst>
                 <a:ext uri="{FF2B5EF4-FFF2-40B4-BE49-F238E27FC236}">
-                  <a16:creationId xmlns:a16="http://schemas.microsoft.com/office/drawing/2014/main" id="{7CBDE4C1-DAF9-476F-B807-27BE954F6C82}"/>
+                  <a16:creationId xmlns:a16="http://schemas.microsoft.com/office/drawing/2014/main" xmlns="" id="{7CBDE4C1-DAF9-476F-B807-27BE954F6C82}"/>
                 </a:ext>
               </a:extLst>
             </p:cNvPr>

--- a/Đồ án/BaoCao.pptx
+++ b/Đồ án/BaoCao.pptx
@@ -5,20 +5,22 @@
     <p:sldMasterId id="2147483648" r:id="rId4"/>
   </p:sldMasterIdLst>
   <p:notesMasterIdLst>
-    <p:notesMasterId r:id="rId13"/>
+    <p:notesMasterId r:id="rId15"/>
   </p:notesMasterIdLst>
   <p:handoutMasterIdLst>
-    <p:handoutMasterId r:id="rId14"/>
+    <p:handoutMasterId r:id="rId16"/>
   </p:handoutMasterIdLst>
   <p:sldIdLst>
     <p:sldId id="256" r:id="rId5"/>
     <p:sldId id="257" r:id="rId6"/>
     <p:sldId id="263" r:id="rId7"/>
-    <p:sldId id="264" r:id="rId8"/>
-    <p:sldId id="265" r:id="rId9"/>
-    <p:sldId id="258" r:id="rId10"/>
-    <p:sldId id="259" r:id="rId11"/>
-    <p:sldId id="261" r:id="rId12"/>
+    <p:sldId id="266" r:id="rId8"/>
+    <p:sldId id="267" r:id="rId9"/>
+    <p:sldId id="264" r:id="rId10"/>
+    <p:sldId id="265" r:id="rId11"/>
+    <p:sldId id="258" r:id="rId12"/>
+    <p:sldId id="259" r:id="rId13"/>
+    <p:sldId id="261" r:id="rId14"/>
   </p:sldIdLst>
   <p:sldSz cx="12192000" cy="6858000"/>
   <p:notesSz cx="6858000" cy="9144000"/>
@@ -140,7 +142,7 @@
 </file>
 
 <file path=ppt/charts/chart1.xml><?xml version="1.0" encoding="utf-8"?>
-<c:chartSpace xmlns:c="http://schemas.openxmlformats.org/drawingml/2006/chart" xmlns:a="http://schemas.openxmlformats.org/drawingml/2006/main" xmlns:r="http://schemas.openxmlformats.org/officeDocument/2006/relationships">
+<c:chartSpace xmlns:c="http://schemas.openxmlformats.org/drawingml/2006/chart" xmlns:a="http://schemas.openxmlformats.org/drawingml/2006/main" xmlns:r="http://schemas.openxmlformats.org/officeDocument/2006/relationships" xmlns:c16r2="http://schemas.microsoft.com/office/drawing/2015/06/chart">
   <c:date1904 val="0"/>
   <c:lang val="en-US"/>
   <c:roundedCorners val="0"/>
@@ -299,7 +301,7 @@
             <c:showPercent val="0"/>
             <c:showBubbleSize val="0"/>
             <c:showLeaderLines val="0"/>
-            <c:extLst xmlns:c16r2="http://schemas.microsoft.com/office/drawing/2015/06/chart">
+            <c:extLst>
               <c:ext xmlns:c15="http://schemas.microsoft.com/office/drawing/2012/chart" uri="{CE6537A1-D6FC-4f65-9D91-7224C49458BB}">
                 <c15:layout/>
                 <c15:showLeaderLines val="1"/>
@@ -362,7 +364,7 @@
                 <c:formatCode>0%</c:formatCode>
                 <c:ptCount val="9"/>
                 <c:pt idx="0">
-                  <c:v>1.0</c:v>
+                  <c:v>1</c:v>
                 </c:pt>
                 <c:pt idx="1">
                   <c:v>0.73</c:v>
@@ -374,25 +376,25 @@
                   <c:v>0.3</c:v>
                 </c:pt>
                 <c:pt idx="4">
-                  <c:v>0.0</c:v>
+                  <c:v>0</c:v>
                 </c:pt>
                 <c:pt idx="5">
-                  <c:v>0.0</c:v>
+                  <c:v>0</c:v>
                 </c:pt>
                 <c:pt idx="6">
-                  <c:v>0.0</c:v>
+                  <c:v>0</c:v>
                 </c:pt>
                 <c:pt idx="7">
-                  <c:v>0.0</c:v>
+                  <c:v>0</c:v>
                 </c:pt>
                 <c:pt idx="8">
-                  <c:v>0.0</c:v>
+                  <c:v>0</c:v>
                 </c:pt>
               </c:numCache>
             </c:numRef>
           </c:val>
           <c:smooth val="0"/>
-          <c:extLst xmlns:c16r2="http://schemas.microsoft.com/office/drawing/2015/06/chart">
+          <c:extLst>
             <c:ext xmlns:c16="http://schemas.microsoft.com/office/drawing/2014/chart" uri="{C3380CC4-5D6E-409C-BE32-E72D297353CC}">
               <c16:uniqueId val="{00000000-D8EA-44DE-A7EA-F85DDF23D8EA}"/>
             </c:ext>
@@ -447,8 +449,8 @@
               <c:idx val="1"/>
               <c:layout>
                 <c:manualLayout>
-                  <c:x val="-0.0376965380258727"/>
-                  <c:y val="0.0277253363136387"/>
+                  <c:x val="-3.7696538025872701E-2"/>
+                  <c:y val="2.7725336313638702E-2"/>
                 </c:manualLayout>
               </c:layout>
               <c:showLegendKey val="0"/>
@@ -457,12 +459,12 @@
               <c:showSerName val="0"/>
               <c:showPercent val="0"/>
               <c:showBubbleSize val="0"/>
-              <c:extLst xmlns:c16r2="http://schemas.microsoft.com/office/drawing/2015/06/chart">
+              <c:extLst>
+                <c:ext xmlns:c15="http://schemas.microsoft.com/office/drawing/2012/chart" uri="{CE6537A1-D6FC-4f65-9D91-7224C49458BB}">
+                  <c15:layout/>
+                </c:ext>
                 <c:ext xmlns:c16="http://schemas.microsoft.com/office/drawing/2014/chart" uri="{C3380CC4-5D6E-409C-BE32-E72D297353CC}">
                   <c16:uniqueId val="{00000001-D8EA-44DE-A7EA-F85DDF23D8EA}"/>
-                </c:ext>
-                <c:ext xmlns:c15="http://schemas.microsoft.com/office/drawing/2012/chart" uri="{CE6537A1-D6FC-4f65-9D91-7224C49458BB}">
-                  <c15:layout/>
                 </c:ext>
               </c:extLst>
             </c:dLbl>
@@ -470,8 +472,8 @@
               <c:idx val="2"/>
               <c:layout>
                 <c:manualLayout>
-                  <c:x val="-0.0375288408593348"/>
-                  <c:y val="0.023606331701701"/>
+                  <c:x val="-3.7528840859334799E-2"/>
+                  <c:y val="2.3606331701701001E-2"/>
                 </c:manualLayout>
               </c:layout>
               <c:showLegendKey val="0"/>
@@ -480,12 +482,12 @@
               <c:showSerName val="0"/>
               <c:showPercent val="0"/>
               <c:showBubbleSize val="0"/>
-              <c:extLst xmlns:c16r2="http://schemas.microsoft.com/office/drawing/2015/06/chart">
+              <c:extLst>
+                <c:ext xmlns:c15="http://schemas.microsoft.com/office/drawing/2012/chart" uri="{CE6537A1-D6FC-4f65-9D91-7224C49458BB}">
+                  <c15:layout/>
+                </c:ext>
                 <c:ext xmlns:c16="http://schemas.microsoft.com/office/drawing/2014/chart" uri="{C3380CC4-5D6E-409C-BE32-E72D297353CC}">
                   <c16:uniqueId val="{00000002-D8EA-44DE-A7EA-F85DDF23D8EA}"/>
-                </c:ext>
-                <c:ext xmlns:c15="http://schemas.microsoft.com/office/drawing/2012/chart" uri="{CE6537A1-D6FC-4f65-9D91-7224C49458BB}">
-                  <c15:layout/>
                 </c:ext>
               </c:extLst>
             </c:dLbl>
@@ -493,8 +495,8 @@
               <c:idx val="3"/>
               <c:layout>
                 <c:manualLayout>
-                  <c:x val="-0.0358230271602707"/>
-                  <c:y val="0.028042542711514"/>
+                  <c:x val="-3.58230271602707E-2"/>
+                  <c:y val="2.8042542711514001E-2"/>
                 </c:manualLayout>
               </c:layout>
               <c:showLegendKey val="0"/>
@@ -503,12 +505,12 @@
               <c:showSerName val="0"/>
               <c:showPercent val="0"/>
               <c:showBubbleSize val="0"/>
-              <c:extLst xmlns:c16r2="http://schemas.microsoft.com/office/drawing/2015/06/chart">
+              <c:extLst>
+                <c:ext xmlns:c15="http://schemas.microsoft.com/office/drawing/2012/chart" uri="{CE6537A1-D6FC-4f65-9D91-7224C49458BB}">
+                  <c15:layout/>
+                </c:ext>
                 <c:ext xmlns:c16="http://schemas.microsoft.com/office/drawing/2014/chart" uri="{C3380CC4-5D6E-409C-BE32-E72D297353CC}">
                   <c16:uniqueId val="{00000003-D8EA-44DE-A7EA-F85DDF23D8EA}"/>
-                </c:ext>
-                <c:ext xmlns:c15="http://schemas.microsoft.com/office/drawing/2012/chart" uri="{CE6537A1-D6FC-4f65-9D91-7224C49458BB}">
-                  <c15:layout/>
                 </c:ext>
               </c:extLst>
             </c:dLbl>
@@ -516,8 +518,8 @@
               <c:idx val="4"/>
               <c:layout>
                 <c:manualLayout>
-                  <c:x val="-0.0358230125582024"/>
-                  <c:y val="0.0185357292804034"/>
+                  <c:x val="-3.5823012558202402E-2"/>
+                  <c:y val="1.8535729280403399E-2"/>
                 </c:manualLayout>
               </c:layout>
               <c:showLegendKey val="0"/>
@@ -526,12 +528,12 @@
               <c:showSerName val="0"/>
               <c:showPercent val="0"/>
               <c:showBubbleSize val="0"/>
-              <c:extLst xmlns:c16r2="http://schemas.microsoft.com/office/drawing/2015/06/chart">
+              <c:extLst>
+                <c:ext xmlns:c15="http://schemas.microsoft.com/office/drawing/2012/chart" uri="{CE6537A1-D6FC-4f65-9D91-7224C49458BB}">
+                  <c15:layout/>
+                </c:ext>
                 <c:ext xmlns:c16="http://schemas.microsoft.com/office/drawing/2014/chart" uri="{C3380CC4-5D6E-409C-BE32-E72D297353CC}">
                   <c16:uniqueId val="{00000004-D8EA-44DE-A7EA-F85DDF23D8EA}"/>
-                </c:ext>
-                <c:ext xmlns:c15="http://schemas.microsoft.com/office/drawing/2012/chart" uri="{CE6537A1-D6FC-4f65-9D91-7224C49458BB}">
-                  <c15:layout/>
                 </c:ext>
               </c:extLst>
             </c:dLbl>
@@ -539,8 +541,8 @@
               <c:idx val="5"/>
               <c:layout>
                 <c:manualLayout>
-                  <c:x val="-0.0387219803635543"/>
-                  <c:y val="0.0251921765486596"/>
+                  <c:x val="-3.8721980363554301E-2"/>
+                  <c:y val="2.5192176548659601E-2"/>
                 </c:manualLayout>
               </c:layout>
               <c:showLegendKey val="0"/>
@@ -549,12 +551,12 @@
               <c:showSerName val="0"/>
               <c:showPercent val="0"/>
               <c:showBubbleSize val="0"/>
-              <c:extLst xmlns:c16r2="http://schemas.microsoft.com/office/drawing/2015/06/chart">
+              <c:extLst>
+                <c:ext xmlns:c15="http://schemas.microsoft.com/office/drawing/2012/chart" uri="{CE6537A1-D6FC-4f65-9D91-7224C49458BB}">
+                  <c15:layout/>
+                </c:ext>
                 <c:ext xmlns:c16="http://schemas.microsoft.com/office/drawing/2014/chart" uri="{C3380CC4-5D6E-409C-BE32-E72D297353CC}">
                   <c16:uniqueId val="{00000005-D8EA-44DE-A7EA-F85DDF23D8EA}"/>
-                </c:ext>
-                <c:ext xmlns:c15="http://schemas.microsoft.com/office/drawing/2012/chart" uri="{CE6537A1-D6FC-4f65-9D91-7224C49458BB}">
-                  <c15:layout/>
                 </c:ext>
               </c:extLst>
             </c:dLbl>
@@ -562,8 +564,8 @@
               <c:idx val="6"/>
               <c:layout>
                 <c:manualLayout>
-                  <c:x val="-0.0341171195132142"/>
-                  <c:y val="0.0399260862307346"/>
+                  <c:x val="-3.4117119513214202E-2"/>
+                  <c:y val="3.9926086230734598E-2"/>
                 </c:manualLayout>
               </c:layout>
               <c:showLegendKey val="0"/>
@@ -572,12 +574,12 @@
               <c:showSerName val="0"/>
               <c:showPercent val="0"/>
               <c:showBubbleSize val="0"/>
-              <c:extLst xmlns:c16r2="http://schemas.microsoft.com/office/drawing/2015/06/chart">
+              <c:extLst>
+                <c:ext xmlns:c15="http://schemas.microsoft.com/office/drawing/2012/chart" uri="{CE6537A1-D6FC-4f65-9D91-7224C49458BB}">
+                  <c15:layout/>
+                </c:ext>
                 <c:ext xmlns:c16="http://schemas.microsoft.com/office/drawing/2014/chart" uri="{C3380CC4-5D6E-409C-BE32-E72D297353CC}">
                   <c16:uniqueId val="{00000006-D8EA-44DE-A7EA-F85DDF23D8EA}"/>
-                </c:ext>
-                <c:ext xmlns:c15="http://schemas.microsoft.com/office/drawing/2012/chart" uri="{CE6537A1-D6FC-4f65-9D91-7224C49458BB}">
-                  <c15:layout/>
                 </c:ext>
               </c:extLst>
             </c:dLbl>
@@ -585,8 +587,8 @@
               <c:idx val="7"/>
               <c:layout>
                 <c:manualLayout>
-                  <c:x val="-0.0240497465893825"/>
-                  <c:y val="0.0321615473234517"/>
+                  <c:x val="-2.4049746589382501E-2"/>
+                  <c:y val="3.2161547323451702E-2"/>
                 </c:manualLayout>
               </c:layout>
               <c:showLegendKey val="0"/>
@@ -595,12 +597,12 @@
               <c:showSerName val="0"/>
               <c:showPercent val="0"/>
               <c:showBubbleSize val="0"/>
-              <c:extLst xmlns:c16r2="http://schemas.microsoft.com/office/drawing/2015/06/chart">
+              <c:extLst>
+                <c:ext xmlns:c15="http://schemas.microsoft.com/office/drawing/2012/chart" uri="{CE6537A1-D6FC-4f65-9D91-7224C49458BB}">
+                  <c15:layout/>
+                </c:ext>
                 <c:ext xmlns:c16="http://schemas.microsoft.com/office/drawing/2014/chart" uri="{C3380CC4-5D6E-409C-BE32-E72D297353CC}">
                   <c16:uniqueId val="{00000007-D8EA-44DE-A7EA-F85DDF23D8EA}"/>
-                </c:ext>
-                <c:ext xmlns:c15="http://schemas.microsoft.com/office/drawing/2012/chart" uri="{CE6537A1-D6FC-4f65-9D91-7224C49458BB}">
-                  <c15:layout/>
                 </c:ext>
               </c:extLst>
             </c:dLbl>
@@ -608,8 +610,8 @@
               <c:idx val="8"/>
               <c:layout>
                 <c:manualLayout>
-                  <c:x val="-0.00477255801687831"/>
-                  <c:y val="0.0308972131499737"/>
+                  <c:x val="-4.77255801687831E-3"/>
+                  <c:y val="3.08972131499737E-2"/>
                 </c:manualLayout>
               </c:layout>
               <c:showLegendKey val="0"/>
@@ -618,12 +620,12 @@
               <c:showSerName val="0"/>
               <c:showPercent val="0"/>
               <c:showBubbleSize val="0"/>
-              <c:extLst xmlns:c16r2="http://schemas.microsoft.com/office/drawing/2015/06/chart">
+              <c:extLst>
+                <c:ext xmlns:c15="http://schemas.microsoft.com/office/drawing/2012/chart" uri="{CE6537A1-D6FC-4f65-9D91-7224C49458BB}">
+                  <c15:layout/>
+                </c:ext>
                 <c:ext xmlns:c16="http://schemas.microsoft.com/office/drawing/2014/chart" uri="{C3380CC4-5D6E-409C-BE32-E72D297353CC}">
                   <c16:uniqueId val="{00000013-D8EA-44DE-A7EA-F85DDF23D8EA}"/>
-                </c:ext>
-                <c:ext xmlns:c15="http://schemas.microsoft.com/office/drawing/2012/chart" uri="{CE6537A1-D6FC-4f65-9D91-7224C49458BB}">
-                  <c15:layout/>
                 </c:ext>
               </c:extLst>
             </c:dLbl>
@@ -663,7 +665,7 @@
             <c:showPercent val="0"/>
             <c:showBubbleSize val="0"/>
             <c:showLeaderLines val="0"/>
-            <c:extLst xmlns:c16r2="http://schemas.microsoft.com/office/drawing/2015/06/chart">
+            <c:extLst>
               <c:ext xmlns:c15="http://schemas.microsoft.com/office/drawing/2012/chart" uri="{CE6537A1-D6FC-4f65-9D91-7224C49458BB}">
                 <c15:layout/>
                 <c15:showLeaderLines val="1"/>
@@ -726,7 +728,7 @@
                 <c:formatCode>0%</c:formatCode>
                 <c:ptCount val="9"/>
                 <c:pt idx="0">
-                  <c:v>1.0</c:v>
+                  <c:v>1</c:v>
                 </c:pt>
                 <c:pt idx="1">
                   <c:v>0.96</c:v>
@@ -756,7 +758,7 @@
             </c:numRef>
           </c:val>
           <c:smooth val="0"/>
-          <c:extLst xmlns:c16r2="http://schemas.microsoft.com/office/drawing/2015/06/chart">
+          <c:extLst>
             <c:ext xmlns:c16="http://schemas.microsoft.com/office/drawing/2014/chart" uri="{C3380CC4-5D6E-409C-BE32-E72D297353CC}">
               <c16:uniqueId val="{00000008-D8EA-44DE-A7EA-F85DDF23D8EA}"/>
             </c:ext>
@@ -804,19 +806,19 @@
             <c:dLbl>
               <c:idx val="0"/>
               <c:delete val="1"/>
-              <c:extLst xmlns:c16r2="http://schemas.microsoft.com/office/drawing/2015/06/chart">
+              <c:extLst>
+                <c:ext xmlns:c15="http://schemas.microsoft.com/office/drawing/2012/chart" uri="{CE6537A1-D6FC-4f65-9D91-7224C49458BB}"/>
                 <c:ext xmlns:c16="http://schemas.microsoft.com/office/drawing/2014/chart" uri="{C3380CC4-5D6E-409C-BE32-E72D297353CC}">
                   <c16:uniqueId val="{00000009-D8EA-44DE-A7EA-F85DDF23D8EA}"/>
                 </c:ext>
-                <c:ext xmlns:c15="http://schemas.microsoft.com/office/drawing/2012/chart" uri="{CE6537A1-D6FC-4f65-9D91-7224C49458BB}"/>
               </c:extLst>
             </c:dLbl>
             <c:dLbl>
               <c:idx val="1"/>
               <c:layout>
                 <c:manualLayout>
-                  <c:x val="-0.0170585597566071"/>
-                  <c:y val="-0.0351726688230464"/>
+                  <c:x val="-1.7058559756607101E-2"/>
+                  <c:y val="-3.5172668823046399E-2"/>
                 </c:manualLayout>
               </c:layout>
               <c:showLegendKey val="0"/>
@@ -825,17 +827,17 @@
               <c:showSerName val="0"/>
               <c:showPercent val="0"/>
               <c:showBubbleSize val="0"/>
-              <c:extLst xmlns:c16r2="http://schemas.microsoft.com/office/drawing/2015/06/chart">
-                <c:ext xmlns:c16="http://schemas.microsoft.com/office/drawing/2014/chart" uri="{C3380CC4-5D6E-409C-BE32-E72D297353CC}">
-                  <c16:uniqueId val="{0000000A-D8EA-44DE-A7EA-F85DDF23D8EA}"/>
-                </c:ext>
+              <c:extLst>
                 <c:ext xmlns:c15="http://schemas.microsoft.com/office/drawing/2012/chart" uri="{CE6537A1-D6FC-4f65-9D91-7224C49458BB}">
                   <c15:layout>
                     <c:manualLayout>
-                      <c:w val="0.0309272008419147"/>
-                      <c:h val="0.0362682436253227"/>
+                      <c:w val="3.09272008419147E-2"/>
+                      <c:h val="3.6268243625322702E-2"/>
                     </c:manualLayout>
                   </c15:layout>
+                </c:ext>
+                <c:ext xmlns:c16="http://schemas.microsoft.com/office/drawing/2014/chart" uri="{C3380CC4-5D6E-409C-BE32-E72D297353CC}">
+                  <c16:uniqueId val="{0000000A-D8EA-44DE-A7EA-F85DDF23D8EA}"/>
                 </c:ext>
               </c:extLst>
             </c:dLbl>
@@ -843,8 +845,8 @@
               <c:idx val="2"/>
               <c:layout>
                 <c:manualLayout>
-                  <c:x val="-0.0102351170643658"/>
-                  <c:y val="-0.0389744670371088"/>
+                  <c:x val="-1.0235117064365799E-2"/>
+                  <c:y val="-3.8974467037108801E-2"/>
                 </c:manualLayout>
               </c:layout>
               <c:showLegendKey val="0"/>
@@ -853,17 +855,17 @@
               <c:showSerName val="0"/>
               <c:showPercent val="0"/>
               <c:showBubbleSize val="0"/>
-              <c:extLst xmlns:c16r2="http://schemas.microsoft.com/office/drawing/2015/06/chart">
-                <c:ext xmlns:c16="http://schemas.microsoft.com/office/drawing/2014/chart" uri="{C3380CC4-5D6E-409C-BE32-E72D297353CC}">
-                  <c16:uniqueId val="{0000000B-D8EA-44DE-A7EA-F85DDF23D8EA}"/>
-                </c:ext>
+              <c:extLst>
                 <c:ext xmlns:c15="http://schemas.microsoft.com/office/drawing/2012/chart" uri="{CE6537A1-D6FC-4f65-9D91-7224C49458BB}">
                   <c15:layout>
                     <c:manualLayout>
-                      <c:w val="0.0309272008419147"/>
-                      <c:h val="0.0362682436253227"/>
+                      <c:w val="3.09272008419147E-2"/>
+                      <c:h val="3.6268243625322702E-2"/>
                     </c:manualLayout>
                   </c15:layout>
+                </c:ext>
+                <c:ext xmlns:c16="http://schemas.microsoft.com/office/drawing/2014/chart" uri="{C3380CC4-5D6E-409C-BE32-E72D297353CC}">
+                  <c16:uniqueId val="{0000000B-D8EA-44DE-A7EA-F85DDF23D8EA}"/>
                 </c:ext>
               </c:extLst>
             </c:dLbl>
@@ -871,8 +873,8 @@
               <c:idx val="3"/>
               <c:layout>
                 <c:manualLayout>
-                  <c:x val="-0.0174036307329061"/>
-                  <c:y val="-0.0423027949345788"/>
+                  <c:x val="-1.74036307329061E-2"/>
+                  <c:y val="-4.2302794934578801E-2"/>
                 </c:manualLayout>
               </c:layout>
               <c:showLegendKey val="0"/>
@@ -881,17 +883,17 @@
               <c:showSerName val="0"/>
               <c:showPercent val="0"/>
               <c:showBubbleSize val="0"/>
-              <c:extLst xmlns:c16r2="http://schemas.microsoft.com/office/drawing/2015/06/chart">
-                <c:ext xmlns:c16="http://schemas.microsoft.com/office/drawing/2014/chart" uri="{C3380CC4-5D6E-409C-BE32-E72D297353CC}">
-                  <c16:uniqueId val="{0000000C-D8EA-44DE-A7EA-F85DDF23D8EA}"/>
-                </c:ext>
+              <c:extLst>
                 <c:ext xmlns:c15="http://schemas.microsoft.com/office/drawing/2012/chart" uri="{CE6537A1-D6FC-4f65-9D91-7224C49458BB}">
                   <c15:layout>
                     <c:manualLayout>
-                      <c:w val="0.0309272008419147"/>
-                      <c:h val="0.0362682436253227"/>
+                      <c:w val="3.09272008419147E-2"/>
+                      <c:h val="3.6268243625322702E-2"/>
                     </c:manualLayout>
                   </c15:layout>
+                </c:ext>
+                <c:ext xmlns:c16="http://schemas.microsoft.com/office/drawing/2014/chart" uri="{C3380CC4-5D6E-409C-BE32-E72D297353CC}">
+                  <c16:uniqueId val="{0000000C-D8EA-44DE-A7EA-F85DDF23D8EA}"/>
                 </c:ext>
               </c:extLst>
             </c:dLbl>
@@ -899,8 +901,8 @@
               <c:idx val="4"/>
               <c:layout>
                 <c:manualLayout>
-                  <c:x val="-0.0131341642156418"/>
-                  <c:y val="-0.0437278844447971"/>
+                  <c:x val="-1.31341642156418E-2"/>
+                  <c:y val="-4.3727884444797097E-2"/>
                 </c:manualLayout>
               </c:layout>
               <c:showLegendKey val="0"/>
@@ -909,17 +911,17 @@
               <c:showSerName val="0"/>
               <c:showPercent val="0"/>
               <c:showBubbleSize val="0"/>
-              <c:extLst xmlns:c16r2="http://schemas.microsoft.com/office/drawing/2015/06/chart">
-                <c:ext xmlns:c16="http://schemas.microsoft.com/office/drawing/2014/chart" uri="{C3380CC4-5D6E-409C-BE32-E72D297353CC}">
-                  <c16:uniqueId val="{0000000D-D8EA-44DE-A7EA-F85DDF23D8EA}"/>
-                </c:ext>
+              <c:extLst>
                 <c:ext xmlns:c15="http://schemas.microsoft.com/office/drawing/2012/chart" uri="{CE6537A1-D6FC-4f65-9D91-7224C49458BB}">
                   <c15:layout>
                     <c:manualLayout>
-                      <c:w val="0.0309272008419147"/>
-                      <c:h val="0.0362682436253227"/>
+                      <c:w val="3.09272008419147E-2"/>
+                      <c:h val="3.6268243625322702E-2"/>
                     </c:manualLayout>
                   </c15:layout>
+                </c:ext>
+                <c:ext xmlns:c16="http://schemas.microsoft.com/office/drawing/2014/chart" uri="{C3380CC4-5D6E-409C-BE32-E72D297353CC}">
+                  <c16:uniqueId val="{0000000D-D8EA-44DE-A7EA-F85DDF23D8EA}"/>
                 </c:ext>
               </c:extLst>
             </c:dLbl>
@@ -927,8 +929,8 @@
               <c:idx val="5"/>
               <c:layout>
                 <c:manualLayout>
-                  <c:x val="-0.0136468384104864"/>
-                  <c:y val="-0.0307364578132334"/>
+                  <c:x val="-1.36468384104864E-2"/>
+                  <c:y val="-3.0736457813233399E-2"/>
                 </c:manualLayout>
               </c:layout>
               <c:showLegendKey val="0"/>
@@ -937,17 +939,17 @@
               <c:showSerName val="0"/>
               <c:showPercent val="0"/>
               <c:showBubbleSize val="0"/>
-              <c:extLst xmlns:c16r2="http://schemas.microsoft.com/office/drawing/2015/06/chart">
-                <c:ext xmlns:c16="http://schemas.microsoft.com/office/drawing/2014/chart" uri="{C3380CC4-5D6E-409C-BE32-E72D297353CC}">
-                  <c16:uniqueId val="{0000000E-D8EA-44DE-A7EA-F85DDF23D8EA}"/>
-                </c:ext>
+              <c:extLst>
                 <c:ext xmlns:c15="http://schemas.microsoft.com/office/drawing/2012/chart" uri="{CE6537A1-D6FC-4f65-9D91-7224C49458BB}">
                   <c15:layout>
                     <c:manualLayout>
-                      <c:w val="0.0309272008419147"/>
-                      <c:h val="0.0362682436253227"/>
+                      <c:w val="3.09272008419147E-2"/>
+                      <c:h val="3.6268243625322702E-2"/>
                     </c:manualLayout>
                   </c15:layout>
+                </c:ext>
+                <c:ext xmlns:c16="http://schemas.microsoft.com/office/drawing/2014/chart" uri="{C3380CC4-5D6E-409C-BE32-E72D297353CC}">
+                  <c16:uniqueId val="{0000000E-D8EA-44DE-A7EA-F85DDF23D8EA}"/>
                 </c:ext>
               </c:extLst>
             </c:dLbl>
@@ -955,8 +957,8 @@
               <c:idx val="6"/>
               <c:layout>
                 <c:manualLayout>
-                  <c:x val="-0.00818423238900265"/>
-                  <c:y val="-0.0354898752209216"/>
+                  <c:x val="-8.1842323890026492E-3"/>
+                  <c:y val="-3.5489875220921598E-2"/>
                 </c:manualLayout>
               </c:layout>
               <c:showLegendKey val="0"/>
@@ -965,17 +967,17 @@
               <c:showSerName val="0"/>
               <c:showPercent val="0"/>
               <c:showBubbleSize val="0"/>
-              <c:extLst xmlns:c16r2="http://schemas.microsoft.com/office/drawing/2015/06/chart">
-                <c:ext xmlns:c16="http://schemas.microsoft.com/office/drawing/2014/chart" uri="{C3380CC4-5D6E-409C-BE32-E72D297353CC}">
-                  <c16:uniqueId val="{0000000F-D8EA-44DE-A7EA-F85DDF23D8EA}"/>
-                </c:ext>
+              <c:extLst>
                 <c:ext xmlns:c15="http://schemas.microsoft.com/office/drawing/2012/chart" uri="{CE6537A1-D6FC-4f65-9D91-7224C49458BB}">
                   <c15:layout>
                     <c:manualLayout>
-                      <c:w val="0.0309272008419147"/>
-                      <c:h val="0.0362682436253227"/>
+                      <c:w val="3.09272008419147E-2"/>
+                      <c:h val="3.6268243625322702E-2"/>
                     </c:manualLayout>
                   </c15:layout>
+                </c:ext>
+                <c:ext xmlns:c16="http://schemas.microsoft.com/office/drawing/2014/chart" uri="{C3380CC4-5D6E-409C-BE32-E72D297353CC}">
+                  <c16:uniqueId val="{0000000F-D8EA-44DE-A7EA-F85DDF23D8EA}"/>
                 </c:ext>
               </c:extLst>
             </c:dLbl>
@@ -983,8 +985,8 @@
               <c:idx val="7"/>
               <c:layout>
                 <c:manualLayout>
-                  <c:x val="-0.00887428039360827"/>
-                  <c:y val="-0.0283597491093892"/>
+                  <c:x val="-8.8742803936082693E-3"/>
+                  <c:y val="-2.8359749109389199E-2"/>
                 </c:manualLayout>
               </c:layout>
               <c:showLegendKey val="0"/>
@@ -993,17 +995,17 @@
               <c:showSerName val="0"/>
               <c:showPercent val="0"/>
               <c:showBubbleSize val="0"/>
-              <c:extLst xmlns:c16r2="http://schemas.microsoft.com/office/drawing/2015/06/chart">
-                <c:ext xmlns:c16="http://schemas.microsoft.com/office/drawing/2014/chart" uri="{C3380CC4-5D6E-409C-BE32-E72D297353CC}">
-                  <c16:uniqueId val="{00000010-D8EA-44DE-A7EA-F85DDF23D8EA}"/>
-                </c:ext>
+              <c:extLst>
                 <c:ext xmlns:c15="http://schemas.microsoft.com/office/drawing/2012/chart" uri="{CE6537A1-D6FC-4f65-9D91-7224C49458BB}">
                   <c15:layout>
                     <c:manualLayout>
-                      <c:w val="0.0309272008419147"/>
-                      <c:h val="0.0362682436253227"/>
+                      <c:w val="3.09272008419147E-2"/>
+                      <c:h val="3.6268243625322702E-2"/>
                     </c:manualLayout>
                   </c15:layout>
+                </c:ext>
+                <c:ext xmlns:c16="http://schemas.microsoft.com/office/drawing/2014/chart" uri="{C3380CC4-5D6E-409C-BE32-E72D297353CC}">
+                  <c16:uniqueId val="{00000010-D8EA-44DE-A7EA-F85DDF23D8EA}"/>
                 </c:ext>
               </c:extLst>
             </c:dLbl>
@@ -1043,7 +1045,7 @@
             <c:showPercent val="0"/>
             <c:showBubbleSize val="0"/>
             <c:showLeaderLines val="0"/>
-            <c:extLst xmlns:c16r2="http://schemas.microsoft.com/office/drawing/2015/06/chart">
+            <c:extLst>
               <c:ext xmlns:c15="http://schemas.microsoft.com/office/drawing/2012/chart" uri="{CE6537A1-D6FC-4f65-9D91-7224C49458BB}">
                 <c15:spPr xmlns:c15="http://schemas.microsoft.com/office/drawing/2012/chart">
                   <a:prstGeom prst="rect">
@@ -1115,7 +1117,7 @@
                 <c:formatCode>0%</c:formatCode>
                 <c:ptCount val="9"/>
                 <c:pt idx="0">
-                  <c:v>1.0</c:v>
+                  <c:v>1</c:v>
                 </c:pt>
                 <c:pt idx="1">
                   <c:v>0.97</c:v>
@@ -1145,7 +1147,7 @@
             </c:numRef>
           </c:val>
           <c:smooth val="0"/>
-          <c:extLst xmlns:c16r2="http://schemas.microsoft.com/office/drawing/2015/06/chart">
+          <c:extLst>
             <c:ext xmlns:c16="http://schemas.microsoft.com/office/drawing/2014/chart" uri="{C3380CC4-5D6E-409C-BE32-E72D297353CC}">
               <c16:uniqueId val="{00000012-D8EA-44DE-A7EA-F85DDF23D8EA}"/>
             </c:ext>
@@ -1219,7 +1221,7 @@
         <c:axId val="805530224"/>
         <c:scaling>
           <c:orientation val="minMax"/>
-          <c:max val="1.0"/>
+          <c:max val="1"/>
         </c:scaling>
         <c:delete val="0"/>
         <c:axPos val="l"/>
@@ -1363,7 +1365,7 @@
 </file>
 
 <file path=ppt/charts/chart2.xml><?xml version="1.0" encoding="utf-8"?>
-<c:chartSpace xmlns:c="http://schemas.openxmlformats.org/drawingml/2006/chart" xmlns:a="http://schemas.openxmlformats.org/drawingml/2006/main" xmlns:r="http://schemas.openxmlformats.org/officeDocument/2006/relationships">
+<c:chartSpace xmlns:c="http://schemas.openxmlformats.org/drawingml/2006/chart" xmlns:a="http://schemas.openxmlformats.org/drawingml/2006/main" xmlns:r="http://schemas.openxmlformats.org/officeDocument/2006/relationships" xmlns:c16r2="http://schemas.microsoft.com/office/drawing/2015/06/chart">
   <c:date1904 val="0"/>
   <c:lang val="en-US"/>
   <c:roundedCorners val="0"/>
@@ -1453,10 +1455,10 @@
           <c:layoutTarget val="inner"/>
           <c:xMode val="edge"/>
           <c:yMode val="edge"/>
-          <c:x val="0.0615173501726342"/>
+          <c:x val="6.1517350172634197E-2"/>
           <c:y val="0.103207117174759"/>
-          <c:w val="0.926877337598425"/>
-          <c:h val="0.669363701441701"/>
+          <c:w val="0.92687733759842506"/>
+          <c:h val="0.66936370144170099"/>
         </c:manualLayout>
       </c:layout>
       <c:barChart>
@@ -1502,7 +1504,7 @@
               </a:ln>
               <a:effectLst/>
             </c:spPr>
-            <c:extLst xmlns:c16r2="http://schemas.microsoft.com/office/drawing/2015/06/chart">
+            <c:extLst>
               <c:ext xmlns:c16="http://schemas.microsoft.com/office/drawing/2014/chart" uri="{C3380CC4-5D6E-409C-BE32-E72D297353CC}">
                 <c16:uniqueId val="{00000003-83C3-4969-8C9D-E11468D77F1A}"/>
               </c:ext>
@@ -1521,7 +1523,7 @@
               </a:ln>
               <a:effectLst/>
             </c:spPr>
-            <c:extLst xmlns:c16r2="http://schemas.microsoft.com/office/drawing/2015/06/chart">
+            <c:extLst>
               <c:ext xmlns:c16="http://schemas.microsoft.com/office/drawing/2014/chart" uri="{C3380CC4-5D6E-409C-BE32-E72D297353CC}">
                 <c16:uniqueId val="{00000004-83C3-4969-8C9D-E11468D77F1A}"/>
               </c:ext>
@@ -1540,7 +1542,7 @@
               </a:ln>
               <a:effectLst/>
             </c:spPr>
-            <c:extLst xmlns:c16r2="http://schemas.microsoft.com/office/drawing/2015/06/chart">
+            <c:extLst>
               <c:ext xmlns:c16="http://schemas.microsoft.com/office/drawing/2014/chart" uri="{C3380CC4-5D6E-409C-BE32-E72D297353CC}">
                 <c16:uniqueId val="{00000005-83C3-4969-8C9D-E11468D77F1A}"/>
               </c:ext>
@@ -1559,7 +1561,7 @@
               </a:ln>
               <a:effectLst/>
             </c:spPr>
-            <c:extLst xmlns:c16r2="http://schemas.microsoft.com/office/drawing/2015/06/chart">
+            <c:extLst>
               <c:ext xmlns:c16="http://schemas.microsoft.com/office/drawing/2014/chart" uri="{C3380CC4-5D6E-409C-BE32-E72D297353CC}">
                 <c16:uniqueId val="{00000006-83C3-4969-8C9D-E11468D77F1A}"/>
               </c:ext>
@@ -1603,7 +1605,7 @@
             <c:showPercent val="0"/>
             <c:showBubbleSize val="0"/>
             <c:showLeaderLines val="0"/>
-            <c:extLst xmlns:c16r2="http://schemas.microsoft.com/office/drawing/2015/06/chart">
+            <c:extLst>
               <c:ext xmlns:c15="http://schemas.microsoft.com/office/drawing/2012/chart" uri="{CE6537A1-D6FC-4f65-9D91-7224C49458BB}">
                 <c15:layout/>
                 <c15:showLeaderLines val="1"/>
@@ -1651,21 +1653,21 @@
                 <c:formatCode>0%</c:formatCode>
                 <c:ptCount val="4"/>
                 <c:pt idx="0">
-                  <c:v>0.074</c:v>
+                  <c:v>7.3999999999999996E-2</c:v>
                 </c:pt>
                 <c:pt idx="1">
-                  <c:v>0.061</c:v>
+                  <c:v>6.0999999999999999E-2</c:v>
                 </c:pt>
                 <c:pt idx="2">
-                  <c:v>0.056</c:v>
+                  <c:v>5.6000000000000001E-2</c:v>
                 </c:pt>
                 <c:pt idx="3">
-                  <c:v>0.048</c:v>
+                  <c:v>4.8000000000000001E-2</c:v>
                 </c:pt>
               </c:numCache>
             </c:numRef>
           </c:val>
-          <c:extLst xmlns:c16r2="http://schemas.microsoft.com/office/drawing/2015/06/chart">
+          <c:extLst>
             <c:ext xmlns:c16="http://schemas.microsoft.com/office/drawing/2014/chart" uri="{C3380CC4-5D6E-409C-BE32-E72D297353CC}">
               <c16:uniqueId val="{00000000-83C3-4969-8C9D-E11468D77F1A}"/>
             </c:ext>
@@ -2973,7 +2975,7 @@
           <p:cNvPr id="2" name="Header Placeholder 1">
             <a:extLst>
               <a:ext uri="{FF2B5EF4-FFF2-40B4-BE49-F238E27FC236}">
-                <a16:creationId xmlns:a16="http://schemas.microsoft.com/office/drawing/2014/main" xmlns="" id="{0F97DFCF-F890-A143-9133-C8B65C9B01EF}"/>
+                <a16:creationId xmlns:a16="http://schemas.microsoft.com/office/drawing/2014/main" id="{0F97DFCF-F890-A143-9133-C8B65C9B01EF}"/>
               </a:ext>
             </a:extLst>
           </p:cNvPr>
@@ -3010,7 +3012,7 @@
           <p:cNvPr id="3" name="Date Placeholder 2">
             <a:extLst>
               <a:ext uri="{FF2B5EF4-FFF2-40B4-BE49-F238E27FC236}">
-                <a16:creationId xmlns:a16="http://schemas.microsoft.com/office/drawing/2014/main" xmlns="" id="{EFE2C281-2434-D94F-B4BD-BA3CD4DB8440}"/>
+                <a16:creationId xmlns:a16="http://schemas.microsoft.com/office/drawing/2014/main" id="{EFE2C281-2434-D94F-B4BD-BA3CD4DB8440}"/>
               </a:ext>
             </a:extLst>
           </p:cNvPr>
@@ -3040,7 +3042,7 @@
           <a:p>
             <a:fld id="{966D5B4E-BF3E-3B45-A4BA-D6C3B92870D7}" type="datetimeFigureOut">
               <a:rPr lang="en-US" smtClean="0"/>
-              <a:t>5/9/20</a:t>
+              <a:t>5/11/2020</a:t>
             </a:fld>
             <a:endParaRPr lang="en-US" dirty="0"/>
           </a:p>
@@ -3051,7 +3053,7 @@
           <p:cNvPr id="4" name="Footer Placeholder 3">
             <a:extLst>
               <a:ext uri="{FF2B5EF4-FFF2-40B4-BE49-F238E27FC236}">
-                <a16:creationId xmlns:a16="http://schemas.microsoft.com/office/drawing/2014/main" xmlns="" id="{5C17CBFA-633D-5540-AFAA-BE1F495EC62F}"/>
+                <a16:creationId xmlns:a16="http://schemas.microsoft.com/office/drawing/2014/main" id="{5C17CBFA-633D-5540-AFAA-BE1F495EC62F}"/>
               </a:ext>
             </a:extLst>
           </p:cNvPr>
@@ -3088,7 +3090,7 @@
           <p:cNvPr id="5" name="Slide Number Placeholder 4">
             <a:extLst>
               <a:ext uri="{FF2B5EF4-FFF2-40B4-BE49-F238E27FC236}">
-                <a16:creationId xmlns:a16="http://schemas.microsoft.com/office/drawing/2014/main" xmlns="" id="{826B5631-D714-AD41-853B-A883ADC344D5}"/>
+                <a16:creationId xmlns:a16="http://schemas.microsoft.com/office/drawing/2014/main" id="{826B5631-D714-AD41-853B-A883ADC344D5}"/>
               </a:ext>
             </a:extLst>
           </p:cNvPr>
@@ -3217,7 +3219,7 @@
           <a:p>
             <a:fld id="{F5A8621B-8C8E-49BA-8772-41D0FE75A082}" type="datetimeFigureOut">
               <a:rPr lang="en-US" smtClean="0"/>
-              <a:t>5/9/20</a:t>
+              <a:t>5/11/2020</a:t>
             </a:fld>
             <a:endParaRPr lang="en-US" dirty="0"/>
           </a:p>
@@ -3810,7 +3812,7 @@
     </p:spTree>
     <p:extLst>
       <p:ext uri="{BB962C8B-B14F-4D97-AF65-F5344CB8AC3E}">
-        <p14:creationId xmlns:p14="http://schemas.microsoft.com/office/powerpoint/2010/main" val="912357663"/>
+        <p14:creationId xmlns:p14="http://schemas.microsoft.com/office/powerpoint/2010/main" val="885721610"/>
       </p:ext>
     </p:extLst>
   </p:cSld>
@@ -3894,7 +3896,7 @@
     </p:spTree>
     <p:extLst>
       <p:ext uri="{BB962C8B-B14F-4D97-AF65-F5344CB8AC3E}">
-        <p14:creationId xmlns:p14="http://schemas.microsoft.com/office/powerpoint/2010/main" val="3994476996"/>
+        <p14:creationId xmlns:p14="http://schemas.microsoft.com/office/powerpoint/2010/main" val="646155689"/>
       </p:ext>
     </p:extLst>
   </p:cSld>
@@ -3978,7 +3980,7 @@
     </p:spTree>
     <p:extLst>
       <p:ext uri="{BB962C8B-B14F-4D97-AF65-F5344CB8AC3E}">
-        <p14:creationId xmlns:p14="http://schemas.microsoft.com/office/powerpoint/2010/main" val="1448288578"/>
+        <p14:creationId xmlns:p14="http://schemas.microsoft.com/office/powerpoint/2010/main" val="912357663"/>
       </p:ext>
     </p:extLst>
   </p:cSld>
@@ -4032,305 +4034,7 @@
           <a:bodyPr/>
           <a:lstStyle/>
           <a:p>
-            <a:pPr algn="ctr"/>
-            <a:r>
-              <a:rPr lang="en-US" sz="4000" b="0" i="0" u="none" strike="noStrike" kern="1200" dirty="0" smtClean="0">
-                <a:solidFill>
-                  <a:schemeClr val="tx1"/>
-                </a:solidFill>
-                <a:effectLst/>
-                <a:latin typeface="Bauhaus 93" panose="04030905020B02020C02" pitchFamily="82" charset="0"/>
-                <a:ea typeface="+mn-ea"/>
-                <a:cs typeface="Arial" panose="020B0604020202020204" pitchFamily="34" charset="0"/>
-              </a:rPr>
-              <a:t>8</a:t>
-            </a:r>
-            <a:r>
-              <a:rPr lang="en-US" sz="4000" dirty="0" smtClean="0">
-                <a:latin typeface="Bauhaus 93" panose="04030905020B02020C02" pitchFamily="82" charset="0"/>
-                <a:cs typeface="Arial" panose="020B0604020202020204" pitchFamily="34" charset="0"/>
-              </a:rPr>
-              <a:t> 	</a:t>
-            </a:r>
-            <a:r>
-              <a:rPr lang="en-US" sz="4000" b="0" i="0" u="none" strike="noStrike" kern="1200" dirty="0" smtClean="0">
-                <a:solidFill>
-                  <a:schemeClr val="tx1"/>
-                </a:solidFill>
-                <a:effectLst/>
-                <a:latin typeface="Bauhaus 93" panose="04030905020B02020C02" pitchFamily="82" charset="0"/>
-                <a:ea typeface="+mn-ea"/>
-                <a:cs typeface="Arial" panose="020B0604020202020204" pitchFamily="34" charset="0"/>
-              </a:rPr>
-              <a:t>8192	</a:t>
-            </a:r>
-            <a:r>
-              <a:rPr lang="en-US" sz="4000" dirty="0" smtClean="0">
-                <a:latin typeface="Bauhaus 93" panose="04030905020B02020C02" pitchFamily="82" charset="0"/>
-                <a:cs typeface="Arial" panose="020B0604020202020204" pitchFamily="34" charset="0"/>
-              </a:rPr>
-              <a:t> </a:t>
-            </a:r>
-            <a:r>
-              <a:rPr lang="en-US" sz="4000" b="0" i="0" u="none" strike="noStrike" kern="1200" dirty="0" smtClean="0">
-                <a:solidFill>
-                  <a:schemeClr val="tx1"/>
-                </a:solidFill>
-                <a:effectLst/>
-                <a:latin typeface="Bauhaus 93" panose="04030905020B02020C02" pitchFamily="82" charset="0"/>
-                <a:ea typeface="+mn-ea"/>
-                <a:cs typeface="Arial" panose="020B0604020202020204" pitchFamily="34" charset="0"/>
-              </a:rPr>
-              <a:t>400</a:t>
-            </a:r>
-            <a:r>
-              <a:rPr lang="en-US" sz="4000" dirty="0" smtClean="0">
-                <a:latin typeface="Bauhaus 93" panose="04030905020B02020C02" pitchFamily="82" charset="0"/>
-                <a:cs typeface="Arial" panose="020B0604020202020204" pitchFamily="34" charset="0"/>
-              </a:rPr>
-              <a:t>  	</a:t>
-            </a:r>
-            <a:r>
-              <a:rPr lang="en-US" sz="4000" b="0" i="0" u="none" strike="noStrike" kern="1200" dirty="0" smtClean="0">
-                <a:solidFill>
-                  <a:schemeClr val="tx1"/>
-                </a:solidFill>
-                <a:effectLst/>
-                <a:latin typeface="Bauhaus 93" panose="04030905020B02020C02" pitchFamily="82" charset="0"/>
-                <a:ea typeface="+mn-ea"/>
-                <a:cs typeface="Arial" panose="020B0604020202020204" pitchFamily="34" charset="0"/>
-              </a:rPr>
-              <a:t>4.883</a:t>
-            </a:r>
-            <a:r>
-              <a:rPr lang="en-US" sz="4000" dirty="0" smtClean="0">
-                <a:latin typeface="Bauhaus 93" panose="04030905020B02020C02" pitchFamily="82" charset="0"/>
-                <a:cs typeface="Arial" panose="020B0604020202020204" pitchFamily="34" charset="0"/>
-              </a:rPr>
-              <a:t> </a:t>
-            </a:r>
-          </a:p>
-          <a:p>
-            <a:pPr algn="ctr"/>
-            <a:r>
-              <a:rPr lang="en-US" sz="4000" b="0" i="0" u="none" strike="noStrike" kern="1200" dirty="0" smtClean="0">
-                <a:solidFill>
-                  <a:schemeClr val="tx1"/>
-                </a:solidFill>
-                <a:effectLst/>
-                <a:latin typeface="Bauhaus 93" panose="04030905020B02020C02" pitchFamily="82" charset="0"/>
-                <a:ea typeface="+mn-ea"/>
-                <a:cs typeface="Arial" panose="020B0604020202020204" pitchFamily="34" charset="0"/>
-              </a:rPr>
-              <a:t>6</a:t>
-            </a:r>
-            <a:r>
-              <a:rPr lang="en-US" sz="4000" dirty="0" smtClean="0">
-                <a:latin typeface="Bauhaus 93" panose="04030905020B02020C02" pitchFamily="82" charset="0"/>
-                <a:cs typeface="Arial" panose="020B0604020202020204" pitchFamily="34" charset="0"/>
-              </a:rPr>
-              <a:t> 	</a:t>
-            </a:r>
-            <a:r>
-              <a:rPr lang="en-US" sz="4000" b="0" i="0" u="none" strike="noStrike" kern="1200" dirty="0" smtClean="0">
-                <a:solidFill>
-                  <a:schemeClr val="tx1"/>
-                </a:solidFill>
-                <a:effectLst/>
-                <a:latin typeface="Bauhaus 93" panose="04030905020B02020C02" pitchFamily="82" charset="0"/>
-                <a:ea typeface="+mn-ea"/>
-                <a:cs typeface="Arial" panose="020B0604020202020204" pitchFamily="34" charset="0"/>
-              </a:rPr>
-              <a:t>6144	</a:t>
-            </a:r>
-            <a:r>
-              <a:rPr lang="en-US" sz="4000" dirty="0" smtClean="0">
-                <a:latin typeface="Bauhaus 93" panose="04030905020B02020C02" pitchFamily="82" charset="0"/>
-                <a:cs typeface="Arial" panose="020B0604020202020204" pitchFamily="34" charset="0"/>
-              </a:rPr>
-              <a:t> </a:t>
-            </a:r>
-            <a:r>
-              <a:rPr lang="en-US" sz="4000" b="0" i="0" u="none" strike="noStrike" kern="1200" dirty="0" smtClean="0">
-                <a:solidFill>
-                  <a:schemeClr val="tx1"/>
-                </a:solidFill>
-                <a:effectLst/>
-                <a:latin typeface="Bauhaus 93" panose="04030905020B02020C02" pitchFamily="82" charset="0"/>
-                <a:ea typeface="+mn-ea"/>
-                <a:cs typeface="Arial" panose="020B0604020202020204" pitchFamily="34" charset="0"/>
-              </a:rPr>
-              <a:t>350	5.697</a:t>
-            </a:r>
-            <a:r>
-              <a:rPr lang="en-US" sz="4000" dirty="0" smtClean="0">
-                <a:latin typeface="Bauhaus 93" panose="04030905020B02020C02" pitchFamily="82" charset="0"/>
-                <a:cs typeface="Arial" panose="020B0604020202020204" pitchFamily="34" charset="0"/>
-              </a:rPr>
-              <a:t> </a:t>
-            </a:r>
-          </a:p>
-          <a:p>
-            <a:pPr algn="ctr"/>
-            <a:r>
-              <a:rPr lang="en-US" sz="4000" b="0" i="0" u="none" strike="noStrike" kern="1200" dirty="0" smtClean="0">
-                <a:solidFill>
-                  <a:schemeClr val="tx1"/>
-                </a:solidFill>
-                <a:effectLst/>
-                <a:latin typeface="Bauhaus 93" panose="04030905020B02020C02" pitchFamily="82" charset="0"/>
-                <a:ea typeface="+mn-ea"/>
-                <a:cs typeface="Arial" panose="020B0604020202020204" pitchFamily="34" charset="0"/>
-              </a:rPr>
-              <a:t>4</a:t>
-            </a:r>
-            <a:r>
-              <a:rPr lang="en-US" sz="4000" dirty="0" smtClean="0">
-                <a:latin typeface="Bauhaus 93" panose="04030905020B02020C02" pitchFamily="82" charset="0"/>
-                <a:cs typeface="Arial" panose="020B0604020202020204" pitchFamily="34" charset="0"/>
-              </a:rPr>
-              <a:t> 	</a:t>
-            </a:r>
-            <a:r>
-              <a:rPr lang="en-US" sz="4000" b="0" i="0" u="none" strike="noStrike" kern="1200" dirty="0" smtClean="0">
-                <a:solidFill>
-                  <a:schemeClr val="tx1"/>
-                </a:solidFill>
-                <a:effectLst/>
-                <a:latin typeface="Bauhaus 93" panose="04030905020B02020C02" pitchFamily="82" charset="0"/>
-                <a:ea typeface="+mn-ea"/>
-                <a:cs typeface="Arial" panose="020B0604020202020204" pitchFamily="34" charset="0"/>
-              </a:rPr>
-              <a:t>4096</a:t>
-            </a:r>
-            <a:r>
-              <a:rPr lang="en-US" sz="4000" dirty="0" smtClean="0">
-                <a:latin typeface="Bauhaus 93" panose="04030905020B02020C02" pitchFamily="82" charset="0"/>
-                <a:cs typeface="Arial" panose="020B0604020202020204" pitchFamily="34" charset="0"/>
-              </a:rPr>
-              <a:t> 	 </a:t>
-            </a:r>
-            <a:r>
-              <a:rPr lang="en-US" sz="4000" b="0" i="0" u="none" strike="noStrike" kern="1200" dirty="0" smtClean="0">
-                <a:solidFill>
-                  <a:schemeClr val="tx1"/>
-                </a:solidFill>
-                <a:effectLst/>
-                <a:latin typeface="Bauhaus 93" panose="04030905020B02020C02" pitchFamily="82" charset="0"/>
-                <a:ea typeface="+mn-ea"/>
-                <a:cs typeface="Arial" panose="020B0604020202020204" pitchFamily="34" charset="0"/>
-              </a:rPr>
-              <a:t>250</a:t>
-            </a:r>
-            <a:r>
-              <a:rPr lang="en-US" sz="4000" dirty="0" smtClean="0">
-                <a:latin typeface="Bauhaus 93" panose="04030905020B02020C02" pitchFamily="82" charset="0"/>
-                <a:cs typeface="Arial" panose="020B0604020202020204" pitchFamily="34" charset="0"/>
-              </a:rPr>
-              <a:t> 	</a:t>
-            </a:r>
-            <a:r>
-              <a:rPr lang="en-US" sz="4000" b="0" i="0" u="none" strike="noStrike" kern="1200" dirty="0" smtClean="0">
-                <a:solidFill>
-                  <a:schemeClr val="tx1"/>
-                </a:solidFill>
-                <a:effectLst/>
-                <a:latin typeface="Bauhaus 93" panose="04030905020B02020C02" pitchFamily="82" charset="0"/>
-                <a:ea typeface="+mn-ea"/>
-                <a:cs typeface="Arial" panose="020B0604020202020204" pitchFamily="34" charset="0"/>
-              </a:rPr>
-              <a:t>6.104</a:t>
-            </a:r>
-            <a:r>
-              <a:rPr lang="en-US" sz="4000" dirty="0" smtClean="0">
-                <a:latin typeface="Bauhaus 93" panose="04030905020B02020C02" pitchFamily="82" charset="0"/>
-                <a:cs typeface="Arial" panose="020B0604020202020204" pitchFamily="34" charset="0"/>
-              </a:rPr>
-              <a:t> </a:t>
-            </a:r>
-          </a:p>
-          <a:p>
-            <a:pPr algn="ctr"/>
-            <a:r>
-              <a:rPr lang="en-US" sz="4000" b="0" i="0" u="none" strike="noStrike" kern="1200" dirty="0" smtClean="0">
-                <a:solidFill>
-                  <a:schemeClr val="tx1"/>
-                </a:solidFill>
-                <a:effectLst/>
-                <a:latin typeface="Bauhaus 93" panose="04030905020B02020C02" pitchFamily="82" charset="0"/>
-                <a:ea typeface="+mn-ea"/>
-                <a:cs typeface="Arial" panose="020B0604020202020204" pitchFamily="34" charset="0"/>
-              </a:rPr>
-              <a:t>3</a:t>
-            </a:r>
-            <a:r>
-              <a:rPr lang="en-US" sz="4000" dirty="0" smtClean="0">
-                <a:latin typeface="Bauhaus 93" panose="04030905020B02020C02" pitchFamily="82" charset="0"/>
-                <a:cs typeface="Arial" panose="020B0604020202020204" pitchFamily="34" charset="0"/>
-              </a:rPr>
-              <a:t> 	</a:t>
-            </a:r>
-            <a:r>
-              <a:rPr lang="en-US" sz="4000" b="0" i="0" u="none" strike="noStrike" kern="1200" dirty="0" smtClean="0">
-                <a:solidFill>
-                  <a:schemeClr val="tx1"/>
-                </a:solidFill>
-                <a:effectLst/>
-                <a:latin typeface="Bauhaus 93" panose="04030905020B02020C02" pitchFamily="82" charset="0"/>
-                <a:ea typeface="+mn-ea"/>
-                <a:cs typeface="Arial" panose="020B0604020202020204" pitchFamily="34" charset="0"/>
-              </a:rPr>
-              <a:t>3072	</a:t>
-            </a:r>
-            <a:r>
-              <a:rPr lang="en-US" sz="4000" dirty="0" smtClean="0">
-                <a:latin typeface="Bauhaus 93" panose="04030905020B02020C02" pitchFamily="82" charset="0"/>
-                <a:cs typeface="Arial" panose="020B0604020202020204" pitchFamily="34" charset="0"/>
-              </a:rPr>
-              <a:t> </a:t>
-            </a:r>
-            <a:r>
-              <a:rPr lang="en-US" sz="4000" b="0" i="0" u="none" strike="noStrike" kern="1200" dirty="0" smtClean="0">
-                <a:solidFill>
-                  <a:schemeClr val="tx1"/>
-                </a:solidFill>
-                <a:effectLst/>
-                <a:latin typeface="Bauhaus 93" panose="04030905020B02020C02" pitchFamily="82" charset="0"/>
-                <a:ea typeface="+mn-ea"/>
-                <a:cs typeface="Arial" panose="020B0604020202020204" pitchFamily="34" charset="0"/>
-              </a:rPr>
-              <a:t>230</a:t>
-            </a:r>
-            <a:r>
-              <a:rPr lang="en-US" sz="4000" dirty="0" smtClean="0">
-                <a:latin typeface="Bauhaus 93" panose="04030905020B02020C02" pitchFamily="82" charset="0"/>
-                <a:cs typeface="Arial" panose="020B0604020202020204" pitchFamily="34" charset="0"/>
-              </a:rPr>
-              <a:t> 	</a:t>
-            </a:r>
-            <a:r>
-              <a:rPr lang="en-US" sz="4000" b="0" i="0" u="none" strike="noStrike" kern="1200" dirty="0" smtClean="0">
-                <a:solidFill>
-                  <a:schemeClr val="tx1"/>
-                </a:solidFill>
-                <a:effectLst/>
-                <a:latin typeface="Bauhaus 93" panose="04030905020B02020C02" pitchFamily="82" charset="0"/>
-                <a:ea typeface="+mn-ea"/>
-                <a:cs typeface="Arial" panose="020B0604020202020204" pitchFamily="34" charset="0"/>
-              </a:rPr>
-              <a:t>7.487</a:t>
-            </a:r>
-            <a:r>
-              <a:rPr lang="en-US" sz="4000" dirty="0" smtClean="0">
-                <a:latin typeface="Bauhaus 93" panose="04030905020B02020C02" pitchFamily="82" charset="0"/>
-                <a:cs typeface="Arial" panose="020B0604020202020204" pitchFamily="34" charset="0"/>
-              </a:rPr>
-              <a:t> </a:t>
-            </a:r>
-            <a:endParaRPr lang="en-US" sz="4000" dirty="0">
-              <a:latin typeface="Bauhaus 93" panose="04030905020B02020C02" pitchFamily="82" charset="0"/>
-              <a:cs typeface="Arial" panose="020B0604020202020204" pitchFamily="34" charset="0"/>
-            </a:endParaRPr>
+            <a:endParaRPr lang="en-US" dirty="0"/>
           </a:p>
         </p:txBody>
       </p:sp>
@@ -4352,6 +4056,472 @@
             <a:fld id="{228B34ED-4CDD-41C9-90F7-D768D5559A6F}" type="slidenum">
               <a:rPr lang="en-US" smtClean="0"/>
               <a:t>7</a:t>
+            </a:fld>
+            <a:endParaRPr lang="en-US" dirty="0"/>
+          </a:p>
+        </p:txBody>
+      </p:sp>
+    </p:spTree>
+    <p:extLst>
+      <p:ext uri="{BB962C8B-B14F-4D97-AF65-F5344CB8AC3E}">
+        <p14:creationId xmlns:p14="http://schemas.microsoft.com/office/powerpoint/2010/main" val="3994476996"/>
+      </p:ext>
+    </p:extLst>
+  </p:cSld>
+  <p:clrMapOvr>
+    <a:masterClrMapping/>
+  </p:clrMapOvr>
+</p:notes>
+</file>
+
+<file path=ppt/notesSlides/notesSlide8.xml><?xml version="1.0" encoding="utf-8"?>
+<p:notes xmlns:a="http://schemas.openxmlformats.org/drawingml/2006/main" xmlns:r="http://schemas.openxmlformats.org/officeDocument/2006/relationships" xmlns:p="http://schemas.openxmlformats.org/presentationml/2006/main">
+  <p:cSld>
+    <p:spTree>
+      <p:nvGrpSpPr>
+        <p:cNvPr id="1" name=""/>
+        <p:cNvGrpSpPr/>
+        <p:nvPr/>
+      </p:nvGrpSpPr>
+      <p:grpSpPr>
+        <a:xfrm>
+          <a:off x="0" y="0"/>
+          <a:ext cx="0" cy="0"/>
+          <a:chOff x="0" y="0"/>
+          <a:chExt cx="0" cy="0"/>
+        </a:xfrm>
+      </p:grpSpPr>
+      <p:sp>
+        <p:nvSpPr>
+          <p:cNvPr id="2" name="Slide Image Placeholder 1"/>
+          <p:cNvSpPr>
+            <a:spLocks noGrp="1" noRot="1" noChangeAspect="1"/>
+          </p:cNvSpPr>
+          <p:nvPr>
+            <p:ph type="sldImg"/>
+          </p:nvPr>
+        </p:nvSpPr>
+        <p:spPr/>
+      </p:sp>
+      <p:sp>
+        <p:nvSpPr>
+          <p:cNvPr id="3" name="Notes Placeholder 2"/>
+          <p:cNvSpPr>
+            <a:spLocks noGrp="1"/>
+          </p:cNvSpPr>
+          <p:nvPr>
+            <p:ph type="body" idx="1"/>
+          </p:nvPr>
+        </p:nvSpPr>
+        <p:spPr/>
+        <p:txBody>
+          <a:bodyPr/>
+          <a:lstStyle/>
+          <a:p>
+            <a:endParaRPr lang="en-US" dirty="0"/>
+          </a:p>
+        </p:txBody>
+      </p:sp>
+      <p:sp>
+        <p:nvSpPr>
+          <p:cNvPr id="4" name="Slide Number Placeholder 3"/>
+          <p:cNvSpPr>
+            <a:spLocks noGrp="1"/>
+          </p:cNvSpPr>
+          <p:nvPr>
+            <p:ph type="sldNum" sz="quarter" idx="10"/>
+          </p:nvPr>
+        </p:nvSpPr>
+        <p:spPr/>
+        <p:txBody>
+          <a:bodyPr/>
+          <a:lstStyle/>
+          <a:p>
+            <a:fld id="{228B34ED-4CDD-41C9-90F7-D768D5559A6F}" type="slidenum">
+              <a:rPr lang="en-US" smtClean="0"/>
+              <a:t>8</a:t>
+            </a:fld>
+            <a:endParaRPr lang="en-US" dirty="0"/>
+          </a:p>
+        </p:txBody>
+      </p:sp>
+    </p:spTree>
+    <p:extLst>
+      <p:ext uri="{BB962C8B-B14F-4D97-AF65-F5344CB8AC3E}">
+        <p14:creationId xmlns:p14="http://schemas.microsoft.com/office/powerpoint/2010/main" val="1448288578"/>
+      </p:ext>
+    </p:extLst>
+  </p:cSld>
+  <p:clrMapOvr>
+    <a:masterClrMapping/>
+  </p:clrMapOvr>
+</p:notes>
+</file>
+
+<file path=ppt/notesSlides/notesSlide9.xml><?xml version="1.0" encoding="utf-8"?>
+<p:notes xmlns:a="http://schemas.openxmlformats.org/drawingml/2006/main" xmlns:r="http://schemas.openxmlformats.org/officeDocument/2006/relationships" xmlns:p="http://schemas.openxmlformats.org/presentationml/2006/main">
+  <p:cSld>
+    <p:spTree>
+      <p:nvGrpSpPr>
+        <p:cNvPr id="1" name=""/>
+        <p:cNvGrpSpPr/>
+        <p:nvPr/>
+      </p:nvGrpSpPr>
+      <p:grpSpPr>
+        <a:xfrm>
+          <a:off x="0" y="0"/>
+          <a:ext cx="0" cy="0"/>
+          <a:chOff x="0" y="0"/>
+          <a:chExt cx="0" cy="0"/>
+        </a:xfrm>
+      </p:grpSpPr>
+      <p:sp>
+        <p:nvSpPr>
+          <p:cNvPr id="2" name="Slide Image Placeholder 1"/>
+          <p:cNvSpPr>
+            <a:spLocks noGrp="1" noRot="1" noChangeAspect="1"/>
+          </p:cNvSpPr>
+          <p:nvPr>
+            <p:ph type="sldImg"/>
+          </p:nvPr>
+        </p:nvSpPr>
+        <p:spPr/>
+      </p:sp>
+      <p:sp>
+        <p:nvSpPr>
+          <p:cNvPr id="3" name="Notes Placeholder 2"/>
+          <p:cNvSpPr>
+            <a:spLocks noGrp="1"/>
+          </p:cNvSpPr>
+          <p:nvPr>
+            <p:ph type="body" idx="1"/>
+          </p:nvPr>
+        </p:nvSpPr>
+        <p:spPr/>
+        <p:txBody>
+          <a:bodyPr/>
+          <a:lstStyle/>
+          <a:p>
+            <a:pPr algn="ctr"/>
+            <a:r>
+              <a:rPr lang="en-US" sz="4000" b="0" i="0" u="none" strike="noStrike" kern="1200" dirty="0" smtClean="0">
+                <a:solidFill>
+                  <a:schemeClr val="tx1"/>
+                </a:solidFill>
+                <a:effectLst/>
+                <a:latin typeface="Bauhaus 93" panose="04030905020B02020C02" pitchFamily="82" charset="0"/>
+                <a:ea typeface="+mn-ea"/>
+                <a:cs typeface="Arial" panose="020B0604020202020204" pitchFamily="34" charset="0"/>
+              </a:rPr>
+              <a:t>8</a:t>
+            </a:r>
+            <a:r>
+              <a:rPr lang="en-US" sz="4000" dirty="0" smtClean="0">
+                <a:latin typeface="Bauhaus 93" panose="04030905020B02020C02" pitchFamily="82" charset="0"/>
+                <a:cs typeface="Arial" panose="020B0604020202020204" pitchFamily="34" charset="0"/>
+              </a:rPr>
+              <a:t> 	</a:t>
+            </a:r>
+            <a:r>
+              <a:rPr lang="en-US" sz="4000" b="0" i="0" u="none" strike="noStrike" kern="1200" dirty="0" smtClean="0">
+                <a:solidFill>
+                  <a:schemeClr val="tx1"/>
+                </a:solidFill>
+                <a:effectLst/>
+                <a:latin typeface="Bauhaus 93" panose="04030905020B02020C02" pitchFamily="82" charset="0"/>
+                <a:ea typeface="+mn-ea"/>
+                <a:cs typeface="Arial" panose="020B0604020202020204" pitchFamily="34" charset="0"/>
+              </a:rPr>
+              <a:t>8192	</a:t>
+            </a:r>
+            <a:r>
+              <a:rPr lang="en-US" sz="4000" dirty="0" smtClean="0">
+                <a:latin typeface="Bauhaus 93" panose="04030905020B02020C02" pitchFamily="82" charset="0"/>
+                <a:cs typeface="Arial" panose="020B0604020202020204" pitchFamily="34" charset="0"/>
+              </a:rPr>
+              <a:t> </a:t>
+            </a:r>
+            <a:r>
+              <a:rPr lang="en-US" sz="4000" b="0" i="0" u="none" strike="noStrike" kern="1200" dirty="0" smtClean="0">
+                <a:solidFill>
+                  <a:schemeClr val="tx1"/>
+                </a:solidFill>
+                <a:effectLst/>
+                <a:latin typeface="Bauhaus 93" panose="04030905020B02020C02" pitchFamily="82" charset="0"/>
+                <a:ea typeface="+mn-ea"/>
+                <a:cs typeface="Arial" panose="020B0604020202020204" pitchFamily="34" charset="0"/>
+              </a:rPr>
+              <a:t>400</a:t>
+            </a:r>
+            <a:r>
+              <a:rPr lang="en-US" sz="4000" dirty="0" smtClean="0">
+                <a:latin typeface="Bauhaus 93" panose="04030905020B02020C02" pitchFamily="82" charset="0"/>
+                <a:cs typeface="Arial" panose="020B0604020202020204" pitchFamily="34" charset="0"/>
+              </a:rPr>
+              <a:t>  	</a:t>
+            </a:r>
+            <a:r>
+              <a:rPr lang="en-US" sz="4000" b="0" i="0" u="none" strike="noStrike" kern="1200" dirty="0" smtClean="0">
+                <a:solidFill>
+                  <a:schemeClr val="tx1"/>
+                </a:solidFill>
+                <a:effectLst/>
+                <a:latin typeface="Bauhaus 93" panose="04030905020B02020C02" pitchFamily="82" charset="0"/>
+                <a:ea typeface="+mn-ea"/>
+                <a:cs typeface="Arial" panose="020B0604020202020204" pitchFamily="34" charset="0"/>
+              </a:rPr>
+              <a:t>4.883</a:t>
+            </a:r>
+            <a:r>
+              <a:rPr lang="en-US" sz="4000" dirty="0" smtClean="0">
+                <a:latin typeface="Bauhaus 93" panose="04030905020B02020C02" pitchFamily="82" charset="0"/>
+                <a:cs typeface="Arial" panose="020B0604020202020204" pitchFamily="34" charset="0"/>
+              </a:rPr>
+              <a:t> </a:t>
+            </a:r>
+          </a:p>
+          <a:p>
+            <a:pPr algn="ctr"/>
+            <a:r>
+              <a:rPr lang="en-US" sz="4000" b="0" i="0" u="none" strike="noStrike" kern="1200" dirty="0" smtClean="0">
+                <a:solidFill>
+                  <a:schemeClr val="tx1"/>
+                </a:solidFill>
+                <a:effectLst/>
+                <a:latin typeface="Bauhaus 93" panose="04030905020B02020C02" pitchFamily="82" charset="0"/>
+                <a:ea typeface="+mn-ea"/>
+                <a:cs typeface="Arial" panose="020B0604020202020204" pitchFamily="34" charset="0"/>
+              </a:rPr>
+              <a:t>6</a:t>
+            </a:r>
+            <a:r>
+              <a:rPr lang="en-US" sz="4000" dirty="0" smtClean="0">
+                <a:latin typeface="Bauhaus 93" panose="04030905020B02020C02" pitchFamily="82" charset="0"/>
+                <a:cs typeface="Arial" panose="020B0604020202020204" pitchFamily="34" charset="0"/>
+              </a:rPr>
+              <a:t> 	</a:t>
+            </a:r>
+            <a:r>
+              <a:rPr lang="en-US" sz="4000" b="0" i="0" u="none" strike="noStrike" kern="1200" dirty="0" smtClean="0">
+                <a:solidFill>
+                  <a:schemeClr val="tx1"/>
+                </a:solidFill>
+                <a:effectLst/>
+                <a:latin typeface="Bauhaus 93" panose="04030905020B02020C02" pitchFamily="82" charset="0"/>
+                <a:ea typeface="+mn-ea"/>
+                <a:cs typeface="Arial" panose="020B0604020202020204" pitchFamily="34" charset="0"/>
+              </a:rPr>
+              <a:t>6144	</a:t>
+            </a:r>
+            <a:r>
+              <a:rPr lang="en-US" sz="4000" dirty="0" smtClean="0">
+                <a:latin typeface="Bauhaus 93" panose="04030905020B02020C02" pitchFamily="82" charset="0"/>
+                <a:cs typeface="Arial" panose="020B0604020202020204" pitchFamily="34" charset="0"/>
+              </a:rPr>
+              <a:t> </a:t>
+            </a:r>
+            <a:r>
+              <a:rPr lang="en-US" sz="4000" b="0" i="0" u="none" strike="noStrike" kern="1200" dirty="0" smtClean="0">
+                <a:solidFill>
+                  <a:schemeClr val="tx1"/>
+                </a:solidFill>
+                <a:effectLst/>
+                <a:latin typeface="Bauhaus 93" panose="04030905020B02020C02" pitchFamily="82" charset="0"/>
+                <a:ea typeface="+mn-ea"/>
+                <a:cs typeface="Arial" panose="020B0604020202020204" pitchFamily="34" charset="0"/>
+              </a:rPr>
+              <a:t>350	5.697</a:t>
+            </a:r>
+            <a:r>
+              <a:rPr lang="en-US" sz="4000" dirty="0" smtClean="0">
+                <a:latin typeface="Bauhaus 93" panose="04030905020B02020C02" pitchFamily="82" charset="0"/>
+                <a:cs typeface="Arial" panose="020B0604020202020204" pitchFamily="34" charset="0"/>
+              </a:rPr>
+              <a:t> </a:t>
+            </a:r>
+          </a:p>
+          <a:p>
+            <a:pPr algn="ctr"/>
+            <a:r>
+              <a:rPr lang="en-US" sz="4000" b="0" i="0" u="none" strike="noStrike" kern="1200" dirty="0" smtClean="0">
+                <a:solidFill>
+                  <a:schemeClr val="tx1"/>
+                </a:solidFill>
+                <a:effectLst/>
+                <a:latin typeface="Bauhaus 93" panose="04030905020B02020C02" pitchFamily="82" charset="0"/>
+                <a:ea typeface="+mn-ea"/>
+                <a:cs typeface="Arial" panose="020B0604020202020204" pitchFamily="34" charset="0"/>
+              </a:rPr>
+              <a:t>4</a:t>
+            </a:r>
+            <a:r>
+              <a:rPr lang="en-US" sz="4000" dirty="0" smtClean="0">
+                <a:latin typeface="Bauhaus 93" panose="04030905020B02020C02" pitchFamily="82" charset="0"/>
+                <a:cs typeface="Arial" panose="020B0604020202020204" pitchFamily="34" charset="0"/>
+              </a:rPr>
+              <a:t> 	</a:t>
+            </a:r>
+            <a:r>
+              <a:rPr lang="en-US" sz="4000" b="0" i="0" u="none" strike="noStrike" kern="1200" dirty="0" smtClean="0">
+                <a:solidFill>
+                  <a:schemeClr val="tx1"/>
+                </a:solidFill>
+                <a:effectLst/>
+                <a:latin typeface="Bauhaus 93" panose="04030905020B02020C02" pitchFamily="82" charset="0"/>
+                <a:ea typeface="+mn-ea"/>
+                <a:cs typeface="Arial" panose="020B0604020202020204" pitchFamily="34" charset="0"/>
+              </a:rPr>
+              <a:t>4096</a:t>
+            </a:r>
+            <a:r>
+              <a:rPr lang="en-US" sz="4000" dirty="0" smtClean="0">
+                <a:latin typeface="Bauhaus 93" panose="04030905020B02020C02" pitchFamily="82" charset="0"/>
+                <a:cs typeface="Arial" panose="020B0604020202020204" pitchFamily="34" charset="0"/>
+              </a:rPr>
+              <a:t> 	 </a:t>
+            </a:r>
+            <a:r>
+              <a:rPr lang="en-US" sz="4000" b="0" i="0" u="none" strike="noStrike" kern="1200" dirty="0" smtClean="0">
+                <a:solidFill>
+                  <a:schemeClr val="tx1"/>
+                </a:solidFill>
+                <a:effectLst/>
+                <a:latin typeface="Bauhaus 93" panose="04030905020B02020C02" pitchFamily="82" charset="0"/>
+                <a:ea typeface="+mn-ea"/>
+                <a:cs typeface="Arial" panose="020B0604020202020204" pitchFamily="34" charset="0"/>
+              </a:rPr>
+              <a:t>250</a:t>
+            </a:r>
+            <a:r>
+              <a:rPr lang="en-US" sz="4000" dirty="0" smtClean="0">
+                <a:latin typeface="Bauhaus 93" panose="04030905020B02020C02" pitchFamily="82" charset="0"/>
+                <a:cs typeface="Arial" panose="020B0604020202020204" pitchFamily="34" charset="0"/>
+              </a:rPr>
+              <a:t> 	</a:t>
+            </a:r>
+            <a:r>
+              <a:rPr lang="en-US" sz="4000" b="0" i="0" u="none" strike="noStrike" kern="1200" dirty="0" smtClean="0">
+                <a:solidFill>
+                  <a:schemeClr val="tx1"/>
+                </a:solidFill>
+                <a:effectLst/>
+                <a:latin typeface="Bauhaus 93" panose="04030905020B02020C02" pitchFamily="82" charset="0"/>
+                <a:ea typeface="+mn-ea"/>
+                <a:cs typeface="Arial" panose="020B0604020202020204" pitchFamily="34" charset="0"/>
+              </a:rPr>
+              <a:t>6.104</a:t>
+            </a:r>
+            <a:r>
+              <a:rPr lang="en-US" sz="4000" dirty="0" smtClean="0">
+                <a:latin typeface="Bauhaus 93" panose="04030905020B02020C02" pitchFamily="82" charset="0"/>
+                <a:cs typeface="Arial" panose="020B0604020202020204" pitchFamily="34" charset="0"/>
+              </a:rPr>
+              <a:t> </a:t>
+            </a:r>
+          </a:p>
+          <a:p>
+            <a:pPr algn="ctr"/>
+            <a:r>
+              <a:rPr lang="en-US" sz="4000" b="0" i="0" u="none" strike="noStrike" kern="1200" dirty="0" smtClean="0">
+                <a:solidFill>
+                  <a:schemeClr val="tx1"/>
+                </a:solidFill>
+                <a:effectLst/>
+                <a:latin typeface="Bauhaus 93" panose="04030905020B02020C02" pitchFamily="82" charset="0"/>
+                <a:ea typeface="+mn-ea"/>
+                <a:cs typeface="Arial" panose="020B0604020202020204" pitchFamily="34" charset="0"/>
+              </a:rPr>
+              <a:t>3</a:t>
+            </a:r>
+            <a:r>
+              <a:rPr lang="en-US" sz="4000" dirty="0" smtClean="0">
+                <a:latin typeface="Bauhaus 93" panose="04030905020B02020C02" pitchFamily="82" charset="0"/>
+                <a:cs typeface="Arial" panose="020B0604020202020204" pitchFamily="34" charset="0"/>
+              </a:rPr>
+              <a:t> 	</a:t>
+            </a:r>
+            <a:r>
+              <a:rPr lang="en-US" sz="4000" b="0" i="0" u="none" strike="noStrike" kern="1200" dirty="0" smtClean="0">
+                <a:solidFill>
+                  <a:schemeClr val="tx1"/>
+                </a:solidFill>
+                <a:effectLst/>
+                <a:latin typeface="Bauhaus 93" panose="04030905020B02020C02" pitchFamily="82" charset="0"/>
+                <a:ea typeface="+mn-ea"/>
+                <a:cs typeface="Arial" panose="020B0604020202020204" pitchFamily="34" charset="0"/>
+              </a:rPr>
+              <a:t>3072	</a:t>
+            </a:r>
+            <a:r>
+              <a:rPr lang="en-US" sz="4000" dirty="0" smtClean="0">
+                <a:latin typeface="Bauhaus 93" panose="04030905020B02020C02" pitchFamily="82" charset="0"/>
+                <a:cs typeface="Arial" panose="020B0604020202020204" pitchFamily="34" charset="0"/>
+              </a:rPr>
+              <a:t> </a:t>
+            </a:r>
+            <a:r>
+              <a:rPr lang="en-US" sz="4000" b="0" i="0" u="none" strike="noStrike" kern="1200" dirty="0" smtClean="0">
+                <a:solidFill>
+                  <a:schemeClr val="tx1"/>
+                </a:solidFill>
+                <a:effectLst/>
+                <a:latin typeface="Bauhaus 93" panose="04030905020B02020C02" pitchFamily="82" charset="0"/>
+                <a:ea typeface="+mn-ea"/>
+                <a:cs typeface="Arial" panose="020B0604020202020204" pitchFamily="34" charset="0"/>
+              </a:rPr>
+              <a:t>230</a:t>
+            </a:r>
+            <a:r>
+              <a:rPr lang="en-US" sz="4000" dirty="0" smtClean="0">
+                <a:latin typeface="Bauhaus 93" panose="04030905020B02020C02" pitchFamily="82" charset="0"/>
+                <a:cs typeface="Arial" panose="020B0604020202020204" pitchFamily="34" charset="0"/>
+              </a:rPr>
+              <a:t> 	</a:t>
+            </a:r>
+            <a:r>
+              <a:rPr lang="en-US" sz="4000" b="0" i="0" u="none" strike="noStrike" kern="1200" dirty="0" smtClean="0">
+                <a:solidFill>
+                  <a:schemeClr val="tx1"/>
+                </a:solidFill>
+                <a:effectLst/>
+                <a:latin typeface="Bauhaus 93" panose="04030905020B02020C02" pitchFamily="82" charset="0"/>
+                <a:ea typeface="+mn-ea"/>
+                <a:cs typeface="Arial" panose="020B0604020202020204" pitchFamily="34" charset="0"/>
+              </a:rPr>
+              <a:t>7.487</a:t>
+            </a:r>
+            <a:r>
+              <a:rPr lang="en-US" sz="4000" dirty="0" smtClean="0">
+                <a:latin typeface="Bauhaus 93" panose="04030905020B02020C02" pitchFamily="82" charset="0"/>
+                <a:cs typeface="Arial" panose="020B0604020202020204" pitchFamily="34" charset="0"/>
+              </a:rPr>
+              <a:t> </a:t>
+            </a:r>
+            <a:endParaRPr lang="en-US" sz="4000" dirty="0">
+              <a:latin typeface="Bauhaus 93" panose="04030905020B02020C02" pitchFamily="82" charset="0"/>
+              <a:cs typeface="Arial" panose="020B0604020202020204" pitchFamily="34" charset="0"/>
+            </a:endParaRPr>
+          </a:p>
+        </p:txBody>
+      </p:sp>
+      <p:sp>
+        <p:nvSpPr>
+          <p:cNvPr id="4" name="Slide Number Placeholder 3"/>
+          <p:cNvSpPr>
+            <a:spLocks noGrp="1"/>
+          </p:cNvSpPr>
+          <p:nvPr>
+            <p:ph type="sldNum" sz="quarter" idx="10"/>
+          </p:nvPr>
+        </p:nvSpPr>
+        <p:spPr/>
+        <p:txBody>
+          <a:bodyPr/>
+          <a:lstStyle/>
+          <a:p>
+            <a:fld id="{228B34ED-4CDD-41C9-90F7-D768D5559A6F}" type="slidenum">
+              <a:rPr lang="en-US" smtClean="0"/>
+              <a:t>9</a:t>
             </a:fld>
             <a:endParaRPr lang="en-US" dirty="0"/>
           </a:p>
@@ -4392,7 +4562,7 @@
           <p:cNvPr id="5" name="Footer Placeholder 4">
             <a:extLst>
               <a:ext uri="{FF2B5EF4-FFF2-40B4-BE49-F238E27FC236}">
-                <a16:creationId xmlns:a16="http://schemas.microsoft.com/office/drawing/2014/main" xmlns="" id="{42A27944-63F0-4B2F-AD45-448C6DF71C85}"/>
+                <a16:creationId xmlns:a16="http://schemas.microsoft.com/office/drawing/2014/main" id="{42A27944-63F0-4B2F-AD45-448C6DF71C85}"/>
               </a:ext>
             </a:extLst>
           </p:cNvPr>
@@ -4420,7 +4590,7 @@
           <p:cNvPr id="6" name="Slide Number Placeholder 5">
             <a:extLst>
               <a:ext uri="{FF2B5EF4-FFF2-40B4-BE49-F238E27FC236}">
-                <a16:creationId xmlns:a16="http://schemas.microsoft.com/office/drawing/2014/main" xmlns="" id="{AF5DAC0D-26BC-4E19-94BF-7F158080FB62}"/>
+                <a16:creationId xmlns:a16="http://schemas.microsoft.com/office/drawing/2014/main" id="{AF5DAC0D-26BC-4E19-94BF-7F158080FB62}"/>
               </a:ext>
             </a:extLst>
           </p:cNvPr>
@@ -4449,7 +4619,7 @@
           <p:cNvPr id="2" name="Title 1">
             <a:extLst>
               <a:ext uri="{FF2B5EF4-FFF2-40B4-BE49-F238E27FC236}">
-                <a16:creationId xmlns:a16="http://schemas.microsoft.com/office/drawing/2014/main" xmlns="" id="{2C63BDE4-1CD0-AC4C-A2A9-C858427B0E20}"/>
+                <a16:creationId xmlns:a16="http://schemas.microsoft.com/office/drawing/2014/main" id="{2C63BDE4-1CD0-AC4C-A2A9-C858427B0E20}"/>
               </a:ext>
             </a:extLst>
           </p:cNvPr>
@@ -4484,7 +4654,7 @@
           <p:cNvPr id="8" name="Text Placeholder 2">
             <a:extLst>
               <a:ext uri="{FF2B5EF4-FFF2-40B4-BE49-F238E27FC236}">
-                <a16:creationId xmlns:a16="http://schemas.microsoft.com/office/drawing/2014/main" xmlns="" id="{67265051-1E5A-D844-BA21-383315517276}"/>
+                <a16:creationId xmlns:a16="http://schemas.microsoft.com/office/drawing/2014/main" id="{67265051-1E5A-D844-BA21-383315517276}"/>
               </a:ext>
             </a:extLst>
           </p:cNvPr>
@@ -4583,7 +4753,7 @@
           <p:cNvPr id="9" name="Text Placeholder 5">
             <a:extLst>
               <a:ext uri="{FF2B5EF4-FFF2-40B4-BE49-F238E27FC236}">
-                <a16:creationId xmlns:a16="http://schemas.microsoft.com/office/drawing/2014/main" xmlns="" id="{2914F6FF-E574-0340-AD3E-E6747297E034}"/>
+                <a16:creationId xmlns:a16="http://schemas.microsoft.com/office/drawing/2014/main" id="{2914F6FF-E574-0340-AD3E-E6747297E034}"/>
               </a:ext>
             </a:extLst>
           </p:cNvPr>
@@ -4685,7 +4855,7 @@
           <p:cNvPr id="5" name="Footer Placeholder 4">
             <a:extLst>
               <a:ext uri="{FF2B5EF4-FFF2-40B4-BE49-F238E27FC236}">
-                <a16:creationId xmlns:a16="http://schemas.microsoft.com/office/drawing/2014/main" xmlns="" id="{42A27944-63F0-4B2F-AD45-448C6DF71C85}"/>
+                <a16:creationId xmlns:a16="http://schemas.microsoft.com/office/drawing/2014/main" id="{42A27944-63F0-4B2F-AD45-448C6DF71C85}"/>
               </a:ext>
             </a:extLst>
           </p:cNvPr>
@@ -4713,7 +4883,7 @@
           <p:cNvPr id="6" name="Slide Number Placeholder 5">
             <a:extLst>
               <a:ext uri="{FF2B5EF4-FFF2-40B4-BE49-F238E27FC236}">
-                <a16:creationId xmlns:a16="http://schemas.microsoft.com/office/drawing/2014/main" xmlns="" id="{AF5DAC0D-26BC-4E19-94BF-7F158080FB62}"/>
+                <a16:creationId xmlns:a16="http://schemas.microsoft.com/office/drawing/2014/main" id="{AF5DAC0D-26BC-4E19-94BF-7F158080FB62}"/>
               </a:ext>
             </a:extLst>
           </p:cNvPr>
@@ -4742,7 +4912,7 @@
           <p:cNvPr id="2" name="Title 1">
             <a:extLst>
               <a:ext uri="{FF2B5EF4-FFF2-40B4-BE49-F238E27FC236}">
-                <a16:creationId xmlns:a16="http://schemas.microsoft.com/office/drawing/2014/main" xmlns="" id="{2C63BDE4-1CD0-AC4C-A2A9-C858427B0E20}"/>
+                <a16:creationId xmlns:a16="http://schemas.microsoft.com/office/drawing/2014/main" id="{2C63BDE4-1CD0-AC4C-A2A9-C858427B0E20}"/>
               </a:ext>
             </a:extLst>
           </p:cNvPr>
@@ -4777,7 +4947,7 @@
           <p:cNvPr id="8" name="Text Placeholder 2">
             <a:extLst>
               <a:ext uri="{FF2B5EF4-FFF2-40B4-BE49-F238E27FC236}">
-                <a16:creationId xmlns:a16="http://schemas.microsoft.com/office/drawing/2014/main" xmlns="" id="{67265051-1E5A-D844-BA21-383315517276}"/>
+                <a16:creationId xmlns:a16="http://schemas.microsoft.com/office/drawing/2014/main" id="{67265051-1E5A-D844-BA21-383315517276}"/>
               </a:ext>
             </a:extLst>
           </p:cNvPr>
@@ -4913,7 +5083,7 @@
           <p:cNvPr id="12" name="Rectangle 11">
             <a:extLst>
               <a:ext uri="{FF2B5EF4-FFF2-40B4-BE49-F238E27FC236}">
-                <a16:creationId xmlns:a16="http://schemas.microsoft.com/office/drawing/2014/main" xmlns="" id="{01CCD8B1-7DA9-46E5-8EC4-7B1E0D7E9B20}"/>
+                <a16:creationId xmlns:a16="http://schemas.microsoft.com/office/drawing/2014/main" id="{01CCD8B1-7DA9-46E5-8EC4-7B1E0D7E9B20}"/>
               </a:ext>
             </a:extLst>
           </p:cNvPr>
@@ -4984,7 +5154,7 @@
           <p:cNvPr id="11" name="Rectangle 10">
             <a:extLst>
               <a:ext uri="{FF2B5EF4-FFF2-40B4-BE49-F238E27FC236}">
-                <a16:creationId xmlns:a16="http://schemas.microsoft.com/office/drawing/2014/main" xmlns="" id="{A0E18C59-4654-4610-A461-4DAD6B9AA844}"/>
+                <a16:creationId xmlns:a16="http://schemas.microsoft.com/office/drawing/2014/main" id="{A0E18C59-4654-4610-A461-4DAD6B9AA844}"/>
               </a:ext>
             </a:extLst>
           </p:cNvPr>
@@ -5043,7 +5213,7 @@
           <p:cNvPr id="2" name="Title 1">
             <a:extLst>
               <a:ext uri="{FF2B5EF4-FFF2-40B4-BE49-F238E27FC236}">
-                <a16:creationId xmlns:a16="http://schemas.microsoft.com/office/drawing/2014/main" xmlns="" id="{74E289BF-FC60-4B0A-9338-19DFADB75B3E}"/>
+                <a16:creationId xmlns:a16="http://schemas.microsoft.com/office/drawing/2014/main" id="{74E289BF-FC60-4B0A-9338-19DFADB75B3E}"/>
               </a:ext>
             </a:extLst>
           </p:cNvPr>
@@ -5082,7 +5252,7 @@
           <p:cNvPr id="3" name="Text Placeholder 2">
             <a:extLst>
               <a:ext uri="{FF2B5EF4-FFF2-40B4-BE49-F238E27FC236}">
-                <a16:creationId xmlns:a16="http://schemas.microsoft.com/office/drawing/2014/main" xmlns="" id="{9BDA91F3-AE43-4DDA-AB24-49CF87963D72}"/>
+                <a16:creationId xmlns:a16="http://schemas.microsoft.com/office/drawing/2014/main" id="{9BDA91F3-AE43-4DDA-AB24-49CF87963D72}"/>
               </a:ext>
             </a:extLst>
           </p:cNvPr>
@@ -5157,7 +5327,7 @@
           <p:cNvPr id="4" name="Content Placeholder 3">
             <a:extLst>
               <a:ext uri="{FF2B5EF4-FFF2-40B4-BE49-F238E27FC236}">
-                <a16:creationId xmlns:a16="http://schemas.microsoft.com/office/drawing/2014/main" xmlns="" id="{24A648F6-CDB4-4032-9F98-6ED11F980765}"/>
+                <a16:creationId xmlns:a16="http://schemas.microsoft.com/office/drawing/2014/main" id="{24A648F6-CDB4-4032-9F98-6ED11F980765}"/>
               </a:ext>
             </a:extLst>
           </p:cNvPr>
@@ -5273,7 +5443,7 @@
           <p:cNvPr id="5" name="Text Placeholder 4">
             <a:extLst>
               <a:ext uri="{FF2B5EF4-FFF2-40B4-BE49-F238E27FC236}">
-                <a16:creationId xmlns:a16="http://schemas.microsoft.com/office/drawing/2014/main" xmlns="" id="{258F648F-0299-4352-914D-9ACEEF6FE597}"/>
+                <a16:creationId xmlns:a16="http://schemas.microsoft.com/office/drawing/2014/main" id="{258F648F-0299-4352-914D-9ACEEF6FE597}"/>
               </a:ext>
             </a:extLst>
           </p:cNvPr>
@@ -5348,7 +5518,7 @@
           <p:cNvPr id="6" name="Content Placeholder 5">
             <a:extLst>
               <a:ext uri="{FF2B5EF4-FFF2-40B4-BE49-F238E27FC236}">
-                <a16:creationId xmlns:a16="http://schemas.microsoft.com/office/drawing/2014/main" xmlns="" id="{65215A19-FA39-4BD0-87C2-8DA3B8C587BB}"/>
+                <a16:creationId xmlns:a16="http://schemas.microsoft.com/office/drawing/2014/main" id="{65215A19-FA39-4BD0-87C2-8DA3B8C587BB}"/>
               </a:ext>
             </a:extLst>
           </p:cNvPr>
@@ -5464,7 +5634,7 @@
           <p:cNvPr id="8" name="Footer Placeholder 7">
             <a:extLst>
               <a:ext uri="{FF2B5EF4-FFF2-40B4-BE49-F238E27FC236}">
-                <a16:creationId xmlns:a16="http://schemas.microsoft.com/office/drawing/2014/main" xmlns="" id="{A719B710-B005-42F3-BB0B-EDD61A824BF6}"/>
+                <a16:creationId xmlns:a16="http://schemas.microsoft.com/office/drawing/2014/main" id="{A719B710-B005-42F3-BB0B-EDD61A824BF6}"/>
               </a:ext>
             </a:extLst>
           </p:cNvPr>
@@ -5492,7 +5662,7 @@
           <p:cNvPr id="9" name="Slide Number Placeholder 8">
             <a:extLst>
               <a:ext uri="{FF2B5EF4-FFF2-40B4-BE49-F238E27FC236}">
-                <a16:creationId xmlns:a16="http://schemas.microsoft.com/office/drawing/2014/main" xmlns="" id="{6B457843-7A19-4C1A-A6EB-82840DAE997E}"/>
+                <a16:creationId xmlns:a16="http://schemas.microsoft.com/office/drawing/2014/main" id="{6B457843-7A19-4C1A-A6EB-82840DAE997E}"/>
               </a:ext>
             </a:extLst>
           </p:cNvPr>
@@ -5521,7 +5691,7 @@
           <p:cNvPr id="13" name="Shape 61">
             <a:extLst>
               <a:ext uri="{FF2B5EF4-FFF2-40B4-BE49-F238E27FC236}">
-                <a16:creationId xmlns:a16="http://schemas.microsoft.com/office/drawing/2014/main" xmlns="" id="{675B8062-1FC4-4E68-B7AF-45AB92A9F7B4}"/>
+                <a16:creationId xmlns:a16="http://schemas.microsoft.com/office/drawing/2014/main" id="{675B8062-1FC4-4E68-B7AF-45AB92A9F7B4}"/>
               </a:ext>
             </a:extLst>
           </p:cNvPr>
@@ -5541,7 +5711,7 @@
           </a:ln>
           <a:extLst>
             <a:ext uri="{C572A759-6A51-4108-AA02-DFA0A04FC94B}">
-              <ma14:wrappingTextBoxFlag xmlns:ma14="http://schemas.microsoft.com/office/mac/drawingml/2011/main" val="1"/>
+              <ma14:wrappingTextBoxFlag xmlns:ma14="http://schemas.microsoft.com/office/mac/drawingml/2011/main" xmlns="" val="1"/>
             </a:ext>
           </a:extLst>
         </p:spPr>
@@ -5619,7 +5789,7 @@
           <p:cNvPr id="12" name="Rectangle 11">
             <a:extLst>
               <a:ext uri="{FF2B5EF4-FFF2-40B4-BE49-F238E27FC236}">
-                <a16:creationId xmlns:a16="http://schemas.microsoft.com/office/drawing/2014/main" xmlns="" id="{01CCD8B1-7DA9-46E5-8EC4-7B1E0D7E9B20}"/>
+                <a16:creationId xmlns:a16="http://schemas.microsoft.com/office/drawing/2014/main" id="{01CCD8B1-7DA9-46E5-8EC4-7B1E0D7E9B20}"/>
               </a:ext>
             </a:extLst>
           </p:cNvPr>
@@ -5690,7 +5860,7 @@
           <p:cNvPr id="11" name="Rectangle 10">
             <a:extLst>
               <a:ext uri="{FF2B5EF4-FFF2-40B4-BE49-F238E27FC236}">
-                <a16:creationId xmlns:a16="http://schemas.microsoft.com/office/drawing/2014/main" xmlns="" id="{A0E18C59-4654-4610-A461-4DAD6B9AA844}"/>
+                <a16:creationId xmlns:a16="http://schemas.microsoft.com/office/drawing/2014/main" id="{A0E18C59-4654-4610-A461-4DAD6B9AA844}"/>
               </a:ext>
             </a:extLst>
           </p:cNvPr>
@@ -5749,7 +5919,7 @@
           <p:cNvPr id="2" name="Title 1">
             <a:extLst>
               <a:ext uri="{FF2B5EF4-FFF2-40B4-BE49-F238E27FC236}">
-                <a16:creationId xmlns:a16="http://schemas.microsoft.com/office/drawing/2014/main" xmlns="" id="{74E289BF-FC60-4B0A-9338-19DFADB75B3E}"/>
+                <a16:creationId xmlns:a16="http://schemas.microsoft.com/office/drawing/2014/main" id="{74E289BF-FC60-4B0A-9338-19DFADB75B3E}"/>
               </a:ext>
             </a:extLst>
           </p:cNvPr>
@@ -5788,7 +5958,7 @@
           <p:cNvPr id="8" name="Footer Placeholder 7">
             <a:extLst>
               <a:ext uri="{FF2B5EF4-FFF2-40B4-BE49-F238E27FC236}">
-                <a16:creationId xmlns:a16="http://schemas.microsoft.com/office/drawing/2014/main" xmlns="" id="{A719B710-B005-42F3-BB0B-EDD61A824BF6}"/>
+                <a16:creationId xmlns:a16="http://schemas.microsoft.com/office/drawing/2014/main" id="{A719B710-B005-42F3-BB0B-EDD61A824BF6}"/>
               </a:ext>
             </a:extLst>
           </p:cNvPr>
@@ -5816,7 +5986,7 @@
           <p:cNvPr id="9" name="Slide Number Placeholder 8">
             <a:extLst>
               <a:ext uri="{FF2B5EF4-FFF2-40B4-BE49-F238E27FC236}">
-                <a16:creationId xmlns:a16="http://schemas.microsoft.com/office/drawing/2014/main" xmlns="" id="{6B457843-7A19-4C1A-A6EB-82840DAE997E}"/>
+                <a16:creationId xmlns:a16="http://schemas.microsoft.com/office/drawing/2014/main" id="{6B457843-7A19-4C1A-A6EB-82840DAE997E}"/>
               </a:ext>
             </a:extLst>
           </p:cNvPr>
@@ -5845,7 +6015,7 @@
           <p:cNvPr id="13" name="Shape 61">
             <a:extLst>
               <a:ext uri="{FF2B5EF4-FFF2-40B4-BE49-F238E27FC236}">
-                <a16:creationId xmlns:a16="http://schemas.microsoft.com/office/drawing/2014/main" xmlns="" id="{675B8062-1FC4-4E68-B7AF-45AB92A9F7B4}"/>
+                <a16:creationId xmlns:a16="http://schemas.microsoft.com/office/drawing/2014/main" id="{675B8062-1FC4-4E68-B7AF-45AB92A9F7B4}"/>
               </a:ext>
             </a:extLst>
           </p:cNvPr>
@@ -5865,7 +6035,7 @@
           </a:ln>
           <a:extLst>
             <a:ext uri="{C572A759-6A51-4108-AA02-DFA0A04FC94B}">
-              <ma14:wrappingTextBoxFlag xmlns:ma14="http://schemas.microsoft.com/office/mac/drawingml/2011/main" val="1"/>
+              <ma14:wrappingTextBoxFlag xmlns:ma14="http://schemas.microsoft.com/office/mac/drawingml/2011/main" xmlns="" val="1"/>
             </a:ext>
           </a:extLst>
         </p:spPr>
@@ -5913,7 +6083,7 @@
           <p:cNvPr id="15" name="Content Placeholder 2">
             <a:extLst>
               <a:ext uri="{FF2B5EF4-FFF2-40B4-BE49-F238E27FC236}">
-                <a16:creationId xmlns:a16="http://schemas.microsoft.com/office/drawing/2014/main" xmlns="" id="{2B178DD2-BCD4-4E9E-8EAA-0A3AB74C6160}"/>
+                <a16:creationId xmlns:a16="http://schemas.microsoft.com/office/drawing/2014/main" id="{2B178DD2-BCD4-4E9E-8EAA-0A3AB74C6160}"/>
               </a:ext>
             </a:extLst>
           </p:cNvPr>
@@ -6012,7 +6182,7 @@
           <p:cNvPr id="16" name="Content Placeholder 3">
             <a:extLst>
               <a:ext uri="{FF2B5EF4-FFF2-40B4-BE49-F238E27FC236}">
-                <a16:creationId xmlns:a16="http://schemas.microsoft.com/office/drawing/2014/main" xmlns="" id="{0B7D881D-13DE-4377-AA74-0EBFD9C9926A}"/>
+                <a16:creationId xmlns:a16="http://schemas.microsoft.com/office/drawing/2014/main" id="{0B7D881D-13DE-4377-AA74-0EBFD9C9926A}"/>
               </a:ext>
             </a:extLst>
           </p:cNvPr>
@@ -6148,7 +6318,7 @@
           <p:cNvPr id="11" name="Rectangle 10">
             <a:extLst>
               <a:ext uri="{FF2B5EF4-FFF2-40B4-BE49-F238E27FC236}">
-                <a16:creationId xmlns:a16="http://schemas.microsoft.com/office/drawing/2014/main" xmlns="" id="{A0E18C59-4654-4610-A461-4DAD6B9AA844}"/>
+                <a16:creationId xmlns:a16="http://schemas.microsoft.com/office/drawing/2014/main" id="{A0E18C59-4654-4610-A461-4DAD6B9AA844}"/>
               </a:ext>
             </a:extLst>
           </p:cNvPr>
@@ -6207,7 +6377,7 @@
           <p:cNvPr id="2" name="Title 1">
             <a:extLst>
               <a:ext uri="{FF2B5EF4-FFF2-40B4-BE49-F238E27FC236}">
-                <a16:creationId xmlns:a16="http://schemas.microsoft.com/office/drawing/2014/main" xmlns="" id="{74E289BF-FC60-4B0A-9338-19DFADB75B3E}"/>
+                <a16:creationId xmlns:a16="http://schemas.microsoft.com/office/drawing/2014/main" id="{74E289BF-FC60-4B0A-9338-19DFADB75B3E}"/>
               </a:ext>
             </a:extLst>
           </p:cNvPr>
@@ -6250,7 +6420,7 @@
           <p:cNvPr id="8" name="Footer Placeholder 7">
             <a:extLst>
               <a:ext uri="{FF2B5EF4-FFF2-40B4-BE49-F238E27FC236}">
-                <a16:creationId xmlns:a16="http://schemas.microsoft.com/office/drawing/2014/main" xmlns="" id="{A719B710-B005-42F3-BB0B-EDD61A824BF6}"/>
+                <a16:creationId xmlns:a16="http://schemas.microsoft.com/office/drawing/2014/main" id="{A719B710-B005-42F3-BB0B-EDD61A824BF6}"/>
               </a:ext>
             </a:extLst>
           </p:cNvPr>
@@ -6278,7 +6448,7 @@
           <p:cNvPr id="9" name="Slide Number Placeholder 8">
             <a:extLst>
               <a:ext uri="{FF2B5EF4-FFF2-40B4-BE49-F238E27FC236}">
-                <a16:creationId xmlns:a16="http://schemas.microsoft.com/office/drawing/2014/main" xmlns="" id="{6B457843-7A19-4C1A-A6EB-82840DAE997E}"/>
+                <a16:creationId xmlns:a16="http://schemas.microsoft.com/office/drawing/2014/main" id="{6B457843-7A19-4C1A-A6EB-82840DAE997E}"/>
               </a:ext>
             </a:extLst>
           </p:cNvPr>
@@ -6307,7 +6477,7 @@
           <p:cNvPr id="16" name="Text Placeholder 3">
             <a:extLst>
               <a:ext uri="{FF2B5EF4-FFF2-40B4-BE49-F238E27FC236}">
-                <a16:creationId xmlns:a16="http://schemas.microsoft.com/office/drawing/2014/main" xmlns="" id="{1B8C1683-B5FA-422D-82FD-3E04C0D01AC4}"/>
+                <a16:creationId xmlns:a16="http://schemas.microsoft.com/office/drawing/2014/main" id="{1B8C1683-B5FA-422D-82FD-3E04C0D01AC4}"/>
               </a:ext>
             </a:extLst>
           </p:cNvPr>
@@ -6382,7 +6552,7 @@
           <p:cNvPr id="17" name="Content Placeholder 2">
             <a:extLst>
               <a:ext uri="{FF2B5EF4-FFF2-40B4-BE49-F238E27FC236}">
-                <a16:creationId xmlns:a16="http://schemas.microsoft.com/office/drawing/2014/main" xmlns="" id="{64332CC6-AF18-49EE-9933-50E3E93F6B86}"/>
+                <a16:creationId xmlns:a16="http://schemas.microsoft.com/office/drawing/2014/main" id="{64332CC6-AF18-49EE-9933-50E3E93F6B86}"/>
               </a:ext>
             </a:extLst>
           </p:cNvPr>
@@ -6512,7 +6682,7 @@
           <p:cNvPr id="11" name="Rectangle 10">
             <a:extLst>
               <a:ext uri="{FF2B5EF4-FFF2-40B4-BE49-F238E27FC236}">
-                <a16:creationId xmlns:a16="http://schemas.microsoft.com/office/drawing/2014/main" xmlns="" id="{A0E18C59-4654-4610-A461-4DAD6B9AA844}"/>
+                <a16:creationId xmlns:a16="http://schemas.microsoft.com/office/drawing/2014/main" id="{A0E18C59-4654-4610-A461-4DAD6B9AA844}"/>
               </a:ext>
             </a:extLst>
           </p:cNvPr>
@@ -6571,7 +6741,7 @@
           <p:cNvPr id="2" name="Title 1">
             <a:extLst>
               <a:ext uri="{FF2B5EF4-FFF2-40B4-BE49-F238E27FC236}">
-                <a16:creationId xmlns:a16="http://schemas.microsoft.com/office/drawing/2014/main" xmlns="" id="{74E289BF-FC60-4B0A-9338-19DFADB75B3E}"/>
+                <a16:creationId xmlns:a16="http://schemas.microsoft.com/office/drawing/2014/main" id="{74E289BF-FC60-4B0A-9338-19DFADB75B3E}"/>
               </a:ext>
             </a:extLst>
           </p:cNvPr>
@@ -6614,7 +6784,7 @@
           <p:cNvPr id="8" name="Footer Placeholder 7">
             <a:extLst>
               <a:ext uri="{FF2B5EF4-FFF2-40B4-BE49-F238E27FC236}">
-                <a16:creationId xmlns:a16="http://schemas.microsoft.com/office/drawing/2014/main" xmlns="" id="{A719B710-B005-42F3-BB0B-EDD61A824BF6}"/>
+                <a16:creationId xmlns:a16="http://schemas.microsoft.com/office/drawing/2014/main" id="{A719B710-B005-42F3-BB0B-EDD61A824BF6}"/>
               </a:ext>
             </a:extLst>
           </p:cNvPr>
@@ -6642,7 +6812,7 @@
           <p:cNvPr id="9" name="Slide Number Placeholder 8">
             <a:extLst>
               <a:ext uri="{FF2B5EF4-FFF2-40B4-BE49-F238E27FC236}">
-                <a16:creationId xmlns:a16="http://schemas.microsoft.com/office/drawing/2014/main" xmlns="" id="{6B457843-7A19-4C1A-A6EB-82840DAE997E}"/>
+                <a16:creationId xmlns:a16="http://schemas.microsoft.com/office/drawing/2014/main" id="{6B457843-7A19-4C1A-A6EB-82840DAE997E}"/>
               </a:ext>
             </a:extLst>
           </p:cNvPr>
@@ -6671,7 +6841,7 @@
           <p:cNvPr id="15" name="Text Placeholder 3">
             <a:extLst>
               <a:ext uri="{FF2B5EF4-FFF2-40B4-BE49-F238E27FC236}">
-                <a16:creationId xmlns:a16="http://schemas.microsoft.com/office/drawing/2014/main" xmlns="" id="{73C3E625-3996-4407-8E4D-475EF610D90C}"/>
+                <a16:creationId xmlns:a16="http://schemas.microsoft.com/office/drawing/2014/main" id="{73C3E625-3996-4407-8E4D-475EF610D90C}"/>
               </a:ext>
             </a:extLst>
           </p:cNvPr>
@@ -6746,7 +6916,7 @@
           <p:cNvPr id="17" name="Picture Placeholder 2">
             <a:extLst>
               <a:ext uri="{FF2B5EF4-FFF2-40B4-BE49-F238E27FC236}">
-                <a16:creationId xmlns:a16="http://schemas.microsoft.com/office/drawing/2014/main" xmlns="" id="{E87E45D5-103F-4407-822F-E7FAE02D6ABB}"/>
+                <a16:creationId xmlns:a16="http://schemas.microsoft.com/office/drawing/2014/main" id="{E87E45D5-103F-4407-822F-E7FAE02D6ABB}"/>
               </a:ext>
             </a:extLst>
           </p:cNvPr>
@@ -6854,7 +7024,7 @@
           <p:cNvPr id="3" name="Footer Placeholder 2">
             <a:extLst>
               <a:ext uri="{FF2B5EF4-FFF2-40B4-BE49-F238E27FC236}">
-                <a16:creationId xmlns:a16="http://schemas.microsoft.com/office/drawing/2014/main" xmlns="" id="{2DB0C003-2795-4473-BA28-C10CB461998B}"/>
+                <a16:creationId xmlns:a16="http://schemas.microsoft.com/office/drawing/2014/main" id="{2DB0C003-2795-4473-BA28-C10CB461998B}"/>
               </a:ext>
             </a:extLst>
           </p:cNvPr>
@@ -6882,7 +7052,7 @@
           <p:cNvPr id="4" name="Slide Number Placeholder 3">
             <a:extLst>
               <a:ext uri="{FF2B5EF4-FFF2-40B4-BE49-F238E27FC236}">
-                <a16:creationId xmlns:a16="http://schemas.microsoft.com/office/drawing/2014/main" xmlns="" id="{82A626D5-ACB5-4E77-B485-5F611FBCFFA3}"/>
+                <a16:creationId xmlns:a16="http://schemas.microsoft.com/office/drawing/2014/main" id="{82A626D5-ACB5-4E77-B485-5F611FBCFFA3}"/>
               </a:ext>
             </a:extLst>
           </p:cNvPr>
@@ -6948,7 +7118,7 @@
           <p:cNvPr id="3" name="Picture Placeholder 2">
             <a:extLst>
               <a:ext uri="{FF2B5EF4-FFF2-40B4-BE49-F238E27FC236}">
-                <a16:creationId xmlns:a16="http://schemas.microsoft.com/office/drawing/2014/main" xmlns="" id="{DE635FD8-712D-4EE2-A5B6-3DD8DE9C25E9}"/>
+                <a16:creationId xmlns:a16="http://schemas.microsoft.com/office/drawing/2014/main" id="{DE635FD8-712D-4EE2-A5B6-3DD8DE9C25E9}"/>
               </a:ext>
             </a:extLst>
           </p:cNvPr>
@@ -6987,7 +7157,7 @@
           <p:cNvPr id="2" name="Title 1">
             <a:extLst>
               <a:ext uri="{FF2B5EF4-FFF2-40B4-BE49-F238E27FC236}">
-                <a16:creationId xmlns:a16="http://schemas.microsoft.com/office/drawing/2014/main" xmlns="" id="{96D712C6-2A37-4F08-AF12-D70F8C809441}"/>
+                <a16:creationId xmlns:a16="http://schemas.microsoft.com/office/drawing/2014/main" id="{96D712C6-2A37-4F08-AF12-D70F8C809441}"/>
               </a:ext>
             </a:extLst>
           </p:cNvPr>
@@ -7016,7 +7186,7 @@
           <p:cNvPr id="4" name="Slide Number Placeholder 3">
             <a:extLst>
               <a:ext uri="{FF2B5EF4-FFF2-40B4-BE49-F238E27FC236}">
-                <a16:creationId xmlns:a16="http://schemas.microsoft.com/office/drawing/2014/main" xmlns="" id="{82A626D5-ACB5-4E77-B485-5F611FBCFFA3}"/>
+                <a16:creationId xmlns:a16="http://schemas.microsoft.com/office/drawing/2014/main" id="{82A626D5-ACB5-4E77-B485-5F611FBCFFA3}"/>
               </a:ext>
             </a:extLst>
           </p:cNvPr>
@@ -7087,7 +7257,7 @@
           <p:cNvPr id="3" name="Picture Placeholder 2">
             <a:extLst>
               <a:ext uri="{FF2B5EF4-FFF2-40B4-BE49-F238E27FC236}">
-                <a16:creationId xmlns:a16="http://schemas.microsoft.com/office/drawing/2014/main" xmlns="" id="{DE635FD8-712D-4EE2-A5B6-3DD8DE9C25E9}"/>
+                <a16:creationId xmlns:a16="http://schemas.microsoft.com/office/drawing/2014/main" id="{DE635FD8-712D-4EE2-A5B6-3DD8DE9C25E9}"/>
               </a:ext>
             </a:extLst>
           </p:cNvPr>
@@ -7126,7 +7296,7 @@
           <p:cNvPr id="4" name="Title 1">
             <a:extLst>
               <a:ext uri="{FF2B5EF4-FFF2-40B4-BE49-F238E27FC236}">
-                <a16:creationId xmlns:a16="http://schemas.microsoft.com/office/drawing/2014/main" xmlns="" id="{01219AD9-34B1-4C27-8648-E7D7C69C07F9}"/>
+                <a16:creationId xmlns:a16="http://schemas.microsoft.com/office/drawing/2014/main" id="{01219AD9-34B1-4C27-8648-E7D7C69C07F9}"/>
               </a:ext>
             </a:extLst>
           </p:cNvPr>
@@ -7167,7 +7337,7 @@
           <p:cNvPr id="5" name="Text Placeholder 2">
             <a:extLst>
               <a:ext uri="{FF2B5EF4-FFF2-40B4-BE49-F238E27FC236}">
-                <a16:creationId xmlns:a16="http://schemas.microsoft.com/office/drawing/2014/main" xmlns="" id="{40849B93-E2CE-4654-9EC7-7DFA141A5500}"/>
+                <a16:creationId xmlns:a16="http://schemas.microsoft.com/office/drawing/2014/main" id="{40849B93-E2CE-4654-9EC7-7DFA141A5500}"/>
               </a:ext>
             </a:extLst>
           </p:cNvPr>
@@ -7330,7 +7500,7 @@
           <p:cNvPr id="11" name="Picture Placeholder 10">
             <a:extLst>
               <a:ext uri="{FF2B5EF4-FFF2-40B4-BE49-F238E27FC236}">
-                <a16:creationId xmlns:a16="http://schemas.microsoft.com/office/drawing/2014/main" xmlns="" id="{912AA41C-A030-4521-8130-6A8E4543F277}"/>
+                <a16:creationId xmlns:a16="http://schemas.microsoft.com/office/drawing/2014/main" id="{912AA41C-A030-4521-8130-6A8E4543F277}"/>
               </a:ext>
             </a:extLst>
           </p:cNvPr>
@@ -7440,7 +7610,7 @@
           <p:cNvPr id="3" name="Text Placeholder 2">
             <a:extLst>
               <a:ext uri="{FF2B5EF4-FFF2-40B4-BE49-F238E27FC236}">
-                <a16:creationId xmlns:a16="http://schemas.microsoft.com/office/drawing/2014/main" xmlns="" id="{893C356F-E483-4AFD-856C-13BB8E8A5605}"/>
+                <a16:creationId xmlns:a16="http://schemas.microsoft.com/office/drawing/2014/main" id="{893C356F-E483-4AFD-856C-13BB8E8A5605}"/>
               </a:ext>
             </a:extLst>
           </p:cNvPr>
@@ -7568,7 +7738,7 @@
           <p:cNvPr id="5" name="Footer Placeholder 4">
             <a:extLst>
               <a:ext uri="{FF2B5EF4-FFF2-40B4-BE49-F238E27FC236}">
-                <a16:creationId xmlns:a16="http://schemas.microsoft.com/office/drawing/2014/main" xmlns="" id="{BC79732E-D749-40DD-8365-05028518765D}"/>
+                <a16:creationId xmlns:a16="http://schemas.microsoft.com/office/drawing/2014/main" id="{BC79732E-D749-40DD-8365-05028518765D}"/>
               </a:ext>
             </a:extLst>
           </p:cNvPr>
@@ -7596,7 +7766,7 @@
           <p:cNvPr id="6" name="Slide Number Placeholder 5">
             <a:extLst>
               <a:ext uri="{FF2B5EF4-FFF2-40B4-BE49-F238E27FC236}">
-                <a16:creationId xmlns:a16="http://schemas.microsoft.com/office/drawing/2014/main" xmlns="" id="{88F55E23-C4CC-4E9B-80F4-C4BEA6E2DD84}"/>
+                <a16:creationId xmlns:a16="http://schemas.microsoft.com/office/drawing/2014/main" id="{88F55E23-C4CC-4E9B-80F4-C4BEA6E2DD84}"/>
               </a:ext>
             </a:extLst>
           </p:cNvPr>
@@ -7625,7 +7795,7 @@
           <p:cNvPr id="8" name="Title 1">
             <a:extLst>
               <a:ext uri="{FF2B5EF4-FFF2-40B4-BE49-F238E27FC236}">
-                <a16:creationId xmlns:a16="http://schemas.microsoft.com/office/drawing/2014/main" xmlns="" id="{AABA725B-4BCB-1D48-9C5D-46706B18719E}"/>
+                <a16:creationId xmlns:a16="http://schemas.microsoft.com/office/drawing/2014/main" id="{AABA725B-4BCB-1D48-9C5D-46706B18719E}"/>
               </a:ext>
             </a:extLst>
           </p:cNvPr>
@@ -7699,7 +7869,7 @@
           <p:cNvPr id="11" name="Picture Placeholder 10">
             <a:extLst>
               <a:ext uri="{FF2B5EF4-FFF2-40B4-BE49-F238E27FC236}">
-                <a16:creationId xmlns:a16="http://schemas.microsoft.com/office/drawing/2014/main" xmlns="" id="{912AA41C-A030-4521-8130-6A8E4543F277}"/>
+                <a16:creationId xmlns:a16="http://schemas.microsoft.com/office/drawing/2014/main" id="{912AA41C-A030-4521-8130-6A8E4543F277}"/>
               </a:ext>
             </a:extLst>
           </p:cNvPr>
@@ -7748,7 +7918,7 @@
           <p:cNvPr id="2" name="Title 1">
             <a:extLst>
               <a:ext uri="{FF2B5EF4-FFF2-40B4-BE49-F238E27FC236}">
-                <a16:creationId xmlns:a16="http://schemas.microsoft.com/office/drawing/2014/main" xmlns="" id="{97230B2C-7250-4568-96CF-7E5A34B3CAD3}"/>
+                <a16:creationId xmlns:a16="http://schemas.microsoft.com/office/drawing/2014/main" id="{97230B2C-7250-4568-96CF-7E5A34B3CAD3}"/>
               </a:ext>
             </a:extLst>
           </p:cNvPr>
@@ -7785,7 +7955,7 @@
           <p:cNvPr id="3" name="Text Placeholder 2">
             <a:extLst>
               <a:ext uri="{FF2B5EF4-FFF2-40B4-BE49-F238E27FC236}">
-                <a16:creationId xmlns:a16="http://schemas.microsoft.com/office/drawing/2014/main" xmlns="" id="{893C356F-E483-4AFD-856C-13BB8E8A5605}"/>
+                <a16:creationId xmlns:a16="http://schemas.microsoft.com/office/drawing/2014/main" id="{893C356F-E483-4AFD-856C-13BB8E8A5605}"/>
               </a:ext>
             </a:extLst>
           </p:cNvPr>
@@ -7913,7 +8083,7 @@
           <p:cNvPr id="5" name="Footer Placeholder 4">
             <a:extLst>
               <a:ext uri="{FF2B5EF4-FFF2-40B4-BE49-F238E27FC236}">
-                <a16:creationId xmlns:a16="http://schemas.microsoft.com/office/drawing/2014/main" xmlns="" id="{BC79732E-D749-40DD-8365-05028518765D}"/>
+                <a16:creationId xmlns:a16="http://schemas.microsoft.com/office/drawing/2014/main" id="{BC79732E-D749-40DD-8365-05028518765D}"/>
               </a:ext>
             </a:extLst>
           </p:cNvPr>
@@ -7941,7 +8111,7 @@
           <p:cNvPr id="6" name="Slide Number Placeholder 5">
             <a:extLst>
               <a:ext uri="{FF2B5EF4-FFF2-40B4-BE49-F238E27FC236}">
-                <a16:creationId xmlns:a16="http://schemas.microsoft.com/office/drawing/2014/main" xmlns="" id="{88F55E23-C4CC-4E9B-80F4-C4BEA6E2DD84}"/>
+                <a16:creationId xmlns:a16="http://schemas.microsoft.com/office/drawing/2014/main" id="{88F55E23-C4CC-4E9B-80F4-C4BEA6E2DD84}"/>
               </a:ext>
             </a:extLst>
           </p:cNvPr>
@@ -8007,7 +8177,7 @@
           <p:cNvPr id="2" name="Title 1">
             <a:extLst>
               <a:ext uri="{FF2B5EF4-FFF2-40B4-BE49-F238E27FC236}">
-                <a16:creationId xmlns:a16="http://schemas.microsoft.com/office/drawing/2014/main" xmlns="" id="{004074E6-E39E-4D19-B91F-8E84F37CBF3C}"/>
+                <a16:creationId xmlns:a16="http://schemas.microsoft.com/office/drawing/2014/main" id="{004074E6-E39E-4D19-B91F-8E84F37CBF3C}"/>
               </a:ext>
             </a:extLst>
           </p:cNvPr>
@@ -8046,7 +8216,7 @@
           <p:cNvPr id="3" name="Content Placeholder 2">
             <a:extLst>
               <a:ext uri="{FF2B5EF4-FFF2-40B4-BE49-F238E27FC236}">
-                <a16:creationId xmlns:a16="http://schemas.microsoft.com/office/drawing/2014/main" xmlns="" id="{607D1B16-7058-45AD-9B19-E19CAF96683B}"/>
+                <a16:creationId xmlns:a16="http://schemas.microsoft.com/office/drawing/2014/main" id="{607D1B16-7058-45AD-9B19-E19CAF96683B}"/>
               </a:ext>
             </a:extLst>
           </p:cNvPr>
@@ -8157,7 +8327,7 @@
           <p:cNvPr id="53" name="Picture Placeholder 52">
             <a:extLst>
               <a:ext uri="{FF2B5EF4-FFF2-40B4-BE49-F238E27FC236}">
-                <a16:creationId xmlns:a16="http://schemas.microsoft.com/office/drawing/2014/main" xmlns="" id="{86917B65-8F50-454E-AF7E-D53FE2DE8F04}"/>
+                <a16:creationId xmlns:a16="http://schemas.microsoft.com/office/drawing/2014/main" id="{86917B65-8F50-454E-AF7E-D53FE2DE8F04}"/>
               </a:ext>
             </a:extLst>
           </p:cNvPr>
@@ -8597,7 +8767,7 @@
           <p:cNvPr id="58" name="Text Placeholder 2">
             <a:extLst>
               <a:ext uri="{FF2B5EF4-FFF2-40B4-BE49-F238E27FC236}">
-                <a16:creationId xmlns:a16="http://schemas.microsoft.com/office/drawing/2014/main" xmlns="" id="{75065C5E-8027-4266-B6BE-BA117C6F7ACA}"/>
+                <a16:creationId xmlns:a16="http://schemas.microsoft.com/office/drawing/2014/main" id="{75065C5E-8027-4266-B6BE-BA117C6F7ACA}"/>
               </a:ext>
             </a:extLst>
           </p:cNvPr>
@@ -8724,7 +8894,7 @@
           <p:cNvPr id="59" name="Slide Number Placeholder 5">
             <a:extLst>
               <a:ext uri="{FF2B5EF4-FFF2-40B4-BE49-F238E27FC236}">
-                <a16:creationId xmlns:a16="http://schemas.microsoft.com/office/drawing/2014/main" xmlns="" id="{3DEB48E0-328C-45EE-A8BD-90E6AB261082}"/>
+                <a16:creationId xmlns:a16="http://schemas.microsoft.com/office/drawing/2014/main" id="{3DEB48E0-328C-45EE-A8BD-90E6AB261082}"/>
               </a:ext>
             </a:extLst>
           </p:cNvPr>
@@ -8824,7 +8994,7 @@
           <p:cNvPr id="15" name="Rectangle 14">
             <a:extLst>
               <a:ext uri="{FF2B5EF4-FFF2-40B4-BE49-F238E27FC236}">
-                <a16:creationId xmlns:a16="http://schemas.microsoft.com/office/drawing/2014/main" xmlns="" id="{08F64841-5495-4B23-A74E-409C28CB7AC1}"/>
+                <a16:creationId xmlns:a16="http://schemas.microsoft.com/office/drawing/2014/main" id="{08F64841-5495-4B23-A74E-409C28CB7AC1}"/>
               </a:ext>
             </a:extLst>
           </p:cNvPr>
@@ -8883,7 +9053,7 @@
           <p:cNvPr id="2" name="Title 1">
             <a:extLst>
               <a:ext uri="{FF2B5EF4-FFF2-40B4-BE49-F238E27FC236}">
-                <a16:creationId xmlns:a16="http://schemas.microsoft.com/office/drawing/2014/main" xmlns="" id="{004074E6-E39E-4D19-B91F-8E84F37CBF3C}"/>
+                <a16:creationId xmlns:a16="http://schemas.microsoft.com/office/drawing/2014/main" id="{004074E6-E39E-4D19-B91F-8E84F37CBF3C}"/>
               </a:ext>
             </a:extLst>
           </p:cNvPr>
@@ -8926,7 +9096,7 @@
           <p:cNvPr id="3" name="Content Placeholder 2">
             <a:extLst>
               <a:ext uri="{FF2B5EF4-FFF2-40B4-BE49-F238E27FC236}">
-                <a16:creationId xmlns:a16="http://schemas.microsoft.com/office/drawing/2014/main" xmlns="" id="{607D1B16-7058-45AD-9B19-E19CAF96683B}"/>
+                <a16:creationId xmlns:a16="http://schemas.microsoft.com/office/drawing/2014/main" id="{607D1B16-7058-45AD-9B19-E19CAF96683B}"/>
               </a:ext>
             </a:extLst>
           </p:cNvPr>
@@ -9042,7 +9212,7 @@
           <p:cNvPr id="7" name="Text Placeholder 2">
             <a:extLst>
               <a:ext uri="{FF2B5EF4-FFF2-40B4-BE49-F238E27FC236}">
-                <a16:creationId xmlns:a16="http://schemas.microsoft.com/office/drawing/2014/main" xmlns="" id="{6CAAB964-0A56-4842-AA82-7610F726CD14}"/>
+                <a16:creationId xmlns:a16="http://schemas.microsoft.com/office/drawing/2014/main" id="{6CAAB964-0A56-4842-AA82-7610F726CD14}"/>
               </a:ext>
             </a:extLst>
           </p:cNvPr>
@@ -9167,7 +9337,7 @@
           <p:cNvPr id="13" name="Content Placeholder 12">
             <a:extLst>
               <a:ext uri="{FF2B5EF4-FFF2-40B4-BE49-F238E27FC236}">
-                <a16:creationId xmlns:a16="http://schemas.microsoft.com/office/drawing/2014/main" xmlns="" id="{483349C3-B089-45CF-9643-0D25E709663B}"/>
+                <a16:creationId xmlns:a16="http://schemas.microsoft.com/office/drawing/2014/main" id="{483349C3-B089-45CF-9643-0D25E709663B}"/>
               </a:ext>
             </a:extLst>
           </p:cNvPr>
@@ -9206,7 +9376,7 @@
           <p:cNvPr id="16" name="Slide Number Placeholder 5">
             <a:extLst>
               <a:ext uri="{FF2B5EF4-FFF2-40B4-BE49-F238E27FC236}">
-                <a16:creationId xmlns:a16="http://schemas.microsoft.com/office/drawing/2014/main" xmlns="" id="{E7D247BC-E419-4355-8738-B9CE5CA19B5C}"/>
+                <a16:creationId xmlns:a16="http://schemas.microsoft.com/office/drawing/2014/main" id="{E7D247BC-E419-4355-8738-B9CE5CA19B5C}"/>
               </a:ext>
             </a:extLst>
           </p:cNvPr>
@@ -9252,7 +9422,7 @@
           <p:cNvPr id="17" name="Shape 61">
             <a:extLst>
               <a:ext uri="{FF2B5EF4-FFF2-40B4-BE49-F238E27FC236}">
-                <a16:creationId xmlns:a16="http://schemas.microsoft.com/office/drawing/2014/main" xmlns="" id="{649B49FF-0FAA-4E6C-820C-B1F434911FDC}"/>
+                <a16:creationId xmlns:a16="http://schemas.microsoft.com/office/drawing/2014/main" id="{649B49FF-0FAA-4E6C-820C-B1F434911FDC}"/>
               </a:ext>
             </a:extLst>
           </p:cNvPr>
@@ -9272,7 +9442,7 @@
           </a:ln>
           <a:extLst>
             <a:ext uri="{C572A759-6A51-4108-AA02-DFA0A04FC94B}">
-              <ma14:wrappingTextBoxFlag xmlns:ma14="http://schemas.microsoft.com/office/mac/drawingml/2011/main" val="1"/>
+              <ma14:wrappingTextBoxFlag xmlns:ma14="http://schemas.microsoft.com/office/mac/drawingml/2011/main" xmlns="" val="1"/>
             </a:ext>
           </a:extLst>
         </p:spPr>
@@ -9373,7 +9543,7 @@
           <p:cNvPr id="2" name="Title 1">
             <a:extLst>
               <a:ext uri="{FF2B5EF4-FFF2-40B4-BE49-F238E27FC236}">
-                <a16:creationId xmlns:a16="http://schemas.microsoft.com/office/drawing/2014/main" xmlns="" id="{004074E6-E39E-4D19-B91F-8E84F37CBF3C}"/>
+                <a16:creationId xmlns:a16="http://schemas.microsoft.com/office/drawing/2014/main" id="{004074E6-E39E-4D19-B91F-8E84F37CBF3C}"/>
               </a:ext>
             </a:extLst>
           </p:cNvPr>
@@ -9412,7 +9582,7 @@
           <p:cNvPr id="3" name="Content Placeholder 2">
             <a:extLst>
               <a:ext uri="{FF2B5EF4-FFF2-40B4-BE49-F238E27FC236}">
-                <a16:creationId xmlns:a16="http://schemas.microsoft.com/office/drawing/2014/main" xmlns="" id="{607D1B16-7058-45AD-9B19-E19CAF96683B}"/>
+                <a16:creationId xmlns:a16="http://schemas.microsoft.com/office/drawing/2014/main" id="{607D1B16-7058-45AD-9B19-E19CAF96683B}"/>
               </a:ext>
             </a:extLst>
           </p:cNvPr>
@@ -9508,7 +9678,7 @@
           <p:cNvPr id="7" name="Text Placeholder 2">
             <a:extLst>
               <a:ext uri="{FF2B5EF4-FFF2-40B4-BE49-F238E27FC236}">
-                <a16:creationId xmlns:a16="http://schemas.microsoft.com/office/drawing/2014/main" xmlns="" id="{6CAAB964-0A56-4842-AA82-7610F726CD14}"/>
+                <a16:creationId xmlns:a16="http://schemas.microsoft.com/office/drawing/2014/main" id="{6CAAB964-0A56-4842-AA82-7610F726CD14}"/>
               </a:ext>
             </a:extLst>
           </p:cNvPr>
@@ -9635,7 +9805,7 @@
           <p:cNvPr id="9" name="Picture Placeholder 8">
             <a:extLst>
               <a:ext uri="{FF2B5EF4-FFF2-40B4-BE49-F238E27FC236}">
-                <a16:creationId xmlns:a16="http://schemas.microsoft.com/office/drawing/2014/main" xmlns="" id="{186FE9B2-6286-484B-8943-95EE0B6B0267}"/>
+                <a16:creationId xmlns:a16="http://schemas.microsoft.com/office/drawing/2014/main" id="{186FE9B2-6286-484B-8943-95EE0B6B0267}"/>
               </a:ext>
             </a:extLst>
           </p:cNvPr>
@@ -9681,7 +9851,7 @@
           <p:cNvPr id="11" name="Slide Number Placeholder 5">
             <a:extLst>
               <a:ext uri="{FF2B5EF4-FFF2-40B4-BE49-F238E27FC236}">
-                <a16:creationId xmlns:a16="http://schemas.microsoft.com/office/drawing/2014/main" xmlns="" id="{7D4E8708-8565-4A5B-9D9E-1D4F40EAF909}"/>
+                <a16:creationId xmlns:a16="http://schemas.microsoft.com/office/drawing/2014/main" id="{7D4E8708-8565-4A5B-9D9E-1D4F40EAF909}"/>
               </a:ext>
             </a:extLst>
           </p:cNvPr>
@@ -9765,7 +9935,7 @@
           <p:cNvPr id="5" name="Text Placeholder 2">
             <a:extLst>
               <a:ext uri="{FF2B5EF4-FFF2-40B4-BE49-F238E27FC236}">
-                <a16:creationId xmlns:a16="http://schemas.microsoft.com/office/drawing/2014/main" xmlns="" id="{40849B93-E2CE-4654-9EC7-7DFA141A5500}"/>
+                <a16:creationId xmlns:a16="http://schemas.microsoft.com/office/drawing/2014/main" id="{40849B93-E2CE-4654-9EC7-7DFA141A5500}"/>
               </a:ext>
             </a:extLst>
           </p:cNvPr>
@@ -9891,7 +10061,7 @@
           <p:cNvPr id="7" name="Rectangle 6">
             <a:extLst>
               <a:ext uri="{FF2B5EF4-FFF2-40B4-BE49-F238E27FC236}">
-                <a16:creationId xmlns:a16="http://schemas.microsoft.com/office/drawing/2014/main" xmlns="" id="{E7E94348-3BFC-4B39-9C3B-628E777B98F4}"/>
+                <a16:creationId xmlns:a16="http://schemas.microsoft.com/office/drawing/2014/main" id="{E7E94348-3BFC-4B39-9C3B-628E777B98F4}"/>
               </a:ext>
             </a:extLst>
           </p:cNvPr>
@@ -10043,7 +10213,7 @@
           <p:cNvPr id="4" name="Title 1">
             <a:extLst>
               <a:ext uri="{FF2B5EF4-FFF2-40B4-BE49-F238E27FC236}">
-                <a16:creationId xmlns:a16="http://schemas.microsoft.com/office/drawing/2014/main" xmlns="" id="{01219AD9-34B1-4C27-8648-E7D7C69C07F9}"/>
+                <a16:creationId xmlns:a16="http://schemas.microsoft.com/office/drawing/2014/main" id="{01219AD9-34B1-4C27-8648-E7D7C69C07F9}"/>
               </a:ext>
             </a:extLst>
           </p:cNvPr>
@@ -10121,7 +10291,7 @@
           <p:cNvPr id="7" name="Rectangle 6">
             <a:extLst>
               <a:ext uri="{FF2B5EF4-FFF2-40B4-BE49-F238E27FC236}">
-                <a16:creationId xmlns:a16="http://schemas.microsoft.com/office/drawing/2014/main" xmlns="" id="{9AB66B20-A484-4A16-A015-2118F9AF2101}"/>
+                <a16:creationId xmlns:a16="http://schemas.microsoft.com/office/drawing/2014/main" id="{9AB66B20-A484-4A16-A015-2118F9AF2101}"/>
               </a:ext>
             </a:extLst>
           </p:cNvPr>
@@ -10253,7 +10423,7 @@
           <p:cNvPr id="3" name="Text Placeholder 2">
             <a:extLst>
               <a:ext uri="{FF2B5EF4-FFF2-40B4-BE49-F238E27FC236}">
-                <a16:creationId xmlns:a16="http://schemas.microsoft.com/office/drawing/2014/main" xmlns="" id="{893C356F-E483-4AFD-856C-13BB8E8A5605}"/>
+                <a16:creationId xmlns:a16="http://schemas.microsoft.com/office/drawing/2014/main" id="{893C356F-E483-4AFD-856C-13BB8E8A5605}"/>
               </a:ext>
             </a:extLst>
           </p:cNvPr>
@@ -10381,7 +10551,7 @@
           <p:cNvPr id="5" name="Footer Placeholder 4">
             <a:extLst>
               <a:ext uri="{FF2B5EF4-FFF2-40B4-BE49-F238E27FC236}">
-                <a16:creationId xmlns:a16="http://schemas.microsoft.com/office/drawing/2014/main" xmlns="" id="{BC79732E-D749-40DD-8365-05028518765D}"/>
+                <a16:creationId xmlns:a16="http://schemas.microsoft.com/office/drawing/2014/main" id="{BC79732E-D749-40DD-8365-05028518765D}"/>
               </a:ext>
             </a:extLst>
           </p:cNvPr>
@@ -10409,7 +10579,7 @@
           <p:cNvPr id="6" name="Slide Number Placeholder 5">
             <a:extLst>
               <a:ext uri="{FF2B5EF4-FFF2-40B4-BE49-F238E27FC236}">
-                <a16:creationId xmlns:a16="http://schemas.microsoft.com/office/drawing/2014/main" xmlns="" id="{88F55E23-C4CC-4E9B-80F4-C4BEA6E2DD84}"/>
+                <a16:creationId xmlns:a16="http://schemas.microsoft.com/office/drawing/2014/main" id="{88F55E23-C4CC-4E9B-80F4-C4BEA6E2DD84}"/>
               </a:ext>
             </a:extLst>
           </p:cNvPr>
@@ -10438,7 +10608,7 @@
           <p:cNvPr id="8" name="Title 1">
             <a:extLst>
               <a:ext uri="{FF2B5EF4-FFF2-40B4-BE49-F238E27FC236}">
-                <a16:creationId xmlns:a16="http://schemas.microsoft.com/office/drawing/2014/main" xmlns="" id="{AABA725B-4BCB-1D48-9C5D-46706B18719E}"/>
+                <a16:creationId xmlns:a16="http://schemas.microsoft.com/office/drawing/2014/main" id="{AABA725B-4BCB-1D48-9C5D-46706B18719E}"/>
               </a:ext>
             </a:extLst>
           </p:cNvPr>
@@ -10523,7 +10693,7 @@
           <p:cNvPr id="2" name="Title Placeholder 1">
             <a:extLst>
               <a:ext uri="{FF2B5EF4-FFF2-40B4-BE49-F238E27FC236}">
-                <a16:creationId xmlns:a16="http://schemas.microsoft.com/office/drawing/2014/main" xmlns="" id="{9305F96C-D634-4A69-95EC-3D002BD68752}"/>
+                <a16:creationId xmlns:a16="http://schemas.microsoft.com/office/drawing/2014/main" id="{9305F96C-D634-4A69-95EC-3D002BD68752}"/>
               </a:ext>
             </a:extLst>
           </p:cNvPr>
@@ -10562,7 +10732,7 @@
           <p:cNvPr id="3" name="Text Placeholder 2">
             <a:extLst>
               <a:ext uri="{FF2B5EF4-FFF2-40B4-BE49-F238E27FC236}">
-                <a16:creationId xmlns:a16="http://schemas.microsoft.com/office/drawing/2014/main" xmlns="" id="{37757E98-D0FB-43E3-98BC-711F6A2F5372}"/>
+                <a16:creationId xmlns:a16="http://schemas.microsoft.com/office/drawing/2014/main" id="{37757E98-D0FB-43E3-98BC-711F6A2F5372}"/>
               </a:ext>
             </a:extLst>
           </p:cNvPr>
@@ -10629,7 +10799,7 @@
           <p:cNvPr id="5" name="Footer Placeholder 4">
             <a:extLst>
               <a:ext uri="{FF2B5EF4-FFF2-40B4-BE49-F238E27FC236}">
-                <a16:creationId xmlns:a16="http://schemas.microsoft.com/office/drawing/2014/main" xmlns="" id="{BFA65B72-2E86-4BA3-94F2-3ADFA40B7AEE}"/>
+                <a16:creationId xmlns:a16="http://schemas.microsoft.com/office/drawing/2014/main" id="{BFA65B72-2E86-4BA3-94F2-3ADFA40B7AEE}"/>
               </a:ext>
             </a:extLst>
           </p:cNvPr>
@@ -10675,7 +10845,7 @@
           <p:cNvPr id="6" name="Slide Number Placeholder 5">
             <a:extLst>
               <a:ext uri="{FF2B5EF4-FFF2-40B4-BE49-F238E27FC236}">
-                <a16:creationId xmlns:a16="http://schemas.microsoft.com/office/drawing/2014/main" xmlns="" id="{73C1F3FD-3DB9-46B7-85E1-E8B8878A4012}"/>
+                <a16:creationId xmlns:a16="http://schemas.microsoft.com/office/drawing/2014/main" id="{73C1F3FD-3DB9-46B7-85E1-E8B8878A4012}"/>
               </a:ext>
             </a:extLst>
           </p:cNvPr>
@@ -10722,7 +10892,7 @@
           <p:cNvPr id="7" name="Shape 61">
             <a:extLst>
               <a:ext uri="{FF2B5EF4-FFF2-40B4-BE49-F238E27FC236}">
-                <a16:creationId xmlns:a16="http://schemas.microsoft.com/office/drawing/2014/main" xmlns="" id="{0A2ACE11-44E0-44ED-AA10-CB0B57204E89}"/>
+                <a16:creationId xmlns:a16="http://schemas.microsoft.com/office/drawing/2014/main" id="{0A2ACE11-44E0-44ED-AA10-CB0B57204E89}"/>
               </a:ext>
             </a:extLst>
           </p:cNvPr>
@@ -10742,7 +10912,7 @@
           </a:ln>
           <a:extLst>
             <a:ext uri="{C572A759-6A51-4108-AA02-DFA0A04FC94B}">
-              <ma14:wrappingTextBoxFlag xmlns:ma14="http://schemas.microsoft.com/office/mac/drawingml/2011/main" val="1"/>
+              <ma14:wrappingTextBoxFlag xmlns:ma14="http://schemas.microsoft.com/office/mac/drawingml/2011/main" xmlns="" val="1"/>
             </a:ext>
           </a:extLst>
         </p:spPr>
@@ -11117,7 +11287,7 @@
           <p:cNvPr id="7" name="Picture Placeholder 6" descr="Abstract Coding&#10;">
             <a:extLst>
               <a:ext uri="{FF2B5EF4-FFF2-40B4-BE49-F238E27FC236}">
-                <a16:creationId xmlns:a16="http://schemas.microsoft.com/office/drawing/2014/main" xmlns="" id="{5F76566E-36EF-4E0C-8563-ABC2D25923BA}"/>
+                <a16:creationId xmlns:a16="http://schemas.microsoft.com/office/drawing/2014/main" id="{5F76566E-36EF-4E0C-8563-ABC2D25923BA}"/>
               </a:ext>
             </a:extLst>
           </p:cNvPr>
@@ -11148,10 +11318,10 @@
           <p:cNvPr id="14" name="Rectangle 13">
             <a:extLst>
               <a:ext uri="{FF2B5EF4-FFF2-40B4-BE49-F238E27FC236}">
-                <a16:creationId xmlns:a16="http://schemas.microsoft.com/office/drawing/2014/main" xmlns="" id="{D687D26E-D67A-4318-AAB1-DCEAA89EEB21}"/>
+                <a16:creationId xmlns:a16="http://schemas.microsoft.com/office/drawing/2014/main" id="{D687D26E-D67A-4318-AAB1-DCEAA89EEB21}"/>
               </a:ext>
               <a:ext uri="{C183D7F6-B498-43B3-948B-1728B52AA6E4}">
-                <adec:decorative xmlns="" xmlns:adec="http://schemas.microsoft.com/office/drawing/2017/decorative" val="1"/>
+                <adec:decorative xmlns:adec="http://schemas.microsoft.com/office/drawing/2017/decorative" xmlns="" val="1"/>
               </a:ext>
             </a:extLst>
           </p:cNvPr>
@@ -11292,7 +11462,7 @@
           <p:cNvPr id="3" name="Title 2">
             <a:extLst>
               <a:ext uri="{FF2B5EF4-FFF2-40B4-BE49-F238E27FC236}">
-                <a16:creationId xmlns:a16="http://schemas.microsoft.com/office/drawing/2014/main" xmlns="" id="{1D24B42B-925B-494C-A986-BD85E8117E1E}"/>
+                <a16:creationId xmlns:a16="http://schemas.microsoft.com/office/drawing/2014/main" id="{1D24B42B-925B-494C-A986-BD85E8117E1E}"/>
               </a:ext>
             </a:extLst>
           </p:cNvPr>
@@ -11334,7 +11504,7 @@
           <p:cNvPr id="2094" name="Slide Number Placeholder 2093">
             <a:extLst>
               <a:ext uri="{FF2B5EF4-FFF2-40B4-BE49-F238E27FC236}">
-                <a16:creationId xmlns:a16="http://schemas.microsoft.com/office/drawing/2014/main" xmlns="" id="{5DA62994-769D-4C19-BB0A-5144E0A5CFCD}"/>
+                <a16:creationId xmlns:a16="http://schemas.microsoft.com/office/drawing/2014/main" id="{5DA62994-769D-4C19-BB0A-5144E0A5CFCD}"/>
               </a:ext>
             </a:extLst>
           </p:cNvPr>
@@ -11477,15 +11647,6 @@
               </a:rPr>
               <a:t>:</a:t>
             </a:r>
-            <a:endParaRPr lang="en-US" sz="2800" dirty="0" smtClean="0">
-              <a:solidFill>
-                <a:schemeClr val="bg2">
-                  <a:lumMod val="25000"/>
-                </a:schemeClr>
-              </a:solidFill>
-              <a:latin typeface="Arial" panose="020B0604020202020204" pitchFamily="34" charset="0"/>
-              <a:cs typeface="Arial" panose="020B0604020202020204" pitchFamily="34" charset="0"/>
-            </a:endParaRPr>
           </a:p>
           <a:p>
             <a:r>
@@ -11522,19 +11683,7 @@
                 <a:latin typeface="Arial" panose="020B0604020202020204" pitchFamily="34" charset="0"/>
                 <a:cs typeface="Arial" panose="020B0604020202020204" pitchFamily="34" charset="0"/>
               </a:rPr>
-              <a:t> </a:t>
-            </a:r>
-            <a:r>
-              <a:rPr lang="en-US" sz="2800" dirty="0" smtClean="0">
-                <a:solidFill>
-                  <a:schemeClr val="bg2">
-                    <a:lumMod val="25000"/>
-                  </a:schemeClr>
-                </a:solidFill>
-                <a:latin typeface="Arial" panose="020B0604020202020204" pitchFamily="34" charset="0"/>
-                <a:cs typeface="Arial" panose="020B0604020202020204" pitchFamily="34" charset="0"/>
-              </a:rPr>
-              <a:t>Đại Hiệp</a:t>
+              <a:t> Đại Hiệp</a:t>
             </a:r>
           </a:p>
         </p:txBody>
@@ -11653,19 +11802,7 @@
                 <a:latin typeface="Arial" panose="020B0604020202020204" pitchFamily="34" charset="0"/>
                 <a:cs typeface="Arial" panose="020B0604020202020204" pitchFamily="34" charset="0"/>
               </a:rPr>
-              <a:t>	</a:t>
-            </a:r>
-            <a:r>
-              <a:rPr lang="en-US" sz="2800" dirty="0" smtClean="0">
-                <a:solidFill>
-                  <a:schemeClr val="bg2">
-                    <a:lumMod val="25000"/>
-                  </a:schemeClr>
-                </a:solidFill>
-                <a:latin typeface="Arial" panose="020B0604020202020204" pitchFamily="34" charset="0"/>
-                <a:cs typeface="Arial" panose="020B0604020202020204" pitchFamily="34" charset="0"/>
-              </a:rPr>
-              <a:t>TS. </a:t>
+              <a:t>	TS. </a:t>
             </a:r>
             <a:r>
               <a:rPr lang="en-US" sz="2800" dirty="0" err="1" smtClean="0">
@@ -11758,6 +11895,739 @@
         <p:cTn id="1" dur="indefinite" restart="never" nodeType="tmRoot"/>
       </p:par>
     </p:tnLst>
+  </p:timing>
+</p:sld>
+</file>
+
+<file path=ppt/slides/slide10.xml><?xml version="1.0" encoding="utf-8"?>
+<p:sld xmlns:a="http://schemas.openxmlformats.org/drawingml/2006/main" xmlns:r="http://schemas.openxmlformats.org/officeDocument/2006/relationships" xmlns:p="http://schemas.openxmlformats.org/presentationml/2006/main">
+  <p:cSld>
+    <p:spTree>
+      <p:nvGrpSpPr>
+        <p:cNvPr id="1" name=""/>
+        <p:cNvGrpSpPr/>
+        <p:nvPr/>
+      </p:nvGrpSpPr>
+      <p:grpSpPr>
+        <a:xfrm>
+          <a:off x="0" y="0"/>
+          <a:ext cx="0" cy="0"/>
+          <a:chOff x="0" y="0"/>
+          <a:chExt cx="0" cy="0"/>
+        </a:xfrm>
+      </p:grpSpPr>
+      <p:sp>
+        <p:nvSpPr>
+          <p:cNvPr id="4" name="TextBox 3">
+            <a:extLst>
+              <a:ext uri="{FF2B5EF4-FFF2-40B4-BE49-F238E27FC236}">
+                <a16:creationId xmlns:a16="http://schemas.microsoft.com/office/drawing/2014/main" id="{BE8AA9BD-5B28-4BB1-803B-54BB6E1B0DE1}"/>
+              </a:ext>
+            </a:extLst>
+          </p:cNvPr>
+          <p:cNvSpPr txBox="1"/>
+          <p:nvPr/>
+        </p:nvSpPr>
+        <p:spPr>
+          <a:xfrm>
+            <a:off x="1599687" y="3240129"/>
+            <a:ext cx="8992508" cy="2123658"/>
+          </a:xfrm>
+          <a:prstGeom prst="rect">
+            <a:avLst/>
+          </a:prstGeom>
+          <a:noFill/>
+        </p:spPr>
+        <p:txBody>
+          <a:bodyPr wrap="square" rtlCol="0">
+            <a:spAutoFit/>
+          </a:bodyPr>
+          <a:lstStyle/>
+          <a:p>
+            <a:pPr algn="ctr"/>
+            <a:r>
+              <a:rPr lang="en-US" sz="4400" b="1" dirty="0">
+                <a:solidFill>
+                  <a:schemeClr val="bg1">
+                    <a:lumMod val="65000"/>
+                  </a:schemeClr>
+                </a:solidFill>
+                <a:latin typeface="Tw Cen MT" panose="020B0602020104020603" pitchFamily="34" charset="0"/>
+              </a:rPr>
+              <a:t>T H A N K </a:t>
+            </a:r>
+            <a:r>
+              <a:rPr lang="en-US" sz="4400" b="1" dirty="0" smtClean="0">
+                <a:solidFill>
+                  <a:schemeClr val="bg1">
+                    <a:lumMod val="65000"/>
+                  </a:schemeClr>
+                </a:solidFill>
+                <a:latin typeface="Tw Cen MT" panose="020B0602020104020603" pitchFamily="34" charset="0"/>
+              </a:rPr>
+              <a:t>S</a:t>
+            </a:r>
+          </a:p>
+          <a:p>
+            <a:pPr algn="ctr"/>
+            <a:r>
+              <a:rPr lang="en-US" sz="4400" b="1" dirty="0" smtClean="0">
+                <a:solidFill>
+                  <a:schemeClr val="bg1">
+                    <a:lumMod val="65000"/>
+                  </a:schemeClr>
+                </a:solidFill>
+                <a:latin typeface="Tw Cen MT" panose="020B0602020104020603" pitchFamily="34" charset="0"/>
+              </a:rPr>
+              <a:t>F </a:t>
+            </a:r>
+            <a:r>
+              <a:rPr lang="en-US" sz="4400" b="1" dirty="0">
+                <a:solidFill>
+                  <a:schemeClr val="bg1">
+                    <a:lumMod val="65000"/>
+                  </a:schemeClr>
+                </a:solidFill>
+                <a:latin typeface="Tw Cen MT" panose="020B0602020104020603" pitchFamily="34" charset="0"/>
+              </a:rPr>
+              <a:t>O </a:t>
+            </a:r>
+            <a:r>
+              <a:rPr lang="en-US" sz="4400" b="1" dirty="0" smtClean="0">
+                <a:solidFill>
+                  <a:schemeClr val="bg1">
+                    <a:lumMod val="65000"/>
+                  </a:schemeClr>
+                </a:solidFill>
+                <a:latin typeface="Tw Cen MT" panose="020B0602020104020603" pitchFamily="34" charset="0"/>
+              </a:rPr>
+              <a:t>R</a:t>
+            </a:r>
+          </a:p>
+          <a:p>
+            <a:pPr algn="ctr"/>
+            <a:r>
+              <a:rPr lang="en-US" sz="4400" b="1" dirty="0" smtClean="0">
+                <a:solidFill>
+                  <a:schemeClr val="bg1">
+                    <a:lumMod val="65000"/>
+                  </a:schemeClr>
+                </a:solidFill>
+                <a:latin typeface="Tw Cen MT" panose="020B0602020104020603" pitchFamily="34" charset="0"/>
+              </a:rPr>
+              <a:t>W </a:t>
+            </a:r>
+            <a:r>
+              <a:rPr lang="en-US" sz="4400" b="1" dirty="0">
+                <a:solidFill>
+                  <a:schemeClr val="bg1">
+                    <a:lumMod val="65000"/>
+                  </a:schemeClr>
+                </a:solidFill>
+                <a:latin typeface="Tw Cen MT" panose="020B0602020104020603" pitchFamily="34" charset="0"/>
+              </a:rPr>
+              <a:t>A T C H I N G</a:t>
+            </a:r>
+          </a:p>
+        </p:txBody>
+      </p:sp>
+      <p:pic>
+        <p:nvPicPr>
+          <p:cNvPr id="3" name="Picture 2">
+            <a:extLst>
+              <a:ext uri="{FF2B5EF4-FFF2-40B4-BE49-F238E27FC236}">
+                <a16:creationId xmlns:a16="http://schemas.microsoft.com/office/drawing/2014/main" id="{50AD5817-10C9-4E0E-A247-63D6F743F821}"/>
+              </a:ext>
+            </a:extLst>
+          </p:cNvPr>
+          <p:cNvPicPr>
+            <a:picLocks noChangeAspect="1"/>
+          </p:cNvPicPr>
+          <p:nvPr/>
+        </p:nvPicPr>
+        <p:blipFill>
+          <a:blip r:embed="rId2" cstate="print">
+            <a:extLst>
+              <a:ext uri="{28A0092B-C50C-407E-A947-70E740481C1C}">
+                <a14:useLocalDpi xmlns:a14="http://schemas.microsoft.com/office/drawing/2010/main" val="0"/>
+              </a:ext>
+            </a:extLst>
+          </a:blip>
+          <a:stretch>
+            <a:fillRect/>
+          </a:stretch>
+        </p:blipFill>
+        <p:spPr>
+          <a:xfrm>
+            <a:off x="5473889" y="1624457"/>
+            <a:ext cx="1244104" cy="1244104"/>
+          </a:xfrm>
+          <a:prstGeom prst="rect">
+            <a:avLst/>
+          </a:prstGeom>
+        </p:spPr>
+      </p:pic>
+      <p:grpSp>
+        <p:nvGrpSpPr>
+          <p:cNvPr id="24" name="Group 23">
+            <a:extLst>
+              <a:ext uri="{FF2B5EF4-FFF2-40B4-BE49-F238E27FC236}">
+                <a16:creationId xmlns:a16="http://schemas.microsoft.com/office/drawing/2014/main" id="{7D884BCA-1978-49CC-8588-5399D7CABDE7}"/>
+              </a:ext>
+            </a:extLst>
+          </p:cNvPr>
+          <p:cNvGrpSpPr/>
+          <p:nvPr/>
+        </p:nvGrpSpPr>
+        <p:grpSpPr>
+          <a:xfrm>
+            <a:off x="5378696" y="5735355"/>
+            <a:ext cx="1434489" cy="190500"/>
+            <a:chOff x="4679586" y="878988"/>
+            <a:chExt cx="1434489" cy="190500"/>
+          </a:xfrm>
+        </p:grpSpPr>
+        <p:sp>
+          <p:nvSpPr>
+            <p:cNvPr id="25" name="Oval 24">
+              <a:extLst>
+                <a:ext uri="{FF2B5EF4-FFF2-40B4-BE49-F238E27FC236}">
+                  <a16:creationId xmlns:a16="http://schemas.microsoft.com/office/drawing/2014/main" id="{3701A590-ABA9-4BD2-BD64-376A4C227798}"/>
+                </a:ext>
+              </a:extLst>
+            </p:cNvPr>
+            <p:cNvSpPr/>
+            <p:nvPr/>
+          </p:nvSpPr>
+          <p:spPr>
+            <a:xfrm>
+              <a:off x="4679586" y="878988"/>
+              <a:ext cx="190500" cy="190500"/>
+            </a:xfrm>
+            <a:prstGeom prst="ellipse">
+              <a:avLst/>
+            </a:prstGeom>
+            <a:solidFill>
+              <a:srgbClr val="03A1A4"/>
+            </a:solidFill>
+            <a:ln>
+              <a:noFill/>
+            </a:ln>
+          </p:spPr>
+          <p:style>
+            <a:lnRef idx="2">
+              <a:schemeClr val="accent1">
+                <a:shade val="50000"/>
+              </a:schemeClr>
+            </a:lnRef>
+            <a:fillRef idx="1">
+              <a:schemeClr val="accent1"/>
+            </a:fillRef>
+            <a:effectRef idx="0">
+              <a:schemeClr val="accent1"/>
+            </a:effectRef>
+            <a:fontRef idx="minor">
+              <a:schemeClr val="lt1"/>
+            </a:fontRef>
+          </p:style>
+          <p:txBody>
+            <a:bodyPr rtlCol="0" anchor="ctr"/>
+            <a:lstStyle/>
+            <a:p>
+              <a:pPr algn="ctr"/>
+              <a:endParaRPr lang="en-US">
+                <a:latin typeface="Arial" panose="020B0604020202020204" pitchFamily="34" charset="0"/>
+                <a:cs typeface="Arial" panose="020B0604020202020204" pitchFamily="34" charset="0"/>
+              </a:endParaRPr>
+            </a:p>
+          </p:txBody>
+        </p:sp>
+        <p:sp>
+          <p:nvSpPr>
+            <p:cNvPr id="26" name="Oval 25">
+              <a:extLst>
+                <a:ext uri="{FF2B5EF4-FFF2-40B4-BE49-F238E27FC236}">
+                  <a16:creationId xmlns:a16="http://schemas.microsoft.com/office/drawing/2014/main" id="{3E53B434-A2A6-4C16-99DD-292CE4FD62C4}"/>
+                </a:ext>
+              </a:extLst>
+            </p:cNvPr>
+            <p:cNvSpPr/>
+            <p:nvPr/>
+          </p:nvSpPr>
+          <p:spPr>
+            <a:xfrm>
+              <a:off x="4990736" y="878988"/>
+              <a:ext cx="190500" cy="190500"/>
+            </a:xfrm>
+            <a:prstGeom prst="ellipse">
+              <a:avLst/>
+            </a:prstGeom>
+            <a:solidFill>
+              <a:srgbClr val="EE9524"/>
+            </a:solidFill>
+            <a:ln>
+              <a:noFill/>
+            </a:ln>
+          </p:spPr>
+          <p:style>
+            <a:lnRef idx="2">
+              <a:schemeClr val="accent1">
+                <a:shade val="50000"/>
+              </a:schemeClr>
+            </a:lnRef>
+            <a:fillRef idx="1">
+              <a:schemeClr val="accent1"/>
+            </a:fillRef>
+            <a:effectRef idx="0">
+              <a:schemeClr val="accent1"/>
+            </a:effectRef>
+            <a:fontRef idx="minor">
+              <a:schemeClr val="lt1"/>
+            </a:fontRef>
+          </p:style>
+          <p:txBody>
+            <a:bodyPr rtlCol="0" anchor="ctr"/>
+            <a:lstStyle/>
+            <a:p>
+              <a:pPr algn="ctr"/>
+              <a:endParaRPr lang="en-US">
+                <a:latin typeface="Arial" panose="020B0604020202020204" pitchFamily="34" charset="0"/>
+                <a:cs typeface="Arial" panose="020B0604020202020204" pitchFamily="34" charset="0"/>
+              </a:endParaRPr>
+            </a:p>
+          </p:txBody>
+        </p:sp>
+        <p:sp>
+          <p:nvSpPr>
+            <p:cNvPr id="27" name="Oval 26">
+              <a:extLst>
+                <a:ext uri="{FF2B5EF4-FFF2-40B4-BE49-F238E27FC236}">
+                  <a16:creationId xmlns:a16="http://schemas.microsoft.com/office/drawing/2014/main" id="{F3E5BC96-17A2-4BD5-BA51-10270687E851}"/>
+                </a:ext>
+              </a:extLst>
+            </p:cNvPr>
+            <p:cNvSpPr/>
+            <p:nvPr/>
+          </p:nvSpPr>
+          <p:spPr>
+            <a:xfrm>
+              <a:off x="5301522" y="878988"/>
+              <a:ext cx="190500" cy="190500"/>
+            </a:xfrm>
+            <a:prstGeom prst="ellipse">
+              <a:avLst/>
+            </a:prstGeom>
+            <a:solidFill>
+              <a:srgbClr val="EF3078"/>
+            </a:solidFill>
+            <a:ln>
+              <a:noFill/>
+            </a:ln>
+          </p:spPr>
+          <p:style>
+            <a:lnRef idx="2">
+              <a:schemeClr val="accent1">
+                <a:shade val="50000"/>
+              </a:schemeClr>
+            </a:lnRef>
+            <a:fillRef idx="1">
+              <a:schemeClr val="accent1"/>
+            </a:fillRef>
+            <a:effectRef idx="0">
+              <a:schemeClr val="accent1"/>
+            </a:effectRef>
+            <a:fontRef idx="minor">
+              <a:schemeClr val="lt1"/>
+            </a:fontRef>
+          </p:style>
+          <p:txBody>
+            <a:bodyPr rtlCol="0" anchor="ctr"/>
+            <a:lstStyle/>
+            <a:p>
+              <a:pPr algn="ctr"/>
+              <a:endParaRPr lang="en-US">
+                <a:latin typeface="Arial" panose="020B0604020202020204" pitchFamily="34" charset="0"/>
+                <a:cs typeface="Arial" panose="020B0604020202020204" pitchFamily="34" charset="0"/>
+              </a:endParaRPr>
+            </a:p>
+          </p:txBody>
+        </p:sp>
+        <p:sp>
+          <p:nvSpPr>
+            <p:cNvPr id="28" name="Oval 27">
+              <a:extLst>
+                <a:ext uri="{FF2B5EF4-FFF2-40B4-BE49-F238E27FC236}">
+                  <a16:creationId xmlns:a16="http://schemas.microsoft.com/office/drawing/2014/main" id="{1A06ACCC-548D-4873-BD3B-AD3CA2C095B0}"/>
+                </a:ext>
+              </a:extLst>
+            </p:cNvPr>
+            <p:cNvSpPr/>
+            <p:nvPr/>
+          </p:nvSpPr>
+          <p:spPr>
+            <a:xfrm>
+              <a:off x="5612308" y="878988"/>
+              <a:ext cx="190500" cy="190500"/>
+            </a:xfrm>
+            <a:prstGeom prst="ellipse">
+              <a:avLst/>
+            </a:prstGeom>
+            <a:solidFill>
+              <a:srgbClr val="1C7CBB"/>
+            </a:solidFill>
+            <a:ln>
+              <a:noFill/>
+            </a:ln>
+          </p:spPr>
+          <p:style>
+            <a:lnRef idx="2">
+              <a:schemeClr val="accent1">
+                <a:shade val="50000"/>
+              </a:schemeClr>
+            </a:lnRef>
+            <a:fillRef idx="1">
+              <a:schemeClr val="accent1"/>
+            </a:fillRef>
+            <a:effectRef idx="0">
+              <a:schemeClr val="accent1"/>
+            </a:effectRef>
+            <a:fontRef idx="minor">
+              <a:schemeClr val="lt1"/>
+            </a:fontRef>
+          </p:style>
+          <p:txBody>
+            <a:bodyPr rtlCol="0" anchor="ctr"/>
+            <a:lstStyle/>
+            <a:p>
+              <a:pPr algn="ctr"/>
+              <a:endParaRPr lang="en-US">
+                <a:latin typeface="Arial" panose="020B0604020202020204" pitchFamily="34" charset="0"/>
+                <a:cs typeface="Arial" panose="020B0604020202020204" pitchFamily="34" charset="0"/>
+              </a:endParaRPr>
+            </a:p>
+          </p:txBody>
+        </p:sp>
+        <p:sp>
+          <p:nvSpPr>
+            <p:cNvPr id="29" name="Oval 28">
+              <a:extLst>
+                <a:ext uri="{FF2B5EF4-FFF2-40B4-BE49-F238E27FC236}">
+                  <a16:creationId xmlns:a16="http://schemas.microsoft.com/office/drawing/2014/main" id="{7CBDE4C1-DAF9-476F-B807-27BE954F6C82}"/>
+                </a:ext>
+              </a:extLst>
+            </p:cNvPr>
+            <p:cNvSpPr/>
+            <p:nvPr/>
+          </p:nvSpPr>
+          <p:spPr>
+            <a:xfrm>
+              <a:off x="5923575" y="878988"/>
+              <a:ext cx="190500" cy="190500"/>
+            </a:xfrm>
+            <a:prstGeom prst="ellipse">
+              <a:avLst/>
+            </a:prstGeom>
+            <a:solidFill>
+              <a:schemeClr val="accent6">
+                <a:lumMod val="50000"/>
+              </a:schemeClr>
+            </a:solidFill>
+            <a:ln>
+              <a:noFill/>
+            </a:ln>
+          </p:spPr>
+          <p:style>
+            <a:lnRef idx="2">
+              <a:schemeClr val="accent1">
+                <a:shade val="50000"/>
+              </a:schemeClr>
+            </a:lnRef>
+            <a:fillRef idx="1">
+              <a:schemeClr val="accent1"/>
+            </a:fillRef>
+            <a:effectRef idx="0">
+              <a:schemeClr val="accent1"/>
+            </a:effectRef>
+            <a:fontRef idx="minor">
+              <a:schemeClr val="lt1"/>
+            </a:fontRef>
+          </p:style>
+          <p:txBody>
+            <a:bodyPr rtlCol="0" anchor="ctr"/>
+            <a:lstStyle/>
+            <a:p>
+              <a:pPr algn="ctr"/>
+              <a:endParaRPr lang="en-US">
+                <a:latin typeface="Arial" panose="020B0604020202020204" pitchFamily="34" charset="0"/>
+                <a:cs typeface="Arial" panose="020B0604020202020204" pitchFamily="34" charset="0"/>
+              </a:endParaRPr>
+            </a:p>
+          </p:txBody>
+        </p:sp>
+      </p:grpSp>
+    </p:spTree>
+    <p:extLst>
+      <p:ext uri="{BB962C8B-B14F-4D97-AF65-F5344CB8AC3E}">
+        <p14:creationId xmlns:p14="http://schemas.microsoft.com/office/powerpoint/2010/main" val="1120406092"/>
+      </p:ext>
+    </p:extLst>
+  </p:cSld>
+  <p:clrMapOvr>
+    <a:masterClrMapping/>
+  </p:clrMapOvr>
+  <p:transition spd="slow">
+    <p:blinds dir="vert"/>
+  </p:transition>
+  <p:timing>
+    <p:tnLst>
+      <p:par>
+        <p:cTn id="1" dur="indefinite" restart="never" nodeType="tmRoot">
+          <p:childTnLst>
+            <p:seq concurrent="1" nextAc="seek">
+              <p:cTn id="2" dur="indefinite" nodeType="mainSeq">
+                <p:childTnLst>
+                  <p:par>
+                    <p:cTn id="3" fill="hold">
+                      <p:stCondLst>
+                        <p:cond delay="indefinite"/>
+                        <p:cond evt="onBegin" delay="0">
+                          <p:tn val="2"/>
+                        </p:cond>
+                      </p:stCondLst>
+                      <p:childTnLst>
+                        <p:par>
+                          <p:cTn id="4" fill="hold">
+                            <p:stCondLst>
+                              <p:cond delay="0"/>
+                            </p:stCondLst>
+                            <p:childTnLst>
+                              <p:par>
+                                <p:cTn id="5" presetID="47" presetClass="entr" presetSubtype="0" fill="hold" nodeType="withEffect">
+                                  <p:stCondLst>
+                                    <p:cond delay="0"/>
+                                  </p:stCondLst>
+                                  <p:childTnLst>
+                                    <p:set>
+                                      <p:cBhvr>
+                                        <p:cTn id="6" dur="1" fill="hold">
+                                          <p:stCondLst>
+                                            <p:cond delay="0"/>
+                                          </p:stCondLst>
+                                        </p:cTn>
+                                        <p:tgtEl>
+                                          <p:spTgt spid="3"/>
+                                        </p:tgtEl>
+                                        <p:attrNameLst>
+                                          <p:attrName>style.visibility</p:attrName>
+                                        </p:attrNameLst>
+                                      </p:cBhvr>
+                                      <p:to>
+                                        <p:strVal val="visible"/>
+                                      </p:to>
+                                    </p:set>
+                                    <p:animEffect transition="in" filter="fade">
+                                      <p:cBhvr>
+                                        <p:cTn id="7" dur="1000"/>
+                                        <p:tgtEl>
+                                          <p:spTgt spid="3"/>
+                                        </p:tgtEl>
+                                      </p:cBhvr>
+                                    </p:animEffect>
+                                    <p:anim calcmode="lin" valueType="num">
+                                      <p:cBhvr>
+                                        <p:cTn id="8" dur="1000" fill="hold"/>
+                                        <p:tgtEl>
+                                          <p:spTgt spid="3"/>
+                                        </p:tgtEl>
+                                        <p:attrNameLst>
+                                          <p:attrName>ppt_x</p:attrName>
+                                        </p:attrNameLst>
+                                      </p:cBhvr>
+                                      <p:tavLst>
+                                        <p:tav tm="0">
+                                          <p:val>
+                                            <p:strVal val="#ppt_x"/>
+                                          </p:val>
+                                        </p:tav>
+                                        <p:tav tm="100000">
+                                          <p:val>
+                                            <p:strVal val="#ppt_x"/>
+                                          </p:val>
+                                        </p:tav>
+                                      </p:tavLst>
+                                    </p:anim>
+                                    <p:anim calcmode="lin" valueType="num">
+                                      <p:cBhvr>
+                                        <p:cTn id="9" dur="1000" fill="hold"/>
+                                        <p:tgtEl>
+                                          <p:spTgt spid="3"/>
+                                        </p:tgtEl>
+                                        <p:attrNameLst>
+                                          <p:attrName>ppt_y</p:attrName>
+                                        </p:attrNameLst>
+                                      </p:cBhvr>
+                                      <p:tavLst>
+                                        <p:tav tm="0">
+                                          <p:val>
+                                            <p:strVal val="#ppt_y-.1"/>
+                                          </p:val>
+                                        </p:tav>
+                                        <p:tav tm="100000">
+                                          <p:val>
+                                            <p:strVal val="#ppt_y"/>
+                                          </p:val>
+                                        </p:tav>
+                                      </p:tavLst>
+                                    </p:anim>
+                                  </p:childTnLst>
+                                </p:cTn>
+                              </p:par>
+                              <p:par>
+                                <p:cTn id="10" presetID="53" presetClass="entr" presetSubtype="16" fill="hold" grpId="0" nodeType="withEffect">
+                                  <p:stCondLst>
+                                    <p:cond delay="0"/>
+                                  </p:stCondLst>
+                                  <p:childTnLst>
+                                    <p:set>
+                                      <p:cBhvr>
+                                        <p:cTn id="11" dur="1" fill="hold">
+                                          <p:stCondLst>
+                                            <p:cond delay="0"/>
+                                          </p:stCondLst>
+                                        </p:cTn>
+                                        <p:tgtEl>
+                                          <p:spTgt spid="4"/>
+                                        </p:tgtEl>
+                                        <p:attrNameLst>
+                                          <p:attrName>style.visibility</p:attrName>
+                                        </p:attrNameLst>
+                                      </p:cBhvr>
+                                      <p:to>
+                                        <p:strVal val="visible"/>
+                                      </p:to>
+                                    </p:set>
+                                    <p:anim calcmode="lin" valueType="num">
+                                      <p:cBhvr>
+                                        <p:cTn id="12" dur="1000" fill="hold"/>
+                                        <p:tgtEl>
+                                          <p:spTgt spid="4"/>
+                                        </p:tgtEl>
+                                        <p:attrNameLst>
+                                          <p:attrName>ppt_w</p:attrName>
+                                        </p:attrNameLst>
+                                      </p:cBhvr>
+                                      <p:tavLst>
+                                        <p:tav tm="0">
+                                          <p:val>
+                                            <p:fltVal val="0"/>
+                                          </p:val>
+                                        </p:tav>
+                                        <p:tav tm="100000">
+                                          <p:val>
+                                            <p:strVal val="#ppt_w"/>
+                                          </p:val>
+                                        </p:tav>
+                                      </p:tavLst>
+                                    </p:anim>
+                                    <p:anim calcmode="lin" valueType="num">
+                                      <p:cBhvr>
+                                        <p:cTn id="13" dur="1000" fill="hold"/>
+                                        <p:tgtEl>
+                                          <p:spTgt spid="4"/>
+                                        </p:tgtEl>
+                                        <p:attrNameLst>
+                                          <p:attrName>ppt_h</p:attrName>
+                                        </p:attrNameLst>
+                                      </p:cBhvr>
+                                      <p:tavLst>
+                                        <p:tav tm="0">
+                                          <p:val>
+                                            <p:fltVal val="0"/>
+                                          </p:val>
+                                        </p:tav>
+                                        <p:tav tm="100000">
+                                          <p:val>
+                                            <p:strVal val="#ppt_h"/>
+                                          </p:val>
+                                        </p:tav>
+                                      </p:tavLst>
+                                    </p:anim>
+                                    <p:animEffect transition="in" filter="fade">
+                                      <p:cBhvr>
+                                        <p:cTn id="14" dur="1000"/>
+                                        <p:tgtEl>
+                                          <p:spTgt spid="4"/>
+                                        </p:tgtEl>
+                                      </p:cBhvr>
+                                    </p:animEffect>
+                                  </p:childTnLst>
+                                </p:cTn>
+                              </p:par>
+                              <p:par>
+                                <p:cTn id="15" presetID="16" presetClass="entr" presetSubtype="21" fill="hold" nodeType="withEffect">
+                                  <p:stCondLst>
+                                    <p:cond delay="0"/>
+                                  </p:stCondLst>
+                                  <p:childTnLst>
+                                    <p:set>
+                                      <p:cBhvr>
+                                        <p:cTn id="16" dur="1" fill="hold">
+                                          <p:stCondLst>
+                                            <p:cond delay="0"/>
+                                          </p:stCondLst>
+                                        </p:cTn>
+                                        <p:tgtEl>
+                                          <p:spTgt spid="24"/>
+                                        </p:tgtEl>
+                                        <p:attrNameLst>
+                                          <p:attrName>style.visibility</p:attrName>
+                                        </p:attrNameLst>
+                                      </p:cBhvr>
+                                      <p:to>
+                                        <p:strVal val="visible"/>
+                                      </p:to>
+                                    </p:set>
+                                    <p:animEffect transition="in" filter="barn(inVertical)">
+                                      <p:cBhvr>
+                                        <p:cTn id="17" dur="1000"/>
+                                        <p:tgtEl>
+                                          <p:spTgt spid="24"/>
+                                        </p:tgtEl>
+                                      </p:cBhvr>
+                                    </p:animEffect>
+                                  </p:childTnLst>
+                                </p:cTn>
+                              </p:par>
+                            </p:childTnLst>
+                          </p:cTn>
+                        </p:par>
+                      </p:childTnLst>
+                    </p:cTn>
+                  </p:par>
+                </p:childTnLst>
+              </p:cTn>
+              <p:prevCondLst>
+                <p:cond evt="onPrev" delay="0">
+                  <p:tgtEl>
+                    <p:sldTgt/>
+                  </p:tgtEl>
+                </p:cond>
+              </p:prevCondLst>
+              <p:nextCondLst>
+                <p:cond evt="onNext" delay="0">
+                  <p:tgtEl>
+                    <p:sldTgt/>
+                  </p:tgtEl>
+                </p:cond>
+              </p:nextCondLst>
+            </p:seq>
+          </p:childTnLst>
+        </p:cTn>
+      </p:par>
+    </p:tnLst>
+    <p:bldLst>
+      <p:bldP spid="4" grpId="0"/>
+    </p:bldLst>
   </p:timing>
 </p:sld>
 </file>
@@ -13459,7 +14329,7 @@
           <p:cNvPr id="3" name="TextBox 2">
             <a:extLst>
               <a:ext uri="{FF2B5EF4-FFF2-40B4-BE49-F238E27FC236}">
-                <a16:creationId xmlns:a16="http://schemas.microsoft.com/office/drawing/2014/main" xmlns="" id="{BE8AA9BD-5B28-4BB1-803B-54BB6E1B0DE1}"/>
+                <a16:creationId xmlns:a16="http://schemas.microsoft.com/office/drawing/2014/main" id="{BE8AA9BD-5B28-4BB1-803B-54BB6E1B0DE1}"/>
               </a:ext>
             </a:extLst>
           </p:cNvPr>
@@ -13512,7 +14382,7 @@
           <p:cNvPr id="21" name="Group 20">
             <a:extLst>
               <a:ext uri="{FF2B5EF4-FFF2-40B4-BE49-F238E27FC236}">
-                <a16:creationId xmlns:a16="http://schemas.microsoft.com/office/drawing/2014/main" xmlns="" id="{153F4246-CEED-4D1E-87E9-AF831143E541}"/>
+                <a16:creationId xmlns:a16="http://schemas.microsoft.com/office/drawing/2014/main" id="{153F4246-CEED-4D1E-87E9-AF831143E541}"/>
               </a:ext>
             </a:extLst>
           </p:cNvPr>
@@ -13532,7 +14402,7 @@
             <p:cNvPr id="22" name="Straight Connector 21">
               <a:extLst>
                 <a:ext uri="{FF2B5EF4-FFF2-40B4-BE49-F238E27FC236}">
-                  <a16:creationId xmlns:a16="http://schemas.microsoft.com/office/drawing/2014/main" xmlns="" id="{802F08CF-D4D1-4A39-96BE-CB97F61D162B}"/>
+                  <a16:creationId xmlns:a16="http://schemas.microsoft.com/office/drawing/2014/main" id="{802F08CF-D4D1-4A39-96BE-CB97F61D162B}"/>
                 </a:ext>
               </a:extLst>
             </p:cNvPr>
@@ -13576,7 +14446,7 @@
             <p:cNvPr id="23" name="Straight Connector 22">
               <a:extLst>
                 <a:ext uri="{FF2B5EF4-FFF2-40B4-BE49-F238E27FC236}">
-                  <a16:creationId xmlns:a16="http://schemas.microsoft.com/office/drawing/2014/main" xmlns="" id="{35920BBA-8F71-4702-91A3-44392F84AAE5}"/>
+                  <a16:creationId xmlns:a16="http://schemas.microsoft.com/office/drawing/2014/main" id="{35920BBA-8F71-4702-91A3-44392F84AAE5}"/>
                 </a:ext>
               </a:extLst>
             </p:cNvPr>
@@ -13620,7 +14490,7 @@
           <p:cNvPr id="39" name="Group 38">
             <a:extLst>
               <a:ext uri="{FF2B5EF4-FFF2-40B4-BE49-F238E27FC236}">
-                <a16:creationId xmlns:a16="http://schemas.microsoft.com/office/drawing/2014/main" xmlns="" id="{7D06F0A7-DAC2-4C40-B732-014C20C2F6D5}"/>
+                <a16:creationId xmlns:a16="http://schemas.microsoft.com/office/drawing/2014/main" id="{7D06F0A7-DAC2-4C40-B732-014C20C2F6D5}"/>
               </a:ext>
             </a:extLst>
           </p:cNvPr>
@@ -13640,7 +14510,7 @@
             <p:cNvPr id="40" name="TextBox 39">
               <a:extLst>
                 <a:ext uri="{FF2B5EF4-FFF2-40B4-BE49-F238E27FC236}">
-                  <a16:creationId xmlns:a16="http://schemas.microsoft.com/office/drawing/2014/main" xmlns="" id="{FECAEFF9-14F9-420B-B81B-1A2D424B5A63}"/>
+                  <a16:creationId xmlns:a16="http://schemas.microsoft.com/office/drawing/2014/main" id="{FECAEFF9-14F9-420B-B81B-1A2D424B5A63}"/>
                 </a:ext>
               </a:extLst>
             </p:cNvPr>
@@ -13687,7 +14557,7 @@
             <p:cNvPr id="41" name="TextBox 40">
               <a:extLst>
                 <a:ext uri="{FF2B5EF4-FFF2-40B4-BE49-F238E27FC236}">
-                  <a16:creationId xmlns:a16="http://schemas.microsoft.com/office/drawing/2014/main" xmlns="" id="{2E7256DD-6317-492A-853D-B93DE998E24A}"/>
+                  <a16:creationId xmlns:a16="http://schemas.microsoft.com/office/drawing/2014/main" id="{2E7256DD-6317-492A-853D-B93DE998E24A}"/>
                 </a:ext>
               </a:extLst>
             </p:cNvPr>
@@ -13730,7 +14600,7 @@
           <p:cNvPr id="27" name="Group 26">
             <a:extLst>
               <a:ext uri="{FF2B5EF4-FFF2-40B4-BE49-F238E27FC236}">
-                <a16:creationId xmlns:a16="http://schemas.microsoft.com/office/drawing/2014/main" xmlns="" id="{7137FDAE-CE25-40E9-AFD7-49BA1463E3D5}"/>
+                <a16:creationId xmlns:a16="http://schemas.microsoft.com/office/drawing/2014/main" id="{7137FDAE-CE25-40E9-AFD7-49BA1463E3D5}"/>
               </a:ext>
             </a:extLst>
           </p:cNvPr>
@@ -13750,7 +14620,7 @@
             <p:cNvPr id="28" name="Straight Connector 27">
               <a:extLst>
                 <a:ext uri="{FF2B5EF4-FFF2-40B4-BE49-F238E27FC236}">
-                  <a16:creationId xmlns:a16="http://schemas.microsoft.com/office/drawing/2014/main" xmlns="" id="{C83C8BAA-87B2-4130-A6CA-1525D506B1D2}"/>
+                  <a16:creationId xmlns:a16="http://schemas.microsoft.com/office/drawing/2014/main" id="{C83C8BAA-87B2-4130-A6CA-1525D506B1D2}"/>
                 </a:ext>
               </a:extLst>
             </p:cNvPr>
@@ -13793,7 +14663,7 @@
             <p:cNvPr id="29" name="Straight Connector 28">
               <a:extLst>
                 <a:ext uri="{FF2B5EF4-FFF2-40B4-BE49-F238E27FC236}">
-                  <a16:creationId xmlns:a16="http://schemas.microsoft.com/office/drawing/2014/main" xmlns="" id="{018D836A-5994-457C-AD4E-4304A9FBB1F8}"/>
+                  <a16:creationId xmlns:a16="http://schemas.microsoft.com/office/drawing/2014/main" id="{018D836A-5994-457C-AD4E-4304A9FBB1F8}"/>
                 </a:ext>
               </a:extLst>
             </p:cNvPr>
@@ -13837,7 +14707,7 @@
           <p:cNvPr id="43" name="Group 42">
             <a:extLst>
               <a:ext uri="{FF2B5EF4-FFF2-40B4-BE49-F238E27FC236}">
-                <a16:creationId xmlns:a16="http://schemas.microsoft.com/office/drawing/2014/main" xmlns="" id="{12804901-3BC3-4B63-B57A-680C61064136}"/>
+                <a16:creationId xmlns:a16="http://schemas.microsoft.com/office/drawing/2014/main" id="{12804901-3BC3-4B63-B57A-680C61064136}"/>
               </a:ext>
             </a:extLst>
           </p:cNvPr>
@@ -13857,7 +14727,7 @@
             <p:cNvPr id="44" name="TextBox 43">
               <a:extLst>
                 <a:ext uri="{FF2B5EF4-FFF2-40B4-BE49-F238E27FC236}">
-                  <a16:creationId xmlns:a16="http://schemas.microsoft.com/office/drawing/2014/main" xmlns="" id="{3D4F678F-40B7-4440-9805-D7FF30FB7FC8}"/>
+                  <a16:creationId xmlns:a16="http://schemas.microsoft.com/office/drawing/2014/main" id="{3D4F678F-40B7-4440-9805-D7FF30FB7FC8}"/>
                 </a:ext>
               </a:extLst>
             </p:cNvPr>
@@ -13904,7 +14774,7 @@
             <p:cNvPr id="45" name="TextBox 44">
               <a:extLst>
                 <a:ext uri="{FF2B5EF4-FFF2-40B4-BE49-F238E27FC236}">
-                  <a16:creationId xmlns:a16="http://schemas.microsoft.com/office/drawing/2014/main" xmlns="" id="{E3B5B3C4-08D7-4F80-905A-16D436C0F2EA}"/>
+                  <a16:creationId xmlns:a16="http://schemas.microsoft.com/office/drawing/2014/main" id="{E3B5B3C4-08D7-4F80-905A-16D436C0F2EA}"/>
                 </a:ext>
               </a:extLst>
             </p:cNvPr>
@@ -13954,7 +14824,7 @@
           <p:cNvPr id="24" name="Group 23">
             <a:extLst>
               <a:ext uri="{FF2B5EF4-FFF2-40B4-BE49-F238E27FC236}">
-                <a16:creationId xmlns:a16="http://schemas.microsoft.com/office/drawing/2014/main" xmlns="" id="{B3BFFE84-C695-4D53-9EB1-6E3F023237F6}"/>
+                <a16:creationId xmlns:a16="http://schemas.microsoft.com/office/drawing/2014/main" id="{B3BFFE84-C695-4D53-9EB1-6E3F023237F6}"/>
               </a:ext>
             </a:extLst>
           </p:cNvPr>
@@ -13974,7 +14844,7 @@
             <p:cNvPr id="25" name="Straight Connector 24">
               <a:extLst>
                 <a:ext uri="{FF2B5EF4-FFF2-40B4-BE49-F238E27FC236}">
-                  <a16:creationId xmlns:a16="http://schemas.microsoft.com/office/drawing/2014/main" xmlns="" id="{CDB6677B-8513-496A-A326-EDBAA2BA9403}"/>
+                  <a16:creationId xmlns:a16="http://schemas.microsoft.com/office/drawing/2014/main" id="{CDB6677B-8513-496A-A326-EDBAA2BA9403}"/>
                 </a:ext>
               </a:extLst>
             </p:cNvPr>
@@ -14017,7 +14887,7 @@
             <p:cNvPr id="26" name="Straight Connector 25">
               <a:extLst>
                 <a:ext uri="{FF2B5EF4-FFF2-40B4-BE49-F238E27FC236}">
-                  <a16:creationId xmlns:a16="http://schemas.microsoft.com/office/drawing/2014/main" xmlns="" id="{3003D7FC-94DB-4EDC-95C4-65A5F513BF89}"/>
+                  <a16:creationId xmlns:a16="http://schemas.microsoft.com/office/drawing/2014/main" id="{3003D7FC-94DB-4EDC-95C4-65A5F513BF89}"/>
                 </a:ext>
               </a:extLst>
             </p:cNvPr>
@@ -14061,7 +14931,7 @@
           <p:cNvPr id="47" name="Group 46">
             <a:extLst>
               <a:ext uri="{FF2B5EF4-FFF2-40B4-BE49-F238E27FC236}">
-                <a16:creationId xmlns:a16="http://schemas.microsoft.com/office/drawing/2014/main" xmlns="" id="{D9DD4B7F-8A71-49A3-BC05-44E26D841E62}"/>
+                <a16:creationId xmlns:a16="http://schemas.microsoft.com/office/drawing/2014/main" id="{D9DD4B7F-8A71-49A3-BC05-44E26D841E62}"/>
               </a:ext>
             </a:extLst>
           </p:cNvPr>
@@ -14081,7 +14951,7 @@
             <p:cNvPr id="48" name="TextBox 47">
               <a:extLst>
                 <a:ext uri="{FF2B5EF4-FFF2-40B4-BE49-F238E27FC236}">
-                  <a16:creationId xmlns:a16="http://schemas.microsoft.com/office/drawing/2014/main" xmlns="" id="{C2359718-1C0E-45C6-99D0-A3CB1814E621}"/>
+                  <a16:creationId xmlns:a16="http://schemas.microsoft.com/office/drawing/2014/main" id="{C2359718-1C0E-45C6-99D0-A3CB1814E621}"/>
                 </a:ext>
               </a:extLst>
             </p:cNvPr>
@@ -14128,7 +14998,7 @@
             <p:cNvPr id="49" name="TextBox 48">
               <a:extLst>
                 <a:ext uri="{FF2B5EF4-FFF2-40B4-BE49-F238E27FC236}">
-                  <a16:creationId xmlns:a16="http://schemas.microsoft.com/office/drawing/2014/main" xmlns="" id="{83347D2D-8F9E-424F-8379-EE81B97BB648}"/>
+                  <a16:creationId xmlns:a16="http://schemas.microsoft.com/office/drawing/2014/main" id="{83347D2D-8F9E-424F-8379-EE81B97BB648}"/>
                 </a:ext>
               </a:extLst>
             </p:cNvPr>
@@ -14178,7 +15048,7 @@
           <p:cNvPr id="33" name="Group 32">
             <a:extLst>
               <a:ext uri="{FF2B5EF4-FFF2-40B4-BE49-F238E27FC236}">
-                <a16:creationId xmlns:a16="http://schemas.microsoft.com/office/drawing/2014/main" xmlns="" id="{C6E9A218-B141-4BD3-841A-BAB462C9175B}"/>
+                <a16:creationId xmlns:a16="http://schemas.microsoft.com/office/drawing/2014/main" id="{C6E9A218-B141-4BD3-841A-BAB462C9175B}"/>
               </a:ext>
             </a:extLst>
           </p:cNvPr>
@@ -14198,7 +15068,7 @@
             <p:cNvPr id="34" name="Straight Connector 33">
               <a:extLst>
                 <a:ext uri="{FF2B5EF4-FFF2-40B4-BE49-F238E27FC236}">
-                  <a16:creationId xmlns:a16="http://schemas.microsoft.com/office/drawing/2014/main" xmlns="" id="{F7309261-EAF4-4065-B34C-74D63998B1F8}"/>
+                  <a16:creationId xmlns:a16="http://schemas.microsoft.com/office/drawing/2014/main" id="{F7309261-EAF4-4065-B34C-74D63998B1F8}"/>
                 </a:ext>
               </a:extLst>
             </p:cNvPr>
@@ -14242,7 +15112,7 @@
             <p:cNvPr id="35" name="Straight Connector 34">
               <a:extLst>
                 <a:ext uri="{FF2B5EF4-FFF2-40B4-BE49-F238E27FC236}">
-                  <a16:creationId xmlns:a16="http://schemas.microsoft.com/office/drawing/2014/main" xmlns="" id="{6F2BC3B5-DB71-4C84-AF89-168445886399}"/>
+                  <a16:creationId xmlns:a16="http://schemas.microsoft.com/office/drawing/2014/main" id="{6F2BC3B5-DB71-4C84-AF89-168445886399}"/>
                 </a:ext>
               </a:extLst>
             </p:cNvPr>
@@ -14286,7 +15156,7 @@
           <p:cNvPr id="55" name="Group 54">
             <a:extLst>
               <a:ext uri="{FF2B5EF4-FFF2-40B4-BE49-F238E27FC236}">
-                <a16:creationId xmlns:a16="http://schemas.microsoft.com/office/drawing/2014/main" xmlns="" id="{948E0E04-F6AD-4204-A734-B8A0EC1E885D}"/>
+                <a16:creationId xmlns:a16="http://schemas.microsoft.com/office/drawing/2014/main" id="{948E0E04-F6AD-4204-A734-B8A0EC1E885D}"/>
               </a:ext>
             </a:extLst>
           </p:cNvPr>
@@ -14306,7 +15176,7 @@
             <p:cNvPr id="56" name="TextBox 55">
               <a:extLst>
                 <a:ext uri="{FF2B5EF4-FFF2-40B4-BE49-F238E27FC236}">
-                  <a16:creationId xmlns:a16="http://schemas.microsoft.com/office/drawing/2014/main" xmlns="" id="{4DD90853-2F30-480A-A4BC-AF61CA243D4E}"/>
+                  <a16:creationId xmlns:a16="http://schemas.microsoft.com/office/drawing/2014/main" id="{4DD90853-2F30-480A-A4BC-AF61CA243D4E}"/>
                 </a:ext>
               </a:extLst>
             </p:cNvPr>
@@ -14352,7 +15222,7 @@
             <p:cNvPr id="57" name="TextBox 56">
               <a:extLst>
                 <a:ext uri="{FF2B5EF4-FFF2-40B4-BE49-F238E27FC236}">
-                  <a16:creationId xmlns:a16="http://schemas.microsoft.com/office/drawing/2014/main" xmlns="" id="{13DF5F7D-8517-4858-B26A-117AEF6AD00D}"/>
+                  <a16:creationId xmlns:a16="http://schemas.microsoft.com/office/drawing/2014/main" id="{13DF5F7D-8517-4858-B26A-117AEF6AD00D}"/>
                 </a:ext>
               </a:extLst>
             </p:cNvPr>
@@ -14401,7 +15271,7 @@
           <p:cNvPr id="36" name="Group 35">
             <a:extLst>
               <a:ext uri="{FF2B5EF4-FFF2-40B4-BE49-F238E27FC236}">
-                <a16:creationId xmlns:a16="http://schemas.microsoft.com/office/drawing/2014/main" xmlns="" id="{B1ACE9A5-0AAC-4005-87FD-533CB273E3AF}"/>
+                <a16:creationId xmlns:a16="http://schemas.microsoft.com/office/drawing/2014/main" id="{B1ACE9A5-0AAC-4005-87FD-533CB273E3AF}"/>
               </a:ext>
             </a:extLst>
           </p:cNvPr>
@@ -14421,7 +15291,7 @@
             <p:cNvPr id="37" name="Straight Connector 36">
               <a:extLst>
                 <a:ext uri="{FF2B5EF4-FFF2-40B4-BE49-F238E27FC236}">
-                  <a16:creationId xmlns:a16="http://schemas.microsoft.com/office/drawing/2014/main" xmlns="" id="{BEBF1710-C0A2-443D-9E66-877BD8FA726A}"/>
+                  <a16:creationId xmlns:a16="http://schemas.microsoft.com/office/drawing/2014/main" id="{BEBF1710-C0A2-443D-9E66-877BD8FA726A}"/>
                 </a:ext>
               </a:extLst>
             </p:cNvPr>
@@ -14465,7 +15335,7 @@
             <p:cNvPr id="38" name="Straight Connector 37">
               <a:extLst>
                 <a:ext uri="{FF2B5EF4-FFF2-40B4-BE49-F238E27FC236}">
-                  <a16:creationId xmlns:a16="http://schemas.microsoft.com/office/drawing/2014/main" xmlns="" id="{D25F5471-E0F2-4736-A975-B0CD1D80AA97}"/>
+                  <a16:creationId xmlns:a16="http://schemas.microsoft.com/office/drawing/2014/main" id="{D25F5471-E0F2-4736-A975-B0CD1D80AA97}"/>
                 </a:ext>
               </a:extLst>
             </p:cNvPr>
@@ -14509,7 +15379,7 @@
           <p:cNvPr id="59" name="Group 58">
             <a:extLst>
               <a:ext uri="{FF2B5EF4-FFF2-40B4-BE49-F238E27FC236}">
-                <a16:creationId xmlns:a16="http://schemas.microsoft.com/office/drawing/2014/main" xmlns="" id="{4B33EF84-99D9-4E3D-98A7-243B4B204E8F}"/>
+                <a16:creationId xmlns:a16="http://schemas.microsoft.com/office/drawing/2014/main" id="{4B33EF84-99D9-4E3D-98A7-243B4B204E8F}"/>
               </a:ext>
             </a:extLst>
           </p:cNvPr>
@@ -14529,7 +15399,7 @@
             <p:cNvPr id="60" name="TextBox 59">
               <a:extLst>
                 <a:ext uri="{FF2B5EF4-FFF2-40B4-BE49-F238E27FC236}">
-                  <a16:creationId xmlns:a16="http://schemas.microsoft.com/office/drawing/2014/main" xmlns="" id="{3E41AE78-9E30-4CD4-9440-DE30C5519E6F}"/>
+                  <a16:creationId xmlns:a16="http://schemas.microsoft.com/office/drawing/2014/main" id="{3E41AE78-9E30-4CD4-9440-DE30C5519E6F}"/>
                 </a:ext>
               </a:extLst>
             </p:cNvPr>
@@ -14575,7 +15445,7 @@
             <p:cNvPr id="61" name="TextBox 60">
               <a:extLst>
                 <a:ext uri="{FF2B5EF4-FFF2-40B4-BE49-F238E27FC236}">
-                  <a16:creationId xmlns:a16="http://schemas.microsoft.com/office/drawing/2014/main" xmlns="" id="{DBF60901-7459-4FFF-BFAB-332F5872E18A}"/>
+                  <a16:creationId xmlns:a16="http://schemas.microsoft.com/office/drawing/2014/main" id="{DBF60901-7459-4FFF-BFAB-332F5872E18A}"/>
                 </a:ext>
               </a:extLst>
             </p:cNvPr>
@@ -14645,7 +15515,7 @@
             <p:cNvPr id="13" name="Oval 12">
               <a:extLst>
                 <a:ext uri="{FF2B5EF4-FFF2-40B4-BE49-F238E27FC236}">
-                  <a16:creationId xmlns:a16="http://schemas.microsoft.com/office/drawing/2014/main" xmlns="" id="{69F6674A-9F6A-4ECF-8B1A-B5CD331C63F8}"/>
+                  <a16:creationId xmlns:a16="http://schemas.microsoft.com/office/drawing/2014/main" id="{69F6674A-9F6A-4ECF-8B1A-B5CD331C63F8}"/>
                 </a:ext>
               </a:extLst>
             </p:cNvPr>
@@ -14747,7 +15617,7 @@
             <p:cNvPr id="10" name="Oval 9">
               <a:extLst>
                 <a:ext uri="{FF2B5EF4-FFF2-40B4-BE49-F238E27FC236}">
-                  <a16:creationId xmlns:a16="http://schemas.microsoft.com/office/drawing/2014/main" xmlns="" id="{6E22B37A-CCC7-4E5B-82F9-79A278CAA082}"/>
+                  <a16:creationId xmlns:a16="http://schemas.microsoft.com/office/drawing/2014/main" id="{6E22B37A-CCC7-4E5B-82F9-79A278CAA082}"/>
                 </a:ext>
               </a:extLst>
             </p:cNvPr>
@@ -14856,7 +15726,7 @@
             <p:cNvPr id="12" name="Oval 11">
               <a:extLst>
                 <a:ext uri="{FF2B5EF4-FFF2-40B4-BE49-F238E27FC236}">
-                  <a16:creationId xmlns:a16="http://schemas.microsoft.com/office/drawing/2014/main" xmlns="" id="{BC59DA09-2750-4F0C-898C-08F0F54C4ACB}"/>
+                  <a16:creationId xmlns:a16="http://schemas.microsoft.com/office/drawing/2014/main" id="{BC59DA09-2750-4F0C-898C-08F0F54C4ACB}"/>
                 </a:ext>
               </a:extLst>
             </p:cNvPr>
@@ -14956,7 +15826,7 @@
             <p:cNvPr id="11" name="Oval 10">
               <a:extLst>
                 <a:ext uri="{FF2B5EF4-FFF2-40B4-BE49-F238E27FC236}">
-                  <a16:creationId xmlns:a16="http://schemas.microsoft.com/office/drawing/2014/main" xmlns="" id="{788C3841-127A-479B-94BD-220B2EDCAB6E}"/>
+                  <a16:creationId xmlns:a16="http://schemas.microsoft.com/office/drawing/2014/main" id="{788C3841-127A-479B-94BD-220B2EDCAB6E}"/>
                 </a:ext>
               </a:extLst>
             </p:cNvPr>
@@ -15065,7 +15935,7 @@
             <p:cNvPr id="14" name="Oval 13">
               <a:extLst>
                 <a:ext uri="{FF2B5EF4-FFF2-40B4-BE49-F238E27FC236}">
-                  <a16:creationId xmlns:a16="http://schemas.microsoft.com/office/drawing/2014/main" xmlns="" id="{3F5A07E2-72FE-479E-9CC4-3AE297809FA7}"/>
+                  <a16:creationId xmlns:a16="http://schemas.microsoft.com/office/drawing/2014/main" id="{3F5A07E2-72FE-479E-9CC4-3AE297809FA7}"/>
                 </a:ext>
               </a:extLst>
             </p:cNvPr>
@@ -15922,6 +16792,14 @@
 <file path=ppt/slides/slide4.xml><?xml version="1.0" encoding="utf-8"?>
 <p:sld xmlns:a="http://schemas.openxmlformats.org/drawingml/2006/main" xmlns:r="http://schemas.openxmlformats.org/officeDocument/2006/relationships" xmlns:p="http://schemas.openxmlformats.org/presentationml/2006/main">
   <p:cSld>
+    <p:bg>
+      <p:bgPr>
+        <a:solidFill>
+          <a:srgbClr val="E5E5E5"/>
+        </a:solidFill>
+        <a:effectLst/>
+      </p:bgPr>
+    </p:bg>
     <p:spTree>
       <p:nvGrpSpPr>
         <p:cNvPr id="1" name=""/>
@@ -15964,7 +16842,7 @@
           <p:cNvPr id="3" name="TextBox 2">
             <a:extLst>
               <a:ext uri="{FF2B5EF4-FFF2-40B4-BE49-F238E27FC236}">
-                <a16:creationId xmlns:a16="http://schemas.microsoft.com/office/drawing/2014/main" xmlns="" id="{BE8AA9BD-5B28-4BB1-803B-54BB6E1B0DE1}"/>
+                <a16:creationId xmlns:a16="http://schemas.microsoft.com/office/drawing/2014/main" id="{BE8AA9BD-5B28-4BB1-803B-54BB6E1B0DE1}"/>
               </a:ext>
             </a:extLst>
           </p:cNvPr>
@@ -15973,7 +16851,7 @@
         </p:nvSpPr>
         <p:spPr>
           <a:xfrm>
-            <a:off x="2456484" y="461021"/>
+            <a:off x="2498377" y="494469"/>
             <a:ext cx="7278915" cy="480131"/>
           </a:xfrm>
           <a:prstGeom prst="rect">
@@ -15987,7 +16865,7 @@
           </a:bodyPr>
           <a:lstStyle/>
           <a:p>
-            <a:pPr lvl="0" algn="ctr" defTabSz="1200150">
+            <a:pPr algn="ctr" defTabSz="1200150">
               <a:lnSpc>
                 <a:spcPct val="90000"/>
               </a:lnSpc>
@@ -16003,7 +16881,7 @@
                 <a:latin typeface="Arial" panose="020B0604020202020204" pitchFamily="34" charset="0"/>
                 <a:cs typeface="Arial" panose="020B0604020202020204" pitchFamily="34" charset="0"/>
               </a:rPr>
-              <a:t>PHÁT VIDEO</a:t>
+              <a:t>HỆ THỐNG BẢO VỆ VÀ CẢNH BÁO</a:t>
             </a:r>
             <a:endParaRPr lang="en-US" sz="2800" dirty="0">
               <a:latin typeface="Arial" panose="020B0604020202020204" pitchFamily="34" charset="0"/>
@@ -16012,193 +16890,40 @@
           </a:p>
         </p:txBody>
       </p:sp>
-      <p:sp>
-        <p:nvSpPr>
-          <p:cNvPr id="4" name="TextBox 3"/>
-          <p:cNvSpPr txBox="1"/>
+      <p:pic>
+        <p:nvPicPr>
+          <p:cNvPr id="7" name="Picture 6"/>
+          <p:cNvPicPr>
+            <a:picLocks noChangeAspect="1"/>
+          </p:cNvPicPr>
           <p:nvPr/>
-        </p:nvSpPr>
+        </p:nvPicPr>
+        <p:blipFill>
+          <a:blip r:embed="rId3">
+            <a:extLst>
+              <a:ext uri="{28A0092B-C50C-407E-A947-70E740481C1C}">
+                <a14:useLocalDpi xmlns:a14="http://schemas.microsoft.com/office/drawing/2010/main" val="0"/>
+              </a:ext>
+            </a:extLst>
+          </a:blip>
+          <a:stretch>
+            <a:fillRect/>
+          </a:stretch>
+        </p:blipFill>
         <p:spPr>
           <a:xfrm>
-            <a:off x="674913" y="1381684"/>
-            <a:ext cx="10874355" cy="646331"/>
+            <a:off x="1360271" y="1595330"/>
+            <a:ext cx="9555126" cy="4977024"/>
           </a:xfrm>
           <a:prstGeom prst="rect">
             <a:avLst/>
           </a:prstGeom>
-          <a:noFill/>
         </p:spPr>
-        <p:txBody>
-          <a:bodyPr wrap="square" rtlCol="0">
-            <a:spAutoFit/>
-          </a:bodyPr>
-          <a:lstStyle/>
-          <a:p>
-            <a:pPr>
-              <a:lnSpc>
-                <a:spcPct val="150000"/>
-              </a:lnSpc>
-            </a:pPr>
-            <a:r>
-              <a:rPr lang="en-US" sz="2400" smtClean="0">
-                <a:latin typeface="Arial" panose="020B0604020202020204" pitchFamily="34" charset="0"/>
-                <a:cs typeface="Arial" panose="020B0604020202020204" pitchFamily="34" charset="0"/>
-              </a:rPr>
-              <a:t>Thời lượng video(s): 50, 60, 40</a:t>
-            </a:r>
-          </a:p>
-        </p:txBody>
-      </p:sp>
-      <p:sp>
-        <p:nvSpPr>
-          <p:cNvPr id="5" name="TextBox 4"/>
-          <p:cNvSpPr txBox="1"/>
-          <p:nvPr/>
-        </p:nvSpPr>
-        <p:spPr>
-          <a:xfrm>
-            <a:off x="674913" y="4075136"/>
-            <a:ext cx="10874355" cy="830997"/>
-          </a:xfrm>
-          <a:prstGeom prst="rect">
-            <a:avLst/>
-          </a:prstGeom>
-          <a:noFill/>
-        </p:spPr>
-        <p:txBody>
-          <a:bodyPr wrap="square" rtlCol="0">
-            <a:spAutoFit/>
-          </a:bodyPr>
-          <a:lstStyle/>
-          <a:p>
-            <a:r>
-              <a:rPr lang="en-US" sz="2400" smtClean="0">
-                <a:latin typeface="Arial" panose="020B0604020202020204" pitchFamily="34" charset="0"/>
-                <a:cs typeface="Arial" panose="020B0604020202020204" pitchFamily="34" charset="0"/>
-              </a:rPr>
-              <a:t>Thời gian phát của video = (Thời gian hệ thống % tổng thời gian video) </a:t>
-            </a:r>
-          </a:p>
-          <a:p>
-            <a:r>
-              <a:rPr lang="en-US" sz="2400" smtClean="0">
-                <a:latin typeface="Arial" panose="020B0604020202020204" pitchFamily="34" charset="0"/>
-                <a:cs typeface="Arial" panose="020B0604020202020204" pitchFamily="34" charset="0"/>
-              </a:rPr>
-              <a:t>			-  thời gian đầu của video gần nhất – random(500ms)</a:t>
-            </a:r>
-            <a:endParaRPr lang="en-US" sz="2400">
-              <a:latin typeface="Arial" panose="020B0604020202020204" pitchFamily="34" charset="0"/>
-              <a:cs typeface="Arial" panose="020B0604020202020204" pitchFamily="34" charset="0"/>
-            </a:endParaRPr>
-          </a:p>
-        </p:txBody>
-      </p:sp>
-      <p:sp>
-        <p:nvSpPr>
-          <p:cNvPr id="6" name="TextBox 5"/>
-          <p:cNvSpPr txBox="1"/>
-          <p:nvPr/>
-        </p:nvSpPr>
-        <p:spPr>
-          <a:xfrm>
-            <a:off x="674913" y="5514196"/>
-            <a:ext cx="10874355" cy="830997"/>
-          </a:xfrm>
-          <a:prstGeom prst="rect">
-            <a:avLst/>
-          </a:prstGeom>
-          <a:noFill/>
-        </p:spPr>
-        <p:txBody>
-          <a:bodyPr wrap="square" rtlCol="0">
-            <a:spAutoFit/>
-          </a:bodyPr>
-          <a:lstStyle/>
-          <a:p>
-            <a:r>
-              <a:rPr lang="en-US" sz="2400" smtClean="0">
-                <a:latin typeface="Arial" panose="020B0604020202020204" pitchFamily="34" charset="0"/>
-                <a:cs typeface="Arial" panose="020B0604020202020204" pitchFamily="34" charset="0"/>
-              </a:rPr>
-              <a:t>VD: </a:t>
-            </a:r>
-            <a:r>
-              <a:rPr lang="en-US" sz="2400">
-                <a:latin typeface="Arial" panose="020B0604020202020204" pitchFamily="34" charset="0"/>
-                <a:cs typeface="Arial" panose="020B0604020202020204" pitchFamily="34" charset="0"/>
-              </a:rPr>
-              <a:t>Thời gian hệ thống % tổng thời gian </a:t>
-            </a:r>
-            <a:r>
-              <a:rPr lang="en-US" sz="2400" smtClean="0">
-                <a:latin typeface="Arial" panose="020B0604020202020204" pitchFamily="34" charset="0"/>
-                <a:cs typeface="Arial" panose="020B0604020202020204" pitchFamily="34" charset="0"/>
-              </a:rPr>
-              <a:t>video = 55s</a:t>
-            </a:r>
-          </a:p>
-          <a:p>
-            <a:r>
-              <a:rPr lang="en-US" sz="2400">
-                <a:latin typeface="Arial" panose="020B0604020202020204" pitchFamily="34" charset="0"/>
-                <a:cs typeface="Arial" panose="020B0604020202020204" pitchFamily="34" charset="0"/>
-              </a:rPr>
-              <a:t>	</a:t>
-            </a:r>
-            <a:r>
-              <a:rPr lang="en-US" sz="2400" smtClean="0">
-                <a:latin typeface="Arial" panose="020B0604020202020204" pitchFamily="34" charset="0"/>
-                <a:cs typeface="Arial" panose="020B0604020202020204" pitchFamily="34" charset="0"/>
-              </a:rPr>
-              <a:t>thời gian phát video =  55000 – 50.000 – random(500ms)  </a:t>
-            </a:r>
-            <a:endParaRPr lang="en-US" sz="2400">
-              <a:latin typeface="Arial" panose="020B0604020202020204" pitchFamily="34" charset="0"/>
-              <a:cs typeface="Arial" panose="020B0604020202020204" pitchFamily="34" charset="0"/>
-            </a:endParaRPr>
-          </a:p>
-        </p:txBody>
-      </p:sp>
-      <p:sp>
-        <p:nvSpPr>
-          <p:cNvPr id="8" name="TextBox 7"/>
-          <p:cNvSpPr txBox="1"/>
-          <p:nvPr/>
-        </p:nvSpPr>
-        <p:spPr>
-          <a:xfrm>
-            <a:off x="674913" y="2636077"/>
-            <a:ext cx="10874355" cy="830997"/>
-          </a:xfrm>
-          <a:prstGeom prst="rect">
-            <a:avLst/>
-          </a:prstGeom>
-          <a:noFill/>
-        </p:spPr>
-        <p:txBody>
-          <a:bodyPr wrap="square" rtlCol="0">
-            <a:spAutoFit/>
-          </a:bodyPr>
-          <a:lstStyle/>
-          <a:p>
-            <a:r>
-              <a:rPr lang="en-US" sz="2400">
-                <a:latin typeface="Arial" panose="020B0604020202020204" pitchFamily="34" charset="0"/>
-                <a:cs typeface="Arial" panose="020B0604020202020204" pitchFamily="34" charset="0"/>
-              </a:rPr>
-              <a:t>Mảng(ms): [0, 50.000, 110.000, 150.000] </a:t>
-            </a:r>
-          </a:p>
-          <a:p>
-            <a:endParaRPr lang="en-US" sz="2400"/>
-          </a:p>
-        </p:txBody>
-      </p:sp>
+      </p:pic>
     </p:spTree>
     <p:extLst>
       <p:ext uri="{BB962C8B-B14F-4D97-AF65-F5344CB8AC3E}">
-        <p14:creationId xmlns:p14="http://schemas.microsoft.com/office/powerpoint/2010/main" val="577627825"/>
+        <p14:creationId xmlns:p14="http://schemas.microsoft.com/office/powerpoint/2010/main" val="1084918514"/>
       </p:ext>
     </p:extLst>
   </p:cSld>
@@ -16219,6 +16944,160 @@
 </file>
 
 <file path=ppt/slides/slide5.xml><?xml version="1.0" encoding="utf-8"?>
+<p:sld xmlns:a="http://schemas.openxmlformats.org/drawingml/2006/main" xmlns:r="http://schemas.openxmlformats.org/officeDocument/2006/relationships" xmlns:p="http://schemas.openxmlformats.org/presentationml/2006/main">
+  <p:cSld>
+    <p:bg>
+      <p:bgPr>
+        <a:solidFill>
+          <a:srgbClr val="E5E5E5"/>
+        </a:solidFill>
+        <a:effectLst/>
+      </p:bgPr>
+    </p:bg>
+    <p:spTree>
+      <p:nvGrpSpPr>
+        <p:cNvPr id="1" name=""/>
+        <p:cNvGrpSpPr/>
+        <p:nvPr/>
+      </p:nvGrpSpPr>
+      <p:grpSpPr>
+        <a:xfrm>
+          <a:off x="0" y="0"/>
+          <a:ext cx="0" cy="0"/>
+          <a:chOff x="0" y="0"/>
+          <a:chExt cx="0" cy="0"/>
+        </a:xfrm>
+      </p:grpSpPr>
+      <p:sp>
+        <p:nvSpPr>
+          <p:cNvPr id="2" name="Slide Number Placeholder 1"/>
+          <p:cNvSpPr>
+            <a:spLocks noGrp="1"/>
+          </p:cNvSpPr>
+          <p:nvPr>
+            <p:ph type="sldNum" sz="quarter" idx="12"/>
+          </p:nvPr>
+        </p:nvSpPr>
+        <p:spPr/>
+        <p:txBody>
+          <a:bodyPr/>
+          <a:lstStyle/>
+          <a:p>
+            <a:fld id="{8C2E478F-E849-4A8C-AF1F-CBCC78A7CBFA}" type="slidenum">
+              <a:rPr lang="en-US" smtClean="0"/>
+              <a:t>5</a:t>
+            </a:fld>
+            <a:endParaRPr lang="en-US" dirty="0"/>
+          </a:p>
+        </p:txBody>
+      </p:sp>
+      <p:sp>
+        <p:nvSpPr>
+          <p:cNvPr id="3" name="TextBox 2">
+            <a:extLst>
+              <a:ext uri="{FF2B5EF4-FFF2-40B4-BE49-F238E27FC236}">
+                <a16:creationId xmlns:a16="http://schemas.microsoft.com/office/drawing/2014/main" id="{BE8AA9BD-5B28-4BB1-803B-54BB6E1B0DE1}"/>
+              </a:ext>
+            </a:extLst>
+          </p:cNvPr>
+          <p:cNvSpPr txBox="1"/>
+          <p:nvPr/>
+        </p:nvSpPr>
+        <p:spPr>
+          <a:xfrm>
+            <a:off x="2498377" y="494469"/>
+            <a:ext cx="7278915" cy="480131"/>
+          </a:xfrm>
+          <a:prstGeom prst="rect">
+            <a:avLst/>
+          </a:prstGeom>
+          <a:noFill/>
+        </p:spPr>
+        <p:txBody>
+          <a:bodyPr wrap="square" rtlCol="0">
+            <a:spAutoFit/>
+          </a:bodyPr>
+          <a:lstStyle/>
+          <a:p>
+            <a:pPr algn="ctr" defTabSz="1200150">
+              <a:lnSpc>
+                <a:spcPct val="90000"/>
+              </a:lnSpc>
+              <a:spcBef>
+                <a:spcPct val="0"/>
+              </a:spcBef>
+              <a:spcAft>
+                <a:spcPct val="35000"/>
+              </a:spcAft>
+            </a:pPr>
+            <a:r>
+              <a:rPr lang="en-US" sz="2800" dirty="0" smtClean="0">
+                <a:latin typeface="Arial" panose="020B0604020202020204" pitchFamily="34" charset="0"/>
+                <a:cs typeface="Arial" panose="020B0604020202020204" pitchFamily="34" charset="0"/>
+              </a:rPr>
+              <a:t>HỆ THỐNG BẢO VỆ VÀ CẢNH BÁO</a:t>
+            </a:r>
+            <a:endParaRPr lang="en-US" sz="2800" dirty="0">
+              <a:latin typeface="Arial" panose="020B0604020202020204" pitchFamily="34" charset="0"/>
+              <a:cs typeface="Arial" panose="020B0604020202020204" pitchFamily="34" charset="0"/>
+            </a:endParaRPr>
+          </a:p>
+        </p:txBody>
+      </p:sp>
+      <p:pic>
+        <p:nvPicPr>
+          <p:cNvPr id="6" name="Picture 5"/>
+          <p:cNvPicPr>
+            <a:picLocks noChangeAspect="1"/>
+          </p:cNvPicPr>
+          <p:nvPr/>
+        </p:nvPicPr>
+        <p:blipFill>
+          <a:blip r:embed="rId3">
+            <a:extLst>
+              <a:ext uri="{28A0092B-C50C-407E-A947-70E740481C1C}">
+                <a14:useLocalDpi xmlns:a14="http://schemas.microsoft.com/office/drawing/2010/main" val="0"/>
+              </a:ext>
+            </a:extLst>
+          </a:blip>
+          <a:stretch>
+            <a:fillRect/>
+          </a:stretch>
+        </p:blipFill>
+        <p:spPr>
+          <a:xfrm>
+            <a:off x="2057356" y="1648234"/>
+            <a:ext cx="8077288" cy="5209765"/>
+          </a:xfrm>
+          <a:prstGeom prst="rect">
+            <a:avLst/>
+          </a:prstGeom>
+        </p:spPr>
+      </p:pic>
+    </p:spTree>
+    <p:extLst>
+      <p:ext uri="{BB962C8B-B14F-4D97-AF65-F5344CB8AC3E}">
+        <p14:creationId xmlns:p14="http://schemas.microsoft.com/office/powerpoint/2010/main" val="2341878764"/>
+      </p:ext>
+    </p:extLst>
+  </p:cSld>
+  <p:clrMapOvr>
+    <a:masterClrMapping/>
+  </p:clrMapOvr>
+  <p:transition spd="slow">
+    <p:push dir="u"/>
+  </p:transition>
+  <p:timing>
+    <p:tnLst>
+      <p:par>
+        <p:cTn id="1" dur="indefinite" restart="never" nodeType="tmRoot"/>
+      </p:par>
+    </p:tnLst>
+  </p:timing>
+</p:sld>
+</file>
+
+<file path=ppt/slides/slide6.xml><?xml version="1.0" encoding="utf-8"?>
 <p:sld xmlns:a="http://schemas.openxmlformats.org/drawingml/2006/main" xmlns:r="http://schemas.openxmlformats.org/officeDocument/2006/relationships" xmlns:p="http://schemas.openxmlformats.org/presentationml/2006/main">
   <p:cSld>
     <p:spTree>
@@ -16252,7 +17131,7 @@
           <a:p>
             <a:fld id="{8C2E478F-E849-4A8C-AF1F-CBCC78A7CBFA}" type="slidenum">
               <a:rPr lang="en-US" smtClean="0"/>
-              <a:t>5</a:t>
+              <a:t>6</a:t>
             </a:fld>
             <a:endParaRPr lang="en-US" dirty="0"/>
           </a:p>
@@ -16263,7 +17142,306 @@
           <p:cNvPr id="3" name="TextBox 2">
             <a:extLst>
               <a:ext uri="{FF2B5EF4-FFF2-40B4-BE49-F238E27FC236}">
-                <a16:creationId xmlns:a16="http://schemas.microsoft.com/office/drawing/2014/main" xmlns="" id="{BE8AA9BD-5B28-4BB1-803B-54BB6E1B0DE1}"/>
+                <a16:creationId xmlns:a16="http://schemas.microsoft.com/office/drawing/2014/main" id="{BE8AA9BD-5B28-4BB1-803B-54BB6E1B0DE1}"/>
+              </a:ext>
+            </a:extLst>
+          </p:cNvPr>
+          <p:cNvSpPr txBox="1"/>
+          <p:nvPr/>
+        </p:nvSpPr>
+        <p:spPr>
+          <a:xfrm>
+            <a:off x="2456484" y="461021"/>
+            <a:ext cx="7278915" cy="480131"/>
+          </a:xfrm>
+          <a:prstGeom prst="rect">
+            <a:avLst/>
+          </a:prstGeom>
+          <a:noFill/>
+        </p:spPr>
+        <p:txBody>
+          <a:bodyPr wrap="square" rtlCol="0">
+            <a:spAutoFit/>
+          </a:bodyPr>
+          <a:lstStyle/>
+          <a:p>
+            <a:pPr lvl="0" algn="ctr" defTabSz="1200150">
+              <a:lnSpc>
+                <a:spcPct val="90000"/>
+              </a:lnSpc>
+              <a:spcBef>
+                <a:spcPct val="0"/>
+              </a:spcBef>
+              <a:spcAft>
+                <a:spcPct val="35000"/>
+              </a:spcAft>
+            </a:pPr>
+            <a:r>
+              <a:rPr lang="en-US" sz="2800" dirty="0" smtClean="0">
+                <a:latin typeface="Arial" panose="020B0604020202020204" pitchFamily="34" charset="0"/>
+                <a:cs typeface="Arial" panose="020B0604020202020204" pitchFamily="34" charset="0"/>
+              </a:rPr>
+              <a:t>PHÁT VIDEO</a:t>
+            </a:r>
+            <a:endParaRPr lang="en-US" sz="2800" dirty="0">
+              <a:latin typeface="Arial" panose="020B0604020202020204" pitchFamily="34" charset="0"/>
+              <a:cs typeface="Arial" panose="020B0604020202020204" pitchFamily="34" charset="0"/>
+            </a:endParaRPr>
+          </a:p>
+        </p:txBody>
+      </p:sp>
+      <p:sp>
+        <p:nvSpPr>
+          <p:cNvPr id="4" name="TextBox 3"/>
+          <p:cNvSpPr txBox="1"/>
+          <p:nvPr/>
+        </p:nvSpPr>
+        <p:spPr>
+          <a:xfrm>
+            <a:off x="674913" y="1381684"/>
+            <a:ext cx="10874355" cy="646331"/>
+          </a:xfrm>
+          <a:prstGeom prst="rect">
+            <a:avLst/>
+          </a:prstGeom>
+          <a:noFill/>
+        </p:spPr>
+        <p:txBody>
+          <a:bodyPr wrap="square" rtlCol="0">
+            <a:spAutoFit/>
+          </a:bodyPr>
+          <a:lstStyle/>
+          <a:p>
+            <a:pPr>
+              <a:lnSpc>
+                <a:spcPct val="150000"/>
+              </a:lnSpc>
+            </a:pPr>
+            <a:r>
+              <a:rPr lang="en-US" sz="2400" smtClean="0">
+                <a:latin typeface="Arial" panose="020B0604020202020204" pitchFamily="34" charset="0"/>
+                <a:cs typeface="Arial" panose="020B0604020202020204" pitchFamily="34" charset="0"/>
+              </a:rPr>
+              <a:t>Thời lượng video(s): 50, 60, 40</a:t>
+            </a:r>
+          </a:p>
+        </p:txBody>
+      </p:sp>
+      <p:sp>
+        <p:nvSpPr>
+          <p:cNvPr id="5" name="TextBox 4"/>
+          <p:cNvSpPr txBox="1"/>
+          <p:nvPr/>
+        </p:nvSpPr>
+        <p:spPr>
+          <a:xfrm>
+            <a:off x="674913" y="4075136"/>
+            <a:ext cx="10874355" cy="830997"/>
+          </a:xfrm>
+          <a:prstGeom prst="rect">
+            <a:avLst/>
+          </a:prstGeom>
+          <a:noFill/>
+        </p:spPr>
+        <p:txBody>
+          <a:bodyPr wrap="square" rtlCol="0">
+            <a:spAutoFit/>
+          </a:bodyPr>
+          <a:lstStyle/>
+          <a:p>
+            <a:r>
+              <a:rPr lang="en-US" sz="2400" smtClean="0">
+                <a:latin typeface="Arial" panose="020B0604020202020204" pitchFamily="34" charset="0"/>
+                <a:cs typeface="Arial" panose="020B0604020202020204" pitchFamily="34" charset="0"/>
+              </a:rPr>
+              <a:t>Thời gian phát của video = (Thời gian hệ thống % tổng thời gian video) </a:t>
+            </a:r>
+          </a:p>
+          <a:p>
+            <a:r>
+              <a:rPr lang="en-US" sz="2400" smtClean="0">
+                <a:latin typeface="Arial" panose="020B0604020202020204" pitchFamily="34" charset="0"/>
+                <a:cs typeface="Arial" panose="020B0604020202020204" pitchFamily="34" charset="0"/>
+              </a:rPr>
+              <a:t>			-  thời gian đầu của video gần nhất – random(500ms)</a:t>
+            </a:r>
+            <a:endParaRPr lang="en-US" sz="2400">
+              <a:latin typeface="Arial" panose="020B0604020202020204" pitchFamily="34" charset="0"/>
+              <a:cs typeface="Arial" panose="020B0604020202020204" pitchFamily="34" charset="0"/>
+            </a:endParaRPr>
+          </a:p>
+        </p:txBody>
+      </p:sp>
+      <p:sp>
+        <p:nvSpPr>
+          <p:cNvPr id="6" name="TextBox 5"/>
+          <p:cNvSpPr txBox="1"/>
+          <p:nvPr/>
+        </p:nvSpPr>
+        <p:spPr>
+          <a:xfrm>
+            <a:off x="674913" y="5514196"/>
+            <a:ext cx="10874355" cy="830997"/>
+          </a:xfrm>
+          <a:prstGeom prst="rect">
+            <a:avLst/>
+          </a:prstGeom>
+          <a:noFill/>
+        </p:spPr>
+        <p:txBody>
+          <a:bodyPr wrap="square" rtlCol="0">
+            <a:spAutoFit/>
+          </a:bodyPr>
+          <a:lstStyle/>
+          <a:p>
+            <a:r>
+              <a:rPr lang="en-US" sz="2400" smtClean="0">
+                <a:latin typeface="Arial" panose="020B0604020202020204" pitchFamily="34" charset="0"/>
+                <a:cs typeface="Arial" panose="020B0604020202020204" pitchFamily="34" charset="0"/>
+              </a:rPr>
+              <a:t>VD: </a:t>
+            </a:r>
+            <a:r>
+              <a:rPr lang="en-US" sz="2400">
+                <a:latin typeface="Arial" panose="020B0604020202020204" pitchFamily="34" charset="0"/>
+                <a:cs typeface="Arial" panose="020B0604020202020204" pitchFamily="34" charset="0"/>
+              </a:rPr>
+              <a:t>Thời gian hệ thống % tổng thời gian </a:t>
+            </a:r>
+            <a:r>
+              <a:rPr lang="en-US" sz="2400" smtClean="0">
+                <a:latin typeface="Arial" panose="020B0604020202020204" pitchFamily="34" charset="0"/>
+                <a:cs typeface="Arial" panose="020B0604020202020204" pitchFamily="34" charset="0"/>
+              </a:rPr>
+              <a:t>video = 55s</a:t>
+            </a:r>
+          </a:p>
+          <a:p>
+            <a:r>
+              <a:rPr lang="en-US" sz="2400">
+                <a:latin typeface="Arial" panose="020B0604020202020204" pitchFamily="34" charset="0"/>
+                <a:cs typeface="Arial" panose="020B0604020202020204" pitchFamily="34" charset="0"/>
+              </a:rPr>
+              <a:t>	</a:t>
+            </a:r>
+            <a:r>
+              <a:rPr lang="en-US" sz="2400" smtClean="0">
+                <a:latin typeface="Arial" panose="020B0604020202020204" pitchFamily="34" charset="0"/>
+                <a:cs typeface="Arial" panose="020B0604020202020204" pitchFamily="34" charset="0"/>
+              </a:rPr>
+              <a:t>thời gian phát video =  55000 – 50.000 – random(500ms)  </a:t>
+            </a:r>
+            <a:endParaRPr lang="en-US" sz="2400">
+              <a:latin typeface="Arial" panose="020B0604020202020204" pitchFamily="34" charset="0"/>
+              <a:cs typeface="Arial" panose="020B0604020202020204" pitchFamily="34" charset="0"/>
+            </a:endParaRPr>
+          </a:p>
+        </p:txBody>
+      </p:sp>
+      <p:sp>
+        <p:nvSpPr>
+          <p:cNvPr id="8" name="TextBox 7"/>
+          <p:cNvSpPr txBox="1"/>
+          <p:nvPr/>
+        </p:nvSpPr>
+        <p:spPr>
+          <a:xfrm>
+            <a:off x="674913" y="2636077"/>
+            <a:ext cx="10874355" cy="830997"/>
+          </a:xfrm>
+          <a:prstGeom prst="rect">
+            <a:avLst/>
+          </a:prstGeom>
+          <a:noFill/>
+        </p:spPr>
+        <p:txBody>
+          <a:bodyPr wrap="square" rtlCol="0">
+            <a:spAutoFit/>
+          </a:bodyPr>
+          <a:lstStyle/>
+          <a:p>
+            <a:r>
+              <a:rPr lang="en-US" sz="2400">
+                <a:latin typeface="Arial" panose="020B0604020202020204" pitchFamily="34" charset="0"/>
+                <a:cs typeface="Arial" panose="020B0604020202020204" pitchFamily="34" charset="0"/>
+              </a:rPr>
+              <a:t>Mảng(ms): [0, 50.000, 110.000, 150.000] </a:t>
+            </a:r>
+          </a:p>
+          <a:p>
+            <a:endParaRPr lang="en-US" sz="2400"/>
+          </a:p>
+        </p:txBody>
+      </p:sp>
+    </p:spTree>
+    <p:extLst>
+      <p:ext uri="{BB962C8B-B14F-4D97-AF65-F5344CB8AC3E}">
+        <p14:creationId xmlns:p14="http://schemas.microsoft.com/office/powerpoint/2010/main" val="577627825"/>
+      </p:ext>
+    </p:extLst>
+  </p:cSld>
+  <p:clrMapOvr>
+    <a:masterClrMapping/>
+  </p:clrMapOvr>
+  <p:transition spd="slow">
+    <p:push dir="u"/>
+  </p:transition>
+  <p:timing>
+    <p:tnLst>
+      <p:par>
+        <p:cTn id="1" dur="indefinite" restart="never" nodeType="tmRoot"/>
+      </p:par>
+    </p:tnLst>
+  </p:timing>
+</p:sld>
+</file>
+
+<file path=ppt/slides/slide7.xml><?xml version="1.0" encoding="utf-8"?>
+<p:sld xmlns:a="http://schemas.openxmlformats.org/drawingml/2006/main" xmlns:r="http://schemas.openxmlformats.org/officeDocument/2006/relationships" xmlns:p="http://schemas.openxmlformats.org/presentationml/2006/main">
+  <p:cSld>
+    <p:spTree>
+      <p:nvGrpSpPr>
+        <p:cNvPr id="1" name=""/>
+        <p:cNvGrpSpPr/>
+        <p:nvPr/>
+      </p:nvGrpSpPr>
+      <p:grpSpPr>
+        <a:xfrm>
+          <a:off x="0" y="0"/>
+          <a:ext cx="0" cy="0"/>
+          <a:chOff x="0" y="0"/>
+          <a:chExt cx="0" cy="0"/>
+        </a:xfrm>
+      </p:grpSpPr>
+      <p:sp>
+        <p:nvSpPr>
+          <p:cNvPr id="2" name="Slide Number Placeholder 1"/>
+          <p:cNvSpPr>
+            <a:spLocks noGrp="1"/>
+          </p:cNvSpPr>
+          <p:nvPr>
+            <p:ph type="sldNum" sz="quarter" idx="12"/>
+          </p:nvPr>
+        </p:nvSpPr>
+        <p:spPr/>
+        <p:txBody>
+          <a:bodyPr/>
+          <a:lstStyle/>
+          <a:p>
+            <a:fld id="{8C2E478F-E849-4A8C-AF1F-CBCC78A7CBFA}" type="slidenum">
+              <a:rPr lang="en-US" smtClean="0"/>
+              <a:t>7</a:t>
+            </a:fld>
+            <a:endParaRPr lang="en-US" dirty="0"/>
+          </a:p>
+        </p:txBody>
+      </p:sp>
+      <p:sp>
+        <p:nvSpPr>
+          <p:cNvPr id="3" name="TextBox 2">
+            <a:extLst>
+              <a:ext uri="{FF2B5EF4-FFF2-40B4-BE49-F238E27FC236}">
+                <a16:creationId xmlns:a16="http://schemas.microsoft.com/office/drawing/2014/main" id="{BE8AA9BD-5B28-4BB1-803B-54BB6E1B0DE1}"/>
               </a:ext>
             </a:extLst>
           </p:cNvPr>
@@ -16400,7 +17578,7 @@
 </p:sld>
 </file>
 
-<file path=ppt/slides/slide6.xml><?xml version="1.0" encoding="utf-8"?>
+<file path=ppt/slides/slide8.xml><?xml version="1.0" encoding="utf-8"?>
 <p:sld xmlns:a="http://schemas.openxmlformats.org/drawingml/2006/main" xmlns:r="http://schemas.openxmlformats.org/officeDocument/2006/relationships" xmlns:p="http://schemas.openxmlformats.org/presentationml/2006/main">
   <p:cSld>
     <p:spTree>
@@ -16708,7 +17886,7 @@
 </p:sld>
 </file>
 
-<file path=ppt/slides/slide7.xml><?xml version="1.0" encoding="utf-8"?>
+<file path=ppt/slides/slide9.xml><?xml version="1.0" encoding="utf-8"?>
 <p:sld xmlns:a="http://schemas.openxmlformats.org/drawingml/2006/main" xmlns:r="http://schemas.openxmlformats.org/officeDocument/2006/relationships" xmlns:p="http://schemas.openxmlformats.org/presentationml/2006/main">
   <p:cSld>
     <p:spTree>
@@ -17067,739 +18245,6 @@
           <a:bldChart bld="categoryEl"/>
         </p:bldSub>
       </p:bldGraphic>
-    </p:bldLst>
-  </p:timing>
-</p:sld>
-</file>
-
-<file path=ppt/slides/slide8.xml><?xml version="1.0" encoding="utf-8"?>
-<p:sld xmlns:a="http://schemas.openxmlformats.org/drawingml/2006/main" xmlns:r="http://schemas.openxmlformats.org/officeDocument/2006/relationships" xmlns:p="http://schemas.openxmlformats.org/presentationml/2006/main">
-  <p:cSld>
-    <p:spTree>
-      <p:nvGrpSpPr>
-        <p:cNvPr id="1" name=""/>
-        <p:cNvGrpSpPr/>
-        <p:nvPr/>
-      </p:nvGrpSpPr>
-      <p:grpSpPr>
-        <a:xfrm>
-          <a:off x="0" y="0"/>
-          <a:ext cx="0" cy="0"/>
-          <a:chOff x="0" y="0"/>
-          <a:chExt cx="0" cy="0"/>
-        </a:xfrm>
-      </p:grpSpPr>
-      <p:sp>
-        <p:nvSpPr>
-          <p:cNvPr id="4" name="TextBox 3">
-            <a:extLst>
-              <a:ext uri="{FF2B5EF4-FFF2-40B4-BE49-F238E27FC236}">
-                <a16:creationId xmlns:a16="http://schemas.microsoft.com/office/drawing/2014/main" xmlns="" id="{BE8AA9BD-5B28-4BB1-803B-54BB6E1B0DE1}"/>
-              </a:ext>
-            </a:extLst>
-          </p:cNvPr>
-          <p:cNvSpPr txBox="1"/>
-          <p:nvPr/>
-        </p:nvSpPr>
-        <p:spPr>
-          <a:xfrm>
-            <a:off x="1599687" y="3240129"/>
-            <a:ext cx="8992508" cy="2123658"/>
-          </a:xfrm>
-          <a:prstGeom prst="rect">
-            <a:avLst/>
-          </a:prstGeom>
-          <a:noFill/>
-        </p:spPr>
-        <p:txBody>
-          <a:bodyPr wrap="square" rtlCol="0">
-            <a:spAutoFit/>
-          </a:bodyPr>
-          <a:lstStyle/>
-          <a:p>
-            <a:pPr algn="ctr"/>
-            <a:r>
-              <a:rPr lang="en-US" sz="4400" b="1" dirty="0">
-                <a:solidFill>
-                  <a:schemeClr val="bg1">
-                    <a:lumMod val="65000"/>
-                  </a:schemeClr>
-                </a:solidFill>
-                <a:latin typeface="Tw Cen MT" panose="020B0602020104020603" pitchFamily="34" charset="0"/>
-              </a:rPr>
-              <a:t>T H A N K </a:t>
-            </a:r>
-            <a:r>
-              <a:rPr lang="en-US" sz="4400" b="1" dirty="0" smtClean="0">
-                <a:solidFill>
-                  <a:schemeClr val="bg1">
-                    <a:lumMod val="65000"/>
-                  </a:schemeClr>
-                </a:solidFill>
-                <a:latin typeface="Tw Cen MT" panose="020B0602020104020603" pitchFamily="34" charset="0"/>
-              </a:rPr>
-              <a:t>S</a:t>
-            </a:r>
-          </a:p>
-          <a:p>
-            <a:pPr algn="ctr"/>
-            <a:r>
-              <a:rPr lang="en-US" sz="4400" b="1" dirty="0" smtClean="0">
-                <a:solidFill>
-                  <a:schemeClr val="bg1">
-                    <a:lumMod val="65000"/>
-                  </a:schemeClr>
-                </a:solidFill>
-                <a:latin typeface="Tw Cen MT" panose="020B0602020104020603" pitchFamily="34" charset="0"/>
-              </a:rPr>
-              <a:t>F </a:t>
-            </a:r>
-            <a:r>
-              <a:rPr lang="en-US" sz="4400" b="1" dirty="0">
-                <a:solidFill>
-                  <a:schemeClr val="bg1">
-                    <a:lumMod val="65000"/>
-                  </a:schemeClr>
-                </a:solidFill>
-                <a:latin typeface="Tw Cen MT" panose="020B0602020104020603" pitchFamily="34" charset="0"/>
-              </a:rPr>
-              <a:t>O </a:t>
-            </a:r>
-            <a:r>
-              <a:rPr lang="en-US" sz="4400" b="1" dirty="0" smtClean="0">
-                <a:solidFill>
-                  <a:schemeClr val="bg1">
-                    <a:lumMod val="65000"/>
-                  </a:schemeClr>
-                </a:solidFill>
-                <a:latin typeface="Tw Cen MT" panose="020B0602020104020603" pitchFamily="34" charset="0"/>
-              </a:rPr>
-              <a:t>R</a:t>
-            </a:r>
-          </a:p>
-          <a:p>
-            <a:pPr algn="ctr"/>
-            <a:r>
-              <a:rPr lang="en-US" sz="4400" b="1" dirty="0" smtClean="0">
-                <a:solidFill>
-                  <a:schemeClr val="bg1">
-                    <a:lumMod val="65000"/>
-                  </a:schemeClr>
-                </a:solidFill>
-                <a:latin typeface="Tw Cen MT" panose="020B0602020104020603" pitchFamily="34" charset="0"/>
-              </a:rPr>
-              <a:t>W </a:t>
-            </a:r>
-            <a:r>
-              <a:rPr lang="en-US" sz="4400" b="1" dirty="0">
-                <a:solidFill>
-                  <a:schemeClr val="bg1">
-                    <a:lumMod val="65000"/>
-                  </a:schemeClr>
-                </a:solidFill>
-                <a:latin typeface="Tw Cen MT" panose="020B0602020104020603" pitchFamily="34" charset="0"/>
-              </a:rPr>
-              <a:t>A T C H I N G</a:t>
-            </a:r>
-          </a:p>
-        </p:txBody>
-      </p:sp>
-      <p:pic>
-        <p:nvPicPr>
-          <p:cNvPr id="3" name="Picture 2">
-            <a:extLst>
-              <a:ext uri="{FF2B5EF4-FFF2-40B4-BE49-F238E27FC236}">
-                <a16:creationId xmlns:a16="http://schemas.microsoft.com/office/drawing/2014/main" xmlns="" id="{50AD5817-10C9-4E0E-A247-63D6F743F821}"/>
-              </a:ext>
-            </a:extLst>
-          </p:cNvPr>
-          <p:cNvPicPr>
-            <a:picLocks noChangeAspect="1"/>
-          </p:cNvPicPr>
-          <p:nvPr/>
-        </p:nvPicPr>
-        <p:blipFill>
-          <a:blip r:embed="rId2" cstate="print">
-            <a:extLst>
-              <a:ext uri="{28A0092B-C50C-407E-A947-70E740481C1C}">
-                <a14:useLocalDpi xmlns:a14="http://schemas.microsoft.com/office/drawing/2010/main" val="0"/>
-              </a:ext>
-            </a:extLst>
-          </a:blip>
-          <a:stretch>
-            <a:fillRect/>
-          </a:stretch>
-        </p:blipFill>
-        <p:spPr>
-          <a:xfrm>
-            <a:off x="5473889" y="1624457"/>
-            <a:ext cx="1244104" cy="1244104"/>
-          </a:xfrm>
-          <a:prstGeom prst="rect">
-            <a:avLst/>
-          </a:prstGeom>
-        </p:spPr>
-      </p:pic>
-      <p:grpSp>
-        <p:nvGrpSpPr>
-          <p:cNvPr id="24" name="Group 23">
-            <a:extLst>
-              <a:ext uri="{FF2B5EF4-FFF2-40B4-BE49-F238E27FC236}">
-                <a16:creationId xmlns:a16="http://schemas.microsoft.com/office/drawing/2014/main" xmlns="" id="{7D884BCA-1978-49CC-8588-5399D7CABDE7}"/>
-              </a:ext>
-            </a:extLst>
-          </p:cNvPr>
-          <p:cNvGrpSpPr/>
-          <p:nvPr/>
-        </p:nvGrpSpPr>
-        <p:grpSpPr>
-          <a:xfrm>
-            <a:off x="5378696" y="5735355"/>
-            <a:ext cx="1434489" cy="190500"/>
-            <a:chOff x="4679586" y="878988"/>
-            <a:chExt cx="1434489" cy="190500"/>
-          </a:xfrm>
-        </p:grpSpPr>
-        <p:sp>
-          <p:nvSpPr>
-            <p:cNvPr id="25" name="Oval 24">
-              <a:extLst>
-                <a:ext uri="{FF2B5EF4-FFF2-40B4-BE49-F238E27FC236}">
-                  <a16:creationId xmlns:a16="http://schemas.microsoft.com/office/drawing/2014/main" xmlns="" id="{3701A590-ABA9-4BD2-BD64-376A4C227798}"/>
-                </a:ext>
-              </a:extLst>
-            </p:cNvPr>
-            <p:cNvSpPr/>
-            <p:nvPr/>
-          </p:nvSpPr>
-          <p:spPr>
-            <a:xfrm>
-              <a:off x="4679586" y="878988"/>
-              <a:ext cx="190500" cy="190500"/>
-            </a:xfrm>
-            <a:prstGeom prst="ellipse">
-              <a:avLst/>
-            </a:prstGeom>
-            <a:solidFill>
-              <a:srgbClr val="03A1A4"/>
-            </a:solidFill>
-            <a:ln>
-              <a:noFill/>
-            </a:ln>
-          </p:spPr>
-          <p:style>
-            <a:lnRef idx="2">
-              <a:schemeClr val="accent1">
-                <a:shade val="50000"/>
-              </a:schemeClr>
-            </a:lnRef>
-            <a:fillRef idx="1">
-              <a:schemeClr val="accent1"/>
-            </a:fillRef>
-            <a:effectRef idx="0">
-              <a:schemeClr val="accent1"/>
-            </a:effectRef>
-            <a:fontRef idx="minor">
-              <a:schemeClr val="lt1"/>
-            </a:fontRef>
-          </p:style>
-          <p:txBody>
-            <a:bodyPr rtlCol="0" anchor="ctr"/>
-            <a:lstStyle/>
-            <a:p>
-              <a:pPr algn="ctr"/>
-              <a:endParaRPr lang="en-US">
-                <a:latin typeface="Arial" panose="020B0604020202020204" pitchFamily="34" charset="0"/>
-                <a:cs typeface="Arial" panose="020B0604020202020204" pitchFamily="34" charset="0"/>
-              </a:endParaRPr>
-            </a:p>
-          </p:txBody>
-        </p:sp>
-        <p:sp>
-          <p:nvSpPr>
-            <p:cNvPr id="26" name="Oval 25">
-              <a:extLst>
-                <a:ext uri="{FF2B5EF4-FFF2-40B4-BE49-F238E27FC236}">
-                  <a16:creationId xmlns:a16="http://schemas.microsoft.com/office/drawing/2014/main" xmlns="" id="{3E53B434-A2A6-4C16-99DD-292CE4FD62C4}"/>
-                </a:ext>
-              </a:extLst>
-            </p:cNvPr>
-            <p:cNvSpPr/>
-            <p:nvPr/>
-          </p:nvSpPr>
-          <p:spPr>
-            <a:xfrm>
-              <a:off x="4990736" y="878988"/>
-              <a:ext cx="190500" cy="190500"/>
-            </a:xfrm>
-            <a:prstGeom prst="ellipse">
-              <a:avLst/>
-            </a:prstGeom>
-            <a:solidFill>
-              <a:srgbClr val="EE9524"/>
-            </a:solidFill>
-            <a:ln>
-              <a:noFill/>
-            </a:ln>
-          </p:spPr>
-          <p:style>
-            <a:lnRef idx="2">
-              <a:schemeClr val="accent1">
-                <a:shade val="50000"/>
-              </a:schemeClr>
-            </a:lnRef>
-            <a:fillRef idx="1">
-              <a:schemeClr val="accent1"/>
-            </a:fillRef>
-            <a:effectRef idx="0">
-              <a:schemeClr val="accent1"/>
-            </a:effectRef>
-            <a:fontRef idx="minor">
-              <a:schemeClr val="lt1"/>
-            </a:fontRef>
-          </p:style>
-          <p:txBody>
-            <a:bodyPr rtlCol="0" anchor="ctr"/>
-            <a:lstStyle/>
-            <a:p>
-              <a:pPr algn="ctr"/>
-              <a:endParaRPr lang="en-US">
-                <a:latin typeface="Arial" panose="020B0604020202020204" pitchFamily="34" charset="0"/>
-                <a:cs typeface="Arial" panose="020B0604020202020204" pitchFamily="34" charset="0"/>
-              </a:endParaRPr>
-            </a:p>
-          </p:txBody>
-        </p:sp>
-        <p:sp>
-          <p:nvSpPr>
-            <p:cNvPr id="27" name="Oval 26">
-              <a:extLst>
-                <a:ext uri="{FF2B5EF4-FFF2-40B4-BE49-F238E27FC236}">
-                  <a16:creationId xmlns:a16="http://schemas.microsoft.com/office/drawing/2014/main" xmlns="" id="{F3E5BC96-17A2-4BD5-BA51-10270687E851}"/>
-                </a:ext>
-              </a:extLst>
-            </p:cNvPr>
-            <p:cNvSpPr/>
-            <p:nvPr/>
-          </p:nvSpPr>
-          <p:spPr>
-            <a:xfrm>
-              <a:off x="5301522" y="878988"/>
-              <a:ext cx="190500" cy="190500"/>
-            </a:xfrm>
-            <a:prstGeom prst="ellipse">
-              <a:avLst/>
-            </a:prstGeom>
-            <a:solidFill>
-              <a:srgbClr val="EF3078"/>
-            </a:solidFill>
-            <a:ln>
-              <a:noFill/>
-            </a:ln>
-          </p:spPr>
-          <p:style>
-            <a:lnRef idx="2">
-              <a:schemeClr val="accent1">
-                <a:shade val="50000"/>
-              </a:schemeClr>
-            </a:lnRef>
-            <a:fillRef idx="1">
-              <a:schemeClr val="accent1"/>
-            </a:fillRef>
-            <a:effectRef idx="0">
-              <a:schemeClr val="accent1"/>
-            </a:effectRef>
-            <a:fontRef idx="minor">
-              <a:schemeClr val="lt1"/>
-            </a:fontRef>
-          </p:style>
-          <p:txBody>
-            <a:bodyPr rtlCol="0" anchor="ctr"/>
-            <a:lstStyle/>
-            <a:p>
-              <a:pPr algn="ctr"/>
-              <a:endParaRPr lang="en-US">
-                <a:latin typeface="Arial" panose="020B0604020202020204" pitchFamily="34" charset="0"/>
-                <a:cs typeface="Arial" panose="020B0604020202020204" pitchFamily="34" charset="0"/>
-              </a:endParaRPr>
-            </a:p>
-          </p:txBody>
-        </p:sp>
-        <p:sp>
-          <p:nvSpPr>
-            <p:cNvPr id="28" name="Oval 27">
-              <a:extLst>
-                <a:ext uri="{FF2B5EF4-FFF2-40B4-BE49-F238E27FC236}">
-                  <a16:creationId xmlns:a16="http://schemas.microsoft.com/office/drawing/2014/main" xmlns="" id="{1A06ACCC-548D-4873-BD3B-AD3CA2C095B0}"/>
-                </a:ext>
-              </a:extLst>
-            </p:cNvPr>
-            <p:cNvSpPr/>
-            <p:nvPr/>
-          </p:nvSpPr>
-          <p:spPr>
-            <a:xfrm>
-              <a:off x="5612308" y="878988"/>
-              <a:ext cx="190500" cy="190500"/>
-            </a:xfrm>
-            <a:prstGeom prst="ellipse">
-              <a:avLst/>
-            </a:prstGeom>
-            <a:solidFill>
-              <a:srgbClr val="1C7CBB"/>
-            </a:solidFill>
-            <a:ln>
-              <a:noFill/>
-            </a:ln>
-          </p:spPr>
-          <p:style>
-            <a:lnRef idx="2">
-              <a:schemeClr val="accent1">
-                <a:shade val="50000"/>
-              </a:schemeClr>
-            </a:lnRef>
-            <a:fillRef idx="1">
-              <a:schemeClr val="accent1"/>
-            </a:fillRef>
-            <a:effectRef idx="0">
-              <a:schemeClr val="accent1"/>
-            </a:effectRef>
-            <a:fontRef idx="minor">
-              <a:schemeClr val="lt1"/>
-            </a:fontRef>
-          </p:style>
-          <p:txBody>
-            <a:bodyPr rtlCol="0" anchor="ctr"/>
-            <a:lstStyle/>
-            <a:p>
-              <a:pPr algn="ctr"/>
-              <a:endParaRPr lang="en-US">
-                <a:latin typeface="Arial" panose="020B0604020202020204" pitchFamily="34" charset="0"/>
-                <a:cs typeface="Arial" panose="020B0604020202020204" pitchFamily="34" charset="0"/>
-              </a:endParaRPr>
-            </a:p>
-          </p:txBody>
-        </p:sp>
-        <p:sp>
-          <p:nvSpPr>
-            <p:cNvPr id="29" name="Oval 28">
-              <a:extLst>
-                <a:ext uri="{FF2B5EF4-FFF2-40B4-BE49-F238E27FC236}">
-                  <a16:creationId xmlns:a16="http://schemas.microsoft.com/office/drawing/2014/main" xmlns="" id="{7CBDE4C1-DAF9-476F-B807-27BE954F6C82}"/>
-                </a:ext>
-              </a:extLst>
-            </p:cNvPr>
-            <p:cNvSpPr/>
-            <p:nvPr/>
-          </p:nvSpPr>
-          <p:spPr>
-            <a:xfrm>
-              <a:off x="5923575" y="878988"/>
-              <a:ext cx="190500" cy="190500"/>
-            </a:xfrm>
-            <a:prstGeom prst="ellipse">
-              <a:avLst/>
-            </a:prstGeom>
-            <a:solidFill>
-              <a:schemeClr val="accent6">
-                <a:lumMod val="50000"/>
-              </a:schemeClr>
-            </a:solidFill>
-            <a:ln>
-              <a:noFill/>
-            </a:ln>
-          </p:spPr>
-          <p:style>
-            <a:lnRef idx="2">
-              <a:schemeClr val="accent1">
-                <a:shade val="50000"/>
-              </a:schemeClr>
-            </a:lnRef>
-            <a:fillRef idx="1">
-              <a:schemeClr val="accent1"/>
-            </a:fillRef>
-            <a:effectRef idx="0">
-              <a:schemeClr val="accent1"/>
-            </a:effectRef>
-            <a:fontRef idx="minor">
-              <a:schemeClr val="lt1"/>
-            </a:fontRef>
-          </p:style>
-          <p:txBody>
-            <a:bodyPr rtlCol="0" anchor="ctr"/>
-            <a:lstStyle/>
-            <a:p>
-              <a:pPr algn="ctr"/>
-              <a:endParaRPr lang="en-US">
-                <a:latin typeface="Arial" panose="020B0604020202020204" pitchFamily="34" charset="0"/>
-                <a:cs typeface="Arial" panose="020B0604020202020204" pitchFamily="34" charset="0"/>
-              </a:endParaRPr>
-            </a:p>
-          </p:txBody>
-        </p:sp>
-      </p:grpSp>
-    </p:spTree>
-    <p:extLst>
-      <p:ext uri="{BB962C8B-B14F-4D97-AF65-F5344CB8AC3E}">
-        <p14:creationId xmlns:p14="http://schemas.microsoft.com/office/powerpoint/2010/main" val="1120406092"/>
-      </p:ext>
-    </p:extLst>
-  </p:cSld>
-  <p:clrMapOvr>
-    <a:masterClrMapping/>
-  </p:clrMapOvr>
-  <p:transition spd="slow">
-    <p:blinds dir="vert"/>
-  </p:transition>
-  <p:timing>
-    <p:tnLst>
-      <p:par>
-        <p:cTn id="1" dur="indefinite" restart="never" nodeType="tmRoot">
-          <p:childTnLst>
-            <p:seq concurrent="1" nextAc="seek">
-              <p:cTn id="2" dur="indefinite" nodeType="mainSeq">
-                <p:childTnLst>
-                  <p:par>
-                    <p:cTn id="3" fill="hold">
-                      <p:stCondLst>
-                        <p:cond delay="indefinite"/>
-                        <p:cond evt="onBegin" delay="0">
-                          <p:tn val="2"/>
-                        </p:cond>
-                      </p:stCondLst>
-                      <p:childTnLst>
-                        <p:par>
-                          <p:cTn id="4" fill="hold">
-                            <p:stCondLst>
-                              <p:cond delay="0"/>
-                            </p:stCondLst>
-                            <p:childTnLst>
-                              <p:par>
-                                <p:cTn id="5" presetID="47" presetClass="entr" presetSubtype="0" fill="hold" nodeType="withEffect">
-                                  <p:stCondLst>
-                                    <p:cond delay="0"/>
-                                  </p:stCondLst>
-                                  <p:childTnLst>
-                                    <p:set>
-                                      <p:cBhvr>
-                                        <p:cTn id="6" dur="1" fill="hold">
-                                          <p:stCondLst>
-                                            <p:cond delay="0"/>
-                                          </p:stCondLst>
-                                        </p:cTn>
-                                        <p:tgtEl>
-                                          <p:spTgt spid="3"/>
-                                        </p:tgtEl>
-                                        <p:attrNameLst>
-                                          <p:attrName>style.visibility</p:attrName>
-                                        </p:attrNameLst>
-                                      </p:cBhvr>
-                                      <p:to>
-                                        <p:strVal val="visible"/>
-                                      </p:to>
-                                    </p:set>
-                                    <p:animEffect transition="in" filter="fade">
-                                      <p:cBhvr>
-                                        <p:cTn id="7" dur="1000"/>
-                                        <p:tgtEl>
-                                          <p:spTgt spid="3"/>
-                                        </p:tgtEl>
-                                      </p:cBhvr>
-                                    </p:animEffect>
-                                    <p:anim calcmode="lin" valueType="num">
-                                      <p:cBhvr>
-                                        <p:cTn id="8" dur="1000" fill="hold"/>
-                                        <p:tgtEl>
-                                          <p:spTgt spid="3"/>
-                                        </p:tgtEl>
-                                        <p:attrNameLst>
-                                          <p:attrName>ppt_x</p:attrName>
-                                        </p:attrNameLst>
-                                      </p:cBhvr>
-                                      <p:tavLst>
-                                        <p:tav tm="0">
-                                          <p:val>
-                                            <p:strVal val="#ppt_x"/>
-                                          </p:val>
-                                        </p:tav>
-                                        <p:tav tm="100000">
-                                          <p:val>
-                                            <p:strVal val="#ppt_x"/>
-                                          </p:val>
-                                        </p:tav>
-                                      </p:tavLst>
-                                    </p:anim>
-                                    <p:anim calcmode="lin" valueType="num">
-                                      <p:cBhvr>
-                                        <p:cTn id="9" dur="1000" fill="hold"/>
-                                        <p:tgtEl>
-                                          <p:spTgt spid="3"/>
-                                        </p:tgtEl>
-                                        <p:attrNameLst>
-                                          <p:attrName>ppt_y</p:attrName>
-                                        </p:attrNameLst>
-                                      </p:cBhvr>
-                                      <p:tavLst>
-                                        <p:tav tm="0">
-                                          <p:val>
-                                            <p:strVal val="#ppt_y-.1"/>
-                                          </p:val>
-                                        </p:tav>
-                                        <p:tav tm="100000">
-                                          <p:val>
-                                            <p:strVal val="#ppt_y"/>
-                                          </p:val>
-                                        </p:tav>
-                                      </p:tavLst>
-                                    </p:anim>
-                                  </p:childTnLst>
-                                </p:cTn>
-                              </p:par>
-                              <p:par>
-                                <p:cTn id="10" presetID="53" presetClass="entr" presetSubtype="16" fill="hold" grpId="0" nodeType="withEffect">
-                                  <p:stCondLst>
-                                    <p:cond delay="0"/>
-                                  </p:stCondLst>
-                                  <p:childTnLst>
-                                    <p:set>
-                                      <p:cBhvr>
-                                        <p:cTn id="11" dur="1" fill="hold">
-                                          <p:stCondLst>
-                                            <p:cond delay="0"/>
-                                          </p:stCondLst>
-                                        </p:cTn>
-                                        <p:tgtEl>
-                                          <p:spTgt spid="4"/>
-                                        </p:tgtEl>
-                                        <p:attrNameLst>
-                                          <p:attrName>style.visibility</p:attrName>
-                                        </p:attrNameLst>
-                                      </p:cBhvr>
-                                      <p:to>
-                                        <p:strVal val="visible"/>
-                                      </p:to>
-                                    </p:set>
-                                    <p:anim calcmode="lin" valueType="num">
-                                      <p:cBhvr>
-                                        <p:cTn id="12" dur="1000" fill="hold"/>
-                                        <p:tgtEl>
-                                          <p:spTgt spid="4"/>
-                                        </p:tgtEl>
-                                        <p:attrNameLst>
-                                          <p:attrName>ppt_w</p:attrName>
-                                        </p:attrNameLst>
-                                      </p:cBhvr>
-                                      <p:tavLst>
-                                        <p:tav tm="0">
-                                          <p:val>
-                                            <p:fltVal val="0"/>
-                                          </p:val>
-                                        </p:tav>
-                                        <p:tav tm="100000">
-                                          <p:val>
-                                            <p:strVal val="#ppt_w"/>
-                                          </p:val>
-                                        </p:tav>
-                                      </p:tavLst>
-                                    </p:anim>
-                                    <p:anim calcmode="lin" valueType="num">
-                                      <p:cBhvr>
-                                        <p:cTn id="13" dur="1000" fill="hold"/>
-                                        <p:tgtEl>
-                                          <p:spTgt spid="4"/>
-                                        </p:tgtEl>
-                                        <p:attrNameLst>
-                                          <p:attrName>ppt_h</p:attrName>
-                                        </p:attrNameLst>
-                                      </p:cBhvr>
-                                      <p:tavLst>
-                                        <p:tav tm="0">
-                                          <p:val>
-                                            <p:fltVal val="0"/>
-                                          </p:val>
-                                        </p:tav>
-                                        <p:tav tm="100000">
-                                          <p:val>
-                                            <p:strVal val="#ppt_h"/>
-                                          </p:val>
-                                        </p:tav>
-                                      </p:tavLst>
-                                    </p:anim>
-                                    <p:animEffect transition="in" filter="fade">
-                                      <p:cBhvr>
-                                        <p:cTn id="14" dur="1000"/>
-                                        <p:tgtEl>
-                                          <p:spTgt spid="4"/>
-                                        </p:tgtEl>
-                                      </p:cBhvr>
-                                    </p:animEffect>
-                                  </p:childTnLst>
-                                </p:cTn>
-                              </p:par>
-                              <p:par>
-                                <p:cTn id="15" presetID="16" presetClass="entr" presetSubtype="21" fill="hold" nodeType="withEffect">
-                                  <p:stCondLst>
-                                    <p:cond delay="0"/>
-                                  </p:stCondLst>
-                                  <p:childTnLst>
-                                    <p:set>
-                                      <p:cBhvr>
-                                        <p:cTn id="16" dur="1" fill="hold">
-                                          <p:stCondLst>
-                                            <p:cond delay="0"/>
-                                          </p:stCondLst>
-                                        </p:cTn>
-                                        <p:tgtEl>
-                                          <p:spTgt spid="24"/>
-                                        </p:tgtEl>
-                                        <p:attrNameLst>
-                                          <p:attrName>style.visibility</p:attrName>
-                                        </p:attrNameLst>
-                                      </p:cBhvr>
-                                      <p:to>
-                                        <p:strVal val="visible"/>
-                                      </p:to>
-                                    </p:set>
-                                    <p:animEffect transition="in" filter="barn(inVertical)">
-                                      <p:cBhvr>
-                                        <p:cTn id="17" dur="1000"/>
-                                        <p:tgtEl>
-                                          <p:spTgt spid="24"/>
-                                        </p:tgtEl>
-                                      </p:cBhvr>
-                                    </p:animEffect>
-                                  </p:childTnLst>
-                                </p:cTn>
-                              </p:par>
-                            </p:childTnLst>
-                          </p:cTn>
-                        </p:par>
-                      </p:childTnLst>
-                    </p:cTn>
-                  </p:par>
-                </p:childTnLst>
-              </p:cTn>
-              <p:prevCondLst>
-                <p:cond evt="onPrev" delay="0">
-                  <p:tgtEl>
-                    <p:sldTgt/>
-                  </p:tgtEl>
-                </p:cond>
-              </p:prevCondLst>
-              <p:nextCondLst>
-                <p:cond evt="onNext" delay="0">
-                  <p:tgtEl>
-                    <p:sldTgt/>
-                  </p:tgtEl>
-                </p:cond>
-              </p:nextCondLst>
-            </p:seq>
-          </p:childTnLst>
-        </p:cTn>
-      </p:par>
-    </p:tnLst>
-    <p:bldLst>
-      <p:bldP spid="4" grpId="0"/>
     </p:bldLst>
   </p:timing>
 </p:sld>
@@ -18902,20 +19347,20 @@
 </file>
 
 <file path=customXml/item2.xml><?xml version="1.0" encoding="utf-8"?>
+<p:properties xmlns:p="http://schemas.microsoft.com/office/2006/metadata/properties" xmlns:xsi="http://www.w3.org/2001/XMLSchema-instance" xmlns:pc="http://schemas.microsoft.com/office/infopath/2007/PartnerControls">
+  <documentManagement>
+    <MediaServiceKeyPoints xmlns="71af3243-3dd4-4a8d-8c0d-dd76da1f02a5" xsi:nil="true"/>
+  </documentManagement>
+</p:properties>
+</file>
+
+<file path=customXml/item3.xml><?xml version="1.0" encoding="utf-8"?>
 <?mso-contentType ?>
 <FormTemplates xmlns="http://schemas.microsoft.com/sharepoint/v3/contenttype/forms">
   <Display>DocumentLibraryForm</Display>
   <Edit>DocumentLibraryForm</Edit>
   <New>DocumentLibraryForm</New>
 </FormTemplates>
-</file>
-
-<file path=customXml/item3.xml><?xml version="1.0" encoding="utf-8"?>
-<p:properties xmlns:p="http://schemas.microsoft.com/office/2006/metadata/properties" xmlns:xsi="http://www.w3.org/2001/XMLSchema-instance" xmlns:pc="http://schemas.microsoft.com/office/infopath/2007/PartnerControls">
-  <documentManagement>
-    <MediaServiceKeyPoints xmlns="71af3243-3dd4-4a8d-8c0d-dd76da1f02a5" xsi:nil="true"/>
-  </documentManagement>
-</p:properties>
 </file>
 
 <file path=customXml/itemProps1.xml><?xml version="1.0" encoding="utf-8"?>
@@ -18938,19 +19383,26 @@
 </file>
 
 <file path=customXml/itemProps2.xml><?xml version="1.0" encoding="utf-8"?>
+<ds:datastoreItem xmlns:ds="http://schemas.openxmlformats.org/officeDocument/2006/customXml" ds:itemID="{22E71848-B78E-4D58-BFA5-D2D5918911CD}">
+  <ds:schemaRefs>
+    <ds:schemaRef ds:uri="http://purl.org/dc/dcmitype/"/>
+    <ds:schemaRef ds:uri="http://purl.org/dc/elements/1.1/"/>
+    <ds:schemaRef ds:uri="http://schemas.microsoft.com/office/infopath/2007/PartnerControls"/>
+    <ds:schemaRef ds:uri="http://purl.org/dc/terms/"/>
+    <ds:schemaRef ds:uri="http://schemas.microsoft.com/office/2006/metadata/properties"/>
+    <ds:schemaRef ds:uri="http://schemas.microsoft.com/office/2006/documentManagement/types"/>
+    <ds:schemaRef ds:uri="16c05727-aa75-4e4a-9b5f-8a80a1165891"/>
+    <ds:schemaRef ds:uri="http://schemas.openxmlformats.org/package/2006/metadata/core-properties"/>
+    <ds:schemaRef ds:uri="71af3243-3dd4-4a8d-8c0d-dd76da1f02a5"/>
+    <ds:schemaRef ds:uri="http://www.w3.org/XML/1998/namespace"/>
+  </ds:schemaRefs>
+</ds:datastoreItem>
+</file>
+
+<file path=customXml/itemProps3.xml><?xml version="1.0" encoding="utf-8"?>
 <ds:datastoreItem xmlns:ds="http://schemas.openxmlformats.org/officeDocument/2006/customXml" ds:itemID="{89B3E157-1CAC-4231-A2EC-E93952D57E42}">
   <ds:schemaRefs>
     <ds:schemaRef ds:uri="http://schemas.microsoft.com/sharepoint/v3/contenttype/forms"/>
   </ds:schemaRefs>
 </ds:datastoreItem>
-</file>
-
-<file path=customXml/itemProps3.xml><?xml version="1.0" encoding="utf-8"?>
-<ds:datastoreItem xmlns:ds="http://schemas.openxmlformats.org/officeDocument/2006/customXml" ds:itemID="{22E71848-B78E-4D58-BFA5-D2D5918911CD}">
-  <ds:schemaRefs>
-    <ds:schemaRef ds:uri="http://schemas.microsoft.com/office/2006/metadata/properties"/>
-    <ds:schemaRef ds:uri="http://schemas.microsoft.com/office/infopath/2007/PartnerControls"/>
-    <ds:schemaRef ds:uri="71af3243-3dd4-4a8d-8c0d-dd76da1f02a5"/>
-  </ds:schemaRefs>
-</ds:datastoreItem>
 </file>
--- a/Đồ án/BaoCao.pptx
+++ b/Đồ án/BaoCao.pptx
@@ -15,8 +15,8 @@
     <p:sldId id="257" r:id="rId6"/>
     <p:sldId id="263" r:id="rId7"/>
     <p:sldId id="266" r:id="rId8"/>
-    <p:sldId id="267" r:id="rId9"/>
-    <p:sldId id="264" r:id="rId10"/>
+    <p:sldId id="264" r:id="rId9"/>
+    <p:sldId id="267" r:id="rId10"/>
     <p:sldId id="265" r:id="rId11"/>
     <p:sldId id="258" r:id="rId12"/>
     <p:sldId id="259" r:id="rId13"/>
@@ -3042,7 +3042,7 @@
           <a:p>
             <a:fld id="{966D5B4E-BF3E-3B45-A4BA-D6C3B92870D7}" type="datetimeFigureOut">
               <a:rPr lang="en-US" smtClean="0"/>
-              <a:t>5/11/2020</a:t>
+              <a:t>5/21/2020</a:t>
             </a:fld>
             <a:endParaRPr lang="en-US" dirty="0"/>
           </a:p>
@@ -3219,7 +3219,7 @@
           <a:p>
             <a:fld id="{F5A8621B-8C8E-49BA-8772-41D0FE75A082}" type="datetimeFigureOut">
               <a:rPr lang="en-US" smtClean="0"/>
-              <a:t>5/11/2020</a:t>
+              <a:t>5/21/2020</a:t>
             </a:fld>
             <a:endParaRPr lang="en-US" dirty="0"/>
           </a:p>
@@ -3812,7 +3812,7 @@
     </p:spTree>
     <p:extLst>
       <p:ext uri="{BB962C8B-B14F-4D97-AF65-F5344CB8AC3E}">
-        <p14:creationId xmlns:p14="http://schemas.microsoft.com/office/powerpoint/2010/main" val="885721610"/>
+        <p14:creationId xmlns:p14="http://schemas.microsoft.com/office/powerpoint/2010/main" val="2901329780"/>
       </p:ext>
     </p:extLst>
   </p:cSld>
@@ -3896,7 +3896,7 @@
     </p:spTree>
     <p:extLst>
       <p:ext uri="{BB962C8B-B14F-4D97-AF65-F5344CB8AC3E}">
-        <p14:creationId xmlns:p14="http://schemas.microsoft.com/office/powerpoint/2010/main" val="646155689"/>
+        <p14:creationId xmlns:p14="http://schemas.microsoft.com/office/powerpoint/2010/main" val="912357663"/>
       </p:ext>
     </p:extLst>
   </p:cSld>
@@ -3980,7 +3980,7 @@
     </p:spTree>
     <p:extLst>
       <p:ext uri="{BB962C8B-B14F-4D97-AF65-F5344CB8AC3E}">
-        <p14:creationId xmlns:p14="http://schemas.microsoft.com/office/powerpoint/2010/main" val="912357663"/>
+        <p14:creationId xmlns:p14="http://schemas.microsoft.com/office/powerpoint/2010/main" val="2273533577"/>
       </p:ext>
     </p:extLst>
   </p:cSld>
@@ -5711,7 +5711,7 @@
           </a:ln>
           <a:extLst>
             <a:ext uri="{C572A759-6A51-4108-AA02-DFA0A04FC94B}">
-              <ma14:wrappingTextBoxFlag xmlns:ma14="http://schemas.microsoft.com/office/mac/drawingml/2011/main" xmlns="" val="1"/>
+              <ma14:wrappingTextBoxFlag xmlns="" xmlns:ma14="http://schemas.microsoft.com/office/mac/drawingml/2011/main" val="1"/>
             </a:ext>
           </a:extLst>
         </p:spPr>
@@ -6035,7 +6035,7 @@
           </a:ln>
           <a:extLst>
             <a:ext uri="{C572A759-6A51-4108-AA02-DFA0A04FC94B}">
-              <ma14:wrappingTextBoxFlag xmlns:ma14="http://schemas.microsoft.com/office/mac/drawingml/2011/main" xmlns="" val="1"/>
+              <ma14:wrappingTextBoxFlag xmlns="" xmlns:ma14="http://schemas.microsoft.com/office/mac/drawingml/2011/main" val="1"/>
             </a:ext>
           </a:extLst>
         </p:spPr>
@@ -9442,7 +9442,7 @@
           </a:ln>
           <a:extLst>
             <a:ext uri="{C572A759-6A51-4108-AA02-DFA0A04FC94B}">
-              <ma14:wrappingTextBoxFlag xmlns:ma14="http://schemas.microsoft.com/office/mac/drawingml/2011/main" xmlns="" val="1"/>
+              <ma14:wrappingTextBoxFlag xmlns="" xmlns:ma14="http://schemas.microsoft.com/office/mac/drawingml/2011/main" val="1"/>
             </a:ext>
           </a:extLst>
         </p:spPr>
@@ -10912,7 +10912,7 @@
           </a:ln>
           <a:extLst>
             <a:ext uri="{C572A759-6A51-4108-AA02-DFA0A04FC94B}">
-              <ma14:wrappingTextBoxFlag xmlns:ma14="http://schemas.microsoft.com/office/mac/drawingml/2011/main" xmlns="" val="1"/>
+              <ma14:wrappingTextBoxFlag xmlns="" xmlns:ma14="http://schemas.microsoft.com/office/mac/drawingml/2011/main" val="1"/>
             </a:ext>
           </a:extLst>
         </p:spPr>
@@ -11268,6 +11268,17 @@
 <file path=ppt/slides/slide1.xml><?xml version="1.0" encoding="utf-8"?>
 <p:sld xmlns:a="http://schemas.openxmlformats.org/drawingml/2006/main" xmlns:r="http://schemas.openxmlformats.org/officeDocument/2006/relationships" xmlns:p="http://schemas.openxmlformats.org/presentationml/2006/main">
   <p:cSld>
+    <p:bg>
+      <p:bgPr>
+        <a:solidFill>
+          <a:schemeClr val="accent6">
+            <a:lumMod val="20000"/>
+            <a:lumOff val="80000"/>
+          </a:schemeClr>
+        </a:solidFill>
+        <a:effectLst/>
+      </p:bgPr>
+    </p:bg>
     <p:spTree>
       <p:nvGrpSpPr>
         <p:cNvPr id="1" name=""/>
@@ -11299,14 +11310,14 @@
           </p:nvPr>
         </p:nvPicPr>
         <p:blipFill>
-          <a:blip r:embed="rId3">
+          <a:blip r:embed="rId4">
             <a:extLst>
               <a:ext uri="{28A0092B-C50C-407E-A947-70E740481C1C}">
                 <a14:useLocalDpi xmlns:a14="http://schemas.microsoft.com/office/drawing/2010/main" val="0"/>
               </a:ext>
             </a:extLst>
           </a:blip>
-          <a:srcRect/>
+          <a:srcRect t="182" b="182"/>
           <a:stretch>
             <a:fillRect/>
           </a:stretch>
@@ -11315,13 +11326,92 @@
       </p:pic>
       <p:sp>
         <p:nvSpPr>
+          <p:cNvPr id="2094" name="Slide Number Placeholder 2093">
+            <a:extLst>
+              <a:ext uri="{FF2B5EF4-FFF2-40B4-BE49-F238E27FC236}">
+                <a16:creationId xmlns:a16="http://schemas.microsoft.com/office/drawing/2014/main" id="{5DA62994-769D-4C19-BB0A-5144E0A5CFCD}"/>
+              </a:ext>
+            </a:extLst>
+          </p:cNvPr>
+          <p:cNvSpPr>
+            <a:spLocks noGrp="1"/>
+          </p:cNvSpPr>
+          <p:nvPr>
+            <p:ph type="sldNum" sz="quarter" idx="12"/>
+          </p:nvPr>
+        </p:nvSpPr>
+        <p:spPr/>
+        <p:txBody>
+          <a:bodyPr/>
+          <a:lstStyle/>
+          <a:p>
+            <a:fld id="{8C2E478F-E849-4A8C-AF1F-CBCC78A7CBFA}" type="slidenum">
+              <a:rPr lang="en-US" smtClean="0"/>
+              <a:pPr/>
+              <a:t>1</a:t>
+            </a:fld>
+            <a:endParaRPr lang="en-US" dirty="0"/>
+          </a:p>
+        </p:txBody>
+      </p:sp>
+      <p:sp>
+        <p:nvSpPr>
+          <p:cNvPr id="3" name="Title 2">
+            <a:extLst>
+              <a:ext uri="{FF2B5EF4-FFF2-40B4-BE49-F238E27FC236}">
+                <a16:creationId xmlns:a16="http://schemas.microsoft.com/office/drawing/2014/main" id="{1D24B42B-925B-494C-A986-BD85E8117E1E}"/>
+              </a:ext>
+            </a:extLst>
+          </p:cNvPr>
+          <p:cNvSpPr>
+            <a:spLocks noGrp="1"/>
+          </p:cNvSpPr>
+          <p:nvPr>
+            <p:ph type="title"/>
+          </p:nvPr>
+        </p:nvSpPr>
+        <p:spPr>
+          <a:xfrm>
+            <a:off x="5500688" y="1257300"/>
+            <a:ext cx="6272212" cy="1824638"/>
+          </a:xfrm>
+        </p:spPr>
+        <p:txBody>
+          <a:bodyPr>
+            <a:noAutofit/>
+          </a:bodyPr>
+          <a:lstStyle/>
+          <a:p>
+            <a:pPr algn="ctr"/>
+            <a:r>
+              <a:rPr lang="en-US" sz="3600" b="1" smtClean="0">
+                <a:solidFill>
+                  <a:schemeClr val="bg2">
+                    <a:lumMod val="25000"/>
+                  </a:schemeClr>
+                </a:solidFill>
+              </a:rPr>
+              <a:t>Track &amp; manage Samsung smartphone samples at retail shops</a:t>
+            </a:r>
+            <a:endParaRPr lang="en-US" sz="3600" b="1" dirty="0">
+              <a:solidFill>
+                <a:schemeClr val="bg2">
+                  <a:lumMod val="25000"/>
+                </a:schemeClr>
+              </a:solidFill>
+            </a:endParaRPr>
+          </a:p>
+        </p:txBody>
+      </p:sp>
+      <p:sp>
+        <p:nvSpPr>
           <p:cNvPr id="14" name="Rectangle 13">
             <a:extLst>
               <a:ext uri="{FF2B5EF4-FFF2-40B4-BE49-F238E27FC236}">
                 <a16:creationId xmlns:a16="http://schemas.microsoft.com/office/drawing/2014/main" id="{D687D26E-D67A-4318-AAB1-DCEAA89EEB21}"/>
               </a:ext>
               <a:ext uri="{C183D7F6-B498-43B3-948B-1728B52AA6E4}">
-                <adec:decorative xmlns:adec="http://schemas.microsoft.com/office/drawing/2017/decorative" xmlns="" val="1"/>
+                <adec:decorative xmlns="" xmlns:adec="http://schemas.microsoft.com/office/drawing/2017/decorative" val="1"/>
               </a:ext>
             </a:extLst>
           </p:cNvPr>
@@ -11459,78 +11549,6 @@
       </p:sp>
       <p:sp>
         <p:nvSpPr>
-          <p:cNvPr id="3" name="Title 2">
-            <a:extLst>
-              <a:ext uri="{FF2B5EF4-FFF2-40B4-BE49-F238E27FC236}">
-                <a16:creationId xmlns:a16="http://schemas.microsoft.com/office/drawing/2014/main" id="{1D24B42B-925B-494C-A986-BD85E8117E1E}"/>
-              </a:ext>
-            </a:extLst>
-          </p:cNvPr>
-          <p:cNvSpPr>
-            <a:spLocks noGrp="1"/>
-          </p:cNvSpPr>
-          <p:nvPr>
-            <p:ph type="title"/>
-          </p:nvPr>
-        </p:nvSpPr>
-        <p:spPr>
-          <a:xfrm>
-            <a:off x="5500688" y="1257300"/>
-            <a:ext cx="6272212" cy="1824638"/>
-          </a:xfrm>
-        </p:spPr>
-        <p:txBody>
-          <a:bodyPr>
-            <a:noAutofit/>
-          </a:bodyPr>
-          <a:lstStyle/>
-          <a:p>
-            <a:pPr algn="ctr"/>
-            <a:r>
-              <a:rPr lang="en-US" sz="3600" b="1" dirty="0">
-                <a:solidFill>
-                  <a:schemeClr val="bg2">
-                    <a:lumMod val="25000"/>
-                  </a:schemeClr>
-                </a:solidFill>
-              </a:rPr>
-              <a:t>Track &amp; manage Samsung smartphone samples at retail shops</a:t>
-            </a:r>
-          </a:p>
-        </p:txBody>
-      </p:sp>
-      <p:sp>
-        <p:nvSpPr>
-          <p:cNvPr id="2094" name="Slide Number Placeholder 2093">
-            <a:extLst>
-              <a:ext uri="{FF2B5EF4-FFF2-40B4-BE49-F238E27FC236}">
-                <a16:creationId xmlns:a16="http://schemas.microsoft.com/office/drawing/2014/main" id="{5DA62994-769D-4C19-BB0A-5144E0A5CFCD}"/>
-              </a:ext>
-            </a:extLst>
-          </p:cNvPr>
-          <p:cNvSpPr>
-            <a:spLocks noGrp="1"/>
-          </p:cNvSpPr>
-          <p:nvPr>
-            <p:ph type="sldNum" sz="quarter" idx="12"/>
-          </p:nvPr>
-        </p:nvSpPr>
-        <p:spPr/>
-        <p:txBody>
-          <a:bodyPr/>
-          <a:lstStyle/>
-          <a:p>
-            <a:fld id="{8C2E478F-E849-4A8C-AF1F-CBCC78A7CBFA}" type="slidenum">
-              <a:rPr lang="en-US" smtClean="0"/>
-              <a:pPr/>
-              <a:t>1</a:t>
-            </a:fld>
-            <a:endParaRPr lang="en-US" dirty="0"/>
-          </a:p>
-        </p:txBody>
-      </p:sp>
-      <p:sp>
-        <p:nvSpPr>
           <p:cNvPr id="6" name="TextBox 5"/>
           <p:cNvSpPr txBox="1"/>
           <p:nvPr/>
@@ -11538,7 +11556,7 @@
         <p:spPr>
           <a:xfrm>
             <a:off x="6600824" y="3281601"/>
-            <a:ext cx="4667251" cy="954107"/>
+            <a:ext cx="4667251" cy="1384995"/>
           </a:xfrm>
           <a:prstGeom prst="rect">
             <a:avLst/>
@@ -11683,8 +11701,55 @@
                 <a:latin typeface="Arial" panose="020B0604020202020204" pitchFamily="34" charset="0"/>
                 <a:cs typeface="Arial" panose="020B0604020202020204" pitchFamily="34" charset="0"/>
               </a:rPr>
-              <a:t> Đại Hiệp</a:t>
-            </a:r>
+              <a:t> </a:t>
+            </a:r>
+            <a:r>
+              <a:rPr lang="en-US" sz="2800" smtClean="0">
+                <a:solidFill>
+                  <a:schemeClr val="bg2">
+                    <a:lumMod val="25000"/>
+                  </a:schemeClr>
+                </a:solidFill>
+                <a:latin typeface="Arial" panose="020B0604020202020204" pitchFamily="34" charset="0"/>
+                <a:cs typeface="Arial" panose="020B0604020202020204" pitchFamily="34" charset="0"/>
+              </a:rPr>
+              <a:t>Đại </a:t>
+            </a:r>
+            <a:r>
+              <a:rPr lang="en-US" sz="2800" smtClean="0">
+                <a:solidFill>
+                  <a:schemeClr val="bg2">
+                    <a:lumMod val="25000"/>
+                  </a:schemeClr>
+                </a:solidFill>
+                <a:latin typeface="Arial" panose="020B0604020202020204" pitchFamily="34" charset="0"/>
+                <a:cs typeface="Arial" panose="020B0604020202020204" pitchFamily="34" charset="0"/>
+              </a:rPr>
+              <a:t>Hiệp</a:t>
+            </a:r>
+          </a:p>
+          <a:p>
+            <a:r>
+              <a:rPr lang="en-US" sz="2800" smtClean="0">
+                <a:solidFill>
+                  <a:schemeClr val="bg2">
+                    <a:lumMod val="25000"/>
+                  </a:schemeClr>
+                </a:solidFill>
+                <a:latin typeface="Arial" panose="020B0604020202020204" pitchFamily="34" charset="0"/>
+                <a:cs typeface="Arial" panose="020B0604020202020204" pitchFamily="34" charset="0"/>
+              </a:rPr>
+              <a:t>	KTPM – K14B</a:t>
+            </a:r>
+            <a:endParaRPr lang="en-US" sz="2800" dirty="0" smtClean="0">
+              <a:solidFill>
+                <a:schemeClr val="bg2">
+                  <a:lumMod val="25000"/>
+                </a:schemeClr>
+              </a:solidFill>
+              <a:latin typeface="Arial" panose="020B0604020202020204" pitchFamily="34" charset="0"/>
+              <a:cs typeface="Arial" panose="020B0604020202020204" pitchFamily="34" charset="0"/>
+            </a:endParaRPr>
           </a:p>
         </p:txBody>
       </p:sp>
@@ -11884,7 +11949,7 @@
     </p:extLst>
   </p:cSld>
   <p:clrMapOvr>
-    <a:masterClrMapping/>
+    <a:overrideClrMapping bg1="lt1" tx1="dk1" bg2="lt2" tx2="dk2" accent1="accent1" accent2="accent2" accent3="accent3" accent4="accent4" accent5="accent5" accent6="accent6" hlink="hlink" folHlink="folHlink"/>
   </p:clrMapOvr>
   <p:transition spd="slow">
     <p:randomBar dir="vert"/>
@@ -12649,29 +12714,6 @@
           <a:chExt cx="0" cy="0"/>
         </a:xfrm>
       </p:grpSpPr>
-      <p:sp>
-        <p:nvSpPr>
-          <p:cNvPr id="5" name="Slide Number Placeholder 4"/>
-          <p:cNvSpPr>
-            <a:spLocks noGrp="1"/>
-          </p:cNvSpPr>
-          <p:nvPr>
-            <p:ph type="sldNum" sz="quarter" idx="12"/>
-          </p:nvPr>
-        </p:nvSpPr>
-        <p:spPr/>
-        <p:txBody>
-          <a:bodyPr/>
-          <a:lstStyle/>
-          <a:p>
-            <a:fld id="{8C2E478F-E849-4A8C-AF1F-CBCC78A7CBFA}" type="slidenum">
-              <a:rPr lang="en-US" smtClean="0"/>
-              <a:t>2</a:t>
-            </a:fld>
-            <a:endParaRPr lang="en-US" dirty="0"/>
-          </a:p>
-        </p:txBody>
-      </p:sp>
       <p:pic>
         <p:nvPicPr>
           <p:cNvPr id="9" name="Picture Placeholder 8"/>
@@ -12697,6 +12739,29 @@
         </p:blipFill>
         <p:spPr/>
       </p:pic>
+      <p:sp>
+        <p:nvSpPr>
+          <p:cNvPr id="5" name="Slide Number Placeholder 4"/>
+          <p:cNvSpPr>
+            <a:spLocks noGrp="1"/>
+          </p:cNvSpPr>
+          <p:nvPr>
+            <p:ph type="sldNum" sz="quarter" idx="12"/>
+          </p:nvPr>
+        </p:nvSpPr>
+        <p:spPr/>
+        <p:txBody>
+          <a:bodyPr/>
+          <a:lstStyle/>
+          <a:p>
+            <a:fld id="{8C2E478F-E849-4A8C-AF1F-CBCC78A7CBFA}" type="slidenum">
+              <a:rPr lang="en-US" smtClean="0"/>
+              <a:t>2</a:t>
+            </a:fld>
+            <a:endParaRPr lang="en-US" dirty="0"/>
+          </a:p>
+        </p:txBody>
+      </p:sp>
       <p:sp>
         <p:nvSpPr>
           <p:cNvPr id="7" name="Block Arc 6"/>
@@ -13393,27 +13458,13 @@
               </a:spcAft>
             </a:pPr>
             <a:r>
-              <a:rPr lang="en-US" sz="2700" dirty="0" smtClean="0">
+              <a:rPr lang="en-US" sz="2400" smtClean="0">
                 <a:latin typeface="Arial" panose="020B0604020202020204" pitchFamily="34" charset="0"/>
                 <a:cs typeface="Arial" panose="020B0604020202020204" pitchFamily="34" charset="0"/>
               </a:rPr>
-              <a:t>Đăng </a:t>
-            </a:r>
-            <a:r>
-              <a:rPr lang="en-US" sz="2700" dirty="0">
-                <a:latin typeface="Arial" panose="020B0604020202020204" pitchFamily="34" charset="0"/>
-                <a:cs typeface="Arial" panose="020B0604020202020204" pitchFamily="34" charset="0"/>
-              </a:rPr>
-              <a:t>nhập, đăng </a:t>
-            </a:r>
-            <a:r>
-              <a:rPr lang="en-US" sz="2700" dirty="0" smtClean="0">
-                <a:latin typeface="Arial" panose="020B0604020202020204" pitchFamily="34" charset="0"/>
-                <a:cs typeface="Arial" panose="020B0604020202020204" pitchFamily="34" charset="0"/>
-              </a:rPr>
-              <a:t>xuất</a:t>
-            </a:r>
-            <a:endParaRPr lang="en-US" sz="2700" dirty="0">
+              <a:t>Kích hoạt và hủy kích hoạt</a:t>
+            </a:r>
+            <a:endParaRPr lang="en-US" sz="2400" dirty="0">
               <a:latin typeface="Arial" panose="020B0604020202020204" pitchFamily="34" charset="0"/>
               <a:cs typeface="Arial" panose="020B0604020202020204" pitchFamily="34" charset="0"/>
             </a:endParaRPr>
@@ -14352,7 +14403,7 @@
           </a:bodyPr>
           <a:lstStyle/>
           <a:p>
-            <a:pPr algn="ctr" defTabSz="1200150">
+            <a:pPr lvl="1" algn="ctr" defTabSz="1200150">
               <a:lnSpc>
                 <a:spcPct val="90000"/>
               </a:lnSpc>
@@ -16792,14 +16843,6 @@
 <file path=ppt/slides/slide4.xml><?xml version="1.0" encoding="utf-8"?>
 <p:sld xmlns:a="http://schemas.openxmlformats.org/drawingml/2006/main" xmlns:r="http://schemas.openxmlformats.org/officeDocument/2006/relationships" xmlns:p="http://schemas.openxmlformats.org/presentationml/2006/main">
   <p:cSld>
-    <p:bg>
-      <p:bgPr>
-        <a:solidFill>
-          <a:srgbClr val="E5E5E5"/>
-        </a:solidFill>
-        <a:effectLst/>
-      </p:bgPr>
-    </p:bg>
     <p:spTree>
       <p:nvGrpSpPr>
         <p:cNvPr id="1" name=""/>
@@ -16877,11 +16920,18 @@
               </a:spcAft>
             </a:pPr>
             <a:r>
+              <a:rPr lang="en-US" sz="2800" smtClean="0">
+                <a:latin typeface="Arial" panose="020B0604020202020204" pitchFamily="34" charset="0"/>
+                <a:cs typeface="Arial" panose="020B0604020202020204" pitchFamily="34" charset="0"/>
+              </a:rPr>
+              <a:t>VIDEO HỆ </a:t>
+            </a:r>
+            <a:r>
               <a:rPr lang="en-US" sz="2800" dirty="0" smtClean="0">
                 <a:latin typeface="Arial" panose="020B0604020202020204" pitchFamily="34" charset="0"/>
                 <a:cs typeface="Arial" panose="020B0604020202020204" pitchFamily="34" charset="0"/>
               </a:rPr>
-              <a:t>HỆ THỐNG BẢO VỆ VÀ CẢNH BÁO</a:t>
+              <a:t>THỐNG BẢO VỆ VÀ CẢNH BÁO</a:t>
             </a:r>
             <a:endParaRPr lang="en-US" sz="2800" dirty="0">
               <a:latin typeface="Arial" panose="020B0604020202020204" pitchFamily="34" charset="0"/>
@@ -16890,40 +16940,10 @@
           </a:p>
         </p:txBody>
       </p:sp>
-      <p:pic>
-        <p:nvPicPr>
-          <p:cNvPr id="7" name="Picture 6"/>
-          <p:cNvPicPr>
-            <a:picLocks noChangeAspect="1"/>
-          </p:cNvPicPr>
-          <p:nvPr/>
-        </p:nvPicPr>
-        <p:blipFill>
-          <a:blip r:embed="rId3">
-            <a:extLst>
-              <a:ext uri="{28A0092B-C50C-407E-A947-70E740481C1C}">
-                <a14:useLocalDpi xmlns:a14="http://schemas.microsoft.com/office/drawing/2010/main" val="0"/>
-              </a:ext>
-            </a:extLst>
-          </a:blip>
-          <a:stretch>
-            <a:fillRect/>
-          </a:stretch>
-        </p:blipFill>
-        <p:spPr>
-          <a:xfrm>
-            <a:off x="1360271" y="1595330"/>
-            <a:ext cx="9555126" cy="4977024"/>
-          </a:xfrm>
-          <a:prstGeom prst="rect">
-            <a:avLst/>
-          </a:prstGeom>
-        </p:spPr>
-      </p:pic>
     </p:spTree>
     <p:extLst>
       <p:ext uri="{BB962C8B-B14F-4D97-AF65-F5344CB8AC3E}">
-        <p14:creationId xmlns:p14="http://schemas.microsoft.com/office/powerpoint/2010/main" val="1084918514"/>
+        <p14:creationId xmlns:p14="http://schemas.microsoft.com/office/powerpoint/2010/main" val="180755385"/>
       </p:ext>
     </p:extLst>
   </p:cSld>
@@ -16946,14 +16966,6 @@
 <file path=ppt/slides/slide5.xml><?xml version="1.0" encoding="utf-8"?>
 <p:sld xmlns:a="http://schemas.openxmlformats.org/drawingml/2006/main" xmlns:r="http://schemas.openxmlformats.org/officeDocument/2006/relationships" xmlns:p="http://schemas.openxmlformats.org/presentationml/2006/main">
   <p:cSld>
-    <p:bg>
-      <p:bgPr>
-        <a:solidFill>
-          <a:srgbClr val="E5E5E5"/>
-        </a:solidFill>
-        <a:effectLst/>
-      </p:bgPr>
-    </p:bg>
     <p:spTree>
       <p:nvGrpSpPr>
         <p:cNvPr id="1" name=""/>
@@ -17005,7 +17017,7 @@
         </p:nvSpPr>
         <p:spPr>
           <a:xfrm>
-            <a:off x="2498377" y="494469"/>
+            <a:off x="2456484" y="461021"/>
             <a:ext cx="7278915" cy="480131"/>
           </a:xfrm>
           <a:prstGeom prst="rect">
@@ -17019,7 +17031,7 @@
           </a:bodyPr>
           <a:lstStyle/>
           <a:p>
-            <a:pPr algn="ctr" defTabSz="1200150">
+            <a:pPr lvl="0" algn="ctr" defTabSz="1200150">
               <a:lnSpc>
                 <a:spcPct val="90000"/>
               </a:lnSpc>
@@ -17035,7 +17047,7 @@
                 <a:latin typeface="Arial" panose="020B0604020202020204" pitchFamily="34" charset="0"/>
                 <a:cs typeface="Arial" panose="020B0604020202020204" pitchFamily="34" charset="0"/>
               </a:rPr>
-              <a:t>HỆ THỐNG BẢO VỆ VÀ CẢNH BÁO</a:t>
+              <a:t>PHÁT VIDEO</a:t>
             </a:r>
             <a:endParaRPr lang="en-US" sz="2800" dirty="0">
               <a:latin typeface="Arial" panose="020B0604020202020204" pitchFamily="34" charset="0"/>
@@ -17044,40 +17056,193 @@
           </a:p>
         </p:txBody>
       </p:sp>
-      <p:pic>
-        <p:nvPicPr>
-          <p:cNvPr id="6" name="Picture 5"/>
-          <p:cNvPicPr>
-            <a:picLocks noChangeAspect="1"/>
-          </p:cNvPicPr>
+      <p:sp>
+        <p:nvSpPr>
+          <p:cNvPr id="4" name="TextBox 3"/>
+          <p:cNvSpPr txBox="1"/>
           <p:nvPr/>
-        </p:nvPicPr>
-        <p:blipFill>
-          <a:blip r:embed="rId3">
-            <a:extLst>
-              <a:ext uri="{28A0092B-C50C-407E-A947-70E740481C1C}">
-                <a14:useLocalDpi xmlns:a14="http://schemas.microsoft.com/office/drawing/2010/main" val="0"/>
-              </a:ext>
-            </a:extLst>
-          </a:blip>
-          <a:stretch>
-            <a:fillRect/>
-          </a:stretch>
-        </p:blipFill>
+        </p:nvSpPr>
         <p:spPr>
           <a:xfrm>
-            <a:off x="2057356" y="1648234"/>
-            <a:ext cx="8077288" cy="5209765"/>
+            <a:off x="674913" y="1381684"/>
+            <a:ext cx="10874355" cy="646331"/>
           </a:xfrm>
           <a:prstGeom prst="rect">
             <a:avLst/>
           </a:prstGeom>
+          <a:noFill/>
         </p:spPr>
-      </p:pic>
+        <p:txBody>
+          <a:bodyPr wrap="square" rtlCol="0">
+            <a:spAutoFit/>
+          </a:bodyPr>
+          <a:lstStyle/>
+          <a:p>
+            <a:pPr>
+              <a:lnSpc>
+                <a:spcPct val="150000"/>
+              </a:lnSpc>
+            </a:pPr>
+            <a:r>
+              <a:rPr lang="en-US" sz="2400" smtClean="0">
+                <a:latin typeface="Arial" panose="020B0604020202020204" pitchFamily="34" charset="0"/>
+                <a:cs typeface="Arial" panose="020B0604020202020204" pitchFamily="34" charset="0"/>
+              </a:rPr>
+              <a:t>Thời lượng video(s): 50, 60, 40</a:t>
+            </a:r>
+          </a:p>
+        </p:txBody>
+      </p:sp>
+      <p:sp>
+        <p:nvSpPr>
+          <p:cNvPr id="5" name="TextBox 4"/>
+          <p:cNvSpPr txBox="1"/>
+          <p:nvPr/>
+        </p:nvSpPr>
+        <p:spPr>
+          <a:xfrm>
+            <a:off x="674913" y="4075136"/>
+            <a:ext cx="10874355" cy="830997"/>
+          </a:xfrm>
+          <a:prstGeom prst="rect">
+            <a:avLst/>
+          </a:prstGeom>
+          <a:noFill/>
+        </p:spPr>
+        <p:txBody>
+          <a:bodyPr wrap="square" rtlCol="0">
+            <a:spAutoFit/>
+          </a:bodyPr>
+          <a:lstStyle/>
+          <a:p>
+            <a:r>
+              <a:rPr lang="en-US" sz="2400" smtClean="0">
+                <a:latin typeface="Arial" panose="020B0604020202020204" pitchFamily="34" charset="0"/>
+                <a:cs typeface="Arial" panose="020B0604020202020204" pitchFamily="34" charset="0"/>
+              </a:rPr>
+              <a:t>Thời gian phát của video = (Thời gian hệ thống % tổng thời gian video) </a:t>
+            </a:r>
+          </a:p>
+          <a:p>
+            <a:r>
+              <a:rPr lang="en-US" sz="2400" smtClean="0">
+                <a:latin typeface="Arial" panose="020B0604020202020204" pitchFamily="34" charset="0"/>
+                <a:cs typeface="Arial" panose="020B0604020202020204" pitchFamily="34" charset="0"/>
+              </a:rPr>
+              <a:t>			-  thời gian đầu của video gần nhất – random(500ms)</a:t>
+            </a:r>
+            <a:endParaRPr lang="en-US" sz="2400">
+              <a:latin typeface="Arial" panose="020B0604020202020204" pitchFamily="34" charset="0"/>
+              <a:cs typeface="Arial" panose="020B0604020202020204" pitchFamily="34" charset="0"/>
+            </a:endParaRPr>
+          </a:p>
+        </p:txBody>
+      </p:sp>
+      <p:sp>
+        <p:nvSpPr>
+          <p:cNvPr id="6" name="TextBox 5"/>
+          <p:cNvSpPr txBox="1"/>
+          <p:nvPr/>
+        </p:nvSpPr>
+        <p:spPr>
+          <a:xfrm>
+            <a:off x="674913" y="5514196"/>
+            <a:ext cx="10874355" cy="830997"/>
+          </a:xfrm>
+          <a:prstGeom prst="rect">
+            <a:avLst/>
+          </a:prstGeom>
+          <a:noFill/>
+        </p:spPr>
+        <p:txBody>
+          <a:bodyPr wrap="square" rtlCol="0">
+            <a:spAutoFit/>
+          </a:bodyPr>
+          <a:lstStyle/>
+          <a:p>
+            <a:r>
+              <a:rPr lang="en-US" sz="2400" smtClean="0">
+                <a:latin typeface="Arial" panose="020B0604020202020204" pitchFamily="34" charset="0"/>
+                <a:cs typeface="Arial" panose="020B0604020202020204" pitchFamily="34" charset="0"/>
+              </a:rPr>
+              <a:t>VD: </a:t>
+            </a:r>
+            <a:r>
+              <a:rPr lang="en-US" sz="2400">
+                <a:latin typeface="Arial" panose="020B0604020202020204" pitchFamily="34" charset="0"/>
+                <a:cs typeface="Arial" panose="020B0604020202020204" pitchFamily="34" charset="0"/>
+              </a:rPr>
+              <a:t>Thời gian hệ thống % tổng thời gian </a:t>
+            </a:r>
+            <a:r>
+              <a:rPr lang="en-US" sz="2400" smtClean="0">
+                <a:latin typeface="Arial" panose="020B0604020202020204" pitchFamily="34" charset="0"/>
+                <a:cs typeface="Arial" panose="020B0604020202020204" pitchFamily="34" charset="0"/>
+              </a:rPr>
+              <a:t>video = 55s</a:t>
+            </a:r>
+          </a:p>
+          <a:p>
+            <a:r>
+              <a:rPr lang="en-US" sz="2400">
+                <a:latin typeface="Arial" panose="020B0604020202020204" pitchFamily="34" charset="0"/>
+                <a:cs typeface="Arial" panose="020B0604020202020204" pitchFamily="34" charset="0"/>
+              </a:rPr>
+              <a:t>	</a:t>
+            </a:r>
+            <a:r>
+              <a:rPr lang="en-US" sz="2400" smtClean="0">
+                <a:latin typeface="Arial" panose="020B0604020202020204" pitchFamily="34" charset="0"/>
+                <a:cs typeface="Arial" panose="020B0604020202020204" pitchFamily="34" charset="0"/>
+              </a:rPr>
+              <a:t>thời gian phát video =  55000 – 50.000 – random(500ms)  </a:t>
+            </a:r>
+            <a:endParaRPr lang="en-US" sz="2400">
+              <a:latin typeface="Arial" panose="020B0604020202020204" pitchFamily="34" charset="0"/>
+              <a:cs typeface="Arial" panose="020B0604020202020204" pitchFamily="34" charset="0"/>
+            </a:endParaRPr>
+          </a:p>
+        </p:txBody>
+      </p:sp>
+      <p:sp>
+        <p:nvSpPr>
+          <p:cNvPr id="8" name="TextBox 7"/>
+          <p:cNvSpPr txBox="1"/>
+          <p:nvPr/>
+        </p:nvSpPr>
+        <p:spPr>
+          <a:xfrm>
+            <a:off x="674913" y="2636077"/>
+            <a:ext cx="10874355" cy="830997"/>
+          </a:xfrm>
+          <a:prstGeom prst="rect">
+            <a:avLst/>
+          </a:prstGeom>
+          <a:noFill/>
+        </p:spPr>
+        <p:txBody>
+          <a:bodyPr wrap="square" rtlCol="0">
+            <a:spAutoFit/>
+          </a:bodyPr>
+          <a:lstStyle/>
+          <a:p>
+            <a:r>
+              <a:rPr lang="en-US" sz="2400">
+                <a:latin typeface="Arial" panose="020B0604020202020204" pitchFamily="34" charset="0"/>
+                <a:cs typeface="Arial" panose="020B0604020202020204" pitchFamily="34" charset="0"/>
+              </a:rPr>
+              <a:t>Mảng(ms): [0, 50.000, 110.000, 150.000] </a:t>
+            </a:r>
+          </a:p>
+          <a:p>
+            <a:endParaRPr lang="en-US" sz="2400"/>
+          </a:p>
+        </p:txBody>
+      </p:sp>
     </p:spTree>
     <p:extLst>
       <p:ext uri="{BB962C8B-B14F-4D97-AF65-F5344CB8AC3E}">
-        <p14:creationId xmlns:p14="http://schemas.microsoft.com/office/powerpoint/2010/main" val="2341878764"/>
+        <p14:creationId xmlns:p14="http://schemas.microsoft.com/office/powerpoint/2010/main" val="577627825"/>
       </p:ext>
     </p:extLst>
   </p:cSld>
@@ -17177,206 +17342,23 @@
               </a:spcAft>
             </a:pPr>
             <a:r>
-              <a:rPr lang="en-US" sz="2800" dirty="0" smtClean="0">
+              <a:rPr lang="en-US" sz="2800" smtClean="0">
                 <a:latin typeface="Arial" panose="020B0604020202020204" pitchFamily="34" charset="0"/>
                 <a:cs typeface="Arial" panose="020B0604020202020204" pitchFamily="34" charset="0"/>
               </a:rPr>
-              <a:t>PHÁT VIDEO</a:t>
+              <a:t>VIDEO PHÁT VIDEO INTRO</a:t>
             </a:r>
             <a:endParaRPr lang="en-US" sz="2800" dirty="0">
               <a:latin typeface="Arial" panose="020B0604020202020204" pitchFamily="34" charset="0"/>
               <a:cs typeface="Arial" panose="020B0604020202020204" pitchFamily="34" charset="0"/>
             </a:endParaRPr>
-          </a:p>
-        </p:txBody>
-      </p:sp>
-      <p:sp>
-        <p:nvSpPr>
-          <p:cNvPr id="4" name="TextBox 3"/>
-          <p:cNvSpPr txBox="1"/>
-          <p:nvPr/>
-        </p:nvSpPr>
-        <p:spPr>
-          <a:xfrm>
-            <a:off x="674913" y="1381684"/>
-            <a:ext cx="10874355" cy="646331"/>
-          </a:xfrm>
-          <a:prstGeom prst="rect">
-            <a:avLst/>
-          </a:prstGeom>
-          <a:noFill/>
-        </p:spPr>
-        <p:txBody>
-          <a:bodyPr wrap="square" rtlCol="0">
-            <a:spAutoFit/>
-          </a:bodyPr>
-          <a:lstStyle/>
-          <a:p>
-            <a:pPr>
-              <a:lnSpc>
-                <a:spcPct val="150000"/>
-              </a:lnSpc>
-            </a:pPr>
-            <a:r>
-              <a:rPr lang="en-US" sz="2400" smtClean="0">
-                <a:latin typeface="Arial" panose="020B0604020202020204" pitchFamily="34" charset="0"/>
-                <a:cs typeface="Arial" panose="020B0604020202020204" pitchFamily="34" charset="0"/>
-              </a:rPr>
-              <a:t>Thời lượng video(s): 50, 60, 40</a:t>
-            </a:r>
-          </a:p>
-        </p:txBody>
-      </p:sp>
-      <p:sp>
-        <p:nvSpPr>
-          <p:cNvPr id="5" name="TextBox 4"/>
-          <p:cNvSpPr txBox="1"/>
-          <p:nvPr/>
-        </p:nvSpPr>
-        <p:spPr>
-          <a:xfrm>
-            <a:off x="674913" y="4075136"/>
-            <a:ext cx="10874355" cy="830997"/>
-          </a:xfrm>
-          <a:prstGeom prst="rect">
-            <a:avLst/>
-          </a:prstGeom>
-          <a:noFill/>
-        </p:spPr>
-        <p:txBody>
-          <a:bodyPr wrap="square" rtlCol="0">
-            <a:spAutoFit/>
-          </a:bodyPr>
-          <a:lstStyle/>
-          <a:p>
-            <a:r>
-              <a:rPr lang="en-US" sz="2400" smtClean="0">
-                <a:latin typeface="Arial" panose="020B0604020202020204" pitchFamily="34" charset="0"/>
-                <a:cs typeface="Arial" panose="020B0604020202020204" pitchFamily="34" charset="0"/>
-              </a:rPr>
-              <a:t>Thời gian phát của video = (Thời gian hệ thống % tổng thời gian video) </a:t>
-            </a:r>
-          </a:p>
-          <a:p>
-            <a:r>
-              <a:rPr lang="en-US" sz="2400" smtClean="0">
-                <a:latin typeface="Arial" panose="020B0604020202020204" pitchFamily="34" charset="0"/>
-                <a:cs typeface="Arial" panose="020B0604020202020204" pitchFamily="34" charset="0"/>
-              </a:rPr>
-              <a:t>			-  thời gian đầu của video gần nhất – random(500ms)</a:t>
-            </a:r>
-            <a:endParaRPr lang="en-US" sz="2400">
-              <a:latin typeface="Arial" panose="020B0604020202020204" pitchFamily="34" charset="0"/>
-              <a:cs typeface="Arial" panose="020B0604020202020204" pitchFamily="34" charset="0"/>
-            </a:endParaRPr>
-          </a:p>
-        </p:txBody>
-      </p:sp>
-      <p:sp>
-        <p:nvSpPr>
-          <p:cNvPr id="6" name="TextBox 5"/>
-          <p:cNvSpPr txBox="1"/>
-          <p:nvPr/>
-        </p:nvSpPr>
-        <p:spPr>
-          <a:xfrm>
-            <a:off x="674913" y="5514196"/>
-            <a:ext cx="10874355" cy="830997"/>
-          </a:xfrm>
-          <a:prstGeom prst="rect">
-            <a:avLst/>
-          </a:prstGeom>
-          <a:noFill/>
-        </p:spPr>
-        <p:txBody>
-          <a:bodyPr wrap="square" rtlCol="0">
-            <a:spAutoFit/>
-          </a:bodyPr>
-          <a:lstStyle/>
-          <a:p>
-            <a:r>
-              <a:rPr lang="en-US" sz="2400" smtClean="0">
-                <a:latin typeface="Arial" panose="020B0604020202020204" pitchFamily="34" charset="0"/>
-                <a:cs typeface="Arial" panose="020B0604020202020204" pitchFamily="34" charset="0"/>
-              </a:rPr>
-              <a:t>VD: </a:t>
-            </a:r>
-            <a:r>
-              <a:rPr lang="en-US" sz="2400">
-                <a:latin typeface="Arial" panose="020B0604020202020204" pitchFamily="34" charset="0"/>
-                <a:cs typeface="Arial" panose="020B0604020202020204" pitchFamily="34" charset="0"/>
-              </a:rPr>
-              <a:t>Thời gian hệ thống % tổng thời gian </a:t>
-            </a:r>
-            <a:r>
-              <a:rPr lang="en-US" sz="2400" smtClean="0">
-                <a:latin typeface="Arial" panose="020B0604020202020204" pitchFamily="34" charset="0"/>
-                <a:cs typeface="Arial" panose="020B0604020202020204" pitchFamily="34" charset="0"/>
-              </a:rPr>
-              <a:t>video = 55s</a:t>
-            </a:r>
-          </a:p>
-          <a:p>
-            <a:r>
-              <a:rPr lang="en-US" sz="2400">
-                <a:latin typeface="Arial" panose="020B0604020202020204" pitchFamily="34" charset="0"/>
-                <a:cs typeface="Arial" panose="020B0604020202020204" pitchFamily="34" charset="0"/>
-              </a:rPr>
-              <a:t>	</a:t>
-            </a:r>
-            <a:r>
-              <a:rPr lang="en-US" sz="2400" smtClean="0">
-                <a:latin typeface="Arial" panose="020B0604020202020204" pitchFamily="34" charset="0"/>
-                <a:cs typeface="Arial" panose="020B0604020202020204" pitchFamily="34" charset="0"/>
-              </a:rPr>
-              <a:t>thời gian phát video =  55000 – 50.000 – random(500ms)  </a:t>
-            </a:r>
-            <a:endParaRPr lang="en-US" sz="2400">
-              <a:latin typeface="Arial" panose="020B0604020202020204" pitchFamily="34" charset="0"/>
-              <a:cs typeface="Arial" panose="020B0604020202020204" pitchFamily="34" charset="0"/>
-            </a:endParaRPr>
-          </a:p>
-        </p:txBody>
-      </p:sp>
-      <p:sp>
-        <p:nvSpPr>
-          <p:cNvPr id="8" name="TextBox 7"/>
-          <p:cNvSpPr txBox="1"/>
-          <p:nvPr/>
-        </p:nvSpPr>
-        <p:spPr>
-          <a:xfrm>
-            <a:off x="674913" y="2636077"/>
-            <a:ext cx="10874355" cy="830997"/>
-          </a:xfrm>
-          <a:prstGeom prst="rect">
-            <a:avLst/>
-          </a:prstGeom>
-          <a:noFill/>
-        </p:spPr>
-        <p:txBody>
-          <a:bodyPr wrap="square" rtlCol="0">
-            <a:spAutoFit/>
-          </a:bodyPr>
-          <a:lstStyle/>
-          <a:p>
-            <a:r>
-              <a:rPr lang="en-US" sz="2400">
-                <a:latin typeface="Arial" panose="020B0604020202020204" pitchFamily="34" charset="0"/>
-                <a:cs typeface="Arial" panose="020B0604020202020204" pitchFamily="34" charset="0"/>
-              </a:rPr>
-              <a:t>Mảng(ms): [0, 50.000, 110.000, 150.000] </a:t>
-            </a:r>
-          </a:p>
-          <a:p>
-            <a:endParaRPr lang="en-US" sz="2400"/>
           </a:p>
         </p:txBody>
       </p:sp>
     </p:spTree>
     <p:extLst>
       <p:ext uri="{BB962C8B-B14F-4D97-AF65-F5344CB8AC3E}">
-        <p14:creationId xmlns:p14="http://schemas.microsoft.com/office/powerpoint/2010/main" val="577627825"/>
+        <p14:creationId xmlns:p14="http://schemas.microsoft.com/office/powerpoint/2010/main" val="102220046"/>
       </p:ext>
     </p:extLst>
   </p:cSld>
@@ -19135,6 +19117,49 @@
 </a:theme>
 </file>
 
+<file path=ppt/theme/themeOverride1.xml><?xml version="1.0" encoding="utf-8"?>
+<a:themeOverride xmlns:a="http://schemas.openxmlformats.org/drawingml/2006/main">
+  <a:clrScheme name="Custom 5">
+    <a:dk1>
+      <a:sysClr val="windowText" lastClr="000000"/>
+    </a:dk1>
+    <a:lt1>
+      <a:sysClr val="window" lastClr="FFFFFF"/>
+    </a:lt1>
+    <a:dk2>
+      <a:srgbClr val="44546A"/>
+    </a:dk2>
+    <a:lt2>
+      <a:srgbClr val="E7E6E6"/>
+    </a:lt2>
+    <a:accent1>
+      <a:srgbClr val="A53F52"/>
+    </a:accent1>
+    <a:accent2>
+      <a:srgbClr val="E99757"/>
+    </a:accent2>
+    <a:accent3>
+      <a:srgbClr val="2F3342"/>
+    </a:accent3>
+    <a:accent4>
+      <a:srgbClr val="2C2153"/>
+    </a:accent4>
+    <a:accent5>
+      <a:srgbClr val="01023B"/>
+    </a:accent5>
+    <a:accent6>
+      <a:srgbClr val="7F7F7F"/>
+    </a:accent6>
+    <a:hlink>
+      <a:srgbClr val="3A3838"/>
+    </a:hlink>
+    <a:folHlink>
+      <a:srgbClr val="D0CECE"/>
+    </a:folHlink>
+  </a:clrScheme>
+</a:themeOverride>
+</file>
+
 <file path=customXml/item1.xml><?xml version="1.0" encoding="utf-8"?>
 <ct:contentTypeSchema xmlns:ct="http://schemas.microsoft.com/office/2006/metadata/contentType" xmlns:ma="http://schemas.microsoft.com/office/2006/metadata/properties/metaAttributes" ct:_="" ma:_="" ma:contentTypeName="Document" ma:contentTypeID="0x01010079F111ED35F8CC479449609E8A0923A6" ma:contentTypeVersion="11" ma:contentTypeDescription="Create a new document." ma:contentTypeScope="" ma:versionID="96291512c1ee715ab617f4c07df79fc1">
   <xsd:schema xmlns:xsd="http://www.w3.org/2001/XMLSchema" xmlns:xs="http://www.w3.org/2001/XMLSchema" xmlns:p="http://schemas.microsoft.com/office/2006/metadata/properties" xmlns:ns2="71af3243-3dd4-4a8d-8c0d-dd76da1f02a5" xmlns:ns3="16c05727-aa75-4e4a-9b5f-8a80a1165891" targetNamespace="http://schemas.microsoft.com/office/2006/metadata/properties" ma:root="true" ma:fieldsID="8256c27c40ca5c40ce1cf6c44f0205df" ns2:_="" ns3:_="">
@@ -19347,20 +19372,20 @@
 </file>
 
 <file path=customXml/item2.xml><?xml version="1.0" encoding="utf-8"?>
-<p:properties xmlns:p="http://schemas.microsoft.com/office/2006/metadata/properties" xmlns:xsi="http://www.w3.org/2001/XMLSchema-instance" xmlns:pc="http://schemas.microsoft.com/office/infopath/2007/PartnerControls">
-  <documentManagement>
-    <MediaServiceKeyPoints xmlns="71af3243-3dd4-4a8d-8c0d-dd76da1f02a5" xsi:nil="true"/>
-  </documentManagement>
-</p:properties>
-</file>
-
-<file path=customXml/item3.xml><?xml version="1.0" encoding="utf-8"?>
 <?mso-contentType ?>
 <FormTemplates xmlns="http://schemas.microsoft.com/sharepoint/v3/contenttype/forms">
   <Display>DocumentLibraryForm</Display>
   <Edit>DocumentLibraryForm</Edit>
   <New>DocumentLibraryForm</New>
 </FormTemplates>
+</file>
+
+<file path=customXml/item3.xml><?xml version="1.0" encoding="utf-8"?>
+<p:properties xmlns:p="http://schemas.microsoft.com/office/2006/metadata/properties" xmlns:xsi="http://www.w3.org/2001/XMLSchema-instance" xmlns:pc="http://schemas.microsoft.com/office/infopath/2007/PartnerControls">
+  <documentManagement>
+    <MediaServiceKeyPoints xmlns="71af3243-3dd4-4a8d-8c0d-dd76da1f02a5" xsi:nil="true"/>
+  </documentManagement>
+</p:properties>
 </file>
 
 <file path=customXml/itemProps1.xml><?xml version="1.0" encoding="utf-8"?>
@@ -19383,26 +19408,26 @@
 </file>
 
 <file path=customXml/itemProps2.xml><?xml version="1.0" encoding="utf-8"?>
-<ds:datastoreItem xmlns:ds="http://schemas.openxmlformats.org/officeDocument/2006/customXml" ds:itemID="{22E71848-B78E-4D58-BFA5-D2D5918911CD}">
+<ds:datastoreItem xmlns:ds="http://schemas.openxmlformats.org/officeDocument/2006/customXml" ds:itemID="{89B3E157-1CAC-4231-A2EC-E93952D57E42}">
   <ds:schemaRefs>
-    <ds:schemaRef ds:uri="http://purl.org/dc/dcmitype/"/>
-    <ds:schemaRef ds:uri="http://purl.org/dc/elements/1.1/"/>
-    <ds:schemaRef ds:uri="http://schemas.microsoft.com/office/infopath/2007/PartnerControls"/>
-    <ds:schemaRef ds:uri="http://purl.org/dc/terms/"/>
-    <ds:schemaRef ds:uri="http://schemas.microsoft.com/office/2006/metadata/properties"/>
-    <ds:schemaRef ds:uri="http://schemas.microsoft.com/office/2006/documentManagement/types"/>
-    <ds:schemaRef ds:uri="16c05727-aa75-4e4a-9b5f-8a80a1165891"/>
-    <ds:schemaRef ds:uri="http://schemas.openxmlformats.org/package/2006/metadata/core-properties"/>
-    <ds:schemaRef ds:uri="71af3243-3dd4-4a8d-8c0d-dd76da1f02a5"/>
-    <ds:schemaRef ds:uri="http://www.w3.org/XML/1998/namespace"/>
+    <ds:schemaRef ds:uri="http://schemas.microsoft.com/sharepoint/v3/contenttype/forms"/>
   </ds:schemaRefs>
 </ds:datastoreItem>
 </file>
 
 <file path=customXml/itemProps3.xml><?xml version="1.0" encoding="utf-8"?>
-<ds:datastoreItem xmlns:ds="http://schemas.openxmlformats.org/officeDocument/2006/customXml" ds:itemID="{89B3E157-1CAC-4231-A2EC-E93952D57E42}">
+<ds:datastoreItem xmlns:ds="http://schemas.openxmlformats.org/officeDocument/2006/customXml" ds:itemID="{22E71848-B78E-4D58-BFA5-D2D5918911CD}">
   <ds:schemaRefs>
-    <ds:schemaRef ds:uri="http://schemas.microsoft.com/sharepoint/v3/contenttype/forms"/>
+    <ds:schemaRef ds:uri="http://schemas.microsoft.com/office/infopath/2007/PartnerControls"/>
+    <ds:schemaRef ds:uri="http://schemas.microsoft.com/office/2006/metadata/properties"/>
+    <ds:schemaRef ds:uri="http://purl.org/dc/elements/1.1/"/>
+    <ds:schemaRef ds:uri="16c05727-aa75-4e4a-9b5f-8a80a1165891"/>
+    <ds:schemaRef ds:uri="http://schemas.microsoft.com/office/2006/documentManagement/types"/>
+    <ds:schemaRef ds:uri="http://purl.org/dc/dcmitype/"/>
+    <ds:schemaRef ds:uri="71af3243-3dd4-4a8d-8c0d-dd76da1f02a5"/>
+    <ds:schemaRef ds:uri="http://schemas.openxmlformats.org/package/2006/metadata/core-properties"/>
+    <ds:schemaRef ds:uri="http://www.w3.org/XML/1998/namespace"/>
+    <ds:schemaRef ds:uri="http://purl.org/dc/terms/"/>
   </ds:schemaRefs>
 </ds:datastoreItem>
 </file>